--- a/SUSTABIL - Apresentação real.pptx
+++ b/SUSTABIL - Apresentação real.pptx
@@ -6,12 +6,18 @@
   </p:sldMasterIdLst>
   <p:sldIdLst>
     <p:sldId id="256" r:id="rId2"/>
-    <p:sldId id="257" r:id="rId3"/>
-    <p:sldId id="258" r:id="rId4"/>
-    <p:sldId id="259" r:id="rId5"/>
-    <p:sldId id="260" r:id="rId6"/>
-    <p:sldId id="261" r:id="rId7"/>
-    <p:sldId id="262" r:id="rId8"/>
+    <p:sldId id="265" r:id="rId3"/>
+    <p:sldId id="264" r:id="rId4"/>
+    <p:sldId id="258" r:id="rId5"/>
+    <p:sldId id="259" r:id="rId6"/>
+    <p:sldId id="260" r:id="rId7"/>
+    <p:sldId id="263" r:id="rId8"/>
+    <p:sldId id="268" r:id="rId9"/>
+    <p:sldId id="262" r:id="rId10"/>
+    <p:sldId id="269" r:id="rId11"/>
+    <p:sldId id="266" r:id="rId12"/>
+    <p:sldId id="267" r:id="rId13"/>
+    <p:sldId id="261" r:id="rId14"/>
   </p:sldIdLst>
   <p:sldSz cx="12192000" cy="6858000"/>
   <p:notesSz cx="6858000" cy="9144000"/>
@@ -291,7 +297,7 @@
           <a:p>
             <a:fld id="{5D8AFB0F-FD72-4B7A-9B91-BDD5A838F994}" type="datetimeFigureOut">
               <a:rPr lang="pt-BR" smtClean="0"/>
-              <a:t>16/09/20</a:t>
+              <a:t>21/09/20</a:t>
             </a:fld>
             <a:endParaRPr lang="pt-BR"/>
           </a:p>
@@ -489,7 +495,7 @@
           <a:p>
             <a:fld id="{5D8AFB0F-FD72-4B7A-9B91-BDD5A838F994}" type="datetimeFigureOut">
               <a:rPr lang="pt-BR" smtClean="0"/>
-              <a:t>16/09/20</a:t>
+              <a:t>21/09/20</a:t>
             </a:fld>
             <a:endParaRPr lang="pt-BR"/>
           </a:p>
@@ -697,7 +703,7 @@
           <a:p>
             <a:fld id="{5D8AFB0F-FD72-4B7A-9B91-BDD5A838F994}" type="datetimeFigureOut">
               <a:rPr lang="pt-BR" smtClean="0"/>
-              <a:t>16/09/20</a:t>
+              <a:t>21/09/20</a:t>
             </a:fld>
             <a:endParaRPr lang="pt-BR"/>
           </a:p>
@@ -895,7 +901,7 @@
           <a:p>
             <a:fld id="{5D8AFB0F-FD72-4B7A-9B91-BDD5A838F994}" type="datetimeFigureOut">
               <a:rPr lang="pt-BR" smtClean="0"/>
-              <a:t>16/09/20</a:t>
+              <a:t>21/09/20</a:t>
             </a:fld>
             <a:endParaRPr lang="pt-BR"/>
           </a:p>
@@ -1170,7 +1176,7 @@
           <a:p>
             <a:fld id="{5D8AFB0F-FD72-4B7A-9B91-BDD5A838F994}" type="datetimeFigureOut">
               <a:rPr lang="pt-BR" smtClean="0"/>
-              <a:t>16/09/20</a:t>
+              <a:t>21/09/20</a:t>
             </a:fld>
             <a:endParaRPr lang="pt-BR"/>
           </a:p>
@@ -1435,7 +1441,7 @@
           <a:p>
             <a:fld id="{5D8AFB0F-FD72-4B7A-9B91-BDD5A838F994}" type="datetimeFigureOut">
               <a:rPr lang="pt-BR" smtClean="0"/>
-              <a:t>16/09/20</a:t>
+              <a:t>21/09/20</a:t>
             </a:fld>
             <a:endParaRPr lang="pt-BR"/>
           </a:p>
@@ -1847,7 +1853,7 @@
           <a:p>
             <a:fld id="{5D8AFB0F-FD72-4B7A-9B91-BDD5A838F994}" type="datetimeFigureOut">
               <a:rPr lang="pt-BR" smtClean="0"/>
-              <a:t>16/09/20</a:t>
+              <a:t>21/09/20</a:t>
             </a:fld>
             <a:endParaRPr lang="pt-BR"/>
           </a:p>
@@ -1988,7 +1994,7 @@
           <a:p>
             <a:fld id="{5D8AFB0F-FD72-4B7A-9B91-BDD5A838F994}" type="datetimeFigureOut">
               <a:rPr lang="pt-BR" smtClean="0"/>
-              <a:t>16/09/20</a:t>
+              <a:t>21/09/20</a:t>
             </a:fld>
             <a:endParaRPr lang="pt-BR"/>
           </a:p>
@@ -2101,7 +2107,7 @@
           <a:p>
             <a:fld id="{5D8AFB0F-FD72-4B7A-9B91-BDD5A838F994}" type="datetimeFigureOut">
               <a:rPr lang="pt-BR" smtClean="0"/>
-              <a:t>16/09/20</a:t>
+              <a:t>21/09/20</a:t>
             </a:fld>
             <a:endParaRPr lang="pt-BR"/>
           </a:p>
@@ -2412,7 +2418,7 @@
           <a:p>
             <a:fld id="{5D8AFB0F-FD72-4B7A-9B91-BDD5A838F994}" type="datetimeFigureOut">
               <a:rPr lang="pt-BR" smtClean="0"/>
-              <a:t>16/09/20</a:t>
+              <a:t>21/09/20</a:t>
             </a:fld>
             <a:endParaRPr lang="pt-BR"/>
           </a:p>
@@ -2700,7 +2706,7 @@
           <a:p>
             <a:fld id="{5D8AFB0F-FD72-4B7A-9B91-BDD5A838F994}" type="datetimeFigureOut">
               <a:rPr lang="pt-BR" smtClean="0"/>
-              <a:t>16/09/20</a:t>
+              <a:t>21/09/20</a:t>
             </a:fld>
             <a:endParaRPr lang="pt-BR"/>
           </a:p>
@@ -2941,7 +2947,7 @@
           <a:p>
             <a:fld id="{5D8AFB0F-FD72-4B7A-9B91-BDD5A838F994}" type="datetimeFigureOut">
               <a:rPr lang="pt-BR" smtClean="0"/>
-              <a:t>16/09/20</a:t>
+              <a:t>21/09/20</a:t>
             </a:fld>
             <a:endParaRPr lang="pt-BR"/>
           </a:p>
@@ -4600,1142 +4606,9 @@
 </p:sld>
 </file>
 
-<file path=ppt/slides/slide2.xml><?xml version="1.0" encoding="utf-8"?>
+<file path=ppt/slides/slide10.xml><?xml version="1.0" encoding="utf-8"?>
 <p:sld xmlns:a="http://schemas.openxmlformats.org/drawingml/2006/main" xmlns:r="http://schemas.openxmlformats.org/officeDocument/2006/relationships" xmlns:p="http://schemas.openxmlformats.org/presentationml/2006/main">
   <p:cSld>
-    <p:bg>
-      <p:bgPr>
-        <a:solidFill>
-          <a:schemeClr val="bg1"/>
-        </a:solidFill>
-        <a:effectLst/>
-      </p:bgPr>
-    </p:bg>
-    <p:spTree>
-      <p:nvGrpSpPr>
-        <p:cNvPr id="1" name=""/>
-        <p:cNvGrpSpPr/>
-        <p:nvPr/>
-      </p:nvGrpSpPr>
-      <p:grpSpPr>
-        <a:xfrm>
-          <a:off x="0" y="0"/>
-          <a:ext cx="0" cy="0"/>
-          <a:chOff x="0" y="0"/>
-          <a:chExt cx="0" cy="0"/>
-        </a:xfrm>
-      </p:grpSpPr>
-      <p:sp useBgFill="1">
-        <p:nvSpPr>
-          <p:cNvPr id="71" name="Rectangle 70">
-            <a:extLst>
-              <a:ext uri="{FF2B5EF4-FFF2-40B4-BE49-F238E27FC236}">
-                <a16:creationId xmlns:a16="http://schemas.microsoft.com/office/drawing/2014/main" id="{201CC55D-ED54-4C5C-95E6-10947BD1103B}"/>
-              </a:ext>
-              <a:ext uri="{C183D7F6-B498-43B3-948B-1728B52AA6E4}">
-                <adec:decorative xmlns:adec="http://schemas.microsoft.com/office/drawing/2017/decorative" val="1"/>
-              </a:ext>
-            </a:extLst>
-          </p:cNvPr>
-          <p:cNvSpPr>
-            <a:spLocks noGrp="1" noRot="1" noChangeAspect="1" noMove="1" noResize="1" noEditPoints="1" noAdjustHandles="1" noChangeArrowheads="1" noChangeShapeType="1" noTextEdit="1"/>
-          </p:cNvSpPr>
-          <p:nvPr>
-            <p:extLst>
-              <p:ext uri="{386F3935-93C4-4BCD-93E2-E3B085C9AB24}">
-                <p16:designElem xmlns:p16="http://schemas.microsoft.com/office/powerpoint/2015/main" val="1"/>
-              </p:ext>
-            </p:extLst>
-          </p:nvPr>
-        </p:nvSpPr>
-        <p:spPr>
-          <a:xfrm>
-            <a:off x="0" y="0"/>
-            <a:ext cx="12191999" cy="6857365"/>
-          </a:xfrm>
-          <a:prstGeom prst="rect">
-            <a:avLst/>
-          </a:prstGeom>
-          <a:ln>
-            <a:noFill/>
-          </a:ln>
-        </p:spPr>
-        <p:style>
-          <a:lnRef idx="2">
-            <a:schemeClr val="accent1">
-              <a:shade val="50000"/>
-            </a:schemeClr>
-          </a:lnRef>
-          <a:fillRef idx="1">
-            <a:schemeClr val="accent1"/>
-          </a:fillRef>
-          <a:effectRef idx="0">
-            <a:schemeClr val="accent1"/>
-          </a:effectRef>
-          <a:fontRef idx="minor">
-            <a:schemeClr val="lt1"/>
-          </a:fontRef>
-        </p:style>
-        <p:txBody>
-          <a:bodyPr rtlCol="0" anchor="ctr"/>
-          <a:lstStyle/>
-          <a:p>
-            <a:pPr algn="ctr"/>
-            <a:endParaRPr lang="en-US"/>
-          </a:p>
-        </p:txBody>
-      </p:sp>
-      <p:sp>
-        <p:nvSpPr>
-          <p:cNvPr id="2" name="Título 1">
-            <a:extLst>
-              <a:ext uri="{FF2B5EF4-FFF2-40B4-BE49-F238E27FC236}">
-                <a16:creationId xmlns:a16="http://schemas.microsoft.com/office/drawing/2014/main" id="{459672D8-2279-4C88-8623-C6CD16215792}"/>
-              </a:ext>
-            </a:extLst>
-          </p:cNvPr>
-          <p:cNvSpPr>
-            <a:spLocks noGrp="1"/>
-          </p:cNvSpPr>
-          <p:nvPr>
-            <p:ph type="title"/>
-          </p:nvPr>
-        </p:nvSpPr>
-        <p:spPr>
-          <a:xfrm>
-            <a:off x="589560" y="856180"/>
-            <a:ext cx="4560584" cy="1128068"/>
-          </a:xfrm>
-        </p:spPr>
-        <p:txBody>
-          <a:bodyPr anchor="ctr">
-            <a:normAutofit/>
-          </a:bodyPr>
-          <a:lstStyle/>
-          <a:p>
-            <a:r>
-              <a:rPr lang="pt-BR" sz="3700" dirty="0">
-                <a:latin typeface="Arial" panose="020B0604020202020204" pitchFamily="34" charset="0"/>
-                <a:cs typeface="Arial" panose="020B0604020202020204" pitchFamily="34" charset="0"/>
-              </a:rPr>
-              <a:t>Problema - Contexto</a:t>
-            </a:r>
-          </a:p>
-        </p:txBody>
-      </p:sp>
-      <p:grpSp>
-        <p:nvGrpSpPr>
-          <p:cNvPr id="73" name="Group 72">
-            <a:extLst>
-              <a:ext uri="{FF2B5EF4-FFF2-40B4-BE49-F238E27FC236}">
-                <a16:creationId xmlns:a16="http://schemas.microsoft.com/office/drawing/2014/main" id="{1DE889C7-FAD6-4397-98E2-05D503484459}"/>
-              </a:ext>
-              <a:ext uri="{C183D7F6-B498-43B3-948B-1728B52AA6E4}">
-                <adec:decorative xmlns:adec="http://schemas.microsoft.com/office/drawing/2017/decorative" val="1"/>
-              </a:ext>
-            </a:extLst>
-          </p:cNvPr>
-          <p:cNvGrpSpPr>
-            <a:grpSpLocks noGrp="1" noUngrp="1" noRot="1" noChangeAspect="1" noMove="1" noResize="1"/>
-          </p:cNvGrpSpPr>
-          <p:nvPr>
-            <p:extLst>
-              <p:ext uri="{386F3935-93C4-4BCD-93E2-E3B085C9AB24}">
-                <p16:designElem xmlns:p16="http://schemas.microsoft.com/office/powerpoint/2015/main" val="1"/>
-              </p:ext>
-            </p:extLst>
-          </p:nvPr>
-        </p:nvGrpSpPr>
-        <p:grpSpPr>
-          <a:xfrm>
-            <a:off x="0" y="1083484"/>
-            <a:ext cx="355196" cy="673460"/>
-            <a:chOff x="0" y="823811"/>
-            <a:chExt cx="355196" cy="673460"/>
-          </a:xfrm>
-        </p:grpSpPr>
-        <p:sp>
-          <p:nvSpPr>
-            <p:cNvPr id="74" name="Rectangle 73">
-              <a:extLst>
-                <a:ext uri="{FF2B5EF4-FFF2-40B4-BE49-F238E27FC236}">
-                  <a16:creationId xmlns:a16="http://schemas.microsoft.com/office/drawing/2014/main" id="{F399A70F-F8CD-4992-9EF5-6CF15472E73F}"/>
-                </a:ext>
-                <a:ext uri="{C183D7F6-B498-43B3-948B-1728B52AA6E4}">
-                  <adec:decorative xmlns:adec="http://schemas.microsoft.com/office/drawing/2017/decorative" val="1"/>
-                </a:ext>
-              </a:extLst>
-            </p:cNvPr>
-            <p:cNvSpPr/>
-            <p:nvPr>
-              <p:extLst>
-                <p:ext uri="{386F3935-93C4-4BCD-93E2-E3B085C9AB24}">
-                  <p16:designElem xmlns:p16="http://schemas.microsoft.com/office/powerpoint/2015/main" val="1"/>
-                </p:ext>
-              </p:extLst>
-            </p:nvPr>
-          </p:nvSpPr>
-          <p:spPr>
-            <a:xfrm>
-              <a:off x="0" y="823811"/>
-              <a:ext cx="87363" cy="673460"/>
-            </a:xfrm>
-            <a:prstGeom prst="rect">
-              <a:avLst/>
-            </a:prstGeom>
-            <a:solidFill>
-              <a:schemeClr val="accent4"/>
-            </a:solidFill>
-            <a:ln>
-              <a:noFill/>
-            </a:ln>
-          </p:spPr>
-          <p:style>
-            <a:lnRef idx="2">
-              <a:schemeClr val="accent1">
-                <a:shade val="50000"/>
-              </a:schemeClr>
-            </a:lnRef>
-            <a:fillRef idx="1">
-              <a:schemeClr val="accent1"/>
-            </a:fillRef>
-            <a:effectRef idx="0">
-              <a:schemeClr val="accent1"/>
-            </a:effectRef>
-            <a:fontRef idx="minor">
-              <a:schemeClr val="lt1"/>
-            </a:fontRef>
-          </p:style>
-          <p:txBody>
-            <a:bodyPr rtlCol="0" anchor="ctr"/>
-            <a:lstStyle/>
-            <a:p>
-              <a:pPr algn="ctr"/>
-              <a:endParaRPr lang="en-US"/>
-            </a:p>
-          </p:txBody>
-        </p:sp>
-        <p:sp>
-          <p:nvSpPr>
-            <p:cNvPr id="75" name="Rectangle 74">
-              <a:extLst>
-                <a:ext uri="{FF2B5EF4-FFF2-40B4-BE49-F238E27FC236}">
-                  <a16:creationId xmlns:a16="http://schemas.microsoft.com/office/drawing/2014/main" id="{48F4FEDC-6D80-458C-A665-075D9B9500FD}"/>
-                </a:ext>
-                <a:ext uri="{C183D7F6-B498-43B3-948B-1728B52AA6E4}">
-                  <adec:decorative xmlns:adec="http://schemas.microsoft.com/office/drawing/2017/decorative" val="1"/>
-                </a:ext>
-              </a:extLst>
-            </p:cNvPr>
-            <p:cNvSpPr/>
-            <p:nvPr>
-              <p:extLst>
-                <p:ext uri="{386F3935-93C4-4BCD-93E2-E3B085C9AB24}">
-                  <p16:designElem xmlns:p16="http://schemas.microsoft.com/office/powerpoint/2015/main" val="1"/>
-                </p:ext>
-              </p:extLst>
-            </p:nvPr>
-          </p:nvSpPr>
-          <p:spPr>
-            <a:xfrm>
-              <a:off x="159341" y="823811"/>
-              <a:ext cx="195855" cy="673460"/>
-            </a:xfrm>
-            <a:prstGeom prst="rect">
-              <a:avLst/>
-            </a:prstGeom>
-            <a:solidFill>
-              <a:schemeClr val="accent4"/>
-            </a:solidFill>
-            <a:ln>
-              <a:noFill/>
-            </a:ln>
-          </p:spPr>
-          <p:style>
-            <a:lnRef idx="2">
-              <a:schemeClr val="accent1">
-                <a:shade val="50000"/>
-              </a:schemeClr>
-            </a:lnRef>
-            <a:fillRef idx="1">
-              <a:schemeClr val="accent1"/>
-            </a:fillRef>
-            <a:effectRef idx="0">
-              <a:schemeClr val="accent1"/>
-            </a:effectRef>
-            <a:fontRef idx="minor">
-              <a:schemeClr val="lt1"/>
-            </a:fontRef>
-          </p:style>
-          <p:txBody>
-            <a:bodyPr rtlCol="0" anchor="ctr"/>
-            <a:lstStyle/>
-            <a:p>
-              <a:pPr algn="ctr"/>
-              <a:endParaRPr lang="en-US"/>
-            </a:p>
-          </p:txBody>
-        </p:sp>
-      </p:grpSp>
-      <p:sp>
-        <p:nvSpPr>
-          <p:cNvPr id="77" name="Rectangle 76">
-            <a:extLst>
-              <a:ext uri="{FF2B5EF4-FFF2-40B4-BE49-F238E27FC236}">
-                <a16:creationId xmlns:a16="http://schemas.microsoft.com/office/drawing/2014/main" id="{3873B707-463F-40B0-8227-E8CC6C67EB25}"/>
-              </a:ext>
-              <a:ext uri="{C183D7F6-B498-43B3-948B-1728B52AA6E4}">
-                <adec:decorative xmlns:adec="http://schemas.microsoft.com/office/drawing/2017/decorative" val="1"/>
-              </a:ext>
-            </a:extLst>
-          </p:cNvPr>
-          <p:cNvSpPr>
-            <a:spLocks noGrp="1" noRot="1" noChangeAspect="1" noMove="1" noResize="1" noEditPoints="1" noAdjustHandles="1" noChangeArrowheads="1" noChangeShapeType="1" noTextEdit="1"/>
-          </p:cNvSpPr>
-          <p:nvPr>
-            <p:extLst>
-              <p:ext uri="{386F3935-93C4-4BCD-93E2-E3B085C9AB24}">
-                <p16:designElem xmlns:p16="http://schemas.microsoft.com/office/powerpoint/2015/main" val="1"/>
-              </p:ext>
-            </p:extLst>
-          </p:nvPr>
-        </p:nvSpPr>
-        <p:spPr>
-          <a:xfrm flipH="1">
-            <a:off x="665085" y="2090569"/>
-            <a:ext cx="4297680" cy="27432"/>
-          </a:xfrm>
-          <a:prstGeom prst="rect">
-            <a:avLst/>
-          </a:prstGeom>
-          <a:solidFill>
-            <a:schemeClr val="accent4"/>
-          </a:solidFill>
-          <a:ln>
-            <a:noFill/>
-          </a:ln>
-        </p:spPr>
-        <p:style>
-          <a:lnRef idx="2">
-            <a:schemeClr val="accent1">
-              <a:shade val="50000"/>
-            </a:schemeClr>
-          </a:lnRef>
-          <a:fillRef idx="1">
-            <a:schemeClr val="accent1"/>
-          </a:fillRef>
-          <a:effectRef idx="0">
-            <a:schemeClr val="accent1"/>
-          </a:effectRef>
-          <a:fontRef idx="minor">
-            <a:schemeClr val="lt1"/>
-          </a:fontRef>
-        </p:style>
-        <p:txBody>
-          <a:bodyPr rtlCol="0" anchor="ctr"/>
-          <a:lstStyle/>
-          <a:p>
-            <a:pPr algn="ctr"/>
-            <a:endParaRPr lang="en-US"/>
-          </a:p>
-        </p:txBody>
-      </p:sp>
-      <p:sp>
-        <p:nvSpPr>
-          <p:cNvPr id="3" name="Espaço Reservado para Conteúdo 2">
-            <a:extLst>
-              <a:ext uri="{FF2B5EF4-FFF2-40B4-BE49-F238E27FC236}">
-                <a16:creationId xmlns:a16="http://schemas.microsoft.com/office/drawing/2014/main" id="{7924B46F-D3F7-4E4F-9A42-2A1AD4F4D899}"/>
-              </a:ext>
-            </a:extLst>
-          </p:cNvPr>
-          <p:cNvSpPr>
-            <a:spLocks noGrp="1"/>
-          </p:cNvSpPr>
-          <p:nvPr>
-            <p:ph idx="1"/>
-          </p:nvPr>
-        </p:nvSpPr>
-        <p:spPr>
-          <a:xfrm>
-            <a:off x="590719" y="2330505"/>
-            <a:ext cx="5047856" cy="3979585"/>
-          </a:xfrm>
-        </p:spPr>
-        <p:txBody>
-          <a:bodyPr anchor="ctr">
-            <a:normAutofit/>
-          </a:bodyPr>
-          <a:lstStyle/>
-          <a:p>
-            <a:r>
-              <a:rPr lang="pt-BR" sz="2400" b="1" dirty="0">
-                <a:latin typeface="Arial" panose="020B0604020202020204" pitchFamily="34" charset="0"/>
-                <a:cs typeface="Arial" panose="020B0604020202020204" pitchFamily="34" charset="0"/>
-              </a:rPr>
-              <a:t>Grandes vazamentos no Brasil</a:t>
-            </a:r>
-          </a:p>
-          <a:p>
-            <a:pPr marL="0" indent="0">
-              <a:buNone/>
-            </a:pPr>
-            <a:endParaRPr lang="pt-BR" sz="2400" b="1" dirty="0">
-              <a:latin typeface="Arial" panose="020B0604020202020204" pitchFamily="34" charset="0"/>
-              <a:cs typeface="Arial" panose="020B0604020202020204" pitchFamily="34" charset="0"/>
-            </a:endParaRPr>
-          </a:p>
-          <a:p>
-            <a:r>
-              <a:rPr lang="pt-BR" sz="2400" b="1" dirty="0">
-                <a:latin typeface="Arial" panose="020B0604020202020204" pitchFamily="34" charset="0"/>
-                <a:cs typeface="Arial" panose="020B0604020202020204" pitchFamily="34" charset="0"/>
-              </a:rPr>
-              <a:t>Grande projeto no Nordeste</a:t>
-            </a:r>
-          </a:p>
-        </p:txBody>
-      </p:sp>
-      <p:sp>
-        <p:nvSpPr>
-          <p:cNvPr id="79" name="Rectangle 78">
-            <a:extLst>
-              <a:ext uri="{FF2B5EF4-FFF2-40B4-BE49-F238E27FC236}">
-                <a16:creationId xmlns:a16="http://schemas.microsoft.com/office/drawing/2014/main" id="{C13237C8-E62C-4F0D-A318-BD6FB6C2D138}"/>
-              </a:ext>
-              <a:ext uri="{C183D7F6-B498-43B3-948B-1728B52AA6E4}">
-                <adec:decorative xmlns:adec="http://schemas.microsoft.com/office/drawing/2017/decorative" val="1"/>
-              </a:ext>
-            </a:extLst>
-          </p:cNvPr>
-          <p:cNvSpPr>
-            <a:spLocks noGrp="1" noRot="1" noChangeAspect="1" noMove="1" noResize="1" noEditPoints="1" noAdjustHandles="1" noChangeArrowheads="1" noChangeShapeType="1" noTextEdit="1"/>
-          </p:cNvSpPr>
-          <p:nvPr>
-            <p:extLst>
-              <p:ext uri="{386F3935-93C4-4BCD-93E2-E3B085C9AB24}">
-                <p16:designElem xmlns:p16="http://schemas.microsoft.com/office/powerpoint/2015/main" val="1"/>
-              </p:ext>
-            </p:extLst>
-          </p:nvPr>
-        </p:nvSpPr>
-        <p:spPr>
-          <a:xfrm flipH="1">
-            <a:off x="10697670" y="0"/>
-            <a:ext cx="1494330" cy="6858000"/>
-          </a:xfrm>
-          <a:prstGeom prst="rect">
-            <a:avLst/>
-          </a:prstGeom>
-          <a:solidFill>
-            <a:schemeClr val="accent4"/>
-          </a:solidFill>
-          <a:ln>
-            <a:noFill/>
-          </a:ln>
-        </p:spPr>
-        <p:style>
-          <a:lnRef idx="2">
-            <a:schemeClr val="accent1">
-              <a:shade val="50000"/>
-            </a:schemeClr>
-          </a:lnRef>
-          <a:fillRef idx="1">
-            <a:schemeClr val="accent1"/>
-          </a:fillRef>
-          <a:effectRef idx="0">
-            <a:schemeClr val="accent1"/>
-          </a:effectRef>
-          <a:fontRef idx="minor">
-            <a:schemeClr val="lt1"/>
-          </a:fontRef>
-        </p:style>
-        <p:txBody>
-          <a:bodyPr rtlCol="0" anchor="ctr"/>
-          <a:lstStyle/>
-          <a:p>
-            <a:pPr algn="ctr"/>
-            <a:endParaRPr lang="en-US"/>
-          </a:p>
-        </p:txBody>
-      </p:sp>
-      <p:sp>
-        <p:nvSpPr>
-          <p:cNvPr id="81" name="Rectangle 80">
-            <a:extLst>
-              <a:ext uri="{FF2B5EF4-FFF2-40B4-BE49-F238E27FC236}">
-                <a16:creationId xmlns:a16="http://schemas.microsoft.com/office/drawing/2014/main" id="{19C9EAEA-39D0-4B0E-A0EB-51E7B26740B1}"/>
-              </a:ext>
-              <a:ext uri="{C183D7F6-B498-43B3-948B-1728B52AA6E4}">
-                <adec:decorative xmlns:adec="http://schemas.microsoft.com/office/drawing/2017/decorative" val="1"/>
-              </a:ext>
-            </a:extLst>
-          </p:cNvPr>
-          <p:cNvSpPr>
-            <a:spLocks noGrp="1" noRot="1" noChangeAspect="1" noMove="1" noResize="1" noEditPoints="1" noAdjustHandles="1" noChangeArrowheads="1" noChangeShapeType="1" noTextEdit="1"/>
-          </p:cNvSpPr>
-          <p:nvPr>
-            <p:extLst>
-              <p:ext uri="{386F3935-93C4-4BCD-93E2-E3B085C9AB24}">
-                <p16:designElem xmlns:p16="http://schemas.microsoft.com/office/powerpoint/2015/main" val="1"/>
-              </p:ext>
-            </p:extLst>
-          </p:nvPr>
-        </p:nvSpPr>
-        <p:spPr>
-          <a:xfrm>
-            <a:off x="5685810" y="513853"/>
-            <a:ext cx="6009366" cy="5834577"/>
-          </a:xfrm>
-          <a:prstGeom prst="rect">
-            <a:avLst/>
-          </a:prstGeom>
-          <a:solidFill>
-            <a:schemeClr val="bg1"/>
-          </a:solidFill>
-          <a:ln>
-            <a:noFill/>
-          </a:ln>
-          <a:effectLst>
-            <a:outerShdw blurRad="139700" dist="127000" dir="5400000" algn="t" rotWithShape="0">
-              <a:prstClr val="black">
-                <a:alpha val="15000"/>
-              </a:prstClr>
-            </a:outerShdw>
-          </a:effectLst>
-        </p:spPr>
-        <p:style>
-          <a:lnRef idx="2">
-            <a:schemeClr val="accent1">
-              <a:shade val="50000"/>
-            </a:schemeClr>
-          </a:lnRef>
-          <a:fillRef idx="1">
-            <a:schemeClr val="accent1"/>
-          </a:fillRef>
-          <a:effectRef idx="0">
-            <a:schemeClr val="accent1"/>
-          </a:effectRef>
-          <a:fontRef idx="minor">
-            <a:schemeClr val="lt1"/>
-          </a:fontRef>
-        </p:style>
-        <p:txBody>
-          <a:bodyPr rtlCol="0" anchor="ctr"/>
-          <a:lstStyle/>
-          <a:p>
-            <a:pPr algn="ctr"/>
-            <a:endParaRPr lang="en-US"/>
-          </a:p>
-        </p:txBody>
-      </p:sp>
-      <p:pic>
-        <p:nvPicPr>
-          <p:cNvPr id="2050" name="Picture 2" descr="Nenhuma descrição de foto disponível.">
-            <a:extLst>
-              <a:ext uri="{FF2B5EF4-FFF2-40B4-BE49-F238E27FC236}">
-                <a16:creationId xmlns:a16="http://schemas.microsoft.com/office/drawing/2014/main" id="{1BD0136C-ED1B-4EB4-B788-980FEA39A693}"/>
-              </a:ext>
-            </a:extLst>
-          </p:cNvPr>
-          <p:cNvPicPr>
-            <a:picLocks noChangeAspect="1" noChangeArrowheads="1"/>
-          </p:cNvPicPr>
-          <p:nvPr/>
-        </p:nvPicPr>
-        <p:blipFill rotWithShape="1">
-          <a:blip r:embed="rId2">
-            <a:extLst>
-              <a:ext uri="{28A0092B-C50C-407E-A947-70E740481C1C}">
-                <a14:useLocalDpi xmlns:a14="http://schemas.microsoft.com/office/drawing/2010/main" val="0"/>
-              </a:ext>
-            </a:extLst>
-          </a:blip>
-          <a:srcRect t="1984" r="4" b="1081"/>
-          <a:stretch/>
-        </p:blipFill>
-        <p:spPr bwMode="auto">
-          <a:xfrm>
-            <a:off x="5977788" y="799352"/>
-            <a:ext cx="5425410" cy="5259296"/>
-          </a:xfrm>
-          <a:prstGeom prst="rect">
-            <a:avLst/>
-          </a:prstGeom>
-          <a:noFill/>
-          <a:extLst>
-            <a:ext uri="{909E8E84-426E-40DD-AFC4-6F175D3DCCD1}">
-              <a14:hiddenFill xmlns:a14="http://schemas.microsoft.com/office/drawing/2010/main">
-                <a:solidFill>
-                  <a:srgbClr val="FFFFFF"/>
-                </a:solidFill>
-              </a14:hiddenFill>
-            </a:ext>
-          </a:extLst>
-        </p:spPr>
-      </p:pic>
-      <p:sp>
-        <p:nvSpPr>
-          <p:cNvPr id="5" name="Retângulo 4">
-            <a:extLst>
-              <a:ext uri="{FF2B5EF4-FFF2-40B4-BE49-F238E27FC236}">
-                <a16:creationId xmlns:a16="http://schemas.microsoft.com/office/drawing/2014/main" id="{A3A087C4-C7E9-4FBA-9D0E-02F75CECA642}"/>
-              </a:ext>
-            </a:extLst>
-          </p:cNvPr>
-          <p:cNvSpPr/>
-          <p:nvPr/>
-        </p:nvSpPr>
-        <p:spPr>
-          <a:xfrm>
-            <a:off x="7403690" y="1083485"/>
-            <a:ext cx="1828800" cy="1247020"/>
-          </a:xfrm>
-          <a:prstGeom prst="rect">
-            <a:avLst/>
-          </a:prstGeom>
-          <a:solidFill>
-            <a:schemeClr val="bg1"/>
-          </a:solidFill>
-          <a:ln>
-            <a:solidFill>
-              <a:schemeClr val="bg1"/>
-            </a:solidFill>
-          </a:ln>
-        </p:spPr>
-        <p:style>
-          <a:lnRef idx="2">
-            <a:schemeClr val="accent1">
-              <a:shade val="50000"/>
-            </a:schemeClr>
-          </a:lnRef>
-          <a:fillRef idx="1">
-            <a:schemeClr val="accent1"/>
-          </a:fillRef>
-          <a:effectRef idx="0">
-            <a:schemeClr val="accent1"/>
-          </a:effectRef>
-          <a:fontRef idx="minor">
-            <a:schemeClr val="lt1"/>
-          </a:fontRef>
-        </p:style>
-        <p:txBody>
-          <a:bodyPr rtlCol="0" anchor="ctr"/>
-          <a:lstStyle/>
-          <a:p>
-            <a:pPr algn="ctr"/>
-            <a:r>
-              <a:rPr lang="pt-BR" sz="2400" b="1" dirty="0">
-                <a:solidFill>
-                  <a:schemeClr val="tx1"/>
-                </a:solidFill>
-                <a:latin typeface="Arial" panose="020B0604020202020204" pitchFamily="34" charset="0"/>
-                <a:cs typeface="Arial" panose="020B0604020202020204" pitchFamily="34" charset="0"/>
-              </a:rPr>
-              <a:t>Sustabil é a solução</a:t>
-            </a:r>
-          </a:p>
-        </p:txBody>
-      </p:sp>
-      <mc:AlternateContent xmlns:mc="http://schemas.openxmlformats.org/markup-compatibility/2006" xmlns:p14="http://schemas.microsoft.com/office/powerpoint/2010/main">
-        <mc:Choice Requires="p14">
-          <p:contentPart p14:bwMode="auto" r:id="rId3">
-            <p14:nvContentPartPr>
-              <p14:cNvPr id="6" name="Tinta 5">
-                <a:extLst>
-                  <a:ext uri="{FF2B5EF4-FFF2-40B4-BE49-F238E27FC236}">
-                    <a16:creationId xmlns:a16="http://schemas.microsoft.com/office/drawing/2014/main" id="{2A500B55-AD1A-47D8-8F45-05816A8CBEE9}"/>
-                  </a:ext>
-                </a:extLst>
-              </p14:cNvPr>
-              <p14:cNvContentPartPr/>
-              <p14:nvPr/>
-            </p14:nvContentPartPr>
-            <p14:xfrm>
-              <a:off x="10471668" y="2167665"/>
-              <a:ext cx="360" cy="360"/>
-            </p14:xfrm>
-          </p:contentPart>
-        </mc:Choice>
-        <mc:Fallback xmlns="">
-          <p:pic>
-            <p:nvPicPr>
-              <p:cNvPr id="6" name="Tinta 5">
-                <a:extLst>
-                  <a:ext uri="{FF2B5EF4-FFF2-40B4-BE49-F238E27FC236}">
-                    <a16:creationId xmlns:a16="http://schemas.microsoft.com/office/drawing/2014/main" id="{2A500B55-AD1A-47D8-8F45-05816A8CBEE9}"/>
-                  </a:ext>
-                </a:extLst>
-              </p:cNvPr>
-              <p:cNvPicPr/>
-              <p:nvPr/>
-            </p:nvPicPr>
-            <p:blipFill>
-              <a:blip r:embed="rId4"/>
-              <a:stretch>
-                <a:fillRect/>
-              </a:stretch>
-            </p:blipFill>
-            <p:spPr>
-              <a:xfrm>
-                <a:off x="10462668" y="2158665"/>
-                <a:ext cx="18000" cy="18000"/>
-              </a:xfrm>
-              <a:prstGeom prst="rect">
-                <a:avLst/>
-              </a:prstGeom>
-            </p:spPr>
-          </p:pic>
-        </mc:Fallback>
-      </mc:AlternateContent>
-      <p:sp>
-        <p:nvSpPr>
-          <p:cNvPr id="10" name="Retângulo 9">
-            <a:extLst>
-              <a:ext uri="{FF2B5EF4-FFF2-40B4-BE49-F238E27FC236}">
-                <a16:creationId xmlns:a16="http://schemas.microsoft.com/office/drawing/2014/main" id="{D300A8DB-2963-4BEB-8118-087B58E7B37F}"/>
-              </a:ext>
-            </a:extLst>
-          </p:cNvPr>
-          <p:cNvSpPr/>
-          <p:nvPr/>
-        </p:nvSpPr>
-        <p:spPr>
-          <a:xfrm>
-            <a:off x="9571703" y="798718"/>
-            <a:ext cx="1828800" cy="2268948"/>
-          </a:xfrm>
-          <a:prstGeom prst="rect">
-            <a:avLst/>
-          </a:prstGeom>
-          <a:solidFill>
-            <a:schemeClr val="bg1"/>
-          </a:solidFill>
-          <a:ln>
-            <a:solidFill>
-              <a:schemeClr val="bg1"/>
-            </a:solidFill>
-          </a:ln>
-        </p:spPr>
-        <p:style>
-          <a:lnRef idx="2">
-            <a:schemeClr val="accent1">
-              <a:shade val="50000"/>
-            </a:schemeClr>
-          </a:lnRef>
-          <a:fillRef idx="1">
-            <a:schemeClr val="accent1"/>
-          </a:fillRef>
-          <a:effectRef idx="0">
-            <a:schemeClr val="accent1"/>
-          </a:effectRef>
-          <a:fontRef idx="minor">
-            <a:schemeClr val="lt1"/>
-          </a:fontRef>
-        </p:style>
-        <p:txBody>
-          <a:bodyPr rtlCol="0" anchor="ctr"/>
-          <a:lstStyle/>
-          <a:p>
-            <a:pPr algn="ctr"/>
-            <a:r>
-              <a:rPr lang="pt-BR" b="1" dirty="0">
-                <a:solidFill>
-                  <a:schemeClr val="tx1"/>
-                </a:solidFill>
-                <a:latin typeface="Arial" panose="020B0604020202020204" pitchFamily="34" charset="0"/>
-                <a:cs typeface="Arial" panose="020B0604020202020204" pitchFamily="34" charset="0"/>
-              </a:rPr>
-              <a:t>Cuide do vazamento, faça sua parte</a:t>
-            </a:r>
-          </a:p>
-        </p:txBody>
-      </p:sp>
-      <p:sp>
-        <p:nvSpPr>
-          <p:cNvPr id="12" name="Retângulo 11">
-            <a:extLst>
-              <a:ext uri="{FF2B5EF4-FFF2-40B4-BE49-F238E27FC236}">
-                <a16:creationId xmlns:a16="http://schemas.microsoft.com/office/drawing/2014/main" id="{07C8FCBC-073B-422B-932F-648F80011394}"/>
-              </a:ext>
-            </a:extLst>
-          </p:cNvPr>
-          <p:cNvSpPr/>
-          <p:nvPr/>
-        </p:nvSpPr>
-        <p:spPr>
-          <a:xfrm>
-            <a:off x="10697670" y="0"/>
-            <a:ext cx="1494329" cy="508936"/>
-          </a:xfrm>
-          <a:prstGeom prst="rect">
-            <a:avLst/>
-          </a:prstGeom>
-          <a:ln>
-            <a:solidFill>
-              <a:schemeClr val="accent1"/>
-            </a:solidFill>
-          </a:ln>
-        </p:spPr>
-        <p:style>
-          <a:lnRef idx="2">
-            <a:schemeClr val="accent1">
-              <a:shade val="50000"/>
-            </a:schemeClr>
-          </a:lnRef>
-          <a:fillRef idx="1">
-            <a:schemeClr val="accent1"/>
-          </a:fillRef>
-          <a:effectRef idx="0">
-            <a:schemeClr val="accent1"/>
-          </a:effectRef>
-          <a:fontRef idx="minor">
-            <a:schemeClr val="lt1"/>
-          </a:fontRef>
-        </p:style>
-        <p:txBody>
-          <a:bodyPr rtlCol="0" anchor="ctr"/>
-          <a:lstStyle/>
-          <a:p>
-            <a:pPr algn="ctr"/>
-            <a:endParaRPr lang="pt-BR"/>
-          </a:p>
-        </p:txBody>
-      </p:sp>
-      <p:sp>
-        <p:nvSpPr>
-          <p:cNvPr id="13" name="Retângulo 12">
-            <a:extLst>
-              <a:ext uri="{FF2B5EF4-FFF2-40B4-BE49-F238E27FC236}">
-                <a16:creationId xmlns:a16="http://schemas.microsoft.com/office/drawing/2014/main" id="{B760816A-D101-475E-AF6A-8A0D9C118B8D}"/>
-              </a:ext>
-            </a:extLst>
-          </p:cNvPr>
-          <p:cNvSpPr/>
-          <p:nvPr/>
-        </p:nvSpPr>
-        <p:spPr>
-          <a:xfrm>
-            <a:off x="11695176" y="508936"/>
-            <a:ext cx="496823" cy="6348429"/>
-          </a:xfrm>
-          <a:prstGeom prst="rect">
-            <a:avLst/>
-          </a:prstGeom>
-          <a:ln>
-            <a:solidFill>
-              <a:schemeClr val="accent1"/>
-            </a:solidFill>
-          </a:ln>
-        </p:spPr>
-        <p:style>
-          <a:lnRef idx="2">
-            <a:schemeClr val="accent1">
-              <a:shade val="50000"/>
-            </a:schemeClr>
-          </a:lnRef>
-          <a:fillRef idx="1">
-            <a:schemeClr val="accent1"/>
-          </a:fillRef>
-          <a:effectRef idx="0">
-            <a:schemeClr val="accent1"/>
-          </a:effectRef>
-          <a:fontRef idx="minor">
-            <a:schemeClr val="lt1"/>
-          </a:fontRef>
-        </p:style>
-        <p:txBody>
-          <a:bodyPr rtlCol="0" anchor="ctr"/>
-          <a:lstStyle/>
-          <a:p>
-            <a:pPr algn="ctr"/>
-            <a:endParaRPr lang="pt-BR"/>
-          </a:p>
-        </p:txBody>
-      </p:sp>
-      <p:sp>
-        <p:nvSpPr>
-          <p:cNvPr id="22" name="Retângulo 21">
-            <a:extLst>
-              <a:ext uri="{FF2B5EF4-FFF2-40B4-BE49-F238E27FC236}">
-                <a16:creationId xmlns:a16="http://schemas.microsoft.com/office/drawing/2014/main" id="{7392FB23-B092-4742-AD2E-96414F44802F}"/>
-              </a:ext>
-            </a:extLst>
-          </p:cNvPr>
-          <p:cNvSpPr/>
-          <p:nvPr/>
-        </p:nvSpPr>
-        <p:spPr>
-          <a:xfrm>
-            <a:off x="10697671" y="6344147"/>
-            <a:ext cx="1494329" cy="508936"/>
-          </a:xfrm>
-          <a:prstGeom prst="rect">
-            <a:avLst/>
-          </a:prstGeom>
-          <a:ln>
-            <a:solidFill>
-              <a:schemeClr val="accent1"/>
-            </a:solidFill>
-          </a:ln>
-        </p:spPr>
-        <p:style>
-          <a:lnRef idx="2">
-            <a:schemeClr val="accent1">
-              <a:shade val="50000"/>
-            </a:schemeClr>
-          </a:lnRef>
-          <a:fillRef idx="1">
-            <a:schemeClr val="accent1"/>
-          </a:fillRef>
-          <a:effectRef idx="0">
-            <a:schemeClr val="accent1"/>
-          </a:effectRef>
-          <a:fontRef idx="minor">
-            <a:schemeClr val="lt1"/>
-          </a:fontRef>
-        </p:style>
-        <p:txBody>
-          <a:bodyPr rtlCol="0" anchor="ctr"/>
-          <a:lstStyle/>
-          <a:p>
-            <a:pPr algn="ctr"/>
-            <a:endParaRPr lang="pt-BR"/>
-          </a:p>
-        </p:txBody>
-      </p:sp>
-      <p:cxnSp>
-        <p:nvCxnSpPr>
-          <p:cNvPr id="15" name="Conector reto 14">
-            <a:extLst>
-              <a:ext uri="{FF2B5EF4-FFF2-40B4-BE49-F238E27FC236}">
-                <a16:creationId xmlns:a16="http://schemas.microsoft.com/office/drawing/2014/main" id="{F3467704-DFC6-4BF7-9BE3-7D61FA10D731}"/>
-              </a:ext>
-            </a:extLst>
-          </p:cNvPr>
-          <p:cNvCxnSpPr>
-            <a:cxnSpLocks/>
-          </p:cNvCxnSpPr>
-          <p:nvPr/>
-        </p:nvCxnSpPr>
-        <p:spPr>
-          <a:xfrm>
-            <a:off x="665085" y="2089934"/>
-            <a:ext cx="4297680" cy="0"/>
-          </a:xfrm>
-          <a:prstGeom prst="line">
-            <a:avLst/>
-          </a:prstGeom>
-          <a:ln>
-            <a:solidFill>
-              <a:schemeClr val="accent1"/>
-            </a:solidFill>
-          </a:ln>
-        </p:spPr>
-        <p:style>
-          <a:lnRef idx="3">
-            <a:schemeClr val="dk1"/>
-          </a:lnRef>
-          <a:fillRef idx="0">
-            <a:schemeClr val="dk1"/>
-          </a:fillRef>
-          <a:effectRef idx="2">
-            <a:schemeClr val="dk1"/>
-          </a:effectRef>
-          <a:fontRef idx="minor">
-            <a:schemeClr val="tx1"/>
-          </a:fontRef>
-        </p:style>
-      </p:cxnSp>
-      <p:cxnSp>
-        <p:nvCxnSpPr>
-          <p:cNvPr id="26" name="Conector reto 25">
-            <a:extLst>
-              <a:ext uri="{FF2B5EF4-FFF2-40B4-BE49-F238E27FC236}">
-                <a16:creationId xmlns:a16="http://schemas.microsoft.com/office/drawing/2014/main" id="{FCF8DC45-32B9-4086-9DBD-2554AB466C36}"/>
-              </a:ext>
-            </a:extLst>
-          </p:cNvPr>
-          <p:cNvCxnSpPr>
-            <a:cxnSpLocks/>
-          </p:cNvCxnSpPr>
-          <p:nvPr/>
-        </p:nvCxnSpPr>
-        <p:spPr>
-          <a:xfrm flipV="1">
-            <a:off x="665085" y="2104285"/>
-            <a:ext cx="4297680" cy="889"/>
-          </a:xfrm>
-          <a:prstGeom prst="line">
-            <a:avLst/>
-          </a:prstGeom>
-          <a:ln>
-            <a:solidFill>
-              <a:schemeClr val="accent1"/>
-            </a:solidFill>
-          </a:ln>
-        </p:spPr>
-        <p:style>
-          <a:lnRef idx="3">
-            <a:schemeClr val="dk1"/>
-          </a:lnRef>
-          <a:fillRef idx="0">
-            <a:schemeClr val="dk1"/>
-          </a:fillRef>
-          <a:effectRef idx="2">
-            <a:schemeClr val="dk1"/>
-          </a:effectRef>
-          <a:fontRef idx="minor">
-            <a:schemeClr val="tx1"/>
-          </a:fontRef>
-        </p:style>
-      </p:cxnSp>
-      <p:sp>
-        <p:nvSpPr>
-          <p:cNvPr id="18" name="Retângulo 17">
-            <a:extLst>
-              <a:ext uri="{FF2B5EF4-FFF2-40B4-BE49-F238E27FC236}">
-                <a16:creationId xmlns:a16="http://schemas.microsoft.com/office/drawing/2014/main" id="{17CE0430-C94A-4213-80B0-CA29092AE5FA}"/>
-              </a:ext>
-            </a:extLst>
-          </p:cNvPr>
-          <p:cNvSpPr/>
-          <p:nvPr/>
-        </p:nvSpPr>
-        <p:spPr>
-          <a:xfrm>
-            <a:off x="159341" y="1083484"/>
-            <a:ext cx="195855" cy="673460"/>
-          </a:xfrm>
-          <a:prstGeom prst="rect">
-            <a:avLst/>
-          </a:prstGeom>
-        </p:spPr>
-        <p:style>
-          <a:lnRef idx="2">
-            <a:schemeClr val="accent1">
-              <a:shade val="50000"/>
-            </a:schemeClr>
-          </a:lnRef>
-          <a:fillRef idx="1">
-            <a:schemeClr val="accent1"/>
-          </a:fillRef>
-          <a:effectRef idx="0">
-            <a:schemeClr val="accent1"/>
-          </a:effectRef>
-          <a:fontRef idx="minor">
-            <a:schemeClr val="lt1"/>
-          </a:fontRef>
-        </p:style>
-        <p:txBody>
-          <a:bodyPr rtlCol="0" anchor="ctr"/>
-          <a:lstStyle/>
-          <a:p>
-            <a:pPr algn="ctr"/>
-            <a:endParaRPr lang="pt-BR"/>
-          </a:p>
-        </p:txBody>
-      </p:sp>
-      <p:sp>
-        <p:nvSpPr>
-          <p:cNvPr id="19" name="Retângulo 18">
-            <a:extLst>
-              <a:ext uri="{FF2B5EF4-FFF2-40B4-BE49-F238E27FC236}">
-                <a16:creationId xmlns:a16="http://schemas.microsoft.com/office/drawing/2014/main" id="{125FEFDD-5BD7-415C-A18B-00916A3BAF7B}"/>
-              </a:ext>
-            </a:extLst>
-          </p:cNvPr>
-          <p:cNvSpPr/>
-          <p:nvPr/>
-        </p:nvSpPr>
-        <p:spPr>
-          <a:xfrm>
-            <a:off x="0" y="1083484"/>
-            <a:ext cx="87363" cy="673460"/>
-          </a:xfrm>
-          <a:prstGeom prst="rect">
-            <a:avLst/>
-          </a:prstGeom>
-        </p:spPr>
-        <p:style>
-          <a:lnRef idx="2">
-            <a:schemeClr val="accent1">
-              <a:shade val="50000"/>
-            </a:schemeClr>
-          </a:lnRef>
-          <a:fillRef idx="1">
-            <a:schemeClr val="accent1"/>
-          </a:fillRef>
-          <a:effectRef idx="0">
-            <a:schemeClr val="accent1"/>
-          </a:effectRef>
-          <a:fontRef idx="minor">
-            <a:schemeClr val="lt1"/>
-          </a:fontRef>
-        </p:style>
-        <p:txBody>
-          <a:bodyPr rtlCol="0" anchor="ctr"/>
-          <a:lstStyle/>
-          <a:p>
-            <a:pPr algn="ctr"/>
-            <a:endParaRPr lang="pt-BR"/>
-          </a:p>
-        </p:txBody>
-      </p:sp>
-      <p:pic>
-        <p:nvPicPr>
-          <p:cNvPr id="21" name="Imagem 20">
-            <a:extLst>
-              <a:ext uri="{FF2B5EF4-FFF2-40B4-BE49-F238E27FC236}">
-                <a16:creationId xmlns:a16="http://schemas.microsoft.com/office/drawing/2014/main" id="{BC0DF888-86F0-4473-90AC-49AC87E8DE05}"/>
-              </a:ext>
-            </a:extLst>
-          </p:cNvPr>
-          <p:cNvPicPr>
-            <a:picLocks noChangeAspect="1"/>
-          </p:cNvPicPr>
-          <p:nvPr/>
-        </p:nvPicPr>
-        <p:blipFill>
-          <a:blip r:embed="rId5"/>
-          <a:stretch>
-            <a:fillRect/>
-          </a:stretch>
-        </p:blipFill>
-        <p:spPr>
-          <a:xfrm>
-            <a:off x="53894" y="35169"/>
-            <a:ext cx="1035488" cy="1035488"/>
-          </a:xfrm>
-          <a:prstGeom prst="rect">
-            <a:avLst/>
-          </a:prstGeom>
-        </p:spPr>
-      </p:pic>
-    </p:spTree>
-    <p:extLst>
-      <p:ext uri="{BB962C8B-B14F-4D97-AF65-F5344CB8AC3E}">
-        <p14:creationId xmlns:p14="http://schemas.microsoft.com/office/powerpoint/2010/main" val="1403529044"/>
-      </p:ext>
-    </p:extLst>
-  </p:cSld>
-  <p:clrMapOvr>
-    <a:masterClrMapping/>
-  </p:clrMapOvr>
-</p:sld>
-</file>
-
-<file path=ppt/slides/slide3.xml><?xml version="1.0" encoding="utf-8"?>
-<p:sld xmlns:a="http://schemas.openxmlformats.org/drawingml/2006/main" xmlns:r="http://schemas.openxmlformats.org/officeDocument/2006/relationships" xmlns:p="http://schemas.openxmlformats.org/presentationml/2006/main">
-  <p:cSld>
-    <p:bg>
-      <p:bgPr>
-        <a:solidFill>
-          <a:schemeClr val="bg1"/>
-        </a:solidFill>
-        <a:effectLst/>
-      </p:bgPr>
-    </p:bg>
     <p:spTree>
       <p:nvGrpSpPr>
         <p:cNvPr id="1" name=""/>
@@ -5752,251 +4625,10 @@
       </p:grpSpPr>
       <p:pic>
         <p:nvPicPr>
-          <p:cNvPr id="7" name="Imagem 6">
-            <a:extLst>
-              <a:ext uri="{FF2B5EF4-FFF2-40B4-BE49-F238E27FC236}">
-                <a16:creationId xmlns:a16="http://schemas.microsoft.com/office/drawing/2014/main" id="{2CAC30E6-CC8D-452B-9AE2-A24C5DF49871}"/>
-              </a:ext>
-            </a:extLst>
-          </p:cNvPr>
-          <p:cNvPicPr>
-            <a:picLocks noChangeAspect="1"/>
-          </p:cNvPicPr>
-          <p:nvPr/>
-        </p:nvPicPr>
-        <p:blipFill rotWithShape="1">
-          <a:blip r:embed="rId2">
-            <a:alphaModFix/>
-            <a:extLst>
-              <a:ext uri="{28A0092B-C50C-407E-A947-70E740481C1C}">
-                <a14:useLocalDpi xmlns:a14="http://schemas.microsoft.com/office/drawing/2010/main" val="0"/>
-              </a:ext>
-            </a:extLst>
-          </a:blip>
-          <a:srcRect l="4224" r="2539"/>
-          <a:stretch/>
-        </p:blipFill>
-        <p:spPr>
-          <a:xfrm>
-            <a:off x="6096000" y="10"/>
-            <a:ext cx="6394152" cy="6857990"/>
-          </a:xfrm>
-          <a:prstGeom prst="rect">
-            <a:avLst/>
-          </a:prstGeom>
-        </p:spPr>
-      </p:pic>
-      <p:pic>
-        <p:nvPicPr>
-          <p:cNvPr id="12" name="Picture 11">
-            <a:extLst>
-              <a:ext uri="{FF2B5EF4-FFF2-40B4-BE49-F238E27FC236}">
-                <a16:creationId xmlns:a16="http://schemas.microsoft.com/office/drawing/2014/main" id="{54DDEBDD-D8BD-41A6-8A0D-B00E3768B0F9}"/>
-              </a:ext>
-              <a:ext uri="{C183D7F6-B498-43B3-948B-1728B52AA6E4}">
-                <adec:decorative xmlns:adec="http://schemas.microsoft.com/office/drawing/2017/decorative" val="1"/>
-              </a:ext>
-            </a:extLst>
-          </p:cNvPr>
-          <p:cNvPicPr>
-            <a:picLocks noGrp="1" noRot="1" noChangeAspect="1" noMove="1" noResize="1" noEditPoints="1" noAdjustHandles="1" noChangeArrowheads="1" noChangeShapeType="1" noCrop="1"/>
-          </p:cNvPicPr>
-          <p:nvPr>
-            <p:extLst>
-              <p:ext uri="{386F3935-93C4-4BCD-93E2-E3B085C9AB24}">
-                <p16:designElem xmlns:p16="http://schemas.microsoft.com/office/powerpoint/2015/main" val="1"/>
-              </p:ext>
-            </p:extLst>
-          </p:nvPr>
-        </p:nvPicPr>
-        <p:blipFill>
-          <a:blip r:embed="rId3">
-            <a:extLst>
-              <a:ext uri="{28A0092B-C50C-407E-A947-70E740481C1C}">
-                <a14:useLocalDpi xmlns:a14="http://schemas.microsoft.com/office/drawing/2010/main" val="0"/>
-              </a:ext>
-            </a:extLst>
-          </a:blip>
-          <a:stretch>
-            <a:fillRect/>
-          </a:stretch>
-        </p:blipFill>
-        <p:spPr>
-          <a:xfrm flipH="1" flipV="1">
-            <a:off x="0" y="0"/>
-            <a:ext cx="12192000" cy="6858000"/>
-          </a:xfrm>
-          <a:prstGeom prst="rect">
-            <a:avLst/>
-          </a:prstGeom>
-        </p:spPr>
-      </p:pic>
-      <p:sp>
-        <p:nvSpPr>
-          <p:cNvPr id="2" name="Título 1">
-            <a:extLst>
-              <a:ext uri="{FF2B5EF4-FFF2-40B4-BE49-F238E27FC236}">
-                <a16:creationId xmlns:a16="http://schemas.microsoft.com/office/drawing/2014/main" id="{B860B237-C9AC-4ACD-A499-7F6112F49353}"/>
-              </a:ext>
-            </a:extLst>
-          </p:cNvPr>
-          <p:cNvSpPr>
-            <a:spLocks noGrp="1"/>
-          </p:cNvSpPr>
-          <p:nvPr>
-            <p:ph type="title"/>
-          </p:nvPr>
-        </p:nvSpPr>
-        <p:spPr>
-          <a:xfrm>
-            <a:off x="1188996" y="150461"/>
-            <a:ext cx="3995338" cy="1311664"/>
-          </a:xfrm>
-        </p:spPr>
-        <p:txBody>
-          <a:bodyPr>
-            <a:normAutofit/>
-          </a:bodyPr>
-          <a:lstStyle/>
-          <a:p>
-            <a:r>
-              <a:rPr lang="pt-BR" sz="3700" dirty="0">
-                <a:solidFill>
-                  <a:srgbClr val="000000"/>
-                </a:solidFill>
-                <a:latin typeface="Arial" panose="020B0604020202020204" pitchFamily="34" charset="0"/>
-                <a:cs typeface="Arial" panose="020B0604020202020204" pitchFamily="34" charset="0"/>
-              </a:rPr>
-              <a:t>Surgimento da Sustabil</a:t>
-            </a:r>
-          </a:p>
-        </p:txBody>
-      </p:sp>
-      <p:sp>
-        <p:nvSpPr>
-          <p:cNvPr id="3" name="Espaço Reservado para Conteúdo 2">
-            <a:extLst>
-              <a:ext uri="{FF2B5EF4-FFF2-40B4-BE49-F238E27FC236}">
-                <a16:creationId xmlns:a16="http://schemas.microsoft.com/office/drawing/2014/main" id="{501D34CD-F03C-491C-B093-ABAE6022A4FB}"/>
-              </a:ext>
-            </a:extLst>
-          </p:cNvPr>
-          <p:cNvSpPr>
-            <a:spLocks noGrp="1"/>
-          </p:cNvSpPr>
-          <p:nvPr>
-            <p:ph idx="1"/>
-          </p:nvPr>
-        </p:nvSpPr>
-        <p:spPr>
-          <a:xfrm>
-            <a:off x="694599" y="1664168"/>
-            <a:ext cx="4706803" cy="5071988"/>
-          </a:xfrm>
-        </p:spPr>
-        <p:txBody>
-          <a:bodyPr anchor="ctr">
-            <a:normAutofit/>
-          </a:bodyPr>
-          <a:lstStyle/>
-          <a:p>
-            <a:r>
-              <a:rPr lang="pt-BR" sz="2400" b="1" dirty="0">
-                <a:solidFill>
-                  <a:srgbClr val="000000"/>
-                </a:solidFill>
-                <a:latin typeface="Arial" panose="020B0604020202020204" pitchFamily="34" charset="0"/>
-                <a:cs typeface="Arial" panose="020B0604020202020204" pitchFamily="34" charset="0"/>
-              </a:rPr>
-              <a:t>A Sustabil surgiu em 2019</a:t>
-            </a:r>
-          </a:p>
-          <a:p>
-            <a:endParaRPr lang="pt-BR" sz="2400" b="1" dirty="0">
-              <a:solidFill>
-                <a:srgbClr val="000000"/>
-              </a:solidFill>
-              <a:latin typeface="Arial" panose="020B0604020202020204" pitchFamily="34" charset="0"/>
-              <a:cs typeface="Arial" panose="020B0604020202020204" pitchFamily="34" charset="0"/>
-            </a:endParaRPr>
-          </a:p>
-          <a:p>
-            <a:r>
-              <a:rPr lang="pt-BR" sz="2400" b="1" dirty="0">
-                <a:solidFill>
-                  <a:srgbClr val="000000"/>
-                </a:solidFill>
-                <a:latin typeface="Arial" panose="020B0604020202020204" pitchFamily="34" charset="0"/>
-                <a:cs typeface="Arial" panose="020B0604020202020204" pitchFamily="34" charset="0"/>
-              </a:rPr>
-              <a:t>Nossos clientes? </a:t>
-            </a:r>
-          </a:p>
-          <a:p>
-            <a:endParaRPr lang="pt-BR" sz="2000" dirty="0">
-              <a:solidFill>
-                <a:srgbClr val="000000"/>
-              </a:solidFill>
-              <a:latin typeface="Arial" panose="020B0604020202020204" pitchFamily="34" charset="0"/>
-              <a:cs typeface="Arial" panose="020B0604020202020204" pitchFamily="34" charset="0"/>
-            </a:endParaRPr>
-          </a:p>
-          <a:p>
-            <a:endParaRPr lang="pt-BR" sz="2000" dirty="0">
-              <a:solidFill>
-                <a:srgbClr val="000000"/>
-              </a:solidFill>
-              <a:latin typeface="Arial" panose="020B0604020202020204" pitchFamily="34" charset="0"/>
-              <a:cs typeface="Arial" panose="020B0604020202020204" pitchFamily="34" charset="0"/>
-            </a:endParaRPr>
-          </a:p>
-          <a:p>
-            <a:endParaRPr lang="pt-BR" sz="2000" dirty="0">
-              <a:solidFill>
-                <a:srgbClr val="000000"/>
-              </a:solidFill>
-              <a:latin typeface="Arial" panose="020B0604020202020204" pitchFamily="34" charset="0"/>
-              <a:cs typeface="Arial" panose="020B0604020202020204" pitchFamily="34" charset="0"/>
-            </a:endParaRPr>
-          </a:p>
-          <a:p>
-            <a:r>
-              <a:rPr lang="pt-BR" sz="2000" dirty="0">
-                <a:solidFill>
-                  <a:srgbClr val="000000"/>
-                </a:solidFill>
-                <a:latin typeface="Arial" panose="020B0604020202020204" pitchFamily="34" charset="0"/>
-                <a:cs typeface="Arial" panose="020B0604020202020204" pitchFamily="34" charset="0"/>
-              </a:rPr>
-              <a:t>Entre em contato conosco: </a:t>
-            </a:r>
-            <a:r>
-              <a:rPr lang="pt-BR" sz="2000" dirty="0">
-                <a:solidFill>
-                  <a:srgbClr val="000000"/>
-                </a:solidFill>
-                <a:latin typeface="Arial" panose="020B0604020202020204" pitchFamily="34" charset="0"/>
-                <a:cs typeface="Arial" panose="020B0604020202020204" pitchFamily="34" charset="0"/>
-                <a:hlinkClick r:id="rId4"/>
-              </a:rPr>
-              <a:t>sustabil@bandtec.com.br</a:t>
-            </a:r>
-            <a:endParaRPr lang="pt-BR" sz="2000" dirty="0">
-              <a:solidFill>
-                <a:srgbClr val="000000"/>
-              </a:solidFill>
-              <a:latin typeface="Arial" panose="020B0604020202020204" pitchFamily="34" charset="0"/>
-              <a:cs typeface="Arial" panose="020B0604020202020204" pitchFamily="34" charset="0"/>
-            </a:endParaRPr>
-          </a:p>
-        </p:txBody>
-      </p:sp>
-      <p:pic>
-        <p:nvPicPr>
-          <p:cNvPr id="6" name="Imagem 5">
-            <a:extLst>
-              <a:ext uri="{FF2B5EF4-FFF2-40B4-BE49-F238E27FC236}">
-                <a16:creationId xmlns:a16="http://schemas.microsoft.com/office/drawing/2014/main" id="{CEAEFBF8-22EC-44B4-A163-CDD5AA2A8470}"/>
+          <p:cNvPr id="2" name="Imagem 1">
+            <a:extLst>
+              <a:ext uri="{FF2B5EF4-FFF2-40B4-BE49-F238E27FC236}">
+                <a16:creationId xmlns:a16="http://schemas.microsoft.com/office/drawing/2014/main" id="{17CC1BD6-D813-4835-AF95-799787762A17}"/>
               </a:ext>
             </a:extLst>
           </p:cNvPr>
@@ -6006,25 +4638,138 @@
           <p:nvPr/>
         </p:nvPicPr>
         <p:blipFill>
-          <a:blip r:embed="rId5"/>
+          <a:blip r:embed="rId2"/>
           <a:stretch>
             <a:fillRect/>
           </a:stretch>
         </p:blipFill>
         <p:spPr>
           <a:xfrm>
-            <a:off x="53894" y="35169"/>
-            <a:ext cx="1035488" cy="1035488"/>
+            <a:off x="642176" y="1778916"/>
+            <a:ext cx="3548824" cy="4177473"/>
           </a:xfrm>
           <a:prstGeom prst="rect">
             <a:avLst/>
           </a:prstGeom>
         </p:spPr>
       </p:pic>
+      <p:pic>
+        <p:nvPicPr>
+          <p:cNvPr id="3" name="Imagem 2">
+            <a:extLst>
+              <a:ext uri="{FF2B5EF4-FFF2-40B4-BE49-F238E27FC236}">
+                <a16:creationId xmlns:a16="http://schemas.microsoft.com/office/drawing/2014/main" id="{0890E4AA-4730-4DD6-BECF-0678E65A1179}"/>
+              </a:ext>
+            </a:extLst>
+          </p:cNvPr>
+          <p:cNvPicPr>
+            <a:picLocks noChangeAspect="1"/>
+          </p:cNvPicPr>
+          <p:nvPr/>
+        </p:nvPicPr>
+        <p:blipFill>
+          <a:blip r:embed="rId3"/>
+          <a:stretch>
+            <a:fillRect/>
+          </a:stretch>
+        </p:blipFill>
+        <p:spPr>
+          <a:xfrm>
+            <a:off x="6771191" y="1778916"/>
+            <a:ext cx="3548824" cy="4444321"/>
+          </a:xfrm>
+          <a:prstGeom prst="rect">
+            <a:avLst/>
+          </a:prstGeom>
+        </p:spPr>
+      </p:pic>
+      <p:sp>
+        <p:nvSpPr>
+          <p:cNvPr id="6" name="CaixaDeTexto 5">
+            <a:extLst>
+              <a:ext uri="{FF2B5EF4-FFF2-40B4-BE49-F238E27FC236}">
+                <a16:creationId xmlns:a16="http://schemas.microsoft.com/office/drawing/2014/main" id="{A06F92AB-409D-4B71-81F0-71D388E89025}"/>
+              </a:ext>
+            </a:extLst>
+          </p:cNvPr>
+          <p:cNvSpPr txBox="1"/>
+          <p:nvPr/>
+        </p:nvSpPr>
+        <p:spPr>
+          <a:xfrm>
+            <a:off x="642176" y="995958"/>
+            <a:ext cx="4875606" cy="338554"/>
+          </a:xfrm>
+          <a:prstGeom prst="rect">
+            <a:avLst/>
+          </a:prstGeom>
+          <a:noFill/>
+        </p:spPr>
+        <p:txBody>
+          <a:bodyPr wrap="square" rtlCol="0">
+            <a:spAutoFit/>
+          </a:bodyPr>
+          <a:lstStyle>
+            <a:defPPr>
+              <a:defRPr lang="pt-BR"/>
+            </a:defPPr>
+            <a:lvl1pPr>
+              <a:defRPr sz="1600" b="1">
+                <a:latin typeface="Arial" panose="020B0604020202020204" pitchFamily="34" charset="0"/>
+                <a:cs typeface="Arial" panose="020B0604020202020204" pitchFamily="34" charset="0"/>
+              </a:defRPr>
+            </a:lvl1pPr>
+          </a:lstStyle>
+          <a:p>
+            <a:r>
+              <a:rPr lang="pt-BR" dirty="0"/>
+              <a:t>Criação do banco de dados e tabela tbClientes:</a:t>
+            </a:r>
+          </a:p>
+        </p:txBody>
+      </p:sp>
+      <p:sp>
+        <p:nvSpPr>
+          <p:cNvPr id="7" name="CaixaDeTexto 6">
+            <a:extLst>
+              <a:ext uri="{FF2B5EF4-FFF2-40B4-BE49-F238E27FC236}">
+                <a16:creationId xmlns:a16="http://schemas.microsoft.com/office/drawing/2014/main" id="{15DF4520-F06C-4C7B-89CE-71C48BC2EA7B}"/>
+              </a:ext>
+            </a:extLst>
+          </p:cNvPr>
+          <p:cNvSpPr txBox="1"/>
+          <p:nvPr/>
+        </p:nvSpPr>
+        <p:spPr>
+          <a:xfrm>
+            <a:off x="6674219" y="995958"/>
+            <a:ext cx="4579620" cy="338554"/>
+          </a:xfrm>
+          <a:prstGeom prst="rect">
+            <a:avLst/>
+          </a:prstGeom>
+          <a:noFill/>
+        </p:spPr>
+        <p:txBody>
+          <a:bodyPr wrap="square" rtlCol="0">
+            <a:spAutoFit/>
+          </a:bodyPr>
+          <a:lstStyle/>
+          <a:p>
+            <a:r>
+              <a:rPr lang="pt-BR" sz="1600" b="1" dirty="0">
+                <a:latin typeface="Arial" panose="020B0604020202020204" pitchFamily="34" charset="0"/>
+                <a:cs typeface="Arial" panose="020B0604020202020204" pitchFamily="34" charset="0"/>
+              </a:rPr>
+              <a:t>Criação das tabelas tbRua e tbSensores:</a:t>
+            </a:r>
+          </a:p>
+        </p:txBody>
+      </p:sp>
     </p:spTree>
     <p:extLst>
       <p:ext uri="{BB962C8B-B14F-4D97-AF65-F5344CB8AC3E}">
-        <p14:creationId xmlns:p14="http://schemas.microsoft.com/office/powerpoint/2010/main" val="1728598662"/>
+        <p14:creationId xmlns:p14="http://schemas.microsoft.com/office/powerpoint/2010/main" val="1605510380"/>
       </p:ext>
     </p:extLst>
   </p:cSld>
@@ -6034,17 +4779,9 @@
 </p:sld>
 </file>
 
-<file path=ppt/slides/slide4.xml><?xml version="1.0" encoding="utf-8"?>
+<file path=ppt/slides/slide11.xml><?xml version="1.0" encoding="utf-8"?>
 <p:sld xmlns:a="http://schemas.openxmlformats.org/drawingml/2006/main" xmlns:r="http://schemas.openxmlformats.org/officeDocument/2006/relationships" xmlns:p="http://schemas.openxmlformats.org/presentationml/2006/main">
   <p:cSld>
-    <p:bg>
-      <p:bgPr>
-        <a:solidFill>
-          <a:schemeClr val="bg1"/>
-        </a:solidFill>
-        <a:effectLst/>
-      </p:bgPr>
-    </p:bg>
     <p:spTree>
       <p:nvGrpSpPr>
         <p:cNvPr id="1" name=""/>
@@ -6061,320 +4798,10 @@
       </p:grpSpPr>
       <p:pic>
         <p:nvPicPr>
-          <p:cNvPr id="3074" name="Picture 2" descr="Waste Water Treatment Leakage Broke Svg Png Icon Free Download (#569149) -  OnlineWebFonts.COM">
-            <a:extLst>
-              <a:ext uri="{FF2B5EF4-FFF2-40B4-BE49-F238E27FC236}">
-                <a16:creationId xmlns:a16="http://schemas.microsoft.com/office/drawing/2014/main" id="{348C5914-0332-44A9-A263-874DBD14E147}"/>
-              </a:ext>
-            </a:extLst>
-          </p:cNvPr>
-          <p:cNvPicPr>
-            <a:picLocks noChangeAspect="1" noChangeArrowheads="1"/>
-          </p:cNvPicPr>
-          <p:nvPr/>
-        </p:nvPicPr>
-        <p:blipFill rotWithShape="1">
-          <a:blip r:embed="rId2">
-            <a:alphaModFix/>
-            <a:extLst>
-              <a:ext uri="{28A0092B-C50C-407E-A947-70E740481C1C}">
-                <a14:useLocalDpi xmlns:a14="http://schemas.microsoft.com/office/drawing/2010/main" val="0"/>
-              </a:ext>
-            </a:extLst>
-          </a:blip>
-          <a:srcRect r="548"/>
-          <a:stretch/>
-        </p:blipFill>
-        <p:spPr bwMode="auto">
-          <a:xfrm>
-            <a:off x="6683974" y="1454277"/>
-            <a:ext cx="4703028" cy="5044190"/>
-          </a:xfrm>
-          <a:prstGeom prst="rect">
-            <a:avLst/>
-          </a:prstGeom>
-          <a:noFill/>
-          <a:extLst>
-            <a:ext uri="{909E8E84-426E-40DD-AFC4-6F175D3DCCD1}">
-              <a14:hiddenFill xmlns:a14="http://schemas.microsoft.com/office/drawing/2010/main">
-                <a:solidFill>
-                  <a:srgbClr val="FFFFFF"/>
-                </a:solidFill>
-              </a14:hiddenFill>
-            </a:ext>
-          </a:extLst>
-        </p:spPr>
-      </p:pic>
-      <p:pic>
-        <p:nvPicPr>
-          <p:cNvPr id="3076" name="Picture 134">
-            <a:extLst>
-              <a:ext uri="{FF2B5EF4-FFF2-40B4-BE49-F238E27FC236}">
-                <a16:creationId xmlns:a16="http://schemas.microsoft.com/office/drawing/2014/main" id="{54DDEBDD-D8BD-41A6-8A0D-B00E3768B0F9}"/>
-              </a:ext>
-              <a:ext uri="{C183D7F6-B498-43B3-948B-1728B52AA6E4}">
-                <adec:decorative xmlns:adec="http://schemas.microsoft.com/office/drawing/2017/decorative" val="1"/>
-              </a:ext>
-            </a:extLst>
-          </p:cNvPr>
-          <p:cNvPicPr>
-            <a:picLocks noGrp="1" noRot="1" noChangeAspect="1" noMove="1" noResize="1" noEditPoints="1" noAdjustHandles="1" noChangeArrowheads="1" noChangeShapeType="1" noCrop="1"/>
-          </p:cNvPicPr>
-          <p:nvPr>
-            <p:extLst>
-              <p:ext uri="{386F3935-93C4-4BCD-93E2-E3B085C9AB24}">
-                <p16:designElem xmlns:p16="http://schemas.microsoft.com/office/powerpoint/2015/main" val="1"/>
-              </p:ext>
-            </p:extLst>
-          </p:nvPr>
-        </p:nvPicPr>
-        <p:blipFill>
-          <a:blip r:embed="rId3">
-            <a:extLst>
-              <a:ext uri="{28A0092B-C50C-407E-A947-70E740481C1C}">
-                <a14:useLocalDpi xmlns:a14="http://schemas.microsoft.com/office/drawing/2010/main" val="0"/>
-              </a:ext>
-            </a:extLst>
-          </a:blip>
-          <a:stretch>
-            <a:fillRect/>
-          </a:stretch>
-        </p:blipFill>
-        <p:spPr>
-          <a:xfrm flipH="1" flipV="1">
-            <a:off x="0" y="0"/>
-            <a:ext cx="12192000" cy="6858000"/>
-          </a:xfrm>
-          <a:prstGeom prst="rect">
-            <a:avLst/>
-          </a:prstGeom>
-        </p:spPr>
-      </p:pic>
-      <p:sp>
-        <p:nvSpPr>
-          <p:cNvPr id="2" name="Título 1">
-            <a:extLst>
-              <a:ext uri="{FF2B5EF4-FFF2-40B4-BE49-F238E27FC236}">
-                <a16:creationId xmlns:a16="http://schemas.microsoft.com/office/drawing/2014/main" id="{B202CBA9-2D61-4174-A1AC-83B90BFD8A36}"/>
-              </a:ext>
-            </a:extLst>
-          </p:cNvPr>
-          <p:cNvSpPr>
-            <a:spLocks noGrp="1"/>
-          </p:cNvSpPr>
-          <p:nvPr>
-            <p:ph type="title"/>
-          </p:nvPr>
-        </p:nvSpPr>
-        <p:spPr>
-          <a:xfrm>
-            <a:off x="571638" y="554596"/>
-            <a:ext cx="5878976" cy="1311664"/>
-          </a:xfrm>
-        </p:spPr>
-        <p:txBody>
-          <a:bodyPr>
-            <a:normAutofit/>
-          </a:bodyPr>
-          <a:lstStyle/>
-          <a:p>
-            <a:pPr algn="ctr"/>
-            <a:r>
-              <a:rPr lang="pt-BR" dirty="0">
-                <a:solidFill>
-                  <a:srgbClr val="000000"/>
-                </a:solidFill>
-                <a:latin typeface="Arial" panose="020B0604020202020204" pitchFamily="34" charset="0"/>
-                <a:cs typeface="Arial" panose="020B0604020202020204" pitchFamily="34" charset="0"/>
-              </a:rPr>
-              <a:t>Solução do Problema</a:t>
-            </a:r>
-          </a:p>
-        </p:txBody>
-      </p:sp>
-      <p:sp>
-        <p:nvSpPr>
-          <p:cNvPr id="3" name="Espaço Reservado para Conteúdo 2">
-            <a:extLst>
-              <a:ext uri="{FF2B5EF4-FFF2-40B4-BE49-F238E27FC236}">
-                <a16:creationId xmlns:a16="http://schemas.microsoft.com/office/drawing/2014/main" id="{A8A22FE0-C875-4748-927C-26336D5968F9}"/>
-              </a:ext>
-            </a:extLst>
-          </p:cNvPr>
-          <p:cNvSpPr>
-            <a:spLocks noGrp="1"/>
-          </p:cNvSpPr>
-          <p:nvPr>
-            <p:ph idx="1"/>
-          </p:nvPr>
-        </p:nvSpPr>
-        <p:spPr>
-          <a:xfrm>
-            <a:off x="804998" y="2119087"/>
-            <a:ext cx="5645616" cy="4379380"/>
-          </a:xfrm>
-        </p:spPr>
-        <p:txBody>
-          <a:bodyPr anchor="ctr">
-            <a:normAutofit/>
-          </a:bodyPr>
-          <a:lstStyle/>
-          <a:p>
-            <a:r>
-              <a:rPr lang="pt-BR" sz="2400" b="1" dirty="0">
-                <a:solidFill>
-                  <a:srgbClr val="000000"/>
-                </a:solidFill>
-                <a:latin typeface="Arial" panose="020B0604020202020204" pitchFamily="34" charset="0"/>
-                <a:cs typeface="Arial" panose="020B0604020202020204" pitchFamily="34" charset="0"/>
-              </a:rPr>
-              <a:t>A solução proposta pela Sustabil?</a:t>
-            </a:r>
-          </a:p>
-          <a:p>
-            <a:endParaRPr lang="pt-BR" sz="2400" b="1" dirty="0">
-              <a:solidFill>
-                <a:srgbClr val="000000"/>
-              </a:solidFill>
-              <a:latin typeface="Arial" panose="020B0604020202020204" pitchFamily="34" charset="0"/>
-              <a:cs typeface="Arial" panose="020B0604020202020204" pitchFamily="34" charset="0"/>
-            </a:endParaRPr>
-          </a:p>
-          <a:p>
-            <a:endParaRPr lang="pt-BR" sz="2400" b="1" dirty="0">
-              <a:solidFill>
-                <a:srgbClr val="000000"/>
-              </a:solidFill>
-              <a:latin typeface="Arial" panose="020B0604020202020204" pitchFamily="34" charset="0"/>
-              <a:cs typeface="Arial" panose="020B0604020202020204" pitchFamily="34" charset="0"/>
-            </a:endParaRPr>
-          </a:p>
-          <a:p>
-            <a:r>
-              <a:rPr lang="pt-BR" sz="2400" b="1" dirty="0">
-                <a:solidFill>
-                  <a:srgbClr val="000000"/>
-                </a:solidFill>
-                <a:latin typeface="Arial" panose="020B0604020202020204" pitchFamily="34" charset="0"/>
-                <a:cs typeface="Arial" panose="020B0604020202020204" pitchFamily="34" charset="0"/>
-              </a:rPr>
-              <a:t>Sinal de vazamento? </a:t>
-            </a:r>
-          </a:p>
-        </p:txBody>
-      </p:sp>
-      <p:pic>
-        <p:nvPicPr>
-          <p:cNvPr id="3078" name="Picture 6" descr="temperature and humidity sensor">
-            <a:extLst>
-              <a:ext uri="{FF2B5EF4-FFF2-40B4-BE49-F238E27FC236}">
-                <a16:creationId xmlns:a16="http://schemas.microsoft.com/office/drawing/2014/main" id="{C38E409A-CA7F-4DB1-8501-637D116F091E}"/>
-              </a:ext>
-            </a:extLst>
-          </p:cNvPr>
-          <p:cNvPicPr>
-            <a:picLocks noChangeAspect="1" noChangeArrowheads="1"/>
-          </p:cNvPicPr>
-          <p:nvPr/>
-        </p:nvPicPr>
-        <p:blipFill>
-          <a:blip r:embed="rId4">
-            <a:extLst>
-              <a:ext uri="{28A0092B-C50C-407E-A947-70E740481C1C}">
-                <a14:useLocalDpi xmlns:a14="http://schemas.microsoft.com/office/drawing/2010/main" val="0"/>
-              </a:ext>
-            </a:extLst>
-          </a:blip>
-          <a:srcRect/>
-          <a:stretch>
-            <a:fillRect/>
-          </a:stretch>
-        </p:blipFill>
-        <p:spPr bwMode="auto">
-          <a:xfrm rot="18635752">
-            <a:off x="8902044" y="5087401"/>
-            <a:ext cx="632643" cy="632643"/>
-          </a:xfrm>
-          <a:prstGeom prst="rect">
-            <a:avLst/>
-          </a:prstGeom>
-          <a:noFill/>
-          <a:extLst>
-            <a:ext uri="{909E8E84-426E-40DD-AFC4-6F175D3DCCD1}">
-              <a14:hiddenFill xmlns:a14="http://schemas.microsoft.com/office/drawing/2010/main">
-                <a:solidFill>
-                  <a:srgbClr val="FFFFFF"/>
-                </a:solidFill>
-              </a14:hiddenFill>
-            </a:ext>
-          </a:extLst>
-        </p:spPr>
-      </p:pic>
-      <p:pic>
-        <p:nvPicPr>
-          <p:cNvPr id="3080" name="Picture 8" descr="Alert Alt Svg Png Icon Free Download (#565392) - OnlineWebFonts.COM">
-            <a:extLst>
-              <a:ext uri="{FF2B5EF4-FFF2-40B4-BE49-F238E27FC236}">
-                <a16:creationId xmlns:a16="http://schemas.microsoft.com/office/drawing/2014/main" id="{B68E42DD-DD1B-45E6-9C9F-C39EA0794FED}"/>
-              </a:ext>
-            </a:extLst>
-          </p:cNvPr>
-          <p:cNvPicPr>
-            <a:picLocks noChangeAspect="1" noChangeArrowheads="1"/>
-          </p:cNvPicPr>
-          <p:nvPr/>
-        </p:nvPicPr>
-        <p:blipFill rotWithShape="1">
-          <a:blip r:embed="rId5">
-            <a:duotone>
-              <a:schemeClr val="accent2">
-                <a:shade val="45000"/>
-                <a:satMod val="135000"/>
-              </a:schemeClr>
-              <a:prstClr val="white"/>
-            </a:duotone>
-            <a:alphaModFix/>
-            <a:extLst>
-              <a:ext uri="{BEBA8EAE-BF5A-486C-A8C5-ECC9F3942E4B}">
-                <a14:imgProps xmlns:a14="http://schemas.microsoft.com/office/drawing/2010/main">
-                  <a14:imgLayer r:embed="rId6">
-                    <a14:imgEffect>
-                      <a14:colorTemperature colorTemp="6360"/>
-                    </a14:imgEffect>
-                    <a14:imgEffect>
-                      <a14:saturation sat="191000"/>
-                    </a14:imgEffect>
-                  </a14:imgLayer>
-                </a14:imgProps>
-              </a:ext>
-              <a:ext uri="{28A0092B-C50C-407E-A947-70E740481C1C}">
-                <a14:useLocalDpi xmlns:a14="http://schemas.microsoft.com/office/drawing/2010/main" val="0"/>
-              </a:ext>
-            </a:extLst>
-          </a:blip>
-          <a:srcRect b="72111"/>
-          <a:stretch/>
-        </p:blipFill>
-        <p:spPr bwMode="auto">
-          <a:xfrm rot="13158707">
-            <a:off x="8479838" y="5585981"/>
-            <a:ext cx="975042" cy="416421"/>
-          </a:xfrm>
-          <a:prstGeom prst="rect">
-            <a:avLst/>
-          </a:prstGeom>
-          <a:noFill/>
-          <a:ln>
-            <a:noFill/>
-          </a:ln>
-        </p:spPr>
-      </p:pic>
-      <p:pic>
-        <p:nvPicPr>
-          <p:cNvPr id="8" name="Imagem 7">
-            <a:extLst>
-              <a:ext uri="{FF2B5EF4-FFF2-40B4-BE49-F238E27FC236}">
-                <a16:creationId xmlns:a16="http://schemas.microsoft.com/office/drawing/2014/main" id="{D2A77FA0-C3E9-4E63-BED4-0B3B92519E0D}"/>
+          <p:cNvPr id="2" name="Imagem 1">
+            <a:extLst>
+              <a:ext uri="{FF2B5EF4-FFF2-40B4-BE49-F238E27FC236}">
+                <a16:creationId xmlns:a16="http://schemas.microsoft.com/office/drawing/2014/main" id="{C19F7BEF-21A4-4EBE-ADD4-B61FF1C86AE9}"/>
               </a:ext>
             </a:extLst>
           </p:cNvPr>
@@ -6384,25 +4811,175 @@
           <p:nvPr/>
         </p:nvPicPr>
         <p:blipFill>
-          <a:blip r:embed="rId7"/>
+          <a:blip r:embed="rId2"/>
           <a:stretch>
             <a:fillRect/>
           </a:stretch>
         </p:blipFill>
         <p:spPr>
           <a:xfrm>
-            <a:off x="53894" y="35169"/>
-            <a:ext cx="1035488" cy="1035488"/>
+            <a:off x="398336" y="865966"/>
+            <a:ext cx="8085521" cy="1577477"/>
           </a:xfrm>
           <a:prstGeom prst="rect">
             <a:avLst/>
           </a:prstGeom>
         </p:spPr>
       </p:pic>
+      <p:pic>
+        <p:nvPicPr>
+          <p:cNvPr id="3" name="Imagem 2">
+            <a:extLst>
+              <a:ext uri="{FF2B5EF4-FFF2-40B4-BE49-F238E27FC236}">
+                <a16:creationId xmlns:a16="http://schemas.microsoft.com/office/drawing/2014/main" id="{58C1A49D-2DB9-43C7-B0F5-F68E4A3D03E8}"/>
+              </a:ext>
+            </a:extLst>
+          </p:cNvPr>
+          <p:cNvPicPr>
+            <a:picLocks noChangeAspect="1"/>
+          </p:cNvPicPr>
+          <p:nvPr/>
+        </p:nvPicPr>
+        <p:blipFill>
+          <a:blip r:embed="rId3"/>
+          <a:stretch>
+            <a:fillRect/>
+          </a:stretch>
+        </p:blipFill>
+        <p:spPr>
+          <a:xfrm>
+            <a:off x="8446279" y="946508"/>
+            <a:ext cx="3482642" cy="1341236"/>
+          </a:xfrm>
+          <a:prstGeom prst="rect">
+            <a:avLst/>
+          </a:prstGeom>
+        </p:spPr>
+      </p:pic>
+      <p:pic>
+        <p:nvPicPr>
+          <p:cNvPr id="4" name="Imagem 3">
+            <a:extLst>
+              <a:ext uri="{FF2B5EF4-FFF2-40B4-BE49-F238E27FC236}">
+                <a16:creationId xmlns:a16="http://schemas.microsoft.com/office/drawing/2014/main" id="{C7C04DB2-C0B7-468D-85EC-B66F2571B0F7}"/>
+              </a:ext>
+            </a:extLst>
+          </p:cNvPr>
+          <p:cNvPicPr>
+            <a:picLocks noChangeAspect="1"/>
+          </p:cNvPicPr>
+          <p:nvPr/>
+        </p:nvPicPr>
+        <p:blipFill>
+          <a:blip r:embed="rId4"/>
+          <a:stretch>
+            <a:fillRect/>
+          </a:stretch>
+        </p:blipFill>
+        <p:spPr>
+          <a:xfrm>
+            <a:off x="3810592" y="3103126"/>
+            <a:ext cx="4673265" cy="3715985"/>
+          </a:xfrm>
+          <a:prstGeom prst="rect">
+            <a:avLst/>
+          </a:prstGeom>
+        </p:spPr>
+      </p:pic>
+      <p:sp>
+        <p:nvSpPr>
+          <p:cNvPr id="5" name="CaixaDeTexto 4">
+            <a:extLst>
+              <a:ext uri="{FF2B5EF4-FFF2-40B4-BE49-F238E27FC236}">
+                <a16:creationId xmlns:a16="http://schemas.microsoft.com/office/drawing/2014/main" id="{D05F348A-5DC1-4D17-AC3B-97B6FC677767}"/>
+              </a:ext>
+            </a:extLst>
+          </p:cNvPr>
+          <p:cNvSpPr txBox="1"/>
+          <p:nvPr/>
+        </p:nvSpPr>
+        <p:spPr>
+          <a:xfrm>
+            <a:off x="4091940" y="184666"/>
+            <a:ext cx="4008120" cy="369332"/>
+          </a:xfrm>
+          <a:prstGeom prst="rect">
+            <a:avLst/>
+          </a:prstGeom>
+          <a:noFill/>
+        </p:spPr>
+        <p:txBody>
+          <a:bodyPr wrap="square" rtlCol="0">
+            <a:spAutoFit/>
+          </a:bodyPr>
+          <a:lstStyle>
+            <a:defPPr>
+              <a:defRPr lang="pt-BR"/>
+            </a:defPPr>
+            <a:lvl1pPr>
+              <a:defRPr sz="1600" b="1">
+                <a:latin typeface="Arial" panose="020B0604020202020204" pitchFamily="34" charset="0"/>
+                <a:cs typeface="Arial" panose="020B0604020202020204" pitchFamily="34" charset="0"/>
+              </a:defRPr>
+            </a:lvl1pPr>
+          </a:lstStyle>
+          <a:p>
+            <a:r>
+              <a:rPr lang="pt-BR" dirty="0"/>
+              <a:t>Inserção de dados na tabela Clientes:</a:t>
+            </a:r>
+          </a:p>
+        </p:txBody>
+      </p:sp>
+      <p:sp>
+        <p:nvSpPr>
+          <p:cNvPr id="6" name="CaixaDeTexto 5">
+            <a:extLst>
+              <a:ext uri="{FF2B5EF4-FFF2-40B4-BE49-F238E27FC236}">
+                <a16:creationId xmlns:a16="http://schemas.microsoft.com/office/drawing/2014/main" id="{897B9B6D-A61B-4497-825B-7A0E52DFBFE7}"/>
+              </a:ext>
+            </a:extLst>
+          </p:cNvPr>
+          <p:cNvSpPr txBox="1"/>
+          <p:nvPr/>
+        </p:nvSpPr>
+        <p:spPr>
+          <a:xfrm>
+            <a:off x="4091940" y="2588618"/>
+            <a:ext cx="4008120" cy="369332"/>
+          </a:xfrm>
+          <a:prstGeom prst="rect">
+            <a:avLst/>
+          </a:prstGeom>
+          <a:noFill/>
+        </p:spPr>
+        <p:txBody>
+          <a:bodyPr wrap="square" rtlCol="0">
+            <a:spAutoFit/>
+          </a:bodyPr>
+          <a:lstStyle>
+            <a:defPPr>
+              <a:defRPr lang="pt-BR"/>
+            </a:defPPr>
+            <a:lvl1pPr>
+              <a:defRPr sz="1600" b="1">
+                <a:latin typeface="Arial" panose="020B0604020202020204" pitchFamily="34" charset="0"/>
+                <a:cs typeface="Arial" panose="020B0604020202020204" pitchFamily="34" charset="0"/>
+              </a:defRPr>
+            </a:lvl1pPr>
+          </a:lstStyle>
+          <a:p>
+            <a:r>
+              <a:rPr lang="pt-BR" dirty="0"/>
+              <a:t>Inserção de dados na tabela Clientes:</a:t>
+            </a:r>
+          </a:p>
+        </p:txBody>
+      </p:sp>
     </p:spTree>
     <p:extLst>
       <p:ext uri="{BB962C8B-B14F-4D97-AF65-F5344CB8AC3E}">
-        <p14:creationId xmlns:p14="http://schemas.microsoft.com/office/powerpoint/2010/main" val="3377260643"/>
+        <p14:creationId xmlns:p14="http://schemas.microsoft.com/office/powerpoint/2010/main" val="2411807073"/>
       </p:ext>
     </p:extLst>
   </p:cSld>
@@ -6412,17 +4989,9 @@
 </p:sld>
 </file>
 
-<file path=ppt/slides/slide5.xml><?xml version="1.0" encoding="utf-8"?>
+<file path=ppt/slides/slide12.xml><?xml version="1.0" encoding="utf-8"?>
 <p:sld xmlns:a="http://schemas.openxmlformats.org/drawingml/2006/main" xmlns:r="http://schemas.openxmlformats.org/officeDocument/2006/relationships" xmlns:p="http://schemas.openxmlformats.org/presentationml/2006/main">
   <p:cSld>
-    <p:bg>
-      <p:bgPr>
-        <a:solidFill>
-          <a:schemeClr val="bg1"/>
-        </a:solidFill>
-        <a:effectLst/>
-      </p:bgPr>
-    </p:bg>
     <p:spTree>
       <p:nvGrpSpPr>
         <p:cNvPr id="1" name=""/>
@@ -6437,371 +5006,12 @@
           <a:chExt cx="0" cy="0"/>
         </a:xfrm>
       </p:grpSpPr>
-      <p:sp useBgFill="1">
-        <p:nvSpPr>
-          <p:cNvPr id="45" name="Rectangle 39">
-            <a:extLst>
-              <a:ext uri="{FF2B5EF4-FFF2-40B4-BE49-F238E27FC236}">
-                <a16:creationId xmlns:a16="http://schemas.microsoft.com/office/drawing/2014/main" id="{1ECAB1E8-8195-4748-BE71-FF806D86892E}"/>
-              </a:ext>
-              <a:ext uri="{C183D7F6-B498-43B3-948B-1728B52AA6E4}">
-                <adec:decorative xmlns:adec="http://schemas.microsoft.com/office/drawing/2017/decorative" val="1"/>
-              </a:ext>
-            </a:extLst>
-          </p:cNvPr>
-          <p:cNvSpPr>
-            <a:spLocks noGrp="1" noRot="1" noChangeAspect="1" noMove="1" noResize="1" noEditPoints="1" noAdjustHandles="1" noChangeArrowheads="1" noChangeShapeType="1" noTextEdit="1"/>
-          </p:cNvSpPr>
-          <p:nvPr>
-            <p:extLst>
-              <p:ext uri="{386F3935-93C4-4BCD-93E2-E3B085C9AB24}">
-                <p16:designElem xmlns:p16="http://schemas.microsoft.com/office/powerpoint/2015/main" val="1"/>
-              </p:ext>
-            </p:extLst>
-          </p:nvPr>
-        </p:nvSpPr>
-        <p:spPr>
-          <a:xfrm>
-            <a:off x="0" y="0"/>
-            <a:ext cx="12192000" cy="6858000"/>
-          </a:xfrm>
-          <a:prstGeom prst="rect">
-            <a:avLst/>
-          </a:prstGeom>
-          <a:ln>
-            <a:noFill/>
-          </a:ln>
-        </p:spPr>
-        <p:style>
-          <a:lnRef idx="2">
-            <a:schemeClr val="accent1">
-              <a:shade val="50000"/>
-            </a:schemeClr>
-          </a:lnRef>
-          <a:fillRef idx="1">
-            <a:schemeClr val="accent1"/>
-          </a:fillRef>
-          <a:effectRef idx="0">
-            <a:schemeClr val="accent1"/>
-          </a:effectRef>
-          <a:fontRef idx="minor">
-            <a:schemeClr val="lt1"/>
-          </a:fontRef>
-        </p:style>
-        <p:txBody>
-          <a:bodyPr rtlCol="0" anchor="ctr"/>
-          <a:lstStyle/>
-          <a:p>
-            <a:pPr algn="ctr"/>
-            <a:endParaRPr lang="en-US"/>
-          </a:p>
-        </p:txBody>
-      </p:sp>
-      <p:sp useBgFill="1">
-        <p:nvSpPr>
-          <p:cNvPr id="47" name="Rectangle 41">
-            <a:extLst>
-              <a:ext uri="{FF2B5EF4-FFF2-40B4-BE49-F238E27FC236}">
-                <a16:creationId xmlns:a16="http://schemas.microsoft.com/office/drawing/2014/main" id="{57F6BDD4-E066-4008-8011-6CC31AEB4556}"/>
-              </a:ext>
-              <a:ext uri="{C183D7F6-B498-43B3-948B-1728B52AA6E4}">
-                <adec:decorative xmlns:adec="http://schemas.microsoft.com/office/drawing/2017/decorative" val="1"/>
-              </a:ext>
-            </a:extLst>
-          </p:cNvPr>
-          <p:cNvSpPr>
-            <a:spLocks noGrp="1" noRot="1" noChangeAspect="1" noMove="1" noResize="1" noEditPoints="1" noAdjustHandles="1" noChangeArrowheads="1" noChangeShapeType="1" noTextEdit="1"/>
-          </p:cNvSpPr>
-          <p:nvPr>
-            <p:extLst>
-              <p:ext uri="{386F3935-93C4-4BCD-93E2-E3B085C9AB24}">
-                <p16:designElem xmlns:p16="http://schemas.microsoft.com/office/powerpoint/2015/main" val="1"/>
-              </p:ext>
-            </p:extLst>
-          </p:nvPr>
-        </p:nvSpPr>
-        <p:spPr>
-          <a:xfrm>
-            <a:off x="409575" y="633619"/>
-            <a:ext cx="4279383" cy="5495925"/>
-          </a:xfrm>
-          <a:prstGeom prst="rect">
-            <a:avLst/>
-          </a:prstGeom>
-          <a:ln w="9525">
-            <a:solidFill>
-              <a:srgbClr val="E1E1E1"/>
-            </a:solidFill>
-          </a:ln>
-          <a:effectLst>
-            <a:outerShdw blurRad="50800" dist="38100" dir="2700000" algn="tl" rotWithShape="0">
-              <a:schemeClr val="bg1">
-                <a:lumMod val="85000"/>
-                <a:alpha val="50000"/>
-              </a:schemeClr>
-            </a:outerShdw>
-          </a:effectLst>
-        </p:spPr>
-        <p:style>
-          <a:lnRef idx="2">
-            <a:schemeClr val="accent1">
-              <a:shade val="50000"/>
-            </a:schemeClr>
-          </a:lnRef>
-          <a:fillRef idx="1">
-            <a:schemeClr val="accent1"/>
-          </a:fillRef>
-          <a:effectRef idx="0">
-            <a:schemeClr val="accent1"/>
-          </a:effectRef>
-          <a:fontRef idx="minor">
-            <a:schemeClr val="lt1"/>
-          </a:fontRef>
-        </p:style>
-        <p:txBody>
-          <a:bodyPr rtlCol="0" anchor="ctr"/>
-          <a:lstStyle/>
-          <a:p>
-            <a:pPr marL="0" marR="0" lvl="0" indent="0" algn="ctr" defTabSz="914400" rtl="0" eaLnBrk="1" fontAlgn="auto" latinLnBrk="0" hangingPunct="1">
-              <a:lnSpc>
-                <a:spcPct val="100000"/>
-              </a:lnSpc>
-              <a:spcBef>
-                <a:spcPts val="0"/>
-              </a:spcBef>
-              <a:spcAft>
-                <a:spcPts val="0"/>
-              </a:spcAft>
-              <a:buClrTx/>
-              <a:buSzTx/>
-              <a:buFontTx/>
-              <a:buNone/>
-              <a:tabLst/>
-              <a:defRPr/>
-            </a:pPr>
-            <a:endParaRPr kumimoji="0" lang="en-US" sz="1800" b="0" i="0" u="none" strike="noStrike" kern="1200" cap="none" spc="0" normalizeH="0" baseline="0" noProof="0">
-              <a:ln>
-                <a:noFill/>
-              </a:ln>
-              <a:solidFill>
-                <a:prstClr val="white"/>
-              </a:solidFill>
-              <a:effectLst/>
-              <a:uLnTx/>
-              <a:uFillTx/>
-              <a:latin typeface="Calibri" panose="020F0502020204030204"/>
-              <a:ea typeface="+mn-ea"/>
-              <a:cs typeface="+mn-cs"/>
-            </a:endParaRPr>
-          </a:p>
-        </p:txBody>
-      </p:sp>
-      <p:sp>
-        <p:nvSpPr>
-          <p:cNvPr id="2" name="Título 1">
-            <a:extLst>
-              <a:ext uri="{FF2B5EF4-FFF2-40B4-BE49-F238E27FC236}">
-                <a16:creationId xmlns:a16="http://schemas.microsoft.com/office/drawing/2014/main" id="{622E59CC-F430-4678-9423-C4E72D202EEB}"/>
-              </a:ext>
-            </a:extLst>
-          </p:cNvPr>
-          <p:cNvSpPr>
-            <a:spLocks noGrp="1"/>
-          </p:cNvSpPr>
-          <p:nvPr>
-            <p:ph type="title"/>
-          </p:nvPr>
-        </p:nvSpPr>
-        <p:spPr>
-          <a:xfrm>
-            <a:off x="841247" y="978619"/>
-            <a:ext cx="3410712" cy="1106424"/>
-          </a:xfrm>
-        </p:spPr>
-        <p:txBody>
-          <a:bodyPr>
-            <a:normAutofit/>
-          </a:bodyPr>
-          <a:lstStyle/>
-          <a:p>
-            <a:pPr algn="ctr"/>
-            <a:r>
-              <a:rPr lang="pt-BR" sz="3700" dirty="0">
-                <a:latin typeface="Arial" panose="020B0604020202020204" pitchFamily="34" charset="0"/>
-                <a:cs typeface="Arial" panose="020B0604020202020204" pitchFamily="34" charset="0"/>
-              </a:rPr>
-              <a:t>Onde verificar?</a:t>
-            </a:r>
-          </a:p>
-        </p:txBody>
-      </p:sp>
-      <p:sp>
-        <p:nvSpPr>
-          <p:cNvPr id="44" name="Rectangle 43">
-            <a:extLst>
-              <a:ext uri="{FF2B5EF4-FFF2-40B4-BE49-F238E27FC236}">
-                <a16:creationId xmlns:a16="http://schemas.microsoft.com/office/drawing/2014/main" id="{2711A8FB-68FC-45FC-B01E-38F809E2D439}"/>
-              </a:ext>
-              <a:ext uri="{C183D7F6-B498-43B3-948B-1728B52AA6E4}">
-                <adec:decorative xmlns:adec="http://schemas.microsoft.com/office/drawing/2017/decorative" val="1"/>
-              </a:ext>
-            </a:extLst>
-          </p:cNvPr>
-          <p:cNvSpPr>
-            <a:spLocks noGrp="1" noRot="1" noChangeAspect="1" noMove="1" noResize="1" noEditPoints="1" noAdjustHandles="1" noChangeArrowheads="1" noChangeShapeType="1" noTextEdit="1"/>
-          </p:cNvSpPr>
-          <p:nvPr>
-            <p:extLst>
-              <p:ext uri="{386F3935-93C4-4BCD-93E2-E3B085C9AB24}">
-                <p16:designElem xmlns:p16="http://schemas.microsoft.com/office/powerpoint/2015/main" val="1"/>
-              </p:ext>
-            </p:extLst>
-          </p:nvPr>
-        </p:nvSpPr>
-        <p:spPr>
-          <a:xfrm>
-            <a:off x="345567" y="1170432"/>
-            <a:ext cx="128016" cy="704088"/>
-          </a:xfrm>
-          <a:prstGeom prst="rect">
-            <a:avLst/>
-          </a:prstGeom>
-          <a:solidFill>
-            <a:schemeClr val="accent2"/>
-          </a:solidFill>
-          <a:ln>
-            <a:noFill/>
-          </a:ln>
-        </p:spPr>
-        <p:style>
-          <a:lnRef idx="2">
-            <a:schemeClr val="accent1">
-              <a:shade val="50000"/>
-            </a:schemeClr>
-          </a:lnRef>
-          <a:fillRef idx="1">
-            <a:schemeClr val="accent1"/>
-          </a:fillRef>
-          <a:effectRef idx="0">
-            <a:schemeClr val="accent1"/>
-          </a:effectRef>
-          <a:fontRef idx="minor">
-            <a:schemeClr val="lt1"/>
-          </a:fontRef>
-        </p:style>
-        <p:txBody>
-          <a:bodyPr rtlCol="0" anchor="ctr"/>
-          <a:lstStyle/>
-          <a:p>
-            <a:pPr algn="ctr"/>
-            <a:endParaRPr lang="en-US">
-              <a:solidFill>
-                <a:prstClr val="white"/>
-              </a:solidFill>
-              <a:latin typeface="Calibri" panose="020F0502020204030204"/>
-            </a:endParaRPr>
-          </a:p>
-        </p:txBody>
-      </p:sp>
-      <p:sp>
-        <p:nvSpPr>
-          <p:cNvPr id="46" name="Rectangle 45">
-            <a:extLst>
-              <a:ext uri="{FF2B5EF4-FFF2-40B4-BE49-F238E27FC236}">
-                <a16:creationId xmlns:a16="http://schemas.microsoft.com/office/drawing/2014/main" id="{2A865FE3-5FC9-4049-87CF-30019C46C0F5}"/>
-              </a:ext>
-              <a:ext uri="{C183D7F6-B498-43B3-948B-1728B52AA6E4}">
-                <adec:decorative xmlns:adec="http://schemas.microsoft.com/office/drawing/2017/decorative" val="1"/>
-              </a:ext>
-            </a:extLst>
-          </p:cNvPr>
-          <p:cNvSpPr>
-            <a:spLocks noGrp="1" noRot="1" noChangeAspect="1" noMove="1" noResize="1" noEditPoints="1" noAdjustHandles="1" noChangeArrowheads="1" noChangeShapeType="1" noTextEdit="1"/>
-          </p:cNvSpPr>
-          <p:nvPr>
-            <p:extLst>
-              <p:ext uri="{386F3935-93C4-4BCD-93E2-E3B085C9AB24}">
-                <p16:designElem xmlns:p16="http://schemas.microsoft.com/office/powerpoint/2015/main" val="1"/>
-              </p:ext>
-            </p:extLst>
-          </p:nvPr>
-        </p:nvSpPr>
-        <p:spPr>
-          <a:xfrm>
-            <a:off x="877459" y="2121408"/>
-            <a:ext cx="3328416" cy="9144"/>
-          </a:xfrm>
-          <a:prstGeom prst="rect">
-            <a:avLst/>
-          </a:prstGeom>
-          <a:solidFill>
-            <a:srgbClr val="D5D5D5"/>
-          </a:solidFill>
-          <a:ln w="3175">
-            <a:noFill/>
-          </a:ln>
-          <a:effectLst/>
-        </p:spPr>
-        <p:style>
-          <a:lnRef idx="2">
-            <a:schemeClr val="accent1">
-              <a:shade val="50000"/>
-            </a:schemeClr>
-          </a:lnRef>
-          <a:fillRef idx="1">
-            <a:schemeClr val="accent1"/>
-          </a:fillRef>
-          <a:effectRef idx="0">
-            <a:schemeClr val="accent1"/>
-          </a:effectRef>
-          <a:fontRef idx="minor">
-            <a:schemeClr val="lt1"/>
-          </a:fontRef>
-        </p:style>
-        <p:txBody>
-          <a:bodyPr rtlCol="0" anchor="ctr"/>
-          <a:lstStyle/>
-          <a:p>
-            <a:pPr marL="0" marR="0" lvl="0" indent="0" algn="ctr" defTabSz="914400" rtl="0" eaLnBrk="1" fontAlgn="auto" latinLnBrk="0" hangingPunct="1">
-              <a:lnSpc>
-                <a:spcPct val="100000"/>
-              </a:lnSpc>
-              <a:spcBef>
-                <a:spcPts val="0"/>
-              </a:spcBef>
-              <a:spcAft>
-                <a:spcPts val="0"/>
-              </a:spcAft>
-              <a:buClrTx/>
-              <a:buSzTx/>
-              <a:buFontTx/>
-              <a:buNone/>
-              <a:tabLst/>
-              <a:defRPr/>
-            </a:pPr>
-            <a:endParaRPr kumimoji="0" lang="en-US" sz="1800" b="0" i="0" u="none" strike="noStrike" kern="1200" cap="none" spc="0" normalizeH="0" baseline="0" noProof="0">
-              <a:ln>
-                <a:noFill/>
-              </a:ln>
-              <a:solidFill>
-                <a:prstClr val="white"/>
-              </a:solidFill>
-              <a:effectLst/>
-              <a:uLnTx/>
-              <a:uFillTx/>
-              <a:latin typeface="Calibri" panose="020F0502020204030204"/>
-              <a:ea typeface="+mn-ea"/>
-              <a:cs typeface="+mn-cs"/>
-            </a:endParaRPr>
-          </a:p>
-        </p:txBody>
-      </p:sp>
       <p:pic>
         <p:nvPicPr>
-          <p:cNvPr id="20" name="Imagem 19" descr="Tela de computador com texto preto sobre fundo branco&#10;&#10;Descrição gerada automaticamente">
-            <a:extLst>
-              <a:ext uri="{FF2B5EF4-FFF2-40B4-BE49-F238E27FC236}">
-                <a16:creationId xmlns:a16="http://schemas.microsoft.com/office/drawing/2014/main" id="{3A02DED5-E702-4845-AFB5-A488487D1DB0}"/>
+          <p:cNvPr id="2" name="Imagem 1">
+            <a:extLst>
+              <a:ext uri="{FF2B5EF4-FFF2-40B4-BE49-F238E27FC236}">
+                <a16:creationId xmlns:a16="http://schemas.microsoft.com/office/drawing/2014/main" id="{46447FED-6765-4E73-AE34-F23C7D378E29}"/>
               </a:ext>
             </a:extLst>
           </p:cNvPr>
@@ -6810,21 +5020,16 @@
           </p:cNvPicPr>
           <p:nvPr/>
         </p:nvPicPr>
-        <p:blipFill rotWithShape="1">
-          <a:blip r:embed="rId2">
-            <a:extLst>
-              <a:ext uri="{28A0092B-C50C-407E-A947-70E740481C1C}">
-                <a14:useLocalDpi xmlns:a14="http://schemas.microsoft.com/office/drawing/2010/main" val="0"/>
-              </a:ext>
-            </a:extLst>
-          </a:blip>
-          <a:srcRect l="2957" r="6182" b="-1"/>
-          <a:stretch/>
+        <p:blipFill>
+          <a:blip r:embed="rId2"/>
+          <a:stretch>
+            <a:fillRect/>
+          </a:stretch>
         </p:blipFill>
         <p:spPr>
           <a:xfrm>
-            <a:off x="5124450" y="634382"/>
-            <a:ext cx="6657213" cy="5495162"/>
+            <a:off x="0" y="969616"/>
+            <a:ext cx="10046987" cy="1626927"/>
           </a:xfrm>
           <a:prstGeom prst="rect">
             <a:avLst/>
@@ -6833,10 +5038,10 @@
       </p:pic>
       <p:pic>
         <p:nvPicPr>
-          <p:cNvPr id="9" name="Imagem 8">
-            <a:extLst>
-              <a:ext uri="{FF2B5EF4-FFF2-40B4-BE49-F238E27FC236}">
-                <a16:creationId xmlns:a16="http://schemas.microsoft.com/office/drawing/2014/main" id="{F745EBB1-8D29-4430-8E72-390A36EEA934}"/>
+          <p:cNvPr id="3" name="Imagem 2">
+            <a:extLst>
+              <a:ext uri="{FF2B5EF4-FFF2-40B4-BE49-F238E27FC236}">
+                <a16:creationId xmlns:a16="http://schemas.microsoft.com/office/drawing/2014/main" id="{349DA353-C641-4866-875D-4AAB4915DB8A}"/>
               </a:ext>
             </a:extLst>
           </p:cNvPr>
@@ -6853,18 +5058,213 @@
         </p:blipFill>
         <p:spPr>
           <a:xfrm>
-            <a:off x="53894" y="35169"/>
-            <a:ext cx="1035488" cy="1035488"/>
+            <a:off x="10029735" y="969616"/>
+            <a:ext cx="1036198" cy="1609675"/>
           </a:xfrm>
           <a:prstGeom prst="rect">
             <a:avLst/>
           </a:prstGeom>
         </p:spPr>
       </p:pic>
+      <p:pic>
+        <p:nvPicPr>
+          <p:cNvPr id="4" name="Imagem 3">
+            <a:extLst>
+              <a:ext uri="{FF2B5EF4-FFF2-40B4-BE49-F238E27FC236}">
+                <a16:creationId xmlns:a16="http://schemas.microsoft.com/office/drawing/2014/main" id="{E2D19421-69D7-4531-B451-85EF98AF7B04}"/>
+              </a:ext>
+            </a:extLst>
+          </p:cNvPr>
+          <p:cNvPicPr>
+            <a:picLocks noChangeAspect="1"/>
+          </p:cNvPicPr>
+          <p:nvPr/>
+        </p:nvPicPr>
+        <p:blipFill>
+          <a:blip r:embed="rId4"/>
+          <a:stretch>
+            <a:fillRect/>
+          </a:stretch>
+        </p:blipFill>
+        <p:spPr>
+          <a:xfrm>
+            <a:off x="457200" y="3853513"/>
+            <a:ext cx="4112506" cy="1986942"/>
+          </a:xfrm>
+          <a:prstGeom prst="rect">
+            <a:avLst/>
+          </a:prstGeom>
+        </p:spPr>
+      </p:pic>
+      <p:pic>
+        <p:nvPicPr>
+          <p:cNvPr id="5" name="Imagem 4">
+            <a:extLst>
+              <a:ext uri="{FF2B5EF4-FFF2-40B4-BE49-F238E27FC236}">
+                <a16:creationId xmlns:a16="http://schemas.microsoft.com/office/drawing/2014/main" id="{0F6E4D36-B9BA-49A8-BAB3-2E6471FF5591}"/>
+              </a:ext>
+            </a:extLst>
+          </p:cNvPr>
+          <p:cNvPicPr>
+            <a:picLocks noChangeAspect="1"/>
+          </p:cNvPicPr>
+          <p:nvPr/>
+        </p:nvPicPr>
+        <p:blipFill>
+          <a:blip r:embed="rId5"/>
+          <a:stretch>
+            <a:fillRect/>
+          </a:stretch>
+        </p:blipFill>
+        <p:spPr>
+          <a:xfrm>
+            <a:off x="6644275" y="3853513"/>
+            <a:ext cx="4942358" cy="1886887"/>
+          </a:xfrm>
+          <a:prstGeom prst="rect">
+            <a:avLst/>
+          </a:prstGeom>
+        </p:spPr>
+      </p:pic>
+      <p:sp>
+        <p:nvSpPr>
+          <p:cNvPr id="6" name="CaixaDeTexto 5">
+            <a:extLst>
+              <a:ext uri="{FF2B5EF4-FFF2-40B4-BE49-F238E27FC236}">
+                <a16:creationId xmlns:a16="http://schemas.microsoft.com/office/drawing/2014/main" id="{ABD0B5B1-7BAF-419E-9C90-8C3DC283210A}"/>
+              </a:ext>
+            </a:extLst>
+          </p:cNvPr>
+          <p:cNvSpPr txBox="1"/>
+          <p:nvPr/>
+        </p:nvSpPr>
+        <p:spPr>
+          <a:xfrm>
+            <a:off x="3441700" y="185698"/>
+            <a:ext cx="4597400" cy="369332"/>
+          </a:xfrm>
+          <a:prstGeom prst="rect">
+            <a:avLst/>
+          </a:prstGeom>
+          <a:noFill/>
+        </p:spPr>
+        <p:txBody>
+          <a:bodyPr wrap="square" rtlCol="0">
+            <a:spAutoFit/>
+          </a:bodyPr>
+          <a:lstStyle>
+            <a:defPPr>
+              <a:defRPr lang="pt-BR"/>
+            </a:defPPr>
+            <a:lvl1pPr>
+              <a:defRPr sz="1600" b="1">
+                <a:latin typeface="Arial" panose="020B0604020202020204" pitchFamily="34" charset="0"/>
+                <a:cs typeface="Arial" panose="020B0604020202020204" pitchFamily="34" charset="0"/>
+              </a:defRPr>
+            </a:lvl1pPr>
+          </a:lstStyle>
+          <a:p>
+            <a:r>
+              <a:rPr lang="pt-BR" dirty="0"/>
+              <a:t>Buscando os dados da tabela tbClientes:</a:t>
+            </a:r>
+          </a:p>
+        </p:txBody>
+      </p:sp>
+      <p:sp>
+        <p:nvSpPr>
+          <p:cNvPr id="7" name="CaixaDeTexto 6">
+            <a:extLst>
+              <a:ext uri="{FF2B5EF4-FFF2-40B4-BE49-F238E27FC236}">
+                <a16:creationId xmlns:a16="http://schemas.microsoft.com/office/drawing/2014/main" id="{2E11BFA2-0178-4AFE-8FF0-9F3D56EABE5B}"/>
+              </a:ext>
+            </a:extLst>
+          </p:cNvPr>
+          <p:cNvSpPr txBox="1"/>
+          <p:nvPr/>
+        </p:nvSpPr>
+        <p:spPr>
+          <a:xfrm>
+            <a:off x="457200" y="3244334"/>
+            <a:ext cx="4597400" cy="369332"/>
+          </a:xfrm>
+          <a:prstGeom prst="rect">
+            <a:avLst/>
+          </a:prstGeom>
+          <a:noFill/>
+        </p:spPr>
+        <p:txBody>
+          <a:bodyPr wrap="square" rtlCol="0">
+            <a:spAutoFit/>
+          </a:bodyPr>
+          <a:lstStyle>
+            <a:defPPr>
+              <a:defRPr lang="pt-BR"/>
+            </a:defPPr>
+            <a:lvl1pPr>
+              <a:defRPr sz="1600" b="1">
+                <a:latin typeface="Arial" panose="020B0604020202020204" pitchFamily="34" charset="0"/>
+                <a:cs typeface="Arial" panose="020B0604020202020204" pitchFamily="34" charset="0"/>
+              </a:defRPr>
+            </a:lvl1pPr>
+          </a:lstStyle>
+          <a:p>
+            <a:r>
+              <a:rPr lang="pt-BR" dirty="0"/>
+              <a:t>Buscando os dados da tabela tbRua:</a:t>
+            </a:r>
+          </a:p>
+        </p:txBody>
+      </p:sp>
+      <p:sp>
+        <p:nvSpPr>
+          <p:cNvPr id="8" name="CaixaDeTexto 7">
+            <a:extLst>
+              <a:ext uri="{FF2B5EF4-FFF2-40B4-BE49-F238E27FC236}">
+                <a16:creationId xmlns:a16="http://schemas.microsoft.com/office/drawing/2014/main" id="{90C7EB6A-7384-419D-8FBE-AB3D2D267A80}"/>
+              </a:ext>
+            </a:extLst>
+          </p:cNvPr>
+          <p:cNvSpPr txBox="1"/>
+          <p:nvPr/>
+        </p:nvSpPr>
+        <p:spPr>
+          <a:xfrm>
+            <a:off x="7137400" y="3244334"/>
+            <a:ext cx="4597400" cy="369332"/>
+          </a:xfrm>
+          <a:prstGeom prst="rect">
+            <a:avLst/>
+          </a:prstGeom>
+          <a:noFill/>
+        </p:spPr>
+        <p:txBody>
+          <a:bodyPr wrap="square" rtlCol="0">
+            <a:spAutoFit/>
+          </a:bodyPr>
+          <a:lstStyle>
+            <a:defPPr>
+              <a:defRPr lang="pt-BR"/>
+            </a:defPPr>
+            <a:lvl1pPr>
+              <a:defRPr sz="1600" b="1">
+                <a:latin typeface="Arial" panose="020B0604020202020204" pitchFamily="34" charset="0"/>
+                <a:cs typeface="Arial" panose="020B0604020202020204" pitchFamily="34" charset="0"/>
+              </a:defRPr>
+            </a:lvl1pPr>
+          </a:lstStyle>
+          <a:p>
+            <a:r>
+              <a:rPr lang="pt-BR" dirty="0"/>
+              <a:t>Buscando os dados da tabela tbSensores:</a:t>
+            </a:r>
+          </a:p>
+        </p:txBody>
+      </p:sp>
     </p:spTree>
     <p:extLst>
       <p:ext uri="{BB962C8B-B14F-4D97-AF65-F5344CB8AC3E}">
-        <p14:creationId xmlns:p14="http://schemas.microsoft.com/office/powerpoint/2010/main" val="4091551892"/>
+        <p14:creationId xmlns:p14="http://schemas.microsoft.com/office/powerpoint/2010/main" val="1740331572"/>
       </p:ext>
     </p:extLst>
   </p:cSld>
@@ -6874,7 +5274,7 @@
 </p:sld>
 </file>
 
-<file path=ppt/slides/slide6.xml><?xml version="1.0" encoding="utf-8"?>
+<file path=ppt/slides/slide13.xml><?xml version="1.0" encoding="utf-8"?>
 <p:sld xmlns:a="http://schemas.openxmlformats.org/drawingml/2006/main" xmlns:r="http://schemas.openxmlformats.org/officeDocument/2006/relationships" xmlns:p="http://schemas.openxmlformats.org/presentationml/2006/main">
   <p:cSld>
     <p:bg>
@@ -7165,31 +5565,61 @@
           </a:fontRef>
         </p:style>
       </p:cxnSp>
-      <p:sp>
-        <p:nvSpPr>
-          <p:cNvPr id="3" name="Espaço Reservado para Conteúdo 2">
-            <a:extLst>
-              <a:ext uri="{FF2B5EF4-FFF2-40B4-BE49-F238E27FC236}">
-                <a16:creationId xmlns:a16="http://schemas.microsoft.com/office/drawing/2014/main" id="{E5B52546-DA01-463F-933C-0AC0849240BF}"/>
-              </a:ext>
-            </a:extLst>
-          </p:cNvPr>
-          <p:cNvSpPr>
-            <a:spLocks noGrp="1"/>
-          </p:cNvSpPr>
-          <p:nvPr>
-            <p:ph idx="1"/>
-          </p:nvPr>
-        </p:nvSpPr>
-        <p:spPr>
-          <a:xfrm>
-            <a:off x="525516" y="3417573"/>
-            <a:ext cx="4990381" cy="2619839"/>
-          </a:xfrm>
-        </p:spPr>
-        <p:txBody>
-          <a:bodyPr anchor="ctr">
-            <a:normAutofit/>
+      <p:pic>
+        <p:nvPicPr>
+          <p:cNvPr id="8" name="Imagem 7">
+            <a:extLst>
+              <a:ext uri="{FF2B5EF4-FFF2-40B4-BE49-F238E27FC236}">
+                <a16:creationId xmlns:a16="http://schemas.microsoft.com/office/drawing/2014/main" id="{CF005EC4-8AA8-40E3-8432-45BD49F7C7F1}"/>
+              </a:ext>
+            </a:extLst>
+          </p:cNvPr>
+          <p:cNvPicPr>
+            <a:picLocks noChangeAspect="1"/>
+          </p:cNvPicPr>
+          <p:nvPr/>
+        </p:nvPicPr>
+        <p:blipFill>
+          <a:blip r:embed="rId3"/>
+          <a:stretch>
+            <a:fillRect/>
+          </a:stretch>
+        </p:blipFill>
+        <p:spPr>
+          <a:xfrm>
+            <a:off x="53894" y="35169"/>
+            <a:ext cx="1035488" cy="1035488"/>
+          </a:xfrm>
+          <a:prstGeom prst="rect">
+            <a:avLst/>
+          </a:prstGeom>
+        </p:spPr>
+      </p:pic>
+      <p:sp>
+        <p:nvSpPr>
+          <p:cNvPr id="10" name="CaixaDeTexto 9">
+            <a:extLst>
+              <a:ext uri="{FF2B5EF4-FFF2-40B4-BE49-F238E27FC236}">
+                <a16:creationId xmlns:a16="http://schemas.microsoft.com/office/drawing/2014/main" id="{C66FA31E-45FD-49E7-AD1E-D49B59A10BCD}"/>
+              </a:ext>
+            </a:extLst>
+          </p:cNvPr>
+          <p:cNvSpPr txBox="1"/>
+          <p:nvPr/>
+        </p:nvSpPr>
+        <p:spPr>
+          <a:xfrm>
+            <a:off x="136328" y="3928087"/>
+            <a:ext cx="5880844" cy="1015663"/>
+          </a:xfrm>
+          <a:prstGeom prst="rect">
+            <a:avLst/>
+          </a:prstGeom>
+          <a:noFill/>
+        </p:spPr>
+        <p:txBody>
+          <a:bodyPr wrap="square" rtlCol="0">
+            <a:spAutoFit/>
           </a:bodyPr>
           <a:lstStyle/>
           <a:p>
@@ -7205,23 +5635,829 @@
                 <a:latin typeface="Arial" panose="020B0604020202020204" pitchFamily="34" charset="0"/>
                 <a:cs typeface="Arial" panose="020B0604020202020204" pitchFamily="34" charset="0"/>
               </a:rPr>
-              <a:t>Não ter um prejuízo de estimados R$38.461.537 mensais por vazamentos e somente ter um custo de estimados R$ 9.000.000 por ano é:</a:t>
-            </a:r>
-          </a:p>
-          <a:p>
-            <a:endParaRPr lang="pt-BR" sz="2000" dirty="0">
+              <a:t>Não ter um prejuízo de estimados R$38 milhões mensais por vazamentos e somente ter um custo de estimados R$ 9 milhões por ano é:</a:t>
+            </a:r>
+          </a:p>
+        </p:txBody>
+      </p:sp>
+    </p:spTree>
+    <p:extLst>
+      <p:ext uri="{BB962C8B-B14F-4D97-AF65-F5344CB8AC3E}">
+        <p14:creationId xmlns:p14="http://schemas.microsoft.com/office/powerpoint/2010/main" val="3707752108"/>
+      </p:ext>
+    </p:extLst>
+  </p:cSld>
+  <p:clrMapOvr>
+    <a:masterClrMapping/>
+  </p:clrMapOvr>
+</p:sld>
+</file>
+
+<file path=ppt/slides/slide2.xml><?xml version="1.0" encoding="utf-8"?>
+<p:sld xmlns:a="http://schemas.openxmlformats.org/drawingml/2006/main" xmlns:r="http://schemas.openxmlformats.org/officeDocument/2006/relationships" xmlns:p="http://schemas.openxmlformats.org/presentationml/2006/main">
+  <p:cSld>
+    <p:spTree>
+      <p:nvGrpSpPr>
+        <p:cNvPr id="1" name=""/>
+        <p:cNvGrpSpPr/>
+        <p:nvPr/>
+      </p:nvGrpSpPr>
+      <p:grpSpPr>
+        <a:xfrm>
+          <a:off x="0" y="0"/>
+          <a:ext cx="0" cy="0"/>
+          <a:chOff x="0" y="0"/>
+          <a:chExt cx="0" cy="0"/>
+        </a:xfrm>
+      </p:grpSpPr>
+      <p:sp>
+        <p:nvSpPr>
+          <p:cNvPr id="2" name="Título 1">
+            <a:extLst>
+              <a:ext uri="{FF2B5EF4-FFF2-40B4-BE49-F238E27FC236}">
+                <a16:creationId xmlns:a16="http://schemas.microsoft.com/office/drawing/2014/main" id="{459672D8-2279-4C88-8623-C6CD16215792}"/>
+              </a:ext>
+            </a:extLst>
+          </p:cNvPr>
+          <p:cNvSpPr>
+            <a:spLocks noGrp="1"/>
+          </p:cNvSpPr>
+          <p:nvPr>
+            <p:ph type="title"/>
+          </p:nvPr>
+        </p:nvSpPr>
+        <p:spPr>
+          <a:xfrm>
+            <a:off x="589560" y="856180"/>
+            <a:ext cx="4560584" cy="1128068"/>
+          </a:xfrm>
+        </p:spPr>
+        <p:txBody>
+          <a:bodyPr anchor="ctr">
+            <a:normAutofit/>
+          </a:bodyPr>
+          <a:lstStyle/>
+          <a:p>
+            <a:pPr algn="ctr"/>
+            <a:r>
+              <a:rPr lang="pt-BR" sz="3700" dirty="0">
+                <a:latin typeface="Arial" panose="020B0604020202020204" pitchFamily="34" charset="0"/>
+                <a:cs typeface="Arial" panose="020B0604020202020204" pitchFamily="34" charset="0"/>
+              </a:rPr>
+              <a:t>Contexto</a:t>
+            </a:r>
+          </a:p>
+        </p:txBody>
+      </p:sp>
+      <p:sp>
+        <p:nvSpPr>
+          <p:cNvPr id="3" name="Espaço Reservado para Conteúdo 2">
+            <a:extLst>
+              <a:ext uri="{FF2B5EF4-FFF2-40B4-BE49-F238E27FC236}">
+                <a16:creationId xmlns:a16="http://schemas.microsoft.com/office/drawing/2014/main" id="{7924B46F-D3F7-4E4F-9A42-2A1AD4F4D899}"/>
+              </a:ext>
+            </a:extLst>
+          </p:cNvPr>
+          <p:cNvSpPr>
+            <a:spLocks noGrp="1"/>
+          </p:cNvSpPr>
+          <p:nvPr>
+            <p:ph idx="1"/>
+          </p:nvPr>
+        </p:nvSpPr>
+        <p:spPr>
+          <a:xfrm>
+            <a:off x="590719" y="2330505"/>
+            <a:ext cx="4559425" cy="3979585"/>
+          </a:xfrm>
+        </p:spPr>
+        <p:txBody>
+          <a:bodyPr anchor="ctr">
+            <a:normAutofit/>
+          </a:bodyPr>
+          <a:lstStyle/>
+          <a:p>
+            <a:r>
+              <a:rPr lang="pt-BR" sz="2000" b="1" dirty="0">
+                <a:latin typeface="Arial" panose="020B0604020202020204" pitchFamily="34" charset="0"/>
+                <a:cs typeface="Arial" panose="020B0604020202020204" pitchFamily="34" charset="0"/>
+              </a:rPr>
+              <a:t>Como funciona o processo de distribuição de água? </a:t>
+            </a:r>
+          </a:p>
+          <a:p>
+            <a:endParaRPr lang="pt-BR" sz="2000" b="1" dirty="0">
               <a:latin typeface="Arial" panose="020B0604020202020204" pitchFamily="34" charset="0"/>
               <a:cs typeface="Arial" panose="020B0604020202020204" pitchFamily="34" charset="0"/>
             </a:endParaRPr>
           </a:p>
+          <a:p>
+            <a:endParaRPr lang="pt-BR" sz="2000" b="1" dirty="0">
+              <a:latin typeface="Arial" panose="020B0604020202020204" pitchFamily="34" charset="0"/>
+              <a:cs typeface="Arial" panose="020B0604020202020204" pitchFamily="34" charset="0"/>
+            </a:endParaRPr>
+          </a:p>
+          <a:p>
+            <a:r>
+              <a:rPr lang="pt-BR" sz="2000" b="1" dirty="0">
+                <a:latin typeface="Arial" panose="020B0604020202020204" pitchFamily="34" charset="0"/>
+                <a:cs typeface="Arial" panose="020B0604020202020204" pitchFamily="34" charset="0"/>
+              </a:rPr>
+              <a:t>Grande projeto no Nordeste</a:t>
+            </a:r>
+          </a:p>
         </p:txBody>
       </p:sp>
       <p:pic>
         <p:nvPicPr>
-          <p:cNvPr id="8" name="Imagem 7">
-            <a:extLst>
-              <a:ext uri="{FF2B5EF4-FFF2-40B4-BE49-F238E27FC236}">
-                <a16:creationId xmlns:a16="http://schemas.microsoft.com/office/drawing/2014/main" id="{CF005EC4-8AA8-40E3-8432-45BD49F7C7F1}"/>
+          <p:cNvPr id="2050" name="Picture 2" descr="Nenhuma descrição de foto disponível.">
+            <a:extLst>
+              <a:ext uri="{FF2B5EF4-FFF2-40B4-BE49-F238E27FC236}">
+                <a16:creationId xmlns:a16="http://schemas.microsoft.com/office/drawing/2014/main" id="{1BD0136C-ED1B-4EB4-B788-980FEA39A693}"/>
+              </a:ext>
+            </a:extLst>
+          </p:cNvPr>
+          <p:cNvPicPr>
+            <a:picLocks noChangeAspect="1" noChangeArrowheads="1"/>
+          </p:cNvPicPr>
+          <p:nvPr/>
+        </p:nvPicPr>
+        <p:blipFill rotWithShape="1">
+          <a:blip r:embed="rId2">
+            <a:extLst>
+              <a:ext uri="{28A0092B-C50C-407E-A947-70E740481C1C}">
+                <a14:useLocalDpi xmlns:a14="http://schemas.microsoft.com/office/drawing/2010/main" val="0"/>
+              </a:ext>
+            </a:extLst>
+          </a:blip>
+          <a:srcRect t="1984" r="4" b="1081"/>
+          <a:stretch/>
+        </p:blipFill>
+        <p:spPr bwMode="auto">
+          <a:xfrm>
+            <a:off x="5977788" y="799352"/>
+            <a:ext cx="5425410" cy="5259296"/>
+          </a:xfrm>
+          <a:prstGeom prst="rect">
+            <a:avLst/>
+          </a:prstGeom>
+          <a:noFill/>
+          <a:extLst>
+            <a:ext uri="{909E8E84-426E-40DD-AFC4-6F175D3DCCD1}">
+              <a14:hiddenFill xmlns:a14="http://schemas.microsoft.com/office/drawing/2010/main">
+                <a:solidFill>
+                  <a:srgbClr val="FFFFFF"/>
+                </a:solidFill>
+              </a14:hiddenFill>
+            </a:ext>
+          </a:extLst>
+        </p:spPr>
+      </p:pic>
+      <p:sp>
+        <p:nvSpPr>
+          <p:cNvPr id="5" name="Retângulo 4">
+            <a:extLst>
+              <a:ext uri="{FF2B5EF4-FFF2-40B4-BE49-F238E27FC236}">
+                <a16:creationId xmlns:a16="http://schemas.microsoft.com/office/drawing/2014/main" id="{A3A087C4-C7E9-4FBA-9D0E-02F75CECA642}"/>
+              </a:ext>
+            </a:extLst>
+          </p:cNvPr>
+          <p:cNvSpPr/>
+          <p:nvPr/>
+        </p:nvSpPr>
+        <p:spPr>
+          <a:xfrm>
+            <a:off x="7403690" y="1083485"/>
+            <a:ext cx="1828800" cy="1247020"/>
+          </a:xfrm>
+          <a:prstGeom prst="rect">
+            <a:avLst/>
+          </a:prstGeom>
+          <a:solidFill>
+            <a:schemeClr val="bg1"/>
+          </a:solidFill>
+          <a:ln>
+            <a:solidFill>
+              <a:schemeClr val="bg1"/>
+            </a:solidFill>
+          </a:ln>
+        </p:spPr>
+        <p:style>
+          <a:lnRef idx="2">
+            <a:schemeClr val="accent1">
+              <a:shade val="50000"/>
+            </a:schemeClr>
+          </a:lnRef>
+          <a:fillRef idx="1">
+            <a:schemeClr val="accent1"/>
+          </a:fillRef>
+          <a:effectRef idx="0">
+            <a:schemeClr val="accent1"/>
+          </a:effectRef>
+          <a:fontRef idx="minor">
+            <a:schemeClr val="lt1"/>
+          </a:fontRef>
+        </p:style>
+        <p:txBody>
+          <a:bodyPr rtlCol="0" anchor="ctr"/>
+          <a:lstStyle/>
+          <a:p>
+            <a:r>
+              <a:rPr lang="pt-BR" b="1" dirty="0">
+                <a:solidFill>
+                  <a:schemeClr val="tx1"/>
+                </a:solidFill>
+                <a:latin typeface="Arial" panose="020B0604020202020204" pitchFamily="34" charset="0"/>
+                <a:cs typeface="Arial" panose="020B0604020202020204" pitchFamily="34" charset="0"/>
+              </a:rPr>
+              <a:t>Este é o meu processo até sua residência</a:t>
+            </a:r>
+          </a:p>
+        </p:txBody>
+      </p:sp>
+      <mc:AlternateContent xmlns:mc="http://schemas.openxmlformats.org/markup-compatibility/2006" xmlns:p14="http://schemas.microsoft.com/office/powerpoint/2010/main">
+        <mc:Choice Requires="p14">
+          <p:contentPart p14:bwMode="auto" r:id="rId3">
+            <p14:nvContentPartPr>
+              <p14:cNvPr id="6" name="Tinta 5">
+                <a:extLst>
+                  <a:ext uri="{FF2B5EF4-FFF2-40B4-BE49-F238E27FC236}">
+                    <a16:creationId xmlns:a16="http://schemas.microsoft.com/office/drawing/2014/main" id="{2A500B55-AD1A-47D8-8F45-05816A8CBEE9}"/>
+                  </a:ext>
+                </a:extLst>
+              </p14:cNvPr>
+              <p14:cNvContentPartPr/>
+              <p14:nvPr/>
+            </p14:nvContentPartPr>
+            <p14:xfrm>
+              <a:off x="10471668" y="2167665"/>
+              <a:ext cx="360" cy="360"/>
+            </p14:xfrm>
+          </p:contentPart>
+        </mc:Choice>
+        <mc:Fallback xmlns="">
+          <p:pic>
+            <p:nvPicPr>
+              <p:cNvPr id="6" name="Tinta 5">
+                <a:extLst>
+                  <a:ext uri="{FF2B5EF4-FFF2-40B4-BE49-F238E27FC236}">
+                    <a16:creationId xmlns:a16="http://schemas.microsoft.com/office/drawing/2014/main" id="{2A500B55-AD1A-47D8-8F45-05816A8CBEE9}"/>
+                  </a:ext>
+                </a:extLst>
+              </p:cNvPr>
+              <p:cNvPicPr/>
+              <p:nvPr/>
+            </p:nvPicPr>
+            <p:blipFill>
+              <a:blip r:embed="rId4"/>
+              <a:stretch>
+                <a:fillRect/>
+              </a:stretch>
+            </p:blipFill>
+            <p:spPr>
+              <a:xfrm>
+                <a:off x="10462668" y="2158665"/>
+                <a:ext cx="18000" cy="18000"/>
+              </a:xfrm>
+              <a:prstGeom prst="rect">
+                <a:avLst/>
+              </a:prstGeom>
+            </p:spPr>
+          </p:pic>
+        </mc:Fallback>
+      </mc:AlternateContent>
+      <p:sp>
+        <p:nvSpPr>
+          <p:cNvPr id="10" name="Retângulo 9">
+            <a:extLst>
+              <a:ext uri="{FF2B5EF4-FFF2-40B4-BE49-F238E27FC236}">
+                <a16:creationId xmlns:a16="http://schemas.microsoft.com/office/drawing/2014/main" id="{D300A8DB-2963-4BEB-8118-087B58E7B37F}"/>
+              </a:ext>
+            </a:extLst>
+          </p:cNvPr>
+          <p:cNvSpPr/>
+          <p:nvPr/>
+        </p:nvSpPr>
+        <p:spPr>
+          <a:xfrm>
+            <a:off x="9571703" y="798718"/>
+            <a:ext cx="1828800" cy="2268948"/>
+          </a:xfrm>
+          <a:prstGeom prst="rect">
+            <a:avLst/>
+          </a:prstGeom>
+          <a:solidFill>
+            <a:schemeClr val="bg1"/>
+          </a:solidFill>
+          <a:ln>
+            <a:solidFill>
+              <a:schemeClr val="bg1"/>
+            </a:solidFill>
+          </a:ln>
+        </p:spPr>
+        <p:style>
+          <a:lnRef idx="2">
+            <a:schemeClr val="accent1">
+              <a:shade val="50000"/>
+            </a:schemeClr>
+          </a:lnRef>
+          <a:fillRef idx="1">
+            <a:schemeClr val="accent1"/>
+          </a:fillRef>
+          <a:effectRef idx="0">
+            <a:schemeClr val="accent1"/>
+          </a:effectRef>
+          <a:fontRef idx="minor">
+            <a:schemeClr val="lt1"/>
+          </a:fontRef>
+        </p:style>
+        <p:txBody>
+          <a:bodyPr rtlCol="0" anchor="ctr"/>
+          <a:lstStyle/>
+          <a:p>
+            <a:pPr algn="ctr"/>
+            <a:r>
+              <a:rPr lang="pt-BR" b="1" dirty="0">
+                <a:solidFill>
+                  <a:schemeClr val="tx1"/>
+                </a:solidFill>
+                <a:latin typeface="Arial" panose="020B0604020202020204" pitchFamily="34" charset="0"/>
+                <a:cs typeface="Arial" panose="020B0604020202020204" pitchFamily="34" charset="0"/>
+              </a:rPr>
+              <a:t>Cuide do vazamento, faça sua parte</a:t>
+            </a:r>
+          </a:p>
+        </p:txBody>
+      </p:sp>
+      <p:sp>
+        <p:nvSpPr>
+          <p:cNvPr id="12" name="Retângulo 11">
+            <a:extLst>
+              <a:ext uri="{FF2B5EF4-FFF2-40B4-BE49-F238E27FC236}">
+                <a16:creationId xmlns:a16="http://schemas.microsoft.com/office/drawing/2014/main" id="{07C8FCBC-073B-422B-932F-648F80011394}"/>
+              </a:ext>
+            </a:extLst>
+          </p:cNvPr>
+          <p:cNvSpPr/>
+          <p:nvPr/>
+        </p:nvSpPr>
+        <p:spPr>
+          <a:xfrm>
+            <a:off x="10697670" y="0"/>
+            <a:ext cx="1494329" cy="508936"/>
+          </a:xfrm>
+          <a:prstGeom prst="rect">
+            <a:avLst/>
+          </a:prstGeom>
+          <a:ln>
+            <a:solidFill>
+              <a:schemeClr val="accent1"/>
+            </a:solidFill>
+          </a:ln>
+        </p:spPr>
+        <p:style>
+          <a:lnRef idx="2">
+            <a:schemeClr val="accent1">
+              <a:shade val="50000"/>
+            </a:schemeClr>
+          </a:lnRef>
+          <a:fillRef idx="1">
+            <a:schemeClr val="accent1"/>
+          </a:fillRef>
+          <a:effectRef idx="0">
+            <a:schemeClr val="accent1"/>
+          </a:effectRef>
+          <a:fontRef idx="minor">
+            <a:schemeClr val="lt1"/>
+          </a:fontRef>
+        </p:style>
+        <p:txBody>
+          <a:bodyPr rtlCol="0" anchor="ctr"/>
+          <a:lstStyle/>
+          <a:p>
+            <a:pPr algn="ctr"/>
+            <a:endParaRPr lang="pt-BR"/>
+          </a:p>
+        </p:txBody>
+      </p:sp>
+      <p:sp>
+        <p:nvSpPr>
+          <p:cNvPr id="13" name="Retângulo 12">
+            <a:extLst>
+              <a:ext uri="{FF2B5EF4-FFF2-40B4-BE49-F238E27FC236}">
+                <a16:creationId xmlns:a16="http://schemas.microsoft.com/office/drawing/2014/main" id="{B760816A-D101-475E-AF6A-8A0D9C118B8D}"/>
+              </a:ext>
+            </a:extLst>
+          </p:cNvPr>
+          <p:cNvSpPr/>
+          <p:nvPr/>
+        </p:nvSpPr>
+        <p:spPr>
+          <a:xfrm>
+            <a:off x="11695176" y="508936"/>
+            <a:ext cx="496823" cy="6348429"/>
+          </a:xfrm>
+          <a:prstGeom prst="rect">
+            <a:avLst/>
+          </a:prstGeom>
+          <a:ln>
+            <a:solidFill>
+              <a:schemeClr val="accent1"/>
+            </a:solidFill>
+          </a:ln>
+        </p:spPr>
+        <p:style>
+          <a:lnRef idx="2">
+            <a:schemeClr val="accent1">
+              <a:shade val="50000"/>
+            </a:schemeClr>
+          </a:lnRef>
+          <a:fillRef idx="1">
+            <a:schemeClr val="accent1"/>
+          </a:fillRef>
+          <a:effectRef idx="0">
+            <a:schemeClr val="accent1"/>
+          </a:effectRef>
+          <a:fontRef idx="minor">
+            <a:schemeClr val="lt1"/>
+          </a:fontRef>
+        </p:style>
+        <p:txBody>
+          <a:bodyPr rtlCol="0" anchor="ctr"/>
+          <a:lstStyle/>
+          <a:p>
+            <a:pPr algn="ctr"/>
+            <a:endParaRPr lang="pt-BR"/>
+          </a:p>
+        </p:txBody>
+      </p:sp>
+      <p:sp>
+        <p:nvSpPr>
+          <p:cNvPr id="22" name="Retângulo 21">
+            <a:extLst>
+              <a:ext uri="{FF2B5EF4-FFF2-40B4-BE49-F238E27FC236}">
+                <a16:creationId xmlns:a16="http://schemas.microsoft.com/office/drawing/2014/main" id="{7392FB23-B092-4742-AD2E-96414F44802F}"/>
+              </a:ext>
+            </a:extLst>
+          </p:cNvPr>
+          <p:cNvSpPr/>
+          <p:nvPr/>
+        </p:nvSpPr>
+        <p:spPr>
+          <a:xfrm>
+            <a:off x="10697671" y="6344147"/>
+            <a:ext cx="1494329" cy="508936"/>
+          </a:xfrm>
+          <a:prstGeom prst="rect">
+            <a:avLst/>
+          </a:prstGeom>
+          <a:ln>
+            <a:solidFill>
+              <a:schemeClr val="accent1"/>
+            </a:solidFill>
+          </a:ln>
+        </p:spPr>
+        <p:style>
+          <a:lnRef idx="2">
+            <a:schemeClr val="accent1">
+              <a:shade val="50000"/>
+            </a:schemeClr>
+          </a:lnRef>
+          <a:fillRef idx="1">
+            <a:schemeClr val="accent1"/>
+          </a:fillRef>
+          <a:effectRef idx="0">
+            <a:schemeClr val="accent1"/>
+          </a:effectRef>
+          <a:fontRef idx="minor">
+            <a:schemeClr val="lt1"/>
+          </a:fontRef>
+        </p:style>
+        <p:txBody>
+          <a:bodyPr rtlCol="0" anchor="ctr"/>
+          <a:lstStyle/>
+          <a:p>
+            <a:pPr algn="ctr"/>
+            <a:endParaRPr lang="pt-BR"/>
+          </a:p>
+        </p:txBody>
+      </p:sp>
+      <p:cxnSp>
+        <p:nvCxnSpPr>
+          <p:cNvPr id="15" name="Conector reto 14">
+            <a:extLst>
+              <a:ext uri="{FF2B5EF4-FFF2-40B4-BE49-F238E27FC236}">
+                <a16:creationId xmlns:a16="http://schemas.microsoft.com/office/drawing/2014/main" id="{F3467704-DFC6-4BF7-9BE3-7D61FA10D731}"/>
+              </a:ext>
+            </a:extLst>
+          </p:cNvPr>
+          <p:cNvCxnSpPr>
+            <a:cxnSpLocks/>
+          </p:cNvCxnSpPr>
+          <p:nvPr/>
+        </p:nvCxnSpPr>
+        <p:spPr>
+          <a:xfrm>
+            <a:off x="665085" y="2089934"/>
+            <a:ext cx="4297680" cy="0"/>
+          </a:xfrm>
+          <a:prstGeom prst="line">
+            <a:avLst/>
+          </a:prstGeom>
+          <a:ln>
+            <a:solidFill>
+              <a:schemeClr val="accent1"/>
+            </a:solidFill>
+          </a:ln>
+        </p:spPr>
+        <p:style>
+          <a:lnRef idx="3">
+            <a:schemeClr val="dk1"/>
+          </a:lnRef>
+          <a:fillRef idx="0">
+            <a:schemeClr val="dk1"/>
+          </a:fillRef>
+          <a:effectRef idx="2">
+            <a:schemeClr val="dk1"/>
+          </a:effectRef>
+          <a:fontRef idx="minor">
+            <a:schemeClr val="tx1"/>
+          </a:fontRef>
+        </p:style>
+      </p:cxnSp>
+      <p:cxnSp>
+        <p:nvCxnSpPr>
+          <p:cNvPr id="26" name="Conector reto 25">
+            <a:extLst>
+              <a:ext uri="{FF2B5EF4-FFF2-40B4-BE49-F238E27FC236}">
+                <a16:creationId xmlns:a16="http://schemas.microsoft.com/office/drawing/2014/main" id="{FCF8DC45-32B9-4086-9DBD-2554AB466C36}"/>
+              </a:ext>
+            </a:extLst>
+          </p:cNvPr>
+          <p:cNvCxnSpPr>
+            <a:cxnSpLocks/>
+          </p:cNvCxnSpPr>
+          <p:nvPr/>
+        </p:nvCxnSpPr>
+        <p:spPr>
+          <a:xfrm flipV="1">
+            <a:off x="665085" y="2104285"/>
+            <a:ext cx="4297680" cy="889"/>
+          </a:xfrm>
+          <a:prstGeom prst="line">
+            <a:avLst/>
+          </a:prstGeom>
+          <a:ln>
+            <a:solidFill>
+              <a:schemeClr val="accent1"/>
+            </a:solidFill>
+          </a:ln>
+        </p:spPr>
+        <p:style>
+          <a:lnRef idx="3">
+            <a:schemeClr val="dk1"/>
+          </a:lnRef>
+          <a:fillRef idx="0">
+            <a:schemeClr val="dk1"/>
+          </a:fillRef>
+          <a:effectRef idx="2">
+            <a:schemeClr val="dk1"/>
+          </a:effectRef>
+          <a:fontRef idx="minor">
+            <a:schemeClr val="tx1"/>
+          </a:fontRef>
+        </p:style>
+      </p:cxnSp>
+      <p:sp>
+        <p:nvSpPr>
+          <p:cNvPr id="18" name="Retângulo 17">
+            <a:extLst>
+              <a:ext uri="{FF2B5EF4-FFF2-40B4-BE49-F238E27FC236}">
+                <a16:creationId xmlns:a16="http://schemas.microsoft.com/office/drawing/2014/main" id="{17CE0430-C94A-4213-80B0-CA29092AE5FA}"/>
+              </a:ext>
+            </a:extLst>
+          </p:cNvPr>
+          <p:cNvSpPr/>
+          <p:nvPr/>
+        </p:nvSpPr>
+        <p:spPr>
+          <a:xfrm>
+            <a:off x="159341" y="1083484"/>
+            <a:ext cx="195855" cy="673460"/>
+          </a:xfrm>
+          <a:prstGeom prst="rect">
+            <a:avLst/>
+          </a:prstGeom>
+        </p:spPr>
+        <p:style>
+          <a:lnRef idx="2">
+            <a:schemeClr val="accent1">
+              <a:shade val="50000"/>
+            </a:schemeClr>
+          </a:lnRef>
+          <a:fillRef idx="1">
+            <a:schemeClr val="accent1"/>
+          </a:fillRef>
+          <a:effectRef idx="0">
+            <a:schemeClr val="accent1"/>
+          </a:effectRef>
+          <a:fontRef idx="minor">
+            <a:schemeClr val="lt1"/>
+          </a:fontRef>
+        </p:style>
+        <p:txBody>
+          <a:bodyPr rtlCol="0" anchor="ctr"/>
+          <a:lstStyle/>
+          <a:p>
+            <a:pPr algn="ctr"/>
+            <a:endParaRPr lang="pt-BR"/>
+          </a:p>
+        </p:txBody>
+      </p:sp>
+      <p:sp>
+        <p:nvSpPr>
+          <p:cNvPr id="19" name="Retângulo 18">
+            <a:extLst>
+              <a:ext uri="{FF2B5EF4-FFF2-40B4-BE49-F238E27FC236}">
+                <a16:creationId xmlns:a16="http://schemas.microsoft.com/office/drawing/2014/main" id="{125FEFDD-5BD7-415C-A18B-00916A3BAF7B}"/>
+              </a:ext>
+            </a:extLst>
+          </p:cNvPr>
+          <p:cNvSpPr/>
+          <p:nvPr/>
+        </p:nvSpPr>
+        <p:spPr>
+          <a:xfrm>
+            <a:off x="0" y="1083484"/>
+            <a:ext cx="87363" cy="673460"/>
+          </a:xfrm>
+          <a:prstGeom prst="rect">
+            <a:avLst/>
+          </a:prstGeom>
+        </p:spPr>
+        <p:style>
+          <a:lnRef idx="2">
+            <a:schemeClr val="accent1">
+              <a:shade val="50000"/>
+            </a:schemeClr>
+          </a:lnRef>
+          <a:fillRef idx="1">
+            <a:schemeClr val="accent1"/>
+          </a:fillRef>
+          <a:effectRef idx="0">
+            <a:schemeClr val="accent1"/>
+          </a:effectRef>
+          <a:fontRef idx="minor">
+            <a:schemeClr val="lt1"/>
+          </a:fontRef>
+        </p:style>
+        <p:txBody>
+          <a:bodyPr rtlCol="0" anchor="ctr"/>
+          <a:lstStyle/>
+          <a:p>
+            <a:pPr algn="ctr"/>
+            <a:endParaRPr lang="pt-BR"/>
+          </a:p>
+        </p:txBody>
+      </p:sp>
+      <p:pic>
+        <p:nvPicPr>
+          <p:cNvPr id="21" name="Imagem 20">
+            <a:extLst>
+              <a:ext uri="{FF2B5EF4-FFF2-40B4-BE49-F238E27FC236}">
+                <a16:creationId xmlns:a16="http://schemas.microsoft.com/office/drawing/2014/main" id="{BC0DF888-86F0-4473-90AC-49AC87E8DE05}"/>
+              </a:ext>
+            </a:extLst>
+          </p:cNvPr>
+          <p:cNvPicPr>
+            <a:picLocks noChangeAspect="1"/>
+          </p:cNvPicPr>
+          <p:nvPr/>
+        </p:nvPicPr>
+        <p:blipFill>
+          <a:blip r:embed="rId5"/>
+          <a:stretch>
+            <a:fillRect/>
+          </a:stretch>
+        </p:blipFill>
+        <p:spPr>
+          <a:xfrm>
+            <a:off x="53894" y="35169"/>
+            <a:ext cx="1035488" cy="1035488"/>
+          </a:xfrm>
+          <a:prstGeom prst="rect">
+            <a:avLst/>
+          </a:prstGeom>
+        </p:spPr>
+      </p:pic>
+    </p:spTree>
+    <p:extLst>
+      <p:ext uri="{BB962C8B-B14F-4D97-AF65-F5344CB8AC3E}">
+        <p14:creationId xmlns:p14="http://schemas.microsoft.com/office/powerpoint/2010/main" val="2965798450"/>
+      </p:ext>
+    </p:extLst>
+  </p:cSld>
+  <p:clrMapOvr>
+    <a:masterClrMapping/>
+  </p:clrMapOvr>
+</p:sld>
+</file>
+
+<file path=ppt/slides/slide3.xml><?xml version="1.0" encoding="utf-8"?>
+<p:sld xmlns:a="http://schemas.openxmlformats.org/drawingml/2006/main" xmlns:r="http://schemas.openxmlformats.org/officeDocument/2006/relationships" xmlns:p="http://schemas.openxmlformats.org/presentationml/2006/main">
+  <p:cSld>
+    <p:spTree>
+      <p:nvGrpSpPr>
+        <p:cNvPr id="1" name=""/>
+        <p:cNvGrpSpPr/>
+        <p:nvPr/>
+      </p:nvGrpSpPr>
+      <p:grpSpPr>
+        <a:xfrm>
+          <a:off x="0" y="0"/>
+          <a:ext cx="0" cy="0"/>
+          <a:chOff x="0" y="0"/>
+          <a:chExt cx="0" cy="0"/>
+        </a:xfrm>
+      </p:grpSpPr>
+      <p:sp>
+        <p:nvSpPr>
+          <p:cNvPr id="2" name="Título 1">
+            <a:extLst>
+              <a:ext uri="{FF2B5EF4-FFF2-40B4-BE49-F238E27FC236}">
+                <a16:creationId xmlns:a16="http://schemas.microsoft.com/office/drawing/2014/main" id="{821C4928-2005-41A2-A1DA-BDD434C94CDF}"/>
+              </a:ext>
+            </a:extLst>
+          </p:cNvPr>
+          <p:cNvSpPr>
+            <a:spLocks noGrp="1"/>
+          </p:cNvSpPr>
+          <p:nvPr>
+            <p:ph type="title"/>
+          </p:nvPr>
+        </p:nvSpPr>
+        <p:spPr>
+          <a:xfrm>
+            <a:off x="990600" y="338328"/>
+            <a:ext cx="10210800" cy="1078992"/>
+          </a:xfrm>
+        </p:spPr>
+        <p:txBody>
+          <a:bodyPr vert="horz" lIns="91440" tIns="45720" rIns="91440" bIns="45720" rtlCol="0" anchor="ctr">
+            <a:normAutofit/>
+          </a:bodyPr>
+          <a:lstStyle/>
+          <a:p>
+            <a:pPr algn="ctr"/>
+            <a:r>
+              <a:rPr lang="en-US" sz="3700" dirty="0">
+                <a:solidFill>
+                  <a:srgbClr val="000000"/>
+                </a:solidFill>
+                <a:latin typeface="Arial" panose="020B0604020202020204" pitchFamily="34" charset="0"/>
+                <a:cs typeface="Arial" panose="020B0604020202020204" pitchFamily="34" charset="0"/>
+              </a:rPr>
+              <a:t>Problemática</a:t>
+            </a:r>
+          </a:p>
+        </p:txBody>
+      </p:sp>
+      <p:pic>
+        <p:nvPicPr>
+          <p:cNvPr id="5" name="Imagem 4" descr="Mapa com linhas pretas em fundo branco&#10;&#10;Descrição gerada automaticamente">
+            <a:extLst>
+              <a:ext uri="{FF2B5EF4-FFF2-40B4-BE49-F238E27FC236}">
+                <a16:creationId xmlns:a16="http://schemas.microsoft.com/office/drawing/2014/main" id="{AD6025A6-3D52-461A-9A88-737CB2E50C5B}"/>
+              </a:ext>
+            </a:extLst>
+          </p:cNvPr>
+          <p:cNvPicPr>
+            <a:picLocks noChangeAspect="1"/>
+          </p:cNvPicPr>
+          <p:nvPr/>
+        </p:nvPicPr>
+        <p:blipFill>
+          <a:blip r:embed="rId2"/>
+          <a:stretch>
+            <a:fillRect/>
+          </a:stretch>
+        </p:blipFill>
+        <p:spPr>
+          <a:xfrm>
+            <a:off x="973243" y="2610355"/>
+            <a:ext cx="4310209" cy="3555923"/>
+          </a:xfrm>
+          <a:prstGeom prst="rect">
+            <a:avLst/>
+          </a:prstGeom>
+        </p:spPr>
+      </p:pic>
+      <p:pic>
+        <p:nvPicPr>
+          <p:cNvPr id="4" name="Imagem 3" descr="Tela de celular com texto preto sobre fundo branco&#10;&#10;Descrição gerada automaticamente">
+            <a:extLst>
+              <a:ext uri="{FF2B5EF4-FFF2-40B4-BE49-F238E27FC236}">
+                <a16:creationId xmlns:a16="http://schemas.microsoft.com/office/drawing/2014/main" id="{211C7C17-9709-42E7-8B32-8173C9DFAD4D}"/>
               </a:ext>
             </a:extLst>
           </p:cNvPr>
@@ -7238,6 +6474,356 @@
         </p:blipFill>
         <p:spPr>
           <a:xfrm>
+            <a:off x="6273804" y="3038168"/>
+            <a:ext cx="5594514" cy="2461585"/>
+          </a:xfrm>
+          <a:prstGeom prst="rect">
+            <a:avLst/>
+          </a:prstGeom>
+        </p:spPr>
+      </p:pic>
+      <p:cxnSp>
+        <p:nvCxnSpPr>
+          <p:cNvPr id="13" name="Conector reto 12">
+            <a:extLst>
+              <a:ext uri="{FF2B5EF4-FFF2-40B4-BE49-F238E27FC236}">
+                <a16:creationId xmlns:a16="http://schemas.microsoft.com/office/drawing/2014/main" id="{44B6F4DB-AFC2-4938-967C-7CF98C63B08D}"/>
+              </a:ext>
+            </a:extLst>
+          </p:cNvPr>
+          <p:cNvCxnSpPr/>
+          <p:nvPr/>
+        </p:nvCxnSpPr>
+        <p:spPr>
+          <a:xfrm>
+            <a:off x="321564" y="1607575"/>
+            <a:ext cx="11436829" cy="0"/>
+          </a:xfrm>
+          <a:prstGeom prst="line">
+            <a:avLst/>
+          </a:prstGeom>
+          <a:ln>
+            <a:solidFill>
+              <a:schemeClr val="tx1"/>
+            </a:solidFill>
+          </a:ln>
+        </p:spPr>
+        <p:style>
+          <a:lnRef idx="3">
+            <a:schemeClr val="dk1"/>
+          </a:lnRef>
+          <a:fillRef idx="0">
+            <a:schemeClr val="dk1"/>
+          </a:fillRef>
+          <a:effectRef idx="2">
+            <a:schemeClr val="dk1"/>
+          </a:effectRef>
+          <a:fontRef idx="minor">
+            <a:schemeClr val="tx1"/>
+          </a:fontRef>
+        </p:style>
+      </p:cxnSp>
+    </p:spTree>
+    <p:extLst>
+      <p:ext uri="{BB962C8B-B14F-4D97-AF65-F5344CB8AC3E}">
+        <p14:creationId xmlns:p14="http://schemas.microsoft.com/office/powerpoint/2010/main" val="3170072261"/>
+      </p:ext>
+    </p:extLst>
+  </p:cSld>
+  <p:clrMapOvr>
+    <a:masterClrMapping/>
+  </p:clrMapOvr>
+</p:sld>
+</file>
+
+<file path=ppt/slides/slide4.xml><?xml version="1.0" encoding="utf-8"?>
+<p:sld xmlns:a="http://schemas.openxmlformats.org/drawingml/2006/main" xmlns:r="http://schemas.openxmlformats.org/officeDocument/2006/relationships" xmlns:p="http://schemas.openxmlformats.org/presentationml/2006/main">
+  <p:cSld>
+    <p:bg>
+      <p:bgPr>
+        <a:solidFill>
+          <a:schemeClr val="bg1"/>
+        </a:solidFill>
+        <a:effectLst/>
+      </p:bgPr>
+    </p:bg>
+    <p:spTree>
+      <p:nvGrpSpPr>
+        <p:cNvPr id="1" name=""/>
+        <p:cNvGrpSpPr/>
+        <p:nvPr/>
+      </p:nvGrpSpPr>
+      <p:grpSpPr>
+        <a:xfrm>
+          <a:off x="0" y="0"/>
+          <a:ext cx="0" cy="0"/>
+          <a:chOff x="0" y="0"/>
+          <a:chExt cx="0" cy="0"/>
+        </a:xfrm>
+      </p:grpSpPr>
+      <p:pic>
+        <p:nvPicPr>
+          <p:cNvPr id="7" name="Imagem 6">
+            <a:extLst>
+              <a:ext uri="{FF2B5EF4-FFF2-40B4-BE49-F238E27FC236}">
+                <a16:creationId xmlns:a16="http://schemas.microsoft.com/office/drawing/2014/main" id="{2CAC30E6-CC8D-452B-9AE2-A24C5DF49871}"/>
+              </a:ext>
+            </a:extLst>
+          </p:cNvPr>
+          <p:cNvPicPr>
+            <a:picLocks noChangeAspect="1"/>
+          </p:cNvPicPr>
+          <p:nvPr/>
+        </p:nvPicPr>
+        <p:blipFill rotWithShape="1">
+          <a:blip r:embed="rId2">
+            <a:alphaModFix/>
+            <a:extLst>
+              <a:ext uri="{28A0092B-C50C-407E-A947-70E740481C1C}">
+                <a14:useLocalDpi xmlns:a14="http://schemas.microsoft.com/office/drawing/2010/main" val="0"/>
+              </a:ext>
+            </a:extLst>
+          </a:blip>
+          <a:srcRect l="4224" r="2539"/>
+          <a:stretch/>
+        </p:blipFill>
+        <p:spPr>
+          <a:xfrm>
+            <a:off x="6096000" y="10"/>
+            <a:ext cx="6394152" cy="6857990"/>
+          </a:xfrm>
+          <a:prstGeom prst="rect">
+            <a:avLst/>
+          </a:prstGeom>
+        </p:spPr>
+      </p:pic>
+      <p:pic>
+        <p:nvPicPr>
+          <p:cNvPr id="12" name="Picture 11">
+            <a:extLst>
+              <a:ext uri="{FF2B5EF4-FFF2-40B4-BE49-F238E27FC236}">
+                <a16:creationId xmlns:a16="http://schemas.microsoft.com/office/drawing/2014/main" id="{54DDEBDD-D8BD-41A6-8A0D-B00E3768B0F9}"/>
+              </a:ext>
+              <a:ext uri="{C183D7F6-B498-43B3-948B-1728B52AA6E4}">
+                <adec:decorative xmlns:adec="http://schemas.microsoft.com/office/drawing/2017/decorative" val="1"/>
+              </a:ext>
+            </a:extLst>
+          </p:cNvPr>
+          <p:cNvPicPr>
+            <a:picLocks noGrp="1" noRot="1" noChangeAspect="1" noMove="1" noResize="1" noEditPoints="1" noAdjustHandles="1" noChangeArrowheads="1" noChangeShapeType="1" noCrop="1"/>
+          </p:cNvPicPr>
+          <p:nvPr>
+            <p:extLst>
+              <p:ext uri="{386F3935-93C4-4BCD-93E2-E3B085C9AB24}">
+                <p16:designElem xmlns:p16="http://schemas.microsoft.com/office/powerpoint/2015/main" val="1"/>
+              </p:ext>
+            </p:extLst>
+          </p:nvPr>
+        </p:nvPicPr>
+        <p:blipFill>
+          <a:blip r:embed="rId3">
+            <a:extLst>
+              <a:ext uri="{28A0092B-C50C-407E-A947-70E740481C1C}">
+                <a14:useLocalDpi xmlns:a14="http://schemas.microsoft.com/office/drawing/2010/main" val="0"/>
+              </a:ext>
+            </a:extLst>
+          </a:blip>
+          <a:stretch>
+            <a:fillRect/>
+          </a:stretch>
+        </p:blipFill>
+        <p:spPr>
+          <a:xfrm flipH="1" flipV="1">
+            <a:off x="0" y="0"/>
+            <a:ext cx="12192000" cy="6858000"/>
+          </a:xfrm>
+          <a:prstGeom prst="rect">
+            <a:avLst/>
+          </a:prstGeom>
+        </p:spPr>
+      </p:pic>
+      <p:sp>
+        <p:nvSpPr>
+          <p:cNvPr id="2" name="Título 1">
+            <a:extLst>
+              <a:ext uri="{FF2B5EF4-FFF2-40B4-BE49-F238E27FC236}">
+                <a16:creationId xmlns:a16="http://schemas.microsoft.com/office/drawing/2014/main" id="{B860B237-C9AC-4ACD-A499-7F6112F49353}"/>
+              </a:ext>
+            </a:extLst>
+          </p:cNvPr>
+          <p:cNvSpPr>
+            <a:spLocks noGrp="1"/>
+          </p:cNvSpPr>
+          <p:nvPr>
+            <p:ph type="title"/>
+          </p:nvPr>
+        </p:nvSpPr>
+        <p:spPr>
+          <a:xfrm>
+            <a:off x="1188996" y="150461"/>
+            <a:ext cx="3995338" cy="1311664"/>
+          </a:xfrm>
+        </p:spPr>
+        <p:txBody>
+          <a:bodyPr>
+            <a:normAutofit/>
+          </a:bodyPr>
+          <a:lstStyle/>
+          <a:p>
+            <a:r>
+              <a:rPr lang="pt-BR" sz="3700" dirty="0">
+                <a:solidFill>
+                  <a:srgbClr val="000000"/>
+                </a:solidFill>
+                <a:latin typeface="Arial" panose="020B0604020202020204" pitchFamily="34" charset="0"/>
+                <a:cs typeface="Arial" panose="020B0604020202020204" pitchFamily="34" charset="0"/>
+              </a:rPr>
+              <a:t>Surgimento da Sustabil</a:t>
+            </a:r>
+          </a:p>
+        </p:txBody>
+      </p:sp>
+      <p:sp>
+        <p:nvSpPr>
+          <p:cNvPr id="3" name="Espaço Reservado para Conteúdo 2">
+            <a:extLst>
+              <a:ext uri="{FF2B5EF4-FFF2-40B4-BE49-F238E27FC236}">
+                <a16:creationId xmlns:a16="http://schemas.microsoft.com/office/drawing/2014/main" id="{501D34CD-F03C-491C-B093-ABAE6022A4FB}"/>
+              </a:ext>
+            </a:extLst>
+          </p:cNvPr>
+          <p:cNvSpPr>
+            <a:spLocks noGrp="1"/>
+          </p:cNvSpPr>
+          <p:nvPr>
+            <p:ph idx="1"/>
+          </p:nvPr>
+        </p:nvSpPr>
+        <p:spPr>
+          <a:xfrm>
+            <a:off x="694599" y="1664168"/>
+            <a:ext cx="4706803" cy="5071988"/>
+          </a:xfrm>
+        </p:spPr>
+        <p:txBody>
+          <a:bodyPr anchor="ctr">
+            <a:normAutofit/>
+          </a:bodyPr>
+          <a:lstStyle/>
+          <a:p>
+            <a:r>
+              <a:rPr lang="pt-BR" sz="2400" b="1" dirty="0">
+                <a:solidFill>
+                  <a:srgbClr val="000000"/>
+                </a:solidFill>
+                <a:latin typeface="Arial" panose="020B0604020202020204" pitchFamily="34" charset="0"/>
+                <a:cs typeface="Arial" panose="020B0604020202020204" pitchFamily="34" charset="0"/>
+              </a:rPr>
+              <a:t>A Sustabil surgiu em 2019</a:t>
+            </a:r>
+          </a:p>
+          <a:p>
+            <a:endParaRPr lang="pt-BR" sz="2400" b="1" dirty="0">
+              <a:solidFill>
+                <a:srgbClr val="000000"/>
+              </a:solidFill>
+              <a:latin typeface="Arial" panose="020B0604020202020204" pitchFamily="34" charset="0"/>
+              <a:cs typeface="Arial" panose="020B0604020202020204" pitchFamily="34" charset="0"/>
+            </a:endParaRPr>
+          </a:p>
+          <a:p>
+            <a:r>
+              <a:rPr lang="pt-BR" sz="2400" b="1" dirty="0">
+                <a:solidFill>
+                  <a:srgbClr val="000000"/>
+                </a:solidFill>
+                <a:latin typeface="Arial" panose="020B0604020202020204" pitchFamily="34" charset="0"/>
+                <a:cs typeface="Arial" panose="020B0604020202020204" pitchFamily="34" charset="0"/>
+              </a:rPr>
+              <a:t>Nossos clientes? </a:t>
+            </a:r>
+          </a:p>
+          <a:p>
+            <a:endParaRPr lang="pt-BR" sz="2000" dirty="0">
+              <a:solidFill>
+                <a:srgbClr val="000000"/>
+              </a:solidFill>
+              <a:latin typeface="Arial" panose="020B0604020202020204" pitchFamily="34" charset="0"/>
+              <a:cs typeface="Arial" panose="020B0604020202020204" pitchFamily="34" charset="0"/>
+            </a:endParaRPr>
+          </a:p>
+          <a:p>
+            <a:endParaRPr lang="pt-BR" sz="2000" dirty="0">
+              <a:solidFill>
+                <a:srgbClr val="000000"/>
+              </a:solidFill>
+              <a:latin typeface="Arial" panose="020B0604020202020204" pitchFamily="34" charset="0"/>
+              <a:cs typeface="Arial" panose="020B0604020202020204" pitchFamily="34" charset="0"/>
+            </a:endParaRPr>
+          </a:p>
+          <a:p>
+            <a:endParaRPr lang="pt-BR" sz="2000" dirty="0">
+              <a:solidFill>
+                <a:srgbClr val="000000"/>
+              </a:solidFill>
+              <a:latin typeface="Arial" panose="020B0604020202020204" pitchFamily="34" charset="0"/>
+              <a:cs typeface="Arial" panose="020B0604020202020204" pitchFamily="34" charset="0"/>
+            </a:endParaRPr>
+          </a:p>
+          <a:p>
+            <a:r>
+              <a:rPr lang="pt-BR" sz="2000" dirty="0">
+                <a:solidFill>
+                  <a:srgbClr val="000000"/>
+                </a:solidFill>
+                <a:latin typeface="Arial" panose="020B0604020202020204" pitchFamily="34" charset="0"/>
+                <a:cs typeface="Arial" panose="020B0604020202020204" pitchFamily="34" charset="0"/>
+              </a:rPr>
+              <a:t>Entre em contato conosco: </a:t>
+            </a:r>
+            <a:r>
+              <a:rPr lang="pt-BR" sz="2000" dirty="0">
+                <a:solidFill>
+                  <a:srgbClr val="000000"/>
+                </a:solidFill>
+                <a:latin typeface="Arial" panose="020B0604020202020204" pitchFamily="34" charset="0"/>
+                <a:cs typeface="Arial" panose="020B0604020202020204" pitchFamily="34" charset="0"/>
+                <a:hlinkClick r:id="rId4"/>
+              </a:rPr>
+              <a:t>sustabil@bandtec.com.br</a:t>
+            </a:r>
+            <a:endParaRPr lang="pt-BR" sz="2000" dirty="0">
+              <a:solidFill>
+                <a:srgbClr val="000000"/>
+              </a:solidFill>
+              <a:latin typeface="Arial" panose="020B0604020202020204" pitchFamily="34" charset="0"/>
+              <a:cs typeface="Arial" panose="020B0604020202020204" pitchFamily="34" charset="0"/>
+            </a:endParaRPr>
+          </a:p>
+        </p:txBody>
+      </p:sp>
+      <p:pic>
+        <p:nvPicPr>
+          <p:cNvPr id="6" name="Imagem 5">
+            <a:extLst>
+              <a:ext uri="{FF2B5EF4-FFF2-40B4-BE49-F238E27FC236}">
+                <a16:creationId xmlns:a16="http://schemas.microsoft.com/office/drawing/2014/main" id="{CEAEFBF8-22EC-44B4-A163-CDD5AA2A8470}"/>
+              </a:ext>
+            </a:extLst>
+          </p:cNvPr>
+          <p:cNvPicPr>
+            <a:picLocks noChangeAspect="1"/>
+          </p:cNvPicPr>
+          <p:nvPr/>
+        </p:nvPicPr>
+        <p:blipFill>
+          <a:blip r:embed="rId5"/>
+          <a:stretch>
+            <a:fillRect/>
+          </a:stretch>
+        </p:blipFill>
+        <p:spPr>
+          <a:xfrm>
             <a:off x="53894" y="35169"/>
             <a:ext cx="1035488" cy="1035488"/>
           </a:xfrm>
@@ -7249,7 +6835,847 @@
     </p:spTree>
     <p:extLst>
       <p:ext uri="{BB962C8B-B14F-4D97-AF65-F5344CB8AC3E}">
-        <p14:creationId xmlns:p14="http://schemas.microsoft.com/office/powerpoint/2010/main" val="3707752108"/>
+        <p14:creationId xmlns:p14="http://schemas.microsoft.com/office/powerpoint/2010/main" val="1728598662"/>
+      </p:ext>
+    </p:extLst>
+  </p:cSld>
+  <p:clrMapOvr>
+    <a:masterClrMapping/>
+  </p:clrMapOvr>
+</p:sld>
+</file>
+
+<file path=ppt/slides/slide5.xml><?xml version="1.0" encoding="utf-8"?>
+<p:sld xmlns:a="http://schemas.openxmlformats.org/drawingml/2006/main" xmlns:r="http://schemas.openxmlformats.org/officeDocument/2006/relationships" xmlns:p="http://schemas.openxmlformats.org/presentationml/2006/main">
+  <p:cSld>
+    <p:bg>
+      <p:bgPr>
+        <a:solidFill>
+          <a:schemeClr val="bg1"/>
+        </a:solidFill>
+        <a:effectLst/>
+      </p:bgPr>
+    </p:bg>
+    <p:spTree>
+      <p:nvGrpSpPr>
+        <p:cNvPr id="1" name=""/>
+        <p:cNvGrpSpPr/>
+        <p:nvPr/>
+      </p:nvGrpSpPr>
+      <p:grpSpPr>
+        <a:xfrm>
+          <a:off x="0" y="0"/>
+          <a:ext cx="0" cy="0"/>
+          <a:chOff x="0" y="0"/>
+          <a:chExt cx="0" cy="0"/>
+        </a:xfrm>
+      </p:grpSpPr>
+      <p:pic>
+        <p:nvPicPr>
+          <p:cNvPr id="3074" name="Picture 2" descr="Waste Water Treatment Leakage Broke Svg Png Icon Free Download (#569149) -  OnlineWebFonts.COM">
+            <a:extLst>
+              <a:ext uri="{FF2B5EF4-FFF2-40B4-BE49-F238E27FC236}">
+                <a16:creationId xmlns:a16="http://schemas.microsoft.com/office/drawing/2014/main" id="{348C5914-0332-44A9-A263-874DBD14E147}"/>
+              </a:ext>
+            </a:extLst>
+          </p:cNvPr>
+          <p:cNvPicPr>
+            <a:picLocks noChangeAspect="1" noChangeArrowheads="1"/>
+          </p:cNvPicPr>
+          <p:nvPr/>
+        </p:nvPicPr>
+        <p:blipFill rotWithShape="1">
+          <a:blip r:embed="rId2">
+            <a:alphaModFix/>
+            <a:extLst>
+              <a:ext uri="{28A0092B-C50C-407E-A947-70E740481C1C}">
+                <a14:useLocalDpi xmlns:a14="http://schemas.microsoft.com/office/drawing/2010/main" val="0"/>
+              </a:ext>
+            </a:extLst>
+          </a:blip>
+          <a:srcRect r="548"/>
+          <a:stretch/>
+        </p:blipFill>
+        <p:spPr bwMode="auto">
+          <a:xfrm>
+            <a:off x="6683974" y="1454277"/>
+            <a:ext cx="4703028" cy="5044190"/>
+          </a:xfrm>
+          <a:prstGeom prst="rect">
+            <a:avLst/>
+          </a:prstGeom>
+          <a:noFill/>
+          <a:extLst>
+            <a:ext uri="{909E8E84-426E-40DD-AFC4-6F175D3DCCD1}">
+              <a14:hiddenFill xmlns:a14="http://schemas.microsoft.com/office/drawing/2010/main">
+                <a:solidFill>
+                  <a:srgbClr val="FFFFFF"/>
+                </a:solidFill>
+              </a14:hiddenFill>
+            </a:ext>
+          </a:extLst>
+        </p:spPr>
+      </p:pic>
+      <p:pic>
+        <p:nvPicPr>
+          <p:cNvPr id="3076" name="Picture 134">
+            <a:extLst>
+              <a:ext uri="{FF2B5EF4-FFF2-40B4-BE49-F238E27FC236}">
+                <a16:creationId xmlns:a16="http://schemas.microsoft.com/office/drawing/2014/main" id="{54DDEBDD-D8BD-41A6-8A0D-B00E3768B0F9}"/>
+              </a:ext>
+              <a:ext uri="{C183D7F6-B498-43B3-948B-1728B52AA6E4}">
+                <adec:decorative xmlns:adec="http://schemas.microsoft.com/office/drawing/2017/decorative" val="1"/>
+              </a:ext>
+            </a:extLst>
+          </p:cNvPr>
+          <p:cNvPicPr>
+            <a:picLocks noGrp="1" noRot="1" noChangeAspect="1" noMove="1" noResize="1" noEditPoints="1" noAdjustHandles="1" noChangeArrowheads="1" noChangeShapeType="1" noCrop="1"/>
+          </p:cNvPicPr>
+          <p:nvPr>
+            <p:extLst>
+              <p:ext uri="{386F3935-93C4-4BCD-93E2-E3B085C9AB24}">
+                <p16:designElem xmlns:p16="http://schemas.microsoft.com/office/powerpoint/2015/main" val="1"/>
+              </p:ext>
+            </p:extLst>
+          </p:nvPr>
+        </p:nvPicPr>
+        <p:blipFill>
+          <a:blip r:embed="rId3">
+            <a:extLst>
+              <a:ext uri="{28A0092B-C50C-407E-A947-70E740481C1C}">
+                <a14:useLocalDpi xmlns:a14="http://schemas.microsoft.com/office/drawing/2010/main" val="0"/>
+              </a:ext>
+            </a:extLst>
+          </a:blip>
+          <a:stretch>
+            <a:fillRect/>
+          </a:stretch>
+        </p:blipFill>
+        <p:spPr>
+          <a:xfrm flipH="1" flipV="1">
+            <a:off x="0" y="0"/>
+            <a:ext cx="12192000" cy="6858000"/>
+          </a:xfrm>
+          <a:prstGeom prst="rect">
+            <a:avLst/>
+          </a:prstGeom>
+        </p:spPr>
+      </p:pic>
+      <p:sp>
+        <p:nvSpPr>
+          <p:cNvPr id="2" name="Título 1">
+            <a:extLst>
+              <a:ext uri="{FF2B5EF4-FFF2-40B4-BE49-F238E27FC236}">
+                <a16:creationId xmlns:a16="http://schemas.microsoft.com/office/drawing/2014/main" id="{B202CBA9-2D61-4174-A1AC-83B90BFD8A36}"/>
+              </a:ext>
+            </a:extLst>
+          </p:cNvPr>
+          <p:cNvSpPr>
+            <a:spLocks noGrp="1"/>
+          </p:cNvSpPr>
+          <p:nvPr>
+            <p:ph type="title"/>
+          </p:nvPr>
+        </p:nvSpPr>
+        <p:spPr>
+          <a:xfrm>
+            <a:off x="571638" y="554596"/>
+            <a:ext cx="5878976" cy="1311664"/>
+          </a:xfrm>
+        </p:spPr>
+        <p:txBody>
+          <a:bodyPr>
+            <a:normAutofit/>
+          </a:bodyPr>
+          <a:lstStyle/>
+          <a:p>
+            <a:pPr algn="ctr"/>
+            <a:r>
+              <a:rPr lang="pt-BR" dirty="0">
+                <a:solidFill>
+                  <a:srgbClr val="000000"/>
+                </a:solidFill>
+                <a:latin typeface="Arial" panose="020B0604020202020204" pitchFamily="34" charset="0"/>
+                <a:cs typeface="Arial" panose="020B0604020202020204" pitchFamily="34" charset="0"/>
+              </a:rPr>
+              <a:t>Solução do Problema</a:t>
+            </a:r>
+          </a:p>
+        </p:txBody>
+      </p:sp>
+      <p:sp>
+        <p:nvSpPr>
+          <p:cNvPr id="3" name="Espaço Reservado para Conteúdo 2">
+            <a:extLst>
+              <a:ext uri="{FF2B5EF4-FFF2-40B4-BE49-F238E27FC236}">
+                <a16:creationId xmlns:a16="http://schemas.microsoft.com/office/drawing/2014/main" id="{A8A22FE0-C875-4748-927C-26336D5968F9}"/>
+              </a:ext>
+            </a:extLst>
+          </p:cNvPr>
+          <p:cNvSpPr>
+            <a:spLocks noGrp="1"/>
+          </p:cNvSpPr>
+          <p:nvPr>
+            <p:ph idx="1"/>
+          </p:nvPr>
+        </p:nvSpPr>
+        <p:spPr>
+          <a:xfrm>
+            <a:off x="804998" y="2119087"/>
+            <a:ext cx="5645616" cy="4379380"/>
+          </a:xfrm>
+        </p:spPr>
+        <p:txBody>
+          <a:bodyPr anchor="ctr">
+            <a:normAutofit/>
+          </a:bodyPr>
+          <a:lstStyle/>
+          <a:p>
+            <a:r>
+              <a:rPr lang="pt-BR" sz="2400" b="1" dirty="0">
+                <a:solidFill>
+                  <a:srgbClr val="000000"/>
+                </a:solidFill>
+                <a:latin typeface="Arial" panose="020B0604020202020204" pitchFamily="34" charset="0"/>
+                <a:cs typeface="Arial" panose="020B0604020202020204" pitchFamily="34" charset="0"/>
+              </a:rPr>
+              <a:t>A solução proposta pela Sustabil?</a:t>
+            </a:r>
+          </a:p>
+          <a:p>
+            <a:endParaRPr lang="pt-BR" sz="2400" b="1" dirty="0">
+              <a:solidFill>
+                <a:srgbClr val="000000"/>
+              </a:solidFill>
+              <a:latin typeface="Arial" panose="020B0604020202020204" pitchFamily="34" charset="0"/>
+              <a:cs typeface="Arial" panose="020B0604020202020204" pitchFamily="34" charset="0"/>
+            </a:endParaRPr>
+          </a:p>
+          <a:p>
+            <a:endParaRPr lang="pt-BR" sz="2400" b="1" dirty="0">
+              <a:solidFill>
+                <a:srgbClr val="000000"/>
+              </a:solidFill>
+              <a:latin typeface="Arial" panose="020B0604020202020204" pitchFamily="34" charset="0"/>
+              <a:cs typeface="Arial" panose="020B0604020202020204" pitchFamily="34" charset="0"/>
+            </a:endParaRPr>
+          </a:p>
+          <a:p>
+            <a:r>
+              <a:rPr lang="pt-BR" sz="2400" b="1" dirty="0">
+                <a:solidFill>
+                  <a:srgbClr val="000000"/>
+                </a:solidFill>
+                <a:latin typeface="Arial" panose="020B0604020202020204" pitchFamily="34" charset="0"/>
+                <a:cs typeface="Arial" panose="020B0604020202020204" pitchFamily="34" charset="0"/>
+              </a:rPr>
+              <a:t>Sinal de vazamento? </a:t>
+            </a:r>
+          </a:p>
+        </p:txBody>
+      </p:sp>
+      <p:pic>
+        <p:nvPicPr>
+          <p:cNvPr id="3078" name="Picture 6" descr="temperature and humidity sensor">
+            <a:extLst>
+              <a:ext uri="{FF2B5EF4-FFF2-40B4-BE49-F238E27FC236}">
+                <a16:creationId xmlns:a16="http://schemas.microsoft.com/office/drawing/2014/main" id="{C38E409A-CA7F-4DB1-8501-637D116F091E}"/>
+              </a:ext>
+            </a:extLst>
+          </p:cNvPr>
+          <p:cNvPicPr>
+            <a:picLocks noChangeAspect="1" noChangeArrowheads="1"/>
+          </p:cNvPicPr>
+          <p:nvPr/>
+        </p:nvPicPr>
+        <p:blipFill>
+          <a:blip r:embed="rId4">
+            <a:extLst>
+              <a:ext uri="{28A0092B-C50C-407E-A947-70E740481C1C}">
+                <a14:useLocalDpi xmlns:a14="http://schemas.microsoft.com/office/drawing/2010/main" val="0"/>
+              </a:ext>
+            </a:extLst>
+          </a:blip>
+          <a:srcRect/>
+          <a:stretch>
+            <a:fillRect/>
+          </a:stretch>
+        </p:blipFill>
+        <p:spPr bwMode="auto">
+          <a:xfrm rot="18635752">
+            <a:off x="8902044" y="5087401"/>
+            <a:ext cx="632643" cy="632643"/>
+          </a:xfrm>
+          <a:prstGeom prst="rect">
+            <a:avLst/>
+          </a:prstGeom>
+          <a:noFill/>
+          <a:extLst>
+            <a:ext uri="{909E8E84-426E-40DD-AFC4-6F175D3DCCD1}">
+              <a14:hiddenFill xmlns:a14="http://schemas.microsoft.com/office/drawing/2010/main">
+                <a:solidFill>
+                  <a:srgbClr val="FFFFFF"/>
+                </a:solidFill>
+              </a14:hiddenFill>
+            </a:ext>
+          </a:extLst>
+        </p:spPr>
+      </p:pic>
+      <p:pic>
+        <p:nvPicPr>
+          <p:cNvPr id="3080" name="Picture 8" descr="Alert Alt Svg Png Icon Free Download (#565392) - OnlineWebFonts.COM">
+            <a:extLst>
+              <a:ext uri="{FF2B5EF4-FFF2-40B4-BE49-F238E27FC236}">
+                <a16:creationId xmlns:a16="http://schemas.microsoft.com/office/drawing/2014/main" id="{B68E42DD-DD1B-45E6-9C9F-C39EA0794FED}"/>
+              </a:ext>
+            </a:extLst>
+          </p:cNvPr>
+          <p:cNvPicPr>
+            <a:picLocks noChangeAspect="1" noChangeArrowheads="1"/>
+          </p:cNvPicPr>
+          <p:nvPr/>
+        </p:nvPicPr>
+        <p:blipFill rotWithShape="1">
+          <a:blip r:embed="rId5">
+            <a:duotone>
+              <a:schemeClr val="accent2">
+                <a:shade val="45000"/>
+                <a:satMod val="135000"/>
+              </a:schemeClr>
+              <a:prstClr val="white"/>
+            </a:duotone>
+            <a:alphaModFix/>
+            <a:extLst>
+              <a:ext uri="{BEBA8EAE-BF5A-486C-A8C5-ECC9F3942E4B}">
+                <a14:imgProps xmlns:a14="http://schemas.microsoft.com/office/drawing/2010/main">
+                  <a14:imgLayer r:embed="rId6">
+                    <a14:imgEffect>
+                      <a14:colorTemperature colorTemp="6360"/>
+                    </a14:imgEffect>
+                    <a14:imgEffect>
+                      <a14:saturation sat="191000"/>
+                    </a14:imgEffect>
+                  </a14:imgLayer>
+                </a14:imgProps>
+              </a:ext>
+              <a:ext uri="{28A0092B-C50C-407E-A947-70E740481C1C}">
+                <a14:useLocalDpi xmlns:a14="http://schemas.microsoft.com/office/drawing/2010/main" val="0"/>
+              </a:ext>
+            </a:extLst>
+          </a:blip>
+          <a:srcRect b="72111"/>
+          <a:stretch/>
+        </p:blipFill>
+        <p:spPr bwMode="auto">
+          <a:xfrm rot="13158707">
+            <a:off x="8479838" y="5585981"/>
+            <a:ext cx="975042" cy="416421"/>
+          </a:xfrm>
+          <a:prstGeom prst="rect">
+            <a:avLst/>
+          </a:prstGeom>
+          <a:noFill/>
+          <a:ln>
+            <a:noFill/>
+          </a:ln>
+        </p:spPr>
+      </p:pic>
+      <p:pic>
+        <p:nvPicPr>
+          <p:cNvPr id="8" name="Imagem 7">
+            <a:extLst>
+              <a:ext uri="{FF2B5EF4-FFF2-40B4-BE49-F238E27FC236}">
+                <a16:creationId xmlns:a16="http://schemas.microsoft.com/office/drawing/2014/main" id="{D2A77FA0-C3E9-4E63-BED4-0B3B92519E0D}"/>
+              </a:ext>
+            </a:extLst>
+          </p:cNvPr>
+          <p:cNvPicPr>
+            <a:picLocks noChangeAspect="1"/>
+          </p:cNvPicPr>
+          <p:nvPr/>
+        </p:nvPicPr>
+        <p:blipFill>
+          <a:blip r:embed="rId7"/>
+          <a:stretch>
+            <a:fillRect/>
+          </a:stretch>
+        </p:blipFill>
+        <p:spPr>
+          <a:xfrm>
+            <a:off x="53894" y="35169"/>
+            <a:ext cx="1035488" cy="1035488"/>
+          </a:xfrm>
+          <a:prstGeom prst="rect">
+            <a:avLst/>
+          </a:prstGeom>
+        </p:spPr>
+      </p:pic>
+    </p:spTree>
+    <p:extLst>
+      <p:ext uri="{BB962C8B-B14F-4D97-AF65-F5344CB8AC3E}">
+        <p14:creationId xmlns:p14="http://schemas.microsoft.com/office/powerpoint/2010/main" val="3377260643"/>
+      </p:ext>
+    </p:extLst>
+  </p:cSld>
+  <p:clrMapOvr>
+    <a:masterClrMapping/>
+  </p:clrMapOvr>
+</p:sld>
+</file>
+
+<file path=ppt/slides/slide6.xml><?xml version="1.0" encoding="utf-8"?>
+<p:sld xmlns:a="http://schemas.openxmlformats.org/drawingml/2006/main" xmlns:r="http://schemas.openxmlformats.org/officeDocument/2006/relationships" xmlns:p="http://schemas.openxmlformats.org/presentationml/2006/main">
+  <p:cSld>
+    <p:bg>
+      <p:bgPr>
+        <a:solidFill>
+          <a:schemeClr val="bg1"/>
+        </a:solidFill>
+        <a:effectLst/>
+      </p:bgPr>
+    </p:bg>
+    <p:spTree>
+      <p:nvGrpSpPr>
+        <p:cNvPr id="1" name=""/>
+        <p:cNvGrpSpPr/>
+        <p:nvPr/>
+      </p:nvGrpSpPr>
+      <p:grpSpPr>
+        <a:xfrm>
+          <a:off x="0" y="0"/>
+          <a:ext cx="0" cy="0"/>
+          <a:chOff x="0" y="0"/>
+          <a:chExt cx="0" cy="0"/>
+        </a:xfrm>
+      </p:grpSpPr>
+      <p:sp useBgFill="1">
+        <p:nvSpPr>
+          <p:cNvPr id="45" name="Rectangle 39">
+            <a:extLst>
+              <a:ext uri="{FF2B5EF4-FFF2-40B4-BE49-F238E27FC236}">
+                <a16:creationId xmlns:a16="http://schemas.microsoft.com/office/drawing/2014/main" id="{1ECAB1E8-8195-4748-BE71-FF806D86892E}"/>
+              </a:ext>
+              <a:ext uri="{C183D7F6-B498-43B3-948B-1728B52AA6E4}">
+                <adec:decorative xmlns:adec="http://schemas.microsoft.com/office/drawing/2017/decorative" val="1"/>
+              </a:ext>
+            </a:extLst>
+          </p:cNvPr>
+          <p:cNvSpPr>
+            <a:spLocks noGrp="1" noRot="1" noChangeAspect="1" noMove="1" noResize="1" noEditPoints="1" noAdjustHandles="1" noChangeArrowheads="1" noChangeShapeType="1" noTextEdit="1"/>
+          </p:cNvSpPr>
+          <p:nvPr>
+            <p:extLst>
+              <p:ext uri="{386F3935-93C4-4BCD-93E2-E3B085C9AB24}">
+                <p16:designElem xmlns:p16="http://schemas.microsoft.com/office/powerpoint/2015/main" val="1"/>
+              </p:ext>
+            </p:extLst>
+          </p:nvPr>
+        </p:nvSpPr>
+        <p:spPr>
+          <a:xfrm>
+            <a:off x="0" y="0"/>
+            <a:ext cx="12192000" cy="6858000"/>
+          </a:xfrm>
+          <a:prstGeom prst="rect">
+            <a:avLst/>
+          </a:prstGeom>
+          <a:ln>
+            <a:noFill/>
+          </a:ln>
+        </p:spPr>
+        <p:style>
+          <a:lnRef idx="2">
+            <a:schemeClr val="accent1">
+              <a:shade val="50000"/>
+            </a:schemeClr>
+          </a:lnRef>
+          <a:fillRef idx="1">
+            <a:schemeClr val="accent1"/>
+          </a:fillRef>
+          <a:effectRef idx="0">
+            <a:schemeClr val="accent1"/>
+          </a:effectRef>
+          <a:fontRef idx="minor">
+            <a:schemeClr val="lt1"/>
+          </a:fontRef>
+        </p:style>
+        <p:txBody>
+          <a:bodyPr rtlCol="0" anchor="ctr"/>
+          <a:lstStyle/>
+          <a:p>
+            <a:pPr algn="ctr"/>
+            <a:endParaRPr lang="en-US"/>
+          </a:p>
+        </p:txBody>
+      </p:sp>
+      <p:sp useBgFill="1">
+        <p:nvSpPr>
+          <p:cNvPr id="47" name="Rectangle 41">
+            <a:extLst>
+              <a:ext uri="{FF2B5EF4-FFF2-40B4-BE49-F238E27FC236}">
+                <a16:creationId xmlns:a16="http://schemas.microsoft.com/office/drawing/2014/main" id="{57F6BDD4-E066-4008-8011-6CC31AEB4556}"/>
+              </a:ext>
+              <a:ext uri="{C183D7F6-B498-43B3-948B-1728B52AA6E4}">
+                <adec:decorative xmlns:adec="http://schemas.microsoft.com/office/drawing/2017/decorative" val="1"/>
+              </a:ext>
+            </a:extLst>
+          </p:cNvPr>
+          <p:cNvSpPr>
+            <a:spLocks noGrp="1" noRot="1" noChangeAspect="1" noMove="1" noResize="1" noEditPoints="1" noAdjustHandles="1" noChangeArrowheads="1" noChangeShapeType="1" noTextEdit="1"/>
+          </p:cNvSpPr>
+          <p:nvPr>
+            <p:extLst>
+              <p:ext uri="{386F3935-93C4-4BCD-93E2-E3B085C9AB24}">
+                <p16:designElem xmlns:p16="http://schemas.microsoft.com/office/powerpoint/2015/main" val="1"/>
+              </p:ext>
+            </p:extLst>
+          </p:nvPr>
+        </p:nvSpPr>
+        <p:spPr>
+          <a:xfrm>
+            <a:off x="409575" y="633619"/>
+            <a:ext cx="4279383" cy="5495925"/>
+          </a:xfrm>
+          <a:prstGeom prst="rect">
+            <a:avLst/>
+          </a:prstGeom>
+          <a:ln w="9525">
+            <a:solidFill>
+              <a:srgbClr val="E1E1E1"/>
+            </a:solidFill>
+          </a:ln>
+          <a:effectLst>
+            <a:outerShdw blurRad="50800" dist="38100" dir="2700000" algn="tl" rotWithShape="0">
+              <a:schemeClr val="bg1">
+                <a:lumMod val="85000"/>
+                <a:alpha val="50000"/>
+              </a:schemeClr>
+            </a:outerShdw>
+          </a:effectLst>
+        </p:spPr>
+        <p:style>
+          <a:lnRef idx="2">
+            <a:schemeClr val="accent1">
+              <a:shade val="50000"/>
+            </a:schemeClr>
+          </a:lnRef>
+          <a:fillRef idx="1">
+            <a:schemeClr val="accent1"/>
+          </a:fillRef>
+          <a:effectRef idx="0">
+            <a:schemeClr val="accent1"/>
+          </a:effectRef>
+          <a:fontRef idx="minor">
+            <a:schemeClr val="lt1"/>
+          </a:fontRef>
+        </p:style>
+        <p:txBody>
+          <a:bodyPr rtlCol="0" anchor="ctr"/>
+          <a:lstStyle/>
+          <a:p>
+            <a:pPr marL="0" marR="0" lvl="0" indent="0" algn="ctr" defTabSz="914400" rtl="0" eaLnBrk="1" fontAlgn="auto" latinLnBrk="0" hangingPunct="1">
+              <a:lnSpc>
+                <a:spcPct val="100000"/>
+              </a:lnSpc>
+              <a:spcBef>
+                <a:spcPts val="0"/>
+              </a:spcBef>
+              <a:spcAft>
+                <a:spcPts val="0"/>
+              </a:spcAft>
+              <a:buClrTx/>
+              <a:buSzTx/>
+              <a:buFontTx/>
+              <a:buNone/>
+              <a:tabLst/>
+              <a:defRPr/>
+            </a:pPr>
+            <a:endParaRPr kumimoji="0" lang="en-US" sz="1800" b="0" i="0" u="none" strike="noStrike" kern="1200" cap="none" spc="0" normalizeH="0" baseline="0" noProof="0">
+              <a:ln>
+                <a:noFill/>
+              </a:ln>
+              <a:solidFill>
+                <a:prstClr val="white"/>
+              </a:solidFill>
+              <a:effectLst/>
+              <a:uLnTx/>
+              <a:uFillTx/>
+              <a:latin typeface="Calibri" panose="020F0502020204030204"/>
+              <a:ea typeface="+mn-ea"/>
+              <a:cs typeface="+mn-cs"/>
+            </a:endParaRPr>
+          </a:p>
+        </p:txBody>
+      </p:sp>
+      <p:sp>
+        <p:nvSpPr>
+          <p:cNvPr id="2" name="Título 1">
+            <a:extLst>
+              <a:ext uri="{FF2B5EF4-FFF2-40B4-BE49-F238E27FC236}">
+                <a16:creationId xmlns:a16="http://schemas.microsoft.com/office/drawing/2014/main" id="{622E59CC-F430-4678-9423-C4E72D202EEB}"/>
+              </a:ext>
+            </a:extLst>
+          </p:cNvPr>
+          <p:cNvSpPr>
+            <a:spLocks noGrp="1"/>
+          </p:cNvSpPr>
+          <p:nvPr>
+            <p:ph type="title"/>
+          </p:nvPr>
+        </p:nvSpPr>
+        <p:spPr>
+          <a:xfrm>
+            <a:off x="841247" y="978619"/>
+            <a:ext cx="3410712" cy="1106424"/>
+          </a:xfrm>
+        </p:spPr>
+        <p:txBody>
+          <a:bodyPr>
+            <a:normAutofit/>
+          </a:bodyPr>
+          <a:lstStyle/>
+          <a:p>
+            <a:pPr algn="ctr"/>
+            <a:r>
+              <a:rPr lang="pt-BR" sz="3700" dirty="0">
+                <a:latin typeface="Arial" panose="020B0604020202020204" pitchFamily="34" charset="0"/>
+                <a:cs typeface="Arial" panose="020B0604020202020204" pitchFamily="34" charset="0"/>
+              </a:rPr>
+              <a:t>Onde verificar?</a:t>
+            </a:r>
+          </a:p>
+        </p:txBody>
+      </p:sp>
+      <p:sp>
+        <p:nvSpPr>
+          <p:cNvPr id="44" name="Rectangle 43">
+            <a:extLst>
+              <a:ext uri="{FF2B5EF4-FFF2-40B4-BE49-F238E27FC236}">
+                <a16:creationId xmlns:a16="http://schemas.microsoft.com/office/drawing/2014/main" id="{2711A8FB-68FC-45FC-B01E-38F809E2D439}"/>
+              </a:ext>
+              <a:ext uri="{C183D7F6-B498-43B3-948B-1728B52AA6E4}">
+                <adec:decorative xmlns:adec="http://schemas.microsoft.com/office/drawing/2017/decorative" val="1"/>
+              </a:ext>
+            </a:extLst>
+          </p:cNvPr>
+          <p:cNvSpPr>
+            <a:spLocks noGrp="1" noRot="1" noChangeAspect="1" noMove="1" noResize="1" noEditPoints="1" noAdjustHandles="1" noChangeArrowheads="1" noChangeShapeType="1" noTextEdit="1"/>
+          </p:cNvSpPr>
+          <p:nvPr>
+            <p:extLst>
+              <p:ext uri="{386F3935-93C4-4BCD-93E2-E3B085C9AB24}">
+                <p16:designElem xmlns:p16="http://schemas.microsoft.com/office/powerpoint/2015/main" val="1"/>
+              </p:ext>
+            </p:extLst>
+          </p:nvPr>
+        </p:nvSpPr>
+        <p:spPr>
+          <a:xfrm>
+            <a:off x="345567" y="1170432"/>
+            <a:ext cx="128016" cy="704088"/>
+          </a:xfrm>
+          <a:prstGeom prst="rect">
+            <a:avLst/>
+          </a:prstGeom>
+          <a:solidFill>
+            <a:schemeClr val="accent2"/>
+          </a:solidFill>
+          <a:ln>
+            <a:noFill/>
+          </a:ln>
+        </p:spPr>
+        <p:style>
+          <a:lnRef idx="2">
+            <a:schemeClr val="accent1">
+              <a:shade val="50000"/>
+            </a:schemeClr>
+          </a:lnRef>
+          <a:fillRef idx="1">
+            <a:schemeClr val="accent1"/>
+          </a:fillRef>
+          <a:effectRef idx="0">
+            <a:schemeClr val="accent1"/>
+          </a:effectRef>
+          <a:fontRef idx="minor">
+            <a:schemeClr val="lt1"/>
+          </a:fontRef>
+        </p:style>
+        <p:txBody>
+          <a:bodyPr rtlCol="0" anchor="ctr"/>
+          <a:lstStyle/>
+          <a:p>
+            <a:pPr algn="ctr"/>
+            <a:endParaRPr lang="en-US">
+              <a:solidFill>
+                <a:prstClr val="white"/>
+              </a:solidFill>
+              <a:latin typeface="Calibri" panose="020F0502020204030204"/>
+            </a:endParaRPr>
+          </a:p>
+        </p:txBody>
+      </p:sp>
+      <p:sp>
+        <p:nvSpPr>
+          <p:cNvPr id="46" name="Rectangle 45">
+            <a:extLst>
+              <a:ext uri="{FF2B5EF4-FFF2-40B4-BE49-F238E27FC236}">
+                <a16:creationId xmlns:a16="http://schemas.microsoft.com/office/drawing/2014/main" id="{2A865FE3-5FC9-4049-87CF-30019C46C0F5}"/>
+              </a:ext>
+              <a:ext uri="{C183D7F6-B498-43B3-948B-1728B52AA6E4}">
+                <adec:decorative xmlns:adec="http://schemas.microsoft.com/office/drawing/2017/decorative" val="1"/>
+              </a:ext>
+            </a:extLst>
+          </p:cNvPr>
+          <p:cNvSpPr>
+            <a:spLocks noGrp="1" noRot="1" noChangeAspect="1" noMove="1" noResize="1" noEditPoints="1" noAdjustHandles="1" noChangeArrowheads="1" noChangeShapeType="1" noTextEdit="1"/>
+          </p:cNvSpPr>
+          <p:nvPr>
+            <p:extLst>
+              <p:ext uri="{386F3935-93C4-4BCD-93E2-E3B085C9AB24}">
+                <p16:designElem xmlns:p16="http://schemas.microsoft.com/office/powerpoint/2015/main" val="1"/>
+              </p:ext>
+            </p:extLst>
+          </p:nvPr>
+        </p:nvSpPr>
+        <p:spPr>
+          <a:xfrm>
+            <a:off x="877459" y="2121408"/>
+            <a:ext cx="3328416" cy="9144"/>
+          </a:xfrm>
+          <a:prstGeom prst="rect">
+            <a:avLst/>
+          </a:prstGeom>
+          <a:solidFill>
+            <a:srgbClr val="D5D5D5"/>
+          </a:solidFill>
+          <a:ln w="3175">
+            <a:noFill/>
+          </a:ln>
+          <a:effectLst/>
+        </p:spPr>
+        <p:style>
+          <a:lnRef idx="2">
+            <a:schemeClr val="accent1">
+              <a:shade val="50000"/>
+            </a:schemeClr>
+          </a:lnRef>
+          <a:fillRef idx="1">
+            <a:schemeClr val="accent1"/>
+          </a:fillRef>
+          <a:effectRef idx="0">
+            <a:schemeClr val="accent1"/>
+          </a:effectRef>
+          <a:fontRef idx="minor">
+            <a:schemeClr val="lt1"/>
+          </a:fontRef>
+        </p:style>
+        <p:txBody>
+          <a:bodyPr rtlCol="0" anchor="ctr"/>
+          <a:lstStyle/>
+          <a:p>
+            <a:pPr marL="0" marR="0" lvl="0" indent="0" algn="ctr" defTabSz="914400" rtl="0" eaLnBrk="1" fontAlgn="auto" latinLnBrk="0" hangingPunct="1">
+              <a:lnSpc>
+                <a:spcPct val="100000"/>
+              </a:lnSpc>
+              <a:spcBef>
+                <a:spcPts val="0"/>
+              </a:spcBef>
+              <a:spcAft>
+                <a:spcPts val="0"/>
+              </a:spcAft>
+              <a:buClrTx/>
+              <a:buSzTx/>
+              <a:buFontTx/>
+              <a:buNone/>
+              <a:tabLst/>
+              <a:defRPr/>
+            </a:pPr>
+            <a:endParaRPr kumimoji="0" lang="en-US" sz="1800" b="0" i="0" u="none" strike="noStrike" kern="1200" cap="none" spc="0" normalizeH="0" baseline="0" noProof="0">
+              <a:ln>
+                <a:noFill/>
+              </a:ln>
+              <a:solidFill>
+                <a:prstClr val="white"/>
+              </a:solidFill>
+              <a:effectLst/>
+              <a:uLnTx/>
+              <a:uFillTx/>
+              <a:latin typeface="Calibri" panose="020F0502020204030204"/>
+              <a:ea typeface="+mn-ea"/>
+              <a:cs typeface="+mn-cs"/>
+            </a:endParaRPr>
+          </a:p>
+        </p:txBody>
+      </p:sp>
+      <p:pic>
+        <p:nvPicPr>
+          <p:cNvPr id="20" name="Imagem 19" descr="Tela de computador com texto preto sobre fundo branco&#10;&#10;Descrição gerada automaticamente">
+            <a:extLst>
+              <a:ext uri="{FF2B5EF4-FFF2-40B4-BE49-F238E27FC236}">
+                <a16:creationId xmlns:a16="http://schemas.microsoft.com/office/drawing/2014/main" id="{3A02DED5-E702-4845-AFB5-A488487D1DB0}"/>
+              </a:ext>
+            </a:extLst>
+          </p:cNvPr>
+          <p:cNvPicPr>
+            <a:picLocks noChangeAspect="1"/>
+          </p:cNvPicPr>
+          <p:nvPr/>
+        </p:nvPicPr>
+        <p:blipFill rotWithShape="1">
+          <a:blip r:embed="rId2">
+            <a:extLst>
+              <a:ext uri="{28A0092B-C50C-407E-A947-70E740481C1C}">
+                <a14:useLocalDpi xmlns:a14="http://schemas.microsoft.com/office/drawing/2010/main" val="0"/>
+              </a:ext>
+            </a:extLst>
+          </a:blip>
+          <a:srcRect l="2957" r="6182" b="-1"/>
+          <a:stretch/>
+        </p:blipFill>
+        <p:spPr>
+          <a:xfrm>
+            <a:off x="5124450" y="634382"/>
+            <a:ext cx="6657213" cy="5495162"/>
+          </a:xfrm>
+          <a:prstGeom prst="rect">
+            <a:avLst/>
+          </a:prstGeom>
+        </p:spPr>
+      </p:pic>
+      <p:pic>
+        <p:nvPicPr>
+          <p:cNvPr id="9" name="Imagem 8">
+            <a:extLst>
+              <a:ext uri="{FF2B5EF4-FFF2-40B4-BE49-F238E27FC236}">
+                <a16:creationId xmlns:a16="http://schemas.microsoft.com/office/drawing/2014/main" id="{F745EBB1-8D29-4430-8E72-390A36EEA934}"/>
+              </a:ext>
+            </a:extLst>
+          </p:cNvPr>
+          <p:cNvPicPr>
+            <a:picLocks noChangeAspect="1"/>
+          </p:cNvPicPr>
+          <p:nvPr/>
+        </p:nvPicPr>
+        <p:blipFill>
+          <a:blip r:embed="rId3"/>
+          <a:stretch>
+            <a:fillRect/>
+          </a:stretch>
+        </p:blipFill>
+        <p:spPr>
+          <a:xfrm>
+            <a:off x="53894" y="35169"/>
+            <a:ext cx="1035488" cy="1035488"/>
+          </a:xfrm>
+          <a:prstGeom prst="rect">
+            <a:avLst/>
+          </a:prstGeom>
+        </p:spPr>
+      </p:pic>
+    </p:spTree>
+    <p:extLst>
+      <p:ext uri="{BB962C8B-B14F-4D97-AF65-F5344CB8AC3E}">
+        <p14:creationId xmlns:p14="http://schemas.microsoft.com/office/powerpoint/2010/main" val="4091551892"/>
       </p:ext>
     </p:extLst>
   </p:cSld>
@@ -7276,6 +7702,272 @@
           <a:chExt cx="0" cy="0"/>
         </a:xfrm>
       </p:grpSpPr>
+      <p:pic>
+        <p:nvPicPr>
+          <p:cNvPr id="2" name="Imagem 1">
+            <a:extLst>
+              <a:ext uri="{FF2B5EF4-FFF2-40B4-BE49-F238E27FC236}">
+                <a16:creationId xmlns:a16="http://schemas.microsoft.com/office/drawing/2014/main" id="{1D617A6C-987F-432E-9A64-F60CA09DA181}"/>
+              </a:ext>
+            </a:extLst>
+          </p:cNvPr>
+          <p:cNvPicPr/>
+          <p:nvPr/>
+        </p:nvPicPr>
+        <p:blipFill rotWithShape="1">
+          <a:blip r:embed="rId2"/>
+          <a:srcRect l="10374" t="10558" r="18313" b="21207"/>
+          <a:stretch/>
+        </p:blipFill>
+        <p:spPr>
+          <a:xfrm>
+            <a:off x="6266156" y="1737642"/>
+            <a:ext cx="5294716" cy="3001714"/>
+          </a:xfrm>
+          <a:prstGeom prst="rect">
+            <a:avLst/>
+          </a:prstGeom>
+        </p:spPr>
+      </p:pic>
+      <p:pic>
+        <p:nvPicPr>
+          <p:cNvPr id="45" name="Imagem 44">
+            <a:extLst>
+              <a:ext uri="{FF2B5EF4-FFF2-40B4-BE49-F238E27FC236}">
+                <a16:creationId xmlns:a16="http://schemas.microsoft.com/office/drawing/2014/main" id="{6C3D7843-9B0E-41B9-BF20-0E600605C56D}"/>
+              </a:ext>
+            </a:extLst>
+          </p:cNvPr>
+          <p:cNvPicPr/>
+          <p:nvPr/>
+        </p:nvPicPr>
+        <p:blipFill>
+          <a:blip r:embed="rId3">
+            <a:extLst>
+              <a:ext uri="{28A0092B-C50C-407E-A947-70E740481C1C}">
+                <a14:useLocalDpi xmlns:a14="http://schemas.microsoft.com/office/drawing/2010/main" val="0"/>
+              </a:ext>
+            </a:extLst>
+          </a:blip>
+          <a:stretch>
+            <a:fillRect/>
+          </a:stretch>
+        </p:blipFill>
+        <p:spPr>
+          <a:xfrm>
+            <a:off x="735749" y="1427620"/>
+            <a:ext cx="5158012" cy="3621758"/>
+          </a:xfrm>
+          <a:prstGeom prst="rect">
+            <a:avLst/>
+          </a:prstGeom>
+        </p:spPr>
+      </p:pic>
+      <p:cxnSp>
+        <p:nvCxnSpPr>
+          <p:cNvPr id="7" name="Conector reto 6">
+            <a:extLst>
+              <a:ext uri="{FF2B5EF4-FFF2-40B4-BE49-F238E27FC236}">
+                <a16:creationId xmlns:a16="http://schemas.microsoft.com/office/drawing/2014/main" id="{38D5D06E-DEFB-4BAD-8F80-CDFEA4E52522}"/>
+              </a:ext>
+            </a:extLst>
+          </p:cNvPr>
+          <p:cNvCxnSpPr/>
+          <p:nvPr/>
+        </p:nvCxnSpPr>
+        <p:spPr>
+          <a:xfrm>
+            <a:off x="6079958" y="1143000"/>
+            <a:ext cx="0" cy="4572000"/>
+          </a:xfrm>
+          <a:prstGeom prst="line">
+            <a:avLst/>
+          </a:prstGeom>
+          <a:ln/>
+        </p:spPr>
+        <p:style>
+          <a:lnRef idx="3">
+            <a:schemeClr val="accent1"/>
+          </a:lnRef>
+          <a:fillRef idx="0">
+            <a:schemeClr val="accent1"/>
+          </a:fillRef>
+          <a:effectRef idx="2">
+            <a:schemeClr val="accent1"/>
+          </a:effectRef>
+          <a:fontRef idx="minor">
+            <a:schemeClr val="tx1"/>
+          </a:fontRef>
+        </p:style>
+      </p:cxnSp>
+    </p:spTree>
+    <p:extLst>
+      <p:ext uri="{BB962C8B-B14F-4D97-AF65-F5344CB8AC3E}">
+        <p14:creationId xmlns:p14="http://schemas.microsoft.com/office/powerpoint/2010/main" val="1663262286"/>
+      </p:ext>
+    </p:extLst>
+  </p:cSld>
+  <p:clrMapOvr>
+    <a:masterClrMapping/>
+  </p:clrMapOvr>
+</p:sld>
+</file>
+
+<file path=ppt/slides/slide8.xml><?xml version="1.0" encoding="utf-8"?>
+<p:sld xmlns:a="http://schemas.openxmlformats.org/drawingml/2006/main" xmlns:r="http://schemas.openxmlformats.org/officeDocument/2006/relationships" xmlns:p="http://schemas.openxmlformats.org/presentationml/2006/main">
+  <p:cSld>
+    <p:spTree>
+      <p:nvGrpSpPr>
+        <p:cNvPr id="1" name=""/>
+        <p:cNvGrpSpPr/>
+        <p:nvPr/>
+      </p:nvGrpSpPr>
+      <p:grpSpPr>
+        <a:xfrm>
+          <a:off x="0" y="0"/>
+          <a:ext cx="0" cy="0"/>
+          <a:chOff x="0" y="0"/>
+          <a:chExt cx="0" cy="0"/>
+        </a:xfrm>
+      </p:grpSpPr>
+      <p:pic>
+        <p:nvPicPr>
+          <p:cNvPr id="2" name="Imagem 1" descr="Tela de celular com texto preto sobre fundo branco&#10;&#10;Descrição gerada automaticamente">
+            <a:extLst>
+              <a:ext uri="{FF2B5EF4-FFF2-40B4-BE49-F238E27FC236}">
+                <a16:creationId xmlns:a16="http://schemas.microsoft.com/office/drawing/2014/main" id="{88621860-DC98-495A-8724-3A4CEB09131B}"/>
+              </a:ext>
+            </a:extLst>
+          </p:cNvPr>
+          <p:cNvPicPr>
+            <a:picLocks noChangeAspect="1"/>
+          </p:cNvPicPr>
+          <p:nvPr/>
+        </p:nvPicPr>
+        <p:blipFill rotWithShape="1">
+          <a:blip r:embed="rId2">
+            <a:extLst>
+              <a:ext uri="{28A0092B-C50C-407E-A947-70E740481C1C}">
+                <a14:useLocalDpi xmlns:a14="http://schemas.microsoft.com/office/drawing/2010/main" val="0"/>
+              </a:ext>
+            </a:extLst>
+          </a:blip>
+          <a:srcRect l="15616" r="-1" b="-1"/>
+          <a:stretch/>
+        </p:blipFill>
+        <p:spPr>
+          <a:xfrm>
+            <a:off x="321731" y="557189"/>
+            <a:ext cx="5668684" cy="5743618"/>
+          </a:xfrm>
+          <a:prstGeom prst="rect">
+            <a:avLst/>
+          </a:prstGeom>
+        </p:spPr>
+      </p:pic>
+      <p:pic>
+        <p:nvPicPr>
+          <p:cNvPr id="3" name="Imagem 2" descr="Tela de computador com texto preto sobre fundo branco&#10;&#10;Descrição gerada automaticamente">
+            <a:extLst>
+              <a:ext uri="{FF2B5EF4-FFF2-40B4-BE49-F238E27FC236}">
+                <a16:creationId xmlns:a16="http://schemas.microsoft.com/office/drawing/2014/main" id="{BB301F1E-1159-49B4-AA43-82E455F0FC41}"/>
+              </a:ext>
+            </a:extLst>
+          </p:cNvPr>
+          <p:cNvPicPr/>
+          <p:nvPr/>
+        </p:nvPicPr>
+        <p:blipFill rotWithShape="1">
+          <a:blip r:embed="rId3" cstate="print">
+            <a:extLst>
+              <a:ext uri="{28A0092B-C50C-407E-A947-70E740481C1C}">
+                <a14:useLocalDpi xmlns:a14="http://schemas.microsoft.com/office/drawing/2010/main" val="0"/>
+              </a:ext>
+            </a:extLst>
+          </a:blip>
+          <a:srcRect l="11336" r="14560" b="-2"/>
+          <a:stretch/>
+        </p:blipFill>
+        <p:spPr bwMode="auto">
+          <a:xfrm>
+            <a:off x="6195375" y="557189"/>
+            <a:ext cx="5674893" cy="5743618"/>
+          </a:xfrm>
+          <a:prstGeom prst="rect">
+            <a:avLst/>
+          </a:prstGeom>
+          <a:noFill/>
+        </p:spPr>
+      </p:pic>
+      <p:cxnSp>
+        <p:nvCxnSpPr>
+          <p:cNvPr id="5" name="Conector reto 4">
+            <a:extLst>
+              <a:ext uri="{FF2B5EF4-FFF2-40B4-BE49-F238E27FC236}">
+                <a16:creationId xmlns:a16="http://schemas.microsoft.com/office/drawing/2014/main" id="{D90523EA-AF65-44BB-8210-EBEF2EABF735}"/>
+              </a:ext>
+            </a:extLst>
+          </p:cNvPr>
+          <p:cNvCxnSpPr>
+            <a:cxnSpLocks/>
+          </p:cNvCxnSpPr>
+          <p:nvPr/>
+        </p:nvCxnSpPr>
+        <p:spPr>
+          <a:xfrm>
+            <a:off x="6096000" y="330200"/>
+            <a:ext cx="0" cy="6134100"/>
+          </a:xfrm>
+          <a:prstGeom prst="line">
+            <a:avLst/>
+          </a:prstGeom>
+          <a:ln/>
+        </p:spPr>
+        <p:style>
+          <a:lnRef idx="3">
+            <a:schemeClr val="accent1"/>
+          </a:lnRef>
+          <a:fillRef idx="0">
+            <a:schemeClr val="accent1"/>
+          </a:fillRef>
+          <a:effectRef idx="2">
+            <a:schemeClr val="accent1"/>
+          </a:effectRef>
+          <a:fontRef idx="minor">
+            <a:schemeClr val="tx1"/>
+          </a:fontRef>
+        </p:style>
+      </p:cxnSp>
+    </p:spTree>
+    <p:extLst>
+      <p:ext uri="{BB962C8B-B14F-4D97-AF65-F5344CB8AC3E}">
+        <p14:creationId xmlns:p14="http://schemas.microsoft.com/office/powerpoint/2010/main" val="1307777368"/>
+      </p:ext>
+    </p:extLst>
+  </p:cSld>
+  <p:clrMapOvr>
+    <a:masterClrMapping/>
+  </p:clrMapOvr>
+</p:sld>
+</file>
+
+<file path=ppt/slides/slide9.xml><?xml version="1.0" encoding="utf-8"?>
+<p:sld xmlns:a="http://schemas.openxmlformats.org/drawingml/2006/main" xmlns:r="http://schemas.openxmlformats.org/officeDocument/2006/relationships" xmlns:p="http://schemas.openxmlformats.org/presentationml/2006/main">
+  <p:cSld>
+    <p:spTree>
+      <p:nvGrpSpPr>
+        <p:cNvPr id="1" name=""/>
+        <p:cNvGrpSpPr/>
+        <p:nvPr/>
+      </p:nvGrpSpPr>
+      <p:grpSpPr>
+        <a:xfrm>
+          <a:off x="0" y="0"/>
+          <a:ext cx="0" cy="0"/>
+          <a:chOff x="0" y="0"/>
+          <a:chExt cx="0" cy="0"/>
+        </a:xfrm>
+      </p:grpSpPr>
       <p:sp>
         <p:nvSpPr>
           <p:cNvPr id="2" name="Título 1">
@@ -7310,7 +8002,7 @@
                 <a:latin typeface="Arial" panose="020B0604020202020204" pitchFamily="34" charset="0"/>
                 <a:cs typeface="Arial" panose="020B0604020202020204" pitchFamily="34" charset="0"/>
               </a:rPr>
-              <a:t>Onde iria armazenar os dados?</a:t>
+              <a:t>Onde os dados são armazenados?</a:t>
             </a:r>
           </a:p>
         </p:txBody>

--- a/SUSTABIL - Apresentação real.pptx
+++ b/SUSTABIL - Apresentação real.pptx
@@ -7,7 +7,7 @@
   <p:sldIdLst>
     <p:sldId id="256" r:id="rId2"/>
     <p:sldId id="265" r:id="rId3"/>
-    <p:sldId id="264" r:id="rId4"/>
+    <p:sldId id="270" r:id="rId4"/>
     <p:sldId id="258" r:id="rId5"/>
     <p:sldId id="259" r:id="rId6"/>
     <p:sldId id="260" r:id="rId7"/>
@@ -6366,6 +6366,14 @@
 <file path=ppt/slides/slide3.xml><?xml version="1.0" encoding="utf-8"?>
 <p:sld xmlns:a="http://schemas.openxmlformats.org/drawingml/2006/main" xmlns:r="http://schemas.openxmlformats.org/officeDocument/2006/relationships" xmlns:p="http://schemas.openxmlformats.org/presentationml/2006/main">
   <p:cSld>
+    <p:bg>
+      <p:bgPr>
+        <a:solidFill>
+          <a:schemeClr val="bg1"/>
+        </a:solidFill>
+        <a:effectLst/>
+      </p:bgPr>
+    </p:bg>
     <p:spTree>
       <p:nvGrpSpPr>
         <p:cNvPr id="1" name=""/>
@@ -6382,52 +6390,165 @@
       </p:grpSpPr>
       <p:sp>
         <p:nvSpPr>
-          <p:cNvPr id="2" name="Título 1">
-            <a:extLst>
-              <a:ext uri="{FF2B5EF4-FFF2-40B4-BE49-F238E27FC236}">
-                <a16:creationId xmlns:a16="http://schemas.microsoft.com/office/drawing/2014/main" id="{821C4928-2005-41A2-A1DA-BDD434C94CDF}"/>
+          <p:cNvPr id="7" name="Rectangle 6">
+            <a:extLst>
+              <a:ext uri="{FF2B5EF4-FFF2-40B4-BE49-F238E27FC236}">
+                <a16:creationId xmlns:a16="http://schemas.microsoft.com/office/drawing/2014/main" id="{42A4FC2C-047E-45A5-965D-8E1E3BF09BC6}"/>
+              </a:ext>
+              <a:ext uri="{C183D7F6-B498-43B3-948B-1728B52AA6E4}">
+                <adec:decorative xmlns:adec="http://schemas.microsoft.com/office/drawing/2017/decorative" val="1"/>
               </a:ext>
             </a:extLst>
           </p:cNvPr>
           <p:cNvSpPr>
-            <a:spLocks noGrp="1"/>
+            <a:spLocks noGrp="1" noRot="1" noChangeAspect="1" noMove="1" noResize="1" noEditPoints="1" noAdjustHandles="1" noChangeArrowheads="1" noChangeShapeType="1" noTextEdit="1"/>
           </p:cNvSpPr>
           <p:nvPr>
-            <p:ph type="title"/>
+            <p:extLst>
+              <p:ext uri="{386F3935-93C4-4BCD-93E2-E3B085C9AB24}">
+                <p16:designElem xmlns:p16="http://schemas.microsoft.com/office/powerpoint/2015/main" val="1"/>
+              </p:ext>
+            </p:extLst>
           </p:nvPr>
         </p:nvSpPr>
-        <p:spPr>
-          <a:xfrm>
-            <a:off x="990600" y="338328"/>
-            <a:ext cx="10210800" cy="1078992"/>
-          </a:xfrm>
-        </p:spPr>
-        <p:txBody>
-          <a:bodyPr vert="horz" lIns="91440" tIns="45720" rIns="91440" bIns="45720" rtlCol="0" anchor="ctr">
-            <a:normAutofit/>
-          </a:bodyPr>
-          <a:lstStyle/>
+        <p:spPr bwMode="white">
+          <a:xfrm>
+            <a:off x="1524" y="0"/>
+            <a:ext cx="12188952" cy="6858000"/>
+          </a:xfrm>
+          <a:prstGeom prst="rect">
+            <a:avLst/>
+          </a:prstGeom>
+          <a:noFill/>
+          <a:ln>
+            <a:noFill/>
+          </a:ln>
+        </p:spPr>
+        <p:style>
+          <a:lnRef idx="2">
+            <a:schemeClr val="accent1">
+              <a:shade val="50000"/>
+            </a:schemeClr>
+          </a:lnRef>
+          <a:fillRef idx="1">
+            <a:schemeClr val="accent1"/>
+          </a:fillRef>
+          <a:effectRef idx="0">
+            <a:schemeClr val="accent1"/>
+          </a:effectRef>
+          <a:fontRef idx="minor">
+            <a:schemeClr val="lt1"/>
+          </a:fontRef>
+        </p:style>
+        <p:txBody>
+          <a:bodyPr rtlCol="0" anchor="ctr"/>
+          <a:lstStyle>
+            <a:defPPr>
+              <a:defRPr lang="en-US"/>
+            </a:defPPr>
+            <a:lvl1pPr marL="0" algn="l" defTabSz="914400" rtl="0" eaLnBrk="1" latinLnBrk="0" hangingPunct="1">
+              <a:defRPr sz="1800" kern="1200">
+                <a:solidFill>
+                  <a:schemeClr val="lt1"/>
+                </a:solidFill>
+                <a:latin typeface="+mn-lt"/>
+                <a:ea typeface="+mn-ea"/>
+                <a:cs typeface="+mn-cs"/>
+              </a:defRPr>
+            </a:lvl1pPr>
+            <a:lvl2pPr marL="457200" algn="l" defTabSz="914400" rtl="0" eaLnBrk="1" latinLnBrk="0" hangingPunct="1">
+              <a:defRPr sz="1800" kern="1200">
+                <a:solidFill>
+                  <a:schemeClr val="lt1"/>
+                </a:solidFill>
+                <a:latin typeface="+mn-lt"/>
+                <a:ea typeface="+mn-ea"/>
+                <a:cs typeface="+mn-cs"/>
+              </a:defRPr>
+            </a:lvl2pPr>
+            <a:lvl3pPr marL="914400" algn="l" defTabSz="914400" rtl="0" eaLnBrk="1" latinLnBrk="0" hangingPunct="1">
+              <a:defRPr sz="1800" kern="1200">
+                <a:solidFill>
+                  <a:schemeClr val="lt1"/>
+                </a:solidFill>
+                <a:latin typeface="+mn-lt"/>
+                <a:ea typeface="+mn-ea"/>
+                <a:cs typeface="+mn-cs"/>
+              </a:defRPr>
+            </a:lvl3pPr>
+            <a:lvl4pPr marL="1371600" algn="l" defTabSz="914400" rtl="0" eaLnBrk="1" latinLnBrk="0" hangingPunct="1">
+              <a:defRPr sz="1800" kern="1200">
+                <a:solidFill>
+                  <a:schemeClr val="lt1"/>
+                </a:solidFill>
+                <a:latin typeface="+mn-lt"/>
+                <a:ea typeface="+mn-ea"/>
+                <a:cs typeface="+mn-cs"/>
+              </a:defRPr>
+            </a:lvl4pPr>
+            <a:lvl5pPr marL="1828800" algn="l" defTabSz="914400" rtl="0" eaLnBrk="1" latinLnBrk="0" hangingPunct="1">
+              <a:defRPr sz="1800" kern="1200">
+                <a:solidFill>
+                  <a:schemeClr val="lt1"/>
+                </a:solidFill>
+                <a:latin typeface="+mn-lt"/>
+                <a:ea typeface="+mn-ea"/>
+                <a:cs typeface="+mn-cs"/>
+              </a:defRPr>
+            </a:lvl5pPr>
+            <a:lvl6pPr marL="2286000" algn="l" defTabSz="914400" rtl="0" eaLnBrk="1" latinLnBrk="0" hangingPunct="1">
+              <a:defRPr sz="1800" kern="1200">
+                <a:solidFill>
+                  <a:schemeClr val="lt1"/>
+                </a:solidFill>
+                <a:latin typeface="+mn-lt"/>
+                <a:ea typeface="+mn-ea"/>
+                <a:cs typeface="+mn-cs"/>
+              </a:defRPr>
+            </a:lvl6pPr>
+            <a:lvl7pPr marL="2743200" algn="l" defTabSz="914400" rtl="0" eaLnBrk="1" latinLnBrk="0" hangingPunct="1">
+              <a:defRPr sz="1800" kern="1200">
+                <a:solidFill>
+                  <a:schemeClr val="lt1"/>
+                </a:solidFill>
+                <a:latin typeface="+mn-lt"/>
+                <a:ea typeface="+mn-ea"/>
+                <a:cs typeface="+mn-cs"/>
+              </a:defRPr>
+            </a:lvl7pPr>
+            <a:lvl8pPr marL="3200400" algn="l" defTabSz="914400" rtl="0" eaLnBrk="1" latinLnBrk="0" hangingPunct="1">
+              <a:defRPr sz="1800" kern="1200">
+                <a:solidFill>
+                  <a:schemeClr val="lt1"/>
+                </a:solidFill>
+                <a:latin typeface="+mn-lt"/>
+                <a:ea typeface="+mn-ea"/>
+                <a:cs typeface="+mn-cs"/>
+              </a:defRPr>
+            </a:lvl8pPr>
+            <a:lvl9pPr marL="3657600" algn="l" defTabSz="914400" rtl="0" eaLnBrk="1" latinLnBrk="0" hangingPunct="1">
+              <a:defRPr sz="1800" kern="1200">
+                <a:solidFill>
+                  <a:schemeClr val="lt1"/>
+                </a:solidFill>
+                <a:latin typeface="+mn-lt"/>
+                <a:ea typeface="+mn-ea"/>
+                <a:cs typeface="+mn-cs"/>
+              </a:defRPr>
+            </a:lvl9pPr>
+          </a:lstStyle>
           <a:p>
             <a:pPr algn="ctr"/>
-            <a:r>
-              <a:rPr lang="en-US" sz="3700" dirty="0">
-                <a:solidFill>
-                  <a:srgbClr val="000000"/>
-                </a:solidFill>
-                <a:latin typeface="Arial" panose="020B0604020202020204" pitchFamily="34" charset="0"/>
-                <a:cs typeface="Arial" panose="020B0604020202020204" pitchFamily="34" charset="0"/>
-              </a:rPr>
-              <a:t>Problemática</a:t>
-            </a:r>
+            <a:endParaRPr lang="en-US"/>
           </a:p>
         </p:txBody>
       </p:sp>
       <p:pic>
         <p:nvPicPr>
-          <p:cNvPr id="5" name="Imagem 4" descr="Mapa com linhas pretas em fundo branco&#10;&#10;Descrição gerada automaticamente">
-            <a:extLst>
-              <a:ext uri="{FF2B5EF4-FFF2-40B4-BE49-F238E27FC236}">
-                <a16:creationId xmlns:a16="http://schemas.microsoft.com/office/drawing/2014/main" id="{AD6025A6-3D52-461A-9A88-737CB2E50C5B}"/>
+          <p:cNvPr id="2" name="Imagem 1" descr="Tela de celular com publicação numa rede social&#10;&#10;Descrição gerada automaticamente">
+            <a:extLst>
+              <a:ext uri="{FF2B5EF4-FFF2-40B4-BE49-F238E27FC236}">
+                <a16:creationId xmlns:a16="http://schemas.microsoft.com/office/drawing/2014/main" id="{62C5624A-A732-4D3A-B827-542A9AEBDB4E}"/>
               </a:ext>
             </a:extLst>
           </p:cNvPr>
@@ -6436,97 +6557,25 @@
           </p:cNvPicPr>
           <p:nvPr/>
         </p:nvPicPr>
-        <p:blipFill>
+        <p:blipFill rotWithShape="1">
           <a:blip r:embed="rId2"/>
-          <a:stretch>
-            <a:fillRect/>
-          </a:stretch>
+          <a:srcRect l="426" r="-1" b="-1"/>
+          <a:stretch/>
         </p:blipFill>
         <p:spPr>
           <a:xfrm>
-            <a:off x="973243" y="2610355"/>
-            <a:ext cx="4310209" cy="3555923"/>
+            <a:off x="20" y="1282"/>
+            <a:ext cx="12191980" cy="6856718"/>
           </a:xfrm>
           <a:prstGeom prst="rect">
             <a:avLst/>
           </a:prstGeom>
         </p:spPr>
       </p:pic>
-      <p:pic>
-        <p:nvPicPr>
-          <p:cNvPr id="4" name="Imagem 3" descr="Tela de celular com texto preto sobre fundo branco&#10;&#10;Descrição gerada automaticamente">
-            <a:extLst>
-              <a:ext uri="{FF2B5EF4-FFF2-40B4-BE49-F238E27FC236}">
-                <a16:creationId xmlns:a16="http://schemas.microsoft.com/office/drawing/2014/main" id="{211C7C17-9709-42E7-8B32-8173C9DFAD4D}"/>
-              </a:ext>
-            </a:extLst>
-          </p:cNvPr>
-          <p:cNvPicPr>
-            <a:picLocks noChangeAspect="1"/>
-          </p:cNvPicPr>
-          <p:nvPr/>
-        </p:nvPicPr>
-        <p:blipFill>
-          <a:blip r:embed="rId3"/>
-          <a:stretch>
-            <a:fillRect/>
-          </a:stretch>
-        </p:blipFill>
-        <p:spPr>
-          <a:xfrm>
-            <a:off x="6273804" y="3038168"/>
-            <a:ext cx="5594514" cy="2461585"/>
-          </a:xfrm>
-          <a:prstGeom prst="rect">
-            <a:avLst/>
-          </a:prstGeom>
-        </p:spPr>
-      </p:pic>
-      <p:cxnSp>
-        <p:nvCxnSpPr>
-          <p:cNvPr id="13" name="Conector reto 12">
-            <a:extLst>
-              <a:ext uri="{FF2B5EF4-FFF2-40B4-BE49-F238E27FC236}">
-                <a16:creationId xmlns:a16="http://schemas.microsoft.com/office/drawing/2014/main" id="{44B6F4DB-AFC2-4938-967C-7CF98C63B08D}"/>
-              </a:ext>
-            </a:extLst>
-          </p:cNvPr>
-          <p:cNvCxnSpPr/>
-          <p:nvPr/>
-        </p:nvCxnSpPr>
-        <p:spPr>
-          <a:xfrm>
-            <a:off x="321564" y="1607575"/>
-            <a:ext cx="11436829" cy="0"/>
-          </a:xfrm>
-          <a:prstGeom prst="line">
-            <a:avLst/>
-          </a:prstGeom>
-          <a:ln>
-            <a:solidFill>
-              <a:schemeClr val="tx1"/>
-            </a:solidFill>
-          </a:ln>
-        </p:spPr>
-        <p:style>
-          <a:lnRef idx="3">
-            <a:schemeClr val="dk1"/>
-          </a:lnRef>
-          <a:fillRef idx="0">
-            <a:schemeClr val="dk1"/>
-          </a:fillRef>
-          <a:effectRef idx="2">
-            <a:schemeClr val="dk1"/>
-          </a:effectRef>
-          <a:fontRef idx="minor">
-            <a:schemeClr val="tx1"/>
-          </a:fontRef>
-        </p:style>
-      </p:cxnSp>
     </p:spTree>
     <p:extLst>
       <p:ext uri="{BB962C8B-B14F-4D97-AF65-F5344CB8AC3E}">
-        <p14:creationId xmlns:p14="http://schemas.microsoft.com/office/powerpoint/2010/main" val="3170072261"/>
+        <p14:creationId xmlns:p14="http://schemas.microsoft.com/office/powerpoint/2010/main" val="2927837716"/>
       </p:ext>
     </p:extLst>
   </p:cSld>

--- a/SUSTABIL - Apresentação real.pptx
+++ b/SUSTABIL - Apresentação real.pptx
@@ -10,14 +10,17 @@
     <p:sldId id="270" r:id="rId4"/>
     <p:sldId id="258" r:id="rId5"/>
     <p:sldId id="259" r:id="rId6"/>
-    <p:sldId id="260" r:id="rId7"/>
-    <p:sldId id="263" r:id="rId8"/>
-    <p:sldId id="268" r:id="rId9"/>
-    <p:sldId id="262" r:id="rId10"/>
-    <p:sldId id="269" r:id="rId11"/>
-    <p:sldId id="266" r:id="rId12"/>
-    <p:sldId id="267" r:id="rId13"/>
-    <p:sldId id="261" r:id="rId14"/>
+    <p:sldId id="262" r:id="rId7"/>
+    <p:sldId id="272" r:id="rId8"/>
+    <p:sldId id="260" r:id="rId9"/>
+    <p:sldId id="263" r:id="rId10"/>
+    <p:sldId id="268" r:id="rId11"/>
+    <p:sldId id="273" r:id="rId12"/>
+    <p:sldId id="269" r:id="rId13"/>
+    <p:sldId id="266" r:id="rId14"/>
+    <p:sldId id="267" r:id="rId15"/>
+    <p:sldId id="261" r:id="rId16"/>
+    <p:sldId id="271" r:id="rId17"/>
   </p:sldIdLst>
   <p:sldSz cx="12192000" cy="6858000"/>
   <p:notesSz cx="6858000" cy="9144000"/>
@@ -297,7 +300,7 @@
           <a:p>
             <a:fld id="{5D8AFB0F-FD72-4B7A-9B91-BDD5A838F994}" type="datetimeFigureOut">
               <a:rPr lang="pt-BR" smtClean="0"/>
-              <a:t>21/09/20</a:t>
+              <a:t>22/09/20</a:t>
             </a:fld>
             <a:endParaRPr lang="pt-BR"/>
           </a:p>
@@ -495,7 +498,7 @@
           <a:p>
             <a:fld id="{5D8AFB0F-FD72-4B7A-9B91-BDD5A838F994}" type="datetimeFigureOut">
               <a:rPr lang="pt-BR" smtClean="0"/>
-              <a:t>21/09/20</a:t>
+              <a:t>22/09/20</a:t>
             </a:fld>
             <a:endParaRPr lang="pt-BR"/>
           </a:p>
@@ -703,7 +706,7 @@
           <a:p>
             <a:fld id="{5D8AFB0F-FD72-4B7A-9B91-BDD5A838F994}" type="datetimeFigureOut">
               <a:rPr lang="pt-BR" smtClean="0"/>
-              <a:t>21/09/20</a:t>
+              <a:t>22/09/20</a:t>
             </a:fld>
             <a:endParaRPr lang="pt-BR"/>
           </a:p>
@@ -901,7 +904,7 @@
           <a:p>
             <a:fld id="{5D8AFB0F-FD72-4B7A-9B91-BDD5A838F994}" type="datetimeFigureOut">
               <a:rPr lang="pt-BR" smtClean="0"/>
-              <a:t>21/09/20</a:t>
+              <a:t>22/09/20</a:t>
             </a:fld>
             <a:endParaRPr lang="pt-BR"/>
           </a:p>
@@ -1176,7 +1179,7 @@
           <a:p>
             <a:fld id="{5D8AFB0F-FD72-4B7A-9B91-BDD5A838F994}" type="datetimeFigureOut">
               <a:rPr lang="pt-BR" smtClean="0"/>
-              <a:t>21/09/20</a:t>
+              <a:t>22/09/20</a:t>
             </a:fld>
             <a:endParaRPr lang="pt-BR"/>
           </a:p>
@@ -1441,7 +1444,7 @@
           <a:p>
             <a:fld id="{5D8AFB0F-FD72-4B7A-9B91-BDD5A838F994}" type="datetimeFigureOut">
               <a:rPr lang="pt-BR" smtClean="0"/>
-              <a:t>21/09/20</a:t>
+              <a:t>22/09/20</a:t>
             </a:fld>
             <a:endParaRPr lang="pt-BR"/>
           </a:p>
@@ -1853,7 +1856,7 @@
           <a:p>
             <a:fld id="{5D8AFB0F-FD72-4B7A-9B91-BDD5A838F994}" type="datetimeFigureOut">
               <a:rPr lang="pt-BR" smtClean="0"/>
-              <a:t>21/09/20</a:t>
+              <a:t>22/09/20</a:t>
             </a:fld>
             <a:endParaRPr lang="pt-BR"/>
           </a:p>
@@ -1994,7 +1997,7 @@
           <a:p>
             <a:fld id="{5D8AFB0F-FD72-4B7A-9B91-BDD5A838F994}" type="datetimeFigureOut">
               <a:rPr lang="pt-BR" smtClean="0"/>
-              <a:t>21/09/20</a:t>
+              <a:t>22/09/20</a:t>
             </a:fld>
             <a:endParaRPr lang="pt-BR"/>
           </a:p>
@@ -2107,7 +2110,7 @@
           <a:p>
             <a:fld id="{5D8AFB0F-FD72-4B7A-9B91-BDD5A838F994}" type="datetimeFigureOut">
               <a:rPr lang="pt-BR" smtClean="0"/>
-              <a:t>21/09/20</a:t>
+              <a:t>22/09/20</a:t>
             </a:fld>
             <a:endParaRPr lang="pt-BR"/>
           </a:p>
@@ -2418,7 +2421,7 @@
           <a:p>
             <a:fld id="{5D8AFB0F-FD72-4B7A-9B91-BDD5A838F994}" type="datetimeFigureOut">
               <a:rPr lang="pt-BR" smtClean="0"/>
-              <a:t>21/09/20</a:t>
+              <a:t>22/09/20</a:t>
             </a:fld>
             <a:endParaRPr lang="pt-BR"/>
           </a:p>
@@ -2706,7 +2709,7 @@
           <a:p>
             <a:fld id="{5D8AFB0F-FD72-4B7A-9B91-BDD5A838F994}" type="datetimeFigureOut">
               <a:rPr lang="pt-BR" smtClean="0"/>
-              <a:t>21/09/20</a:t>
+              <a:t>22/09/20</a:t>
             </a:fld>
             <a:endParaRPr lang="pt-BR"/>
           </a:p>
@@ -2947,7 +2950,7 @@
           <a:p>
             <a:fld id="{5D8AFB0F-FD72-4B7A-9B91-BDD5A838F994}" type="datetimeFigureOut">
               <a:rPr lang="pt-BR" smtClean="0"/>
-              <a:t>21/09/20</a:t>
+              <a:t>22/09/20</a:t>
             </a:fld>
             <a:endParaRPr lang="pt-BR"/>
           </a:p>
@@ -4623,12 +4626,51 @@
           <a:chExt cx="0" cy="0"/>
         </a:xfrm>
       </p:grpSpPr>
+      <p:cxnSp>
+        <p:nvCxnSpPr>
+          <p:cNvPr id="5" name="Conector reto 4">
+            <a:extLst>
+              <a:ext uri="{FF2B5EF4-FFF2-40B4-BE49-F238E27FC236}">
+                <a16:creationId xmlns:a16="http://schemas.microsoft.com/office/drawing/2014/main" id="{D90523EA-AF65-44BB-8210-EBEF2EABF735}"/>
+              </a:ext>
+            </a:extLst>
+          </p:cNvPr>
+          <p:cNvCxnSpPr>
+            <a:cxnSpLocks/>
+          </p:cNvCxnSpPr>
+          <p:nvPr/>
+        </p:nvCxnSpPr>
+        <p:spPr>
+          <a:xfrm>
+            <a:off x="6096000" y="330200"/>
+            <a:ext cx="0" cy="6134100"/>
+          </a:xfrm>
+          <a:prstGeom prst="line">
+            <a:avLst/>
+          </a:prstGeom>
+          <a:ln/>
+        </p:spPr>
+        <p:style>
+          <a:lnRef idx="3">
+            <a:schemeClr val="accent1"/>
+          </a:lnRef>
+          <a:fillRef idx="0">
+            <a:schemeClr val="accent1"/>
+          </a:fillRef>
+          <a:effectRef idx="2">
+            <a:schemeClr val="accent1"/>
+          </a:effectRef>
+          <a:fontRef idx="minor">
+            <a:schemeClr val="tx1"/>
+          </a:fontRef>
+        </p:style>
+      </p:cxnSp>
       <p:pic>
         <p:nvPicPr>
-          <p:cNvPr id="2" name="Imagem 1">
-            <a:extLst>
-              <a:ext uri="{FF2B5EF4-FFF2-40B4-BE49-F238E27FC236}">
-                <a16:creationId xmlns:a16="http://schemas.microsoft.com/office/drawing/2014/main" id="{17CC1BD6-D813-4835-AF95-799787762A17}"/>
+          <p:cNvPr id="8" name="Imagem 7">
+            <a:extLst>
+              <a:ext uri="{FF2B5EF4-FFF2-40B4-BE49-F238E27FC236}">
+                <a16:creationId xmlns:a16="http://schemas.microsoft.com/office/drawing/2014/main" id="{D90230C0-B25E-48E0-A50E-1492A0D25014}"/>
               </a:ext>
             </a:extLst>
           </p:cNvPr>
@@ -4645,8 +4687,8 @@
         </p:blipFill>
         <p:spPr>
           <a:xfrm>
-            <a:off x="642176" y="1778916"/>
-            <a:ext cx="3548824" cy="4177473"/>
+            <a:off x="53894" y="35169"/>
+            <a:ext cx="1035488" cy="1035488"/>
           </a:xfrm>
           <a:prstGeom prst="rect">
             <a:avLst/>
@@ -4655,10 +4697,10 @@
       </p:pic>
       <p:pic>
         <p:nvPicPr>
-          <p:cNvPr id="3" name="Imagem 2">
-            <a:extLst>
-              <a:ext uri="{FF2B5EF4-FFF2-40B4-BE49-F238E27FC236}">
-                <a16:creationId xmlns:a16="http://schemas.microsoft.com/office/drawing/2014/main" id="{0890E4AA-4730-4DD6-BECF-0678E65A1179}"/>
+          <p:cNvPr id="9" name="Imagem 8" descr="Tela de celular com texto preto sobre fundo branco&#10;&#10;Descrição gerada automaticamente">
+            <a:extLst>
+              <a:ext uri="{FF2B5EF4-FFF2-40B4-BE49-F238E27FC236}">
+                <a16:creationId xmlns:a16="http://schemas.microsoft.com/office/drawing/2014/main" id="{92EA93DF-9609-4623-BA66-B7E60CA13C82}"/>
               </a:ext>
             </a:extLst>
           </p:cNvPr>
@@ -4668,108 +4710,66 @@
           <p:nvPr/>
         </p:nvPicPr>
         <p:blipFill>
-          <a:blip r:embed="rId3"/>
+          <a:blip r:embed="rId3">
+            <a:extLst>
+              <a:ext uri="{28A0092B-C50C-407E-A947-70E740481C1C}">
+                <a14:useLocalDpi xmlns:a14="http://schemas.microsoft.com/office/drawing/2010/main" val="0"/>
+              </a:ext>
+            </a:extLst>
+          </a:blip>
           <a:stretch>
             <a:fillRect/>
           </a:stretch>
         </p:blipFill>
         <p:spPr>
           <a:xfrm>
-            <a:off x="6771191" y="1778916"/>
-            <a:ext cx="3548824" cy="4444321"/>
+            <a:off x="146617" y="1070657"/>
+            <a:ext cx="5850009" cy="5005678"/>
           </a:xfrm>
           <a:prstGeom prst="rect">
             <a:avLst/>
           </a:prstGeom>
         </p:spPr>
       </p:pic>
-      <p:sp>
-        <p:nvSpPr>
-          <p:cNvPr id="6" name="CaixaDeTexto 5">
-            <a:extLst>
-              <a:ext uri="{FF2B5EF4-FFF2-40B4-BE49-F238E27FC236}">
-                <a16:creationId xmlns:a16="http://schemas.microsoft.com/office/drawing/2014/main" id="{A06F92AB-409D-4B71-81F0-71D388E89025}"/>
-              </a:ext>
-            </a:extLst>
-          </p:cNvPr>
-          <p:cNvSpPr txBox="1"/>
+      <p:pic>
+        <p:nvPicPr>
+          <p:cNvPr id="10" name="Imagem 9" descr="Tela de computador com texto preto sobre fundo branco&#10;&#10;Descrição gerada automaticamente">
+            <a:extLst>
+              <a:ext uri="{FF2B5EF4-FFF2-40B4-BE49-F238E27FC236}">
+                <a16:creationId xmlns:a16="http://schemas.microsoft.com/office/drawing/2014/main" id="{5D4B0EC7-BD92-4084-B94F-0FC8F820C43E}"/>
+              </a:ext>
+            </a:extLst>
+          </p:cNvPr>
+          <p:cNvPicPr>
+            <a:picLocks noChangeAspect="1"/>
+          </p:cNvPicPr>
           <p:nvPr/>
-        </p:nvSpPr>
-        <p:spPr>
-          <a:xfrm>
-            <a:off x="642176" y="995958"/>
-            <a:ext cx="4875606" cy="338554"/>
+        </p:nvPicPr>
+        <p:blipFill rotWithShape="1">
+          <a:blip r:embed="rId4">
+            <a:extLst>
+              <a:ext uri="{28A0092B-C50C-407E-A947-70E740481C1C}">
+                <a14:useLocalDpi xmlns:a14="http://schemas.microsoft.com/office/drawing/2010/main" val="0"/>
+              </a:ext>
+            </a:extLst>
+          </a:blip>
+          <a:srcRect l="2957" r="6182" b="-1"/>
+          <a:stretch/>
+        </p:blipFill>
+        <p:spPr>
+          <a:xfrm>
+            <a:off x="6161942" y="1070657"/>
+            <a:ext cx="6030058" cy="4977480"/>
           </a:xfrm>
           <a:prstGeom prst="rect">
             <a:avLst/>
           </a:prstGeom>
-          <a:noFill/>
-        </p:spPr>
-        <p:txBody>
-          <a:bodyPr wrap="square" rtlCol="0">
-            <a:spAutoFit/>
-          </a:bodyPr>
-          <a:lstStyle>
-            <a:defPPr>
-              <a:defRPr lang="pt-BR"/>
-            </a:defPPr>
-            <a:lvl1pPr>
-              <a:defRPr sz="1600" b="1">
-                <a:latin typeface="Arial" panose="020B0604020202020204" pitchFamily="34" charset="0"/>
-                <a:cs typeface="Arial" panose="020B0604020202020204" pitchFamily="34" charset="0"/>
-              </a:defRPr>
-            </a:lvl1pPr>
-          </a:lstStyle>
-          <a:p>
-            <a:r>
-              <a:rPr lang="pt-BR" dirty="0"/>
-              <a:t>Criação do banco de dados e tabela tbClientes:</a:t>
-            </a:r>
-          </a:p>
-        </p:txBody>
-      </p:sp>
-      <p:sp>
-        <p:nvSpPr>
-          <p:cNvPr id="7" name="CaixaDeTexto 6">
-            <a:extLst>
-              <a:ext uri="{FF2B5EF4-FFF2-40B4-BE49-F238E27FC236}">
-                <a16:creationId xmlns:a16="http://schemas.microsoft.com/office/drawing/2014/main" id="{15DF4520-F06C-4C7B-89CE-71C48BC2EA7B}"/>
-              </a:ext>
-            </a:extLst>
-          </p:cNvPr>
-          <p:cNvSpPr txBox="1"/>
-          <p:nvPr/>
-        </p:nvSpPr>
-        <p:spPr>
-          <a:xfrm>
-            <a:off x="6674219" y="995958"/>
-            <a:ext cx="4579620" cy="338554"/>
-          </a:xfrm>
-          <a:prstGeom prst="rect">
-            <a:avLst/>
-          </a:prstGeom>
-          <a:noFill/>
-        </p:spPr>
-        <p:txBody>
-          <a:bodyPr wrap="square" rtlCol="0">
-            <a:spAutoFit/>
-          </a:bodyPr>
-          <a:lstStyle/>
-          <a:p>
-            <a:r>
-              <a:rPr lang="pt-BR" sz="1600" b="1" dirty="0">
-                <a:latin typeface="Arial" panose="020B0604020202020204" pitchFamily="34" charset="0"/>
-                <a:cs typeface="Arial" panose="020B0604020202020204" pitchFamily="34" charset="0"/>
-              </a:rPr>
-              <a:t>Criação das tabelas tbRua e tbSensores:</a:t>
-            </a:r>
-          </a:p>
-        </p:txBody>
-      </p:sp>
+        </p:spPr>
+      </p:pic>
     </p:spTree>
     <p:extLst>
       <p:ext uri="{BB962C8B-B14F-4D97-AF65-F5344CB8AC3E}">
-        <p14:creationId xmlns:p14="http://schemas.microsoft.com/office/powerpoint/2010/main" val="1605510380"/>
+        <p14:creationId xmlns:p14="http://schemas.microsoft.com/office/powerpoint/2010/main" val="1307777368"/>
       </p:ext>
     </p:extLst>
   </p:cSld>
@@ -4796,190 +4796,148 @@
           <a:chExt cx="0" cy="0"/>
         </a:xfrm>
       </p:grpSpPr>
+      <p:sp>
+        <p:nvSpPr>
+          <p:cNvPr id="2" name="Título 1">
+            <a:extLst>
+              <a:ext uri="{FF2B5EF4-FFF2-40B4-BE49-F238E27FC236}">
+                <a16:creationId xmlns:a16="http://schemas.microsoft.com/office/drawing/2014/main" id="{76E79846-F68F-4F1C-8EFB-49E16F0987D8}"/>
+              </a:ext>
+            </a:extLst>
+          </p:cNvPr>
+          <p:cNvSpPr>
+            <a:spLocks noGrp="1"/>
+          </p:cNvSpPr>
+          <p:nvPr>
+            <p:ph type="title"/>
+          </p:nvPr>
+        </p:nvSpPr>
+        <p:spPr/>
+        <p:txBody>
+          <a:bodyPr vert="horz" lIns="91440" tIns="45720" rIns="91440" bIns="45720" rtlCol="0" anchor="ctr">
+            <a:normAutofit/>
+          </a:bodyPr>
+          <a:lstStyle/>
+          <a:p>
+            <a:pPr algn="ctr"/>
+            <a:r>
+              <a:rPr lang="pt-BR" sz="3700" dirty="0">
+                <a:latin typeface="Arial" panose="020B0604020202020204" pitchFamily="34" charset="0"/>
+                <a:cs typeface="Arial" panose="020B0604020202020204" pitchFamily="34" charset="0"/>
+              </a:rPr>
+              <a:t>Simulador Financeiro</a:t>
+            </a:r>
+          </a:p>
+        </p:txBody>
+      </p:sp>
+      <p:sp>
+        <p:nvSpPr>
+          <p:cNvPr id="3" name="CaixaDeTexto 2">
+            <a:extLst>
+              <a:ext uri="{FF2B5EF4-FFF2-40B4-BE49-F238E27FC236}">
+                <a16:creationId xmlns:a16="http://schemas.microsoft.com/office/drawing/2014/main" id="{87A51DD7-9150-47FA-8BCE-ED3D5E6ABDBD}"/>
+              </a:ext>
+            </a:extLst>
+          </p:cNvPr>
+          <p:cNvSpPr txBox="1"/>
+          <p:nvPr/>
+        </p:nvSpPr>
+        <p:spPr>
+          <a:xfrm>
+            <a:off x="3625949" y="3103600"/>
+            <a:ext cx="6695768" cy="369332"/>
+          </a:xfrm>
+          <a:prstGeom prst="rect">
+            <a:avLst/>
+          </a:prstGeom>
+          <a:noFill/>
+        </p:spPr>
+        <p:txBody>
+          <a:bodyPr wrap="square" rtlCol="0">
+            <a:spAutoFit/>
+          </a:bodyPr>
+          <a:lstStyle/>
+          <a:p>
+            <a:r>
+              <a:rPr lang="pt-BR" dirty="0">
+                <a:effectLst>
+                  <a:outerShdw blurRad="38100" dist="38100" dir="2700000" algn="tl">
+                    <a:srgbClr val="000000">
+                      <a:alpha val="43137"/>
+                    </a:srgbClr>
+                  </a:outerShdw>
+                </a:effectLst>
+                <a:latin typeface="Arial" panose="020B0604020202020204" pitchFamily="34" charset="0"/>
+                <a:cs typeface="Arial" panose="020B0604020202020204" pitchFamily="34" charset="0"/>
+              </a:rPr>
+              <a:t>Simulador Financeiro: </a:t>
+            </a:r>
+            <a:r>
+              <a:rPr lang="pt-BR" dirty="0">
+                <a:latin typeface="Arial" panose="020B0604020202020204" pitchFamily="34" charset="0"/>
+                <a:cs typeface="Arial" panose="020B0604020202020204" pitchFamily="34" charset="0"/>
+                <a:hlinkClick r:id="rId2"/>
+              </a:rPr>
+              <a:t>https://simuladorfinanceiro.netlify.app/</a:t>
+            </a:r>
+            <a:endParaRPr lang="pt-BR" dirty="0">
+              <a:latin typeface="Arial" panose="020B0604020202020204" pitchFamily="34" charset="0"/>
+              <a:cs typeface="Arial" panose="020B0604020202020204" pitchFamily="34" charset="0"/>
+            </a:endParaRPr>
+          </a:p>
+        </p:txBody>
+      </p:sp>
       <p:pic>
         <p:nvPicPr>
-          <p:cNvPr id="2" name="Imagem 1">
-            <a:extLst>
-              <a:ext uri="{FF2B5EF4-FFF2-40B4-BE49-F238E27FC236}">
-                <a16:creationId xmlns:a16="http://schemas.microsoft.com/office/drawing/2014/main" id="{C19F7BEF-21A4-4EBE-ADD4-B61FF1C86AE9}"/>
+          <p:cNvPr id="7" name="Picture 2" descr="Sistema de Financeiro | Sistema de Gestão | BlueFocus Software">
+            <a:extLst>
+              <a:ext uri="{FF2B5EF4-FFF2-40B4-BE49-F238E27FC236}">
+                <a16:creationId xmlns:a16="http://schemas.microsoft.com/office/drawing/2014/main" id="{1F6B3A44-3D0A-47A6-B0F4-9BFD06D881BB}"/>
               </a:ext>
             </a:extLst>
           </p:cNvPr>
           <p:cNvPicPr>
-            <a:picLocks noChangeAspect="1"/>
+            <a:picLocks noChangeAspect="1" noChangeArrowheads="1"/>
           </p:cNvPicPr>
           <p:nvPr/>
         </p:nvPicPr>
         <p:blipFill>
-          <a:blip r:embed="rId2"/>
+          <a:blip r:embed="rId3">
+            <a:extLst>
+              <a:ext uri="{28A0092B-C50C-407E-A947-70E740481C1C}">
+                <a14:useLocalDpi xmlns:a14="http://schemas.microsoft.com/office/drawing/2010/main" val="0"/>
+              </a:ext>
+            </a:extLst>
+          </a:blip>
+          <a:srcRect/>
           <a:stretch>
             <a:fillRect/>
           </a:stretch>
         </p:blipFill>
-        <p:spPr>
-          <a:xfrm>
-            <a:off x="398336" y="865966"/>
-            <a:ext cx="8085521" cy="1577477"/>
-          </a:xfrm>
-          <a:prstGeom prst="rect">
-            <a:avLst/>
-          </a:prstGeom>
-        </p:spPr>
-      </p:pic>
-      <p:pic>
-        <p:nvPicPr>
-          <p:cNvPr id="3" name="Imagem 2">
-            <a:extLst>
-              <a:ext uri="{FF2B5EF4-FFF2-40B4-BE49-F238E27FC236}">
-                <a16:creationId xmlns:a16="http://schemas.microsoft.com/office/drawing/2014/main" id="{58C1A49D-2DB9-43C7-B0F5-F68E4A3D03E8}"/>
-              </a:ext>
-            </a:extLst>
-          </p:cNvPr>
-          <p:cNvPicPr>
-            <a:picLocks noChangeAspect="1"/>
-          </p:cNvPicPr>
-          <p:nvPr/>
-        </p:nvPicPr>
-        <p:blipFill>
-          <a:blip r:embed="rId3"/>
-          <a:stretch>
-            <a:fillRect/>
-          </a:stretch>
-        </p:blipFill>
-        <p:spPr>
-          <a:xfrm>
-            <a:off x="8446279" y="946508"/>
-            <a:ext cx="3482642" cy="1341236"/>
-          </a:xfrm>
-          <a:prstGeom prst="rect">
-            <a:avLst/>
-          </a:prstGeom>
-        </p:spPr>
-      </p:pic>
-      <p:pic>
-        <p:nvPicPr>
-          <p:cNvPr id="4" name="Imagem 3">
-            <a:extLst>
-              <a:ext uri="{FF2B5EF4-FFF2-40B4-BE49-F238E27FC236}">
-                <a16:creationId xmlns:a16="http://schemas.microsoft.com/office/drawing/2014/main" id="{C7C04DB2-C0B7-468D-85EC-B66F2571B0F7}"/>
-              </a:ext>
-            </a:extLst>
-          </p:cNvPr>
-          <p:cNvPicPr>
-            <a:picLocks noChangeAspect="1"/>
-          </p:cNvPicPr>
-          <p:nvPr/>
-        </p:nvPicPr>
-        <p:blipFill>
-          <a:blip r:embed="rId4"/>
-          <a:stretch>
-            <a:fillRect/>
-          </a:stretch>
-        </p:blipFill>
-        <p:spPr>
-          <a:xfrm>
-            <a:off x="3810592" y="3103126"/>
-            <a:ext cx="4673265" cy="3715985"/>
-          </a:xfrm>
-          <a:prstGeom prst="rect">
-            <a:avLst/>
-          </a:prstGeom>
-        </p:spPr>
-      </p:pic>
-      <p:sp>
-        <p:nvSpPr>
-          <p:cNvPr id="5" name="CaixaDeTexto 4">
-            <a:extLst>
-              <a:ext uri="{FF2B5EF4-FFF2-40B4-BE49-F238E27FC236}">
-                <a16:creationId xmlns:a16="http://schemas.microsoft.com/office/drawing/2014/main" id="{D05F348A-5DC1-4D17-AC3B-97B6FC677767}"/>
-              </a:ext>
-            </a:extLst>
-          </p:cNvPr>
-          <p:cNvSpPr txBox="1"/>
-          <p:nvPr/>
-        </p:nvSpPr>
-        <p:spPr>
-          <a:xfrm>
-            <a:off x="4091940" y="184666"/>
-            <a:ext cx="4008120" cy="369332"/>
+        <p:spPr bwMode="auto">
+          <a:xfrm>
+            <a:off x="838200" y="1683001"/>
+            <a:ext cx="2787749" cy="2787749"/>
           </a:xfrm>
           <a:prstGeom prst="rect">
             <a:avLst/>
           </a:prstGeom>
           <a:noFill/>
-        </p:spPr>
-        <p:txBody>
-          <a:bodyPr wrap="square" rtlCol="0">
-            <a:spAutoFit/>
-          </a:bodyPr>
-          <a:lstStyle>
-            <a:defPPr>
-              <a:defRPr lang="pt-BR"/>
-            </a:defPPr>
-            <a:lvl1pPr>
-              <a:defRPr sz="1600" b="1">
-                <a:latin typeface="Arial" panose="020B0604020202020204" pitchFamily="34" charset="0"/>
-                <a:cs typeface="Arial" panose="020B0604020202020204" pitchFamily="34" charset="0"/>
-              </a:defRPr>
-            </a:lvl1pPr>
-          </a:lstStyle>
-          <a:p>
-            <a:r>
-              <a:rPr lang="pt-BR" dirty="0"/>
-              <a:t>Inserção de dados na tabela Clientes:</a:t>
-            </a:r>
-          </a:p>
-        </p:txBody>
-      </p:sp>
-      <p:sp>
-        <p:nvSpPr>
-          <p:cNvPr id="6" name="CaixaDeTexto 5">
-            <a:extLst>
-              <a:ext uri="{FF2B5EF4-FFF2-40B4-BE49-F238E27FC236}">
-                <a16:creationId xmlns:a16="http://schemas.microsoft.com/office/drawing/2014/main" id="{897B9B6D-A61B-4497-825B-7A0E52DFBFE7}"/>
-              </a:ext>
-            </a:extLst>
-          </p:cNvPr>
-          <p:cNvSpPr txBox="1"/>
-          <p:nvPr/>
-        </p:nvSpPr>
-        <p:spPr>
-          <a:xfrm>
-            <a:off x="4091940" y="2588618"/>
-            <a:ext cx="4008120" cy="369332"/>
-          </a:xfrm>
-          <a:prstGeom prst="rect">
-            <a:avLst/>
-          </a:prstGeom>
-          <a:noFill/>
-        </p:spPr>
-        <p:txBody>
-          <a:bodyPr wrap="square" rtlCol="0">
-            <a:spAutoFit/>
-          </a:bodyPr>
-          <a:lstStyle>
-            <a:defPPr>
-              <a:defRPr lang="pt-BR"/>
-            </a:defPPr>
-            <a:lvl1pPr>
-              <a:defRPr sz="1600" b="1">
-                <a:latin typeface="Arial" panose="020B0604020202020204" pitchFamily="34" charset="0"/>
-                <a:cs typeface="Arial" panose="020B0604020202020204" pitchFamily="34" charset="0"/>
-              </a:defRPr>
-            </a:lvl1pPr>
-          </a:lstStyle>
-          <a:p>
-            <a:r>
-              <a:rPr lang="pt-BR" dirty="0"/>
-              <a:t>Inserção de dados na tabela Clientes:</a:t>
-            </a:r>
-          </a:p>
-        </p:txBody>
-      </p:sp>
+          <a:extLst>
+            <a:ext uri="{909E8E84-426E-40DD-AFC4-6F175D3DCCD1}">
+              <a14:hiddenFill xmlns:a14="http://schemas.microsoft.com/office/drawing/2010/main">
+                <a:solidFill>
+                  <a:srgbClr val="FFFFFF"/>
+                </a:solidFill>
+              </a14:hiddenFill>
+            </a:ext>
+          </a:extLst>
+        </p:spPr>
+      </p:pic>
     </p:spTree>
     <p:extLst>
       <p:ext uri="{BB962C8B-B14F-4D97-AF65-F5344CB8AC3E}">
-        <p14:creationId xmlns:p14="http://schemas.microsoft.com/office/powerpoint/2010/main" val="2411807073"/>
+        <p14:creationId xmlns:p14="http://schemas.microsoft.com/office/powerpoint/2010/main" val="882302102"/>
       </p:ext>
     </p:extLst>
   </p:cSld>
@@ -5011,7 +4969,7 @@
           <p:cNvPr id="2" name="Imagem 1">
             <a:extLst>
               <a:ext uri="{FF2B5EF4-FFF2-40B4-BE49-F238E27FC236}">
-                <a16:creationId xmlns:a16="http://schemas.microsoft.com/office/drawing/2014/main" id="{46447FED-6765-4E73-AE34-F23C7D378E29}"/>
+                <a16:creationId xmlns:a16="http://schemas.microsoft.com/office/drawing/2014/main" id="{17CC1BD6-D813-4835-AF95-799787762A17}"/>
               </a:ext>
             </a:extLst>
           </p:cNvPr>
@@ -5028,8 +4986,8 @@
         </p:blipFill>
         <p:spPr>
           <a:xfrm>
-            <a:off x="0" y="969616"/>
-            <a:ext cx="10046987" cy="1626927"/>
+            <a:off x="642176" y="1778916"/>
+            <a:ext cx="3548824" cy="4177473"/>
           </a:xfrm>
           <a:prstGeom prst="rect">
             <a:avLst/>
@@ -5041,7 +4999,7 @@
           <p:cNvPr id="3" name="Imagem 2">
             <a:extLst>
               <a:ext uri="{FF2B5EF4-FFF2-40B4-BE49-F238E27FC236}">
-                <a16:creationId xmlns:a16="http://schemas.microsoft.com/office/drawing/2014/main" id="{349DA353-C641-4866-875D-4AAB4915DB8A}"/>
+                <a16:creationId xmlns:a16="http://schemas.microsoft.com/office/drawing/2014/main" id="{0890E4AA-4730-4DD6-BECF-0678E65A1179}"/>
               </a:ext>
             </a:extLst>
           </p:cNvPr>
@@ -5058,80 +5016,20 @@
         </p:blipFill>
         <p:spPr>
           <a:xfrm>
-            <a:off x="10029735" y="969616"/>
-            <a:ext cx="1036198" cy="1609675"/>
+            <a:off x="6771191" y="1778916"/>
+            <a:ext cx="3548824" cy="4444321"/>
           </a:xfrm>
           <a:prstGeom prst="rect">
             <a:avLst/>
           </a:prstGeom>
         </p:spPr>
       </p:pic>
-      <p:pic>
-        <p:nvPicPr>
-          <p:cNvPr id="4" name="Imagem 3">
-            <a:extLst>
-              <a:ext uri="{FF2B5EF4-FFF2-40B4-BE49-F238E27FC236}">
-                <a16:creationId xmlns:a16="http://schemas.microsoft.com/office/drawing/2014/main" id="{E2D19421-69D7-4531-B451-85EF98AF7B04}"/>
-              </a:ext>
-            </a:extLst>
-          </p:cNvPr>
-          <p:cNvPicPr>
-            <a:picLocks noChangeAspect="1"/>
-          </p:cNvPicPr>
-          <p:nvPr/>
-        </p:nvPicPr>
-        <p:blipFill>
-          <a:blip r:embed="rId4"/>
-          <a:stretch>
-            <a:fillRect/>
-          </a:stretch>
-        </p:blipFill>
-        <p:spPr>
-          <a:xfrm>
-            <a:off x="457200" y="3853513"/>
-            <a:ext cx="4112506" cy="1986942"/>
-          </a:xfrm>
-          <a:prstGeom prst="rect">
-            <a:avLst/>
-          </a:prstGeom>
-        </p:spPr>
-      </p:pic>
-      <p:pic>
-        <p:nvPicPr>
-          <p:cNvPr id="5" name="Imagem 4">
-            <a:extLst>
-              <a:ext uri="{FF2B5EF4-FFF2-40B4-BE49-F238E27FC236}">
-                <a16:creationId xmlns:a16="http://schemas.microsoft.com/office/drawing/2014/main" id="{0F6E4D36-B9BA-49A8-BAB3-2E6471FF5591}"/>
-              </a:ext>
-            </a:extLst>
-          </p:cNvPr>
-          <p:cNvPicPr>
-            <a:picLocks noChangeAspect="1"/>
-          </p:cNvPicPr>
-          <p:nvPr/>
-        </p:nvPicPr>
-        <p:blipFill>
-          <a:blip r:embed="rId5"/>
-          <a:stretch>
-            <a:fillRect/>
-          </a:stretch>
-        </p:blipFill>
-        <p:spPr>
-          <a:xfrm>
-            <a:off x="6644275" y="3853513"/>
-            <a:ext cx="4942358" cy="1886887"/>
-          </a:xfrm>
-          <a:prstGeom prst="rect">
-            <a:avLst/>
-          </a:prstGeom>
-        </p:spPr>
-      </p:pic>
       <p:sp>
         <p:nvSpPr>
           <p:cNvPr id="6" name="CaixaDeTexto 5">
             <a:extLst>
               <a:ext uri="{FF2B5EF4-FFF2-40B4-BE49-F238E27FC236}">
-                <a16:creationId xmlns:a16="http://schemas.microsoft.com/office/drawing/2014/main" id="{ABD0B5B1-7BAF-419E-9C90-8C3DC283210A}"/>
+                <a16:creationId xmlns:a16="http://schemas.microsoft.com/office/drawing/2014/main" id="{A06F92AB-409D-4B71-81F0-71D388E89025}"/>
               </a:ext>
             </a:extLst>
           </p:cNvPr>
@@ -5140,8 +5038,8 @@
         </p:nvSpPr>
         <p:spPr>
           <a:xfrm>
-            <a:off x="3441700" y="185698"/>
-            <a:ext cx="4597400" cy="369332"/>
+            <a:off x="642176" y="995958"/>
+            <a:ext cx="4875606" cy="338554"/>
           </a:xfrm>
           <a:prstGeom prst="rect">
             <a:avLst/>
@@ -5166,7 +5064,7 @@
           <a:p>
             <a:r>
               <a:rPr lang="pt-BR" dirty="0"/>
-              <a:t>Buscando os dados da tabela tbClientes:</a:t>
+              <a:t>Criação do banco de dados e tabela tbClientes:</a:t>
             </a:r>
           </a:p>
         </p:txBody>
@@ -5176,7 +5074,7 @@
           <p:cNvPr id="7" name="CaixaDeTexto 6">
             <a:extLst>
               <a:ext uri="{FF2B5EF4-FFF2-40B4-BE49-F238E27FC236}">
-                <a16:creationId xmlns:a16="http://schemas.microsoft.com/office/drawing/2014/main" id="{2E11BFA2-0178-4AFE-8FF0-9F3D56EABE5B}"/>
+                <a16:creationId xmlns:a16="http://schemas.microsoft.com/office/drawing/2014/main" id="{15DF4520-F06C-4C7B-89CE-71C48BC2EA7B}"/>
               </a:ext>
             </a:extLst>
           </p:cNvPr>
@@ -5185,8 +5083,196 @@
         </p:nvSpPr>
         <p:spPr>
           <a:xfrm>
-            <a:off x="457200" y="3244334"/>
-            <a:ext cx="4597400" cy="369332"/>
+            <a:off x="6674219" y="995958"/>
+            <a:ext cx="4579620" cy="338554"/>
+          </a:xfrm>
+          <a:prstGeom prst="rect">
+            <a:avLst/>
+          </a:prstGeom>
+          <a:noFill/>
+        </p:spPr>
+        <p:txBody>
+          <a:bodyPr wrap="square" rtlCol="0">
+            <a:spAutoFit/>
+          </a:bodyPr>
+          <a:lstStyle/>
+          <a:p>
+            <a:r>
+              <a:rPr lang="pt-BR" sz="1600" b="1" dirty="0">
+                <a:latin typeface="Arial" panose="020B0604020202020204" pitchFamily="34" charset="0"/>
+                <a:cs typeface="Arial" panose="020B0604020202020204" pitchFamily="34" charset="0"/>
+              </a:rPr>
+              <a:t>Criação das tabelas tbRua e tbSensores:</a:t>
+            </a:r>
+          </a:p>
+        </p:txBody>
+      </p:sp>
+      <p:pic>
+        <p:nvPicPr>
+          <p:cNvPr id="8" name="Imagem 7">
+            <a:extLst>
+              <a:ext uri="{FF2B5EF4-FFF2-40B4-BE49-F238E27FC236}">
+                <a16:creationId xmlns:a16="http://schemas.microsoft.com/office/drawing/2014/main" id="{CF5325FA-8557-4D77-B0C8-4653C4AD0BA1}"/>
+              </a:ext>
+            </a:extLst>
+          </p:cNvPr>
+          <p:cNvPicPr>
+            <a:picLocks noChangeAspect="1"/>
+          </p:cNvPicPr>
+          <p:nvPr/>
+        </p:nvPicPr>
+        <p:blipFill>
+          <a:blip r:embed="rId4"/>
+          <a:stretch>
+            <a:fillRect/>
+          </a:stretch>
+        </p:blipFill>
+        <p:spPr>
+          <a:xfrm>
+            <a:off x="53894" y="35169"/>
+            <a:ext cx="1035488" cy="1035488"/>
+          </a:xfrm>
+          <a:prstGeom prst="rect">
+            <a:avLst/>
+          </a:prstGeom>
+        </p:spPr>
+      </p:pic>
+    </p:spTree>
+    <p:extLst>
+      <p:ext uri="{BB962C8B-B14F-4D97-AF65-F5344CB8AC3E}">
+        <p14:creationId xmlns:p14="http://schemas.microsoft.com/office/powerpoint/2010/main" val="1605510380"/>
+      </p:ext>
+    </p:extLst>
+  </p:cSld>
+  <p:clrMapOvr>
+    <a:masterClrMapping/>
+  </p:clrMapOvr>
+</p:sld>
+</file>
+
+<file path=ppt/slides/slide13.xml><?xml version="1.0" encoding="utf-8"?>
+<p:sld xmlns:a="http://schemas.openxmlformats.org/drawingml/2006/main" xmlns:r="http://schemas.openxmlformats.org/officeDocument/2006/relationships" xmlns:p="http://schemas.openxmlformats.org/presentationml/2006/main">
+  <p:cSld>
+    <p:spTree>
+      <p:nvGrpSpPr>
+        <p:cNvPr id="1" name=""/>
+        <p:cNvGrpSpPr/>
+        <p:nvPr/>
+      </p:nvGrpSpPr>
+      <p:grpSpPr>
+        <a:xfrm>
+          <a:off x="0" y="0"/>
+          <a:ext cx="0" cy="0"/>
+          <a:chOff x="0" y="0"/>
+          <a:chExt cx="0" cy="0"/>
+        </a:xfrm>
+      </p:grpSpPr>
+      <p:pic>
+        <p:nvPicPr>
+          <p:cNvPr id="2" name="Imagem 1">
+            <a:extLst>
+              <a:ext uri="{FF2B5EF4-FFF2-40B4-BE49-F238E27FC236}">
+                <a16:creationId xmlns:a16="http://schemas.microsoft.com/office/drawing/2014/main" id="{C19F7BEF-21A4-4EBE-ADD4-B61FF1C86AE9}"/>
+              </a:ext>
+            </a:extLst>
+          </p:cNvPr>
+          <p:cNvPicPr>
+            <a:picLocks noChangeAspect="1"/>
+          </p:cNvPicPr>
+          <p:nvPr/>
+        </p:nvPicPr>
+        <p:blipFill>
+          <a:blip r:embed="rId2"/>
+          <a:stretch>
+            <a:fillRect/>
+          </a:stretch>
+        </p:blipFill>
+        <p:spPr>
+          <a:xfrm>
+            <a:off x="398336" y="865966"/>
+            <a:ext cx="8085521" cy="1577477"/>
+          </a:xfrm>
+          <a:prstGeom prst="rect">
+            <a:avLst/>
+          </a:prstGeom>
+        </p:spPr>
+      </p:pic>
+      <p:pic>
+        <p:nvPicPr>
+          <p:cNvPr id="3" name="Imagem 2">
+            <a:extLst>
+              <a:ext uri="{FF2B5EF4-FFF2-40B4-BE49-F238E27FC236}">
+                <a16:creationId xmlns:a16="http://schemas.microsoft.com/office/drawing/2014/main" id="{58C1A49D-2DB9-43C7-B0F5-F68E4A3D03E8}"/>
+              </a:ext>
+            </a:extLst>
+          </p:cNvPr>
+          <p:cNvPicPr>
+            <a:picLocks noChangeAspect="1"/>
+          </p:cNvPicPr>
+          <p:nvPr/>
+        </p:nvPicPr>
+        <p:blipFill>
+          <a:blip r:embed="rId3"/>
+          <a:stretch>
+            <a:fillRect/>
+          </a:stretch>
+        </p:blipFill>
+        <p:spPr>
+          <a:xfrm>
+            <a:off x="8446279" y="946508"/>
+            <a:ext cx="3482642" cy="1341236"/>
+          </a:xfrm>
+          <a:prstGeom prst="rect">
+            <a:avLst/>
+          </a:prstGeom>
+        </p:spPr>
+      </p:pic>
+      <p:pic>
+        <p:nvPicPr>
+          <p:cNvPr id="4" name="Imagem 3">
+            <a:extLst>
+              <a:ext uri="{FF2B5EF4-FFF2-40B4-BE49-F238E27FC236}">
+                <a16:creationId xmlns:a16="http://schemas.microsoft.com/office/drawing/2014/main" id="{C7C04DB2-C0B7-468D-85EC-B66F2571B0F7}"/>
+              </a:ext>
+            </a:extLst>
+          </p:cNvPr>
+          <p:cNvPicPr>
+            <a:picLocks noChangeAspect="1"/>
+          </p:cNvPicPr>
+          <p:nvPr/>
+        </p:nvPicPr>
+        <p:blipFill>
+          <a:blip r:embed="rId4"/>
+          <a:stretch>
+            <a:fillRect/>
+          </a:stretch>
+        </p:blipFill>
+        <p:spPr>
+          <a:xfrm>
+            <a:off x="3810592" y="3103126"/>
+            <a:ext cx="4673265" cy="3715985"/>
+          </a:xfrm>
+          <a:prstGeom prst="rect">
+            <a:avLst/>
+          </a:prstGeom>
+        </p:spPr>
+      </p:pic>
+      <p:sp>
+        <p:nvSpPr>
+          <p:cNvPr id="5" name="CaixaDeTexto 4">
+            <a:extLst>
+              <a:ext uri="{FF2B5EF4-FFF2-40B4-BE49-F238E27FC236}">
+                <a16:creationId xmlns:a16="http://schemas.microsoft.com/office/drawing/2014/main" id="{D05F348A-5DC1-4D17-AC3B-97B6FC677767}"/>
+              </a:ext>
+            </a:extLst>
+          </p:cNvPr>
+          <p:cNvSpPr txBox="1"/>
+          <p:nvPr/>
+        </p:nvSpPr>
+        <p:spPr>
+          <a:xfrm>
+            <a:off x="4091940" y="184666"/>
+            <a:ext cx="4008120" cy="369332"/>
           </a:xfrm>
           <a:prstGeom prst="rect">
             <a:avLst/>
@@ -5211,17 +5297,17 @@
           <a:p>
             <a:r>
               <a:rPr lang="pt-BR" dirty="0"/>
-              <a:t>Buscando os dados da tabela tbRua:</a:t>
-            </a:r>
-          </a:p>
-        </p:txBody>
-      </p:sp>
-      <p:sp>
-        <p:nvSpPr>
-          <p:cNvPr id="8" name="CaixaDeTexto 7">
-            <a:extLst>
-              <a:ext uri="{FF2B5EF4-FFF2-40B4-BE49-F238E27FC236}">
-                <a16:creationId xmlns:a16="http://schemas.microsoft.com/office/drawing/2014/main" id="{90C7EB6A-7384-419D-8FBE-AB3D2D267A80}"/>
+              <a:t>Inserção de dados na tabela Clientes:</a:t>
+            </a:r>
+          </a:p>
+        </p:txBody>
+      </p:sp>
+      <p:sp>
+        <p:nvSpPr>
+          <p:cNvPr id="6" name="CaixaDeTexto 5">
+            <a:extLst>
+              <a:ext uri="{FF2B5EF4-FFF2-40B4-BE49-F238E27FC236}">
+                <a16:creationId xmlns:a16="http://schemas.microsoft.com/office/drawing/2014/main" id="{897B9B6D-A61B-4497-825B-7A0E52DFBFE7}"/>
               </a:ext>
             </a:extLst>
           </p:cNvPr>
@@ -5230,8 +5316,8 @@
         </p:nvSpPr>
         <p:spPr>
           <a:xfrm>
-            <a:off x="7137400" y="3244334"/>
-            <a:ext cx="4597400" cy="369332"/>
+            <a:off x="4091940" y="2588618"/>
+            <a:ext cx="4008120" cy="369332"/>
           </a:xfrm>
           <a:prstGeom prst="rect">
             <a:avLst/>
@@ -5256,11 +5342,356 @@
           <a:p>
             <a:r>
               <a:rPr lang="pt-BR" dirty="0"/>
+              <a:t>Inserção de dados na tabela Clientes:</a:t>
+            </a:r>
+          </a:p>
+        </p:txBody>
+      </p:sp>
+      <p:pic>
+        <p:nvPicPr>
+          <p:cNvPr id="7" name="Imagem 6">
+            <a:extLst>
+              <a:ext uri="{FF2B5EF4-FFF2-40B4-BE49-F238E27FC236}">
+                <a16:creationId xmlns:a16="http://schemas.microsoft.com/office/drawing/2014/main" id="{590574D9-EC53-4982-9565-D07A775EBA14}"/>
+              </a:ext>
+            </a:extLst>
+          </p:cNvPr>
+          <p:cNvPicPr>
+            <a:picLocks noChangeAspect="1"/>
+          </p:cNvPicPr>
+          <p:nvPr/>
+        </p:nvPicPr>
+        <p:blipFill>
+          <a:blip r:embed="rId5"/>
+          <a:stretch>
+            <a:fillRect/>
+          </a:stretch>
+        </p:blipFill>
+        <p:spPr>
+          <a:xfrm>
+            <a:off x="53894" y="35169"/>
+            <a:ext cx="1035488" cy="1035488"/>
+          </a:xfrm>
+          <a:prstGeom prst="rect">
+            <a:avLst/>
+          </a:prstGeom>
+        </p:spPr>
+      </p:pic>
+    </p:spTree>
+    <p:extLst>
+      <p:ext uri="{BB962C8B-B14F-4D97-AF65-F5344CB8AC3E}">
+        <p14:creationId xmlns:p14="http://schemas.microsoft.com/office/powerpoint/2010/main" val="2411807073"/>
+      </p:ext>
+    </p:extLst>
+  </p:cSld>
+  <p:clrMapOvr>
+    <a:masterClrMapping/>
+  </p:clrMapOvr>
+</p:sld>
+</file>
+
+<file path=ppt/slides/slide14.xml><?xml version="1.0" encoding="utf-8"?>
+<p:sld xmlns:a="http://schemas.openxmlformats.org/drawingml/2006/main" xmlns:r="http://schemas.openxmlformats.org/officeDocument/2006/relationships" xmlns:p="http://schemas.openxmlformats.org/presentationml/2006/main">
+  <p:cSld>
+    <p:spTree>
+      <p:nvGrpSpPr>
+        <p:cNvPr id="1" name=""/>
+        <p:cNvGrpSpPr/>
+        <p:nvPr/>
+      </p:nvGrpSpPr>
+      <p:grpSpPr>
+        <a:xfrm>
+          <a:off x="0" y="0"/>
+          <a:ext cx="0" cy="0"/>
+          <a:chOff x="0" y="0"/>
+          <a:chExt cx="0" cy="0"/>
+        </a:xfrm>
+      </p:grpSpPr>
+      <p:pic>
+        <p:nvPicPr>
+          <p:cNvPr id="2" name="Imagem 1">
+            <a:extLst>
+              <a:ext uri="{FF2B5EF4-FFF2-40B4-BE49-F238E27FC236}">
+                <a16:creationId xmlns:a16="http://schemas.microsoft.com/office/drawing/2014/main" id="{46447FED-6765-4E73-AE34-F23C7D378E29}"/>
+              </a:ext>
+            </a:extLst>
+          </p:cNvPr>
+          <p:cNvPicPr>
+            <a:picLocks noChangeAspect="1"/>
+          </p:cNvPicPr>
+          <p:nvPr/>
+        </p:nvPicPr>
+        <p:blipFill>
+          <a:blip r:embed="rId2"/>
+          <a:stretch>
+            <a:fillRect/>
+          </a:stretch>
+        </p:blipFill>
+        <p:spPr>
+          <a:xfrm>
+            <a:off x="0" y="969616"/>
+            <a:ext cx="10046987" cy="1626927"/>
+          </a:xfrm>
+          <a:prstGeom prst="rect">
+            <a:avLst/>
+          </a:prstGeom>
+        </p:spPr>
+      </p:pic>
+      <p:pic>
+        <p:nvPicPr>
+          <p:cNvPr id="3" name="Imagem 2">
+            <a:extLst>
+              <a:ext uri="{FF2B5EF4-FFF2-40B4-BE49-F238E27FC236}">
+                <a16:creationId xmlns:a16="http://schemas.microsoft.com/office/drawing/2014/main" id="{349DA353-C641-4866-875D-4AAB4915DB8A}"/>
+              </a:ext>
+            </a:extLst>
+          </p:cNvPr>
+          <p:cNvPicPr>
+            <a:picLocks noChangeAspect="1"/>
+          </p:cNvPicPr>
+          <p:nvPr/>
+        </p:nvPicPr>
+        <p:blipFill>
+          <a:blip r:embed="rId3"/>
+          <a:stretch>
+            <a:fillRect/>
+          </a:stretch>
+        </p:blipFill>
+        <p:spPr>
+          <a:xfrm>
+            <a:off x="10029735" y="969616"/>
+            <a:ext cx="1036198" cy="1609675"/>
+          </a:xfrm>
+          <a:prstGeom prst="rect">
+            <a:avLst/>
+          </a:prstGeom>
+        </p:spPr>
+      </p:pic>
+      <p:pic>
+        <p:nvPicPr>
+          <p:cNvPr id="4" name="Imagem 3">
+            <a:extLst>
+              <a:ext uri="{FF2B5EF4-FFF2-40B4-BE49-F238E27FC236}">
+                <a16:creationId xmlns:a16="http://schemas.microsoft.com/office/drawing/2014/main" id="{E2D19421-69D7-4531-B451-85EF98AF7B04}"/>
+              </a:ext>
+            </a:extLst>
+          </p:cNvPr>
+          <p:cNvPicPr>
+            <a:picLocks noChangeAspect="1"/>
+          </p:cNvPicPr>
+          <p:nvPr/>
+        </p:nvPicPr>
+        <p:blipFill>
+          <a:blip r:embed="rId4"/>
+          <a:stretch>
+            <a:fillRect/>
+          </a:stretch>
+        </p:blipFill>
+        <p:spPr>
+          <a:xfrm>
+            <a:off x="457200" y="3853513"/>
+            <a:ext cx="4112506" cy="1986942"/>
+          </a:xfrm>
+          <a:prstGeom prst="rect">
+            <a:avLst/>
+          </a:prstGeom>
+        </p:spPr>
+      </p:pic>
+      <p:sp>
+        <p:nvSpPr>
+          <p:cNvPr id="6" name="CaixaDeTexto 5">
+            <a:extLst>
+              <a:ext uri="{FF2B5EF4-FFF2-40B4-BE49-F238E27FC236}">
+                <a16:creationId xmlns:a16="http://schemas.microsoft.com/office/drawing/2014/main" id="{ABD0B5B1-7BAF-419E-9C90-8C3DC283210A}"/>
+              </a:ext>
+            </a:extLst>
+          </p:cNvPr>
+          <p:cNvSpPr txBox="1"/>
+          <p:nvPr/>
+        </p:nvSpPr>
+        <p:spPr>
+          <a:xfrm>
+            <a:off x="3441700" y="185698"/>
+            <a:ext cx="4597400" cy="369332"/>
+          </a:xfrm>
+          <a:prstGeom prst="rect">
+            <a:avLst/>
+          </a:prstGeom>
+          <a:noFill/>
+        </p:spPr>
+        <p:txBody>
+          <a:bodyPr wrap="square" rtlCol="0">
+            <a:spAutoFit/>
+          </a:bodyPr>
+          <a:lstStyle>
+            <a:defPPr>
+              <a:defRPr lang="pt-BR"/>
+            </a:defPPr>
+            <a:lvl1pPr>
+              <a:defRPr sz="1600" b="1">
+                <a:latin typeface="Arial" panose="020B0604020202020204" pitchFamily="34" charset="0"/>
+                <a:cs typeface="Arial" panose="020B0604020202020204" pitchFamily="34" charset="0"/>
+              </a:defRPr>
+            </a:lvl1pPr>
+          </a:lstStyle>
+          <a:p>
+            <a:r>
+              <a:rPr lang="pt-BR" dirty="0"/>
+              <a:t>Buscando os dados da tabela tbClientes:</a:t>
+            </a:r>
+          </a:p>
+        </p:txBody>
+      </p:sp>
+      <p:sp>
+        <p:nvSpPr>
+          <p:cNvPr id="7" name="CaixaDeTexto 6">
+            <a:extLst>
+              <a:ext uri="{FF2B5EF4-FFF2-40B4-BE49-F238E27FC236}">
+                <a16:creationId xmlns:a16="http://schemas.microsoft.com/office/drawing/2014/main" id="{2E11BFA2-0178-4AFE-8FF0-9F3D56EABE5B}"/>
+              </a:ext>
+            </a:extLst>
+          </p:cNvPr>
+          <p:cNvSpPr txBox="1"/>
+          <p:nvPr/>
+        </p:nvSpPr>
+        <p:spPr>
+          <a:xfrm>
+            <a:off x="457200" y="3244334"/>
+            <a:ext cx="4597400" cy="369332"/>
+          </a:xfrm>
+          <a:prstGeom prst="rect">
+            <a:avLst/>
+          </a:prstGeom>
+          <a:noFill/>
+        </p:spPr>
+        <p:txBody>
+          <a:bodyPr wrap="square" rtlCol="0">
+            <a:spAutoFit/>
+          </a:bodyPr>
+          <a:lstStyle>
+            <a:defPPr>
+              <a:defRPr lang="pt-BR"/>
+            </a:defPPr>
+            <a:lvl1pPr>
+              <a:defRPr sz="1600" b="1">
+                <a:latin typeface="Arial" panose="020B0604020202020204" pitchFamily="34" charset="0"/>
+                <a:cs typeface="Arial" panose="020B0604020202020204" pitchFamily="34" charset="0"/>
+              </a:defRPr>
+            </a:lvl1pPr>
+          </a:lstStyle>
+          <a:p>
+            <a:r>
+              <a:rPr lang="pt-BR" dirty="0"/>
+              <a:t>Buscando os dados da tabela tbRua:</a:t>
+            </a:r>
+          </a:p>
+        </p:txBody>
+      </p:sp>
+      <p:sp>
+        <p:nvSpPr>
+          <p:cNvPr id="8" name="CaixaDeTexto 7">
+            <a:extLst>
+              <a:ext uri="{FF2B5EF4-FFF2-40B4-BE49-F238E27FC236}">
+                <a16:creationId xmlns:a16="http://schemas.microsoft.com/office/drawing/2014/main" id="{90C7EB6A-7384-419D-8FBE-AB3D2D267A80}"/>
+              </a:ext>
+            </a:extLst>
+          </p:cNvPr>
+          <p:cNvSpPr txBox="1"/>
+          <p:nvPr/>
+        </p:nvSpPr>
+        <p:spPr>
+          <a:xfrm>
+            <a:off x="7137400" y="3244334"/>
+            <a:ext cx="4597400" cy="369332"/>
+          </a:xfrm>
+          <a:prstGeom prst="rect">
+            <a:avLst/>
+          </a:prstGeom>
+          <a:noFill/>
+        </p:spPr>
+        <p:txBody>
+          <a:bodyPr wrap="square" rtlCol="0">
+            <a:spAutoFit/>
+          </a:bodyPr>
+          <a:lstStyle>
+            <a:defPPr>
+              <a:defRPr lang="pt-BR"/>
+            </a:defPPr>
+            <a:lvl1pPr>
+              <a:defRPr sz="1600" b="1">
+                <a:latin typeface="Arial" panose="020B0604020202020204" pitchFamily="34" charset="0"/>
+                <a:cs typeface="Arial" panose="020B0604020202020204" pitchFamily="34" charset="0"/>
+              </a:defRPr>
+            </a:lvl1pPr>
+          </a:lstStyle>
+          <a:p>
+            <a:r>
+              <a:rPr lang="pt-BR" dirty="0"/>
               <a:t>Buscando os dados da tabela tbSensores:</a:t>
             </a:r>
           </a:p>
         </p:txBody>
       </p:sp>
+      <p:pic>
+        <p:nvPicPr>
+          <p:cNvPr id="9" name="Imagem 8">
+            <a:extLst>
+              <a:ext uri="{FF2B5EF4-FFF2-40B4-BE49-F238E27FC236}">
+                <a16:creationId xmlns:a16="http://schemas.microsoft.com/office/drawing/2014/main" id="{5844951E-9229-41A9-960B-45E58B2A2053}"/>
+              </a:ext>
+            </a:extLst>
+          </p:cNvPr>
+          <p:cNvPicPr>
+            <a:picLocks noChangeAspect="1"/>
+          </p:cNvPicPr>
+          <p:nvPr/>
+        </p:nvPicPr>
+        <p:blipFill>
+          <a:blip r:embed="rId5"/>
+          <a:stretch>
+            <a:fillRect/>
+          </a:stretch>
+        </p:blipFill>
+        <p:spPr>
+          <a:xfrm>
+            <a:off x="53894" y="35169"/>
+            <a:ext cx="1035488" cy="934447"/>
+          </a:xfrm>
+          <a:prstGeom prst="rect">
+            <a:avLst/>
+          </a:prstGeom>
+        </p:spPr>
+      </p:pic>
+      <p:pic>
+        <p:nvPicPr>
+          <p:cNvPr id="10" name="Imagem 9">
+            <a:extLst>
+              <a:ext uri="{FF2B5EF4-FFF2-40B4-BE49-F238E27FC236}">
+                <a16:creationId xmlns:a16="http://schemas.microsoft.com/office/drawing/2014/main" id="{0AA5E581-82DA-4C80-95EE-CA868C15F7D5}"/>
+              </a:ext>
+            </a:extLst>
+          </p:cNvPr>
+          <p:cNvPicPr>
+            <a:picLocks noChangeAspect="1"/>
+          </p:cNvPicPr>
+          <p:nvPr/>
+        </p:nvPicPr>
+        <p:blipFill>
+          <a:blip r:embed="rId6"/>
+          <a:stretch>
+            <a:fillRect/>
+          </a:stretch>
+        </p:blipFill>
+        <p:spPr>
+          <a:xfrm>
+            <a:off x="6533034" y="3853514"/>
+            <a:ext cx="5201766" cy="1986941"/>
+          </a:xfrm>
+          <a:prstGeom prst="rect">
+            <a:avLst/>
+          </a:prstGeom>
+        </p:spPr>
+      </p:pic>
     </p:spTree>
     <p:extLst>
       <p:ext uri="{BB962C8B-B14F-4D97-AF65-F5344CB8AC3E}">
@@ -5274,7 +5705,7 @@
 </p:sld>
 </file>
 
-<file path=ppt/slides/slide13.xml><?xml version="1.0" encoding="utf-8"?>
+<file path=ppt/slides/slide15.xml><?xml version="1.0" encoding="utf-8"?>
 <p:sld xmlns:a="http://schemas.openxmlformats.org/drawingml/2006/main" xmlns:r="http://schemas.openxmlformats.org/officeDocument/2006/relationships" xmlns:p="http://schemas.openxmlformats.org/presentationml/2006/main">
   <p:cSld>
     <p:bg>
@@ -5644,6 +6075,498 @@
     <p:extLst>
       <p:ext uri="{BB962C8B-B14F-4D97-AF65-F5344CB8AC3E}">
         <p14:creationId xmlns:p14="http://schemas.microsoft.com/office/powerpoint/2010/main" val="3707752108"/>
+      </p:ext>
+    </p:extLst>
+  </p:cSld>
+  <p:clrMapOvr>
+    <a:masterClrMapping/>
+  </p:clrMapOvr>
+</p:sld>
+</file>
+
+<file path=ppt/slides/slide16.xml><?xml version="1.0" encoding="utf-8"?>
+<p:sld xmlns:a="http://schemas.openxmlformats.org/drawingml/2006/main" xmlns:r="http://schemas.openxmlformats.org/officeDocument/2006/relationships" xmlns:p="http://schemas.openxmlformats.org/presentationml/2006/main">
+  <p:cSld>
+    <p:bg>
+      <p:bgPr>
+        <a:solidFill>
+          <a:schemeClr val="bg1"/>
+        </a:solidFill>
+        <a:effectLst/>
+      </p:bgPr>
+    </p:bg>
+    <p:spTree>
+      <p:nvGrpSpPr>
+        <p:cNvPr id="1" name=""/>
+        <p:cNvGrpSpPr/>
+        <p:nvPr/>
+      </p:nvGrpSpPr>
+      <p:grpSpPr>
+        <a:xfrm>
+          <a:off x="0" y="0"/>
+          <a:ext cx="0" cy="0"/>
+          <a:chOff x="0" y="0"/>
+          <a:chExt cx="0" cy="0"/>
+        </a:xfrm>
+      </p:grpSpPr>
+      <p:sp useBgFill="1">
+        <p:nvSpPr>
+          <p:cNvPr id="9" name="Rectangle 8">
+            <a:extLst>
+              <a:ext uri="{FF2B5EF4-FFF2-40B4-BE49-F238E27FC236}">
+                <a16:creationId xmlns:a16="http://schemas.microsoft.com/office/drawing/2014/main" id="{3B854194-185D-494D-905C-7C7CB2E30F6E}"/>
+              </a:ext>
+              <a:ext uri="{C183D7F6-B498-43B3-948B-1728B52AA6E4}">
+                <adec:decorative xmlns:adec="http://schemas.microsoft.com/office/drawing/2017/decorative" val="1"/>
+              </a:ext>
+            </a:extLst>
+          </p:cNvPr>
+          <p:cNvSpPr>
+            <a:spLocks noGrp="1" noRot="1" noChangeAspect="1" noMove="1" noResize="1" noEditPoints="1" noAdjustHandles="1" noChangeArrowheads="1" noChangeShapeType="1" noTextEdit="1"/>
+          </p:cNvSpPr>
+          <p:nvPr>
+            <p:extLst>
+              <p:ext uri="{386F3935-93C4-4BCD-93E2-E3B085C9AB24}">
+                <p16:designElem xmlns:p16="http://schemas.microsoft.com/office/powerpoint/2015/main" val="1"/>
+              </p:ext>
+            </p:extLst>
+          </p:nvPr>
+        </p:nvSpPr>
+        <p:spPr>
+          <a:xfrm>
+            <a:off x="1" y="0"/>
+            <a:ext cx="6082110" cy="6858000"/>
+          </a:xfrm>
+          <a:prstGeom prst="rect">
+            <a:avLst/>
+          </a:prstGeom>
+          <a:ln>
+            <a:noFill/>
+          </a:ln>
+        </p:spPr>
+        <p:style>
+          <a:lnRef idx="2">
+            <a:schemeClr val="accent1">
+              <a:shade val="50000"/>
+            </a:schemeClr>
+          </a:lnRef>
+          <a:fillRef idx="1">
+            <a:schemeClr val="accent1"/>
+          </a:fillRef>
+          <a:effectRef idx="0">
+            <a:schemeClr val="accent1"/>
+          </a:effectRef>
+          <a:fontRef idx="minor">
+            <a:schemeClr val="lt1"/>
+          </a:fontRef>
+        </p:style>
+        <p:txBody>
+          <a:bodyPr rtlCol="0" anchor="ctr"/>
+          <a:lstStyle/>
+          <a:p>
+            <a:pPr algn="ctr"/>
+            <a:endParaRPr lang="en-US"/>
+          </a:p>
+        </p:txBody>
+      </p:sp>
+      <p:sp>
+        <p:nvSpPr>
+          <p:cNvPr id="11" name="Rectangle 10">
+            <a:extLst>
+              <a:ext uri="{FF2B5EF4-FFF2-40B4-BE49-F238E27FC236}">
+                <a16:creationId xmlns:a16="http://schemas.microsoft.com/office/drawing/2014/main" id="{B4F5FA0D-0104-4987-8241-EFF7C85B88DE}"/>
+              </a:ext>
+              <a:ext uri="{C183D7F6-B498-43B3-948B-1728B52AA6E4}">
+                <adec:decorative xmlns:adec="http://schemas.microsoft.com/office/drawing/2017/decorative" val="1"/>
+              </a:ext>
+            </a:extLst>
+          </p:cNvPr>
+          <p:cNvSpPr>
+            <a:spLocks noGrp="1" noRot="1" noChangeAspect="1" noMove="1" noResize="1" noEditPoints="1" noAdjustHandles="1" noChangeArrowheads="1" noChangeShapeType="1" noTextEdit="1"/>
+          </p:cNvSpPr>
+          <p:nvPr>
+            <p:extLst>
+              <p:ext uri="{386F3935-93C4-4BCD-93E2-E3B085C9AB24}">
+                <p16:designElem xmlns:p16="http://schemas.microsoft.com/office/powerpoint/2015/main" val="1"/>
+              </p:ext>
+            </p:extLst>
+          </p:nvPr>
+        </p:nvSpPr>
+        <p:spPr>
+          <a:xfrm>
+            <a:off x="1" y="0"/>
+            <a:ext cx="12191998" cy="6858000"/>
+          </a:xfrm>
+          <a:prstGeom prst="rect">
+            <a:avLst/>
+          </a:prstGeom>
+          <a:gradFill>
+            <a:gsLst>
+              <a:gs pos="0">
+                <a:schemeClr val="accent1">
+                  <a:lumMod val="90000"/>
+                </a:schemeClr>
+              </a:gs>
+              <a:gs pos="25000">
+                <a:schemeClr val="accent1">
+                  <a:lumMod val="90000"/>
+                </a:schemeClr>
+              </a:gs>
+              <a:gs pos="94000">
+                <a:schemeClr val="bg2">
+                  <a:lumMod val="25000"/>
+                </a:schemeClr>
+              </a:gs>
+              <a:gs pos="100000">
+                <a:schemeClr val="bg2">
+                  <a:lumMod val="25000"/>
+                </a:schemeClr>
+              </a:gs>
+            </a:gsLst>
+            <a:lin ang="4200000" scaled="0"/>
+          </a:gradFill>
+          <a:ln>
+            <a:noFill/>
+          </a:ln>
+        </p:spPr>
+        <p:style>
+          <a:lnRef idx="2">
+            <a:schemeClr val="accent1">
+              <a:shade val="50000"/>
+            </a:schemeClr>
+          </a:lnRef>
+          <a:fillRef idx="1">
+            <a:schemeClr val="accent1"/>
+          </a:fillRef>
+          <a:effectRef idx="0">
+            <a:schemeClr val="accent1"/>
+          </a:effectRef>
+          <a:fontRef idx="minor">
+            <a:schemeClr val="lt1"/>
+          </a:fontRef>
+        </p:style>
+        <p:txBody>
+          <a:bodyPr rtlCol="0" anchor="ctr"/>
+          <a:lstStyle/>
+          <a:p>
+            <a:pPr algn="ctr"/>
+            <a:endParaRPr lang="en-US"/>
+          </a:p>
+        </p:txBody>
+      </p:sp>
+      <p:pic>
+        <p:nvPicPr>
+          <p:cNvPr id="13" name="Picture 12">
+            <a:extLst>
+              <a:ext uri="{FF2B5EF4-FFF2-40B4-BE49-F238E27FC236}">
+                <a16:creationId xmlns:a16="http://schemas.microsoft.com/office/drawing/2014/main" id="{2897127E-6CEF-446C-BE87-93B7C46E49D1}"/>
+              </a:ext>
+              <a:ext uri="{C183D7F6-B498-43B3-948B-1728B52AA6E4}">
+                <adec:decorative xmlns:adec="http://schemas.microsoft.com/office/drawing/2017/decorative" val="1"/>
+              </a:ext>
+            </a:extLst>
+          </p:cNvPr>
+          <p:cNvPicPr>
+            <a:picLocks noGrp="1" noRot="1" noChangeAspect="1" noMove="1" noResize="1" noEditPoints="1" noAdjustHandles="1" noChangeArrowheads="1" noChangeShapeType="1" noCrop="1"/>
+          </p:cNvPicPr>
+          <p:nvPr>
+            <p:extLst>
+              <p:ext uri="{386F3935-93C4-4BCD-93E2-E3B085C9AB24}">
+                <p16:designElem xmlns:p16="http://schemas.microsoft.com/office/powerpoint/2015/main" val="1"/>
+              </p:ext>
+            </p:extLst>
+          </p:nvPr>
+        </p:nvPicPr>
+        <p:blipFill>
+          <a:blip r:embed="rId2">
+            <a:extLst>
+              <a:ext uri="{28A0092B-C50C-407E-A947-70E740481C1C}">
+                <a14:useLocalDpi xmlns:a14="http://schemas.microsoft.com/office/drawing/2010/main" val="0"/>
+              </a:ext>
+            </a:extLst>
+          </a:blip>
+          <a:stretch>
+            <a:fillRect/>
+          </a:stretch>
+        </p:blipFill>
+        <p:spPr>
+          <a:xfrm>
+            <a:off x="0" y="0"/>
+            <a:ext cx="12192000" cy="6858000"/>
+          </a:xfrm>
+          <a:prstGeom prst="rect">
+            <a:avLst/>
+          </a:prstGeom>
+        </p:spPr>
+      </p:pic>
+      <p:sp>
+        <p:nvSpPr>
+          <p:cNvPr id="2" name="Título 1">
+            <a:extLst>
+              <a:ext uri="{FF2B5EF4-FFF2-40B4-BE49-F238E27FC236}">
+                <a16:creationId xmlns:a16="http://schemas.microsoft.com/office/drawing/2014/main" id="{256D159D-F40E-49A0-9109-60513704A390}"/>
+              </a:ext>
+            </a:extLst>
+          </p:cNvPr>
+          <p:cNvSpPr>
+            <a:spLocks noGrp="1"/>
+          </p:cNvSpPr>
+          <p:nvPr>
+            <p:ph type="title"/>
+          </p:nvPr>
+        </p:nvSpPr>
+        <p:spPr>
+          <a:xfrm>
+            <a:off x="640079" y="2053641"/>
+            <a:ext cx="3669161" cy="2760098"/>
+          </a:xfrm>
+        </p:spPr>
+        <p:txBody>
+          <a:bodyPr>
+            <a:normAutofit/>
+          </a:bodyPr>
+          <a:lstStyle/>
+          <a:p>
+            <a:r>
+              <a:rPr lang="pt-BR" b="1">
+                <a:solidFill>
+                  <a:srgbClr val="FFFFFF"/>
+                </a:solidFill>
+                <a:latin typeface="Arial" panose="020B0604020202020204" pitchFamily="34" charset="0"/>
+                <a:cs typeface="Arial" panose="020B0604020202020204" pitchFamily="34" charset="0"/>
+              </a:rPr>
+              <a:t>A Sustabil agradece pela atenção de todos</a:t>
+            </a:r>
+          </a:p>
+        </p:txBody>
+      </p:sp>
+      <p:sp>
+        <p:nvSpPr>
+          <p:cNvPr id="3" name="Espaço Reservado para Conteúdo 2">
+            <a:extLst>
+              <a:ext uri="{FF2B5EF4-FFF2-40B4-BE49-F238E27FC236}">
+                <a16:creationId xmlns:a16="http://schemas.microsoft.com/office/drawing/2014/main" id="{5440C41A-5943-4012-80B3-389EB74618C2}"/>
+              </a:ext>
+            </a:extLst>
+          </p:cNvPr>
+          <p:cNvSpPr>
+            <a:spLocks noGrp="1"/>
+          </p:cNvSpPr>
+          <p:nvPr>
+            <p:ph idx="1"/>
+          </p:nvPr>
+        </p:nvSpPr>
+        <p:spPr>
+          <a:xfrm>
+            <a:off x="6090574" y="801866"/>
+            <a:ext cx="5306084" cy="5230634"/>
+          </a:xfrm>
+        </p:spPr>
+        <p:txBody>
+          <a:bodyPr anchor="ctr">
+            <a:normAutofit/>
+          </a:bodyPr>
+          <a:lstStyle/>
+          <a:p>
+            <a:r>
+              <a:rPr lang="pt-BR" sz="2400" b="1" dirty="0">
+                <a:solidFill>
+                  <a:srgbClr val="000000"/>
+                </a:solidFill>
+                <a:latin typeface="Arial" panose="020B0604020202020204" pitchFamily="34" charset="0"/>
+                <a:cs typeface="Arial" panose="020B0604020202020204" pitchFamily="34" charset="0"/>
+              </a:rPr>
+              <a:t>Nossos contatos</a:t>
+            </a:r>
+            <a:r>
+              <a:rPr lang="pt-BR" sz="2400" dirty="0">
+                <a:solidFill>
+                  <a:srgbClr val="000000"/>
+                </a:solidFill>
+                <a:latin typeface="Arial" panose="020B0604020202020204" pitchFamily="34" charset="0"/>
+                <a:cs typeface="Arial" panose="020B0604020202020204" pitchFamily="34" charset="0"/>
+              </a:rPr>
+              <a:t>:</a:t>
+            </a:r>
+          </a:p>
+          <a:p>
+            <a:pPr marL="0" indent="0">
+              <a:buNone/>
+            </a:pPr>
+            <a:endParaRPr lang="pt-BR" sz="2400" dirty="0">
+              <a:solidFill>
+                <a:srgbClr val="000000"/>
+              </a:solidFill>
+              <a:latin typeface="Arial" panose="020B0604020202020204" pitchFamily="34" charset="0"/>
+              <a:cs typeface="Arial" panose="020B0604020202020204" pitchFamily="34" charset="0"/>
+            </a:endParaRPr>
+          </a:p>
+          <a:p>
+            <a:pPr>
+              <a:buFont typeface="Wingdings" panose="05000000000000000000" pitchFamily="2" charset="2"/>
+              <a:buChar char="Ø"/>
+            </a:pPr>
+            <a:r>
+              <a:rPr lang="pt-BR" sz="2400" dirty="0">
+                <a:solidFill>
+                  <a:srgbClr val="000000"/>
+                </a:solidFill>
+                <a:effectLst>
+                  <a:outerShdw blurRad="38100" dist="38100" dir="2700000" algn="tl">
+                    <a:srgbClr val="000000">
+                      <a:alpha val="43137"/>
+                    </a:srgbClr>
+                  </a:outerShdw>
+                </a:effectLst>
+                <a:latin typeface="Arial" panose="020B0604020202020204" pitchFamily="34" charset="0"/>
+                <a:cs typeface="Arial" panose="020B0604020202020204" pitchFamily="34" charset="0"/>
+              </a:rPr>
+              <a:t>Celular</a:t>
+            </a:r>
+            <a:r>
+              <a:rPr lang="pt-BR" sz="2400" dirty="0">
+                <a:solidFill>
+                  <a:srgbClr val="000000"/>
+                </a:solidFill>
+                <a:latin typeface="Arial" panose="020B0604020202020204" pitchFamily="34" charset="0"/>
+                <a:cs typeface="Arial" panose="020B0604020202020204" pitchFamily="34" charset="0"/>
+              </a:rPr>
+              <a:t>: (11) 94834-8922</a:t>
+            </a:r>
+          </a:p>
+          <a:p>
+            <a:pPr>
+              <a:buFont typeface="Wingdings" panose="05000000000000000000" pitchFamily="2" charset="2"/>
+              <a:buChar char="Ø"/>
+            </a:pPr>
+            <a:r>
+              <a:rPr lang="pt-BR" sz="2400" dirty="0">
+                <a:solidFill>
+                  <a:srgbClr val="000000"/>
+                </a:solidFill>
+                <a:effectLst>
+                  <a:outerShdw blurRad="38100" dist="38100" dir="2700000" algn="tl">
+                    <a:srgbClr val="000000">
+                      <a:alpha val="43137"/>
+                    </a:srgbClr>
+                  </a:outerShdw>
+                </a:effectLst>
+                <a:latin typeface="Arial" panose="020B0604020202020204" pitchFamily="34" charset="0"/>
+                <a:cs typeface="Arial" panose="020B0604020202020204" pitchFamily="34" charset="0"/>
+              </a:rPr>
+              <a:t>Tel. Comercial</a:t>
+            </a:r>
+            <a:r>
+              <a:rPr lang="pt-BR" sz="2400" dirty="0">
+                <a:solidFill>
+                  <a:srgbClr val="000000"/>
+                </a:solidFill>
+                <a:latin typeface="Arial" panose="020B0604020202020204" pitchFamily="34" charset="0"/>
+                <a:cs typeface="Arial" panose="020B0604020202020204" pitchFamily="34" charset="0"/>
+              </a:rPr>
+              <a:t>: (11) 5514-3258</a:t>
+            </a:r>
+          </a:p>
+          <a:p>
+            <a:pPr>
+              <a:buFont typeface="Wingdings" panose="05000000000000000000" pitchFamily="2" charset="2"/>
+              <a:buChar char="Ø"/>
+            </a:pPr>
+            <a:endParaRPr lang="pt-BR" sz="2400" dirty="0">
+              <a:solidFill>
+                <a:srgbClr val="000000"/>
+              </a:solidFill>
+              <a:latin typeface="Arial" panose="020B0604020202020204" pitchFamily="34" charset="0"/>
+              <a:cs typeface="Arial" panose="020B0604020202020204" pitchFamily="34" charset="0"/>
+            </a:endParaRPr>
+          </a:p>
+          <a:p>
+            <a:pPr>
+              <a:buFont typeface="Wingdings" panose="05000000000000000000" pitchFamily="2" charset="2"/>
+              <a:buChar char="Ø"/>
+            </a:pPr>
+            <a:r>
+              <a:rPr lang="pt-BR" sz="2400" dirty="0">
+                <a:solidFill>
+                  <a:srgbClr val="000000"/>
+                </a:solidFill>
+                <a:effectLst>
+                  <a:outerShdw blurRad="38100" dist="38100" dir="2700000" algn="tl">
+                    <a:srgbClr val="000000">
+                      <a:alpha val="43137"/>
+                    </a:srgbClr>
+                  </a:outerShdw>
+                </a:effectLst>
+                <a:latin typeface="Arial" panose="020B0604020202020204" pitchFamily="34" charset="0"/>
+                <a:cs typeface="Arial" panose="020B0604020202020204" pitchFamily="34" charset="0"/>
+              </a:rPr>
+              <a:t>E-mail</a:t>
+            </a:r>
+            <a:r>
+              <a:rPr lang="pt-BR" sz="2400" dirty="0">
+                <a:solidFill>
+                  <a:srgbClr val="000000"/>
+                </a:solidFill>
+                <a:latin typeface="Arial" panose="020B0604020202020204" pitchFamily="34" charset="0"/>
+                <a:cs typeface="Arial" panose="020B0604020202020204" pitchFamily="34" charset="0"/>
+              </a:rPr>
+              <a:t>: </a:t>
+            </a:r>
+            <a:r>
+              <a:rPr lang="pt-BR" sz="2400" dirty="0">
+                <a:solidFill>
+                  <a:srgbClr val="000000"/>
+                </a:solidFill>
+                <a:latin typeface="Arial" panose="020B0604020202020204" pitchFamily="34" charset="0"/>
+                <a:cs typeface="Arial" panose="020B0604020202020204" pitchFamily="34" charset="0"/>
+                <a:hlinkClick r:id="rId3"/>
+              </a:rPr>
+              <a:t>sustabil@bandtec.com.br</a:t>
+            </a:r>
+            <a:endParaRPr lang="pt-BR" sz="2400" dirty="0">
+              <a:solidFill>
+                <a:srgbClr val="000000"/>
+              </a:solidFill>
+              <a:latin typeface="Arial" panose="020B0604020202020204" pitchFamily="34" charset="0"/>
+              <a:cs typeface="Arial" panose="020B0604020202020204" pitchFamily="34" charset="0"/>
+            </a:endParaRPr>
+          </a:p>
+        </p:txBody>
+      </p:sp>
+      <p:pic>
+        <p:nvPicPr>
+          <p:cNvPr id="4" name="Imagem 3">
+            <a:extLst>
+              <a:ext uri="{FF2B5EF4-FFF2-40B4-BE49-F238E27FC236}">
+                <a16:creationId xmlns:a16="http://schemas.microsoft.com/office/drawing/2014/main" id="{FC14E8B6-392A-4C5B-BF9E-8118C887D996}"/>
+              </a:ext>
+            </a:extLst>
+          </p:cNvPr>
+          <p:cNvPicPr>
+            <a:picLocks noChangeAspect="1"/>
+          </p:cNvPicPr>
+          <p:nvPr/>
+        </p:nvPicPr>
+        <p:blipFill>
+          <a:blip r:embed="rId4"/>
+          <a:stretch>
+            <a:fillRect/>
+          </a:stretch>
+        </p:blipFill>
+        <p:spPr>
+          <a:xfrm>
+            <a:off x="53894" y="35169"/>
+            <a:ext cx="1035488" cy="1035488"/>
+          </a:xfrm>
+          <a:prstGeom prst="rect">
+            <a:avLst/>
+          </a:prstGeom>
+        </p:spPr>
+      </p:pic>
+    </p:spTree>
+    <p:extLst>
+      <p:ext uri="{BB962C8B-B14F-4D97-AF65-F5344CB8AC3E}">
+        <p14:creationId xmlns:p14="http://schemas.microsoft.com/office/powerpoint/2010/main" val="725435928"/>
       </p:ext>
     </p:extLst>
   </p:cSld>
@@ -6572,6 +7495,36 @@
           </a:prstGeom>
         </p:spPr>
       </p:pic>
+      <p:pic>
+        <p:nvPicPr>
+          <p:cNvPr id="4" name="Imagem 3">
+            <a:extLst>
+              <a:ext uri="{FF2B5EF4-FFF2-40B4-BE49-F238E27FC236}">
+                <a16:creationId xmlns:a16="http://schemas.microsoft.com/office/drawing/2014/main" id="{CE35213D-879D-49E6-B589-EDD17C131C65}"/>
+              </a:ext>
+            </a:extLst>
+          </p:cNvPr>
+          <p:cNvPicPr>
+            <a:picLocks noChangeAspect="1"/>
+          </p:cNvPicPr>
+          <p:nvPr/>
+        </p:nvPicPr>
+        <p:blipFill>
+          <a:blip r:embed="rId3"/>
+          <a:stretch>
+            <a:fillRect/>
+          </a:stretch>
+        </p:blipFill>
+        <p:spPr>
+          <a:xfrm>
+            <a:off x="53894" y="35169"/>
+            <a:ext cx="1035488" cy="1035488"/>
+          </a:xfrm>
+          <a:prstGeom prst="rect">
+            <a:avLst/>
+          </a:prstGeom>
+        </p:spPr>
+      </p:pic>
     </p:spTree>
     <p:extLst>
       <p:ext uri="{BB962C8B-B14F-4D97-AF65-F5344CB8AC3E}">
@@ -7275,6 +8228,1055 @@
 <file path=ppt/slides/slide6.xml><?xml version="1.0" encoding="utf-8"?>
 <p:sld xmlns:a="http://schemas.openxmlformats.org/drawingml/2006/main" xmlns:r="http://schemas.openxmlformats.org/officeDocument/2006/relationships" xmlns:p="http://schemas.openxmlformats.org/presentationml/2006/main">
   <p:cSld>
+    <p:spTree>
+      <p:nvGrpSpPr>
+        <p:cNvPr id="1" name=""/>
+        <p:cNvGrpSpPr/>
+        <p:nvPr/>
+      </p:nvGrpSpPr>
+      <p:grpSpPr>
+        <a:xfrm>
+          <a:off x="0" y="0"/>
+          <a:ext cx="0" cy="0"/>
+          <a:chOff x="0" y="0"/>
+          <a:chExt cx="0" cy="0"/>
+        </a:xfrm>
+      </p:grpSpPr>
+      <p:sp>
+        <p:nvSpPr>
+          <p:cNvPr id="2" name="Título 1">
+            <a:extLst>
+              <a:ext uri="{FF2B5EF4-FFF2-40B4-BE49-F238E27FC236}">
+                <a16:creationId xmlns:a16="http://schemas.microsoft.com/office/drawing/2014/main" id="{81717266-6AEC-4E54-ABDD-4B3A2718C4F3}"/>
+              </a:ext>
+            </a:extLst>
+          </p:cNvPr>
+          <p:cNvSpPr>
+            <a:spLocks noGrp="1"/>
+          </p:cNvSpPr>
+          <p:nvPr>
+            <p:ph type="title"/>
+          </p:nvPr>
+        </p:nvSpPr>
+        <p:spPr>
+          <a:xfrm>
+            <a:off x="838199" y="708890"/>
+            <a:ext cx="10515600" cy="1325563"/>
+          </a:xfrm>
+        </p:spPr>
+        <p:txBody>
+          <a:bodyPr>
+            <a:normAutofit/>
+          </a:bodyPr>
+          <a:lstStyle/>
+          <a:p>
+            <a:pPr algn="ctr"/>
+            <a:r>
+              <a:rPr lang="pt-BR" sz="3700" dirty="0">
+                <a:latin typeface="Arial" panose="020B0604020202020204" pitchFamily="34" charset="0"/>
+                <a:cs typeface="Arial" panose="020B0604020202020204" pitchFamily="34" charset="0"/>
+              </a:rPr>
+              <a:t>Onde os dados são armazenados?</a:t>
+            </a:r>
+          </a:p>
+        </p:txBody>
+      </p:sp>
+      <p:pic>
+        <p:nvPicPr>
+          <p:cNvPr id="4" name="Picture 2" descr="Waste Water Treatment Leakage Broke Svg Png Icon Free Download (#569149) -  OnlineWebFonts.COM">
+            <a:extLst>
+              <a:ext uri="{FF2B5EF4-FFF2-40B4-BE49-F238E27FC236}">
+                <a16:creationId xmlns:a16="http://schemas.microsoft.com/office/drawing/2014/main" id="{A9027475-A512-4FFC-B95F-6730DF59B3DE}"/>
+              </a:ext>
+            </a:extLst>
+          </p:cNvPr>
+          <p:cNvPicPr>
+            <a:picLocks noChangeAspect="1" noChangeArrowheads="1"/>
+          </p:cNvPicPr>
+          <p:nvPr/>
+        </p:nvPicPr>
+        <p:blipFill rotWithShape="1">
+          <a:blip r:embed="rId2">
+            <a:alphaModFix/>
+            <a:extLst>
+              <a:ext uri="{28A0092B-C50C-407E-A947-70E740481C1C}">
+                <a14:useLocalDpi xmlns:a14="http://schemas.microsoft.com/office/drawing/2010/main" val="0"/>
+              </a:ext>
+            </a:extLst>
+          </a:blip>
+          <a:srcRect r="548"/>
+          <a:stretch/>
+        </p:blipFill>
+        <p:spPr bwMode="auto">
+          <a:xfrm>
+            <a:off x="314372" y="4851908"/>
+            <a:ext cx="1870411" cy="2006092"/>
+          </a:xfrm>
+          <a:prstGeom prst="rect">
+            <a:avLst/>
+          </a:prstGeom>
+          <a:noFill/>
+          <a:extLst>
+            <a:ext uri="{909E8E84-426E-40DD-AFC4-6F175D3DCCD1}">
+              <a14:hiddenFill xmlns:a14="http://schemas.microsoft.com/office/drawing/2010/main">
+                <a:solidFill>
+                  <a:srgbClr val="FFFFFF"/>
+                </a:solidFill>
+              </a14:hiddenFill>
+            </a:ext>
+          </a:extLst>
+        </p:spPr>
+      </p:pic>
+      <p:pic>
+        <p:nvPicPr>
+          <p:cNvPr id="5" name="Picture 6" descr="temperature and humidity sensor">
+            <a:extLst>
+              <a:ext uri="{FF2B5EF4-FFF2-40B4-BE49-F238E27FC236}">
+                <a16:creationId xmlns:a16="http://schemas.microsoft.com/office/drawing/2014/main" id="{B285B2BE-0AF8-4A57-823E-D0EFFB44C254}"/>
+              </a:ext>
+            </a:extLst>
+          </p:cNvPr>
+          <p:cNvPicPr>
+            <a:picLocks noChangeAspect="1" noChangeArrowheads="1"/>
+          </p:cNvPicPr>
+          <p:nvPr/>
+        </p:nvPicPr>
+        <p:blipFill>
+          <a:blip r:embed="rId3">
+            <a:extLst>
+              <a:ext uri="{28A0092B-C50C-407E-A947-70E740481C1C}">
+                <a14:useLocalDpi xmlns:a14="http://schemas.microsoft.com/office/drawing/2010/main" val="0"/>
+              </a:ext>
+            </a:extLst>
+          </a:blip>
+          <a:srcRect/>
+          <a:stretch>
+            <a:fillRect/>
+          </a:stretch>
+        </p:blipFill>
+        <p:spPr bwMode="auto">
+          <a:xfrm rot="18635752">
+            <a:off x="1092002" y="6225041"/>
+            <a:ext cx="315149" cy="315149"/>
+          </a:xfrm>
+          <a:prstGeom prst="rect">
+            <a:avLst/>
+          </a:prstGeom>
+          <a:noFill/>
+          <a:extLst>
+            <a:ext uri="{909E8E84-426E-40DD-AFC4-6F175D3DCCD1}">
+              <a14:hiddenFill xmlns:a14="http://schemas.microsoft.com/office/drawing/2010/main">
+                <a:solidFill>
+                  <a:srgbClr val="FFFFFF"/>
+                </a:solidFill>
+              </a14:hiddenFill>
+            </a:ext>
+          </a:extLst>
+        </p:spPr>
+      </p:pic>
+      <p:pic>
+        <p:nvPicPr>
+          <p:cNvPr id="6" name="Picture 8" descr="Alert Alt Svg Png Icon Free Download (#565392) - OnlineWebFonts.COM">
+            <a:extLst>
+              <a:ext uri="{FF2B5EF4-FFF2-40B4-BE49-F238E27FC236}">
+                <a16:creationId xmlns:a16="http://schemas.microsoft.com/office/drawing/2014/main" id="{2E7665F3-0BAE-4C54-AF17-EF1B6CAB0B8F}"/>
+              </a:ext>
+            </a:extLst>
+          </p:cNvPr>
+          <p:cNvPicPr>
+            <a:picLocks noChangeAspect="1" noChangeArrowheads="1"/>
+          </p:cNvPicPr>
+          <p:nvPr/>
+        </p:nvPicPr>
+        <p:blipFill rotWithShape="1">
+          <a:blip r:embed="rId4">
+            <a:duotone>
+              <a:schemeClr val="accent2">
+                <a:shade val="45000"/>
+                <a:satMod val="135000"/>
+              </a:schemeClr>
+              <a:prstClr val="white"/>
+            </a:duotone>
+            <a:alphaModFix/>
+            <a:extLst>
+              <a:ext uri="{BEBA8EAE-BF5A-486C-A8C5-ECC9F3942E4B}">
+                <a14:imgProps xmlns:a14="http://schemas.microsoft.com/office/drawing/2010/main">
+                  <a14:imgLayer r:embed="rId5">
+                    <a14:imgEffect>
+                      <a14:colorTemperature colorTemp="6360"/>
+                    </a14:imgEffect>
+                    <a14:imgEffect>
+                      <a14:saturation sat="191000"/>
+                    </a14:imgEffect>
+                  </a14:imgLayer>
+                </a14:imgProps>
+              </a:ext>
+              <a:ext uri="{28A0092B-C50C-407E-A947-70E740481C1C}">
+                <a14:useLocalDpi xmlns:a14="http://schemas.microsoft.com/office/drawing/2010/main" val="0"/>
+              </a:ext>
+            </a:extLst>
+          </a:blip>
+          <a:srcRect b="72111"/>
+          <a:stretch/>
+        </p:blipFill>
+        <p:spPr bwMode="auto">
+          <a:xfrm rot="13158707">
+            <a:off x="841771" y="6471416"/>
+            <a:ext cx="491158" cy="209764"/>
+          </a:xfrm>
+          <a:prstGeom prst="rect">
+            <a:avLst/>
+          </a:prstGeom>
+          <a:noFill/>
+          <a:ln>
+            <a:noFill/>
+          </a:ln>
+        </p:spPr>
+      </p:pic>
+      <p:pic>
+        <p:nvPicPr>
+          <p:cNvPr id="1026" name="Picture 2" descr="poste elétrico - ícones de eletrônicos grátis">
+            <a:extLst>
+              <a:ext uri="{FF2B5EF4-FFF2-40B4-BE49-F238E27FC236}">
+                <a16:creationId xmlns:a16="http://schemas.microsoft.com/office/drawing/2014/main" id="{49B43E45-D4D5-48F4-8B57-4A932C3C7CD5}"/>
+              </a:ext>
+            </a:extLst>
+          </p:cNvPr>
+          <p:cNvPicPr>
+            <a:picLocks noChangeAspect="1" noChangeArrowheads="1"/>
+          </p:cNvPicPr>
+          <p:nvPr/>
+        </p:nvPicPr>
+        <p:blipFill>
+          <a:blip r:embed="rId6">
+            <a:extLst>
+              <a:ext uri="{28A0092B-C50C-407E-A947-70E740481C1C}">
+                <a14:useLocalDpi xmlns:a14="http://schemas.microsoft.com/office/drawing/2010/main" val="0"/>
+              </a:ext>
+            </a:extLst>
+          </a:blip>
+          <a:srcRect/>
+          <a:stretch>
+            <a:fillRect/>
+          </a:stretch>
+        </p:blipFill>
+        <p:spPr bwMode="auto">
+          <a:xfrm>
+            <a:off x="2708610" y="3143029"/>
+            <a:ext cx="1708879" cy="1708879"/>
+          </a:xfrm>
+          <a:prstGeom prst="rect">
+            <a:avLst/>
+          </a:prstGeom>
+          <a:noFill/>
+          <a:extLst>
+            <a:ext uri="{909E8E84-426E-40DD-AFC4-6F175D3DCCD1}">
+              <a14:hiddenFill xmlns:a14="http://schemas.microsoft.com/office/drawing/2010/main">
+                <a:solidFill>
+                  <a:srgbClr val="FFFFFF"/>
+                </a:solidFill>
+              </a14:hiddenFill>
+            </a:ext>
+          </a:extLst>
+        </p:spPr>
+      </p:pic>
+      <p:pic>
+        <p:nvPicPr>
+          <p:cNvPr id="1030" name="Picture 6" descr="Roteador Wi-Fi Ícone - Download Grátis, PNG e Vetores">
+            <a:extLst>
+              <a:ext uri="{FF2B5EF4-FFF2-40B4-BE49-F238E27FC236}">
+                <a16:creationId xmlns:a16="http://schemas.microsoft.com/office/drawing/2014/main" id="{7A8BDA75-8082-4131-8F58-CCE859769CBD}"/>
+              </a:ext>
+            </a:extLst>
+          </p:cNvPr>
+          <p:cNvPicPr>
+            <a:picLocks noChangeAspect="1" noChangeArrowheads="1"/>
+          </p:cNvPicPr>
+          <p:nvPr/>
+        </p:nvPicPr>
+        <p:blipFill rotWithShape="1">
+          <a:blip r:embed="rId7">
+            <a:extLst>
+              <a:ext uri="{28A0092B-C50C-407E-A947-70E740481C1C}">
+                <a14:useLocalDpi xmlns:a14="http://schemas.microsoft.com/office/drawing/2010/main" val="0"/>
+              </a:ext>
+            </a:extLst>
+          </a:blip>
+          <a:srcRect r="5484" b="5242"/>
+          <a:stretch/>
+        </p:blipFill>
+        <p:spPr bwMode="auto">
+          <a:xfrm>
+            <a:off x="2708612" y="2809952"/>
+            <a:ext cx="742512" cy="744410"/>
+          </a:xfrm>
+          <a:prstGeom prst="rect">
+            <a:avLst/>
+          </a:prstGeom>
+          <a:noFill/>
+          <a:extLst>
+            <a:ext uri="{909E8E84-426E-40DD-AFC4-6F175D3DCCD1}">
+              <a14:hiddenFill xmlns:a14="http://schemas.microsoft.com/office/drawing/2010/main">
+                <a:solidFill>
+                  <a:srgbClr val="FFFFFF"/>
+                </a:solidFill>
+              </a14:hiddenFill>
+            </a:ext>
+          </a:extLst>
+        </p:spPr>
+      </p:pic>
+      <p:pic>
+        <p:nvPicPr>
+          <p:cNvPr id="1032" name="Picture 8" descr="ícone Servidor Livre de WHCompare Isometric Web Hosting &amp; Servers">
+            <a:extLst>
+              <a:ext uri="{FF2B5EF4-FFF2-40B4-BE49-F238E27FC236}">
+                <a16:creationId xmlns:a16="http://schemas.microsoft.com/office/drawing/2014/main" id="{CBDCF82D-42C4-4EB5-BDEF-78695D8EACC1}"/>
+              </a:ext>
+            </a:extLst>
+          </p:cNvPr>
+          <p:cNvPicPr>
+            <a:picLocks noChangeAspect="1" noChangeArrowheads="1"/>
+          </p:cNvPicPr>
+          <p:nvPr/>
+        </p:nvPicPr>
+        <p:blipFill>
+          <a:blip r:embed="rId8">
+            <a:extLst>
+              <a:ext uri="{28A0092B-C50C-407E-A947-70E740481C1C}">
+                <a14:useLocalDpi xmlns:a14="http://schemas.microsoft.com/office/drawing/2010/main" val="0"/>
+              </a:ext>
+            </a:extLst>
+          </a:blip>
+          <a:srcRect/>
+          <a:stretch>
+            <a:fillRect/>
+          </a:stretch>
+        </p:blipFill>
+        <p:spPr bwMode="auto">
+          <a:xfrm>
+            <a:off x="4941316" y="4759790"/>
+            <a:ext cx="2190327" cy="2190327"/>
+          </a:xfrm>
+          <a:prstGeom prst="rect">
+            <a:avLst/>
+          </a:prstGeom>
+          <a:noFill/>
+          <a:extLst>
+            <a:ext uri="{909E8E84-426E-40DD-AFC4-6F175D3DCCD1}">
+              <a14:hiddenFill xmlns:a14="http://schemas.microsoft.com/office/drawing/2010/main">
+                <a:solidFill>
+                  <a:srgbClr val="FFFFFF"/>
+                </a:solidFill>
+              </a14:hiddenFill>
+            </a:ext>
+          </a:extLst>
+        </p:spPr>
+      </p:pic>
+      <p:pic>
+        <p:nvPicPr>
+          <p:cNvPr id="1034" name="Picture 10" descr="Person using computer icon vector illustration design.">
+            <a:extLst>
+              <a:ext uri="{FF2B5EF4-FFF2-40B4-BE49-F238E27FC236}">
+                <a16:creationId xmlns:a16="http://schemas.microsoft.com/office/drawing/2014/main" id="{54807AD0-A037-46D2-9142-5A86027BD3DE}"/>
+              </a:ext>
+            </a:extLst>
+          </p:cNvPr>
+          <p:cNvPicPr>
+            <a:picLocks noChangeAspect="1" noChangeArrowheads="1"/>
+          </p:cNvPicPr>
+          <p:nvPr/>
+        </p:nvPicPr>
+        <p:blipFill rotWithShape="1">
+          <a:blip r:embed="rId9">
+            <a:extLst>
+              <a:ext uri="{28A0092B-C50C-407E-A947-70E740481C1C}">
+                <a14:useLocalDpi xmlns:a14="http://schemas.microsoft.com/office/drawing/2010/main" val="0"/>
+              </a:ext>
+            </a:extLst>
+          </a:blip>
+          <a:srcRect b="20960"/>
+          <a:stretch/>
+        </p:blipFill>
+        <p:spPr bwMode="auto">
+          <a:xfrm>
+            <a:off x="7774512" y="2947883"/>
+            <a:ext cx="1940641" cy="1661705"/>
+          </a:xfrm>
+          <a:prstGeom prst="rect">
+            <a:avLst/>
+          </a:prstGeom>
+          <a:noFill/>
+          <a:extLst>
+            <a:ext uri="{909E8E84-426E-40DD-AFC4-6F175D3DCCD1}">
+              <a14:hiddenFill xmlns:a14="http://schemas.microsoft.com/office/drawing/2010/main">
+                <a:solidFill>
+                  <a:srgbClr val="FFFFFF"/>
+                </a:solidFill>
+              </a14:hiddenFill>
+            </a:ext>
+          </a:extLst>
+        </p:spPr>
+      </p:pic>
+      <p:pic>
+        <p:nvPicPr>
+          <p:cNvPr id="1036" name="Picture 12" descr="computer, desktop, laptop, mac, monitor, pc, screen icon | Conjunto de  ícones, Conjunto de">
+            <a:extLst>
+              <a:ext uri="{FF2B5EF4-FFF2-40B4-BE49-F238E27FC236}">
+                <a16:creationId xmlns:a16="http://schemas.microsoft.com/office/drawing/2014/main" id="{207611DD-ED0F-4EF6-86BE-D157312D68E1}"/>
+              </a:ext>
+            </a:extLst>
+          </p:cNvPr>
+          <p:cNvPicPr>
+            <a:picLocks noChangeAspect="1" noChangeArrowheads="1"/>
+          </p:cNvPicPr>
+          <p:nvPr/>
+        </p:nvPicPr>
+        <p:blipFill>
+          <a:blip r:embed="rId10">
+            <a:extLst>
+              <a:ext uri="{28A0092B-C50C-407E-A947-70E740481C1C}">
+                <a14:useLocalDpi xmlns:a14="http://schemas.microsoft.com/office/drawing/2010/main" val="0"/>
+              </a:ext>
+            </a:extLst>
+          </a:blip>
+          <a:srcRect/>
+          <a:stretch>
+            <a:fillRect/>
+          </a:stretch>
+        </p:blipFill>
+        <p:spPr bwMode="auto">
+          <a:xfrm>
+            <a:off x="9560874" y="2906200"/>
+            <a:ext cx="2190327" cy="1981045"/>
+          </a:xfrm>
+          <a:prstGeom prst="rect">
+            <a:avLst/>
+          </a:prstGeom>
+          <a:noFill/>
+          <a:extLst>
+            <a:ext uri="{909E8E84-426E-40DD-AFC4-6F175D3DCCD1}">
+              <a14:hiddenFill xmlns:a14="http://schemas.microsoft.com/office/drawing/2010/main">
+                <a:solidFill>
+                  <a:srgbClr val="FFFFFF"/>
+                </a:solidFill>
+              </a14:hiddenFill>
+            </a:ext>
+          </a:extLst>
+        </p:spPr>
+      </p:pic>
+      <p:sp>
+        <p:nvSpPr>
+          <p:cNvPr id="7" name="CaixaDeTexto 6">
+            <a:extLst>
+              <a:ext uri="{FF2B5EF4-FFF2-40B4-BE49-F238E27FC236}">
+                <a16:creationId xmlns:a16="http://schemas.microsoft.com/office/drawing/2014/main" id="{C3D9AF88-2C98-4553-B0A1-E0B2F86C0658}"/>
+              </a:ext>
+            </a:extLst>
+          </p:cNvPr>
+          <p:cNvSpPr txBox="1"/>
+          <p:nvPr/>
+        </p:nvSpPr>
+        <p:spPr>
+          <a:xfrm>
+            <a:off x="9674157" y="3169442"/>
+            <a:ext cx="2077044" cy="830997"/>
+          </a:xfrm>
+          <a:prstGeom prst="rect">
+            <a:avLst/>
+          </a:prstGeom>
+          <a:noFill/>
+        </p:spPr>
+        <p:txBody>
+          <a:bodyPr wrap="square" rtlCol="0">
+            <a:spAutoFit/>
+          </a:bodyPr>
+          <a:lstStyle/>
+          <a:p>
+            <a:r>
+              <a:rPr lang="pt-BR" sz="1600" b="1" dirty="0">
+                <a:latin typeface="Arial" panose="020B0604020202020204" pitchFamily="34" charset="0"/>
+                <a:cs typeface="Arial" panose="020B0604020202020204" pitchFamily="34" charset="0"/>
+              </a:rPr>
+              <a:t>Sensor 3 detectou um possível vazamento</a:t>
+            </a:r>
+          </a:p>
+        </p:txBody>
+      </p:sp>
+      <p:sp>
+        <p:nvSpPr>
+          <p:cNvPr id="12" name="Seta: Dobrada 11">
+            <a:extLst>
+              <a:ext uri="{FF2B5EF4-FFF2-40B4-BE49-F238E27FC236}">
+                <a16:creationId xmlns:a16="http://schemas.microsoft.com/office/drawing/2014/main" id="{4366ED66-17D2-466D-B291-EE6FBF8C3D21}"/>
+              </a:ext>
+            </a:extLst>
+          </p:cNvPr>
+          <p:cNvSpPr/>
+          <p:nvPr/>
+        </p:nvSpPr>
+        <p:spPr>
+          <a:xfrm>
+            <a:off x="1012728" y="3308498"/>
+            <a:ext cx="1459034" cy="1377939"/>
+          </a:xfrm>
+          <a:prstGeom prst="bentArrow">
+            <a:avLst/>
+          </a:prstGeom>
+          <a:solidFill>
+            <a:schemeClr val="tx1"/>
+          </a:solidFill>
+          <a:ln w="28575">
+            <a:solidFill>
+              <a:schemeClr val="accent1"/>
+            </a:solidFill>
+          </a:ln>
+        </p:spPr>
+        <p:style>
+          <a:lnRef idx="2">
+            <a:schemeClr val="accent1">
+              <a:shade val="50000"/>
+            </a:schemeClr>
+          </a:lnRef>
+          <a:fillRef idx="1">
+            <a:schemeClr val="accent1"/>
+          </a:fillRef>
+          <a:effectRef idx="0">
+            <a:schemeClr val="accent1"/>
+          </a:effectRef>
+          <a:fontRef idx="minor">
+            <a:schemeClr val="lt1"/>
+          </a:fontRef>
+        </p:style>
+        <p:txBody>
+          <a:bodyPr rtlCol="0" anchor="ctr"/>
+          <a:lstStyle/>
+          <a:p>
+            <a:pPr algn="ctr"/>
+            <a:endParaRPr lang="pt-BR">
+              <a:solidFill>
+                <a:schemeClr val="tx1"/>
+              </a:solidFill>
+            </a:endParaRPr>
+          </a:p>
+        </p:txBody>
+      </p:sp>
+      <p:sp>
+        <p:nvSpPr>
+          <p:cNvPr id="27" name="Seta: Dobrada 26">
+            <a:extLst>
+              <a:ext uri="{FF2B5EF4-FFF2-40B4-BE49-F238E27FC236}">
+                <a16:creationId xmlns:a16="http://schemas.microsoft.com/office/drawing/2014/main" id="{E1B164E1-E2B1-4315-87E5-DFE21A4AE3F1}"/>
+              </a:ext>
+            </a:extLst>
+          </p:cNvPr>
+          <p:cNvSpPr/>
+          <p:nvPr/>
+        </p:nvSpPr>
+        <p:spPr>
+          <a:xfrm rot="5400000">
+            <a:off x="4933089" y="3202886"/>
+            <a:ext cx="1258227" cy="1708879"/>
+          </a:xfrm>
+          <a:prstGeom prst="bentArrow">
+            <a:avLst>
+              <a:gd name="adj1" fmla="val 25000"/>
+              <a:gd name="adj2" fmla="val 25535"/>
+              <a:gd name="adj3" fmla="val 25000"/>
+              <a:gd name="adj4" fmla="val 43750"/>
+            </a:avLst>
+          </a:prstGeom>
+          <a:solidFill>
+            <a:schemeClr val="tx1"/>
+          </a:solidFill>
+          <a:ln w="28575">
+            <a:solidFill>
+              <a:schemeClr val="accent1"/>
+            </a:solidFill>
+          </a:ln>
+        </p:spPr>
+        <p:style>
+          <a:lnRef idx="2">
+            <a:schemeClr val="accent1">
+              <a:shade val="50000"/>
+            </a:schemeClr>
+          </a:lnRef>
+          <a:fillRef idx="1">
+            <a:schemeClr val="accent1"/>
+          </a:fillRef>
+          <a:effectRef idx="0">
+            <a:schemeClr val="accent1"/>
+          </a:effectRef>
+          <a:fontRef idx="minor">
+            <a:schemeClr val="lt1"/>
+          </a:fontRef>
+        </p:style>
+        <p:txBody>
+          <a:bodyPr rtlCol="0" anchor="ctr"/>
+          <a:lstStyle/>
+          <a:p>
+            <a:pPr algn="ctr"/>
+            <a:endParaRPr lang="pt-BR">
+              <a:solidFill>
+                <a:schemeClr val="tx1"/>
+              </a:solidFill>
+            </a:endParaRPr>
+          </a:p>
+        </p:txBody>
+      </p:sp>
+      <p:sp>
+        <p:nvSpPr>
+          <p:cNvPr id="30" name="Seta: Dobrada 29">
+            <a:extLst>
+              <a:ext uri="{FF2B5EF4-FFF2-40B4-BE49-F238E27FC236}">
+                <a16:creationId xmlns:a16="http://schemas.microsoft.com/office/drawing/2014/main" id="{CDD5915B-A970-438D-BF62-32FB5A19344B}"/>
+              </a:ext>
+            </a:extLst>
+          </p:cNvPr>
+          <p:cNvSpPr/>
+          <p:nvPr/>
+        </p:nvSpPr>
+        <p:spPr>
+          <a:xfrm rot="5400000" flipH="1">
+            <a:off x="7666041" y="4223741"/>
+            <a:ext cx="1360433" cy="2429231"/>
+          </a:xfrm>
+          <a:prstGeom prst="bentArrow">
+            <a:avLst>
+              <a:gd name="adj1" fmla="val 25000"/>
+              <a:gd name="adj2" fmla="val 25535"/>
+              <a:gd name="adj3" fmla="val 25000"/>
+              <a:gd name="adj4" fmla="val 43750"/>
+            </a:avLst>
+          </a:prstGeom>
+          <a:solidFill>
+            <a:schemeClr val="tx1"/>
+          </a:solidFill>
+          <a:ln w="28575">
+            <a:solidFill>
+              <a:schemeClr val="accent1"/>
+            </a:solidFill>
+          </a:ln>
+        </p:spPr>
+        <p:style>
+          <a:lnRef idx="2">
+            <a:schemeClr val="accent1">
+              <a:shade val="50000"/>
+            </a:schemeClr>
+          </a:lnRef>
+          <a:fillRef idx="1">
+            <a:schemeClr val="accent1"/>
+          </a:fillRef>
+          <a:effectRef idx="0">
+            <a:schemeClr val="accent1"/>
+          </a:effectRef>
+          <a:fontRef idx="minor">
+            <a:schemeClr val="lt1"/>
+          </a:fontRef>
+        </p:style>
+        <p:txBody>
+          <a:bodyPr rtlCol="0" anchor="ctr"/>
+          <a:lstStyle/>
+          <a:p>
+            <a:pPr algn="ctr"/>
+            <a:endParaRPr lang="pt-BR">
+              <a:solidFill>
+                <a:schemeClr val="tx1"/>
+              </a:solidFill>
+            </a:endParaRPr>
+          </a:p>
+        </p:txBody>
+      </p:sp>
+      <p:cxnSp>
+        <p:nvCxnSpPr>
+          <p:cNvPr id="18" name="Conector reto 17">
+            <a:extLst>
+              <a:ext uri="{FF2B5EF4-FFF2-40B4-BE49-F238E27FC236}">
+                <a16:creationId xmlns:a16="http://schemas.microsoft.com/office/drawing/2014/main" id="{6105CB52-E11F-4E14-B6A3-6554486FA74A}"/>
+              </a:ext>
+            </a:extLst>
+          </p:cNvPr>
+          <p:cNvCxnSpPr/>
+          <p:nvPr/>
+        </p:nvCxnSpPr>
+        <p:spPr>
+          <a:xfrm>
+            <a:off x="377585" y="2035278"/>
+            <a:ext cx="11436829" cy="0"/>
+          </a:xfrm>
+          <a:prstGeom prst="line">
+            <a:avLst/>
+          </a:prstGeom>
+          <a:ln>
+            <a:solidFill>
+              <a:schemeClr val="tx1"/>
+            </a:solidFill>
+          </a:ln>
+        </p:spPr>
+        <p:style>
+          <a:lnRef idx="3">
+            <a:schemeClr val="dk1"/>
+          </a:lnRef>
+          <a:fillRef idx="0">
+            <a:schemeClr val="dk1"/>
+          </a:fillRef>
+          <a:effectRef idx="2">
+            <a:schemeClr val="dk1"/>
+          </a:effectRef>
+          <a:fontRef idx="minor">
+            <a:schemeClr val="tx1"/>
+          </a:fontRef>
+        </p:style>
+      </p:cxnSp>
+      <p:pic>
+        <p:nvPicPr>
+          <p:cNvPr id="33" name="Imagem 32">
+            <a:extLst>
+              <a:ext uri="{FF2B5EF4-FFF2-40B4-BE49-F238E27FC236}">
+                <a16:creationId xmlns:a16="http://schemas.microsoft.com/office/drawing/2014/main" id="{B7DA62BD-20DE-46B7-A3D7-DC7738701FEC}"/>
+              </a:ext>
+            </a:extLst>
+          </p:cNvPr>
+          <p:cNvPicPr>
+            <a:picLocks noChangeAspect="1"/>
+          </p:cNvPicPr>
+          <p:nvPr/>
+        </p:nvPicPr>
+        <p:blipFill>
+          <a:blip r:embed="rId11"/>
+          <a:stretch>
+            <a:fillRect/>
+          </a:stretch>
+        </p:blipFill>
+        <p:spPr>
+          <a:xfrm>
+            <a:off x="53894" y="35169"/>
+            <a:ext cx="1035488" cy="1035488"/>
+          </a:xfrm>
+          <a:prstGeom prst="rect">
+            <a:avLst/>
+          </a:prstGeom>
+        </p:spPr>
+      </p:pic>
+    </p:spTree>
+    <p:extLst>
+      <p:ext uri="{BB962C8B-B14F-4D97-AF65-F5344CB8AC3E}">
+        <p14:creationId xmlns:p14="http://schemas.microsoft.com/office/powerpoint/2010/main" val="1654437090"/>
+      </p:ext>
+    </p:extLst>
+  </p:cSld>
+  <p:clrMapOvr>
+    <a:masterClrMapping/>
+  </p:clrMapOvr>
+</p:sld>
+</file>
+
+<file path=ppt/slides/slide7.xml><?xml version="1.0" encoding="utf-8"?>
+<p:sld xmlns:a="http://schemas.openxmlformats.org/drawingml/2006/main" xmlns:r="http://schemas.openxmlformats.org/officeDocument/2006/relationships" xmlns:p="http://schemas.openxmlformats.org/presentationml/2006/main">
+  <p:cSld>
+    <p:bg>
+      <p:bgPr>
+        <a:solidFill>
+          <a:schemeClr val="bg1"/>
+        </a:solidFill>
+        <a:effectLst/>
+      </p:bgPr>
+    </p:bg>
+    <p:spTree>
+      <p:nvGrpSpPr>
+        <p:cNvPr id="1" name=""/>
+        <p:cNvGrpSpPr/>
+        <p:nvPr/>
+      </p:nvGrpSpPr>
+      <p:grpSpPr>
+        <a:xfrm>
+          <a:off x="0" y="0"/>
+          <a:ext cx="0" cy="0"/>
+          <a:chOff x="0" y="0"/>
+          <a:chExt cx="0" cy="0"/>
+        </a:xfrm>
+      </p:grpSpPr>
+      <p:sp>
+        <p:nvSpPr>
+          <p:cNvPr id="12" name="Rectangle 11">
+            <a:extLst>
+              <a:ext uri="{FF2B5EF4-FFF2-40B4-BE49-F238E27FC236}">
+                <a16:creationId xmlns:a16="http://schemas.microsoft.com/office/drawing/2014/main" id="{EBF87945-A001-489F-9D9B-7D9435F0B9CA}"/>
+              </a:ext>
+              <a:ext uri="{C183D7F6-B498-43B3-948B-1728B52AA6E4}">
+                <adec:decorative xmlns:adec="http://schemas.microsoft.com/office/drawing/2017/decorative" val="1"/>
+              </a:ext>
+            </a:extLst>
+          </p:cNvPr>
+          <p:cNvSpPr>
+            <a:spLocks noGrp="1" noRot="1" noChangeAspect="1" noMove="1" noResize="1" noEditPoints="1" noAdjustHandles="1" noChangeArrowheads="1" noChangeShapeType="1" noTextEdit="1"/>
+          </p:cNvSpPr>
+          <p:nvPr>
+            <p:extLst>
+              <p:ext uri="{386F3935-93C4-4BCD-93E2-E3B085C9AB24}">
+                <p16:designElem xmlns:p16="http://schemas.microsoft.com/office/powerpoint/2015/main" val="1"/>
+              </p:ext>
+            </p:extLst>
+          </p:nvPr>
+        </p:nvSpPr>
+        <p:spPr>
+          <a:xfrm>
+            <a:off x="548639" y="347471"/>
+            <a:ext cx="11100816" cy="1801368"/>
+          </a:xfrm>
+          <a:prstGeom prst="rect">
+            <a:avLst/>
+          </a:prstGeom>
+          <a:solidFill>
+            <a:schemeClr val="accent5"/>
+          </a:solidFill>
+          <a:ln>
+            <a:noFill/>
+          </a:ln>
+        </p:spPr>
+        <p:style>
+          <a:lnRef idx="2">
+            <a:schemeClr val="accent1">
+              <a:shade val="50000"/>
+            </a:schemeClr>
+          </a:lnRef>
+          <a:fillRef idx="1">
+            <a:schemeClr val="accent1"/>
+          </a:fillRef>
+          <a:effectRef idx="0">
+            <a:schemeClr val="accent1"/>
+          </a:effectRef>
+          <a:fontRef idx="minor">
+            <a:schemeClr val="lt1"/>
+          </a:fontRef>
+        </p:style>
+        <p:txBody>
+          <a:bodyPr rtlCol="0" anchor="ctr"/>
+          <a:lstStyle/>
+          <a:p>
+            <a:pPr algn="ctr"/>
+            <a:endParaRPr lang="en-US"/>
+          </a:p>
+        </p:txBody>
+      </p:sp>
+      <p:sp>
+        <p:nvSpPr>
+          <p:cNvPr id="2" name="Título 1">
+            <a:extLst>
+              <a:ext uri="{FF2B5EF4-FFF2-40B4-BE49-F238E27FC236}">
+                <a16:creationId xmlns:a16="http://schemas.microsoft.com/office/drawing/2014/main" id="{3A580CA3-C4A8-48EE-8329-D7B6949B6EF8}"/>
+              </a:ext>
+            </a:extLst>
+          </p:cNvPr>
+          <p:cNvSpPr>
+            <a:spLocks noGrp="1"/>
+          </p:cNvSpPr>
+          <p:nvPr>
+            <p:ph type="title"/>
+          </p:nvPr>
+        </p:nvSpPr>
+        <p:spPr>
+          <a:xfrm>
+            <a:off x="838200" y="585216"/>
+            <a:ext cx="10515600" cy="1325563"/>
+          </a:xfrm>
+        </p:spPr>
+        <p:txBody>
+          <a:bodyPr vert="horz" lIns="91440" tIns="45720" rIns="91440" bIns="45720" rtlCol="0" anchor="ctr">
+            <a:normAutofit/>
+          </a:bodyPr>
+          <a:lstStyle/>
+          <a:p>
+            <a:r>
+              <a:rPr lang="en-US">
+                <a:solidFill>
+                  <a:srgbClr val="FFFFFF"/>
+                </a:solidFill>
+              </a:rPr>
+              <a:t>Backlog</a:t>
+            </a:r>
+          </a:p>
+        </p:txBody>
+      </p:sp>
+      <p:pic>
+        <p:nvPicPr>
+          <p:cNvPr id="7" name="Imagem 6">
+            <a:extLst>
+              <a:ext uri="{FF2B5EF4-FFF2-40B4-BE49-F238E27FC236}">
+                <a16:creationId xmlns:a16="http://schemas.microsoft.com/office/drawing/2014/main" id="{E462C9DF-18F2-48EE-AA9E-93A3426BA2F5}"/>
+              </a:ext>
+            </a:extLst>
+          </p:cNvPr>
+          <p:cNvPicPr>
+            <a:picLocks noChangeAspect="1"/>
+          </p:cNvPicPr>
+          <p:nvPr/>
+        </p:nvPicPr>
+        <p:blipFill rotWithShape="1">
+          <a:blip r:embed="rId2"/>
+          <a:srcRect r="4159" b="-3"/>
+          <a:stretch/>
+        </p:blipFill>
+        <p:spPr>
+          <a:xfrm>
+            <a:off x="841248" y="2516777"/>
+            <a:ext cx="6236208" cy="3660185"/>
+          </a:xfrm>
+          <a:prstGeom prst="rect">
+            <a:avLst/>
+          </a:prstGeom>
+        </p:spPr>
+      </p:pic>
+      <p:sp>
+        <p:nvSpPr>
+          <p:cNvPr id="5" name="Retângulo 4">
+            <a:extLst>
+              <a:ext uri="{FF2B5EF4-FFF2-40B4-BE49-F238E27FC236}">
+                <a16:creationId xmlns:a16="http://schemas.microsoft.com/office/drawing/2014/main" id="{2842D2F7-1F0E-4187-BF45-586651DFA6B4}"/>
+              </a:ext>
+            </a:extLst>
+          </p:cNvPr>
+          <p:cNvSpPr/>
+          <p:nvPr/>
+        </p:nvSpPr>
+        <p:spPr>
+          <a:xfrm>
+            <a:off x="7546848" y="2516777"/>
+            <a:ext cx="3803904" cy="3660185"/>
+          </a:xfrm>
+          <a:prstGeom prst="rect">
+            <a:avLst/>
+          </a:prstGeom>
+        </p:spPr>
+        <p:txBody>
+          <a:bodyPr vert="horz" lIns="91440" tIns="45720" rIns="91440" bIns="45720" rtlCol="0" anchor="ctr">
+            <a:normAutofit/>
+          </a:bodyPr>
+          <a:lstStyle/>
+          <a:p>
+            <a:pPr marL="285750" indent="-228600">
+              <a:lnSpc>
+                <a:spcPct val="90000"/>
+              </a:lnSpc>
+              <a:spcAft>
+                <a:spcPts val="600"/>
+              </a:spcAft>
+              <a:buFont typeface="Arial" panose="020B0604020202020204" pitchFamily="34" charset="0"/>
+              <a:buChar char="•"/>
+            </a:pPr>
+            <a:r>
+              <a:rPr lang="en-US" sz="1900">
+                <a:effectLst>
+                  <a:outerShdw blurRad="38100" dist="38100" dir="2700000" algn="tl">
+                    <a:srgbClr val="000000">
+                      <a:alpha val="43137"/>
+                    </a:srgbClr>
+                  </a:outerShdw>
+                </a:effectLst>
+              </a:rPr>
+              <a:t>Backlog da Página Web</a:t>
+            </a:r>
+            <a:r>
+              <a:rPr lang="en-US" sz="1900"/>
+              <a:t>: </a:t>
+            </a:r>
+            <a:r>
+              <a:rPr lang="en-US" sz="1900">
+                <a:hlinkClick r:id="rId3"/>
+              </a:rPr>
+              <a:t>https://trello.com/b/gkREIOhE/pagina-web-institucional#</a:t>
+            </a:r>
+            <a:endParaRPr lang="en-US" sz="1900"/>
+          </a:p>
+          <a:p>
+            <a:pPr marL="285750" indent="-228600">
+              <a:lnSpc>
+                <a:spcPct val="90000"/>
+              </a:lnSpc>
+              <a:spcAft>
+                <a:spcPts val="600"/>
+              </a:spcAft>
+              <a:buFont typeface="Arial" panose="020B0604020202020204" pitchFamily="34" charset="0"/>
+              <a:buChar char="•"/>
+            </a:pPr>
+            <a:endParaRPr lang="en-US" sz="1900"/>
+          </a:p>
+          <a:p>
+            <a:pPr marL="285750" indent="-228600">
+              <a:lnSpc>
+                <a:spcPct val="90000"/>
+              </a:lnSpc>
+              <a:spcAft>
+                <a:spcPts val="600"/>
+              </a:spcAft>
+              <a:buFont typeface="Arial" panose="020B0604020202020204" pitchFamily="34" charset="0"/>
+              <a:buChar char="•"/>
+            </a:pPr>
+            <a:r>
+              <a:rPr lang="en-US" sz="1900"/>
+              <a:t>Backlog do Banco de Dados: </a:t>
+            </a:r>
+            <a:r>
+              <a:rPr lang="en-US" sz="1900">
+                <a:hlinkClick r:id="rId4"/>
+              </a:rPr>
+              <a:t>https://trello.com/b/CPmBase7/banco-de-dados#</a:t>
+            </a:r>
+            <a:endParaRPr lang="en-US" sz="1900"/>
+          </a:p>
+          <a:p>
+            <a:pPr marL="285750" indent="-228600">
+              <a:lnSpc>
+                <a:spcPct val="90000"/>
+              </a:lnSpc>
+              <a:spcAft>
+                <a:spcPts val="600"/>
+              </a:spcAft>
+              <a:buFont typeface="Arial" panose="020B0604020202020204" pitchFamily="34" charset="0"/>
+              <a:buChar char="•"/>
+            </a:pPr>
+            <a:endParaRPr lang="en-US" sz="1900"/>
+          </a:p>
+          <a:p>
+            <a:pPr marL="285750" indent="-228600">
+              <a:lnSpc>
+                <a:spcPct val="90000"/>
+              </a:lnSpc>
+              <a:spcAft>
+                <a:spcPts val="600"/>
+              </a:spcAft>
+              <a:buFont typeface="Arial" panose="020B0604020202020204" pitchFamily="34" charset="0"/>
+              <a:buChar char="•"/>
+            </a:pPr>
+            <a:r>
+              <a:rPr lang="en-US" sz="1900"/>
+              <a:t>Backlog do Simulador de Sensores: </a:t>
+            </a:r>
+            <a:r>
+              <a:rPr lang="en-US" sz="1900">
+                <a:hlinkClick r:id="rId5"/>
+              </a:rPr>
+              <a:t>https://trello.com/b/rW7Jmab2/arduino-simulador-de-sensores#</a:t>
+            </a:r>
+            <a:endParaRPr lang="en-US" sz="1900"/>
+          </a:p>
+        </p:txBody>
+      </p:sp>
+    </p:spTree>
+    <p:extLst>
+      <p:ext uri="{BB962C8B-B14F-4D97-AF65-F5344CB8AC3E}">
+        <p14:creationId xmlns:p14="http://schemas.microsoft.com/office/powerpoint/2010/main" val="3726330790"/>
+      </p:ext>
+    </p:extLst>
+  </p:cSld>
+  <p:clrMapOvr>
+    <a:masterClrMapping/>
+  </p:clrMapOvr>
+</p:sld>
+</file>
+
+<file path=ppt/slides/slide8.xml><?xml version="1.0" encoding="utf-8"?>
+<p:sld xmlns:a="http://schemas.openxmlformats.org/drawingml/2006/main" xmlns:r="http://schemas.openxmlformats.org/officeDocument/2006/relationships" xmlns:p="http://schemas.openxmlformats.org/presentationml/2006/main">
+  <p:cSld>
     <p:bg>
       <p:bgPr>
         <a:solidFill>
@@ -7734,7 +9736,7 @@
 </p:sld>
 </file>
 
-<file path=ppt/slides/slide7.xml><?xml version="1.0" encoding="utf-8"?>
+<file path=ppt/slides/slide9.xml><?xml version="1.0" encoding="utf-8"?>
 <p:sld xmlns:a="http://schemas.openxmlformats.org/drawingml/2006/main" xmlns:r="http://schemas.openxmlformats.org/officeDocument/2006/relationships" xmlns:p="http://schemas.openxmlformats.org/presentationml/2006/main">
   <p:cSld>
     <p:spTree>
@@ -7849,865 +9851,12 @@
           </a:fontRef>
         </p:style>
       </p:cxnSp>
-    </p:spTree>
-    <p:extLst>
-      <p:ext uri="{BB962C8B-B14F-4D97-AF65-F5344CB8AC3E}">
-        <p14:creationId xmlns:p14="http://schemas.microsoft.com/office/powerpoint/2010/main" val="1663262286"/>
-      </p:ext>
-    </p:extLst>
-  </p:cSld>
-  <p:clrMapOvr>
-    <a:masterClrMapping/>
-  </p:clrMapOvr>
-</p:sld>
-</file>
-
-<file path=ppt/slides/slide8.xml><?xml version="1.0" encoding="utf-8"?>
-<p:sld xmlns:a="http://schemas.openxmlformats.org/drawingml/2006/main" xmlns:r="http://schemas.openxmlformats.org/officeDocument/2006/relationships" xmlns:p="http://schemas.openxmlformats.org/presentationml/2006/main">
-  <p:cSld>
-    <p:spTree>
-      <p:nvGrpSpPr>
-        <p:cNvPr id="1" name=""/>
-        <p:cNvGrpSpPr/>
-        <p:nvPr/>
-      </p:nvGrpSpPr>
-      <p:grpSpPr>
-        <a:xfrm>
-          <a:off x="0" y="0"/>
-          <a:ext cx="0" cy="0"/>
-          <a:chOff x="0" y="0"/>
-          <a:chExt cx="0" cy="0"/>
-        </a:xfrm>
-      </p:grpSpPr>
       <p:pic>
         <p:nvPicPr>
-          <p:cNvPr id="2" name="Imagem 1" descr="Tela de celular com texto preto sobre fundo branco&#10;&#10;Descrição gerada automaticamente">
-            <a:extLst>
-              <a:ext uri="{FF2B5EF4-FFF2-40B4-BE49-F238E27FC236}">
-                <a16:creationId xmlns:a16="http://schemas.microsoft.com/office/drawing/2014/main" id="{88621860-DC98-495A-8724-3A4CEB09131B}"/>
-              </a:ext>
-            </a:extLst>
-          </p:cNvPr>
-          <p:cNvPicPr>
-            <a:picLocks noChangeAspect="1"/>
-          </p:cNvPicPr>
-          <p:nvPr/>
-        </p:nvPicPr>
-        <p:blipFill rotWithShape="1">
-          <a:blip r:embed="rId2">
-            <a:extLst>
-              <a:ext uri="{28A0092B-C50C-407E-A947-70E740481C1C}">
-                <a14:useLocalDpi xmlns:a14="http://schemas.microsoft.com/office/drawing/2010/main" val="0"/>
-              </a:ext>
-            </a:extLst>
-          </a:blip>
-          <a:srcRect l="15616" r="-1" b="-1"/>
-          <a:stretch/>
-        </p:blipFill>
-        <p:spPr>
-          <a:xfrm>
-            <a:off x="321731" y="557189"/>
-            <a:ext cx="5668684" cy="5743618"/>
-          </a:xfrm>
-          <a:prstGeom prst="rect">
-            <a:avLst/>
-          </a:prstGeom>
-        </p:spPr>
-      </p:pic>
-      <p:pic>
-        <p:nvPicPr>
-          <p:cNvPr id="3" name="Imagem 2" descr="Tela de computador com texto preto sobre fundo branco&#10;&#10;Descrição gerada automaticamente">
-            <a:extLst>
-              <a:ext uri="{FF2B5EF4-FFF2-40B4-BE49-F238E27FC236}">
-                <a16:creationId xmlns:a16="http://schemas.microsoft.com/office/drawing/2014/main" id="{BB301F1E-1159-49B4-AA43-82E455F0FC41}"/>
-              </a:ext>
-            </a:extLst>
-          </p:cNvPr>
-          <p:cNvPicPr/>
-          <p:nvPr/>
-        </p:nvPicPr>
-        <p:blipFill rotWithShape="1">
-          <a:blip r:embed="rId3" cstate="print">
-            <a:extLst>
-              <a:ext uri="{28A0092B-C50C-407E-A947-70E740481C1C}">
-                <a14:useLocalDpi xmlns:a14="http://schemas.microsoft.com/office/drawing/2010/main" val="0"/>
-              </a:ext>
-            </a:extLst>
-          </a:blip>
-          <a:srcRect l="11336" r="14560" b="-2"/>
-          <a:stretch/>
-        </p:blipFill>
-        <p:spPr bwMode="auto">
-          <a:xfrm>
-            <a:off x="6195375" y="557189"/>
-            <a:ext cx="5674893" cy="5743618"/>
-          </a:xfrm>
-          <a:prstGeom prst="rect">
-            <a:avLst/>
-          </a:prstGeom>
-          <a:noFill/>
-        </p:spPr>
-      </p:pic>
-      <p:cxnSp>
-        <p:nvCxnSpPr>
-          <p:cNvPr id="5" name="Conector reto 4">
-            <a:extLst>
-              <a:ext uri="{FF2B5EF4-FFF2-40B4-BE49-F238E27FC236}">
-                <a16:creationId xmlns:a16="http://schemas.microsoft.com/office/drawing/2014/main" id="{D90523EA-AF65-44BB-8210-EBEF2EABF735}"/>
-              </a:ext>
-            </a:extLst>
-          </p:cNvPr>
-          <p:cNvCxnSpPr>
-            <a:cxnSpLocks/>
-          </p:cNvCxnSpPr>
-          <p:nvPr/>
-        </p:nvCxnSpPr>
-        <p:spPr>
-          <a:xfrm>
-            <a:off x="6096000" y="330200"/>
-            <a:ext cx="0" cy="6134100"/>
-          </a:xfrm>
-          <a:prstGeom prst="line">
-            <a:avLst/>
-          </a:prstGeom>
-          <a:ln/>
-        </p:spPr>
-        <p:style>
-          <a:lnRef idx="3">
-            <a:schemeClr val="accent1"/>
-          </a:lnRef>
-          <a:fillRef idx="0">
-            <a:schemeClr val="accent1"/>
-          </a:fillRef>
-          <a:effectRef idx="2">
-            <a:schemeClr val="accent1"/>
-          </a:effectRef>
-          <a:fontRef idx="minor">
-            <a:schemeClr val="tx1"/>
-          </a:fontRef>
-        </p:style>
-      </p:cxnSp>
-    </p:spTree>
-    <p:extLst>
-      <p:ext uri="{BB962C8B-B14F-4D97-AF65-F5344CB8AC3E}">
-        <p14:creationId xmlns:p14="http://schemas.microsoft.com/office/powerpoint/2010/main" val="1307777368"/>
-      </p:ext>
-    </p:extLst>
-  </p:cSld>
-  <p:clrMapOvr>
-    <a:masterClrMapping/>
-  </p:clrMapOvr>
-</p:sld>
-</file>
-
-<file path=ppt/slides/slide9.xml><?xml version="1.0" encoding="utf-8"?>
-<p:sld xmlns:a="http://schemas.openxmlformats.org/drawingml/2006/main" xmlns:r="http://schemas.openxmlformats.org/officeDocument/2006/relationships" xmlns:p="http://schemas.openxmlformats.org/presentationml/2006/main">
-  <p:cSld>
-    <p:spTree>
-      <p:nvGrpSpPr>
-        <p:cNvPr id="1" name=""/>
-        <p:cNvGrpSpPr/>
-        <p:nvPr/>
-      </p:nvGrpSpPr>
-      <p:grpSpPr>
-        <a:xfrm>
-          <a:off x="0" y="0"/>
-          <a:ext cx="0" cy="0"/>
-          <a:chOff x="0" y="0"/>
-          <a:chExt cx="0" cy="0"/>
-        </a:xfrm>
-      </p:grpSpPr>
-      <p:sp>
-        <p:nvSpPr>
-          <p:cNvPr id="2" name="Título 1">
-            <a:extLst>
-              <a:ext uri="{FF2B5EF4-FFF2-40B4-BE49-F238E27FC236}">
-                <a16:creationId xmlns:a16="http://schemas.microsoft.com/office/drawing/2014/main" id="{81717266-6AEC-4E54-ABDD-4B3A2718C4F3}"/>
-              </a:ext>
-            </a:extLst>
-          </p:cNvPr>
-          <p:cNvSpPr>
-            <a:spLocks noGrp="1"/>
-          </p:cNvSpPr>
-          <p:nvPr>
-            <p:ph type="title"/>
-          </p:nvPr>
-        </p:nvSpPr>
-        <p:spPr>
-          <a:xfrm>
-            <a:off x="838199" y="708890"/>
-            <a:ext cx="10515600" cy="1325563"/>
-          </a:xfrm>
-        </p:spPr>
-        <p:txBody>
-          <a:bodyPr>
-            <a:normAutofit/>
-          </a:bodyPr>
-          <a:lstStyle/>
-          <a:p>
-            <a:pPr algn="ctr"/>
-            <a:r>
-              <a:rPr lang="pt-BR" sz="3700" dirty="0">
-                <a:latin typeface="Arial" panose="020B0604020202020204" pitchFamily="34" charset="0"/>
-                <a:cs typeface="Arial" panose="020B0604020202020204" pitchFamily="34" charset="0"/>
-              </a:rPr>
-              <a:t>Onde os dados são armazenados?</a:t>
-            </a:r>
-          </a:p>
-        </p:txBody>
-      </p:sp>
-      <p:pic>
-        <p:nvPicPr>
-          <p:cNvPr id="4" name="Picture 2" descr="Waste Water Treatment Leakage Broke Svg Png Icon Free Download (#569149) -  OnlineWebFonts.COM">
-            <a:extLst>
-              <a:ext uri="{FF2B5EF4-FFF2-40B4-BE49-F238E27FC236}">
-                <a16:creationId xmlns:a16="http://schemas.microsoft.com/office/drawing/2014/main" id="{A9027475-A512-4FFC-B95F-6730DF59B3DE}"/>
-              </a:ext>
-            </a:extLst>
-          </p:cNvPr>
-          <p:cNvPicPr>
-            <a:picLocks noChangeAspect="1" noChangeArrowheads="1"/>
-          </p:cNvPicPr>
-          <p:nvPr/>
-        </p:nvPicPr>
-        <p:blipFill rotWithShape="1">
-          <a:blip r:embed="rId2">
-            <a:alphaModFix/>
-            <a:extLst>
-              <a:ext uri="{28A0092B-C50C-407E-A947-70E740481C1C}">
-                <a14:useLocalDpi xmlns:a14="http://schemas.microsoft.com/office/drawing/2010/main" val="0"/>
-              </a:ext>
-            </a:extLst>
-          </a:blip>
-          <a:srcRect r="548"/>
-          <a:stretch/>
-        </p:blipFill>
-        <p:spPr bwMode="auto">
-          <a:xfrm>
-            <a:off x="314372" y="4851908"/>
-            <a:ext cx="1870411" cy="2006092"/>
-          </a:xfrm>
-          <a:prstGeom prst="rect">
-            <a:avLst/>
-          </a:prstGeom>
-          <a:noFill/>
-          <a:extLst>
-            <a:ext uri="{909E8E84-426E-40DD-AFC4-6F175D3DCCD1}">
-              <a14:hiddenFill xmlns:a14="http://schemas.microsoft.com/office/drawing/2010/main">
-                <a:solidFill>
-                  <a:srgbClr val="FFFFFF"/>
-                </a:solidFill>
-              </a14:hiddenFill>
-            </a:ext>
-          </a:extLst>
-        </p:spPr>
-      </p:pic>
-      <p:pic>
-        <p:nvPicPr>
-          <p:cNvPr id="5" name="Picture 6" descr="temperature and humidity sensor">
-            <a:extLst>
-              <a:ext uri="{FF2B5EF4-FFF2-40B4-BE49-F238E27FC236}">
-                <a16:creationId xmlns:a16="http://schemas.microsoft.com/office/drawing/2014/main" id="{B285B2BE-0AF8-4A57-823E-D0EFFB44C254}"/>
-              </a:ext>
-            </a:extLst>
-          </p:cNvPr>
-          <p:cNvPicPr>
-            <a:picLocks noChangeAspect="1" noChangeArrowheads="1"/>
-          </p:cNvPicPr>
-          <p:nvPr/>
-        </p:nvPicPr>
-        <p:blipFill>
-          <a:blip r:embed="rId3">
-            <a:extLst>
-              <a:ext uri="{28A0092B-C50C-407E-A947-70E740481C1C}">
-                <a14:useLocalDpi xmlns:a14="http://schemas.microsoft.com/office/drawing/2010/main" val="0"/>
-              </a:ext>
-            </a:extLst>
-          </a:blip>
-          <a:srcRect/>
-          <a:stretch>
-            <a:fillRect/>
-          </a:stretch>
-        </p:blipFill>
-        <p:spPr bwMode="auto">
-          <a:xfrm rot="18635752">
-            <a:off x="1092002" y="6225041"/>
-            <a:ext cx="315149" cy="315149"/>
-          </a:xfrm>
-          <a:prstGeom prst="rect">
-            <a:avLst/>
-          </a:prstGeom>
-          <a:noFill/>
-          <a:extLst>
-            <a:ext uri="{909E8E84-426E-40DD-AFC4-6F175D3DCCD1}">
-              <a14:hiddenFill xmlns:a14="http://schemas.microsoft.com/office/drawing/2010/main">
-                <a:solidFill>
-                  <a:srgbClr val="FFFFFF"/>
-                </a:solidFill>
-              </a14:hiddenFill>
-            </a:ext>
-          </a:extLst>
-        </p:spPr>
-      </p:pic>
-      <p:pic>
-        <p:nvPicPr>
-          <p:cNvPr id="6" name="Picture 8" descr="Alert Alt Svg Png Icon Free Download (#565392) - OnlineWebFonts.COM">
-            <a:extLst>
-              <a:ext uri="{FF2B5EF4-FFF2-40B4-BE49-F238E27FC236}">
-                <a16:creationId xmlns:a16="http://schemas.microsoft.com/office/drawing/2014/main" id="{2E7665F3-0BAE-4C54-AF17-EF1B6CAB0B8F}"/>
-              </a:ext>
-            </a:extLst>
-          </p:cNvPr>
-          <p:cNvPicPr>
-            <a:picLocks noChangeAspect="1" noChangeArrowheads="1"/>
-          </p:cNvPicPr>
-          <p:nvPr/>
-        </p:nvPicPr>
-        <p:blipFill rotWithShape="1">
-          <a:blip r:embed="rId4">
-            <a:duotone>
-              <a:schemeClr val="accent2">
-                <a:shade val="45000"/>
-                <a:satMod val="135000"/>
-              </a:schemeClr>
-              <a:prstClr val="white"/>
-            </a:duotone>
-            <a:alphaModFix/>
-            <a:extLst>
-              <a:ext uri="{BEBA8EAE-BF5A-486C-A8C5-ECC9F3942E4B}">
-                <a14:imgProps xmlns:a14="http://schemas.microsoft.com/office/drawing/2010/main">
-                  <a14:imgLayer r:embed="rId5">
-                    <a14:imgEffect>
-                      <a14:colorTemperature colorTemp="6360"/>
-                    </a14:imgEffect>
-                    <a14:imgEffect>
-                      <a14:saturation sat="191000"/>
-                    </a14:imgEffect>
-                  </a14:imgLayer>
-                </a14:imgProps>
-              </a:ext>
-              <a:ext uri="{28A0092B-C50C-407E-A947-70E740481C1C}">
-                <a14:useLocalDpi xmlns:a14="http://schemas.microsoft.com/office/drawing/2010/main" val="0"/>
-              </a:ext>
-            </a:extLst>
-          </a:blip>
-          <a:srcRect b="72111"/>
-          <a:stretch/>
-        </p:blipFill>
-        <p:spPr bwMode="auto">
-          <a:xfrm rot="13158707">
-            <a:off x="841771" y="6471416"/>
-            <a:ext cx="491158" cy="209764"/>
-          </a:xfrm>
-          <a:prstGeom prst="rect">
-            <a:avLst/>
-          </a:prstGeom>
-          <a:noFill/>
-          <a:ln>
-            <a:noFill/>
-          </a:ln>
-        </p:spPr>
-      </p:pic>
-      <p:pic>
-        <p:nvPicPr>
-          <p:cNvPr id="1026" name="Picture 2" descr="poste elétrico - ícones de eletrônicos grátis">
-            <a:extLst>
-              <a:ext uri="{FF2B5EF4-FFF2-40B4-BE49-F238E27FC236}">
-                <a16:creationId xmlns:a16="http://schemas.microsoft.com/office/drawing/2014/main" id="{49B43E45-D4D5-48F4-8B57-4A932C3C7CD5}"/>
-              </a:ext>
-            </a:extLst>
-          </p:cNvPr>
-          <p:cNvPicPr>
-            <a:picLocks noChangeAspect="1" noChangeArrowheads="1"/>
-          </p:cNvPicPr>
-          <p:nvPr/>
-        </p:nvPicPr>
-        <p:blipFill>
-          <a:blip r:embed="rId6">
-            <a:extLst>
-              <a:ext uri="{28A0092B-C50C-407E-A947-70E740481C1C}">
-                <a14:useLocalDpi xmlns:a14="http://schemas.microsoft.com/office/drawing/2010/main" val="0"/>
-              </a:ext>
-            </a:extLst>
-          </a:blip>
-          <a:srcRect/>
-          <a:stretch>
-            <a:fillRect/>
-          </a:stretch>
-        </p:blipFill>
-        <p:spPr bwMode="auto">
-          <a:xfrm>
-            <a:off x="2708610" y="3143029"/>
-            <a:ext cx="1708879" cy="1708879"/>
-          </a:xfrm>
-          <a:prstGeom prst="rect">
-            <a:avLst/>
-          </a:prstGeom>
-          <a:noFill/>
-          <a:extLst>
-            <a:ext uri="{909E8E84-426E-40DD-AFC4-6F175D3DCCD1}">
-              <a14:hiddenFill xmlns:a14="http://schemas.microsoft.com/office/drawing/2010/main">
-                <a:solidFill>
-                  <a:srgbClr val="FFFFFF"/>
-                </a:solidFill>
-              </a14:hiddenFill>
-            </a:ext>
-          </a:extLst>
-        </p:spPr>
-      </p:pic>
-      <p:pic>
-        <p:nvPicPr>
-          <p:cNvPr id="1030" name="Picture 6" descr="Roteador Wi-Fi Ícone - Download Grátis, PNG e Vetores">
-            <a:extLst>
-              <a:ext uri="{FF2B5EF4-FFF2-40B4-BE49-F238E27FC236}">
-                <a16:creationId xmlns:a16="http://schemas.microsoft.com/office/drawing/2014/main" id="{7A8BDA75-8082-4131-8F58-CCE859769CBD}"/>
-              </a:ext>
-            </a:extLst>
-          </p:cNvPr>
-          <p:cNvPicPr>
-            <a:picLocks noChangeAspect="1" noChangeArrowheads="1"/>
-          </p:cNvPicPr>
-          <p:nvPr/>
-        </p:nvPicPr>
-        <p:blipFill rotWithShape="1">
-          <a:blip r:embed="rId7">
-            <a:extLst>
-              <a:ext uri="{28A0092B-C50C-407E-A947-70E740481C1C}">
-                <a14:useLocalDpi xmlns:a14="http://schemas.microsoft.com/office/drawing/2010/main" val="0"/>
-              </a:ext>
-            </a:extLst>
-          </a:blip>
-          <a:srcRect r="5484" b="5242"/>
-          <a:stretch/>
-        </p:blipFill>
-        <p:spPr bwMode="auto">
-          <a:xfrm>
-            <a:off x="2708612" y="2809952"/>
-            <a:ext cx="742512" cy="744410"/>
-          </a:xfrm>
-          <a:prstGeom prst="rect">
-            <a:avLst/>
-          </a:prstGeom>
-          <a:noFill/>
-          <a:extLst>
-            <a:ext uri="{909E8E84-426E-40DD-AFC4-6F175D3DCCD1}">
-              <a14:hiddenFill xmlns:a14="http://schemas.microsoft.com/office/drawing/2010/main">
-                <a:solidFill>
-                  <a:srgbClr val="FFFFFF"/>
-                </a:solidFill>
-              </a14:hiddenFill>
-            </a:ext>
-          </a:extLst>
-        </p:spPr>
-      </p:pic>
-      <p:pic>
-        <p:nvPicPr>
-          <p:cNvPr id="1032" name="Picture 8" descr="ícone Servidor Livre de WHCompare Isometric Web Hosting &amp; Servers">
-            <a:extLst>
-              <a:ext uri="{FF2B5EF4-FFF2-40B4-BE49-F238E27FC236}">
-                <a16:creationId xmlns:a16="http://schemas.microsoft.com/office/drawing/2014/main" id="{CBDCF82D-42C4-4EB5-BDEF-78695D8EACC1}"/>
-              </a:ext>
-            </a:extLst>
-          </p:cNvPr>
-          <p:cNvPicPr>
-            <a:picLocks noChangeAspect="1" noChangeArrowheads="1"/>
-          </p:cNvPicPr>
-          <p:nvPr/>
-        </p:nvPicPr>
-        <p:blipFill>
-          <a:blip r:embed="rId8">
-            <a:extLst>
-              <a:ext uri="{28A0092B-C50C-407E-A947-70E740481C1C}">
-                <a14:useLocalDpi xmlns:a14="http://schemas.microsoft.com/office/drawing/2010/main" val="0"/>
-              </a:ext>
-            </a:extLst>
-          </a:blip>
-          <a:srcRect/>
-          <a:stretch>
-            <a:fillRect/>
-          </a:stretch>
-        </p:blipFill>
-        <p:spPr bwMode="auto">
-          <a:xfrm>
-            <a:off x="4941316" y="4759790"/>
-            <a:ext cx="2190327" cy="2190327"/>
-          </a:xfrm>
-          <a:prstGeom prst="rect">
-            <a:avLst/>
-          </a:prstGeom>
-          <a:noFill/>
-          <a:extLst>
-            <a:ext uri="{909E8E84-426E-40DD-AFC4-6F175D3DCCD1}">
-              <a14:hiddenFill xmlns:a14="http://schemas.microsoft.com/office/drawing/2010/main">
-                <a:solidFill>
-                  <a:srgbClr val="FFFFFF"/>
-                </a:solidFill>
-              </a14:hiddenFill>
-            </a:ext>
-          </a:extLst>
-        </p:spPr>
-      </p:pic>
-      <p:pic>
-        <p:nvPicPr>
-          <p:cNvPr id="1034" name="Picture 10" descr="Person using computer icon vector illustration design.">
-            <a:extLst>
-              <a:ext uri="{FF2B5EF4-FFF2-40B4-BE49-F238E27FC236}">
-                <a16:creationId xmlns:a16="http://schemas.microsoft.com/office/drawing/2014/main" id="{54807AD0-A037-46D2-9142-5A86027BD3DE}"/>
-              </a:ext>
-            </a:extLst>
-          </p:cNvPr>
-          <p:cNvPicPr>
-            <a:picLocks noChangeAspect="1" noChangeArrowheads="1"/>
-          </p:cNvPicPr>
-          <p:nvPr/>
-        </p:nvPicPr>
-        <p:blipFill rotWithShape="1">
-          <a:blip r:embed="rId9">
-            <a:extLst>
-              <a:ext uri="{28A0092B-C50C-407E-A947-70E740481C1C}">
-                <a14:useLocalDpi xmlns:a14="http://schemas.microsoft.com/office/drawing/2010/main" val="0"/>
-              </a:ext>
-            </a:extLst>
-          </a:blip>
-          <a:srcRect b="20960"/>
-          <a:stretch/>
-        </p:blipFill>
-        <p:spPr bwMode="auto">
-          <a:xfrm>
-            <a:off x="7774512" y="2947883"/>
-            <a:ext cx="1940641" cy="1661705"/>
-          </a:xfrm>
-          <a:prstGeom prst="rect">
-            <a:avLst/>
-          </a:prstGeom>
-          <a:noFill/>
-          <a:extLst>
-            <a:ext uri="{909E8E84-426E-40DD-AFC4-6F175D3DCCD1}">
-              <a14:hiddenFill xmlns:a14="http://schemas.microsoft.com/office/drawing/2010/main">
-                <a:solidFill>
-                  <a:srgbClr val="FFFFFF"/>
-                </a:solidFill>
-              </a14:hiddenFill>
-            </a:ext>
-          </a:extLst>
-        </p:spPr>
-      </p:pic>
-      <p:pic>
-        <p:nvPicPr>
-          <p:cNvPr id="1036" name="Picture 12" descr="computer, desktop, laptop, mac, monitor, pc, screen icon | Conjunto de  ícones, Conjunto de">
-            <a:extLst>
-              <a:ext uri="{FF2B5EF4-FFF2-40B4-BE49-F238E27FC236}">
-                <a16:creationId xmlns:a16="http://schemas.microsoft.com/office/drawing/2014/main" id="{207611DD-ED0F-4EF6-86BE-D157312D68E1}"/>
-              </a:ext>
-            </a:extLst>
-          </p:cNvPr>
-          <p:cNvPicPr>
-            <a:picLocks noChangeAspect="1" noChangeArrowheads="1"/>
-          </p:cNvPicPr>
-          <p:nvPr/>
-        </p:nvPicPr>
-        <p:blipFill>
-          <a:blip r:embed="rId10">
-            <a:extLst>
-              <a:ext uri="{28A0092B-C50C-407E-A947-70E740481C1C}">
-                <a14:useLocalDpi xmlns:a14="http://schemas.microsoft.com/office/drawing/2010/main" val="0"/>
-              </a:ext>
-            </a:extLst>
-          </a:blip>
-          <a:srcRect/>
-          <a:stretch>
-            <a:fillRect/>
-          </a:stretch>
-        </p:blipFill>
-        <p:spPr bwMode="auto">
-          <a:xfrm>
-            <a:off x="9560874" y="2906200"/>
-            <a:ext cx="2190327" cy="1981045"/>
-          </a:xfrm>
-          <a:prstGeom prst="rect">
-            <a:avLst/>
-          </a:prstGeom>
-          <a:noFill/>
-          <a:extLst>
-            <a:ext uri="{909E8E84-426E-40DD-AFC4-6F175D3DCCD1}">
-              <a14:hiddenFill xmlns:a14="http://schemas.microsoft.com/office/drawing/2010/main">
-                <a:solidFill>
-                  <a:srgbClr val="FFFFFF"/>
-                </a:solidFill>
-              </a14:hiddenFill>
-            </a:ext>
-          </a:extLst>
-        </p:spPr>
-      </p:pic>
-      <p:sp>
-        <p:nvSpPr>
-          <p:cNvPr id="7" name="CaixaDeTexto 6">
-            <a:extLst>
-              <a:ext uri="{FF2B5EF4-FFF2-40B4-BE49-F238E27FC236}">
-                <a16:creationId xmlns:a16="http://schemas.microsoft.com/office/drawing/2014/main" id="{C3D9AF88-2C98-4553-B0A1-E0B2F86C0658}"/>
-              </a:ext>
-            </a:extLst>
-          </p:cNvPr>
-          <p:cNvSpPr txBox="1"/>
-          <p:nvPr/>
-        </p:nvSpPr>
-        <p:spPr>
-          <a:xfrm>
-            <a:off x="9674157" y="3169442"/>
-            <a:ext cx="2077044" cy="830997"/>
-          </a:xfrm>
-          <a:prstGeom prst="rect">
-            <a:avLst/>
-          </a:prstGeom>
-          <a:noFill/>
-        </p:spPr>
-        <p:txBody>
-          <a:bodyPr wrap="square" rtlCol="0">
-            <a:spAutoFit/>
-          </a:bodyPr>
-          <a:lstStyle/>
-          <a:p>
-            <a:r>
-              <a:rPr lang="pt-BR" sz="1600" b="1" dirty="0">
-                <a:latin typeface="Arial" panose="020B0604020202020204" pitchFamily="34" charset="0"/>
-                <a:cs typeface="Arial" panose="020B0604020202020204" pitchFamily="34" charset="0"/>
-              </a:rPr>
-              <a:t>Sensor 3 detectou um possível vazamento</a:t>
-            </a:r>
-          </a:p>
-        </p:txBody>
-      </p:sp>
-      <p:sp>
-        <p:nvSpPr>
-          <p:cNvPr id="12" name="Seta: Dobrada 11">
-            <a:extLst>
-              <a:ext uri="{FF2B5EF4-FFF2-40B4-BE49-F238E27FC236}">
-                <a16:creationId xmlns:a16="http://schemas.microsoft.com/office/drawing/2014/main" id="{4366ED66-17D2-466D-B291-EE6FBF8C3D21}"/>
-              </a:ext>
-            </a:extLst>
-          </p:cNvPr>
-          <p:cNvSpPr/>
-          <p:nvPr/>
-        </p:nvSpPr>
-        <p:spPr>
-          <a:xfrm>
-            <a:off x="1012728" y="3308498"/>
-            <a:ext cx="1459034" cy="1377939"/>
-          </a:xfrm>
-          <a:prstGeom prst="bentArrow">
-            <a:avLst/>
-          </a:prstGeom>
-          <a:solidFill>
-            <a:schemeClr val="tx1"/>
-          </a:solidFill>
-          <a:ln w="28575">
-            <a:solidFill>
-              <a:schemeClr val="accent1"/>
-            </a:solidFill>
-          </a:ln>
-        </p:spPr>
-        <p:style>
-          <a:lnRef idx="2">
-            <a:schemeClr val="accent1">
-              <a:shade val="50000"/>
-            </a:schemeClr>
-          </a:lnRef>
-          <a:fillRef idx="1">
-            <a:schemeClr val="accent1"/>
-          </a:fillRef>
-          <a:effectRef idx="0">
-            <a:schemeClr val="accent1"/>
-          </a:effectRef>
-          <a:fontRef idx="minor">
-            <a:schemeClr val="lt1"/>
-          </a:fontRef>
-        </p:style>
-        <p:txBody>
-          <a:bodyPr rtlCol="0" anchor="ctr"/>
-          <a:lstStyle/>
-          <a:p>
-            <a:pPr algn="ctr"/>
-            <a:endParaRPr lang="pt-BR">
-              <a:solidFill>
-                <a:schemeClr val="tx1"/>
-              </a:solidFill>
-            </a:endParaRPr>
-          </a:p>
-        </p:txBody>
-      </p:sp>
-      <p:sp>
-        <p:nvSpPr>
-          <p:cNvPr id="27" name="Seta: Dobrada 26">
-            <a:extLst>
-              <a:ext uri="{FF2B5EF4-FFF2-40B4-BE49-F238E27FC236}">
-                <a16:creationId xmlns:a16="http://schemas.microsoft.com/office/drawing/2014/main" id="{E1B164E1-E2B1-4315-87E5-DFE21A4AE3F1}"/>
-              </a:ext>
-            </a:extLst>
-          </p:cNvPr>
-          <p:cNvSpPr/>
-          <p:nvPr/>
-        </p:nvSpPr>
-        <p:spPr>
-          <a:xfrm rot="5400000">
-            <a:off x="4933089" y="3202886"/>
-            <a:ext cx="1258227" cy="1708879"/>
-          </a:xfrm>
-          <a:prstGeom prst="bentArrow">
-            <a:avLst>
-              <a:gd name="adj1" fmla="val 25000"/>
-              <a:gd name="adj2" fmla="val 25535"/>
-              <a:gd name="adj3" fmla="val 25000"/>
-              <a:gd name="adj4" fmla="val 43750"/>
-            </a:avLst>
-          </a:prstGeom>
-          <a:solidFill>
-            <a:schemeClr val="tx1"/>
-          </a:solidFill>
-          <a:ln w="28575">
-            <a:solidFill>
-              <a:schemeClr val="accent1"/>
-            </a:solidFill>
-          </a:ln>
-        </p:spPr>
-        <p:style>
-          <a:lnRef idx="2">
-            <a:schemeClr val="accent1">
-              <a:shade val="50000"/>
-            </a:schemeClr>
-          </a:lnRef>
-          <a:fillRef idx="1">
-            <a:schemeClr val="accent1"/>
-          </a:fillRef>
-          <a:effectRef idx="0">
-            <a:schemeClr val="accent1"/>
-          </a:effectRef>
-          <a:fontRef idx="minor">
-            <a:schemeClr val="lt1"/>
-          </a:fontRef>
-        </p:style>
-        <p:txBody>
-          <a:bodyPr rtlCol="0" anchor="ctr"/>
-          <a:lstStyle/>
-          <a:p>
-            <a:pPr algn="ctr"/>
-            <a:endParaRPr lang="pt-BR">
-              <a:solidFill>
-                <a:schemeClr val="tx1"/>
-              </a:solidFill>
-            </a:endParaRPr>
-          </a:p>
-        </p:txBody>
-      </p:sp>
-      <p:sp>
-        <p:nvSpPr>
-          <p:cNvPr id="30" name="Seta: Dobrada 29">
-            <a:extLst>
-              <a:ext uri="{FF2B5EF4-FFF2-40B4-BE49-F238E27FC236}">
-                <a16:creationId xmlns:a16="http://schemas.microsoft.com/office/drawing/2014/main" id="{CDD5915B-A970-438D-BF62-32FB5A19344B}"/>
-              </a:ext>
-            </a:extLst>
-          </p:cNvPr>
-          <p:cNvSpPr/>
-          <p:nvPr/>
-        </p:nvSpPr>
-        <p:spPr>
-          <a:xfrm rot="5400000" flipH="1">
-            <a:off x="7666041" y="4223741"/>
-            <a:ext cx="1360433" cy="2429231"/>
-          </a:xfrm>
-          <a:prstGeom prst="bentArrow">
-            <a:avLst>
-              <a:gd name="adj1" fmla="val 25000"/>
-              <a:gd name="adj2" fmla="val 25535"/>
-              <a:gd name="adj3" fmla="val 25000"/>
-              <a:gd name="adj4" fmla="val 43750"/>
-            </a:avLst>
-          </a:prstGeom>
-          <a:solidFill>
-            <a:schemeClr val="tx1"/>
-          </a:solidFill>
-          <a:ln w="28575">
-            <a:solidFill>
-              <a:schemeClr val="accent1"/>
-            </a:solidFill>
-          </a:ln>
-        </p:spPr>
-        <p:style>
-          <a:lnRef idx="2">
-            <a:schemeClr val="accent1">
-              <a:shade val="50000"/>
-            </a:schemeClr>
-          </a:lnRef>
-          <a:fillRef idx="1">
-            <a:schemeClr val="accent1"/>
-          </a:fillRef>
-          <a:effectRef idx="0">
-            <a:schemeClr val="accent1"/>
-          </a:effectRef>
-          <a:fontRef idx="minor">
-            <a:schemeClr val="lt1"/>
-          </a:fontRef>
-        </p:style>
-        <p:txBody>
-          <a:bodyPr rtlCol="0" anchor="ctr"/>
-          <a:lstStyle/>
-          <a:p>
-            <a:pPr algn="ctr"/>
-            <a:endParaRPr lang="pt-BR">
-              <a:solidFill>
-                <a:schemeClr val="tx1"/>
-              </a:solidFill>
-            </a:endParaRPr>
-          </a:p>
-        </p:txBody>
-      </p:sp>
-      <p:cxnSp>
-        <p:nvCxnSpPr>
-          <p:cNvPr id="18" name="Conector reto 17">
-            <a:extLst>
-              <a:ext uri="{FF2B5EF4-FFF2-40B4-BE49-F238E27FC236}">
-                <a16:creationId xmlns:a16="http://schemas.microsoft.com/office/drawing/2014/main" id="{6105CB52-E11F-4E14-B6A3-6554486FA74A}"/>
-              </a:ext>
-            </a:extLst>
-          </p:cNvPr>
-          <p:cNvCxnSpPr/>
-          <p:nvPr/>
-        </p:nvCxnSpPr>
-        <p:spPr>
-          <a:xfrm>
-            <a:off x="377585" y="2035278"/>
-            <a:ext cx="11436829" cy="0"/>
-          </a:xfrm>
-          <a:prstGeom prst="line">
-            <a:avLst/>
-          </a:prstGeom>
-          <a:ln>
-            <a:solidFill>
-              <a:schemeClr val="tx1"/>
-            </a:solidFill>
-          </a:ln>
-        </p:spPr>
-        <p:style>
-          <a:lnRef idx="3">
-            <a:schemeClr val="dk1"/>
-          </a:lnRef>
-          <a:fillRef idx="0">
-            <a:schemeClr val="dk1"/>
-          </a:fillRef>
-          <a:effectRef idx="2">
-            <a:schemeClr val="dk1"/>
-          </a:effectRef>
-          <a:fontRef idx="minor">
-            <a:schemeClr val="tx1"/>
-          </a:fontRef>
-        </p:style>
-      </p:cxnSp>
-      <p:pic>
-        <p:nvPicPr>
-          <p:cNvPr id="33" name="Imagem 32">
-            <a:extLst>
-              <a:ext uri="{FF2B5EF4-FFF2-40B4-BE49-F238E27FC236}">
-                <a16:creationId xmlns:a16="http://schemas.microsoft.com/office/drawing/2014/main" id="{B7DA62BD-20DE-46B7-A3D7-DC7738701FEC}"/>
+          <p:cNvPr id="5" name="Imagem 4">
+            <a:extLst>
+              <a:ext uri="{FF2B5EF4-FFF2-40B4-BE49-F238E27FC236}">
+                <a16:creationId xmlns:a16="http://schemas.microsoft.com/office/drawing/2014/main" id="{0C2BFC19-2020-4662-A843-CC5FA82B755D}"/>
               </a:ext>
             </a:extLst>
           </p:cNvPr>
@@ -8717,7 +9866,7 @@
           <p:nvPr/>
         </p:nvPicPr>
         <p:blipFill>
-          <a:blip r:embed="rId11"/>
+          <a:blip r:embed="rId4"/>
           <a:stretch>
             <a:fillRect/>
           </a:stretch>
@@ -8735,7 +9884,7 @@
     </p:spTree>
     <p:extLst>
       <p:ext uri="{BB962C8B-B14F-4D97-AF65-F5344CB8AC3E}">
-        <p14:creationId xmlns:p14="http://schemas.microsoft.com/office/powerpoint/2010/main" val="1654437090"/>
+        <p14:creationId xmlns:p14="http://schemas.microsoft.com/office/powerpoint/2010/main" val="1663262286"/>
       </p:ext>
     </p:extLst>
   </p:cSld>

--- a/SUSTABIL - Apresentação real.pptx
+++ b/SUSTABIL - Apresentação real.pptx
@@ -300,7 +300,7 @@
           <a:p>
             <a:fld id="{5D8AFB0F-FD72-4B7A-9B91-BDD5A838F994}" type="datetimeFigureOut">
               <a:rPr lang="pt-BR" smtClean="0"/>
-              <a:t>22/09/20</a:t>
+              <a:t>23/09/20</a:t>
             </a:fld>
             <a:endParaRPr lang="pt-BR"/>
           </a:p>
@@ -498,7 +498,7 @@
           <a:p>
             <a:fld id="{5D8AFB0F-FD72-4B7A-9B91-BDD5A838F994}" type="datetimeFigureOut">
               <a:rPr lang="pt-BR" smtClean="0"/>
-              <a:t>22/09/20</a:t>
+              <a:t>23/09/20</a:t>
             </a:fld>
             <a:endParaRPr lang="pt-BR"/>
           </a:p>
@@ -706,7 +706,7 @@
           <a:p>
             <a:fld id="{5D8AFB0F-FD72-4B7A-9B91-BDD5A838F994}" type="datetimeFigureOut">
               <a:rPr lang="pt-BR" smtClean="0"/>
-              <a:t>22/09/20</a:t>
+              <a:t>23/09/20</a:t>
             </a:fld>
             <a:endParaRPr lang="pt-BR"/>
           </a:p>
@@ -904,7 +904,7 @@
           <a:p>
             <a:fld id="{5D8AFB0F-FD72-4B7A-9B91-BDD5A838F994}" type="datetimeFigureOut">
               <a:rPr lang="pt-BR" smtClean="0"/>
-              <a:t>22/09/20</a:t>
+              <a:t>23/09/20</a:t>
             </a:fld>
             <a:endParaRPr lang="pt-BR"/>
           </a:p>
@@ -1179,7 +1179,7 @@
           <a:p>
             <a:fld id="{5D8AFB0F-FD72-4B7A-9B91-BDD5A838F994}" type="datetimeFigureOut">
               <a:rPr lang="pt-BR" smtClean="0"/>
-              <a:t>22/09/20</a:t>
+              <a:t>23/09/20</a:t>
             </a:fld>
             <a:endParaRPr lang="pt-BR"/>
           </a:p>
@@ -1444,7 +1444,7 @@
           <a:p>
             <a:fld id="{5D8AFB0F-FD72-4B7A-9B91-BDD5A838F994}" type="datetimeFigureOut">
               <a:rPr lang="pt-BR" smtClean="0"/>
-              <a:t>22/09/20</a:t>
+              <a:t>23/09/20</a:t>
             </a:fld>
             <a:endParaRPr lang="pt-BR"/>
           </a:p>
@@ -1856,7 +1856,7 @@
           <a:p>
             <a:fld id="{5D8AFB0F-FD72-4B7A-9B91-BDD5A838F994}" type="datetimeFigureOut">
               <a:rPr lang="pt-BR" smtClean="0"/>
-              <a:t>22/09/20</a:t>
+              <a:t>23/09/20</a:t>
             </a:fld>
             <a:endParaRPr lang="pt-BR"/>
           </a:p>
@@ -1997,7 +1997,7 @@
           <a:p>
             <a:fld id="{5D8AFB0F-FD72-4B7A-9B91-BDD5A838F994}" type="datetimeFigureOut">
               <a:rPr lang="pt-BR" smtClean="0"/>
-              <a:t>22/09/20</a:t>
+              <a:t>23/09/20</a:t>
             </a:fld>
             <a:endParaRPr lang="pt-BR"/>
           </a:p>
@@ -2110,7 +2110,7 @@
           <a:p>
             <a:fld id="{5D8AFB0F-FD72-4B7A-9B91-BDD5A838F994}" type="datetimeFigureOut">
               <a:rPr lang="pt-BR" smtClean="0"/>
-              <a:t>22/09/20</a:t>
+              <a:t>23/09/20</a:t>
             </a:fld>
             <a:endParaRPr lang="pt-BR"/>
           </a:p>
@@ -2421,7 +2421,7 @@
           <a:p>
             <a:fld id="{5D8AFB0F-FD72-4B7A-9B91-BDD5A838F994}" type="datetimeFigureOut">
               <a:rPr lang="pt-BR" smtClean="0"/>
-              <a:t>22/09/20</a:t>
+              <a:t>23/09/20</a:t>
             </a:fld>
             <a:endParaRPr lang="pt-BR"/>
           </a:p>
@@ -2709,7 +2709,7 @@
           <a:p>
             <a:fld id="{5D8AFB0F-FD72-4B7A-9B91-BDD5A838F994}" type="datetimeFigureOut">
               <a:rPr lang="pt-BR" smtClean="0"/>
-              <a:t>22/09/20</a:t>
+              <a:t>23/09/20</a:t>
             </a:fld>
             <a:endParaRPr lang="pt-BR"/>
           </a:p>
@@ -2950,7 +2950,7 @@
           <a:p>
             <a:fld id="{5D8AFB0F-FD72-4B7A-9B91-BDD5A838F994}" type="datetimeFigureOut">
               <a:rPr lang="pt-BR" smtClean="0"/>
-              <a:t>22/09/20</a:t>
+              <a:t>23/09/20</a:t>
             </a:fld>
             <a:endParaRPr lang="pt-BR"/>
           </a:p>
@@ -9164,7 +9164,7 @@
               <a:buChar char="•"/>
             </a:pPr>
             <a:r>
-              <a:rPr lang="en-US" sz="1900">
+              <a:rPr lang="en-US" sz="1900" dirty="0">
                 <a:effectLst>
                   <a:outerShdw blurRad="38100" dist="38100" dir="2700000" algn="tl">
                     <a:srgbClr val="000000">
@@ -9176,16 +9176,16 @@
               <a:t>Backlog da Página Web</a:t>
             </a:r>
             <a:r>
-              <a:rPr lang="en-US" sz="1900"/>
+              <a:rPr lang="en-US" sz="1900" dirty="0"/>
               <a:t>: </a:t>
             </a:r>
             <a:r>
-              <a:rPr lang="en-US" sz="1900">
+              <a:rPr lang="en-US" sz="1900" dirty="0">
                 <a:hlinkClick r:id="rId3"/>
               </a:rPr>
               <a:t>https://trello.com/b/gkREIOhE/pagina-web-institucional#</a:t>
             </a:r>
-            <a:endParaRPr lang="en-US" sz="1900"/>
+            <a:endParaRPr lang="en-US" sz="1900" dirty="0"/>
           </a:p>
           <a:p>
             <a:pPr marL="285750" indent="-228600">
@@ -9198,7 +9198,7 @@
               <a:buFont typeface="Arial" panose="020B0604020202020204" pitchFamily="34" charset="0"/>
               <a:buChar char="•"/>
             </a:pPr>
-            <a:endParaRPr lang="en-US" sz="1900"/>
+            <a:endParaRPr lang="en-US" sz="1900" dirty="0"/>
           </a:p>
           <a:p>
             <a:pPr marL="285750" indent="-228600">
@@ -9212,16 +9212,24 @@
               <a:buChar char="•"/>
             </a:pPr>
             <a:r>
-              <a:rPr lang="en-US" sz="1900"/>
+              <a:rPr lang="en-US" sz="1900" dirty="0">
+                <a:effectLst>
+                  <a:outerShdw blurRad="38100" dist="38100" dir="2700000" algn="tl">
+                    <a:srgbClr val="000000">
+                      <a:alpha val="43137"/>
+                    </a:srgbClr>
+                  </a:outerShdw>
+                </a:effectLst>
+              </a:rPr>
               <a:t>Backlog do Banco de Dados: </a:t>
             </a:r>
             <a:r>
-              <a:rPr lang="en-US" sz="1900">
+              <a:rPr lang="en-US" sz="1900" dirty="0">
                 <a:hlinkClick r:id="rId4"/>
               </a:rPr>
               <a:t>https://trello.com/b/CPmBase7/banco-de-dados#</a:t>
             </a:r>
-            <a:endParaRPr lang="en-US" sz="1900"/>
+            <a:endParaRPr lang="en-US" sz="1900" dirty="0"/>
           </a:p>
           <a:p>
             <a:pPr marL="285750" indent="-228600">
@@ -9234,7 +9242,7 @@
               <a:buFont typeface="Arial" panose="020B0604020202020204" pitchFamily="34" charset="0"/>
               <a:buChar char="•"/>
             </a:pPr>
-            <a:endParaRPr lang="en-US" sz="1900"/>
+            <a:endParaRPr lang="en-US" sz="1900" dirty="0"/>
           </a:p>
           <a:p>
             <a:pPr marL="285750" indent="-228600">
@@ -9248,16 +9256,28 @@
               <a:buChar char="•"/>
             </a:pPr>
             <a:r>
-              <a:rPr lang="en-US" sz="1900"/>
-              <a:t>Backlog do Simulador de Sensores: </a:t>
-            </a:r>
-            <a:r>
-              <a:rPr lang="en-US" sz="1900">
+              <a:rPr lang="en-US" sz="1900" dirty="0">
+                <a:effectLst>
+                  <a:outerShdw blurRad="38100" dist="38100" dir="2700000" algn="tl">
+                    <a:srgbClr val="000000">
+                      <a:alpha val="43137"/>
+                    </a:srgbClr>
+                  </a:outerShdw>
+                </a:effectLst>
+              </a:rPr>
+              <a:t>Backlog do Simulador de Sensores:</a:t>
+            </a:r>
+            <a:r>
+              <a:rPr lang="en-US" sz="1900" dirty="0"/>
+              <a:t> </a:t>
+            </a:r>
+            <a:r>
+              <a:rPr lang="en-US" sz="1900" dirty="0">
                 <a:hlinkClick r:id="rId5"/>
               </a:rPr>
               <a:t>https://trello.com/b/rW7Jmab2/arduino-simulador-de-sensores#</a:t>
             </a:r>
-            <a:endParaRPr lang="en-US" sz="1900"/>
+            <a:endParaRPr lang="en-US" sz="1900" dirty="0"/>
           </a:p>
         </p:txBody>
       </p:sp>
@@ -9755,33 +9775,6 @@
       </p:grpSpPr>
       <p:pic>
         <p:nvPicPr>
-          <p:cNvPr id="2" name="Imagem 1">
-            <a:extLst>
-              <a:ext uri="{FF2B5EF4-FFF2-40B4-BE49-F238E27FC236}">
-                <a16:creationId xmlns:a16="http://schemas.microsoft.com/office/drawing/2014/main" id="{1D617A6C-987F-432E-9A64-F60CA09DA181}"/>
-              </a:ext>
-            </a:extLst>
-          </p:cNvPr>
-          <p:cNvPicPr/>
-          <p:nvPr/>
-        </p:nvPicPr>
-        <p:blipFill rotWithShape="1">
-          <a:blip r:embed="rId2"/>
-          <a:srcRect l="10374" t="10558" r="18313" b="21207"/>
-          <a:stretch/>
-        </p:blipFill>
-        <p:spPr>
-          <a:xfrm>
-            <a:off x="6266156" y="1737642"/>
-            <a:ext cx="5294716" cy="3001714"/>
-          </a:xfrm>
-          <a:prstGeom prst="rect">
-            <a:avLst/>
-          </a:prstGeom>
-        </p:spPr>
-      </p:pic>
-      <p:pic>
-        <p:nvPicPr>
           <p:cNvPr id="45" name="Imagem 44">
             <a:extLst>
               <a:ext uri="{FF2B5EF4-FFF2-40B4-BE49-F238E27FC236}">
@@ -9793,7 +9786,7 @@
           <p:nvPr/>
         </p:nvPicPr>
         <p:blipFill>
-          <a:blip r:embed="rId3">
+          <a:blip r:embed="rId2">
             <a:extLst>
               <a:ext uri="{28A0092B-C50C-407E-A947-70E740481C1C}">
                 <a14:useLocalDpi xmlns:a14="http://schemas.microsoft.com/office/drawing/2010/main" val="0"/>
@@ -9806,7 +9799,7 @@
         </p:blipFill>
         <p:spPr>
           <a:xfrm>
-            <a:off x="735749" y="1427620"/>
+            <a:off x="6340136" y="1618121"/>
             <a:ext cx="5158012" cy="3621758"/>
           </a:xfrm>
           <a:prstGeom prst="rect">
@@ -9866,7 +9859,7 @@
           <p:nvPr/>
         </p:nvPicPr>
         <p:blipFill>
-          <a:blip r:embed="rId4"/>
+          <a:blip r:embed="rId3"/>
           <a:stretch>
             <a:fillRect/>
           </a:stretch>
@@ -9875,6 +9868,33 @@
           <a:xfrm>
             <a:off x="53894" y="35169"/>
             <a:ext cx="1035488" cy="1035488"/>
+          </a:xfrm>
+          <a:prstGeom prst="rect">
+            <a:avLst/>
+          </a:prstGeom>
+        </p:spPr>
+      </p:pic>
+      <p:pic>
+        <p:nvPicPr>
+          <p:cNvPr id="6" name="Imagem 5">
+            <a:extLst>
+              <a:ext uri="{FF2B5EF4-FFF2-40B4-BE49-F238E27FC236}">
+                <a16:creationId xmlns:a16="http://schemas.microsoft.com/office/drawing/2014/main" id="{F06113D5-BC16-46DA-B96C-AAE0BCD4277A}"/>
+              </a:ext>
+            </a:extLst>
+          </p:cNvPr>
+          <p:cNvPicPr/>
+          <p:nvPr/>
+        </p:nvPicPr>
+        <p:blipFill rotWithShape="1">
+          <a:blip r:embed="rId4"/>
+          <a:srcRect l="10374" t="10558" r="18313" b="21207"/>
+          <a:stretch/>
+        </p:blipFill>
+        <p:spPr>
+          <a:xfrm>
+            <a:off x="525065" y="1928143"/>
+            <a:ext cx="5294716" cy="3001714"/>
           </a:xfrm>
           <a:prstGeom prst="rect">
             <a:avLst/>

--- a/SUSTABIL - Apresentação real.pptx
+++ b/SUSTABIL - Apresentação real.pptx
@@ -14,13 +14,16 @@
     <p:sldId id="272" r:id="rId8"/>
     <p:sldId id="260" r:id="rId9"/>
     <p:sldId id="263" r:id="rId10"/>
-    <p:sldId id="268" r:id="rId11"/>
-    <p:sldId id="273" r:id="rId12"/>
-    <p:sldId id="269" r:id="rId13"/>
-    <p:sldId id="266" r:id="rId14"/>
-    <p:sldId id="267" r:id="rId15"/>
-    <p:sldId id="261" r:id="rId16"/>
-    <p:sldId id="271" r:id="rId17"/>
+    <p:sldId id="274" r:id="rId11"/>
+    <p:sldId id="268" r:id="rId12"/>
+    <p:sldId id="275" r:id="rId13"/>
+    <p:sldId id="273" r:id="rId14"/>
+    <p:sldId id="269" r:id="rId15"/>
+    <p:sldId id="266" r:id="rId16"/>
+    <p:sldId id="276" r:id="rId17"/>
+    <p:sldId id="267" r:id="rId18"/>
+    <p:sldId id="261" r:id="rId19"/>
+    <p:sldId id="271" r:id="rId20"/>
   </p:sldIdLst>
   <p:sldSz cx="12192000" cy="6858000"/>
   <p:notesSz cx="6858000" cy="9144000"/>
@@ -141,7 +144,7 @@
           <inkml:channelProperty channel="Y" name="resolution" value="1000" units="1/cm"/>
         </inkml:channelProperties>
       </inkml:inkSource>
-      <inkml:timestamp xml:id="ts0" timeString="2020-09-16T14:53:53.051"/>
+      <inkml:timestamp xml:id="ts0" timeString="2020-09-24T13:30:27.349"/>
     </inkml:context>
     <inkml:brush xml:id="br0">
       <inkml:brushProperty name="width" value="0.05" units="cm"/>
@@ -300,7 +303,7 @@
           <a:p>
             <a:fld id="{5D8AFB0F-FD72-4B7A-9B91-BDD5A838F994}" type="datetimeFigureOut">
               <a:rPr lang="pt-BR" smtClean="0"/>
-              <a:t>23/09/20</a:t>
+              <a:t>24/09/20</a:t>
             </a:fld>
             <a:endParaRPr lang="pt-BR"/>
           </a:p>
@@ -370,6 +373,18 @@
   <p:clrMapOvr>
     <a:masterClrMapping/>
   </p:clrMapOvr>
+  <mc:AlternateContent xmlns:mc="http://schemas.openxmlformats.org/markup-compatibility/2006">
+    <mc:Choice xmlns:p14="http://schemas.microsoft.com/office/powerpoint/2010/main" Requires="p14">
+      <p:transition spd="slow" p14:dur="1250">
+        <p:wipe/>
+      </p:transition>
+    </mc:Choice>
+    <mc:Fallback>
+      <p:transition spd="slow">
+        <p:wipe/>
+      </p:transition>
+    </mc:Fallback>
+  </mc:AlternateContent>
 </p:sldLayout>
 </file>
 
@@ -498,7 +513,7 @@
           <a:p>
             <a:fld id="{5D8AFB0F-FD72-4B7A-9B91-BDD5A838F994}" type="datetimeFigureOut">
               <a:rPr lang="pt-BR" smtClean="0"/>
-              <a:t>23/09/20</a:t>
+              <a:t>24/09/20</a:t>
             </a:fld>
             <a:endParaRPr lang="pt-BR"/>
           </a:p>
@@ -568,6 +583,18 @@
   <p:clrMapOvr>
     <a:masterClrMapping/>
   </p:clrMapOvr>
+  <mc:AlternateContent xmlns:mc="http://schemas.openxmlformats.org/markup-compatibility/2006">
+    <mc:Choice xmlns:p14="http://schemas.microsoft.com/office/powerpoint/2010/main" Requires="p14">
+      <p:transition spd="slow" p14:dur="1250">
+        <p:wipe/>
+      </p:transition>
+    </mc:Choice>
+    <mc:Fallback>
+      <p:transition spd="slow">
+        <p:wipe/>
+      </p:transition>
+    </mc:Fallback>
+  </mc:AlternateContent>
 </p:sldLayout>
 </file>
 
@@ -706,7 +733,7 @@
           <a:p>
             <a:fld id="{5D8AFB0F-FD72-4B7A-9B91-BDD5A838F994}" type="datetimeFigureOut">
               <a:rPr lang="pt-BR" smtClean="0"/>
-              <a:t>23/09/20</a:t>
+              <a:t>24/09/20</a:t>
             </a:fld>
             <a:endParaRPr lang="pt-BR"/>
           </a:p>
@@ -776,6 +803,18 @@
   <p:clrMapOvr>
     <a:masterClrMapping/>
   </p:clrMapOvr>
+  <mc:AlternateContent xmlns:mc="http://schemas.openxmlformats.org/markup-compatibility/2006">
+    <mc:Choice xmlns:p14="http://schemas.microsoft.com/office/powerpoint/2010/main" Requires="p14">
+      <p:transition spd="slow" p14:dur="1250">
+        <p:wipe/>
+      </p:transition>
+    </mc:Choice>
+    <mc:Fallback>
+      <p:transition spd="slow">
+        <p:wipe/>
+      </p:transition>
+    </mc:Fallback>
+  </mc:AlternateContent>
 </p:sldLayout>
 </file>
 
@@ -904,7 +943,7 @@
           <a:p>
             <a:fld id="{5D8AFB0F-FD72-4B7A-9B91-BDD5A838F994}" type="datetimeFigureOut">
               <a:rPr lang="pt-BR" smtClean="0"/>
-              <a:t>23/09/20</a:t>
+              <a:t>24/09/20</a:t>
             </a:fld>
             <a:endParaRPr lang="pt-BR"/>
           </a:p>
@@ -974,6 +1013,18 @@
   <p:clrMapOvr>
     <a:masterClrMapping/>
   </p:clrMapOvr>
+  <mc:AlternateContent xmlns:mc="http://schemas.openxmlformats.org/markup-compatibility/2006">
+    <mc:Choice xmlns:p14="http://schemas.microsoft.com/office/powerpoint/2010/main" Requires="p14">
+      <p:transition spd="slow" p14:dur="1250">
+        <p:wipe/>
+      </p:transition>
+    </mc:Choice>
+    <mc:Fallback>
+      <p:transition spd="slow">
+        <p:wipe/>
+      </p:transition>
+    </mc:Fallback>
+  </mc:AlternateContent>
 </p:sldLayout>
 </file>
 
@@ -1179,7 +1230,7 @@
           <a:p>
             <a:fld id="{5D8AFB0F-FD72-4B7A-9B91-BDD5A838F994}" type="datetimeFigureOut">
               <a:rPr lang="pt-BR" smtClean="0"/>
-              <a:t>23/09/20</a:t>
+              <a:t>24/09/20</a:t>
             </a:fld>
             <a:endParaRPr lang="pt-BR"/>
           </a:p>
@@ -1249,6 +1300,18 @@
   <p:clrMapOvr>
     <a:masterClrMapping/>
   </p:clrMapOvr>
+  <mc:AlternateContent xmlns:mc="http://schemas.openxmlformats.org/markup-compatibility/2006">
+    <mc:Choice xmlns:p14="http://schemas.microsoft.com/office/powerpoint/2010/main" Requires="p14">
+      <p:transition spd="slow" p14:dur="1250">
+        <p:wipe/>
+      </p:transition>
+    </mc:Choice>
+    <mc:Fallback>
+      <p:transition spd="slow">
+        <p:wipe/>
+      </p:transition>
+    </mc:Fallback>
+  </mc:AlternateContent>
 </p:sldLayout>
 </file>
 
@@ -1444,7 +1507,7 @@
           <a:p>
             <a:fld id="{5D8AFB0F-FD72-4B7A-9B91-BDD5A838F994}" type="datetimeFigureOut">
               <a:rPr lang="pt-BR" smtClean="0"/>
-              <a:t>23/09/20</a:t>
+              <a:t>24/09/20</a:t>
             </a:fld>
             <a:endParaRPr lang="pt-BR"/>
           </a:p>
@@ -1514,6 +1577,18 @@
   <p:clrMapOvr>
     <a:masterClrMapping/>
   </p:clrMapOvr>
+  <mc:AlternateContent xmlns:mc="http://schemas.openxmlformats.org/markup-compatibility/2006">
+    <mc:Choice xmlns:p14="http://schemas.microsoft.com/office/powerpoint/2010/main" Requires="p14">
+      <p:transition spd="slow" p14:dur="1250">
+        <p:wipe/>
+      </p:transition>
+    </mc:Choice>
+    <mc:Fallback>
+      <p:transition spd="slow">
+        <p:wipe/>
+      </p:transition>
+    </mc:Fallback>
+  </mc:AlternateContent>
 </p:sldLayout>
 </file>
 
@@ -1856,7 +1931,7 @@
           <a:p>
             <a:fld id="{5D8AFB0F-FD72-4B7A-9B91-BDD5A838F994}" type="datetimeFigureOut">
               <a:rPr lang="pt-BR" smtClean="0"/>
-              <a:t>23/09/20</a:t>
+              <a:t>24/09/20</a:t>
             </a:fld>
             <a:endParaRPr lang="pt-BR"/>
           </a:p>
@@ -1926,6 +2001,18 @@
   <p:clrMapOvr>
     <a:masterClrMapping/>
   </p:clrMapOvr>
+  <mc:AlternateContent xmlns:mc="http://schemas.openxmlformats.org/markup-compatibility/2006">
+    <mc:Choice xmlns:p14="http://schemas.microsoft.com/office/powerpoint/2010/main" Requires="p14">
+      <p:transition spd="slow" p14:dur="1250">
+        <p:wipe/>
+      </p:transition>
+    </mc:Choice>
+    <mc:Fallback>
+      <p:transition spd="slow">
+        <p:wipe/>
+      </p:transition>
+    </mc:Fallback>
+  </mc:AlternateContent>
 </p:sldLayout>
 </file>
 
@@ -1997,7 +2084,7 @@
           <a:p>
             <a:fld id="{5D8AFB0F-FD72-4B7A-9B91-BDD5A838F994}" type="datetimeFigureOut">
               <a:rPr lang="pt-BR" smtClean="0"/>
-              <a:t>23/09/20</a:t>
+              <a:t>24/09/20</a:t>
             </a:fld>
             <a:endParaRPr lang="pt-BR"/>
           </a:p>
@@ -2067,6 +2154,18 @@
   <p:clrMapOvr>
     <a:masterClrMapping/>
   </p:clrMapOvr>
+  <mc:AlternateContent xmlns:mc="http://schemas.openxmlformats.org/markup-compatibility/2006">
+    <mc:Choice xmlns:p14="http://schemas.microsoft.com/office/powerpoint/2010/main" Requires="p14">
+      <p:transition spd="slow" p14:dur="1250">
+        <p:wipe/>
+      </p:transition>
+    </mc:Choice>
+    <mc:Fallback>
+      <p:transition spd="slow">
+        <p:wipe/>
+      </p:transition>
+    </mc:Fallback>
+  </mc:AlternateContent>
 </p:sldLayout>
 </file>
 
@@ -2110,7 +2209,7 @@
           <a:p>
             <a:fld id="{5D8AFB0F-FD72-4B7A-9B91-BDD5A838F994}" type="datetimeFigureOut">
               <a:rPr lang="pt-BR" smtClean="0"/>
-              <a:t>23/09/20</a:t>
+              <a:t>24/09/20</a:t>
             </a:fld>
             <a:endParaRPr lang="pt-BR"/>
           </a:p>
@@ -2180,6 +2279,18 @@
   <p:clrMapOvr>
     <a:masterClrMapping/>
   </p:clrMapOvr>
+  <mc:AlternateContent xmlns:mc="http://schemas.openxmlformats.org/markup-compatibility/2006">
+    <mc:Choice xmlns:p14="http://schemas.microsoft.com/office/powerpoint/2010/main" Requires="p14">
+      <p:transition spd="slow" p14:dur="1250">
+        <p:wipe/>
+      </p:transition>
+    </mc:Choice>
+    <mc:Fallback>
+      <p:transition spd="slow">
+        <p:wipe/>
+      </p:transition>
+    </mc:Fallback>
+  </mc:AlternateContent>
 </p:sldLayout>
 </file>
 
@@ -2421,7 +2532,7 @@
           <a:p>
             <a:fld id="{5D8AFB0F-FD72-4B7A-9B91-BDD5A838F994}" type="datetimeFigureOut">
               <a:rPr lang="pt-BR" smtClean="0"/>
-              <a:t>23/09/20</a:t>
+              <a:t>24/09/20</a:t>
             </a:fld>
             <a:endParaRPr lang="pt-BR"/>
           </a:p>
@@ -2491,6 +2602,18 @@
   <p:clrMapOvr>
     <a:masterClrMapping/>
   </p:clrMapOvr>
+  <mc:AlternateContent xmlns:mc="http://schemas.openxmlformats.org/markup-compatibility/2006">
+    <mc:Choice xmlns:p14="http://schemas.microsoft.com/office/powerpoint/2010/main" Requires="p14">
+      <p:transition spd="slow" p14:dur="1250">
+        <p:wipe/>
+      </p:transition>
+    </mc:Choice>
+    <mc:Fallback>
+      <p:transition spd="slow">
+        <p:wipe/>
+      </p:transition>
+    </mc:Fallback>
+  </mc:AlternateContent>
 </p:sldLayout>
 </file>
 
@@ -2709,7 +2832,7 @@
           <a:p>
             <a:fld id="{5D8AFB0F-FD72-4B7A-9B91-BDD5A838F994}" type="datetimeFigureOut">
               <a:rPr lang="pt-BR" smtClean="0"/>
-              <a:t>23/09/20</a:t>
+              <a:t>24/09/20</a:t>
             </a:fld>
             <a:endParaRPr lang="pt-BR"/>
           </a:p>
@@ -2779,6 +2902,18 @@
   <p:clrMapOvr>
     <a:masterClrMapping/>
   </p:clrMapOvr>
+  <mc:AlternateContent xmlns:mc="http://schemas.openxmlformats.org/markup-compatibility/2006">
+    <mc:Choice xmlns:p14="http://schemas.microsoft.com/office/powerpoint/2010/main" Requires="p14">
+      <p:transition spd="slow" p14:dur="1250">
+        <p:wipe/>
+      </p:transition>
+    </mc:Choice>
+    <mc:Fallback>
+      <p:transition spd="slow">
+        <p:wipe/>
+      </p:transition>
+    </mc:Fallback>
+  </mc:AlternateContent>
 </p:sldLayout>
 </file>
 
@@ -2950,7 +3085,7 @@
           <a:p>
             <a:fld id="{5D8AFB0F-FD72-4B7A-9B91-BDD5A838F994}" type="datetimeFigureOut">
               <a:rPr lang="pt-BR" smtClean="0"/>
-              <a:t>23/09/20</a:t>
+              <a:t>24/09/20</a:t>
             </a:fld>
             <a:endParaRPr lang="pt-BR"/>
           </a:p>
@@ -3067,6 +3202,18 @@
     <p:sldLayoutId id="2147483658" r:id="rId10"/>
     <p:sldLayoutId id="2147483659" r:id="rId11"/>
   </p:sldLayoutIdLst>
+  <mc:AlternateContent xmlns:mc="http://schemas.openxmlformats.org/markup-compatibility/2006">
+    <mc:Choice xmlns:p14="http://schemas.microsoft.com/office/powerpoint/2010/main" Requires="p14">
+      <p:transition spd="slow" p14:dur="1250">
+        <p:wipe/>
+      </p:transition>
+    </mc:Choice>
+    <mc:Fallback>
+      <p:transition spd="slow">
+        <p:wipe/>
+      </p:transition>
+    </mc:Fallback>
+  </mc:AlternateContent>
   <p:txStyles>
     <p:titleStyle>
       <a:lvl1pPr algn="l" defTabSz="914400" rtl="0" eaLnBrk="1" latinLnBrk="0" hangingPunct="1">
@@ -3375,21 +3522,242 @@
           <a:chExt cx="0" cy="0"/>
         </a:xfrm>
       </p:grpSpPr>
-      <p:sp useBgFill="1">
-        <p:nvSpPr>
-          <p:cNvPr id="15" name="Rectangle 14">
-            <a:extLst>
-              <a:ext uri="{FF2B5EF4-FFF2-40B4-BE49-F238E27FC236}">
-                <a16:creationId xmlns:a16="http://schemas.microsoft.com/office/drawing/2014/main" id="{362D44EE-C852-4460-B8B5-C4F2BC20510C}"/>
+      <p:pic>
+        <p:nvPicPr>
+          <p:cNvPr id="9" name="Imagem 8" descr="Interface gráfica do usuário, Aplicativo&#10;&#10;Descrição gerada automaticamente">
+            <a:extLst>
+              <a:ext uri="{FF2B5EF4-FFF2-40B4-BE49-F238E27FC236}">
+                <a16:creationId xmlns:a16="http://schemas.microsoft.com/office/drawing/2014/main" id="{B8AF13EC-D9B1-4B8F-A846-8A08903AE82A}"/>
+              </a:ext>
+            </a:extLst>
+          </p:cNvPr>
+          <p:cNvPicPr>
+            <a:picLocks noChangeAspect="1"/>
+          </p:cNvPicPr>
+          <p:nvPr/>
+        </p:nvPicPr>
+        <p:blipFill>
+          <a:blip r:embed="rId2">
+            <a:extLst>
+              <a:ext uri="{28A0092B-C50C-407E-A947-70E740481C1C}">
+                <a14:useLocalDpi xmlns:a14="http://schemas.microsoft.com/office/drawing/2010/main" val="0"/>
+              </a:ext>
+            </a:extLst>
+          </a:blip>
+          <a:stretch>
+            <a:fillRect/>
+          </a:stretch>
+        </p:blipFill>
+        <p:spPr>
+          <a:xfrm>
+            <a:off x="-228431" y="629268"/>
+            <a:ext cx="5193861" cy="5193861"/>
+          </a:xfrm>
+          <a:prstGeom prst="rect">
+            <a:avLst/>
+          </a:prstGeom>
+          <a:ln>
+            <a:noFill/>
+          </a:ln>
+          <a:effectLst>
+            <a:softEdge rad="112500"/>
+          </a:effectLst>
+        </p:spPr>
+      </p:pic>
+      <p:sp>
+        <p:nvSpPr>
+          <p:cNvPr id="2" name="Título 1">
+            <a:extLst>
+              <a:ext uri="{FF2B5EF4-FFF2-40B4-BE49-F238E27FC236}">
+                <a16:creationId xmlns:a16="http://schemas.microsoft.com/office/drawing/2014/main" id="{D1A0BA44-4EA1-4E8D-B01E-9C9C8A9532C3}"/>
+              </a:ext>
+            </a:extLst>
+          </p:cNvPr>
+          <p:cNvSpPr>
+            <a:spLocks noGrp="1"/>
+          </p:cNvSpPr>
+          <p:nvPr>
+            <p:ph type="ctrTitle"/>
+          </p:nvPr>
+        </p:nvSpPr>
+        <p:spPr>
+          <a:xfrm>
+            <a:off x="4965430" y="629268"/>
+            <a:ext cx="6586491" cy="1286160"/>
+          </a:xfrm>
+        </p:spPr>
+        <p:txBody>
+          <a:bodyPr vert="horz" lIns="91440" tIns="45720" rIns="91440" bIns="45720" rtlCol="0" anchor="b">
+            <a:normAutofit/>
+          </a:bodyPr>
+          <a:lstStyle/>
+          <a:p>
+            <a:r>
+              <a:rPr lang="en-US" sz="4400" b="1" dirty="0">
+                <a:effectLst>
+                  <a:outerShdw blurRad="38100" dist="38100" dir="2700000" algn="tl">
+                    <a:srgbClr val="000000">
+                      <a:alpha val="43137"/>
+                    </a:srgbClr>
+                  </a:outerShdw>
+                </a:effectLst>
+                <a:latin typeface="Arial" panose="020B0604020202020204" pitchFamily="34" charset="0"/>
+                <a:cs typeface="Arial" panose="020B0604020202020204" pitchFamily="34" charset="0"/>
+              </a:rPr>
+              <a:t>SUSTABIL</a:t>
+            </a:r>
+          </a:p>
+        </p:txBody>
+      </p:sp>
+      <p:sp>
+        <p:nvSpPr>
+          <p:cNvPr id="3" name="Subtítulo 2">
+            <a:extLst>
+              <a:ext uri="{FF2B5EF4-FFF2-40B4-BE49-F238E27FC236}">
+                <a16:creationId xmlns:a16="http://schemas.microsoft.com/office/drawing/2014/main" id="{A46E4049-8F19-4FDA-BFA5-27ADC22F1D51}"/>
+              </a:ext>
+            </a:extLst>
+          </p:cNvPr>
+          <p:cNvSpPr>
+            <a:spLocks noGrp="1"/>
+          </p:cNvSpPr>
+          <p:nvPr>
+            <p:ph type="subTitle" idx="1"/>
+          </p:nvPr>
+        </p:nvSpPr>
+        <p:spPr>
+          <a:xfrm>
+            <a:off x="4965431" y="2438400"/>
+            <a:ext cx="6586489" cy="3785419"/>
+          </a:xfrm>
+        </p:spPr>
+        <p:txBody>
+          <a:bodyPr vert="horz" lIns="91440" tIns="45720" rIns="91440" bIns="45720" rtlCol="0">
+            <a:normAutofit/>
+          </a:bodyPr>
+          <a:lstStyle/>
+          <a:p>
+            <a:r>
+              <a:rPr lang="en-US" sz="2000" b="1" dirty="0">
+                <a:latin typeface="Arial" panose="020B0604020202020204" pitchFamily="34" charset="0"/>
+                <a:cs typeface="Arial" panose="020B0604020202020204" pitchFamily="34" charset="0"/>
+              </a:rPr>
+              <a:t>Responsáveis pela Sustabil:</a:t>
+            </a:r>
+          </a:p>
+          <a:p>
+            <a:endParaRPr lang="en-US" sz="2000" b="1" dirty="0">
+              <a:latin typeface="Arial" panose="020B0604020202020204" pitchFamily="34" charset="0"/>
+              <a:cs typeface="Arial" panose="020B0604020202020204" pitchFamily="34" charset="0"/>
+            </a:endParaRPr>
+          </a:p>
+          <a:p>
+            <a:pPr marL="114300" indent="-342900" algn="l">
+              <a:buSzPct val="150000"/>
+              <a:buBlip>
+                <a:blip r:embed="rId3"/>
+              </a:buBlip>
+            </a:pPr>
+            <a:r>
+              <a:rPr lang="en-US" sz="2000" b="1" dirty="0">
+                <a:latin typeface="Arial" panose="020B0604020202020204" pitchFamily="34" charset="0"/>
+                <a:cs typeface="Arial" panose="020B0604020202020204" pitchFamily="34" charset="0"/>
+              </a:rPr>
+              <a:t>Anderson Mariano</a:t>
+            </a:r>
+          </a:p>
+          <a:p>
+            <a:pPr marL="114300" indent="-342900" algn="l">
+              <a:buSzPct val="150000"/>
+              <a:buBlip>
+                <a:blip r:embed="rId3"/>
+              </a:buBlip>
+            </a:pPr>
+            <a:r>
+              <a:rPr lang="en-US" sz="2000" b="1" dirty="0">
+                <a:latin typeface="Arial" panose="020B0604020202020204" pitchFamily="34" charset="0"/>
+                <a:cs typeface="Arial" panose="020B0604020202020204" pitchFamily="34" charset="0"/>
+              </a:rPr>
+              <a:t>Arthur de Paula</a:t>
+            </a:r>
+          </a:p>
+          <a:p>
+            <a:pPr marL="114300" indent="-342900" algn="l">
+              <a:buSzPct val="150000"/>
+              <a:buBlip>
+                <a:blip r:embed="rId3"/>
+              </a:buBlip>
+            </a:pPr>
+            <a:r>
+              <a:rPr lang="en-US" sz="2000" b="1" dirty="0">
+                <a:latin typeface="Arial" panose="020B0604020202020204" pitchFamily="34" charset="0"/>
+                <a:cs typeface="Arial" panose="020B0604020202020204" pitchFamily="34" charset="0"/>
+              </a:rPr>
+              <a:t>Franklin da Silva</a:t>
+            </a:r>
+          </a:p>
+          <a:p>
+            <a:pPr marL="114300" indent="-342900" algn="l">
+              <a:buSzPct val="150000"/>
+              <a:buBlip>
+                <a:blip r:embed="rId3"/>
+              </a:buBlip>
+            </a:pPr>
+            <a:r>
+              <a:rPr lang="en-US" sz="2000" b="1" dirty="0">
+                <a:latin typeface="Arial" panose="020B0604020202020204" pitchFamily="34" charset="0"/>
+                <a:cs typeface="Arial" panose="020B0604020202020204" pitchFamily="34" charset="0"/>
+              </a:rPr>
+              <a:t>Gabriel Ferraz</a:t>
+            </a:r>
+          </a:p>
+          <a:p>
+            <a:pPr marL="114300" indent="-342900" algn="l">
+              <a:buSzPct val="150000"/>
+              <a:buBlip>
+                <a:blip r:embed="rId3"/>
+              </a:buBlip>
+            </a:pPr>
+            <a:r>
+              <a:rPr lang="en-US" sz="2000" b="1" dirty="0">
+                <a:latin typeface="Arial" panose="020B0604020202020204" pitchFamily="34" charset="0"/>
+                <a:cs typeface="Arial" panose="020B0604020202020204" pitchFamily="34" charset="0"/>
+              </a:rPr>
+              <a:t>Guilherme Nascimento</a:t>
+            </a:r>
+          </a:p>
+          <a:p>
+            <a:pPr marL="114300" indent="-342900" algn="l">
+              <a:buSzPct val="150000"/>
+              <a:buBlip>
+                <a:blip r:embed="rId3"/>
+              </a:buBlip>
+            </a:pPr>
+            <a:r>
+              <a:rPr lang="en-US" sz="2000" b="1" dirty="0">
+                <a:latin typeface="Arial" panose="020B0604020202020204" pitchFamily="34" charset="0"/>
+                <a:cs typeface="Arial" panose="020B0604020202020204" pitchFamily="34" charset="0"/>
+              </a:rPr>
+              <a:t>João Oliveira</a:t>
+            </a:r>
+          </a:p>
+        </p:txBody>
+      </p:sp>
+      <p:cxnSp>
+        <p:nvCxnSpPr>
+          <p:cNvPr id="32" name="Straight Connector 31">
+            <a:extLst>
+              <a:ext uri="{FF2B5EF4-FFF2-40B4-BE49-F238E27FC236}">
+                <a16:creationId xmlns:a16="http://schemas.microsoft.com/office/drawing/2014/main" id="{A7F400EE-A8A5-48AF-B4D6-291B52C6F0B0}"/>
               </a:ext>
               <a:ext uri="{C183D7F6-B498-43B3-948B-1728B52AA6E4}">
                 <adec:decorative xmlns:adec="http://schemas.microsoft.com/office/drawing/2017/decorative" val="1"/>
               </a:ext>
             </a:extLst>
           </p:cNvPr>
-          <p:cNvSpPr>
-            <a:spLocks noGrp="1" noRot="1" noChangeAspect="1" noMove="1" noResize="1" noEditPoints="1" noAdjustHandles="1" noChangeArrowheads="1" noChangeShapeType="1" noTextEdit="1"/>
-          </p:cNvSpPr>
+          <p:cNvCxnSpPr>
+            <a:cxnSpLocks noGrp="1" noRot="1" noChangeAspect="1" noMove="1" noResize="1" noEditPoints="1" noAdjustHandles="1" noChangeArrowheads="1" noChangeShapeType="1"/>
+          </p:cNvCxnSpPr>
           <p:nvPr>
             <p:extLst>
               <p:ext uri="{386F3935-93C4-4BCD-93E2-E3B085C9AB24}">
@@ -3397,18 +3765,65 @@
               </p:ext>
             </p:extLst>
           </p:nvPr>
-        </p:nvSpPr>
-        <p:spPr>
-          <a:xfrm>
-            <a:off x="0" y="0"/>
-            <a:ext cx="12192000" cy="6858000"/>
-          </a:xfrm>
-          <a:prstGeom prst="rect">
-            <a:avLst/>
-          </a:prstGeom>
+        </p:nvCxnSpPr>
+        <p:spPr>
+          <a:xfrm>
+            <a:off x="5080934" y="2115117"/>
+            <a:ext cx="6309360" cy="0"/>
+          </a:xfrm>
+          <a:prstGeom prst="line">
+            <a:avLst/>
+          </a:prstGeom>
+          <a:ln w="19050">
+            <a:solidFill>
+              <a:srgbClr val="18C4DA"/>
+            </a:solidFill>
+          </a:ln>
+        </p:spPr>
+        <p:style>
+          <a:lnRef idx="1">
+            <a:schemeClr val="accent1"/>
+          </a:lnRef>
+          <a:fillRef idx="0">
+            <a:schemeClr val="accent1"/>
+          </a:fillRef>
+          <a:effectRef idx="0">
+            <a:schemeClr val="accent1"/>
+          </a:effectRef>
+          <a:fontRef idx="minor">
+            <a:schemeClr val="tx1"/>
+          </a:fontRef>
+        </p:style>
+      </p:cxnSp>
+      <p:sp>
+        <p:nvSpPr>
+          <p:cNvPr id="12" name="Retângulo 11">
+            <a:extLst>
+              <a:ext uri="{FF2B5EF4-FFF2-40B4-BE49-F238E27FC236}">
+                <a16:creationId xmlns:a16="http://schemas.microsoft.com/office/drawing/2014/main" id="{CB1B6DF6-0101-4F5F-AE20-90670C0F20D8}"/>
+              </a:ext>
+            </a:extLst>
+          </p:cNvPr>
+          <p:cNvSpPr/>
+          <p:nvPr/>
+        </p:nvSpPr>
+        <p:spPr>
+          <a:xfrm>
+            <a:off x="-229671" y="5504856"/>
+            <a:ext cx="5193861" cy="1825092"/>
+          </a:xfrm>
+          <a:prstGeom prst="rect">
+            <a:avLst/>
+          </a:prstGeom>
+          <a:solidFill>
+            <a:srgbClr val="5881C0"/>
+          </a:solidFill>
           <a:ln>
             <a:noFill/>
           </a:ln>
+          <a:effectLst>
+            <a:softEdge rad="112500"/>
+          </a:effectLst>
         </p:spPr>
         <p:style>
           <a:lnRef idx="2">
@@ -3431,239 +3846,39 @@
           <a:lstStyle/>
           <a:p>
             <a:pPr algn="ctr"/>
-            <a:endParaRPr lang="en-US"/>
-          </a:p>
-        </p:txBody>
-      </p:sp>
-      <p:sp>
-        <p:nvSpPr>
-          <p:cNvPr id="2" name="Título 1">
-            <a:extLst>
-              <a:ext uri="{FF2B5EF4-FFF2-40B4-BE49-F238E27FC236}">
-                <a16:creationId xmlns:a16="http://schemas.microsoft.com/office/drawing/2014/main" id="{D1A0BA44-4EA1-4E8D-B01E-9C9C8A9532C3}"/>
-              </a:ext>
-            </a:extLst>
-          </p:cNvPr>
-          <p:cNvSpPr>
-            <a:spLocks noGrp="1"/>
-          </p:cNvSpPr>
-          <p:nvPr>
-            <p:ph type="ctrTitle"/>
-          </p:nvPr>
-        </p:nvSpPr>
-        <p:spPr>
-          <a:xfrm>
-            <a:off x="6194716" y="739979"/>
-            <a:ext cx="5334930" cy="1530782"/>
-          </a:xfrm>
-        </p:spPr>
-        <p:txBody>
-          <a:bodyPr>
-            <a:normAutofit/>
-          </a:bodyPr>
-          <a:lstStyle/>
-          <a:p>
-            <a:r>
-              <a:rPr lang="pt-BR" sz="6600" dirty="0">
-                <a:latin typeface="Arial" panose="020B0604020202020204" pitchFamily="34" charset="0"/>
-                <a:cs typeface="Arial" panose="020B0604020202020204" pitchFamily="34" charset="0"/>
-              </a:rPr>
-              <a:t>SUSTABIL</a:t>
-            </a:r>
-          </a:p>
-        </p:txBody>
-      </p:sp>
-      <p:sp>
-        <p:nvSpPr>
-          <p:cNvPr id="3" name="Subtítulo 2">
-            <a:extLst>
-              <a:ext uri="{FF2B5EF4-FFF2-40B4-BE49-F238E27FC236}">
-                <a16:creationId xmlns:a16="http://schemas.microsoft.com/office/drawing/2014/main" id="{A46E4049-8F19-4FDA-BFA5-27ADC22F1D51}"/>
-              </a:ext>
-            </a:extLst>
-          </p:cNvPr>
-          <p:cNvSpPr>
-            <a:spLocks noGrp="1"/>
-          </p:cNvSpPr>
-          <p:nvPr>
-            <p:ph type="subTitle" idx="1"/>
-          </p:nvPr>
-        </p:nvSpPr>
-        <p:spPr>
-          <a:xfrm>
-            <a:off x="9988056" y="3927823"/>
-            <a:ext cx="2203944" cy="2930177"/>
-          </a:xfrm>
-        </p:spPr>
-        <p:txBody>
-          <a:bodyPr>
-            <a:normAutofit/>
-          </a:bodyPr>
-          <a:lstStyle/>
-          <a:p>
-            <a:pPr algn="l"/>
-            <a:r>
-              <a:rPr lang="pt-BR" sz="1600" b="1" dirty="0">
-                <a:latin typeface="Arial" panose="020B0604020202020204" pitchFamily="34" charset="0"/>
-                <a:cs typeface="Arial" panose="020B0604020202020204" pitchFamily="34" charset="0"/>
-              </a:rPr>
-              <a:t>Grupo 6:</a:t>
-            </a:r>
-          </a:p>
-          <a:p>
-            <a:pPr algn="l"/>
-            <a:r>
-              <a:rPr lang="pt-BR" sz="1600" b="1" dirty="0">
-                <a:latin typeface="Arial" panose="020B0604020202020204" pitchFamily="34" charset="0"/>
-                <a:cs typeface="Arial" panose="020B0604020202020204" pitchFamily="34" charset="0"/>
-              </a:rPr>
-              <a:t>Anderson Mariano</a:t>
-            </a:r>
-          </a:p>
-          <a:p>
-            <a:pPr algn="l"/>
-            <a:r>
-              <a:rPr lang="pt-BR" sz="1600" b="1" dirty="0">
-                <a:latin typeface="Arial" panose="020B0604020202020204" pitchFamily="34" charset="0"/>
-                <a:cs typeface="Arial" panose="020B0604020202020204" pitchFamily="34" charset="0"/>
-              </a:rPr>
-              <a:t>Arthur de Paula</a:t>
-            </a:r>
-          </a:p>
-          <a:p>
-            <a:pPr algn="l"/>
-            <a:r>
-              <a:rPr lang="pt-BR" sz="1600" b="1" dirty="0">
-                <a:latin typeface="Arial" panose="020B0604020202020204" pitchFamily="34" charset="0"/>
-                <a:cs typeface="Arial" panose="020B0604020202020204" pitchFamily="34" charset="0"/>
-              </a:rPr>
-              <a:t>Franklin da Silva</a:t>
-            </a:r>
-          </a:p>
-          <a:p>
-            <a:pPr algn="l"/>
-            <a:r>
-              <a:rPr lang="pt-BR" sz="1600" b="1" dirty="0">
-                <a:latin typeface="Arial" panose="020B0604020202020204" pitchFamily="34" charset="0"/>
-                <a:cs typeface="Arial" panose="020B0604020202020204" pitchFamily="34" charset="0"/>
-              </a:rPr>
-              <a:t>Gabriel Ferraz</a:t>
-            </a:r>
-          </a:p>
-          <a:p>
-            <a:pPr algn="l"/>
-            <a:r>
-              <a:rPr lang="pt-BR" sz="1600" b="1" dirty="0">
-                <a:latin typeface="Arial" panose="020B0604020202020204" pitchFamily="34" charset="0"/>
-                <a:cs typeface="Arial" panose="020B0604020202020204" pitchFamily="34" charset="0"/>
-              </a:rPr>
-              <a:t>Guilherme Nascimento</a:t>
-            </a:r>
-          </a:p>
-          <a:p>
-            <a:pPr algn="l"/>
-            <a:r>
-              <a:rPr lang="pt-BR" sz="1600" b="1" dirty="0">
-                <a:latin typeface="Arial" panose="020B0604020202020204" pitchFamily="34" charset="0"/>
-                <a:cs typeface="Arial" panose="020B0604020202020204" pitchFamily="34" charset="0"/>
-              </a:rPr>
-              <a:t>João Oliveira</a:t>
-            </a:r>
-          </a:p>
-        </p:txBody>
-      </p:sp>
-      <p:sp>
-        <p:nvSpPr>
-          <p:cNvPr id="17" name="Freeform: Shape 16">
-            <a:extLst>
-              <a:ext uri="{FF2B5EF4-FFF2-40B4-BE49-F238E27FC236}">
-                <a16:creationId xmlns:a16="http://schemas.microsoft.com/office/drawing/2014/main" id="{658970D8-8D1D-4B5C-894B-E871CC86543D}"/>
-              </a:ext>
-              <a:ext uri="{C183D7F6-B498-43B3-948B-1728B52AA6E4}">
-                <adec:decorative xmlns:adec="http://schemas.microsoft.com/office/drawing/2017/decorative" val="1"/>
-              </a:ext>
-            </a:extLst>
-          </p:cNvPr>
-          <p:cNvSpPr>
-            <a:spLocks noGrp="1" noRot="1" noChangeAspect="1" noMove="1" noResize="1" noEditPoints="1" noAdjustHandles="1" noChangeArrowheads="1" noChangeShapeType="1" noTextEdit="1"/>
-          </p:cNvSpPr>
-          <p:nvPr>
-            <p:extLst>
-              <p:ext uri="{386F3935-93C4-4BCD-93E2-E3B085C9AB24}">
-                <p16:designElem xmlns:p16="http://schemas.microsoft.com/office/powerpoint/2015/main" val="1"/>
-              </p:ext>
-            </p:extLst>
-          </p:nvPr>
-        </p:nvSpPr>
-        <p:spPr>
-          <a:xfrm flipH="1">
-            <a:off x="530529" y="1"/>
-            <a:ext cx="1155142" cy="591009"/>
-          </a:xfrm>
-          <a:custGeom>
-            <a:avLst/>
-            <a:gdLst>
-              <a:gd name="connsiteX0" fmla="*/ 1355 w 1155142"/>
-              <a:gd name="connsiteY0" fmla="*/ 0 h 591009"/>
-              <a:gd name="connsiteX1" fmla="*/ 1153787 w 1155142"/>
-              <a:gd name="connsiteY1" fmla="*/ 0 h 591009"/>
-              <a:gd name="connsiteX2" fmla="*/ 1155142 w 1155142"/>
-              <a:gd name="connsiteY2" fmla="*/ 13438 h 591009"/>
-              <a:gd name="connsiteX3" fmla="*/ 577571 w 1155142"/>
-              <a:gd name="connsiteY3" fmla="*/ 591009 h 591009"/>
-              <a:gd name="connsiteX4" fmla="*/ 0 w 1155142"/>
-              <a:gd name="connsiteY4" fmla="*/ 13438 h 591009"/>
-            </a:gdLst>
-            <a:ahLst/>
-            <a:cxnLst>
-              <a:cxn ang="0">
-                <a:pos x="connsiteX0" y="connsiteY0"/>
-              </a:cxn>
-              <a:cxn ang="0">
-                <a:pos x="connsiteX1" y="connsiteY1"/>
-              </a:cxn>
-              <a:cxn ang="0">
-                <a:pos x="connsiteX2" y="connsiteY2"/>
-              </a:cxn>
-              <a:cxn ang="0">
-                <a:pos x="connsiteX3" y="connsiteY3"/>
-              </a:cxn>
-              <a:cxn ang="0">
-                <a:pos x="connsiteX4" y="connsiteY4"/>
-              </a:cxn>
-            </a:cxnLst>
-            <a:rect l="l" t="t" r="r" b="b"/>
-            <a:pathLst>
-              <a:path w="1155142" h="591009">
-                <a:moveTo>
-                  <a:pt x="1355" y="0"/>
-                </a:moveTo>
-                <a:lnTo>
-                  <a:pt x="1153787" y="0"/>
-                </a:lnTo>
-                <a:lnTo>
-                  <a:pt x="1155142" y="13438"/>
-                </a:lnTo>
-                <a:cubicBezTo>
-                  <a:pt x="1155142" y="332422"/>
-                  <a:pt x="896555" y="591009"/>
-                  <a:pt x="577571" y="591009"/>
-                </a:cubicBezTo>
-                <a:cubicBezTo>
-                  <a:pt x="258587" y="591009"/>
-                  <a:pt x="0" y="332422"/>
-                  <a:pt x="0" y="13438"/>
-                </a:cubicBezTo>
-                <a:close/>
-              </a:path>
-            </a:pathLst>
-          </a:custGeom>
+            <a:endParaRPr lang="pt-BR"/>
+          </a:p>
+        </p:txBody>
+      </p:sp>
+      <p:sp>
+        <p:nvSpPr>
+          <p:cNvPr id="11" name="Retângulo 10">
+            <a:extLst>
+              <a:ext uri="{FF2B5EF4-FFF2-40B4-BE49-F238E27FC236}">
+                <a16:creationId xmlns:a16="http://schemas.microsoft.com/office/drawing/2014/main" id="{CD1F8C2E-4DB1-4EC6-A714-11C08F261B0A}"/>
+              </a:ext>
+            </a:extLst>
+          </p:cNvPr>
+          <p:cNvSpPr/>
+          <p:nvPr/>
+        </p:nvSpPr>
+        <p:spPr>
+          <a:xfrm>
+            <a:off x="-228432" y="-476861"/>
+            <a:ext cx="5193861" cy="1511732"/>
+          </a:xfrm>
+          <a:prstGeom prst="rect">
+            <a:avLst/>
+          </a:prstGeom>
           <a:solidFill>
-            <a:schemeClr val="accent5"/>
+            <a:srgbClr val="5881C0"/>
           </a:solidFill>
           <a:ln>
             <a:noFill/>
           </a:ln>
+          <a:effectLst>
+            <a:softEdge rad="112500"/>
+          </a:effectLst>
         </p:spPr>
         <p:style>
           <a:lnRef idx="2">
@@ -3682,917 +3897,11 @@
           </a:fontRef>
         </p:style>
         <p:txBody>
-          <a:bodyPr wrap="square" rtlCol="0" anchor="ctr">
-            <a:noAutofit/>
-          </a:bodyPr>
-          <a:lstStyle/>
-          <a:p>
-            <a:pPr algn="ctr"/>
-            <a:endParaRPr lang="en-US"/>
-          </a:p>
-        </p:txBody>
-      </p:sp>
-      <p:sp>
-        <p:nvSpPr>
-          <p:cNvPr id="19" name="Freeform: Shape 18">
-            <a:extLst>
-              <a:ext uri="{FF2B5EF4-FFF2-40B4-BE49-F238E27FC236}">
-                <a16:creationId xmlns:a16="http://schemas.microsoft.com/office/drawing/2014/main" id="{F227E5B6-9132-43CA-B503-37A18562ADF2}"/>
-              </a:ext>
-              <a:ext uri="{C183D7F6-B498-43B3-948B-1728B52AA6E4}">
-                <adec:decorative xmlns:adec="http://schemas.microsoft.com/office/drawing/2017/decorative" val="1"/>
-              </a:ext>
-            </a:extLst>
-          </p:cNvPr>
-          <p:cNvSpPr>
-            <a:spLocks noGrp="1" noRot="1" noChangeAspect="1" noMove="1" noResize="1" noEditPoints="1" noAdjustHandles="1" noChangeArrowheads="1" noChangeShapeType="1" noTextEdit="1"/>
-          </p:cNvSpPr>
-          <p:nvPr>
-            <p:extLst>
-              <p:ext uri="{386F3935-93C4-4BCD-93E2-E3B085C9AB24}">
-                <p16:designElem xmlns:p16="http://schemas.microsoft.com/office/powerpoint/2015/main" val="1"/>
-              </p:ext>
-            </p:extLst>
-          </p:nvPr>
-        </p:nvSpPr>
-        <p:spPr>
-          <a:xfrm flipH="1">
-            <a:off x="4349052" y="0"/>
-            <a:ext cx="1737401" cy="959536"/>
-          </a:xfrm>
-          <a:custGeom>
-            <a:avLst/>
-            <a:gdLst>
-              <a:gd name="connsiteX0" fmla="*/ 0 w 1737401"/>
-              <a:gd name="connsiteY0" fmla="*/ 0 h 959536"/>
-              <a:gd name="connsiteX1" fmla="*/ 123825 w 1737401"/>
-              <a:gd name="connsiteY1" fmla="*/ 0 h 959536"/>
-              <a:gd name="connsiteX2" fmla="*/ 123825 w 1737401"/>
-              <a:gd name="connsiteY2" fmla="*/ 790277 h 959536"/>
-              <a:gd name="connsiteX3" fmla="*/ 1490095 w 1737401"/>
-              <a:gd name="connsiteY3" fmla="*/ 0 h 959536"/>
-              <a:gd name="connsiteX4" fmla="*/ 1737401 w 1737401"/>
-              <a:gd name="connsiteY4" fmla="*/ 0 h 959536"/>
-              <a:gd name="connsiteX5" fmla="*/ 92869 w 1737401"/>
-              <a:gd name="connsiteY5" fmla="*/ 951249 h 959536"/>
-              <a:gd name="connsiteX6" fmla="*/ 61913 w 1737401"/>
-              <a:gd name="connsiteY6" fmla="*/ 959536 h 959536"/>
-              <a:gd name="connsiteX7" fmla="*/ 0 w 1737401"/>
-              <a:gd name="connsiteY7" fmla="*/ 897624 h 959536"/>
-            </a:gdLst>
-            <a:ahLst/>
-            <a:cxnLst>
-              <a:cxn ang="0">
-                <a:pos x="connsiteX0" y="connsiteY0"/>
-              </a:cxn>
-              <a:cxn ang="0">
-                <a:pos x="connsiteX1" y="connsiteY1"/>
-              </a:cxn>
-              <a:cxn ang="0">
-                <a:pos x="connsiteX2" y="connsiteY2"/>
-              </a:cxn>
-              <a:cxn ang="0">
-                <a:pos x="connsiteX3" y="connsiteY3"/>
-              </a:cxn>
-              <a:cxn ang="0">
-                <a:pos x="connsiteX4" y="connsiteY4"/>
-              </a:cxn>
-              <a:cxn ang="0">
-                <a:pos x="connsiteX5" y="connsiteY5"/>
-              </a:cxn>
-              <a:cxn ang="0">
-                <a:pos x="connsiteX6" y="connsiteY6"/>
-              </a:cxn>
-              <a:cxn ang="0">
-                <a:pos x="connsiteX7" y="connsiteY7"/>
-              </a:cxn>
-            </a:cxnLst>
-            <a:rect l="l" t="t" r="r" b="b"/>
-            <a:pathLst>
-              <a:path w="1737401" h="959536">
-                <a:moveTo>
-                  <a:pt x="0" y="0"/>
-                </a:moveTo>
-                <a:lnTo>
-                  <a:pt x="123825" y="0"/>
-                </a:lnTo>
-                <a:lnTo>
-                  <a:pt x="123825" y="790277"/>
-                </a:lnTo>
-                <a:lnTo>
-                  <a:pt x="1490095" y="0"/>
-                </a:lnTo>
-                <a:lnTo>
-                  <a:pt x="1737401" y="0"/>
-                </a:lnTo>
-                <a:lnTo>
-                  <a:pt x="92869" y="951249"/>
-                </a:lnTo>
-                <a:cubicBezTo>
-                  <a:pt x="83458" y="956688"/>
-                  <a:pt x="72780" y="959546"/>
-                  <a:pt x="61913" y="959536"/>
-                </a:cubicBezTo>
-                <a:cubicBezTo>
-                  <a:pt x="27719" y="959536"/>
-                  <a:pt x="0" y="931818"/>
-                  <a:pt x="0" y="897624"/>
-                </a:cubicBezTo>
-                <a:close/>
-              </a:path>
-            </a:pathLst>
-          </a:custGeom>
-          <a:solidFill>
-            <a:schemeClr val="accent6"/>
-          </a:solidFill>
-          <a:ln w="9525" cap="flat">
-            <a:noFill/>
-            <a:prstDash val="solid"/>
-            <a:miter/>
-          </a:ln>
-        </p:spPr>
-        <p:txBody>
           <a:bodyPr rtlCol="0" anchor="ctr"/>
           <a:lstStyle/>
           <a:p>
-            <a:endParaRPr lang="en-US"/>
-          </a:p>
-        </p:txBody>
-      </p:sp>
-      <p:sp>
-        <p:nvSpPr>
-          <p:cNvPr id="21" name="Freeform: Shape 20">
-            <a:extLst>
-              <a:ext uri="{FF2B5EF4-FFF2-40B4-BE49-F238E27FC236}">
-                <a16:creationId xmlns:a16="http://schemas.microsoft.com/office/drawing/2014/main" id="{03C2051E-A88D-48E5-BACF-AAED17892722}"/>
-              </a:ext>
-              <a:ext uri="{C183D7F6-B498-43B3-948B-1728B52AA6E4}">
-                <adec:decorative xmlns:adec="http://schemas.microsoft.com/office/drawing/2017/decorative" val="1"/>
-              </a:ext>
-            </a:extLst>
-          </p:cNvPr>
-          <p:cNvSpPr>
-            <a:spLocks noGrp="1" noRot="1" noChangeAspect="1" noMove="1" noResize="1" noEditPoints="1" noAdjustHandles="1" noChangeArrowheads="1" noChangeShapeType="1" noTextEdit="1"/>
-          </p:cNvSpPr>
-          <p:nvPr>
-            <p:extLst>
-              <p:ext uri="{386F3935-93C4-4BCD-93E2-E3B085C9AB24}">
-                <p16:designElem xmlns:p16="http://schemas.microsoft.com/office/powerpoint/2015/main" val="1"/>
-              </p:ext>
-            </p:extLst>
-          </p:nvPr>
-        </p:nvSpPr>
-        <p:spPr>
-          <a:xfrm flipH="1">
-            <a:off x="0" y="2916245"/>
-            <a:ext cx="159741" cy="552996"/>
-          </a:xfrm>
-          <a:custGeom>
-            <a:avLst/>
-            <a:gdLst>
-              <a:gd name="connsiteX0" fmla="*/ 159741 w 159741"/>
-              <a:gd name="connsiteY0" fmla="*/ 0 h 552996"/>
-              <a:gd name="connsiteX1" fmla="*/ 159741 w 159741"/>
-              <a:gd name="connsiteY1" fmla="*/ 552996 h 552996"/>
-              <a:gd name="connsiteX2" fmla="*/ 141849 w 159741"/>
-              <a:gd name="connsiteY2" fmla="*/ 543285 h 552996"/>
-              <a:gd name="connsiteX3" fmla="*/ 0 w 159741"/>
-              <a:gd name="connsiteY3" fmla="*/ 276498 h 552996"/>
-              <a:gd name="connsiteX4" fmla="*/ 141849 w 159741"/>
-              <a:gd name="connsiteY4" fmla="*/ 9711 h 552996"/>
-            </a:gdLst>
-            <a:ahLst/>
-            <a:cxnLst>
-              <a:cxn ang="0">
-                <a:pos x="connsiteX0" y="connsiteY0"/>
-              </a:cxn>
-              <a:cxn ang="0">
-                <a:pos x="connsiteX1" y="connsiteY1"/>
-              </a:cxn>
-              <a:cxn ang="0">
-                <a:pos x="connsiteX2" y="connsiteY2"/>
-              </a:cxn>
-              <a:cxn ang="0">
-                <a:pos x="connsiteX3" y="connsiteY3"/>
-              </a:cxn>
-              <a:cxn ang="0">
-                <a:pos x="connsiteX4" y="connsiteY4"/>
-              </a:cxn>
-            </a:cxnLst>
-            <a:rect l="l" t="t" r="r" b="b"/>
-            <a:pathLst>
-              <a:path w="159741" h="552996">
-                <a:moveTo>
-                  <a:pt x="159741" y="0"/>
-                </a:moveTo>
-                <a:lnTo>
-                  <a:pt x="159741" y="552996"/>
-                </a:lnTo>
-                <a:lnTo>
-                  <a:pt x="141849" y="543285"/>
-                </a:lnTo>
-                <a:cubicBezTo>
-                  <a:pt x="56268" y="485467"/>
-                  <a:pt x="0" y="387554"/>
-                  <a:pt x="0" y="276498"/>
-                </a:cubicBezTo>
-                <a:cubicBezTo>
-                  <a:pt x="0" y="165443"/>
-                  <a:pt x="56268" y="67529"/>
-                  <a:pt x="141849" y="9711"/>
-                </a:cubicBezTo>
-                <a:close/>
-              </a:path>
-            </a:pathLst>
-          </a:custGeom>
-          <a:solidFill>
-            <a:schemeClr val="accent2"/>
-          </a:solidFill>
-          <a:ln w="127000">
-            <a:noFill/>
-          </a:ln>
-        </p:spPr>
-        <p:style>
-          <a:lnRef idx="2">
-            <a:schemeClr val="accent1">
-              <a:shade val="50000"/>
-            </a:schemeClr>
-          </a:lnRef>
-          <a:fillRef idx="1">
-            <a:schemeClr val="accent1"/>
-          </a:fillRef>
-          <a:effectRef idx="0">
-            <a:schemeClr val="accent1"/>
-          </a:effectRef>
-          <a:fontRef idx="minor">
-            <a:schemeClr val="lt1"/>
-          </a:fontRef>
-        </p:style>
-        <p:txBody>
-          <a:bodyPr wrap="square" rtlCol="0" anchor="ctr">
-            <a:noAutofit/>
-          </a:bodyPr>
-          <a:lstStyle/>
-          <a:p>
             <a:pPr algn="ctr"/>
-            <a:endParaRPr lang="en-US"/>
-          </a:p>
-        </p:txBody>
-      </p:sp>
-      <p:sp>
-        <p:nvSpPr>
-          <p:cNvPr id="23" name="Freeform: Shape 22">
-            <a:extLst>
-              <a:ext uri="{FF2B5EF4-FFF2-40B4-BE49-F238E27FC236}">
-                <a16:creationId xmlns:a16="http://schemas.microsoft.com/office/drawing/2014/main" id="{7821A508-2985-4905-874A-527429BAABFA}"/>
-              </a:ext>
-              <a:ext uri="{C183D7F6-B498-43B3-948B-1728B52AA6E4}">
-                <adec:decorative xmlns:adec="http://schemas.microsoft.com/office/drawing/2017/decorative" val="1"/>
-              </a:ext>
-            </a:extLst>
-          </p:cNvPr>
-          <p:cNvSpPr>
-            <a:spLocks noGrp="1" noRot="1" noChangeAspect="1" noMove="1" noResize="1" noEditPoints="1" noAdjustHandles="1" noChangeArrowheads="1" noChangeShapeType="1" noTextEdit="1"/>
-          </p:cNvSpPr>
-          <p:nvPr>
-            <p:extLst>
-              <p:ext uri="{386F3935-93C4-4BCD-93E2-E3B085C9AB24}">
-                <p16:designElem xmlns:p16="http://schemas.microsoft.com/office/powerpoint/2015/main" val="1"/>
-              </p:ext>
-            </p:extLst>
-          </p:nvPr>
-        </p:nvSpPr>
-        <p:spPr>
-          <a:xfrm flipH="1">
-            <a:off x="0" y="5835649"/>
-            <a:ext cx="1548180" cy="1022351"/>
-          </a:xfrm>
-          <a:custGeom>
-            <a:avLst/>
-            <a:gdLst>
-              <a:gd name="connsiteX0" fmla="*/ 61913 w 1548180"/>
-              <a:gd name="connsiteY0" fmla="*/ 0 h 1022351"/>
-              <a:gd name="connsiteX1" fmla="*/ 1548180 w 1548180"/>
-              <a:gd name="connsiteY1" fmla="*/ 0 h 1022351"/>
-              <a:gd name="connsiteX2" fmla="*/ 1548180 w 1548180"/>
-              <a:gd name="connsiteY2" fmla="*/ 123825 h 1022351"/>
-              <a:gd name="connsiteX3" fmla="*/ 123825 w 1548180"/>
-              <a:gd name="connsiteY3" fmla="*/ 123825 h 1022351"/>
-              <a:gd name="connsiteX4" fmla="*/ 123825 w 1548180"/>
-              <a:gd name="connsiteY4" fmla="*/ 1022351 h 1022351"/>
-              <a:gd name="connsiteX5" fmla="*/ 0 w 1548180"/>
-              <a:gd name="connsiteY5" fmla="*/ 1022351 h 1022351"/>
-              <a:gd name="connsiteX6" fmla="*/ 0 w 1548180"/>
-              <a:gd name="connsiteY6" fmla="*/ 61913 h 1022351"/>
-              <a:gd name="connsiteX7" fmla="*/ 61913 w 1548180"/>
-              <a:gd name="connsiteY7" fmla="*/ 0 h 1022351"/>
-            </a:gdLst>
-            <a:ahLst/>
-            <a:cxnLst>
-              <a:cxn ang="0">
-                <a:pos x="connsiteX0" y="connsiteY0"/>
-              </a:cxn>
-              <a:cxn ang="0">
-                <a:pos x="connsiteX1" y="connsiteY1"/>
-              </a:cxn>
-              <a:cxn ang="0">
-                <a:pos x="connsiteX2" y="connsiteY2"/>
-              </a:cxn>
-              <a:cxn ang="0">
-                <a:pos x="connsiteX3" y="connsiteY3"/>
-              </a:cxn>
-              <a:cxn ang="0">
-                <a:pos x="connsiteX4" y="connsiteY4"/>
-              </a:cxn>
-              <a:cxn ang="0">
-                <a:pos x="connsiteX5" y="connsiteY5"/>
-              </a:cxn>
-              <a:cxn ang="0">
-                <a:pos x="connsiteX6" y="connsiteY6"/>
-              </a:cxn>
-              <a:cxn ang="0">
-                <a:pos x="connsiteX7" y="connsiteY7"/>
-              </a:cxn>
-            </a:cxnLst>
-            <a:rect l="l" t="t" r="r" b="b"/>
-            <a:pathLst>
-              <a:path w="1548180" h="1022351">
-                <a:moveTo>
-                  <a:pt x="61913" y="0"/>
-                </a:moveTo>
-                <a:lnTo>
-                  <a:pt x="1548180" y="0"/>
-                </a:lnTo>
-                <a:lnTo>
-                  <a:pt x="1548180" y="123825"/>
-                </a:lnTo>
-                <a:lnTo>
-                  <a:pt x="123825" y="123825"/>
-                </a:lnTo>
-                <a:lnTo>
-                  <a:pt x="123825" y="1022351"/>
-                </a:lnTo>
-                <a:lnTo>
-                  <a:pt x="0" y="1022351"/>
-                </a:lnTo>
-                <a:lnTo>
-                  <a:pt x="0" y="61913"/>
-                </a:lnTo>
-                <a:cubicBezTo>
-                  <a:pt x="0" y="27719"/>
-                  <a:pt x="27719" y="0"/>
-                  <a:pt x="61913" y="0"/>
-                </a:cubicBezTo>
-                <a:close/>
-              </a:path>
-            </a:pathLst>
-          </a:custGeom>
-          <a:solidFill>
-            <a:schemeClr val="accent6"/>
-          </a:solidFill>
-          <a:ln w="9525" cap="flat">
-            <a:noFill/>
-            <a:prstDash val="solid"/>
-            <a:miter/>
-          </a:ln>
-        </p:spPr>
-        <p:txBody>
-          <a:bodyPr rtlCol="0" anchor="ctr"/>
-          <a:lstStyle/>
-          <a:p>
-            <a:endParaRPr lang="en-US"/>
-          </a:p>
-        </p:txBody>
-      </p:sp>
-      <p:sp>
-        <p:nvSpPr>
-          <p:cNvPr id="25" name="Freeform: Shape 24">
-            <a:extLst>
-              <a:ext uri="{FF2B5EF4-FFF2-40B4-BE49-F238E27FC236}">
-                <a16:creationId xmlns:a16="http://schemas.microsoft.com/office/drawing/2014/main" id="{D2929CB1-0E3C-4B2D-ADC5-0154FB33BA44}"/>
-              </a:ext>
-              <a:ext uri="{C183D7F6-B498-43B3-948B-1728B52AA6E4}">
-                <adec:decorative xmlns:adec="http://schemas.microsoft.com/office/drawing/2017/decorative" val="1"/>
-              </a:ext>
-            </a:extLst>
-          </p:cNvPr>
-          <p:cNvSpPr>
-            <a:spLocks noGrp="1" noRot="1" noChangeAspect="1" noMove="1" noResize="1" noEditPoints="1" noAdjustHandles="1" noChangeArrowheads="1" noChangeShapeType="1" noTextEdit="1"/>
-          </p:cNvSpPr>
-          <p:nvPr>
-            <p:extLst>
-              <p:ext uri="{386F3935-93C4-4BCD-93E2-E3B085C9AB24}">
-                <p16:designElem xmlns:p16="http://schemas.microsoft.com/office/powerpoint/2015/main" val="1"/>
-              </p:ext>
-            </p:extLst>
-          </p:nvPr>
-        </p:nvSpPr>
-        <p:spPr>
-          <a:xfrm flipH="1">
-            <a:off x="3697761" y="5717906"/>
-            <a:ext cx="1771609" cy="1140095"/>
-          </a:xfrm>
-          <a:custGeom>
-            <a:avLst/>
-            <a:gdLst>
-              <a:gd name="connsiteX0" fmla="*/ 1561721 w 1771609"/>
-              <a:gd name="connsiteY0" fmla="*/ 763041 h 1140095"/>
-              <a:gd name="connsiteX1" fmla="*/ 1623024 w 1771609"/>
-              <a:gd name="connsiteY1" fmla="*/ 792810 h 1140095"/>
-              <a:gd name="connsiteX2" fmla="*/ 1711735 w 1771609"/>
-              <a:gd name="connsiteY2" fmla="*/ 970132 h 1140095"/>
-              <a:gd name="connsiteX3" fmla="*/ 1771609 w 1771609"/>
-              <a:gd name="connsiteY3" fmla="*/ 1140095 h 1140095"/>
-              <a:gd name="connsiteX4" fmla="*/ 1637225 w 1771609"/>
-              <a:gd name="connsiteY4" fmla="*/ 1140095 h 1140095"/>
-              <a:gd name="connsiteX5" fmla="*/ 1594820 w 1771609"/>
-              <a:gd name="connsiteY5" fmla="*/ 1019711 h 1140095"/>
-              <a:gd name="connsiteX6" fmla="*/ 1513200 w 1771609"/>
-              <a:gd name="connsiteY6" fmla="*/ 856627 h 1140095"/>
-              <a:gd name="connsiteX7" fmla="*/ 1538499 w 1771609"/>
-              <a:gd name="connsiteY7" fmla="*/ 770415 h 1140095"/>
-              <a:gd name="connsiteX8" fmla="*/ 1561721 w 1771609"/>
-              <a:gd name="connsiteY8" fmla="*/ 763041 h 1140095"/>
-              <a:gd name="connsiteX9" fmla="*/ 933455 w 1771609"/>
-              <a:gd name="connsiteY9" fmla="*/ 161309 h 1140095"/>
-              <a:gd name="connsiteX10" fmla="*/ 957797 w 1771609"/>
-              <a:gd name="connsiteY10" fmla="*/ 167970 h 1140095"/>
-              <a:gd name="connsiteX11" fmla="*/ 1286982 w 1771609"/>
-              <a:gd name="connsiteY11" fmla="*/ 387616 h 1140095"/>
-              <a:gd name="connsiteX12" fmla="*/ 1293725 w 1771609"/>
-              <a:gd name="connsiteY12" fmla="*/ 477075 h 1140095"/>
-              <a:gd name="connsiteX13" fmla="*/ 1245453 w 1771609"/>
-              <a:gd name="connsiteY13" fmla="*/ 499154 h 1140095"/>
-              <a:gd name="connsiteX14" fmla="*/ 1245167 w 1771609"/>
-              <a:gd name="connsiteY14" fmla="*/ 499154 h 1140095"/>
-              <a:gd name="connsiteX15" fmla="*/ 1203638 w 1771609"/>
-              <a:gd name="connsiteY15" fmla="*/ 484104 h 1140095"/>
-              <a:gd name="connsiteX16" fmla="*/ 900647 w 1771609"/>
-              <a:gd name="connsiteY16" fmla="*/ 281508 h 1140095"/>
-              <a:gd name="connsiteX17" fmla="*/ 872454 w 1771609"/>
-              <a:gd name="connsiteY17" fmla="*/ 196164 h 1140095"/>
-              <a:gd name="connsiteX18" fmla="*/ 933455 w 1771609"/>
-              <a:gd name="connsiteY18" fmla="*/ 161309 h 1140095"/>
-              <a:gd name="connsiteX19" fmla="*/ 256260 w 1771609"/>
-              <a:gd name="connsiteY19" fmla="*/ 29 h 1140095"/>
-              <a:gd name="connsiteX20" fmla="*/ 454020 w 1771609"/>
-              <a:gd name="connsiteY20" fmla="*/ 13474 h 1140095"/>
-              <a:gd name="connsiteX21" fmla="*/ 509236 w 1771609"/>
-              <a:gd name="connsiteY21" fmla="*/ 84182 h 1140095"/>
-              <a:gd name="connsiteX22" fmla="*/ 445829 w 1771609"/>
-              <a:gd name="connsiteY22" fmla="*/ 139871 h 1140095"/>
-              <a:gd name="connsiteX23" fmla="*/ 437447 w 1771609"/>
-              <a:gd name="connsiteY23" fmla="*/ 139395 h 1140095"/>
-              <a:gd name="connsiteX24" fmla="*/ 73211 w 1771609"/>
-              <a:gd name="connsiteY24" fmla="*/ 137204 h 1140095"/>
-              <a:gd name="connsiteX25" fmla="*/ 749 w 1771609"/>
-              <a:gd name="connsiteY25" fmla="*/ 84082 h 1140095"/>
-              <a:gd name="connsiteX26" fmla="*/ 53871 w 1771609"/>
-              <a:gd name="connsiteY26" fmla="*/ 11621 h 1140095"/>
-              <a:gd name="connsiteX27" fmla="*/ 58352 w 1771609"/>
-              <a:gd name="connsiteY27" fmla="*/ 11093 h 1140095"/>
-              <a:gd name="connsiteX28" fmla="*/ 256260 w 1771609"/>
-              <a:gd name="connsiteY28" fmla="*/ 29 h 1140095"/>
-            </a:gdLst>
-            <a:ahLst/>
-            <a:cxnLst>
-              <a:cxn ang="0">
-                <a:pos x="connsiteX0" y="connsiteY0"/>
-              </a:cxn>
-              <a:cxn ang="0">
-                <a:pos x="connsiteX1" y="connsiteY1"/>
-              </a:cxn>
-              <a:cxn ang="0">
-                <a:pos x="connsiteX2" y="connsiteY2"/>
-              </a:cxn>
-              <a:cxn ang="0">
-                <a:pos x="connsiteX3" y="connsiteY3"/>
-              </a:cxn>
-              <a:cxn ang="0">
-                <a:pos x="connsiteX4" y="connsiteY4"/>
-              </a:cxn>
-              <a:cxn ang="0">
-                <a:pos x="connsiteX5" y="connsiteY5"/>
-              </a:cxn>
-              <a:cxn ang="0">
-                <a:pos x="connsiteX6" y="connsiteY6"/>
-              </a:cxn>
-              <a:cxn ang="0">
-                <a:pos x="connsiteX7" y="connsiteY7"/>
-              </a:cxn>
-              <a:cxn ang="0">
-                <a:pos x="connsiteX8" y="connsiteY8"/>
-              </a:cxn>
-              <a:cxn ang="0">
-                <a:pos x="connsiteX9" y="connsiteY9"/>
-              </a:cxn>
-              <a:cxn ang="0">
-                <a:pos x="connsiteX10" y="connsiteY10"/>
-              </a:cxn>
-              <a:cxn ang="0">
-                <a:pos x="connsiteX11" y="connsiteY11"/>
-              </a:cxn>
-              <a:cxn ang="0">
-                <a:pos x="connsiteX12" y="connsiteY12"/>
-              </a:cxn>
-              <a:cxn ang="0">
-                <a:pos x="connsiteX13" y="connsiteY13"/>
-              </a:cxn>
-              <a:cxn ang="0">
-                <a:pos x="connsiteX14" y="connsiteY14"/>
-              </a:cxn>
-              <a:cxn ang="0">
-                <a:pos x="connsiteX15" y="connsiteY15"/>
-              </a:cxn>
-              <a:cxn ang="0">
-                <a:pos x="connsiteX16" y="connsiteY16"/>
-              </a:cxn>
-              <a:cxn ang="0">
-                <a:pos x="connsiteX17" y="connsiteY17"/>
-              </a:cxn>
-              <a:cxn ang="0">
-                <a:pos x="connsiteX18" y="connsiteY18"/>
-              </a:cxn>
-              <a:cxn ang="0">
-                <a:pos x="connsiteX19" y="connsiteY19"/>
-              </a:cxn>
-              <a:cxn ang="0">
-                <a:pos x="connsiteX20" y="connsiteY20"/>
-              </a:cxn>
-              <a:cxn ang="0">
-                <a:pos x="connsiteX21" y="connsiteY21"/>
-              </a:cxn>
-              <a:cxn ang="0">
-                <a:pos x="connsiteX22" y="connsiteY22"/>
-              </a:cxn>
-              <a:cxn ang="0">
-                <a:pos x="connsiteX23" y="connsiteY23"/>
-              </a:cxn>
-              <a:cxn ang="0">
-                <a:pos x="connsiteX24" y="connsiteY24"/>
-              </a:cxn>
-              <a:cxn ang="0">
-                <a:pos x="connsiteX25" y="connsiteY25"/>
-              </a:cxn>
-              <a:cxn ang="0">
-                <a:pos x="connsiteX26" y="connsiteY26"/>
-              </a:cxn>
-              <a:cxn ang="0">
-                <a:pos x="connsiteX27" y="connsiteY27"/>
-              </a:cxn>
-              <a:cxn ang="0">
-                <a:pos x="connsiteX28" y="connsiteY28"/>
-              </a:cxn>
-            </a:cxnLst>
-            <a:rect l="l" t="t" r="r" b="b"/>
-            <a:pathLst>
-              <a:path w="1771609" h="1140095">
-                <a:moveTo>
-                  <a:pt x="1561721" y="763041"/>
-                </a:moveTo>
-                <a:cubicBezTo>
-                  <a:pt x="1585506" y="760324"/>
-                  <a:pt x="1609722" y="771249"/>
-                  <a:pt x="1623024" y="792810"/>
-                </a:cubicBezTo>
-                <a:cubicBezTo>
-                  <a:pt x="1656300" y="850065"/>
-                  <a:pt x="1685920" y="909291"/>
-                  <a:pt x="1711735" y="970132"/>
-                </a:cubicBezTo>
-                <a:lnTo>
-                  <a:pt x="1771609" y="1140095"/>
-                </a:lnTo>
-                <a:lnTo>
-                  <a:pt x="1637225" y="1140095"/>
-                </a:lnTo>
-                <a:lnTo>
-                  <a:pt x="1594820" y="1019711"/>
-                </a:lnTo>
-                <a:cubicBezTo>
-                  <a:pt x="1571072" y="963753"/>
-                  <a:pt x="1543818" y="909282"/>
-                  <a:pt x="1513200" y="856627"/>
-                </a:cubicBezTo>
-                <a:cubicBezTo>
-                  <a:pt x="1496379" y="825834"/>
-                  <a:pt x="1507704" y="787236"/>
-                  <a:pt x="1538499" y="770415"/>
-                </a:cubicBezTo>
-                <a:cubicBezTo>
-                  <a:pt x="1545912" y="766367"/>
-                  <a:pt x="1553792" y="763946"/>
-                  <a:pt x="1561721" y="763041"/>
-                </a:cubicBezTo>
-                <a:close/>
-                <a:moveTo>
-                  <a:pt x="933455" y="161309"/>
-                </a:moveTo>
-                <a:cubicBezTo>
-                  <a:pt x="941693" y="161855"/>
-                  <a:pt x="949959" y="164025"/>
-                  <a:pt x="957797" y="167970"/>
-                </a:cubicBezTo>
-                <a:cubicBezTo>
-                  <a:pt x="1076184" y="227289"/>
-                  <a:pt x="1186759" y="301068"/>
-                  <a:pt x="1286982" y="387616"/>
-                </a:cubicBezTo>
-                <a:cubicBezTo>
-                  <a:pt x="1313547" y="410457"/>
-                  <a:pt x="1316566" y="450510"/>
-                  <a:pt x="1293725" y="477075"/>
-                </a:cubicBezTo>
-                <a:cubicBezTo>
-                  <a:pt x="1281638" y="491137"/>
-                  <a:pt x="1263998" y="499204"/>
-                  <a:pt x="1245453" y="499154"/>
-                </a:cubicBezTo>
-                <a:lnTo>
-                  <a:pt x="1245167" y="499154"/>
-                </a:lnTo>
-                <a:cubicBezTo>
-                  <a:pt x="1229965" y="499301"/>
-                  <a:pt x="1215220" y="493956"/>
-                  <a:pt x="1203638" y="484104"/>
-                </a:cubicBezTo>
-                <a:cubicBezTo>
-                  <a:pt x="1111407" y="404300"/>
-                  <a:pt x="1009633" y="336248"/>
-                  <a:pt x="900647" y="281508"/>
-                </a:cubicBezTo>
-                <a:cubicBezTo>
-                  <a:pt x="869295" y="265726"/>
-                  <a:pt x="856672" y="227516"/>
-                  <a:pt x="872454" y="196164"/>
-                </a:cubicBezTo>
-                <a:cubicBezTo>
-                  <a:pt x="884290" y="172650"/>
-                  <a:pt x="908742" y="159670"/>
-                  <a:pt x="933455" y="161309"/>
-                </a:cubicBezTo>
-                <a:close/>
-                <a:moveTo>
-                  <a:pt x="256260" y="29"/>
-                </a:moveTo>
-                <a:cubicBezTo>
-                  <a:pt x="322331" y="427"/>
-                  <a:pt x="388378" y="4909"/>
-                  <a:pt x="454020" y="13474"/>
-                </a:cubicBezTo>
-                <a:cubicBezTo>
-                  <a:pt x="488793" y="17752"/>
-                  <a:pt x="513514" y="49409"/>
-                  <a:pt x="509236" y="84182"/>
-                </a:cubicBezTo>
-                <a:cubicBezTo>
-                  <a:pt x="505303" y="116151"/>
-                  <a:pt x="478038" y="140098"/>
-                  <a:pt x="445829" y="139871"/>
-                </a:cubicBezTo>
-                <a:cubicBezTo>
-                  <a:pt x="443027" y="139899"/>
-                  <a:pt x="440227" y="139740"/>
-                  <a:pt x="437447" y="139395"/>
-                </a:cubicBezTo>
-                <a:cubicBezTo>
-                  <a:pt x="316592" y="123615"/>
-                  <a:pt x="194247" y="122878"/>
-                  <a:pt x="73211" y="137204"/>
-                </a:cubicBezTo>
-                <a:cubicBezTo>
-                  <a:pt x="38532" y="142545"/>
-                  <a:pt x="6090" y="118762"/>
-                  <a:pt x="749" y="84082"/>
-                </a:cubicBezTo>
-                <a:cubicBezTo>
-                  <a:pt x="-4591" y="49403"/>
-                  <a:pt x="19192" y="16961"/>
-                  <a:pt x="53871" y="11621"/>
-                </a:cubicBezTo>
-                <a:cubicBezTo>
-                  <a:pt x="55358" y="11392"/>
-                  <a:pt x="56852" y="11216"/>
-                  <a:pt x="58352" y="11093"/>
-                </a:cubicBezTo>
-                <a:cubicBezTo>
-                  <a:pt x="124093" y="3319"/>
-                  <a:pt x="190189" y="-369"/>
-                  <a:pt x="256260" y="29"/>
-                </a:cubicBezTo>
-                <a:close/>
-              </a:path>
-            </a:pathLst>
-          </a:custGeom>
-          <a:solidFill>
-            <a:schemeClr val="accent4"/>
-          </a:solidFill>
-          <a:ln w="9525" cap="flat">
-            <a:noFill/>
-            <a:prstDash val="solid"/>
-            <a:miter/>
-          </a:ln>
-        </p:spPr>
-        <p:txBody>
-          <a:bodyPr rtlCol="0" anchor="ctr"/>
-          <a:lstStyle/>
-          <a:p>
-            <a:endParaRPr lang="en-US"/>
-          </a:p>
-        </p:txBody>
-      </p:sp>
-      <p:pic>
-        <p:nvPicPr>
-          <p:cNvPr id="10" name="Imagem 9">
-            <a:extLst>
-              <a:ext uri="{FF2B5EF4-FFF2-40B4-BE49-F238E27FC236}">
-                <a16:creationId xmlns:a16="http://schemas.microsoft.com/office/drawing/2014/main" id="{05507BF8-2CF5-4C87-81C4-514B69A4E4EA}"/>
-              </a:ext>
-            </a:extLst>
-          </p:cNvPr>
-          <p:cNvPicPr>
-            <a:picLocks noChangeAspect="1"/>
-          </p:cNvPicPr>
-          <p:nvPr/>
-        </p:nvPicPr>
-        <p:blipFill rotWithShape="1">
-          <a:blip r:embed="rId2">
-            <a:extLst>
-              <a:ext uri="{28A0092B-C50C-407E-A947-70E740481C1C}">
-                <a14:useLocalDpi xmlns:a14="http://schemas.microsoft.com/office/drawing/2010/main" val="0"/>
-              </a:ext>
-            </a:extLst>
-          </a:blip>
-          <a:srcRect r="3" b="3"/>
-          <a:stretch/>
-        </p:blipFill>
-        <p:spPr>
-          <a:xfrm>
-            <a:off x="631840" y="598720"/>
-            <a:ext cx="5178249" cy="5178249"/>
-          </a:xfrm>
-          <a:custGeom>
-            <a:avLst/>
-            <a:gdLst/>
-            <a:ahLst/>
-            <a:cxnLst/>
-            <a:rect l="l" t="t" r="r" b="b"/>
-            <a:pathLst>
-              <a:path w="3741748" h="3741748">
-                <a:moveTo>
-                  <a:pt x="1870874" y="0"/>
-                </a:moveTo>
-                <a:cubicBezTo>
-                  <a:pt x="2904129" y="0"/>
-                  <a:pt x="3741748" y="837619"/>
-                  <a:pt x="3741748" y="1870874"/>
-                </a:cubicBezTo>
-                <a:cubicBezTo>
-                  <a:pt x="3741748" y="2904129"/>
-                  <a:pt x="2904129" y="3741748"/>
-                  <a:pt x="1870874" y="3741748"/>
-                </a:cubicBezTo>
-                <a:cubicBezTo>
-                  <a:pt x="837619" y="3741748"/>
-                  <a:pt x="0" y="2904129"/>
-                  <a:pt x="0" y="1870874"/>
-                </a:cubicBezTo>
-                <a:cubicBezTo>
-                  <a:pt x="0" y="837619"/>
-                  <a:pt x="837619" y="0"/>
-                  <a:pt x="1870874" y="0"/>
-                </a:cubicBezTo>
-                <a:close/>
-              </a:path>
-            </a:pathLst>
-          </a:custGeom>
-        </p:spPr>
-      </p:pic>
-      <p:sp>
-        <p:nvSpPr>
-          <p:cNvPr id="27" name="Freeform: Shape 26">
-            <a:extLst>
-              <a:ext uri="{FF2B5EF4-FFF2-40B4-BE49-F238E27FC236}">
-                <a16:creationId xmlns:a16="http://schemas.microsoft.com/office/drawing/2014/main" id="{5F2F0C84-BE8C-4DC2-A6D3-30349A801D5C}"/>
-              </a:ext>
-              <a:ext uri="{C183D7F6-B498-43B3-948B-1728B52AA6E4}">
-                <adec:decorative xmlns:adec="http://schemas.microsoft.com/office/drawing/2017/decorative" val="1"/>
-              </a:ext>
-            </a:extLst>
-          </p:cNvPr>
-          <p:cNvSpPr>
-            <a:spLocks noGrp="1" noRot="1" noChangeAspect="1" noMove="1" noResize="1" noEditPoints="1" noAdjustHandles="1" noChangeArrowheads="1" noChangeShapeType="1" noTextEdit="1"/>
-          </p:cNvSpPr>
-          <p:nvPr>
-            <p:extLst>
-              <p:ext uri="{386F3935-93C4-4BCD-93E2-E3B085C9AB24}">
-                <p16:designElem xmlns:p16="http://schemas.microsoft.com/office/powerpoint/2015/main" val="1"/>
-              </p:ext>
-            </p:extLst>
-          </p:nvPr>
-        </p:nvSpPr>
-        <p:spPr>
-          <a:xfrm flipH="1">
-            <a:off x="4520513" y="6258756"/>
-            <a:ext cx="1565940" cy="599245"/>
-          </a:xfrm>
-          <a:custGeom>
-            <a:avLst/>
-            <a:gdLst>
-              <a:gd name="connsiteX0" fmla="*/ 782970 w 1565940"/>
-              <a:gd name="connsiteY0" fmla="*/ 0 h 599245"/>
-              <a:gd name="connsiteX1" fmla="*/ 1528042 w 1565940"/>
-              <a:gd name="connsiteY1" fmla="*/ 480469 h 599245"/>
-              <a:gd name="connsiteX2" fmla="*/ 1565940 w 1565940"/>
-              <a:gd name="connsiteY2" fmla="*/ 599245 h 599245"/>
-              <a:gd name="connsiteX3" fmla="*/ 0 w 1565940"/>
-              <a:gd name="connsiteY3" fmla="*/ 599245 h 599245"/>
-              <a:gd name="connsiteX4" fmla="*/ 37898 w 1565940"/>
-              <a:gd name="connsiteY4" fmla="*/ 480469 h 599245"/>
-              <a:gd name="connsiteX5" fmla="*/ 782970 w 1565940"/>
-              <a:gd name="connsiteY5" fmla="*/ 0 h 599245"/>
-            </a:gdLst>
-            <a:ahLst/>
-            <a:cxnLst>
-              <a:cxn ang="0">
-                <a:pos x="connsiteX0" y="connsiteY0"/>
-              </a:cxn>
-              <a:cxn ang="0">
-                <a:pos x="connsiteX1" y="connsiteY1"/>
-              </a:cxn>
-              <a:cxn ang="0">
-                <a:pos x="connsiteX2" y="connsiteY2"/>
-              </a:cxn>
-              <a:cxn ang="0">
-                <a:pos x="connsiteX3" y="connsiteY3"/>
-              </a:cxn>
-              <a:cxn ang="0">
-                <a:pos x="connsiteX4" y="connsiteY4"/>
-              </a:cxn>
-              <a:cxn ang="0">
-                <a:pos x="connsiteX5" y="connsiteY5"/>
-              </a:cxn>
-            </a:cxnLst>
-            <a:rect l="l" t="t" r="r" b="b"/>
-            <a:pathLst>
-              <a:path w="1565940" h="599245">
-                <a:moveTo>
-                  <a:pt x="782970" y="0"/>
-                </a:moveTo>
-                <a:cubicBezTo>
-                  <a:pt x="1117910" y="0"/>
-                  <a:pt x="1405287" y="198118"/>
-                  <a:pt x="1528042" y="480469"/>
-                </a:cubicBezTo>
-                <a:lnTo>
-                  <a:pt x="1565940" y="599245"/>
-                </a:lnTo>
-                <a:lnTo>
-                  <a:pt x="0" y="599245"/>
-                </a:lnTo>
-                <a:lnTo>
-                  <a:pt x="37898" y="480469"/>
-                </a:lnTo>
-                <a:cubicBezTo>
-                  <a:pt x="160653" y="198118"/>
-                  <a:pt x="448030" y="0"/>
-                  <a:pt x="782970" y="0"/>
-                </a:cubicBezTo>
-                <a:close/>
-              </a:path>
-            </a:pathLst>
-          </a:custGeom>
-          <a:solidFill>
-            <a:schemeClr val="accent2"/>
-          </a:solidFill>
-          <a:ln>
-            <a:noFill/>
-          </a:ln>
-        </p:spPr>
-        <p:style>
-          <a:lnRef idx="2">
-            <a:schemeClr val="accent1">
-              <a:shade val="50000"/>
-            </a:schemeClr>
-          </a:lnRef>
-          <a:fillRef idx="1">
-            <a:schemeClr val="accent1"/>
-          </a:fillRef>
-          <a:effectRef idx="0">
-            <a:schemeClr val="accent1"/>
-          </a:effectRef>
-          <a:fontRef idx="minor">
-            <a:schemeClr val="lt1"/>
-          </a:fontRef>
-        </p:style>
-        <p:txBody>
-          <a:bodyPr wrap="square" rtlCol="0" anchor="ctr">
-            <a:noAutofit/>
-          </a:bodyPr>
-          <a:lstStyle/>
-          <a:p>
-            <a:pPr algn="ctr"/>
-            <a:endParaRPr lang="en-US" dirty="0"/>
+            <a:endParaRPr lang="pt-BR"/>
           </a:p>
         </p:txBody>
       </p:sp>
@@ -4606,6 +3915,18 @@
   <p:clrMapOvr>
     <a:masterClrMapping/>
   </p:clrMapOvr>
+  <mc:AlternateContent xmlns:mc="http://schemas.openxmlformats.org/markup-compatibility/2006">
+    <mc:Choice xmlns:p14="http://schemas.microsoft.com/office/powerpoint/2010/main" Requires="p14">
+      <p:transition spd="slow" p14:dur="1250">
+        <p:wipe/>
+      </p:transition>
+    </mc:Choice>
+    <mc:Fallback>
+      <p:transition spd="slow">
+        <p:wipe/>
+      </p:transition>
+    </mc:Fallback>
+  </mc:AlternateContent>
 </p:sld>
 </file>
 
@@ -4626,51 +3947,159 @@
           <a:chExt cx="0" cy="0"/>
         </a:xfrm>
       </p:grpSpPr>
-      <p:cxnSp>
-        <p:nvCxnSpPr>
-          <p:cNvPr id="5" name="Conector reto 4">
-            <a:extLst>
-              <a:ext uri="{FF2B5EF4-FFF2-40B4-BE49-F238E27FC236}">
-                <a16:creationId xmlns:a16="http://schemas.microsoft.com/office/drawing/2014/main" id="{D90523EA-AF65-44BB-8210-EBEF2EABF735}"/>
-              </a:ext>
-            </a:extLst>
-          </p:cNvPr>
-          <p:cNvCxnSpPr>
-            <a:cxnSpLocks/>
-          </p:cNvCxnSpPr>
+      <p:sp>
+        <p:nvSpPr>
+          <p:cNvPr id="5" name="Retângulo 4">
+            <a:extLst>
+              <a:ext uri="{FF2B5EF4-FFF2-40B4-BE49-F238E27FC236}">
+                <a16:creationId xmlns:a16="http://schemas.microsoft.com/office/drawing/2014/main" id="{F71650AF-280C-4CA0-8090-D41F23F9D98C}"/>
+              </a:ext>
+            </a:extLst>
+          </p:cNvPr>
+          <p:cNvSpPr/>
           <p:nvPr/>
-        </p:nvCxnSpPr>
-        <p:spPr>
-          <a:xfrm>
-            <a:off x="6096000" y="330200"/>
-            <a:ext cx="0" cy="6134100"/>
-          </a:xfrm>
-          <a:prstGeom prst="line">
-            <a:avLst/>
-          </a:prstGeom>
-          <a:ln/>
+        </p:nvSpPr>
+        <p:spPr>
+          <a:xfrm>
+            <a:off x="0" y="0"/>
+            <a:ext cx="12192000" cy="1917290"/>
+          </a:xfrm>
+          <a:prstGeom prst="rect">
+            <a:avLst/>
+          </a:prstGeom>
+          <a:solidFill>
+            <a:srgbClr val="5881C0"/>
+          </a:solidFill>
+          <a:ln>
+            <a:solidFill>
+              <a:srgbClr val="5881C0"/>
+            </a:solidFill>
+          </a:ln>
         </p:spPr>
         <p:style>
-          <a:lnRef idx="3">
-            <a:schemeClr val="accent1"/>
+          <a:lnRef idx="2">
+            <a:schemeClr val="accent1">
+              <a:shade val="50000"/>
+            </a:schemeClr>
           </a:lnRef>
-          <a:fillRef idx="0">
+          <a:fillRef idx="1">
             <a:schemeClr val="accent1"/>
           </a:fillRef>
-          <a:effectRef idx="2">
+          <a:effectRef idx="0">
             <a:schemeClr val="accent1"/>
           </a:effectRef>
           <a:fontRef idx="minor">
-            <a:schemeClr val="tx1"/>
+            <a:schemeClr val="lt1"/>
           </a:fontRef>
         </p:style>
-      </p:cxnSp>
+        <p:txBody>
+          <a:bodyPr rtlCol="0" anchor="ctr"/>
+          <a:lstStyle/>
+          <a:p>
+            <a:pPr algn="ctr"/>
+            <a:endParaRPr lang="pt-BR" b="1" dirty="0">
+              <a:effectLst>
+                <a:outerShdw blurRad="38100" dist="38100" dir="2700000" algn="tl">
+                  <a:srgbClr val="000000">
+                    <a:alpha val="43137"/>
+                  </a:srgbClr>
+                </a:outerShdw>
+              </a:effectLst>
+            </a:endParaRPr>
+          </a:p>
+        </p:txBody>
+      </p:sp>
+      <p:sp>
+        <p:nvSpPr>
+          <p:cNvPr id="2" name="Título 1">
+            <a:extLst>
+              <a:ext uri="{FF2B5EF4-FFF2-40B4-BE49-F238E27FC236}">
+                <a16:creationId xmlns:a16="http://schemas.microsoft.com/office/drawing/2014/main" id="{D8BBF75D-40F0-488B-89AB-961FDBB3E783}"/>
+              </a:ext>
+            </a:extLst>
+          </p:cNvPr>
+          <p:cNvSpPr>
+            <a:spLocks noGrp="1"/>
+          </p:cNvSpPr>
+          <p:nvPr>
+            <p:ph type="title"/>
+          </p:nvPr>
+        </p:nvSpPr>
+        <p:spPr>
+          <a:xfrm>
+            <a:off x="838199" y="0"/>
+            <a:ext cx="10515600" cy="1325563"/>
+          </a:xfrm>
+        </p:spPr>
+        <p:txBody>
+          <a:bodyPr/>
+          <a:lstStyle/>
+          <a:p>
+            <a:pPr algn="ctr"/>
+            <a:r>
+              <a:rPr lang="pt-BR" b="1" dirty="0">
+                <a:effectLst>
+                  <a:outerShdw blurRad="38100" dist="38100" dir="2700000" algn="tl">
+                    <a:srgbClr val="000000">
+                      <a:alpha val="43137"/>
+                    </a:srgbClr>
+                  </a:outerShdw>
+                </a:effectLst>
+                <a:latin typeface="Arial" panose="020B0604020202020204" pitchFamily="34" charset="0"/>
+                <a:cs typeface="Arial" panose="020B0604020202020204" pitchFamily="34" charset="0"/>
+              </a:rPr>
+              <a:t>Tela de login</a:t>
+            </a:r>
+          </a:p>
+        </p:txBody>
+      </p:sp>
       <p:pic>
         <p:nvPicPr>
-          <p:cNvPr id="8" name="Imagem 7">
-            <a:extLst>
-              <a:ext uri="{FF2B5EF4-FFF2-40B4-BE49-F238E27FC236}">
-                <a16:creationId xmlns:a16="http://schemas.microsoft.com/office/drawing/2014/main" id="{D90230C0-B25E-48E0-A50E-1492A0D25014}"/>
+          <p:cNvPr id="4" name="Espaço Reservado para Conteúdo 3">
+            <a:extLst>
+              <a:ext uri="{FF2B5EF4-FFF2-40B4-BE49-F238E27FC236}">
+                <a16:creationId xmlns:a16="http://schemas.microsoft.com/office/drawing/2014/main" id="{4B142877-9668-48D1-B6F2-1E0F020C453D}"/>
+              </a:ext>
+            </a:extLst>
+          </p:cNvPr>
+          <p:cNvPicPr>
+            <a:picLocks noGrp="1"/>
+          </p:cNvPicPr>
+          <p:nvPr>
+            <p:ph idx="1"/>
+          </p:nvPr>
+        </p:nvPicPr>
+        <p:blipFill rotWithShape="1">
+          <a:blip r:embed="rId2"/>
+          <a:srcRect l="10374" t="10558" r="18313" b="21207"/>
+          <a:stretch/>
+        </p:blipFill>
+        <p:spPr>
+          <a:xfrm>
+            <a:off x="2009248" y="2064770"/>
+            <a:ext cx="8173502" cy="4715303"/>
+          </a:xfrm>
+          <a:prstGeom prst="rect">
+            <a:avLst/>
+          </a:prstGeom>
+          <a:ln>
+            <a:noFill/>
+          </a:ln>
+          <a:effectLst>
+            <a:outerShdw blurRad="190500" algn="tl" rotWithShape="0">
+              <a:srgbClr val="000000">
+                <a:alpha val="70000"/>
+              </a:srgbClr>
+            </a:outerShdw>
+          </a:effectLst>
+        </p:spPr>
+      </p:pic>
+      <p:pic>
+        <p:nvPicPr>
+          <p:cNvPr id="6" name="Imagem 5">
+            <a:extLst>
+              <a:ext uri="{FF2B5EF4-FFF2-40B4-BE49-F238E27FC236}">
+                <a16:creationId xmlns:a16="http://schemas.microsoft.com/office/drawing/2014/main" id="{97EC46F0-A40E-4C02-AF04-C0849E583086}"/>
               </a:ext>
             </a:extLst>
           </p:cNvPr>
@@ -4680,102 +4109,94 @@
           <p:nvPr/>
         </p:nvPicPr>
         <p:blipFill>
-          <a:blip r:embed="rId2"/>
+          <a:blip r:embed="rId3"/>
           <a:stretch>
             <a:fillRect/>
           </a:stretch>
         </p:blipFill>
         <p:spPr>
           <a:xfrm>
-            <a:off x="53894" y="35169"/>
+            <a:off x="71851" y="309267"/>
             <a:ext cx="1035488" cy="1035488"/>
           </a:xfrm>
           <a:prstGeom prst="rect">
             <a:avLst/>
           </a:prstGeom>
+          <a:solidFill>
+            <a:srgbClr val="5881C0"/>
+          </a:solidFill>
+          <a:ln>
+            <a:solidFill>
+              <a:srgbClr val="5881C0"/>
+            </a:solidFill>
+          </a:ln>
         </p:spPr>
       </p:pic>
-      <p:pic>
-        <p:nvPicPr>
-          <p:cNvPr id="9" name="Imagem 8" descr="Tela de celular com texto preto sobre fundo branco&#10;&#10;Descrição gerada automaticamente">
-            <a:extLst>
-              <a:ext uri="{FF2B5EF4-FFF2-40B4-BE49-F238E27FC236}">
-                <a16:creationId xmlns:a16="http://schemas.microsoft.com/office/drawing/2014/main" id="{92EA93DF-9609-4623-BA66-B7E60CA13C82}"/>
-              </a:ext>
-            </a:extLst>
-          </p:cNvPr>
-          <p:cNvPicPr>
-            <a:picLocks noChangeAspect="1"/>
-          </p:cNvPicPr>
+      <p:sp>
+        <p:nvSpPr>
+          <p:cNvPr id="7" name="Retângulo 6">
+            <a:extLst>
+              <a:ext uri="{FF2B5EF4-FFF2-40B4-BE49-F238E27FC236}">
+                <a16:creationId xmlns:a16="http://schemas.microsoft.com/office/drawing/2014/main" id="{685942AF-9615-4B7E-B595-7C41ACE1238D}"/>
+              </a:ext>
+            </a:extLst>
+          </p:cNvPr>
+          <p:cNvSpPr/>
           <p:nvPr/>
-        </p:nvPicPr>
-        <p:blipFill>
-          <a:blip r:embed="rId3">
-            <a:extLst>
-              <a:ext uri="{28A0092B-C50C-407E-A947-70E740481C1C}">
-                <a14:useLocalDpi xmlns:a14="http://schemas.microsoft.com/office/drawing/2010/main" val="0"/>
-              </a:ext>
-            </a:extLst>
-          </a:blip>
-          <a:stretch>
-            <a:fillRect/>
-          </a:stretch>
-        </p:blipFill>
-        <p:spPr>
-          <a:xfrm>
-            <a:off x="146617" y="1070657"/>
-            <a:ext cx="5850009" cy="5005678"/>
-          </a:xfrm>
-          <a:prstGeom prst="rect">
-            <a:avLst/>
-          </a:prstGeom>
-        </p:spPr>
-      </p:pic>
-      <p:pic>
-        <p:nvPicPr>
-          <p:cNvPr id="10" name="Imagem 9" descr="Tela de computador com texto preto sobre fundo branco&#10;&#10;Descrição gerada automaticamente">
-            <a:extLst>
-              <a:ext uri="{FF2B5EF4-FFF2-40B4-BE49-F238E27FC236}">
-                <a16:creationId xmlns:a16="http://schemas.microsoft.com/office/drawing/2014/main" id="{5D4B0EC7-BD92-4084-B94F-0FC8F820C43E}"/>
-              </a:ext>
-            </a:extLst>
-          </p:cNvPr>
-          <p:cNvPicPr>
-            <a:picLocks noChangeAspect="1"/>
-          </p:cNvPicPr>
-          <p:nvPr/>
-        </p:nvPicPr>
-        <p:blipFill rotWithShape="1">
-          <a:blip r:embed="rId4">
-            <a:extLst>
-              <a:ext uri="{28A0092B-C50C-407E-A947-70E740481C1C}">
-                <a14:useLocalDpi xmlns:a14="http://schemas.microsoft.com/office/drawing/2010/main" val="0"/>
-              </a:ext>
-            </a:extLst>
-          </a:blip>
-          <a:srcRect l="2957" r="6182" b="-1"/>
-          <a:stretch/>
-        </p:blipFill>
-        <p:spPr>
-          <a:xfrm>
-            <a:off x="6161942" y="1070657"/>
-            <a:ext cx="6030058" cy="4977480"/>
-          </a:xfrm>
-          <a:prstGeom prst="rect">
-            <a:avLst/>
-          </a:prstGeom>
-        </p:spPr>
-      </p:pic>
+        </p:nvSpPr>
+        <p:spPr>
+          <a:xfrm>
+            <a:off x="85350" y="-43679"/>
+            <a:ext cx="1074781" cy="369332"/>
+          </a:xfrm>
+          <a:prstGeom prst="rect">
+            <a:avLst/>
+          </a:prstGeom>
+        </p:spPr>
+        <p:txBody>
+          <a:bodyPr wrap="none">
+            <a:spAutoFit/>
+          </a:bodyPr>
+          <a:lstStyle/>
+          <a:p>
+            <a:r>
+              <a:rPr lang="en-US" b="1" dirty="0">
+                <a:effectLst>
+                  <a:outerShdw blurRad="38100" dist="38100" dir="2700000" algn="tl">
+                    <a:srgbClr val="000000">
+                      <a:alpha val="43137"/>
+                    </a:srgbClr>
+                  </a:outerShdw>
+                </a:effectLst>
+              </a:rPr>
+              <a:t>SUSTABIL</a:t>
+            </a:r>
+            <a:endParaRPr lang="pt-BR" dirty="0"/>
+          </a:p>
+        </p:txBody>
+      </p:sp>
     </p:spTree>
     <p:extLst>
       <p:ext uri="{BB962C8B-B14F-4D97-AF65-F5344CB8AC3E}">
-        <p14:creationId xmlns:p14="http://schemas.microsoft.com/office/powerpoint/2010/main" val="1307777368"/>
+        <p14:creationId xmlns:p14="http://schemas.microsoft.com/office/powerpoint/2010/main" val="927129456"/>
       </p:ext>
     </p:extLst>
   </p:cSld>
   <p:clrMapOvr>
     <a:masterClrMapping/>
   </p:clrMapOvr>
+  <mc:AlternateContent xmlns:mc="http://schemas.openxmlformats.org/markup-compatibility/2006">
+    <mc:Choice xmlns:p14="http://schemas.microsoft.com/office/powerpoint/2010/main" Requires="p14">
+      <p:transition spd="slow" p14:dur="1250">
+        <p:wipe/>
+      </p:transition>
+    </mc:Choice>
+    <mc:Fallback>
+      <p:transition spd="slow">
+        <p:wipe/>
+      </p:transition>
+    </mc:Fallback>
+  </mc:AlternateContent>
 </p:sld>
 </file>
 
@@ -4798,68 +4219,162 @@
       </p:grpSpPr>
       <p:sp>
         <p:nvSpPr>
-          <p:cNvPr id="2" name="Título 1">
-            <a:extLst>
-              <a:ext uri="{FF2B5EF4-FFF2-40B4-BE49-F238E27FC236}">
-                <a16:creationId xmlns:a16="http://schemas.microsoft.com/office/drawing/2014/main" id="{76E79846-F68F-4F1C-8EFB-49E16F0987D8}"/>
-              </a:ext>
-            </a:extLst>
-          </p:cNvPr>
-          <p:cNvSpPr>
-            <a:spLocks noGrp="1"/>
+          <p:cNvPr id="6" name="Retângulo 5">
+            <a:extLst>
+              <a:ext uri="{FF2B5EF4-FFF2-40B4-BE49-F238E27FC236}">
+                <a16:creationId xmlns:a16="http://schemas.microsoft.com/office/drawing/2014/main" id="{B9EE5BC0-636C-47F6-BB27-AA0BFFAA3839}"/>
+              </a:ext>
+            </a:extLst>
+          </p:cNvPr>
+          <p:cNvSpPr/>
+          <p:nvPr/>
+        </p:nvSpPr>
+        <p:spPr>
+          <a:xfrm>
+            <a:off x="0" y="0"/>
+            <a:ext cx="12192000" cy="1917290"/>
+          </a:xfrm>
+          <a:prstGeom prst="rect">
+            <a:avLst/>
+          </a:prstGeom>
+          <a:solidFill>
+            <a:srgbClr val="5881C0"/>
+          </a:solidFill>
+          <a:ln>
+            <a:solidFill>
+              <a:srgbClr val="5881C0"/>
+            </a:solidFill>
+          </a:ln>
+        </p:spPr>
+        <p:style>
+          <a:lnRef idx="2">
+            <a:schemeClr val="accent1">
+              <a:shade val="50000"/>
+            </a:schemeClr>
+          </a:lnRef>
+          <a:fillRef idx="1">
+            <a:schemeClr val="accent1"/>
+          </a:fillRef>
+          <a:effectRef idx="0">
+            <a:schemeClr val="accent1"/>
+          </a:effectRef>
+          <a:fontRef idx="minor">
+            <a:schemeClr val="lt1"/>
+          </a:fontRef>
+        </p:style>
+        <p:txBody>
+          <a:bodyPr rtlCol="0" anchor="ctr"/>
+          <a:lstStyle/>
+          <a:p>
+            <a:pPr algn="ctr"/>
+            <a:endParaRPr lang="pt-BR" b="1" dirty="0">
+              <a:effectLst>
+                <a:outerShdw blurRad="38100" dist="38100" dir="2700000" algn="tl">
+                  <a:srgbClr val="000000">
+                    <a:alpha val="43137"/>
+                  </a:srgbClr>
+                </a:outerShdw>
+              </a:effectLst>
+            </a:endParaRPr>
+          </a:p>
+        </p:txBody>
+      </p:sp>
+      <p:pic>
+        <p:nvPicPr>
+          <p:cNvPr id="9" name="Imagem 8" descr="Tela de celular com texto preto sobre fundo branco&#10;&#10;Descrição gerada automaticamente">
+            <a:extLst>
+              <a:ext uri="{FF2B5EF4-FFF2-40B4-BE49-F238E27FC236}">
+                <a16:creationId xmlns:a16="http://schemas.microsoft.com/office/drawing/2014/main" id="{92EA93DF-9609-4623-BA66-B7E60CA13C82}"/>
+              </a:ext>
+            </a:extLst>
+          </p:cNvPr>
+          <p:cNvPicPr>
+            <a:picLocks noChangeAspect="1"/>
+          </p:cNvPicPr>
+          <p:nvPr/>
+        </p:nvPicPr>
+        <p:blipFill>
+          <a:blip r:embed="rId2">
+            <a:extLst>
+              <a:ext uri="{28A0092B-C50C-407E-A947-70E740481C1C}">
+                <a14:useLocalDpi xmlns:a14="http://schemas.microsoft.com/office/drawing/2010/main" val="0"/>
+              </a:ext>
+            </a:extLst>
+          </a:blip>
+          <a:stretch>
+            <a:fillRect/>
+          </a:stretch>
+        </p:blipFill>
+        <p:spPr>
+          <a:xfrm>
+            <a:off x="2945693" y="2064770"/>
+            <a:ext cx="6297561" cy="5005678"/>
+          </a:xfrm>
+          <a:prstGeom prst="rect">
+            <a:avLst/>
+          </a:prstGeom>
+          <a:ln>
+            <a:noFill/>
+          </a:ln>
+          <a:effectLst>
+            <a:outerShdw blurRad="190500" algn="tl" rotWithShape="0">
+              <a:srgbClr val="000000">
+                <a:alpha val="70000"/>
+              </a:srgbClr>
+            </a:outerShdw>
+          </a:effectLst>
+        </p:spPr>
+      </p:pic>
+      <p:sp>
+        <p:nvSpPr>
+          <p:cNvPr id="7" name="Título 1">
+            <a:extLst>
+              <a:ext uri="{FF2B5EF4-FFF2-40B4-BE49-F238E27FC236}">
+                <a16:creationId xmlns:a16="http://schemas.microsoft.com/office/drawing/2014/main" id="{465BF5C2-15BF-4116-83A4-9E253E05D021}"/>
+              </a:ext>
+            </a:extLst>
+          </p:cNvPr>
+          <p:cNvSpPr txBox="1">
+            <a:spLocks/>
           </p:cNvSpPr>
-          <p:nvPr>
-            <p:ph type="title"/>
-          </p:nvPr>
-        </p:nvSpPr>
-        <p:spPr/>
+          <p:nvPr/>
+        </p:nvSpPr>
+        <p:spPr>
+          <a:xfrm>
+            <a:off x="836674" y="57854"/>
+            <a:ext cx="10515600" cy="1288784"/>
+          </a:xfrm>
+          <a:prstGeom prst="rect">
+            <a:avLst/>
+          </a:prstGeom>
+        </p:spPr>
         <p:txBody>
           <a:bodyPr vert="horz" lIns="91440" tIns="45720" rIns="91440" bIns="45720" rtlCol="0" anchor="ctr">
             <a:normAutofit/>
           </a:bodyPr>
-          <a:lstStyle/>
+          <a:lstStyle>
+            <a:lvl1pPr algn="l" defTabSz="914400" rtl="0" eaLnBrk="1" latinLnBrk="0" hangingPunct="1">
+              <a:lnSpc>
+                <a:spcPct val="90000"/>
+              </a:lnSpc>
+              <a:spcBef>
+                <a:spcPct val="0"/>
+              </a:spcBef>
+              <a:buNone/>
+              <a:defRPr sz="4400" kern="1200">
+                <a:solidFill>
+                  <a:schemeClr val="tx1"/>
+                </a:solidFill>
+                <a:latin typeface="+mj-lt"/>
+                <a:ea typeface="+mj-ea"/>
+                <a:cs typeface="+mj-cs"/>
+              </a:defRPr>
+            </a:lvl1pPr>
+          </a:lstStyle>
           <a:p>
             <a:pPr algn="ctr"/>
             <a:r>
-              <a:rPr lang="pt-BR" sz="3700" dirty="0">
-                <a:latin typeface="Arial" panose="020B0604020202020204" pitchFamily="34" charset="0"/>
-                <a:cs typeface="Arial" panose="020B0604020202020204" pitchFamily="34" charset="0"/>
-              </a:rPr>
-              <a:t>Simulador Financeiro</a:t>
-            </a:r>
-          </a:p>
-        </p:txBody>
-      </p:sp>
-      <p:sp>
-        <p:nvSpPr>
-          <p:cNvPr id="3" name="CaixaDeTexto 2">
-            <a:extLst>
-              <a:ext uri="{FF2B5EF4-FFF2-40B4-BE49-F238E27FC236}">
-                <a16:creationId xmlns:a16="http://schemas.microsoft.com/office/drawing/2014/main" id="{87A51DD7-9150-47FA-8BCE-ED3D5E6ABDBD}"/>
-              </a:ext>
-            </a:extLst>
-          </p:cNvPr>
-          <p:cNvSpPr txBox="1"/>
-          <p:nvPr/>
-        </p:nvSpPr>
-        <p:spPr>
-          <a:xfrm>
-            <a:off x="3625949" y="3103600"/>
-            <a:ext cx="6695768" cy="369332"/>
-          </a:xfrm>
-          <a:prstGeom prst="rect">
-            <a:avLst/>
-          </a:prstGeom>
-          <a:noFill/>
-        </p:spPr>
-        <p:txBody>
-          <a:bodyPr wrap="square" rtlCol="0">
-            <a:spAutoFit/>
-          </a:bodyPr>
-          <a:lstStyle/>
-          <a:p>
-            <a:r>
-              <a:rPr lang="pt-BR" dirty="0">
+              <a:rPr lang="pt-BR" b="1" dirty="0">
                 <a:effectLst>
                   <a:outerShdw blurRad="38100" dist="38100" dir="2700000" algn="tl">
                     <a:srgbClr val="000000">
@@ -4870,80 +4385,114 @@
                 <a:latin typeface="Arial" panose="020B0604020202020204" pitchFamily="34" charset="0"/>
                 <a:cs typeface="Arial" panose="020B0604020202020204" pitchFamily="34" charset="0"/>
               </a:rPr>
-              <a:t>Simulador Financeiro: </a:t>
-            </a:r>
-            <a:r>
-              <a:rPr lang="pt-BR" dirty="0">
-                <a:latin typeface="Arial" panose="020B0604020202020204" pitchFamily="34" charset="0"/>
-                <a:cs typeface="Arial" panose="020B0604020202020204" pitchFamily="34" charset="0"/>
-                <a:hlinkClick r:id="rId2"/>
-              </a:rPr>
-              <a:t>https://simuladorfinanceiro.netlify.app/</a:t>
-            </a:r>
-            <a:endParaRPr lang="pt-BR" dirty="0">
-              <a:latin typeface="Arial" panose="020B0604020202020204" pitchFamily="34" charset="0"/>
-              <a:cs typeface="Arial" panose="020B0604020202020204" pitchFamily="34" charset="0"/>
-            </a:endParaRPr>
+              <a:t>Tela sobre nós</a:t>
+            </a:r>
           </a:p>
         </p:txBody>
       </p:sp>
       <p:pic>
         <p:nvPicPr>
-          <p:cNvPr id="7" name="Picture 2" descr="Sistema de Financeiro | Sistema de Gestão | BlueFocus Software">
-            <a:extLst>
-              <a:ext uri="{FF2B5EF4-FFF2-40B4-BE49-F238E27FC236}">
-                <a16:creationId xmlns:a16="http://schemas.microsoft.com/office/drawing/2014/main" id="{1F6B3A44-3D0A-47A6-B0F4-9BFD06D881BB}"/>
+          <p:cNvPr id="11" name="Imagem 10">
+            <a:extLst>
+              <a:ext uri="{FF2B5EF4-FFF2-40B4-BE49-F238E27FC236}">
+                <a16:creationId xmlns:a16="http://schemas.microsoft.com/office/drawing/2014/main" id="{6E6B28FD-C5B7-420B-A4B1-8356A6E582BE}"/>
               </a:ext>
             </a:extLst>
           </p:cNvPr>
           <p:cNvPicPr>
-            <a:picLocks noChangeAspect="1" noChangeArrowheads="1"/>
+            <a:picLocks noChangeAspect="1"/>
           </p:cNvPicPr>
           <p:nvPr/>
         </p:nvPicPr>
         <p:blipFill>
-          <a:blip r:embed="rId3">
-            <a:extLst>
-              <a:ext uri="{28A0092B-C50C-407E-A947-70E740481C1C}">
-                <a14:useLocalDpi xmlns:a14="http://schemas.microsoft.com/office/drawing/2010/main" val="0"/>
-              </a:ext>
-            </a:extLst>
-          </a:blip>
-          <a:srcRect/>
+          <a:blip r:embed="rId3"/>
           <a:stretch>
             <a:fillRect/>
           </a:stretch>
         </p:blipFill>
-        <p:spPr bwMode="auto">
-          <a:xfrm>
-            <a:off x="838200" y="1683001"/>
-            <a:ext cx="2787749" cy="2787749"/>
-          </a:xfrm>
-          <a:prstGeom prst="rect">
-            <a:avLst/>
-          </a:prstGeom>
-          <a:noFill/>
-          <a:extLst>
-            <a:ext uri="{909E8E84-426E-40DD-AFC4-6F175D3DCCD1}">
-              <a14:hiddenFill xmlns:a14="http://schemas.microsoft.com/office/drawing/2010/main">
-                <a:solidFill>
-                  <a:srgbClr val="FFFFFF"/>
-                </a:solidFill>
-              </a14:hiddenFill>
-            </a:ext>
-          </a:extLst>
+        <p:spPr>
+          <a:xfrm>
+            <a:off x="71851" y="309267"/>
+            <a:ext cx="1035488" cy="1035488"/>
+          </a:xfrm>
+          <a:prstGeom prst="rect">
+            <a:avLst/>
+          </a:prstGeom>
+          <a:solidFill>
+            <a:srgbClr val="5881C0"/>
+          </a:solidFill>
+          <a:ln>
+            <a:solidFill>
+              <a:srgbClr val="5881C0"/>
+            </a:solidFill>
+          </a:ln>
         </p:spPr>
       </p:pic>
+      <p:sp>
+        <p:nvSpPr>
+          <p:cNvPr id="12" name="Retângulo 11">
+            <a:extLst>
+              <a:ext uri="{FF2B5EF4-FFF2-40B4-BE49-F238E27FC236}">
+                <a16:creationId xmlns:a16="http://schemas.microsoft.com/office/drawing/2014/main" id="{B0EE5ED3-2BC9-470C-B8F8-2F9126633494}"/>
+              </a:ext>
+            </a:extLst>
+          </p:cNvPr>
+          <p:cNvSpPr/>
+          <p:nvPr/>
+        </p:nvSpPr>
+        <p:spPr>
+          <a:xfrm>
+            <a:off x="85350" y="-43679"/>
+            <a:ext cx="1074781" cy="369332"/>
+          </a:xfrm>
+          <a:prstGeom prst="rect">
+            <a:avLst/>
+          </a:prstGeom>
+        </p:spPr>
+        <p:txBody>
+          <a:bodyPr wrap="none">
+            <a:spAutoFit/>
+          </a:bodyPr>
+          <a:lstStyle/>
+          <a:p>
+            <a:r>
+              <a:rPr lang="en-US" b="1" dirty="0">
+                <a:effectLst>
+                  <a:outerShdw blurRad="38100" dist="38100" dir="2700000" algn="tl">
+                    <a:srgbClr val="000000">
+                      <a:alpha val="43137"/>
+                    </a:srgbClr>
+                  </a:outerShdw>
+                </a:effectLst>
+              </a:rPr>
+              <a:t>SUSTABIL</a:t>
+            </a:r>
+            <a:endParaRPr lang="pt-BR" dirty="0"/>
+          </a:p>
+        </p:txBody>
+      </p:sp>
     </p:spTree>
     <p:extLst>
       <p:ext uri="{BB962C8B-B14F-4D97-AF65-F5344CB8AC3E}">
-        <p14:creationId xmlns:p14="http://schemas.microsoft.com/office/powerpoint/2010/main" val="882302102"/>
+        <p14:creationId xmlns:p14="http://schemas.microsoft.com/office/powerpoint/2010/main" val="1307777368"/>
       </p:ext>
     </p:extLst>
   </p:cSld>
   <p:clrMapOvr>
     <a:masterClrMapping/>
   </p:clrMapOvr>
+  <mc:AlternateContent xmlns:mc="http://schemas.openxmlformats.org/markup-compatibility/2006">
+    <mc:Choice xmlns:p14="http://schemas.microsoft.com/office/powerpoint/2010/main" Requires="p14">
+      <p:transition spd="slow" p14:dur="1250">
+        <p:wipe/>
+      </p:transition>
+    </mc:Choice>
+    <mc:Fallback>
+      <p:transition spd="slow">
+        <p:wipe/>
+      </p:transition>
+    </mc:Fallback>
+  </mc:AlternateContent>
 </p:sld>
 </file>
 
@@ -4964,12 +4513,37 @@
           <a:chExt cx="0" cy="0"/>
         </a:xfrm>
       </p:grpSpPr>
+      <p:sp>
+        <p:nvSpPr>
+          <p:cNvPr id="2" name="Título 1">
+            <a:extLst>
+              <a:ext uri="{FF2B5EF4-FFF2-40B4-BE49-F238E27FC236}">
+                <a16:creationId xmlns:a16="http://schemas.microsoft.com/office/drawing/2014/main" id="{B0057FA2-FEC4-4DBE-B81C-C5D99609AFC1}"/>
+              </a:ext>
+            </a:extLst>
+          </p:cNvPr>
+          <p:cNvSpPr>
+            <a:spLocks noGrp="1"/>
+          </p:cNvSpPr>
+          <p:nvPr>
+            <p:ph type="title"/>
+          </p:nvPr>
+        </p:nvSpPr>
+        <p:spPr/>
+        <p:txBody>
+          <a:bodyPr/>
+          <a:lstStyle/>
+          <a:p>
+            <a:endParaRPr lang="pt-BR"/>
+          </a:p>
+        </p:txBody>
+      </p:sp>
       <p:pic>
         <p:nvPicPr>
-          <p:cNvPr id="2" name="Imagem 1">
-            <a:extLst>
-              <a:ext uri="{FF2B5EF4-FFF2-40B4-BE49-F238E27FC236}">
-                <a16:creationId xmlns:a16="http://schemas.microsoft.com/office/drawing/2014/main" id="{17CC1BD6-D813-4835-AF95-799787762A17}"/>
+          <p:cNvPr id="5" name="Imagem 4" descr="Tela de computador com texto preto sobre fundo branco&#10;&#10;Descrição gerada automaticamente">
+            <a:extLst>
+              <a:ext uri="{FF2B5EF4-FFF2-40B4-BE49-F238E27FC236}">
+                <a16:creationId xmlns:a16="http://schemas.microsoft.com/office/drawing/2014/main" id="{7485D4AB-1C1B-48A4-BEF7-8CC6518E6134}"/>
               </a:ext>
             </a:extLst>
           </p:cNvPr>
@@ -4978,28 +4552,170 @@
           </p:cNvPicPr>
           <p:nvPr/>
         </p:nvPicPr>
-        <p:blipFill>
-          <a:blip r:embed="rId2"/>
-          <a:stretch>
-            <a:fillRect/>
-          </a:stretch>
+        <p:blipFill rotWithShape="1">
+          <a:blip r:embed="rId2">
+            <a:extLst>
+              <a:ext uri="{28A0092B-C50C-407E-A947-70E740481C1C}">
+                <a14:useLocalDpi xmlns:a14="http://schemas.microsoft.com/office/drawing/2010/main" val="0"/>
+              </a:ext>
+            </a:extLst>
+          </a:blip>
+          <a:srcRect r="-1" b="6724"/>
+          <a:stretch/>
         </p:blipFill>
         <p:spPr>
           <a:xfrm>
-            <a:off x="642176" y="1778916"/>
-            <a:ext cx="3548824" cy="4177473"/>
-          </a:xfrm>
-          <a:prstGeom prst="rect">
-            <a:avLst/>
-          </a:prstGeom>
+            <a:off x="2328204" y="2064770"/>
+            <a:ext cx="7532541" cy="5269484"/>
+          </a:xfrm>
+          <a:prstGeom prst="rect">
+            <a:avLst/>
+          </a:prstGeom>
+          <a:ln>
+            <a:noFill/>
+          </a:ln>
+          <a:effectLst>
+            <a:outerShdw blurRad="190500" algn="tl" rotWithShape="0">
+              <a:srgbClr val="000000">
+                <a:alpha val="70000"/>
+              </a:srgbClr>
+            </a:outerShdw>
+          </a:effectLst>
         </p:spPr>
       </p:pic>
+      <p:sp>
+        <p:nvSpPr>
+          <p:cNvPr id="6" name="Retângulo 5">
+            <a:extLst>
+              <a:ext uri="{FF2B5EF4-FFF2-40B4-BE49-F238E27FC236}">
+                <a16:creationId xmlns:a16="http://schemas.microsoft.com/office/drawing/2014/main" id="{D9A39C0B-FB5B-43A9-8EC0-73A0016C9DE8}"/>
+              </a:ext>
+            </a:extLst>
+          </p:cNvPr>
+          <p:cNvSpPr/>
+          <p:nvPr/>
+        </p:nvSpPr>
+        <p:spPr>
+          <a:xfrm>
+            <a:off x="0" y="0"/>
+            <a:ext cx="12192000" cy="1917290"/>
+          </a:xfrm>
+          <a:prstGeom prst="rect">
+            <a:avLst/>
+          </a:prstGeom>
+          <a:solidFill>
+            <a:srgbClr val="5881C0"/>
+          </a:solidFill>
+          <a:ln>
+            <a:solidFill>
+              <a:srgbClr val="5881C0"/>
+            </a:solidFill>
+          </a:ln>
+        </p:spPr>
+        <p:style>
+          <a:lnRef idx="2">
+            <a:schemeClr val="accent1">
+              <a:shade val="50000"/>
+            </a:schemeClr>
+          </a:lnRef>
+          <a:fillRef idx="1">
+            <a:schemeClr val="accent1"/>
+          </a:fillRef>
+          <a:effectRef idx="0">
+            <a:schemeClr val="accent1"/>
+          </a:effectRef>
+          <a:fontRef idx="minor">
+            <a:schemeClr val="lt1"/>
+          </a:fontRef>
+        </p:style>
+        <p:txBody>
+          <a:bodyPr rtlCol="0" anchor="ctr"/>
+          <a:lstStyle/>
+          <a:p>
+            <a:pPr algn="ctr"/>
+            <a:endParaRPr lang="pt-BR" b="1" dirty="0">
+              <a:effectLst>
+                <a:outerShdw blurRad="38100" dist="38100" dir="2700000" algn="tl">
+                  <a:srgbClr val="000000">
+                    <a:alpha val="43137"/>
+                  </a:srgbClr>
+                </a:outerShdw>
+              </a:effectLst>
+            </a:endParaRPr>
+          </a:p>
+        </p:txBody>
+      </p:sp>
+      <p:sp>
+        <p:nvSpPr>
+          <p:cNvPr id="7" name="Título 1">
+            <a:extLst>
+              <a:ext uri="{FF2B5EF4-FFF2-40B4-BE49-F238E27FC236}">
+                <a16:creationId xmlns:a16="http://schemas.microsoft.com/office/drawing/2014/main" id="{4F8B4962-B178-48F3-B8FA-D580F3CC14AD}"/>
+              </a:ext>
+            </a:extLst>
+          </p:cNvPr>
+          <p:cNvSpPr txBox="1">
+            <a:spLocks/>
+          </p:cNvSpPr>
+          <p:nvPr/>
+        </p:nvSpPr>
+        <p:spPr>
+          <a:xfrm>
+            <a:off x="836674" y="57854"/>
+            <a:ext cx="10515600" cy="1288784"/>
+          </a:xfrm>
+          <a:prstGeom prst="rect">
+            <a:avLst/>
+          </a:prstGeom>
+        </p:spPr>
+        <p:txBody>
+          <a:bodyPr vert="horz" lIns="91440" tIns="45720" rIns="91440" bIns="45720" rtlCol="0" anchor="ctr">
+            <a:normAutofit/>
+          </a:bodyPr>
+          <a:lstStyle>
+            <a:lvl1pPr algn="l" defTabSz="914400" rtl="0" eaLnBrk="1" latinLnBrk="0" hangingPunct="1">
+              <a:lnSpc>
+                <a:spcPct val="90000"/>
+              </a:lnSpc>
+              <a:spcBef>
+                <a:spcPct val="0"/>
+              </a:spcBef>
+              <a:buNone/>
+              <a:defRPr sz="4400" kern="1200">
+                <a:solidFill>
+                  <a:schemeClr val="tx1"/>
+                </a:solidFill>
+                <a:latin typeface="+mj-lt"/>
+                <a:ea typeface="+mj-ea"/>
+                <a:cs typeface="+mj-cs"/>
+              </a:defRPr>
+            </a:lvl1pPr>
+          </a:lstStyle>
+          <a:p>
+            <a:pPr algn="ctr"/>
+            <a:r>
+              <a:rPr lang="pt-BR" b="1" dirty="0">
+                <a:effectLst>
+                  <a:outerShdw blurRad="38100" dist="38100" dir="2700000" algn="tl">
+                    <a:srgbClr val="000000">
+                      <a:alpha val="43137"/>
+                    </a:srgbClr>
+                  </a:outerShdw>
+                </a:effectLst>
+                <a:latin typeface="Arial" panose="020B0604020202020204" pitchFamily="34" charset="0"/>
+                <a:cs typeface="Arial" panose="020B0604020202020204" pitchFamily="34" charset="0"/>
+              </a:rPr>
+              <a:t>Tela de consulta</a:t>
+            </a:r>
+          </a:p>
+        </p:txBody>
+      </p:sp>
       <p:pic>
         <p:nvPicPr>
-          <p:cNvPr id="3" name="Imagem 2">
-            <a:extLst>
-              <a:ext uri="{FF2B5EF4-FFF2-40B4-BE49-F238E27FC236}">
-                <a16:creationId xmlns:a16="http://schemas.microsoft.com/office/drawing/2014/main" id="{0890E4AA-4730-4DD6-BECF-0678E65A1179}"/>
+          <p:cNvPr id="8" name="Imagem 7">
+            <a:extLst>
+              <a:ext uri="{FF2B5EF4-FFF2-40B4-BE49-F238E27FC236}">
+                <a16:creationId xmlns:a16="http://schemas.microsoft.com/office/drawing/2014/main" id="{BC9FE14F-A60F-410C-82EA-897C35115804}"/>
               </a:ext>
             </a:extLst>
           </p:cNvPr>
@@ -5016,137 +4732,87 @@
         </p:blipFill>
         <p:spPr>
           <a:xfrm>
-            <a:off x="6771191" y="1778916"/>
-            <a:ext cx="3548824" cy="4444321"/>
-          </a:xfrm>
-          <a:prstGeom prst="rect">
-            <a:avLst/>
-          </a:prstGeom>
+            <a:off x="71851" y="309267"/>
+            <a:ext cx="1035488" cy="1035488"/>
+          </a:xfrm>
+          <a:prstGeom prst="rect">
+            <a:avLst/>
+          </a:prstGeom>
+          <a:solidFill>
+            <a:srgbClr val="5881C0"/>
+          </a:solidFill>
+          <a:ln>
+            <a:solidFill>
+              <a:srgbClr val="5881C0"/>
+            </a:solidFill>
+          </a:ln>
         </p:spPr>
       </p:pic>
       <p:sp>
         <p:nvSpPr>
-          <p:cNvPr id="6" name="CaixaDeTexto 5">
-            <a:extLst>
-              <a:ext uri="{FF2B5EF4-FFF2-40B4-BE49-F238E27FC236}">
-                <a16:creationId xmlns:a16="http://schemas.microsoft.com/office/drawing/2014/main" id="{A06F92AB-409D-4B71-81F0-71D388E89025}"/>
-              </a:ext>
-            </a:extLst>
-          </p:cNvPr>
-          <p:cNvSpPr txBox="1"/>
+          <p:cNvPr id="9" name="Retângulo 8">
+            <a:extLst>
+              <a:ext uri="{FF2B5EF4-FFF2-40B4-BE49-F238E27FC236}">
+                <a16:creationId xmlns:a16="http://schemas.microsoft.com/office/drawing/2014/main" id="{347B4937-97C4-4531-AEC5-073DE1ADB4B4}"/>
+              </a:ext>
+            </a:extLst>
+          </p:cNvPr>
+          <p:cNvSpPr/>
           <p:nvPr/>
         </p:nvSpPr>
         <p:spPr>
           <a:xfrm>
-            <a:off x="642176" y="995958"/>
-            <a:ext cx="4875606" cy="338554"/>
-          </a:xfrm>
-          <a:prstGeom prst="rect">
-            <a:avLst/>
-          </a:prstGeom>
-          <a:noFill/>
-        </p:spPr>
-        <p:txBody>
-          <a:bodyPr wrap="square" rtlCol="0">
-            <a:spAutoFit/>
-          </a:bodyPr>
-          <a:lstStyle>
-            <a:defPPr>
-              <a:defRPr lang="pt-BR"/>
-            </a:defPPr>
-            <a:lvl1pPr>
-              <a:defRPr sz="1600" b="1">
-                <a:latin typeface="Arial" panose="020B0604020202020204" pitchFamily="34" charset="0"/>
-                <a:cs typeface="Arial" panose="020B0604020202020204" pitchFamily="34" charset="0"/>
-              </a:defRPr>
-            </a:lvl1pPr>
-          </a:lstStyle>
-          <a:p>
-            <a:r>
-              <a:rPr lang="pt-BR" dirty="0"/>
-              <a:t>Criação do banco de dados e tabela tbClientes:</a:t>
-            </a:r>
-          </a:p>
-        </p:txBody>
-      </p:sp>
-      <p:sp>
-        <p:nvSpPr>
-          <p:cNvPr id="7" name="CaixaDeTexto 6">
-            <a:extLst>
-              <a:ext uri="{FF2B5EF4-FFF2-40B4-BE49-F238E27FC236}">
-                <a16:creationId xmlns:a16="http://schemas.microsoft.com/office/drawing/2014/main" id="{15DF4520-F06C-4C7B-89CE-71C48BC2EA7B}"/>
-              </a:ext>
-            </a:extLst>
-          </p:cNvPr>
-          <p:cNvSpPr txBox="1"/>
-          <p:nvPr/>
-        </p:nvSpPr>
-        <p:spPr>
-          <a:xfrm>
-            <a:off x="6674219" y="995958"/>
-            <a:ext cx="4579620" cy="338554"/>
-          </a:xfrm>
-          <a:prstGeom prst="rect">
-            <a:avLst/>
-          </a:prstGeom>
-          <a:noFill/>
-        </p:spPr>
-        <p:txBody>
-          <a:bodyPr wrap="square" rtlCol="0">
+            <a:off x="85350" y="-43679"/>
+            <a:ext cx="1074781" cy="369332"/>
+          </a:xfrm>
+          <a:prstGeom prst="rect">
+            <a:avLst/>
+          </a:prstGeom>
+        </p:spPr>
+        <p:txBody>
+          <a:bodyPr wrap="none">
             <a:spAutoFit/>
           </a:bodyPr>
           <a:lstStyle/>
           <a:p>
             <a:r>
-              <a:rPr lang="pt-BR" sz="1600" b="1" dirty="0">
-                <a:latin typeface="Arial" panose="020B0604020202020204" pitchFamily="34" charset="0"/>
-                <a:cs typeface="Arial" panose="020B0604020202020204" pitchFamily="34" charset="0"/>
+              <a:rPr lang="en-US" b="1" dirty="0">
+                <a:effectLst>
+                  <a:outerShdw blurRad="38100" dist="38100" dir="2700000" algn="tl">
+                    <a:srgbClr val="000000">
+                      <a:alpha val="43137"/>
+                    </a:srgbClr>
+                  </a:outerShdw>
+                </a:effectLst>
               </a:rPr>
-              <a:t>Criação das tabelas tbRua e tbSensores:</a:t>
-            </a:r>
-          </a:p>
-        </p:txBody>
-      </p:sp>
-      <p:pic>
-        <p:nvPicPr>
-          <p:cNvPr id="8" name="Imagem 7">
-            <a:extLst>
-              <a:ext uri="{FF2B5EF4-FFF2-40B4-BE49-F238E27FC236}">
-                <a16:creationId xmlns:a16="http://schemas.microsoft.com/office/drawing/2014/main" id="{CF5325FA-8557-4D77-B0C8-4653C4AD0BA1}"/>
-              </a:ext>
-            </a:extLst>
-          </p:cNvPr>
-          <p:cNvPicPr>
-            <a:picLocks noChangeAspect="1"/>
-          </p:cNvPicPr>
-          <p:nvPr/>
-        </p:nvPicPr>
-        <p:blipFill>
-          <a:blip r:embed="rId4"/>
-          <a:stretch>
-            <a:fillRect/>
-          </a:stretch>
-        </p:blipFill>
-        <p:spPr>
-          <a:xfrm>
-            <a:off x="53894" y="35169"/>
-            <a:ext cx="1035488" cy="1035488"/>
-          </a:xfrm>
-          <a:prstGeom prst="rect">
-            <a:avLst/>
-          </a:prstGeom>
-        </p:spPr>
-      </p:pic>
+              <a:t>SUSTABIL</a:t>
+            </a:r>
+            <a:endParaRPr lang="pt-BR" dirty="0"/>
+          </a:p>
+        </p:txBody>
+      </p:sp>
     </p:spTree>
     <p:extLst>
       <p:ext uri="{BB962C8B-B14F-4D97-AF65-F5344CB8AC3E}">
-        <p14:creationId xmlns:p14="http://schemas.microsoft.com/office/powerpoint/2010/main" val="1605510380"/>
+        <p14:creationId xmlns:p14="http://schemas.microsoft.com/office/powerpoint/2010/main" val="1787895413"/>
       </p:ext>
     </p:extLst>
   </p:cSld>
   <p:clrMapOvr>
     <a:masterClrMapping/>
   </p:clrMapOvr>
+  <mc:AlternateContent xmlns:mc="http://schemas.openxmlformats.org/markup-compatibility/2006">
+    <mc:Choice xmlns:p14="http://schemas.microsoft.com/office/powerpoint/2010/main" Requires="p14">
+      <p:transition spd="slow" p14:dur="1250">
+        <p:wipe/>
+      </p:transition>
+    </mc:Choice>
+    <mc:Fallback>
+      <p:transition spd="slow">
+        <p:wipe/>
+      </p:transition>
+    </mc:Fallback>
+  </mc:AlternateContent>
 </p:sld>
 </file>
 
@@ -5167,192 +4833,307 @@
           <a:chExt cx="0" cy="0"/>
         </a:xfrm>
       </p:grpSpPr>
+      <p:sp>
+        <p:nvSpPr>
+          <p:cNvPr id="5" name="Retângulo 4">
+            <a:extLst>
+              <a:ext uri="{FF2B5EF4-FFF2-40B4-BE49-F238E27FC236}">
+                <a16:creationId xmlns:a16="http://schemas.microsoft.com/office/drawing/2014/main" id="{EEA1334B-77FD-4059-8A2B-BC02290B3C41}"/>
+              </a:ext>
+            </a:extLst>
+          </p:cNvPr>
+          <p:cNvSpPr/>
+          <p:nvPr/>
+        </p:nvSpPr>
+        <p:spPr>
+          <a:xfrm>
+            <a:off x="0" y="0"/>
+            <a:ext cx="12192000" cy="1917290"/>
+          </a:xfrm>
+          <a:prstGeom prst="rect">
+            <a:avLst/>
+          </a:prstGeom>
+          <a:solidFill>
+            <a:srgbClr val="5881C0"/>
+          </a:solidFill>
+          <a:ln>
+            <a:solidFill>
+              <a:srgbClr val="5881C0"/>
+            </a:solidFill>
+          </a:ln>
+        </p:spPr>
+        <p:style>
+          <a:lnRef idx="2">
+            <a:schemeClr val="accent1">
+              <a:shade val="50000"/>
+            </a:schemeClr>
+          </a:lnRef>
+          <a:fillRef idx="1">
+            <a:schemeClr val="accent1"/>
+          </a:fillRef>
+          <a:effectRef idx="0">
+            <a:schemeClr val="accent1"/>
+          </a:effectRef>
+          <a:fontRef idx="minor">
+            <a:schemeClr val="lt1"/>
+          </a:fontRef>
+        </p:style>
+        <p:txBody>
+          <a:bodyPr rtlCol="0" anchor="ctr"/>
+          <a:lstStyle/>
+          <a:p>
+            <a:pPr algn="ctr"/>
+            <a:endParaRPr lang="pt-BR" b="1" dirty="0">
+              <a:effectLst>
+                <a:outerShdw blurRad="38100" dist="38100" dir="2700000" algn="tl">
+                  <a:srgbClr val="000000">
+                    <a:alpha val="43137"/>
+                  </a:srgbClr>
+                </a:outerShdw>
+              </a:effectLst>
+            </a:endParaRPr>
+          </a:p>
+        </p:txBody>
+      </p:sp>
+      <p:sp>
+        <p:nvSpPr>
+          <p:cNvPr id="3" name="CaixaDeTexto 2">
+            <a:extLst>
+              <a:ext uri="{FF2B5EF4-FFF2-40B4-BE49-F238E27FC236}">
+                <a16:creationId xmlns:a16="http://schemas.microsoft.com/office/drawing/2014/main" id="{87A51DD7-9150-47FA-8BCE-ED3D5E6ABDBD}"/>
+              </a:ext>
+            </a:extLst>
+          </p:cNvPr>
+          <p:cNvSpPr txBox="1"/>
+          <p:nvPr/>
+        </p:nvSpPr>
+        <p:spPr>
+          <a:xfrm>
+            <a:off x="5619134" y="3440679"/>
+            <a:ext cx="7327794" cy="369332"/>
+          </a:xfrm>
+          <a:prstGeom prst="rect">
+            <a:avLst/>
+          </a:prstGeom>
+          <a:noFill/>
+        </p:spPr>
+        <p:txBody>
+          <a:bodyPr wrap="square" rtlCol="0">
+            <a:spAutoFit/>
+          </a:bodyPr>
+          <a:lstStyle/>
+          <a:p>
+            <a:pPr>
+              <a:buSzPct val="250000"/>
+            </a:pPr>
+            <a:r>
+              <a:rPr lang="pt-BR" b="1" dirty="0">
+                <a:effectLst>
+                  <a:outerShdw blurRad="38100" dist="38100" dir="2700000" algn="tl">
+                    <a:srgbClr val="000000">
+                      <a:alpha val="43137"/>
+                    </a:srgbClr>
+                  </a:outerShdw>
+                </a:effectLst>
+                <a:latin typeface="Arial" panose="020B0604020202020204" pitchFamily="34" charset="0"/>
+                <a:cs typeface="Arial" panose="020B0604020202020204" pitchFamily="34" charset="0"/>
+              </a:rPr>
+              <a:t>Simulador Financeiro</a:t>
+            </a:r>
+            <a:r>
+              <a:rPr lang="pt-BR" dirty="0">
+                <a:effectLst>
+                  <a:outerShdw blurRad="38100" dist="38100" dir="2700000" algn="tl">
+                    <a:srgbClr val="000000">
+                      <a:alpha val="43137"/>
+                    </a:srgbClr>
+                  </a:outerShdw>
+                </a:effectLst>
+                <a:latin typeface="Arial" panose="020B0604020202020204" pitchFamily="34" charset="0"/>
+                <a:cs typeface="Arial" panose="020B0604020202020204" pitchFamily="34" charset="0"/>
+              </a:rPr>
+              <a:t>: </a:t>
+            </a:r>
+            <a:r>
+              <a:rPr lang="pt-BR" dirty="0">
+                <a:latin typeface="Arial" panose="020B0604020202020204" pitchFamily="34" charset="0"/>
+                <a:cs typeface="Arial" panose="020B0604020202020204" pitchFamily="34" charset="0"/>
+                <a:hlinkClick r:id="rId2"/>
+              </a:rPr>
+              <a:t>https://simuladorfinanceiro.netlify.app/</a:t>
+            </a:r>
+            <a:endParaRPr lang="pt-BR" dirty="0">
+              <a:latin typeface="Arial" panose="020B0604020202020204" pitchFamily="34" charset="0"/>
+              <a:cs typeface="Arial" panose="020B0604020202020204" pitchFamily="34" charset="0"/>
+            </a:endParaRPr>
+          </a:p>
+        </p:txBody>
+      </p:sp>
+      <p:sp>
+        <p:nvSpPr>
+          <p:cNvPr id="8" name="Título 1">
+            <a:extLst>
+              <a:ext uri="{FF2B5EF4-FFF2-40B4-BE49-F238E27FC236}">
+                <a16:creationId xmlns:a16="http://schemas.microsoft.com/office/drawing/2014/main" id="{3E06F42C-9B68-4154-A525-B05F7F4585B5}"/>
+              </a:ext>
+            </a:extLst>
+          </p:cNvPr>
+          <p:cNvSpPr txBox="1">
+            <a:spLocks/>
+          </p:cNvSpPr>
+          <p:nvPr/>
+        </p:nvSpPr>
+        <p:spPr>
+          <a:xfrm>
+            <a:off x="836674" y="57854"/>
+            <a:ext cx="10515600" cy="1288784"/>
+          </a:xfrm>
+          <a:prstGeom prst="rect">
+            <a:avLst/>
+          </a:prstGeom>
+        </p:spPr>
+        <p:txBody>
+          <a:bodyPr vert="horz" lIns="91440" tIns="45720" rIns="91440" bIns="45720" rtlCol="0" anchor="ctr">
+            <a:normAutofit/>
+          </a:bodyPr>
+          <a:lstStyle>
+            <a:lvl1pPr algn="l" defTabSz="914400" rtl="0" eaLnBrk="1" latinLnBrk="0" hangingPunct="1">
+              <a:lnSpc>
+                <a:spcPct val="90000"/>
+              </a:lnSpc>
+              <a:spcBef>
+                <a:spcPct val="0"/>
+              </a:spcBef>
+              <a:buNone/>
+              <a:defRPr sz="4400" kern="1200">
+                <a:solidFill>
+                  <a:schemeClr val="tx1"/>
+                </a:solidFill>
+                <a:latin typeface="+mj-lt"/>
+                <a:ea typeface="+mj-ea"/>
+                <a:cs typeface="+mj-cs"/>
+              </a:defRPr>
+            </a:lvl1pPr>
+          </a:lstStyle>
+          <a:p>
+            <a:pPr algn="ctr"/>
+            <a:r>
+              <a:rPr lang="pt-BR" b="1" dirty="0">
+                <a:effectLst>
+                  <a:outerShdw blurRad="38100" dist="38100" dir="2700000" algn="tl">
+                    <a:srgbClr val="000000">
+                      <a:alpha val="43137"/>
+                    </a:srgbClr>
+                  </a:outerShdw>
+                </a:effectLst>
+                <a:latin typeface="Arial" panose="020B0604020202020204" pitchFamily="34" charset="0"/>
+                <a:cs typeface="Arial" panose="020B0604020202020204" pitchFamily="34" charset="0"/>
+              </a:rPr>
+              <a:t>Simulador Financeiro</a:t>
+            </a:r>
+          </a:p>
+        </p:txBody>
+      </p:sp>
       <p:pic>
         <p:nvPicPr>
-          <p:cNvPr id="2" name="Imagem 1">
-            <a:extLst>
-              <a:ext uri="{FF2B5EF4-FFF2-40B4-BE49-F238E27FC236}">
-                <a16:creationId xmlns:a16="http://schemas.microsoft.com/office/drawing/2014/main" id="{C19F7BEF-21A4-4EBE-ADD4-B61FF1C86AE9}"/>
+          <p:cNvPr id="1026" name="Picture 2" descr="Ícone de progresso financeiro - Download de Vetor">
+            <a:extLst>
+              <a:ext uri="{FF2B5EF4-FFF2-40B4-BE49-F238E27FC236}">
+                <a16:creationId xmlns:a16="http://schemas.microsoft.com/office/drawing/2014/main" id="{F5769570-8F00-467F-A618-C6498C864841}"/>
               </a:ext>
             </a:extLst>
           </p:cNvPr>
           <p:cNvPicPr>
-            <a:picLocks noChangeAspect="1"/>
+            <a:picLocks noChangeAspect="1" noChangeArrowheads="1"/>
           </p:cNvPicPr>
           <p:nvPr/>
         </p:nvPicPr>
         <p:blipFill>
-          <a:blip r:embed="rId2"/>
+          <a:blip r:embed="rId3">
+            <a:extLst>
+              <a:ext uri="{28A0092B-C50C-407E-A947-70E740481C1C}">
+                <a14:useLocalDpi xmlns:a14="http://schemas.microsoft.com/office/drawing/2010/main" val="0"/>
+              </a:ext>
+            </a:extLst>
+          </a:blip>
+          <a:srcRect/>
           <a:stretch>
             <a:fillRect/>
           </a:stretch>
         </p:blipFill>
-        <p:spPr>
-          <a:xfrm>
-            <a:off x="398336" y="865966"/>
-            <a:ext cx="8085521" cy="1577477"/>
-          </a:xfrm>
-          <a:prstGeom prst="rect">
-            <a:avLst/>
-          </a:prstGeom>
+        <p:spPr bwMode="auto">
+          <a:xfrm>
+            <a:off x="0" y="1946786"/>
+            <a:ext cx="5090652" cy="5090652"/>
+          </a:xfrm>
+          <a:prstGeom prst="rect">
+            <a:avLst/>
+          </a:prstGeom>
+          <a:noFill/>
+          <a:extLst>
+            <a:ext uri="{909E8E84-426E-40DD-AFC4-6F175D3DCCD1}">
+              <a14:hiddenFill xmlns:a14="http://schemas.microsoft.com/office/drawing/2010/main">
+                <a:solidFill>
+                  <a:srgbClr val="FFFFFF"/>
+                </a:solidFill>
+              </a14:hiddenFill>
+            </a:ext>
+          </a:extLst>
         </p:spPr>
       </p:pic>
       <p:pic>
         <p:nvPicPr>
-          <p:cNvPr id="3" name="Imagem 2">
-            <a:extLst>
-              <a:ext uri="{FF2B5EF4-FFF2-40B4-BE49-F238E27FC236}">
-                <a16:creationId xmlns:a16="http://schemas.microsoft.com/office/drawing/2014/main" id="{58C1A49D-2DB9-43C7-B0F5-F68E4A3D03E8}"/>
+          <p:cNvPr id="1028" name="Picture 4" descr="Sistema de Financeiro | Sistema de Gestão | BlueFocus Software">
+            <a:extLst>
+              <a:ext uri="{FF2B5EF4-FFF2-40B4-BE49-F238E27FC236}">
+                <a16:creationId xmlns:a16="http://schemas.microsoft.com/office/drawing/2014/main" id="{944D0104-650F-49A8-A62A-0AA7F3C081FF}"/>
               </a:ext>
             </a:extLst>
           </p:cNvPr>
           <p:cNvPicPr>
-            <a:picLocks noChangeAspect="1"/>
+            <a:picLocks noChangeAspect="1" noChangeArrowheads="1"/>
           </p:cNvPicPr>
           <p:nvPr/>
         </p:nvPicPr>
         <p:blipFill>
-          <a:blip r:embed="rId3"/>
+          <a:blip r:embed="rId4">
+            <a:extLst>
+              <a:ext uri="{28A0092B-C50C-407E-A947-70E740481C1C}">
+                <a14:useLocalDpi xmlns:a14="http://schemas.microsoft.com/office/drawing/2010/main" val="0"/>
+              </a:ext>
+            </a:extLst>
+          </a:blip>
+          <a:srcRect/>
           <a:stretch>
             <a:fillRect/>
           </a:stretch>
         </p:blipFill>
-        <p:spPr>
-          <a:xfrm>
-            <a:off x="8446279" y="946508"/>
-            <a:ext cx="3482642" cy="1341236"/>
-          </a:xfrm>
-          <a:prstGeom prst="rect">
-            <a:avLst/>
-          </a:prstGeom>
+        <p:spPr bwMode="auto">
+          <a:xfrm>
+            <a:off x="5257185" y="3381071"/>
+            <a:ext cx="465189" cy="465189"/>
+          </a:xfrm>
+          <a:prstGeom prst="rect">
+            <a:avLst/>
+          </a:prstGeom>
+          <a:noFill/>
+          <a:extLst>
+            <a:ext uri="{909E8E84-426E-40DD-AFC4-6F175D3DCCD1}">
+              <a14:hiddenFill xmlns:a14="http://schemas.microsoft.com/office/drawing/2010/main">
+                <a:solidFill>
+                  <a:srgbClr val="FFFFFF"/>
+                </a:solidFill>
+              </a14:hiddenFill>
+            </a:ext>
+          </a:extLst>
         </p:spPr>
       </p:pic>
       <p:pic>
         <p:nvPicPr>
-          <p:cNvPr id="4" name="Imagem 3">
-            <a:extLst>
-              <a:ext uri="{FF2B5EF4-FFF2-40B4-BE49-F238E27FC236}">
-                <a16:creationId xmlns:a16="http://schemas.microsoft.com/office/drawing/2014/main" id="{C7C04DB2-C0B7-468D-85EC-B66F2571B0F7}"/>
-              </a:ext>
-            </a:extLst>
-          </p:cNvPr>
-          <p:cNvPicPr>
-            <a:picLocks noChangeAspect="1"/>
-          </p:cNvPicPr>
-          <p:nvPr/>
-        </p:nvPicPr>
-        <p:blipFill>
-          <a:blip r:embed="rId4"/>
-          <a:stretch>
-            <a:fillRect/>
-          </a:stretch>
-        </p:blipFill>
-        <p:spPr>
-          <a:xfrm>
-            <a:off x="3810592" y="3103126"/>
-            <a:ext cx="4673265" cy="3715985"/>
-          </a:xfrm>
-          <a:prstGeom prst="rect">
-            <a:avLst/>
-          </a:prstGeom>
-        </p:spPr>
-      </p:pic>
-      <p:sp>
-        <p:nvSpPr>
-          <p:cNvPr id="5" name="CaixaDeTexto 4">
-            <a:extLst>
-              <a:ext uri="{FF2B5EF4-FFF2-40B4-BE49-F238E27FC236}">
-                <a16:creationId xmlns:a16="http://schemas.microsoft.com/office/drawing/2014/main" id="{D05F348A-5DC1-4D17-AC3B-97B6FC677767}"/>
-              </a:ext>
-            </a:extLst>
-          </p:cNvPr>
-          <p:cNvSpPr txBox="1"/>
-          <p:nvPr/>
-        </p:nvSpPr>
-        <p:spPr>
-          <a:xfrm>
-            <a:off x="4091940" y="184666"/>
-            <a:ext cx="4008120" cy="369332"/>
-          </a:xfrm>
-          <a:prstGeom prst="rect">
-            <a:avLst/>
-          </a:prstGeom>
-          <a:noFill/>
-        </p:spPr>
-        <p:txBody>
-          <a:bodyPr wrap="square" rtlCol="0">
-            <a:spAutoFit/>
-          </a:bodyPr>
-          <a:lstStyle>
-            <a:defPPr>
-              <a:defRPr lang="pt-BR"/>
-            </a:defPPr>
-            <a:lvl1pPr>
-              <a:defRPr sz="1600" b="1">
-                <a:latin typeface="Arial" panose="020B0604020202020204" pitchFamily="34" charset="0"/>
-                <a:cs typeface="Arial" panose="020B0604020202020204" pitchFamily="34" charset="0"/>
-              </a:defRPr>
-            </a:lvl1pPr>
-          </a:lstStyle>
-          <a:p>
-            <a:r>
-              <a:rPr lang="pt-BR" dirty="0"/>
-              <a:t>Inserção de dados na tabela Clientes:</a:t>
-            </a:r>
-          </a:p>
-        </p:txBody>
-      </p:sp>
-      <p:sp>
-        <p:nvSpPr>
-          <p:cNvPr id="6" name="CaixaDeTexto 5">
-            <a:extLst>
-              <a:ext uri="{FF2B5EF4-FFF2-40B4-BE49-F238E27FC236}">
-                <a16:creationId xmlns:a16="http://schemas.microsoft.com/office/drawing/2014/main" id="{897B9B6D-A61B-4497-825B-7A0E52DFBFE7}"/>
-              </a:ext>
-            </a:extLst>
-          </p:cNvPr>
-          <p:cNvSpPr txBox="1"/>
-          <p:nvPr/>
-        </p:nvSpPr>
-        <p:spPr>
-          <a:xfrm>
-            <a:off x="4091940" y="2588618"/>
-            <a:ext cx="4008120" cy="369332"/>
-          </a:xfrm>
-          <a:prstGeom prst="rect">
-            <a:avLst/>
-          </a:prstGeom>
-          <a:noFill/>
-        </p:spPr>
-        <p:txBody>
-          <a:bodyPr wrap="square" rtlCol="0">
-            <a:spAutoFit/>
-          </a:bodyPr>
-          <a:lstStyle>
-            <a:defPPr>
-              <a:defRPr lang="pt-BR"/>
-            </a:defPPr>
-            <a:lvl1pPr>
-              <a:defRPr sz="1600" b="1">
-                <a:latin typeface="Arial" panose="020B0604020202020204" pitchFamily="34" charset="0"/>
-                <a:cs typeface="Arial" panose="020B0604020202020204" pitchFamily="34" charset="0"/>
-              </a:defRPr>
-            </a:lvl1pPr>
-          </a:lstStyle>
-          <a:p>
-            <a:r>
-              <a:rPr lang="pt-BR" dirty="0"/>
-              <a:t>Inserção de dados na tabela Clientes:</a:t>
-            </a:r>
-          </a:p>
-        </p:txBody>
-      </p:sp>
-      <p:pic>
-        <p:nvPicPr>
-          <p:cNvPr id="7" name="Imagem 6">
-            <a:extLst>
-              <a:ext uri="{FF2B5EF4-FFF2-40B4-BE49-F238E27FC236}">
-                <a16:creationId xmlns:a16="http://schemas.microsoft.com/office/drawing/2014/main" id="{590574D9-EC53-4982-9565-D07A775EBA14}"/>
+          <p:cNvPr id="11" name="Imagem 10">
+            <a:extLst>
+              <a:ext uri="{FF2B5EF4-FFF2-40B4-BE49-F238E27FC236}">
+                <a16:creationId xmlns:a16="http://schemas.microsoft.com/office/drawing/2014/main" id="{31538C2F-6E15-40BA-A486-EB795084A83D}"/>
               </a:ext>
             </a:extLst>
           </p:cNvPr>
@@ -5369,24 +5150,87 @@
         </p:blipFill>
         <p:spPr>
           <a:xfrm>
-            <a:off x="53894" y="35169"/>
+            <a:off x="71851" y="309267"/>
             <a:ext cx="1035488" cy="1035488"/>
           </a:xfrm>
           <a:prstGeom prst="rect">
             <a:avLst/>
           </a:prstGeom>
+          <a:solidFill>
+            <a:srgbClr val="5881C0"/>
+          </a:solidFill>
+          <a:ln>
+            <a:solidFill>
+              <a:srgbClr val="5881C0"/>
+            </a:solidFill>
+          </a:ln>
         </p:spPr>
       </p:pic>
+      <p:sp>
+        <p:nvSpPr>
+          <p:cNvPr id="12" name="Retângulo 11">
+            <a:extLst>
+              <a:ext uri="{FF2B5EF4-FFF2-40B4-BE49-F238E27FC236}">
+                <a16:creationId xmlns:a16="http://schemas.microsoft.com/office/drawing/2014/main" id="{94C74E18-2838-4F11-A8AF-3813B8759ED1}"/>
+              </a:ext>
+            </a:extLst>
+          </p:cNvPr>
+          <p:cNvSpPr/>
+          <p:nvPr/>
+        </p:nvSpPr>
+        <p:spPr>
+          <a:xfrm>
+            <a:off x="85350" y="-43679"/>
+            <a:ext cx="1074781" cy="369332"/>
+          </a:xfrm>
+          <a:prstGeom prst="rect">
+            <a:avLst/>
+          </a:prstGeom>
+        </p:spPr>
+        <p:txBody>
+          <a:bodyPr wrap="none">
+            <a:spAutoFit/>
+          </a:bodyPr>
+          <a:lstStyle/>
+          <a:p>
+            <a:r>
+              <a:rPr lang="en-US" b="1" dirty="0">
+                <a:effectLst>
+                  <a:outerShdw blurRad="38100" dist="38100" dir="2700000" algn="tl">
+                    <a:srgbClr val="000000">
+                      <a:alpha val="43137"/>
+                    </a:srgbClr>
+                  </a:outerShdw>
+                </a:effectLst>
+              </a:rPr>
+              <a:t>SUSTABIL</a:t>
+            </a:r>
+            <a:endParaRPr lang="pt-BR" dirty="0"/>
+          </a:p>
+        </p:txBody>
+      </p:sp>
     </p:spTree>
     <p:extLst>
       <p:ext uri="{BB962C8B-B14F-4D97-AF65-F5344CB8AC3E}">
-        <p14:creationId xmlns:p14="http://schemas.microsoft.com/office/powerpoint/2010/main" val="2411807073"/>
+        <p14:creationId xmlns:p14="http://schemas.microsoft.com/office/powerpoint/2010/main" val="882302102"/>
       </p:ext>
     </p:extLst>
   </p:cSld>
   <p:clrMapOvr>
     <a:masterClrMapping/>
   </p:clrMapOvr>
+  <mc:AlternateContent xmlns:mc="http://schemas.openxmlformats.org/markup-compatibility/2006">
+    <mc:Choice xmlns:p14="http://schemas.microsoft.com/office/powerpoint/2010/main" Requires="p14">
+      <p:transition spd="slow" p14:dur="1250">
+        <p:wipe/>
+      </p:transition>
+    </mc:Choice>
+    <mc:Fallback>
+      <p:transition spd="slow">
+        <p:wipe/>
+      </p:transition>
+    </mc:Fallback>
+  </mc:AlternateContent>
 </p:sld>
 </file>
 
@@ -5407,12 +5251,74 @@
           <a:chExt cx="0" cy="0"/>
         </a:xfrm>
       </p:grpSpPr>
+      <p:sp>
+        <p:nvSpPr>
+          <p:cNvPr id="9" name="Retângulo 8">
+            <a:extLst>
+              <a:ext uri="{FF2B5EF4-FFF2-40B4-BE49-F238E27FC236}">
+                <a16:creationId xmlns:a16="http://schemas.microsoft.com/office/drawing/2014/main" id="{642B9527-1E25-4214-A830-AB9BF4110E0E}"/>
+              </a:ext>
+            </a:extLst>
+          </p:cNvPr>
+          <p:cNvSpPr/>
+          <p:nvPr/>
+        </p:nvSpPr>
+        <p:spPr>
+          <a:xfrm>
+            <a:off x="0" y="0"/>
+            <a:ext cx="12192000" cy="1917290"/>
+          </a:xfrm>
+          <a:prstGeom prst="rect">
+            <a:avLst/>
+          </a:prstGeom>
+          <a:solidFill>
+            <a:srgbClr val="5881C0"/>
+          </a:solidFill>
+          <a:ln>
+            <a:solidFill>
+              <a:srgbClr val="5881C0"/>
+            </a:solidFill>
+          </a:ln>
+        </p:spPr>
+        <p:style>
+          <a:lnRef idx="2">
+            <a:schemeClr val="accent1">
+              <a:shade val="50000"/>
+            </a:schemeClr>
+          </a:lnRef>
+          <a:fillRef idx="1">
+            <a:schemeClr val="accent1"/>
+          </a:fillRef>
+          <a:effectRef idx="0">
+            <a:schemeClr val="accent1"/>
+          </a:effectRef>
+          <a:fontRef idx="minor">
+            <a:schemeClr val="lt1"/>
+          </a:fontRef>
+        </p:style>
+        <p:txBody>
+          <a:bodyPr rtlCol="0" anchor="ctr"/>
+          <a:lstStyle/>
+          <a:p>
+            <a:pPr algn="ctr"/>
+            <a:endParaRPr lang="pt-BR" b="1" dirty="0">
+              <a:effectLst>
+                <a:outerShdw blurRad="38100" dist="38100" dir="2700000" algn="tl">
+                  <a:srgbClr val="000000">
+                    <a:alpha val="43137"/>
+                  </a:srgbClr>
+                </a:outerShdw>
+              </a:effectLst>
+            </a:endParaRPr>
+          </a:p>
+        </p:txBody>
+      </p:sp>
       <p:pic>
         <p:nvPicPr>
           <p:cNvPr id="2" name="Imagem 1">
             <a:extLst>
               <a:ext uri="{FF2B5EF4-FFF2-40B4-BE49-F238E27FC236}">
-                <a16:creationId xmlns:a16="http://schemas.microsoft.com/office/drawing/2014/main" id="{46447FED-6765-4E73-AE34-F23C7D378E29}"/>
+                <a16:creationId xmlns:a16="http://schemas.microsoft.com/office/drawing/2014/main" id="{17CC1BD6-D813-4835-AF95-799787762A17}"/>
               </a:ext>
             </a:extLst>
           </p:cNvPr>
@@ -5429,8 +5335,8 @@
         </p:blipFill>
         <p:spPr>
           <a:xfrm>
-            <a:off x="0" y="969616"/>
-            <a:ext cx="10046987" cy="1626927"/>
+            <a:off x="642176" y="2064770"/>
+            <a:ext cx="3620108" cy="4261384"/>
           </a:xfrm>
           <a:prstGeom prst="rect">
             <a:avLst/>
@@ -5442,7 +5348,7 @@
           <p:cNvPr id="3" name="Imagem 2">
             <a:extLst>
               <a:ext uri="{FF2B5EF4-FFF2-40B4-BE49-F238E27FC236}">
-                <a16:creationId xmlns:a16="http://schemas.microsoft.com/office/drawing/2014/main" id="{349DA353-C641-4866-875D-4AAB4915DB8A}"/>
+                <a16:creationId xmlns:a16="http://schemas.microsoft.com/office/drawing/2014/main" id="{0890E4AA-4730-4DD6-BECF-0678E65A1179}"/>
               </a:ext>
             </a:extLst>
           </p:cNvPr>
@@ -5459,50 +5365,20 @@
         </p:blipFill>
         <p:spPr>
           <a:xfrm>
-            <a:off x="10029735" y="969616"/>
-            <a:ext cx="1036198" cy="1609675"/>
+            <a:off x="6674219" y="2064770"/>
+            <a:ext cx="3548824" cy="4444321"/>
           </a:xfrm>
           <a:prstGeom prst="rect">
             <a:avLst/>
           </a:prstGeom>
         </p:spPr>
       </p:pic>
-      <p:pic>
-        <p:nvPicPr>
-          <p:cNvPr id="4" name="Imagem 3">
-            <a:extLst>
-              <a:ext uri="{FF2B5EF4-FFF2-40B4-BE49-F238E27FC236}">
-                <a16:creationId xmlns:a16="http://schemas.microsoft.com/office/drawing/2014/main" id="{E2D19421-69D7-4531-B451-85EF98AF7B04}"/>
-              </a:ext>
-            </a:extLst>
-          </p:cNvPr>
-          <p:cNvPicPr>
-            <a:picLocks noChangeAspect="1"/>
-          </p:cNvPicPr>
-          <p:nvPr/>
-        </p:nvPicPr>
-        <p:blipFill>
-          <a:blip r:embed="rId4"/>
-          <a:stretch>
-            <a:fillRect/>
-          </a:stretch>
-        </p:blipFill>
-        <p:spPr>
-          <a:xfrm>
-            <a:off x="457200" y="3853513"/>
-            <a:ext cx="4112506" cy="1986942"/>
-          </a:xfrm>
-          <a:prstGeom prst="rect">
-            <a:avLst/>
-          </a:prstGeom>
-        </p:spPr>
-      </p:pic>
       <p:sp>
         <p:nvSpPr>
           <p:cNvPr id="6" name="CaixaDeTexto 5">
             <a:extLst>
               <a:ext uri="{FF2B5EF4-FFF2-40B4-BE49-F238E27FC236}">
-                <a16:creationId xmlns:a16="http://schemas.microsoft.com/office/drawing/2014/main" id="{ABD0B5B1-7BAF-419E-9C90-8C3DC283210A}"/>
+                <a16:creationId xmlns:a16="http://schemas.microsoft.com/office/drawing/2014/main" id="{A06F92AB-409D-4B71-81F0-71D388E89025}"/>
               </a:ext>
             </a:extLst>
           </p:cNvPr>
@@ -5511,8 +5387,8 @@
         </p:nvSpPr>
         <p:spPr>
           <a:xfrm>
-            <a:off x="3441700" y="185698"/>
-            <a:ext cx="4597400" cy="369332"/>
+            <a:off x="642176" y="1305659"/>
+            <a:ext cx="5453824" cy="369332"/>
           </a:xfrm>
           <a:prstGeom prst="rect">
             <a:avLst/>
@@ -5536,8 +5412,16 @@
           </a:lstStyle>
           <a:p>
             <a:r>
-              <a:rPr lang="pt-BR" dirty="0"/>
-              <a:t>Buscando os dados da tabela tbClientes:</a:t>
+              <a:rPr lang="pt-BR" sz="1800" dirty="0">
+                <a:effectLst>
+                  <a:outerShdw blurRad="38100" dist="38100" dir="2700000" algn="tl">
+                    <a:srgbClr val="000000">
+                      <a:alpha val="43137"/>
+                    </a:srgbClr>
+                  </a:outerShdw>
+                </a:effectLst>
+              </a:rPr>
+              <a:t>Criação do banco de dados e tabela tbClientes:</a:t>
             </a:r>
           </a:p>
         </p:txBody>
@@ -5547,7 +5431,7 @@
           <p:cNvPr id="7" name="CaixaDeTexto 6">
             <a:extLst>
               <a:ext uri="{FF2B5EF4-FFF2-40B4-BE49-F238E27FC236}">
-                <a16:creationId xmlns:a16="http://schemas.microsoft.com/office/drawing/2014/main" id="{2E11BFA2-0178-4AFE-8FF0-9F3D56EABE5B}"/>
+                <a16:creationId xmlns:a16="http://schemas.microsoft.com/office/drawing/2014/main" id="{15DF4520-F06C-4C7B-89CE-71C48BC2EA7B}"/>
               </a:ext>
             </a:extLst>
           </p:cNvPr>
@@ -5556,8 +5440,298 @@
         </p:nvSpPr>
         <p:spPr>
           <a:xfrm>
-            <a:off x="457200" y="3244334"/>
-            <a:ext cx="4597400" cy="369332"/>
+            <a:off x="6674218" y="1305659"/>
+            <a:ext cx="4875605" cy="369332"/>
+          </a:xfrm>
+          <a:prstGeom prst="rect">
+            <a:avLst/>
+          </a:prstGeom>
+          <a:noFill/>
+        </p:spPr>
+        <p:txBody>
+          <a:bodyPr wrap="square" rtlCol="0">
+            <a:spAutoFit/>
+          </a:bodyPr>
+          <a:lstStyle/>
+          <a:p>
+            <a:r>
+              <a:rPr lang="pt-BR" b="1" dirty="0">
+                <a:effectLst>
+                  <a:outerShdw blurRad="38100" dist="38100" dir="2700000" algn="tl">
+                    <a:srgbClr val="000000">
+                      <a:alpha val="43137"/>
+                    </a:srgbClr>
+                  </a:outerShdw>
+                </a:effectLst>
+                <a:latin typeface="Arial" panose="020B0604020202020204" pitchFamily="34" charset="0"/>
+                <a:cs typeface="Arial" panose="020B0604020202020204" pitchFamily="34" charset="0"/>
+              </a:rPr>
+              <a:t>Criação das tabelas tbRua e tbSensores:</a:t>
+            </a:r>
+          </a:p>
+        </p:txBody>
+      </p:sp>
+      <p:pic>
+        <p:nvPicPr>
+          <p:cNvPr id="12" name="Imagem 11">
+            <a:extLst>
+              <a:ext uri="{FF2B5EF4-FFF2-40B4-BE49-F238E27FC236}">
+                <a16:creationId xmlns:a16="http://schemas.microsoft.com/office/drawing/2014/main" id="{E1E30755-D35E-473C-BF07-6F77EE5D5ACF}"/>
+              </a:ext>
+            </a:extLst>
+          </p:cNvPr>
+          <p:cNvPicPr>
+            <a:picLocks noChangeAspect="1"/>
+          </p:cNvPicPr>
+          <p:nvPr/>
+        </p:nvPicPr>
+        <p:blipFill>
+          <a:blip r:embed="rId4"/>
+          <a:stretch>
+            <a:fillRect/>
+          </a:stretch>
+        </p:blipFill>
+        <p:spPr>
+          <a:xfrm>
+            <a:off x="71851" y="309267"/>
+            <a:ext cx="1035488" cy="1035488"/>
+          </a:xfrm>
+          <a:prstGeom prst="rect">
+            <a:avLst/>
+          </a:prstGeom>
+          <a:solidFill>
+            <a:srgbClr val="5881C0"/>
+          </a:solidFill>
+          <a:ln>
+            <a:solidFill>
+              <a:srgbClr val="5881C0"/>
+            </a:solidFill>
+          </a:ln>
+        </p:spPr>
+      </p:pic>
+      <p:sp>
+        <p:nvSpPr>
+          <p:cNvPr id="13" name="Retângulo 12">
+            <a:extLst>
+              <a:ext uri="{FF2B5EF4-FFF2-40B4-BE49-F238E27FC236}">
+                <a16:creationId xmlns:a16="http://schemas.microsoft.com/office/drawing/2014/main" id="{30FA537E-648A-4624-B9D8-412C93CA1D7D}"/>
+              </a:ext>
+            </a:extLst>
+          </p:cNvPr>
+          <p:cNvSpPr/>
+          <p:nvPr/>
+        </p:nvSpPr>
+        <p:spPr>
+          <a:xfrm>
+            <a:off x="85350" y="-43679"/>
+            <a:ext cx="1074781" cy="369332"/>
+          </a:xfrm>
+          <a:prstGeom prst="rect">
+            <a:avLst/>
+          </a:prstGeom>
+        </p:spPr>
+        <p:txBody>
+          <a:bodyPr wrap="none">
+            <a:spAutoFit/>
+          </a:bodyPr>
+          <a:lstStyle/>
+          <a:p>
+            <a:r>
+              <a:rPr lang="en-US" b="1" dirty="0">
+                <a:effectLst>
+                  <a:outerShdw blurRad="38100" dist="38100" dir="2700000" algn="tl">
+                    <a:srgbClr val="000000">
+                      <a:alpha val="43137"/>
+                    </a:srgbClr>
+                  </a:outerShdw>
+                </a:effectLst>
+              </a:rPr>
+              <a:t>SUSTABIL</a:t>
+            </a:r>
+            <a:endParaRPr lang="pt-BR" dirty="0"/>
+          </a:p>
+        </p:txBody>
+      </p:sp>
+    </p:spTree>
+    <p:extLst>
+      <p:ext uri="{BB962C8B-B14F-4D97-AF65-F5344CB8AC3E}">
+        <p14:creationId xmlns:p14="http://schemas.microsoft.com/office/powerpoint/2010/main" val="1605510380"/>
+      </p:ext>
+    </p:extLst>
+  </p:cSld>
+  <p:clrMapOvr>
+    <a:masterClrMapping/>
+  </p:clrMapOvr>
+  <mc:AlternateContent xmlns:mc="http://schemas.openxmlformats.org/markup-compatibility/2006">
+    <mc:Choice xmlns:p14="http://schemas.microsoft.com/office/powerpoint/2010/main" Requires="p14">
+      <p:transition spd="slow" p14:dur="1250">
+        <p:wipe/>
+      </p:transition>
+    </mc:Choice>
+    <mc:Fallback>
+      <p:transition spd="slow">
+        <p:wipe/>
+      </p:transition>
+    </mc:Fallback>
+  </mc:AlternateContent>
+</p:sld>
+</file>
+
+<file path=ppt/slides/slide15.xml><?xml version="1.0" encoding="utf-8"?>
+<p:sld xmlns:a="http://schemas.openxmlformats.org/drawingml/2006/main" xmlns:r="http://schemas.openxmlformats.org/officeDocument/2006/relationships" xmlns:p="http://schemas.openxmlformats.org/presentationml/2006/main">
+  <p:cSld>
+    <p:spTree>
+      <p:nvGrpSpPr>
+        <p:cNvPr id="1" name=""/>
+        <p:cNvGrpSpPr/>
+        <p:nvPr/>
+      </p:nvGrpSpPr>
+      <p:grpSpPr>
+        <a:xfrm>
+          <a:off x="0" y="0"/>
+          <a:ext cx="0" cy="0"/>
+          <a:chOff x="0" y="0"/>
+          <a:chExt cx="0" cy="0"/>
+        </a:xfrm>
+      </p:grpSpPr>
+      <p:sp>
+        <p:nvSpPr>
+          <p:cNvPr id="8" name="Retângulo 7">
+            <a:extLst>
+              <a:ext uri="{FF2B5EF4-FFF2-40B4-BE49-F238E27FC236}">
+                <a16:creationId xmlns:a16="http://schemas.microsoft.com/office/drawing/2014/main" id="{10EC8388-0074-4876-8B60-674DECD9D06F}"/>
+              </a:ext>
+            </a:extLst>
+          </p:cNvPr>
+          <p:cNvSpPr/>
+          <p:nvPr/>
+        </p:nvSpPr>
+        <p:spPr>
+          <a:xfrm>
+            <a:off x="0" y="0"/>
+            <a:ext cx="12192000" cy="1917290"/>
+          </a:xfrm>
+          <a:prstGeom prst="rect">
+            <a:avLst/>
+          </a:prstGeom>
+          <a:solidFill>
+            <a:srgbClr val="5881C0"/>
+          </a:solidFill>
+          <a:ln>
+            <a:solidFill>
+              <a:srgbClr val="5881C0"/>
+            </a:solidFill>
+          </a:ln>
+        </p:spPr>
+        <p:style>
+          <a:lnRef idx="2">
+            <a:schemeClr val="accent1">
+              <a:shade val="50000"/>
+            </a:schemeClr>
+          </a:lnRef>
+          <a:fillRef idx="1">
+            <a:schemeClr val="accent1"/>
+          </a:fillRef>
+          <a:effectRef idx="0">
+            <a:schemeClr val="accent1"/>
+          </a:effectRef>
+          <a:fontRef idx="minor">
+            <a:schemeClr val="lt1"/>
+          </a:fontRef>
+        </p:style>
+        <p:txBody>
+          <a:bodyPr rtlCol="0" anchor="ctr"/>
+          <a:lstStyle/>
+          <a:p>
+            <a:pPr algn="ctr"/>
+            <a:endParaRPr lang="pt-BR" b="1" dirty="0">
+              <a:effectLst>
+                <a:outerShdw blurRad="38100" dist="38100" dir="2700000" algn="tl">
+                  <a:srgbClr val="000000">
+                    <a:alpha val="43137"/>
+                  </a:srgbClr>
+                </a:outerShdw>
+              </a:effectLst>
+            </a:endParaRPr>
+          </a:p>
+        </p:txBody>
+      </p:sp>
+      <p:pic>
+        <p:nvPicPr>
+          <p:cNvPr id="2" name="Imagem 1">
+            <a:extLst>
+              <a:ext uri="{FF2B5EF4-FFF2-40B4-BE49-F238E27FC236}">
+                <a16:creationId xmlns:a16="http://schemas.microsoft.com/office/drawing/2014/main" id="{C19F7BEF-21A4-4EBE-ADD4-B61FF1C86AE9}"/>
+              </a:ext>
+            </a:extLst>
+          </p:cNvPr>
+          <p:cNvPicPr>
+            <a:picLocks noChangeAspect="1"/>
+          </p:cNvPicPr>
+          <p:nvPr/>
+        </p:nvPicPr>
+        <p:blipFill>
+          <a:blip r:embed="rId2"/>
+          <a:stretch>
+            <a:fillRect/>
+          </a:stretch>
+        </p:blipFill>
+        <p:spPr>
+          <a:xfrm>
+            <a:off x="-732178" y="2088119"/>
+            <a:ext cx="9962752" cy="1943724"/>
+          </a:xfrm>
+          <a:prstGeom prst="rect">
+            <a:avLst/>
+          </a:prstGeom>
+        </p:spPr>
+      </p:pic>
+      <p:pic>
+        <p:nvPicPr>
+          <p:cNvPr id="3" name="Imagem 2">
+            <a:extLst>
+              <a:ext uri="{FF2B5EF4-FFF2-40B4-BE49-F238E27FC236}">
+                <a16:creationId xmlns:a16="http://schemas.microsoft.com/office/drawing/2014/main" id="{58C1A49D-2DB9-43C7-B0F5-F68E4A3D03E8}"/>
+              </a:ext>
+            </a:extLst>
+          </p:cNvPr>
+          <p:cNvPicPr>
+            <a:picLocks noChangeAspect="1"/>
+          </p:cNvPicPr>
+          <p:nvPr/>
+        </p:nvPicPr>
+        <p:blipFill>
+          <a:blip r:embed="rId3"/>
+          <a:stretch>
+            <a:fillRect/>
+          </a:stretch>
+        </p:blipFill>
+        <p:spPr>
+          <a:xfrm>
+            <a:off x="7850093" y="2196085"/>
+            <a:ext cx="4291216" cy="1652634"/>
+          </a:xfrm>
+          <a:prstGeom prst="rect">
+            <a:avLst/>
+          </a:prstGeom>
+        </p:spPr>
+      </p:pic>
+      <p:sp>
+        <p:nvSpPr>
+          <p:cNvPr id="5" name="CaixaDeTexto 4">
+            <a:extLst>
+              <a:ext uri="{FF2B5EF4-FFF2-40B4-BE49-F238E27FC236}">
+                <a16:creationId xmlns:a16="http://schemas.microsoft.com/office/drawing/2014/main" id="{D05F348A-5DC1-4D17-AC3B-97B6FC677767}"/>
+              </a:ext>
+            </a:extLst>
+          </p:cNvPr>
+          <p:cNvSpPr txBox="1"/>
+          <p:nvPr/>
+        </p:nvSpPr>
+        <p:spPr>
+          <a:xfrm>
+            <a:off x="3900041" y="1271015"/>
+            <a:ext cx="4391917" cy="369332"/>
           </a:xfrm>
           <a:prstGeom prst="rect">
             <a:avLst/>
@@ -5581,18 +5755,241 @@
           </a:lstStyle>
           <a:p>
             <a:r>
-              <a:rPr lang="pt-BR" dirty="0"/>
-              <a:t>Buscando os dados da tabela tbRua:</a:t>
-            </a:r>
-          </a:p>
-        </p:txBody>
-      </p:sp>
-      <p:sp>
-        <p:nvSpPr>
-          <p:cNvPr id="8" name="CaixaDeTexto 7">
-            <a:extLst>
-              <a:ext uri="{FF2B5EF4-FFF2-40B4-BE49-F238E27FC236}">
-                <a16:creationId xmlns:a16="http://schemas.microsoft.com/office/drawing/2014/main" id="{90C7EB6A-7384-419D-8FBE-AB3D2D267A80}"/>
+              <a:rPr lang="pt-BR" sz="1800" dirty="0">
+                <a:effectLst>
+                  <a:outerShdw blurRad="38100" dist="38100" dir="2700000" algn="tl">
+                    <a:srgbClr val="000000">
+                      <a:alpha val="43137"/>
+                    </a:srgbClr>
+                  </a:outerShdw>
+                </a:effectLst>
+              </a:rPr>
+              <a:t>Inserção de dados na tabela Clientes:</a:t>
+            </a:r>
+          </a:p>
+        </p:txBody>
+      </p:sp>
+      <p:pic>
+        <p:nvPicPr>
+          <p:cNvPr id="9" name="Imagem 8">
+            <a:extLst>
+              <a:ext uri="{FF2B5EF4-FFF2-40B4-BE49-F238E27FC236}">
+                <a16:creationId xmlns:a16="http://schemas.microsoft.com/office/drawing/2014/main" id="{6FB32A0F-8340-47E8-9C8C-988D13670AD4}"/>
+              </a:ext>
+            </a:extLst>
+          </p:cNvPr>
+          <p:cNvPicPr>
+            <a:picLocks noChangeAspect="1"/>
+          </p:cNvPicPr>
+          <p:nvPr/>
+        </p:nvPicPr>
+        <p:blipFill>
+          <a:blip r:embed="rId4"/>
+          <a:stretch>
+            <a:fillRect/>
+          </a:stretch>
+        </p:blipFill>
+        <p:spPr>
+          <a:xfrm>
+            <a:off x="71851" y="309267"/>
+            <a:ext cx="1035488" cy="1035488"/>
+          </a:xfrm>
+          <a:prstGeom prst="rect">
+            <a:avLst/>
+          </a:prstGeom>
+          <a:solidFill>
+            <a:srgbClr val="5881C0"/>
+          </a:solidFill>
+          <a:ln>
+            <a:solidFill>
+              <a:srgbClr val="5881C0"/>
+            </a:solidFill>
+          </a:ln>
+        </p:spPr>
+      </p:pic>
+      <p:sp>
+        <p:nvSpPr>
+          <p:cNvPr id="10" name="Retângulo 9">
+            <a:extLst>
+              <a:ext uri="{FF2B5EF4-FFF2-40B4-BE49-F238E27FC236}">
+                <a16:creationId xmlns:a16="http://schemas.microsoft.com/office/drawing/2014/main" id="{0D0C0969-6D16-4E3D-922E-8F39B44F8566}"/>
+              </a:ext>
+            </a:extLst>
+          </p:cNvPr>
+          <p:cNvSpPr/>
+          <p:nvPr/>
+        </p:nvSpPr>
+        <p:spPr>
+          <a:xfrm>
+            <a:off x="85350" y="-43679"/>
+            <a:ext cx="1074781" cy="369332"/>
+          </a:xfrm>
+          <a:prstGeom prst="rect">
+            <a:avLst/>
+          </a:prstGeom>
+        </p:spPr>
+        <p:txBody>
+          <a:bodyPr wrap="none">
+            <a:spAutoFit/>
+          </a:bodyPr>
+          <a:lstStyle/>
+          <a:p>
+            <a:r>
+              <a:rPr lang="en-US" b="1" dirty="0">
+                <a:effectLst>
+                  <a:outerShdw blurRad="38100" dist="38100" dir="2700000" algn="tl">
+                    <a:srgbClr val="000000">
+                      <a:alpha val="43137"/>
+                    </a:srgbClr>
+                  </a:outerShdw>
+                </a:effectLst>
+              </a:rPr>
+              <a:t>SUSTABIL</a:t>
+            </a:r>
+            <a:endParaRPr lang="pt-BR" dirty="0"/>
+          </a:p>
+        </p:txBody>
+      </p:sp>
+    </p:spTree>
+    <p:extLst>
+      <p:ext uri="{BB962C8B-B14F-4D97-AF65-F5344CB8AC3E}">
+        <p14:creationId xmlns:p14="http://schemas.microsoft.com/office/powerpoint/2010/main" val="2411807073"/>
+      </p:ext>
+    </p:extLst>
+  </p:cSld>
+  <p:clrMapOvr>
+    <a:masterClrMapping/>
+  </p:clrMapOvr>
+  <mc:AlternateContent xmlns:mc="http://schemas.openxmlformats.org/markup-compatibility/2006">
+    <mc:Choice xmlns:p14="http://schemas.microsoft.com/office/powerpoint/2010/main" Requires="p14">
+      <p:transition spd="slow" p14:dur="1250">
+        <p:wipe/>
+      </p:transition>
+    </mc:Choice>
+    <mc:Fallback>
+      <p:transition spd="slow">
+        <p:wipe/>
+      </p:transition>
+    </mc:Fallback>
+  </mc:AlternateContent>
+</p:sld>
+</file>
+
+<file path=ppt/slides/slide16.xml><?xml version="1.0" encoding="utf-8"?>
+<p:sld xmlns:a="http://schemas.openxmlformats.org/drawingml/2006/main" xmlns:r="http://schemas.openxmlformats.org/officeDocument/2006/relationships" xmlns:p="http://schemas.openxmlformats.org/presentationml/2006/main">
+  <p:cSld>
+    <p:spTree>
+      <p:nvGrpSpPr>
+        <p:cNvPr id="1" name=""/>
+        <p:cNvGrpSpPr/>
+        <p:nvPr/>
+      </p:nvGrpSpPr>
+      <p:grpSpPr>
+        <a:xfrm>
+          <a:off x="0" y="0"/>
+          <a:ext cx="0" cy="0"/>
+          <a:chOff x="0" y="0"/>
+          <a:chExt cx="0" cy="0"/>
+        </a:xfrm>
+      </p:grpSpPr>
+      <p:sp>
+        <p:nvSpPr>
+          <p:cNvPr id="6" name="Retângulo 5">
+            <a:extLst>
+              <a:ext uri="{FF2B5EF4-FFF2-40B4-BE49-F238E27FC236}">
+                <a16:creationId xmlns:a16="http://schemas.microsoft.com/office/drawing/2014/main" id="{33475942-DAF9-44CC-9B8B-31CDED03B1FB}"/>
+              </a:ext>
+            </a:extLst>
+          </p:cNvPr>
+          <p:cNvSpPr/>
+          <p:nvPr/>
+        </p:nvSpPr>
+        <p:spPr>
+          <a:xfrm>
+            <a:off x="0" y="0"/>
+            <a:ext cx="12192000" cy="1917290"/>
+          </a:xfrm>
+          <a:prstGeom prst="rect">
+            <a:avLst/>
+          </a:prstGeom>
+          <a:solidFill>
+            <a:srgbClr val="5881C0"/>
+          </a:solidFill>
+          <a:ln>
+            <a:solidFill>
+              <a:srgbClr val="5881C0"/>
+            </a:solidFill>
+          </a:ln>
+        </p:spPr>
+        <p:style>
+          <a:lnRef idx="2">
+            <a:schemeClr val="accent1">
+              <a:shade val="50000"/>
+            </a:schemeClr>
+          </a:lnRef>
+          <a:fillRef idx="1">
+            <a:schemeClr val="accent1"/>
+          </a:fillRef>
+          <a:effectRef idx="0">
+            <a:schemeClr val="accent1"/>
+          </a:effectRef>
+          <a:fontRef idx="minor">
+            <a:schemeClr val="lt1"/>
+          </a:fontRef>
+        </p:style>
+        <p:txBody>
+          <a:bodyPr rtlCol="0" anchor="ctr"/>
+          <a:lstStyle/>
+          <a:p>
+            <a:pPr algn="ctr"/>
+            <a:endParaRPr lang="pt-BR" b="1" dirty="0">
+              <a:effectLst>
+                <a:outerShdw blurRad="38100" dist="38100" dir="2700000" algn="tl">
+                  <a:srgbClr val="000000">
+                    <a:alpha val="43137"/>
+                  </a:srgbClr>
+                </a:outerShdw>
+              </a:effectLst>
+            </a:endParaRPr>
+          </a:p>
+        </p:txBody>
+      </p:sp>
+      <p:pic>
+        <p:nvPicPr>
+          <p:cNvPr id="4" name="Imagem 3">
+            <a:extLst>
+              <a:ext uri="{FF2B5EF4-FFF2-40B4-BE49-F238E27FC236}">
+                <a16:creationId xmlns:a16="http://schemas.microsoft.com/office/drawing/2014/main" id="{C0230458-A761-46A2-8F29-C42C8A44D181}"/>
+              </a:ext>
+            </a:extLst>
+          </p:cNvPr>
+          <p:cNvPicPr>
+            <a:picLocks noChangeAspect="1"/>
+          </p:cNvPicPr>
+          <p:nvPr/>
+        </p:nvPicPr>
+        <p:blipFill>
+          <a:blip r:embed="rId2"/>
+          <a:stretch>
+            <a:fillRect/>
+          </a:stretch>
+        </p:blipFill>
+        <p:spPr>
+          <a:xfrm>
+            <a:off x="3222887" y="2067190"/>
+            <a:ext cx="5320932" cy="4230983"/>
+          </a:xfrm>
+          <a:prstGeom prst="rect">
+            <a:avLst/>
+          </a:prstGeom>
+        </p:spPr>
+      </p:pic>
+      <p:sp>
+        <p:nvSpPr>
+          <p:cNvPr id="5" name="CaixaDeTexto 4">
+            <a:extLst>
+              <a:ext uri="{FF2B5EF4-FFF2-40B4-BE49-F238E27FC236}">
+                <a16:creationId xmlns:a16="http://schemas.microsoft.com/office/drawing/2014/main" id="{A7F16955-4C2E-4E3E-AC8D-A103AC43E338}"/>
               </a:ext>
             </a:extLst>
           </p:cNvPr>
@@ -5601,8 +5998,8 @@
         </p:nvSpPr>
         <p:spPr>
           <a:xfrm>
-            <a:off x="7137400" y="3244334"/>
-            <a:ext cx="4597400" cy="369332"/>
+            <a:off x="3066255" y="1300511"/>
+            <a:ext cx="6059489" cy="369332"/>
           </a:xfrm>
           <a:prstGeom prst="rect">
             <a:avLst/>
@@ -5626,6 +6023,433 @@
           </a:lstStyle>
           <a:p>
             <a:r>
+              <a:rPr lang="pt-BR" sz="1800" dirty="0">
+                <a:effectLst>
+                  <a:outerShdw blurRad="38100" dist="38100" dir="2700000" algn="tl">
+                    <a:srgbClr val="000000">
+                      <a:alpha val="43137"/>
+                    </a:srgbClr>
+                  </a:outerShdw>
+                </a:effectLst>
+              </a:rPr>
+              <a:t>Inserção de dados nas tabelas tbRua e tbSensores:</a:t>
+            </a:r>
+          </a:p>
+        </p:txBody>
+      </p:sp>
+      <p:pic>
+        <p:nvPicPr>
+          <p:cNvPr id="8" name="Imagem 7">
+            <a:extLst>
+              <a:ext uri="{FF2B5EF4-FFF2-40B4-BE49-F238E27FC236}">
+                <a16:creationId xmlns:a16="http://schemas.microsoft.com/office/drawing/2014/main" id="{5EF4F3A1-5AC1-4DB6-BEF3-8C1103449C02}"/>
+              </a:ext>
+            </a:extLst>
+          </p:cNvPr>
+          <p:cNvPicPr>
+            <a:picLocks noChangeAspect="1"/>
+          </p:cNvPicPr>
+          <p:nvPr/>
+        </p:nvPicPr>
+        <p:blipFill>
+          <a:blip r:embed="rId3"/>
+          <a:stretch>
+            <a:fillRect/>
+          </a:stretch>
+        </p:blipFill>
+        <p:spPr>
+          <a:xfrm>
+            <a:off x="71851" y="309267"/>
+            <a:ext cx="1035488" cy="1035488"/>
+          </a:xfrm>
+          <a:prstGeom prst="rect">
+            <a:avLst/>
+          </a:prstGeom>
+          <a:solidFill>
+            <a:srgbClr val="5881C0"/>
+          </a:solidFill>
+          <a:ln>
+            <a:solidFill>
+              <a:srgbClr val="5881C0"/>
+            </a:solidFill>
+          </a:ln>
+        </p:spPr>
+      </p:pic>
+      <p:sp>
+        <p:nvSpPr>
+          <p:cNvPr id="9" name="Retângulo 8">
+            <a:extLst>
+              <a:ext uri="{FF2B5EF4-FFF2-40B4-BE49-F238E27FC236}">
+                <a16:creationId xmlns:a16="http://schemas.microsoft.com/office/drawing/2014/main" id="{0D84EAFF-80CE-4732-984C-E03CD9AA2F15}"/>
+              </a:ext>
+            </a:extLst>
+          </p:cNvPr>
+          <p:cNvSpPr/>
+          <p:nvPr/>
+        </p:nvSpPr>
+        <p:spPr>
+          <a:xfrm>
+            <a:off x="85350" y="-43679"/>
+            <a:ext cx="1074781" cy="369332"/>
+          </a:xfrm>
+          <a:prstGeom prst="rect">
+            <a:avLst/>
+          </a:prstGeom>
+        </p:spPr>
+        <p:txBody>
+          <a:bodyPr wrap="none">
+            <a:spAutoFit/>
+          </a:bodyPr>
+          <a:lstStyle/>
+          <a:p>
+            <a:r>
+              <a:rPr lang="en-US" b="1" dirty="0">
+                <a:effectLst>
+                  <a:outerShdw blurRad="38100" dist="38100" dir="2700000" algn="tl">
+                    <a:srgbClr val="000000">
+                      <a:alpha val="43137"/>
+                    </a:srgbClr>
+                  </a:outerShdw>
+                </a:effectLst>
+              </a:rPr>
+              <a:t>SUSTABIL</a:t>
+            </a:r>
+            <a:endParaRPr lang="pt-BR" dirty="0"/>
+          </a:p>
+        </p:txBody>
+      </p:sp>
+    </p:spTree>
+    <p:extLst>
+      <p:ext uri="{BB962C8B-B14F-4D97-AF65-F5344CB8AC3E}">
+        <p14:creationId xmlns:p14="http://schemas.microsoft.com/office/powerpoint/2010/main" val="1584627150"/>
+      </p:ext>
+    </p:extLst>
+  </p:cSld>
+  <p:clrMapOvr>
+    <a:masterClrMapping/>
+  </p:clrMapOvr>
+  <mc:AlternateContent xmlns:mc="http://schemas.openxmlformats.org/markup-compatibility/2006">
+    <mc:Choice xmlns:p14="http://schemas.microsoft.com/office/powerpoint/2010/main" Requires="p14">
+      <p:transition spd="slow" p14:dur="1250">
+        <p:wipe/>
+      </p:transition>
+    </mc:Choice>
+    <mc:Fallback>
+      <p:transition spd="slow">
+        <p:wipe/>
+      </p:transition>
+    </mc:Fallback>
+  </mc:AlternateContent>
+</p:sld>
+</file>
+
+<file path=ppt/slides/slide17.xml><?xml version="1.0" encoding="utf-8"?>
+<p:sld xmlns:a="http://schemas.openxmlformats.org/drawingml/2006/main" xmlns:r="http://schemas.openxmlformats.org/officeDocument/2006/relationships" xmlns:p="http://schemas.openxmlformats.org/presentationml/2006/main">
+  <p:cSld>
+    <p:spTree>
+      <p:nvGrpSpPr>
+        <p:cNvPr id="1" name=""/>
+        <p:cNvGrpSpPr/>
+        <p:nvPr/>
+      </p:nvGrpSpPr>
+      <p:grpSpPr>
+        <a:xfrm>
+          <a:off x="0" y="0"/>
+          <a:ext cx="0" cy="0"/>
+          <a:chOff x="0" y="0"/>
+          <a:chExt cx="0" cy="0"/>
+        </a:xfrm>
+      </p:grpSpPr>
+      <p:sp>
+        <p:nvSpPr>
+          <p:cNvPr id="13" name="Retângulo 12">
+            <a:extLst>
+              <a:ext uri="{FF2B5EF4-FFF2-40B4-BE49-F238E27FC236}">
+                <a16:creationId xmlns:a16="http://schemas.microsoft.com/office/drawing/2014/main" id="{B4C4C580-EB0B-4199-BCEA-5F431251A365}"/>
+              </a:ext>
+            </a:extLst>
+          </p:cNvPr>
+          <p:cNvSpPr/>
+          <p:nvPr/>
+        </p:nvSpPr>
+        <p:spPr>
+          <a:xfrm>
+            <a:off x="0" y="0"/>
+            <a:ext cx="12192000" cy="1917290"/>
+          </a:xfrm>
+          <a:prstGeom prst="rect">
+            <a:avLst/>
+          </a:prstGeom>
+          <a:solidFill>
+            <a:srgbClr val="5881C0"/>
+          </a:solidFill>
+          <a:ln>
+            <a:solidFill>
+              <a:srgbClr val="5881C0"/>
+            </a:solidFill>
+          </a:ln>
+        </p:spPr>
+        <p:style>
+          <a:lnRef idx="2">
+            <a:schemeClr val="accent1">
+              <a:shade val="50000"/>
+            </a:schemeClr>
+          </a:lnRef>
+          <a:fillRef idx="1">
+            <a:schemeClr val="accent1"/>
+          </a:fillRef>
+          <a:effectRef idx="0">
+            <a:schemeClr val="accent1"/>
+          </a:effectRef>
+          <a:fontRef idx="minor">
+            <a:schemeClr val="lt1"/>
+          </a:fontRef>
+        </p:style>
+        <p:txBody>
+          <a:bodyPr rtlCol="0" anchor="ctr"/>
+          <a:lstStyle/>
+          <a:p>
+            <a:pPr algn="ctr"/>
+            <a:endParaRPr lang="pt-BR" b="1" dirty="0">
+              <a:effectLst>
+                <a:outerShdw blurRad="38100" dist="38100" dir="2700000" algn="tl">
+                  <a:srgbClr val="000000">
+                    <a:alpha val="43137"/>
+                  </a:srgbClr>
+                </a:outerShdw>
+              </a:effectLst>
+            </a:endParaRPr>
+          </a:p>
+        </p:txBody>
+      </p:sp>
+      <p:pic>
+        <p:nvPicPr>
+          <p:cNvPr id="2" name="Imagem 1">
+            <a:extLst>
+              <a:ext uri="{FF2B5EF4-FFF2-40B4-BE49-F238E27FC236}">
+                <a16:creationId xmlns:a16="http://schemas.microsoft.com/office/drawing/2014/main" id="{46447FED-6765-4E73-AE34-F23C7D378E29}"/>
+              </a:ext>
+            </a:extLst>
+          </p:cNvPr>
+          <p:cNvPicPr>
+            <a:picLocks noChangeAspect="1"/>
+          </p:cNvPicPr>
+          <p:nvPr/>
+        </p:nvPicPr>
+        <p:blipFill>
+          <a:blip r:embed="rId2"/>
+          <a:stretch>
+            <a:fillRect/>
+          </a:stretch>
+        </p:blipFill>
+        <p:spPr>
+          <a:xfrm>
+            <a:off x="176981" y="2090480"/>
+            <a:ext cx="10046987" cy="1626927"/>
+          </a:xfrm>
+          <a:prstGeom prst="rect">
+            <a:avLst/>
+          </a:prstGeom>
+        </p:spPr>
+      </p:pic>
+      <p:pic>
+        <p:nvPicPr>
+          <p:cNvPr id="3" name="Imagem 2">
+            <a:extLst>
+              <a:ext uri="{FF2B5EF4-FFF2-40B4-BE49-F238E27FC236}">
+                <a16:creationId xmlns:a16="http://schemas.microsoft.com/office/drawing/2014/main" id="{349DA353-C641-4866-875D-4AAB4915DB8A}"/>
+              </a:ext>
+            </a:extLst>
+          </p:cNvPr>
+          <p:cNvPicPr>
+            <a:picLocks noChangeAspect="1"/>
+          </p:cNvPicPr>
+          <p:nvPr/>
+        </p:nvPicPr>
+        <p:blipFill>
+          <a:blip r:embed="rId3"/>
+          <a:stretch>
+            <a:fillRect/>
+          </a:stretch>
+        </p:blipFill>
+        <p:spPr>
+          <a:xfrm>
+            <a:off x="10206716" y="2090480"/>
+            <a:ext cx="1036198" cy="1609675"/>
+          </a:xfrm>
+          <a:prstGeom prst="rect">
+            <a:avLst/>
+          </a:prstGeom>
+        </p:spPr>
+      </p:pic>
+      <p:pic>
+        <p:nvPicPr>
+          <p:cNvPr id="4" name="Imagem 3">
+            <a:extLst>
+              <a:ext uri="{FF2B5EF4-FFF2-40B4-BE49-F238E27FC236}">
+                <a16:creationId xmlns:a16="http://schemas.microsoft.com/office/drawing/2014/main" id="{E2D19421-69D7-4531-B451-85EF98AF7B04}"/>
+              </a:ext>
+            </a:extLst>
+          </p:cNvPr>
+          <p:cNvPicPr>
+            <a:picLocks noChangeAspect="1"/>
+          </p:cNvPicPr>
+          <p:nvPr/>
+        </p:nvPicPr>
+        <p:blipFill>
+          <a:blip r:embed="rId4"/>
+          <a:stretch>
+            <a:fillRect/>
+          </a:stretch>
+        </p:blipFill>
+        <p:spPr>
+          <a:xfrm>
+            <a:off x="457200" y="4826902"/>
+            <a:ext cx="4112506" cy="1986942"/>
+          </a:xfrm>
+          <a:prstGeom prst="rect">
+            <a:avLst/>
+          </a:prstGeom>
+        </p:spPr>
+      </p:pic>
+      <p:sp>
+        <p:nvSpPr>
+          <p:cNvPr id="6" name="CaixaDeTexto 5">
+            <a:extLst>
+              <a:ext uri="{FF2B5EF4-FFF2-40B4-BE49-F238E27FC236}">
+                <a16:creationId xmlns:a16="http://schemas.microsoft.com/office/drawing/2014/main" id="{ABD0B5B1-7BAF-419E-9C90-8C3DC283210A}"/>
+              </a:ext>
+            </a:extLst>
+          </p:cNvPr>
+          <p:cNvSpPr txBox="1"/>
+          <p:nvPr/>
+        </p:nvSpPr>
+        <p:spPr>
+          <a:xfrm>
+            <a:off x="3673372" y="1318473"/>
+            <a:ext cx="4845255" cy="369332"/>
+          </a:xfrm>
+          <a:prstGeom prst="rect">
+            <a:avLst/>
+          </a:prstGeom>
+          <a:noFill/>
+        </p:spPr>
+        <p:txBody>
+          <a:bodyPr wrap="square" rtlCol="0">
+            <a:spAutoFit/>
+          </a:bodyPr>
+          <a:lstStyle>
+            <a:defPPr>
+              <a:defRPr lang="pt-BR"/>
+            </a:defPPr>
+            <a:lvl1pPr>
+              <a:defRPr sz="1600" b="1">
+                <a:latin typeface="Arial" panose="020B0604020202020204" pitchFamily="34" charset="0"/>
+                <a:cs typeface="Arial" panose="020B0604020202020204" pitchFamily="34" charset="0"/>
+              </a:defRPr>
+            </a:lvl1pPr>
+          </a:lstStyle>
+          <a:p>
+            <a:pPr algn="ctr"/>
+            <a:r>
+              <a:rPr lang="pt-BR" sz="1800" dirty="0">
+                <a:effectLst>
+                  <a:outerShdw blurRad="38100" dist="38100" dir="2700000" algn="tl">
+                    <a:srgbClr val="000000">
+                      <a:alpha val="43137"/>
+                    </a:srgbClr>
+                  </a:outerShdw>
+                </a:effectLst>
+              </a:rPr>
+              <a:t>Buscando os dados da tabela tbClientes:</a:t>
+            </a:r>
+          </a:p>
+        </p:txBody>
+      </p:sp>
+      <p:sp>
+        <p:nvSpPr>
+          <p:cNvPr id="7" name="CaixaDeTexto 6">
+            <a:extLst>
+              <a:ext uri="{FF2B5EF4-FFF2-40B4-BE49-F238E27FC236}">
+                <a16:creationId xmlns:a16="http://schemas.microsoft.com/office/drawing/2014/main" id="{2E11BFA2-0178-4AFE-8FF0-9F3D56EABE5B}"/>
+              </a:ext>
+            </a:extLst>
+          </p:cNvPr>
+          <p:cNvSpPr txBox="1"/>
+          <p:nvPr/>
+        </p:nvSpPr>
+        <p:spPr>
+          <a:xfrm>
+            <a:off x="457200" y="4217723"/>
+            <a:ext cx="4597400" cy="369332"/>
+          </a:xfrm>
+          <a:prstGeom prst="rect">
+            <a:avLst/>
+          </a:prstGeom>
+          <a:noFill/>
+        </p:spPr>
+        <p:txBody>
+          <a:bodyPr wrap="square" rtlCol="0">
+            <a:spAutoFit/>
+          </a:bodyPr>
+          <a:lstStyle>
+            <a:defPPr>
+              <a:defRPr lang="pt-BR"/>
+            </a:defPPr>
+            <a:lvl1pPr>
+              <a:defRPr sz="1600" b="1">
+                <a:latin typeface="Arial" panose="020B0604020202020204" pitchFamily="34" charset="0"/>
+                <a:cs typeface="Arial" panose="020B0604020202020204" pitchFamily="34" charset="0"/>
+              </a:defRPr>
+            </a:lvl1pPr>
+          </a:lstStyle>
+          <a:p>
+            <a:r>
+              <a:rPr lang="pt-BR" dirty="0"/>
+              <a:t>Buscando os dados da tabela tbRua:</a:t>
+            </a:r>
+          </a:p>
+        </p:txBody>
+      </p:sp>
+      <p:sp>
+        <p:nvSpPr>
+          <p:cNvPr id="8" name="CaixaDeTexto 7">
+            <a:extLst>
+              <a:ext uri="{FF2B5EF4-FFF2-40B4-BE49-F238E27FC236}">
+                <a16:creationId xmlns:a16="http://schemas.microsoft.com/office/drawing/2014/main" id="{90C7EB6A-7384-419D-8FBE-AB3D2D267A80}"/>
+              </a:ext>
+            </a:extLst>
+          </p:cNvPr>
+          <p:cNvSpPr txBox="1"/>
+          <p:nvPr/>
+        </p:nvSpPr>
+        <p:spPr>
+          <a:xfrm>
+            <a:off x="7137400" y="4217723"/>
+            <a:ext cx="4597400" cy="369332"/>
+          </a:xfrm>
+          <a:prstGeom prst="rect">
+            <a:avLst/>
+          </a:prstGeom>
+          <a:noFill/>
+        </p:spPr>
+        <p:txBody>
+          <a:bodyPr wrap="square" rtlCol="0">
+            <a:spAutoFit/>
+          </a:bodyPr>
+          <a:lstStyle>
+            <a:defPPr>
+              <a:defRPr lang="pt-BR"/>
+            </a:defPPr>
+            <a:lvl1pPr>
+              <a:defRPr sz="1600" b="1">
+                <a:latin typeface="Arial" panose="020B0604020202020204" pitchFamily="34" charset="0"/>
+                <a:cs typeface="Arial" panose="020B0604020202020204" pitchFamily="34" charset="0"/>
+              </a:defRPr>
+            </a:lvl1pPr>
+          </a:lstStyle>
+          <a:p>
+            <a:r>
               <a:rPr lang="pt-BR" dirty="0"/>
               <a:t>Buscando os dados da tabela tbSensores:</a:t>
             </a:r>
@@ -5634,10 +6458,10 @@
       </p:sp>
       <p:pic>
         <p:nvPicPr>
-          <p:cNvPr id="9" name="Imagem 8">
-            <a:extLst>
-              <a:ext uri="{FF2B5EF4-FFF2-40B4-BE49-F238E27FC236}">
-                <a16:creationId xmlns:a16="http://schemas.microsoft.com/office/drawing/2014/main" id="{5844951E-9229-41A9-960B-45E58B2A2053}"/>
+          <p:cNvPr id="10" name="Imagem 9">
+            <a:extLst>
+              <a:ext uri="{FF2B5EF4-FFF2-40B4-BE49-F238E27FC236}">
+                <a16:creationId xmlns:a16="http://schemas.microsoft.com/office/drawing/2014/main" id="{0AA5E581-82DA-4C80-95EE-CA868C15F7D5}"/>
               </a:ext>
             </a:extLst>
           </p:cNvPr>
@@ -5654,8 +6478,8 @@
         </p:blipFill>
         <p:spPr>
           <a:xfrm>
-            <a:off x="53894" y="35169"/>
-            <a:ext cx="1035488" cy="934447"/>
+            <a:off x="6533034" y="4826903"/>
+            <a:ext cx="5201766" cy="1986941"/>
           </a:xfrm>
           <a:prstGeom prst="rect">
             <a:avLst/>
@@ -5664,10 +6488,10 @@
       </p:pic>
       <p:pic>
         <p:nvPicPr>
-          <p:cNvPr id="10" name="Imagem 9">
-            <a:extLst>
-              <a:ext uri="{FF2B5EF4-FFF2-40B4-BE49-F238E27FC236}">
-                <a16:creationId xmlns:a16="http://schemas.microsoft.com/office/drawing/2014/main" id="{0AA5E581-82DA-4C80-95EE-CA868C15F7D5}"/>
+          <p:cNvPr id="14" name="Imagem 13">
+            <a:extLst>
+              <a:ext uri="{FF2B5EF4-FFF2-40B4-BE49-F238E27FC236}">
+                <a16:creationId xmlns:a16="http://schemas.microsoft.com/office/drawing/2014/main" id="{5E5DCBAB-F0B3-41AD-BBAA-24553D8E14D4}"/>
               </a:ext>
             </a:extLst>
           </p:cNvPr>
@@ -5684,14 +6508,65 @@
         </p:blipFill>
         <p:spPr>
           <a:xfrm>
-            <a:off x="6533034" y="3853514"/>
-            <a:ext cx="5201766" cy="1986941"/>
-          </a:xfrm>
-          <a:prstGeom prst="rect">
-            <a:avLst/>
-          </a:prstGeom>
+            <a:off x="71851" y="309267"/>
+            <a:ext cx="1035488" cy="1035488"/>
+          </a:xfrm>
+          <a:prstGeom prst="rect">
+            <a:avLst/>
+          </a:prstGeom>
+          <a:solidFill>
+            <a:srgbClr val="5881C0"/>
+          </a:solidFill>
+          <a:ln>
+            <a:solidFill>
+              <a:srgbClr val="5881C0"/>
+            </a:solidFill>
+          </a:ln>
         </p:spPr>
       </p:pic>
+      <p:sp>
+        <p:nvSpPr>
+          <p:cNvPr id="15" name="Retângulo 14">
+            <a:extLst>
+              <a:ext uri="{FF2B5EF4-FFF2-40B4-BE49-F238E27FC236}">
+                <a16:creationId xmlns:a16="http://schemas.microsoft.com/office/drawing/2014/main" id="{2F42C4D0-91BC-4E6B-A9D7-4B2AA9A8F635}"/>
+              </a:ext>
+            </a:extLst>
+          </p:cNvPr>
+          <p:cNvSpPr/>
+          <p:nvPr/>
+        </p:nvSpPr>
+        <p:spPr>
+          <a:xfrm>
+            <a:off x="85350" y="-43679"/>
+            <a:ext cx="1074781" cy="369332"/>
+          </a:xfrm>
+          <a:prstGeom prst="rect">
+            <a:avLst/>
+          </a:prstGeom>
+        </p:spPr>
+        <p:txBody>
+          <a:bodyPr wrap="none">
+            <a:spAutoFit/>
+          </a:bodyPr>
+          <a:lstStyle/>
+          <a:p>
+            <a:r>
+              <a:rPr lang="en-US" b="1" dirty="0">
+                <a:effectLst>
+                  <a:outerShdw blurRad="38100" dist="38100" dir="2700000" algn="tl">
+                    <a:srgbClr val="000000">
+                      <a:alpha val="43137"/>
+                    </a:srgbClr>
+                  </a:outerShdw>
+                </a:effectLst>
+              </a:rPr>
+              <a:t>SUSTABIL</a:t>
+            </a:r>
+            <a:endParaRPr lang="pt-BR" dirty="0"/>
+          </a:p>
+        </p:txBody>
+      </p:sp>
     </p:spTree>
     <p:extLst>
       <p:ext uri="{BB962C8B-B14F-4D97-AF65-F5344CB8AC3E}">
@@ -5702,10 +6577,22 @@
   <p:clrMapOvr>
     <a:masterClrMapping/>
   </p:clrMapOvr>
+  <mc:AlternateContent xmlns:mc="http://schemas.openxmlformats.org/markup-compatibility/2006">
+    <mc:Choice xmlns:p14="http://schemas.microsoft.com/office/powerpoint/2010/main" Requires="p14">
+      <p:transition spd="slow" p14:dur="1250">
+        <p:wipe/>
+      </p:transition>
+    </mc:Choice>
+    <mc:Fallback>
+      <p:transition spd="slow">
+        <p:wipe/>
+      </p:transition>
+    </mc:Fallback>
+  </mc:AlternateContent>
 </p:sld>
 </file>
 
-<file path=ppt/slides/slide15.xml><?xml version="1.0" encoding="utf-8"?>
+<file path=ppt/slides/slide18.xml><?xml version="1.0" encoding="utf-8"?>
 <p:sld xmlns:a="http://schemas.openxmlformats.org/drawingml/2006/main" xmlns:r="http://schemas.openxmlformats.org/officeDocument/2006/relationships" xmlns:p="http://schemas.openxmlformats.org/presentationml/2006/main">
   <p:cSld>
     <p:bg>
@@ -5996,36 +6883,6 @@
           </a:fontRef>
         </p:style>
       </p:cxnSp>
-      <p:pic>
-        <p:nvPicPr>
-          <p:cNvPr id="8" name="Imagem 7">
-            <a:extLst>
-              <a:ext uri="{FF2B5EF4-FFF2-40B4-BE49-F238E27FC236}">
-                <a16:creationId xmlns:a16="http://schemas.microsoft.com/office/drawing/2014/main" id="{CF005EC4-8AA8-40E3-8432-45BD49F7C7F1}"/>
-              </a:ext>
-            </a:extLst>
-          </p:cNvPr>
-          <p:cNvPicPr>
-            <a:picLocks noChangeAspect="1"/>
-          </p:cNvPicPr>
-          <p:nvPr/>
-        </p:nvPicPr>
-        <p:blipFill>
-          <a:blip r:embed="rId3"/>
-          <a:stretch>
-            <a:fillRect/>
-          </a:stretch>
-        </p:blipFill>
-        <p:spPr>
-          <a:xfrm>
-            <a:off x="53894" y="35169"/>
-            <a:ext cx="1035488" cy="1035488"/>
-          </a:xfrm>
-          <a:prstGeom prst="rect">
-            <a:avLst/>
-          </a:prstGeom>
-        </p:spPr>
-      </p:pic>
       <p:sp>
         <p:nvSpPr>
           <p:cNvPr id="10" name="CaixaDeTexto 9">
@@ -6071,6 +6928,79 @@
           </a:p>
         </p:txBody>
       </p:sp>
+      <p:sp>
+        <p:nvSpPr>
+          <p:cNvPr id="13" name="Retângulo 12">
+            <a:extLst>
+              <a:ext uri="{FF2B5EF4-FFF2-40B4-BE49-F238E27FC236}">
+                <a16:creationId xmlns:a16="http://schemas.microsoft.com/office/drawing/2014/main" id="{34A6122A-C469-4FAC-BBF1-BF0D24516BBE}"/>
+              </a:ext>
+            </a:extLst>
+          </p:cNvPr>
+          <p:cNvSpPr/>
+          <p:nvPr/>
+        </p:nvSpPr>
+        <p:spPr>
+          <a:xfrm>
+            <a:off x="85350" y="-43679"/>
+            <a:ext cx="1074781" cy="369332"/>
+          </a:xfrm>
+          <a:prstGeom prst="rect">
+            <a:avLst/>
+          </a:prstGeom>
+        </p:spPr>
+        <p:txBody>
+          <a:bodyPr wrap="none">
+            <a:spAutoFit/>
+          </a:bodyPr>
+          <a:lstStyle/>
+          <a:p>
+            <a:r>
+              <a:rPr lang="en-US" b="1" dirty="0">
+                <a:effectLst>
+                  <a:outerShdw blurRad="38100" dist="38100" dir="2700000" algn="tl">
+                    <a:srgbClr val="000000">
+                      <a:alpha val="43137"/>
+                    </a:srgbClr>
+                  </a:outerShdw>
+                </a:effectLst>
+              </a:rPr>
+              <a:t>SUSTABIL</a:t>
+            </a:r>
+            <a:endParaRPr lang="pt-BR" dirty="0"/>
+          </a:p>
+        </p:txBody>
+      </p:sp>
+      <p:pic>
+        <p:nvPicPr>
+          <p:cNvPr id="14" name="Imagem 13">
+            <a:extLst>
+              <a:ext uri="{FF2B5EF4-FFF2-40B4-BE49-F238E27FC236}">
+                <a16:creationId xmlns:a16="http://schemas.microsoft.com/office/drawing/2014/main" id="{B3A26CA1-9CB8-44F2-9169-7A10D80B8E23}"/>
+              </a:ext>
+            </a:extLst>
+          </p:cNvPr>
+          <p:cNvPicPr>
+            <a:picLocks noChangeAspect="1"/>
+          </p:cNvPicPr>
+          <p:nvPr/>
+        </p:nvPicPr>
+        <p:blipFill>
+          <a:blip r:embed="rId3"/>
+          <a:stretch>
+            <a:fillRect/>
+          </a:stretch>
+        </p:blipFill>
+        <p:spPr>
+          <a:xfrm>
+            <a:off x="73740" y="310905"/>
+            <a:ext cx="1035488" cy="1035488"/>
+          </a:xfrm>
+          <a:prstGeom prst="rect">
+            <a:avLst/>
+          </a:prstGeom>
+        </p:spPr>
+      </p:pic>
     </p:spTree>
     <p:extLst>
       <p:ext uri="{BB962C8B-B14F-4D97-AF65-F5344CB8AC3E}">
@@ -6081,10 +7011,22 @@
   <p:clrMapOvr>
     <a:masterClrMapping/>
   </p:clrMapOvr>
+  <mc:AlternateContent xmlns:mc="http://schemas.openxmlformats.org/markup-compatibility/2006">
+    <mc:Choice xmlns:p14="http://schemas.microsoft.com/office/powerpoint/2010/main" Requires="p14">
+      <p:transition spd="slow" p14:dur="1250">
+        <p:wipe/>
+      </p:transition>
+    </mc:Choice>
+    <mc:Fallback>
+      <p:transition spd="slow">
+        <p:wipe/>
+      </p:transition>
+    </mc:Fallback>
+  </mc:AlternateContent>
 </p:sld>
 </file>
 
-<file path=ppt/slides/slide16.xml><?xml version="1.0" encoding="utf-8"?>
+<file path=ppt/slides/slide19.xml><?xml version="1.0" encoding="utf-8"?>
 <p:sld xmlns:a="http://schemas.openxmlformats.org/drawingml/2006/main" xmlns:r="http://schemas.openxmlformats.org/officeDocument/2006/relationships" xmlns:p="http://schemas.openxmlformats.org/presentationml/2006/main">
   <p:cSld>
     <p:bg>
@@ -6328,10 +7270,17 @@
           <a:lstStyle/>
           <a:p>
             <a:r>
-              <a:rPr lang="pt-BR" b="1">
+              <a:rPr lang="pt-BR" b="1" dirty="0">
                 <a:solidFill>
                   <a:srgbClr val="FFFFFF"/>
                 </a:solidFill>
+                <a:effectLst>
+                  <a:outerShdw blurRad="38100" dist="38100" dir="2700000" algn="tl">
+                    <a:srgbClr val="000000">
+                      <a:alpha val="43137"/>
+                    </a:srgbClr>
+                  </a:outerShdw>
+                </a:effectLst>
                 <a:latin typeface="Arial" panose="020B0604020202020204" pitchFamily="34" charset="0"/>
                 <a:cs typeface="Arial" panose="020B0604020202020204" pitchFamily="34" charset="0"/>
               </a:rPr>
@@ -6368,8 +7317,11 @@
           </a:bodyPr>
           <a:lstStyle/>
           <a:p>
-            <a:r>
-              <a:rPr lang="pt-BR" sz="2400" b="1" dirty="0">
+            <a:pPr marL="0" indent="0" algn="ctr">
+              <a:buNone/>
+            </a:pPr>
+            <a:r>
+              <a:rPr lang="pt-BR" b="1" dirty="0">
                 <a:solidFill>
                   <a:srgbClr val="000000"/>
                 </a:solidFill>
@@ -6379,7 +7331,7 @@
               <a:t>Nossos contatos</a:t>
             </a:r>
             <a:r>
-              <a:rPr lang="pt-BR" sz="2400" dirty="0">
+              <a:rPr lang="pt-BR" dirty="0">
                 <a:solidFill>
                   <a:srgbClr val="000000"/>
                 </a:solidFill>
@@ -6402,12 +7354,11 @@
             </a:endParaRPr>
           </a:p>
           <a:p>
-            <a:pPr>
-              <a:buFont typeface="Wingdings" panose="05000000000000000000" pitchFamily="2" charset="2"/>
-              <a:buChar char="Ø"/>
+            <a:pPr marL="0" indent="0">
+              <a:buNone/>
             </a:pPr>
             <a:r>
-              <a:rPr lang="pt-BR" sz="2400" dirty="0">
+              <a:rPr lang="pt-BR" sz="2400" b="1" dirty="0">
                 <a:solidFill>
                   <a:srgbClr val="000000"/>
                 </a:solidFill>
@@ -6435,12 +7386,23 @@
             </a:r>
           </a:p>
           <a:p>
-            <a:pPr>
-              <a:buFont typeface="Wingdings" panose="05000000000000000000" pitchFamily="2" charset="2"/>
-              <a:buChar char="Ø"/>
+            <a:pPr marL="0" indent="0">
+              <a:buNone/>
             </a:pPr>
-            <a:r>
-              <a:rPr lang="pt-BR" sz="2400" dirty="0">
+            <a:endParaRPr lang="pt-BR" sz="2400" dirty="0">
+              <a:solidFill>
+                <a:srgbClr val="000000"/>
+              </a:solidFill>
+              <a:latin typeface="Arial" panose="020B0604020202020204" pitchFamily="34" charset="0"/>
+              <a:cs typeface="Arial" panose="020B0604020202020204" pitchFamily="34" charset="0"/>
+            </a:endParaRPr>
+          </a:p>
+          <a:p>
+            <a:pPr marL="0" indent="0">
+              <a:buNone/>
+            </a:pPr>
+            <a:r>
+              <a:rPr lang="pt-BR" sz="2400" b="1" dirty="0">
                 <a:solidFill>
                   <a:srgbClr val="000000"/>
                 </a:solidFill>
@@ -6468,9 +7430,8 @@
             </a:r>
           </a:p>
           <a:p>
-            <a:pPr>
-              <a:buFont typeface="Wingdings" panose="05000000000000000000" pitchFamily="2" charset="2"/>
-              <a:buChar char="Ø"/>
+            <a:pPr marL="0" indent="0">
+              <a:buNone/>
             </a:pPr>
             <a:endParaRPr lang="pt-BR" sz="2400" dirty="0">
               <a:solidFill>
@@ -6481,12 +7442,11 @@
             </a:endParaRPr>
           </a:p>
           <a:p>
-            <a:pPr>
-              <a:buFont typeface="Wingdings" panose="05000000000000000000" pitchFamily="2" charset="2"/>
-              <a:buChar char="Ø"/>
+            <a:pPr marL="0" indent="0">
+              <a:buNone/>
             </a:pPr>
             <a:r>
-              <a:rPr lang="pt-BR" sz="2400" dirty="0">
+              <a:rPr lang="pt-BR" sz="2400" b="1" dirty="0">
                 <a:solidFill>
                   <a:srgbClr val="000000"/>
                 </a:solidFill>
@@ -6535,32 +7495,143 @@
       </p:sp>
       <p:pic>
         <p:nvPicPr>
-          <p:cNvPr id="4" name="Imagem 3">
-            <a:extLst>
-              <a:ext uri="{FF2B5EF4-FFF2-40B4-BE49-F238E27FC236}">
-                <a16:creationId xmlns:a16="http://schemas.microsoft.com/office/drawing/2014/main" id="{FC14E8B6-392A-4C5B-BF9E-8118C887D996}"/>
+          <p:cNvPr id="2050" name="Picture 2" descr="ícone Celular Livre de Miu Icons">
+            <a:extLst>
+              <a:ext uri="{FF2B5EF4-FFF2-40B4-BE49-F238E27FC236}">
+                <a16:creationId xmlns:a16="http://schemas.microsoft.com/office/drawing/2014/main" id="{56C7E030-6FFF-42F6-B070-1F83A4F742E0}"/>
               </a:ext>
             </a:extLst>
           </p:cNvPr>
           <p:cNvPicPr>
-            <a:picLocks noChangeAspect="1"/>
+            <a:picLocks noChangeAspect="1" noChangeArrowheads="1"/>
           </p:cNvPicPr>
           <p:nvPr/>
         </p:nvPicPr>
         <p:blipFill>
-          <a:blip r:embed="rId4"/>
+          <a:blip r:embed="rId4">
+            <a:extLst>
+              <a:ext uri="{28A0092B-C50C-407E-A947-70E740481C1C}">
+                <a14:useLocalDpi xmlns:a14="http://schemas.microsoft.com/office/drawing/2010/main" val="0"/>
+              </a:ext>
+            </a:extLst>
+          </a:blip>
+          <a:srcRect/>
           <a:stretch>
             <a:fillRect/>
           </a:stretch>
         </p:blipFill>
-        <p:spPr>
-          <a:xfrm>
-            <a:off x="53894" y="35169"/>
-            <a:ext cx="1035488" cy="1035488"/>
-          </a:xfrm>
-          <a:prstGeom prst="rect">
-            <a:avLst/>
-          </a:prstGeom>
+        <p:spPr bwMode="auto">
+          <a:xfrm>
+            <a:off x="5864379" y="2770306"/>
+            <a:ext cx="346975" cy="346975"/>
+          </a:xfrm>
+          <a:prstGeom prst="rect">
+            <a:avLst/>
+          </a:prstGeom>
+          <a:noFill/>
+          <a:extLst>
+            <a:ext uri="{909E8E84-426E-40DD-AFC4-6F175D3DCCD1}">
+              <a14:hiddenFill xmlns:a14="http://schemas.microsoft.com/office/drawing/2010/main">
+                <a:solidFill>
+                  <a:srgbClr val="FFFFFF"/>
+                </a:solidFill>
+              </a14:hiddenFill>
+            </a:ext>
+          </a:extLst>
+        </p:spPr>
+      </p:pic>
+      <p:pic>
+        <p:nvPicPr>
+          <p:cNvPr id="2052" name="Picture 4" descr="telefone - ícones de tecnologia grátis">
+            <a:extLst>
+              <a:ext uri="{FF2B5EF4-FFF2-40B4-BE49-F238E27FC236}">
+                <a16:creationId xmlns:a16="http://schemas.microsoft.com/office/drawing/2014/main" id="{8E577168-B402-4C10-92AE-7AA6707888C3}"/>
+              </a:ext>
+            </a:extLst>
+          </p:cNvPr>
+          <p:cNvPicPr>
+            <a:picLocks noChangeAspect="1" noChangeArrowheads="1"/>
+          </p:cNvPicPr>
+          <p:nvPr/>
+        </p:nvPicPr>
+        <p:blipFill>
+          <a:blip r:embed="rId5">
+            <a:extLst>
+              <a:ext uri="{28A0092B-C50C-407E-A947-70E740481C1C}">
+                <a14:useLocalDpi xmlns:a14="http://schemas.microsoft.com/office/drawing/2010/main" val="0"/>
+              </a:ext>
+            </a:extLst>
+          </a:blip>
+          <a:srcRect/>
+          <a:stretch>
+            <a:fillRect/>
+          </a:stretch>
+        </p:blipFill>
+        <p:spPr bwMode="auto">
+          <a:xfrm>
+            <a:off x="5805387" y="3680448"/>
+            <a:ext cx="346975" cy="346975"/>
+          </a:xfrm>
+          <a:prstGeom prst="rect">
+            <a:avLst/>
+          </a:prstGeom>
+          <a:noFill/>
+          <a:extLst>
+            <a:ext uri="{909E8E84-426E-40DD-AFC4-6F175D3DCCD1}">
+              <a14:hiddenFill xmlns:a14="http://schemas.microsoft.com/office/drawing/2010/main">
+                <a:solidFill>
+                  <a:srgbClr val="FFFFFF"/>
+                </a:solidFill>
+              </a14:hiddenFill>
+            </a:ext>
+          </a:extLst>
+        </p:spPr>
+      </p:pic>
+      <p:pic>
+        <p:nvPicPr>
+          <p:cNvPr id="2054" name="Picture 6" descr="Email icon">
+            <a:extLst>
+              <a:ext uri="{FF2B5EF4-FFF2-40B4-BE49-F238E27FC236}">
+                <a16:creationId xmlns:a16="http://schemas.microsoft.com/office/drawing/2014/main" id="{87AD6A83-FAE3-4336-97C0-A921F1711AE1}"/>
+              </a:ext>
+            </a:extLst>
+          </p:cNvPr>
+          <p:cNvPicPr>
+            <a:picLocks noChangeAspect="1" noChangeArrowheads="1"/>
+          </p:cNvPicPr>
+          <p:nvPr/>
+        </p:nvPicPr>
+        <p:blipFill>
+          <a:blip r:embed="rId6">
+            <a:extLst>
+              <a:ext uri="{28A0092B-C50C-407E-A947-70E740481C1C}">
+                <a14:useLocalDpi xmlns:a14="http://schemas.microsoft.com/office/drawing/2010/main" val="0"/>
+              </a:ext>
+            </a:extLst>
+          </a:blip>
+          <a:srcRect/>
+          <a:stretch>
+            <a:fillRect/>
+          </a:stretch>
+        </p:blipFill>
+        <p:spPr bwMode="auto">
+          <a:xfrm>
+            <a:off x="5572695" y="4502354"/>
+            <a:ext cx="583367" cy="583367"/>
+          </a:xfrm>
+          <a:prstGeom prst="rect">
+            <a:avLst/>
+          </a:prstGeom>
+          <a:noFill/>
+          <a:extLst>
+            <a:ext uri="{909E8E84-426E-40DD-AFC4-6F175D3DCCD1}">
+              <a14:hiddenFill xmlns:a14="http://schemas.microsoft.com/office/drawing/2010/main">
+                <a:solidFill>
+                  <a:srgbClr val="FFFFFF"/>
+                </a:solidFill>
+              </a14:hiddenFill>
+            </a:ext>
+          </a:extLst>
         </p:spPr>
       </p:pic>
     </p:spTree>
@@ -6573,6 +7644,18 @@
   <p:clrMapOvr>
     <a:masterClrMapping/>
   </p:clrMapOvr>
+  <mc:AlternateContent xmlns:mc="http://schemas.openxmlformats.org/markup-compatibility/2006">
+    <mc:Choice xmlns:p14="http://schemas.microsoft.com/office/powerpoint/2010/main" Requires="p14">
+      <p:transition spd="slow" p14:dur="1250">
+        <p:wipe/>
+      </p:transition>
+    </mc:Choice>
+    <mc:Fallback>
+      <p:transition spd="slow">
+        <p:wipe/>
+      </p:transition>
+    </mc:Fallback>
+  </mc:AlternateContent>
 </p:sld>
 </file>
 
@@ -6595,153 +7678,10 @@
       </p:grpSpPr>
       <p:sp>
         <p:nvSpPr>
-          <p:cNvPr id="2" name="Título 1">
-            <a:extLst>
-              <a:ext uri="{FF2B5EF4-FFF2-40B4-BE49-F238E27FC236}">
-                <a16:creationId xmlns:a16="http://schemas.microsoft.com/office/drawing/2014/main" id="{459672D8-2279-4C88-8623-C6CD16215792}"/>
-              </a:ext>
-            </a:extLst>
-          </p:cNvPr>
-          <p:cNvSpPr>
-            <a:spLocks noGrp="1"/>
-          </p:cNvSpPr>
-          <p:nvPr>
-            <p:ph type="title"/>
-          </p:nvPr>
-        </p:nvSpPr>
-        <p:spPr>
-          <a:xfrm>
-            <a:off x="589560" y="856180"/>
-            <a:ext cx="4560584" cy="1128068"/>
-          </a:xfrm>
-        </p:spPr>
-        <p:txBody>
-          <a:bodyPr anchor="ctr">
-            <a:normAutofit/>
-          </a:bodyPr>
-          <a:lstStyle/>
-          <a:p>
-            <a:pPr algn="ctr"/>
-            <a:r>
-              <a:rPr lang="pt-BR" sz="3700" dirty="0">
-                <a:latin typeface="Arial" panose="020B0604020202020204" pitchFamily="34" charset="0"/>
-                <a:cs typeface="Arial" panose="020B0604020202020204" pitchFamily="34" charset="0"/>
-              </a:rPr>
-              <a:t>Contexto</a:t>
-            </a:r>
-          </a:p>
-        </p:txBody>
-      </p:sp>
-      <p:sp>
-        <p:nvSpPr>
-          <p:cNvPr id="3" name="Espaço Reservado para Conteúdo 2">
-            <a:extLst>
-              <a:ext uri="{FF2B5EF4-FFF2-40B4-BE49-F238E27FC236}">
-                <a16:creationId xmlns:a16="http://schemas.microsoft.com/office/drawing/2014/main" id="{7924B46F-D3F7-4E4F-9A42-2A1AD4F4D899}"/>
-              </a:ext>
-            </a:extLst>
-          </p:cNvPr>
-          <p:cNvSpPr>
-            <a:spLocks noGrp="1"/>
-          </p:cNvSpPr>
-          <p:nvPr>
-            <p:ph idx="1"/>
-          </p:nvPr>
-        </p:nvSpPr>
-        <p:spPr>
-          <a:xfrm>
-            <a:off x="590719" y="2330505"/>
-            <a:ext cx="4559425" cy="3979585"/>
-          </a:xfrm>
-        </p:spPr>
-        <p:txBody>
-          <a:bodyPr anchor="ctr">
-            <a:normAutofit/>
-          </a:bodyPr>
-          <a:lstStyle/>
-          <a:p>
-            <a:r>
-              <a:rPr lang="pt-BR" sz="2000" b="1" dirty="0">
-                <a:latin typeface="Arial" panose="020B0604020202020204" pitchFamily="34" charset="0"/>
-                <a:cs typeface="Arial" panose="020B0604020202020204" pitchFamily="34" charset="0"/>
-              </a:rPr>
-              <a:t>Como funciona o processo de distribuição de água? </a:t>
-            </a:r>
-          </a:p>
-          <a:p>
-            <a:endParaRPr lang="pt-BR" sz="2000" b="1" dirty="0">
-              <a:latin typeface="Arial" panose="020B0604020202020204" pitchFamily="34" charset="0"/>
-              <a:cs typeface="Arial" panose="020B0604020202020204" pitchFamily="34" charset="0"/>
-            </a:endParaRPr>
-          </a:p>
-          <a:p>
-            <a:endParaRPr lang="pt-BR" sz="2000" b="1" dirty="0">
-              <a:latin typeface="Arial" panose="020B0604020202020204" pitchFamily="34" charset="0"/>
-              <a:cs typeface="Arial" panose="020B0604020202020204" pitchFamily="34" charset="0"/>
-            </a:endParaRPr>
-          </a:p>
-          <a:p>
-            <a:r>
-              <a:rPr lang="pt-BR" sz="2000" b="1" dirty="0">
-                <a:latin typeface="Arial" panose="020B0604020202020204" pitchFamily="34" charset="0"/>
-                <a:cs typeface="Arial" panose="020B0604020202020204" pitchFamily="34" charset="0"/>
-              </a:rPr>
-              <a:t>Grande projeto no Nordeste</a:t>
-            </a:r>
-          </a:p>
-        </p:txBody>
-      </p:sp>
-      <p:pic>
-        <p:nvPicPr>
-          <p:cNvPr id="2050" name="Picture 2" descr="Nenhuma descrição de foto disponível.">
-            <a:extLst>
-              <a:ext uri="{FF2B5EF4-FFF2-40B4-BE49-F238E27FC236}">
-                <a16:creationId xmlns:a16="http://schemas.microsoft.com/office/drawing/2014/main" id="{1BD0136C-ED1B-4EB4-B788-980FEA39A693}"/>
-              </a:ext>
-            </a:extLst>
-          </p:cNvPr>
-          <p:cNvPicPr>
-            <a:picLocks noChangeAspect="1" noChangeArrowheads="1"/>
-          </p:cNvPicPr>
-          <p:nvPr/>
-        </p:nvPicPr>
-        <p:blipFill rotWithShape="1">
-          <a:blip r:embed="rId2">
-            <a:extLst>
-              <a:ext uri="{28A0092B-C50C-407E-A947-70E740481C1C}">
-                <a14:useLocalDpi xmlns:a14="http://schemas.microsoft.com/office/drawing/2010/main" val="0"/>
-              </a:ext>
-            </a:extLst>
-          </a:blip>
-          <a:srcRect t="1984" r="4" b="1081"/>
-          <a:stretch/>
-        </p:blipFill>
-        <p:spPr bwMode="auto">
-          <a:xfrm>
-            <a:off x="5977788" y="799352"/>
-            <a:ext cx="5425410" cy="5259296"/>
-          </a:xfrm>
-          <a:prstGeom prst="rect">
-            <a:avLst/>
-          </a:prstGeom>
-          <a:noFill/>
-          <a:extLst>
-            <a:ext uri="{909E8E84-426E-40DD-AFC4-6F175D3DCCD1}">
-              <a14:hiddenFill xmlns:a14="http://schemas.microsoft.com/office/drawing/2010/main">
-                <a:solidFill>
-                  <a:srgbClr val="FFFFFF"/>
-                </a:solidFill>
-              </a14:hiddenFill>
-            </a:ext>
-          </a:extLst>
-        </p:spPr>
-      </p:pic>
-      <p:sp>
-        <p:nvSpPr>
-          <p:cNvPr id="5" name="Retângulo 4">
-            <a:extLst>
-              <a:ext uri="{FF2B5EF4-FFF2-40B4-BE49-F238E27FC236}">
-                <a16:creationId xmlns:a16="http://schemas.microsoft.com/office/drawing/2014/main" id="{A3A087C4-C7E9-4FBA-9D0E-02F75CECA642}"/>
+          <p:cNvPr id="28" name="Retângulo 27">
+            <a:extLst>
+              <a:ext uri="{FF2B5EF4-FFF2-40B4-BE49-F238E27FC236}">
+                <a16:creationId xmlns:a16="http://schemas.microsoft.com/office/drawing/2014/main" id="{65A38347-2785-4550-9D77-59D57DDF8AFB}"/>
               </a:ext>
             </a:extLst>
           </p:cNvPr>
@@ -6750,18 +7690,18 @@
         </p:nvSpPr>
         <p:spPr>
           <a:xfrm>
-            <a:off x="7403690" y="1083485"/>
-            <a:ext cx="1828800" cy="1247020"/>
+            <a:off x="0" y="0"/>
+            <a:ext cx="12192000" cy="1917290"/>
           </a:xfrm>
           <a:prstGeom prst="rect">
             <a:avLst/>
           </a:prstGeom>
           <a:solidFill>
-            <a:schemeClr val="bg1"/>
+            <a:srgbClr val="5881C0"/>
           </a:solidFill>
           <a:ln>
             <a:solidFill>
-              <a:schemeClr val="bg1"/>
+              <a:srgbClr val="5881C0"/>
             </a:solidFill>
           </a:ln>
         </p:spPr>
@@ -6785,76 +7725,84 @@
           <a:bodyPr rtlCol="0" anchor="ctr"/>
           <a:lstStyle/>
           <a:p>
-            <a:r>
-              <a:rPr lang="pt-BR" b="1" dirty="0">
-                <a:solidFill>
-                  <a:schemeClr val="tx1"/>
-                </a:solidFill>
+            <a:pPr algn="ctr"/>
+            <a:endParaRPr lang="pt-BR" b="1" dirty="0">
+              <a:effectLst>
+                <a:outerShdw blurRad="38100" dist="38100" dir="2700000" algn="tl">
+                  <a:srgbClr val="000000">
+                    <a:alpha val="43137"/>
+                  </a:srgbClr>
+                </a:outerShdw>
+              </a:effectLst>
+            </a:endParaRPr>
+          </a:p>
+        </p:txBody>
+      </p:sp>
+      <p:sp>
+        <p:nvSpPr>
+          <p:cNvPr id="3" name="Espaço Reservado para Conteúdo 2">
+            <a:extLst>
+              <a:ext uri="{FF2B5EF4-FFF2-40B4-BE49-F238E27FC236}">
+                <a16:creationId xmlns:a16="http://schemas.microsoft.com/office/drawing/2014/main" id="{7924B46F-D3F7-4E4F-9A42-2A1AD4F4D899}"/>
+              </a:ext>
+            </a:extLst>
+          </p:cNvPr>
+          <p:cNvSpPr>
+            <a:spLocks noGrp="1"/>
+          </p:cNvSpPr>
+          <p:nvPr>
+            <p:ph idx="1"/>
+          </p:nvPr>
+        </p:nvSpPr>
+        <p:spPr>
+          <a:xfrm>
+            <a:off x="6112944" y="1936482"/>
+            <a:ext cx="5150144" cy="3979585"/>
+          </a:xfrm>
+        </p:spPr>
+        <p:txBody>
+          <a:bodyPr anchor="ctr">
+            <a:normAutofit/>
+          </a:bodyPr>
+          <a:lstStyle/>
+          <a:p>
+            <a:r>
+              <a:rPr lang="pt-BR" sz="2400" b="1" dirty="0">
                 <a:latin typeface="Arial" panose="020B0604020202020204" pitchFamily="34" charset="0"/>
                 <a:cs typeface="Arial" panose="020B0604020202020204" pitchFamily="34" charset="0"/>
               </a:rPr>
-              <a:t>Este é o meu processo até sua residência</a:t>
-            </a:r>
-          </a:p>
-        </p:txBody>
-      </p:sp>
-      <mc:AlternateContent xmlns:mc="http://schemas.openxmlformats.org/markup-compatibility/2006" xmlns:p14="http://schemas.microsoft.com/office/powerpoint/2010/main">
-        <mc:Choice Requires="p14">
-          <p:contentPart p14:bwMode="auto" r:id="rId3">
-            <p14:nvContentPartPr>
-              <p14:cNvPr id="6" name="Tinta 5">
-                <a:extLst>
-                  <a:ext uri="{FF2B5EF4-FFF2-40B4-BE49-F238E27FC236}">
-                    <a16:creationId xmlns:a16="http://schemas.microsoft.com/office/drawing/2014/main" id="{2A500B55-AD1A-47D8-8F45-05816A8CBEE9}"/>
-                  </a:ext>
-                </a:extLst>
-              </p14:cNvPr>
-              <p14:cNvContentPartPr/>
-              <p14:nvPr/>
-            </p14:nvContentPartPr>
-            <p14:xfrm>
-              <a:off x="10471668" y="2167665"/>
-              <a:ext cx="360" cy="360"/>
-            </p14:xfrm>
-          </p:contentPart>
-        </mc:Choice>
-        <mc:Fallback xmlns="">
-          <p:pic>
-            <p:nvPicPr>
-              <p:cNvPr id="6" name="Tinta 5">
-                <a:extLst>
-                  <a:ext uri="{FF2B5EF4-FFF2-40B4-BE49-F238E27FC236}">
-                    <a16:creationId xmlns:a16="http://schemas.microsoft.com/office/drawing/2014/main" id="{2A500B55-AD1A-47D8-8F45-05816A8CBEE9}"/>
-                  </a:ext>
-                </a:extLst>
-              </p:cNvPr>
-              <p:cNvPicPr/>
-              <p:nvPr/>
-            </p:nvPicPr>
-            <p:blipFill>
-              <a:blip r:embed="rId4"/>
-              <a:stretch>
-                <a:fillRect/>
-              </a:stretch>
-            </p:blipFill>
-            <p:spPr>
-              <a:xfrm>
-                <a:off x="10462668" y="2158665"/>
-                <a:ext cx="18000" cy="18000"/>
-              </a:xfrm>
-              <a:prstGeom prst="rect">
-                <a:avLst/>
-              </a:prstGeom>
-            </p:spPr>
-          </p:pic>
-        </mc:Fallback>
-      </mc:AlternateContent>
-      <p:sp>
-        <p:nvSpPr>
-          <p:cNvPr id="10" name="Retângulo 9">
-            <a:extLst>
-              <a:ext uri="{FF2B5EF4-FFF2-40B4-BE49-F238E27FC236}">
-                <a16:creationId xmlns:a16="http://schemas.microsoft.com/office/drawing/2014/main" id="{D300A8DB-2963-4BEB-8118-087B58E7B37F}"/>
+              <a:t>Como funciona o processo de distribuição de água? </a:t>
+            </a:r>
+          </a:p>
+          <a:p>
+            <a:endParaRPr lang="pt-BR" sz="2400" b="1" dirty="0">
+              <a:latin typeface="Arial" panose="020B0604020202020204" pitchFamily="34" charset="0"/>
+              <a:cs typeface="Arial" panose="020B0604020202020204" pitchFamily="34" charset="0"/>
+            </a:endParaRPr>
+          </a:p>
+          <a:p>
+            <a:endParaRPr lang="pt-BR" sz="2400" b="1" dirty="0">
+              <a:latin typeface="Arial" panose="020B0604020202020204" pitchFamily="34" charset="0"/>
+              <a:cs typeface="Arial" panose="020B0604020202020204" pitchFamily="34" charset="0"/>
+            </a:endParaRPr>
+          </a:p>
+          <a:p>
+            <a:r>
+              <a:rPr lang="pt-BR" sz="2400" b="1" dirty="0">
+                <a:latin typeface="Arial" panose="020B0604020202020204" pitchFamily="34" charset="0"/>
+                <a:cs typeface="Arial" panose="020B0604020202020204" pitchFamily="34" charset="0"/>
+              </a:rPr>
+              <a:t>Grande projeto no Nordeste</a:t>
+            </a:r>
+          </a:p>
+        </p:txBody>
+      </p:sp>
+      <p:sp>
+        <p:nvSpPr>
+          <p:cNvPr id="12" name="Retângulo 11">
+            <a:extLst>
+              <a:ext uri="{FF2B5EF4-FFF2-40B4-BE49-F238E27FC236}">
+                <a16:creationId xmlns:a16="http://schemas.microsoft.com/office/drawing/2014/main" id="{07C8FCBC-073B-422B-932F-648F80011394}"/>
               </a:ext>
             </a:extLst>
           </p:cNvPr>
@@ -6863,18 +7811,18 @@
         </p:nvSpPr>
         <p:spPr>
           <a:xfrm>
-            <a:off x="9571703" y="798718"/>
-            <a:ext cx="1828800" cy="2268948"/>
+            <a:off x="10697670" y="0"/>
+            <a:ext cx="1494329" cy="508936"/>
           </a:xfrm>
           <a:prstGeom prst="rect">
             <a:avLst/>
           </a:prstGeom>
           <a:solidFill>
-            <a:schemeClr val="bg1"/>
+            <a:srgbClr val="5881C0"/>
           </a:solidFill>
           <a:ln>
             <a:solidFill>
-              <a:schemeClr val="bg1"/>
+              <a:srgbClr val="5881C0"/>
             </a:solidFill>
           </a:ln>
         </p:spPr>
@@ -6899,25 +7847,16 @@
           <a:lstStyle/>
           <a:p>
             <a:pPr algn="ctr"/>
-            <a:r>
-              <a:rPr lang="pt-BR" b="1" dirty="0">
-                <a:solidFill>
-                  <a:schemeClr val="tx1"/>
-                </a:solidFill>
-                <a:latin typeface="Arial" panose="020B0604020202020204" pitchFamily="34" charset="0"/>
-                <a:cs typeface="Arial" panose="020B0604020202020204" pitchFamily="34" charset="0"/>
-              </a:rPr>
-              <a:t>Cuide do vazamento, faça sua parte</a:t>
-            </a:r>
-          </a:p>
-        </p:txBody>
-      </p:sp>
-      <p:sp>
-        <p:nvSpPr>
-          <p:cNvPr id="12" name="Retângulo 11">
-            <a:extLst>
-              <a:ext uri="{FF2B5EF4-FFF2-40B4-BE49-F238E27FC236}">
-                <a16:creationId xmlns:a16="http://schemas.microsoft.com/office/drawing/2014/main" id="{07C8FCBC-073B-422B-932F-648F80011394}"/>
+            <a:endParaRPr lang="pt-BR"/>
+          </a:p>
+        </p:txBody>
+      </p:sp>
+      <p:sp>
+        <p:nvSpPr>
+          <p:cNvPr id="13" name="Retângulo 12">
+            <a:extLst>
+              <a:ext uri="{FF2B5EF4-FFF2-40B4-BE49-F238E27FC236}">
+                <a16:creationId xmlns:a16="http://schemas.microsoft.com/office/drawing/2014/main" id="{B760816A-D101-475E-AF6A-8A0D9C118B8D}"/>
               </a:ext>
             </a:extLst>
           </p:cNvPr>
@@ -6926,66 +7865,18 @@
         </p:nvSpPr>
         <p:spPr>
           <a:xfrm>
-            <a:off x="10697670" y="0"/>
-            <a:ext cx="1494329" cy="508936"/>
-          </a:xfrm>
-          <a:prstGeom prst="rect">
-            <a:avLst/>
-          </a:prstGeom>
+            <a:off x="11695176" y="508936"/>
+            <a:ext cx="496823" cy="6348429"/>
+          </a:xfrm>
+          <a:prstGeom prst="rect">
+            <a:avLst/>
+          </a:prstGeom>
+          <a:solidFill>
+            <a:srgbClr val="5881C0"/>
+          </a:solidFill>
           <a:ln>
             <a:solidFill>
-              <a:schemeClr val="accent1"/>
-            </a:solidFill>
-          </a:ln>
-        </p:spPr>
-        <p:style>
-          <a:lnRef idx="2">
-            <a:schemeClr val="accent1">
-              <a:shade val="50000"/>
-            </a:schemeClr>
-          </a:lnRef>
-          <a:fillRef idx="1">
-            <a:schemeClr val="accent1"/>
-          </a:fillRef>
-          <a:effectRef idx="0">
-            <a:schemeClr val="accent1"/>
-          </a:effectRef>
-          <a:fontRef idx="minor">
-            <a:schemeClr val="lt1"/>
-          </a:fontRef>
-        </p:style>
-        <p:txBody>
-          <a:bodyPr rtlCol="0" anchor="ctr"/>
-          <a:lstStyle/>
-          <a:p>
-            <a:pPr algn="ctr"/>
-            <a:endParaRPr lang="pt-BR"/>
-          </a:p>
-        </p:txBody>
-      </p:sp>
-      <p:sp>
-        <p:nvSpPr>
-          <p:cNvPr id="13" name="Retângulo 12">
-            <a:extLst>
-              <a:ext uri="{FF2B5EF4-FFF2-40B4-BE49-F238E27FC236}">
-                <a16:creationId xmlns:a16="http://schemas.microsoft.com/office/drawing/2014/main" id="{B760816A-D101-475E-AF6A-8A0D9C118B8D}"/>
-              </a:ext>
-            </a:extLst>
-          </p:cNvPr>
-          <p:cNvSpPr/>
-          <p:nvPr/>
-        </p:nvSpPr>
-        <p:spPr>
-          <a:xfrm>
-            <a:off x="11695176" y="508936"/>
-            <a:ext cx="496823" cy="6348429"/>
-          </a:xfrm>
-          <a:prstGeom prst="rect">
-            <a:avLst/>
-          </a:prstGeom>
-          <a:ln>
-            <a:solidFill>
-              <a:schemeClr val="accent1"/>
+              <a:srgbClr val="5881C0"/>
             </a:solidFill>
           </a:ln>
         </p:spPr>
@@ -7171,6 +8062,14 @@
           <a:prstGeom prst="rect">
             <a:avLst/>
           </a:prstGeom>
+          <a:solidFill>
+            <a:srgbClr val="5881C0"/>
+          </a:solidFill>
+          <a:ln>
+            <a:solidFill>
+              <a:srgbClr val="5881C0"/>
+            </a:solidFill>
+          </a:ln>
         </p:spPr>
         <p:style>
           <a:lnRef idx="2">
@@ -7217,6 +8116,14 @@
           <a:prstGeom prst="rect">
             <a:avLst/>
           </a:prstGeom>
+          <a:solidFill>
+            <a:srgbClr val="5881C0"/>
+          </a:solidFill>
+          <a:ln>
+            <a:solidFill>
+              <a:srgbClr val="5881C0"/>
+            </a:solidFill>
+          </a:ln>
         </p:spPr>
         <p:style>
           <a:lnRef idx="2">
@@ -7245,10 +8152,274 @@
       </p:sp>
       <p:pic>
         <p:nvPicPr>
-          <p:cNvPr id="21" name="Imagem 20">
-            <a:extLst>
-              <a:ext uri="{FF2B5EF4-FFF2-40B4-BE49-F238E27FC236}">
-                <a16:creationId xmlns:a16="http://schemas.microsoft.com/office/drawing/2014/main" id="{BC0DF888-86F0-4473-90AC-49AC87E8DE05}"/>
+          <p:cNvPr id="17" name="Picture 2" descr="Nenhuma descrição de foto disponível.">
+            <a:extLst>
+              <a:ext uri="{FF2B5EF4-FFF2-40B4-BE49-F238E27FC236}">
+                <a16:creationId xmlns:a16="http://schemas.microsoft.com/office/drawing/2014/main" id="{3D4667D2-3D8F-461D-8657-F4EF8B127E66}"/>
+              </a:ext>
+            </a:extLst>
+          </p:cNvPr>
+          <p:cNvPicPr>
+            <a:picLocks noChangeAspect="1" noChangeArrowheads="1"/>
+          </p:cNvPicPr>
+          <p:nvPr/>
+        </p:nvPicPr>
+        <p:blipFill rotWithShape="1">
+          <a:blip r:embed="rId2">
+            <a:extLst>
+              <a:ext uri="{28A0092B-C50C-407E-A947-70E740481C1C}">
+                <a14:useLocalDpi xmlns:a14="http://schemas.microsoft.com/office/drawing/2010/main" val="0"/>
+              </a:ext>
+            </a:extLst>
+          </a:blip>
+          <a:srcRect t="1984" r="4" b="1081"/>
+          <a:stretch/>
+        </p:blipFill>
+        <p:spPr bwMode="auto">
+          <a:xfrm>
+            <a:off x="0" y="2053896"/>
+            <a:ext cx="5150144" cy="4863093"/>
+          </a:xfrm>
+          <a:prstGeom prst="rect">
+            <a:avLst/>
+          </a:prstGeom>
+          <a:noFill/>
+          <a:extLst>
+            <a:ext uri="{909E8E84-426E-40DD-AFC4-6F175D3DCCD1}">
+              <a14:hiddenFill xmlns:a14="http://schemas.microsoft.com/office/drawing/2010/main">
+                <a:solidFill>
+                  <a:srgbClr val="FFFFFF"/>
+                </a:solidFill>
+              </a14:hiddenFill>
+            </a:ext>
+          </a:extLst>
+        </p:spPr>
+      </p:pic>
+      <p:sp>
+        <p:nvSpPr>
+          <p:cNvPr id="20" name="Retângulo 19">
+            <a:extLst>
+              <a:ext uri="{FF2B5EF4-FFF2-40B4-BE49-F238E27FC236}">
+                <a16:creationId xmlns:a16="http://schemas.microsoft.com/office/drawing/2014/main" id="{43B2D244-2575-48A3-855C-A32C9FBF09DF}"/>
+              </a:ext>
+            </a:extLst>
+          </p:cNvPr>
+          <p:cNvSpPr/>
+          <p:nvPr/>
+        </p:nvSpPr>
+        <p:spPr>
+          <a:xfrm>
+            <a:off x="1321704" y="2324474"/>
+            <a:ext cx="1828800" cy="1115301"/>
+          </a:xfrm>
+          <a:prstGeom prst="rect">
+            <a:avLst/>
+          </a:prstGeom>
+          <a:solidFill>
+            <a:schemeClr val="bg1"/>
+          </a:solidFill>
+          <a:ln>
+            <a:solidFill>
+              <a:schemeClr val="bg1"/>
+            </a:solidFill>
+          </a:ln>
+        </p:spPr>
+        <p:style>
+          <a:lnRef idx="2">
+            <a:schemeClr val="accent1">
+              <a:shade val="50000"/>
+            </a:schemeClr>
+          </a:lnRef>
+          <a:fillRef idx="1">
+            <a:schemeClr val="accent1"/>
+          </a:fillRef>
+          <a:effectRef idx="0">
+            <a:schemeClr val="accent1"/>
+          </a:effectRef>
+          <a:fontRef idx="minor">
+            <a:schemeClr val="lt1"/>
+          </a:fontRef>
+        </p:style>
+        <p:txBody>
+          <a:bodyPr rtlCol="0" anchor="ctr"/>
+          <a:lstStyle/>
+          <a:p>
+            <a:r>
+              <a:rPr lang="pt-BR" b="1" dirty="0">
+                <a:solidFill>
+                  <a:schemeClr val="tx1"/>
+                </a:solidFill>
+                <a:latin typeface="Arial" panose="020B0604020202020204" pitchFamily="34" charset="0"/>
+                <a:cs typeface="Arial" panose="020B0604020202020204" pitchFamily="34" charset="0"/>
+              </a:rPr>
+              <a:t>Este é o meu processo até sua residência</a:t>
+            </a:r>
+          </a:p>
+        </p:txBody>
+      </p:sp>
+      <mc:AlternateContent xmlns:mc="http://schemas.openxmlformats.org/markup-compatibility/2006">
+        <mc:Choice xmlns:p14="http://schemas.microsoft.com/office/powerpoint/2010/main" Requires="p14">
+          <p:contentPart p14:bwMode="auto" r:id="rId3">
+            <p14:nvContentPartPr>
+              <p14:cNvPr id="23" name="Tinta 22">
+                <a:extLst>
+                  <a:ext uri="{FF2B5EF4-FFF2-40B4-BE49-F238E27FC236}">
+                    <a16:creationId xmlns:a16="http://schemas.microsoft.com/office/drawing/2014/main" id="{0B673EA7-6958-4E5D-AEDB-455E41C8B946}"/>
+                  </a:ext>
+                </a:extLst>
+              </p14:cNvPr>
+              <p14:cNvContentPartPr/>
+              <p14:nvPr/>
+            </p14:nvContentPartPr>
+            <p14:xfrm>
+              <a:off x="9878388" y="2164889"/>
+              <a:ext cx="360" cy="360"/>
+            </p14:xfrm>
+          </p:contentPart>
+        </mc:Choice>
+        <mc:Fallback>
+          <p:pic>
+            <p:nvPicPr>
+              <p:cNvPr id="23" name="Tinta 22">
+                <a:extLst>
+                  <a:ext uri="{FF2B5EF4-FFF2-40B4-BE49-F238E27FC236}">
+                    <a16:creationId xmlns:a16="http://schemas.microsoft.com/office/drawing/2014/main" id="{0B673EA7-6958-4E5D-AEDB-455E41C8B946}"/>
+                  </a:ext>
+                </a:extLst>
+              </p:cNvPr>
+              <p:cNvPicPr/>
+              <p:nvPr/>
+            </p:nvPicPr>
+            <p:blipFill>
+              <a:blip r:embed="rId4"/>
+              <a:stretch>
+                <a:fillRect/>
+              </a:stretch>
+            </p:blipFill>
+            <p:spPr>
+              <a:xfrm>
+                <a:off x="9869388" y="2155889"/>
+                <a:ext cx="18000" cy="18000"/>
+              </a:xfrm>
+              <a:prstGeom prst="rect">
+                <a:avLst/>
+              </a:prstGeom>
+            </p:spPr>
+          </p:pic>
+        </mc:Fallback>
+      </mc:AlternateContent>
+      <p:sp>
+        <p:nvSpPr>
+          <p:cNvPr id="24" name="Retângulo 23">
+            <a:extLst>
+              <a:ext uri="{FF2B5EF4-FFF2-40B4-BE49-F238E27FC236}">
+                <a16:creationId xmlns:a16="http://schemas.microsoft.com/office/drawing/2014/main" id="{136D7852-D8F6-4891-9D34-BBCC2B0B1011}"/>
+              </a:ext>
+            </a:extLst>
+          </p:cNvPr>
+          <p:cNvSpPr/>
+          <p:nvPr/>
+        </p:nvSpPr>
+        <p:spPr>
+          <a:xfrm>
+            <a:off x="3321345" y="2046858"/>
+            <a:ext cx="1828800" cy="2083860"/>
+          </a:xfrm>
+          <a:prstGeom prst="rect">
+            <a:avLst/>
+          </a:prstGeom>
+          <a:solidFill>
+            <a:schemeClr val="bg1"/>
+          </a:solidFill>
+          <a:ln>
+            <a:solidFill>
+              <a:schemeClr val="bg1"/>
+            </a:solidFill>
+          </a:ln>
+        </p:spPr>
+        <p:style>
+          <a:lnRef idx="2">
+            <a:schemeClr val="accent1">
+              <a:shade val="50000"/>
+            </a:schemeClr>
+          </a:lnRef>
+          <a:fillRef idx="1">
+            <a:schemeClr val="accent1"/>
+          </a:fillRef>
+          <a:effectRef idx="0">
+            <a:schemeClr val="accent1"/>
+          </a:effectRef>
+          <a:fontRef idx="minor">
+            <a:schemeClr val="lt1"/>
+          </a:fontRef>
+        </p:style>
+        <p:txBody>
+          <a:bodyPr rtlCol="0" anchor="ctr"/>
+          <a:lstStyle/>
+          <a:p>
+            <a:pPr algn="ctr"/>
+            <a:r>
+              <a:rPr lang="pt-BR" b="1" dirty="0">
+                <a:solidFill>
+                  <a:schemeClr val="tx1"/>
+                </a:solidFill>
+                <a:latin typeface="Arial" panose="020B0604020202020204" pitchFamily="34" charset="0"/>
+                <a:cs typeface="Arial" panose="020B0604020202020204" pitchFamily="34" charset="0"/>
+              </a:rPr>
+              <a:t>Cuide do vazamento, faça sua parte</a:t>
+            </a:r>
+          </a:p>
+        </p:txBody>
+      </p:sp>
+      <p:sp>
+        <p:nvSpPr>
+          <p:cNvPr id="25" name="Retângulo 24">
+            <a:extLst>
+              <a:ext uri="{FF2B5EF4-FFF2-40B4-BE49-F238E27FC236}">
+                <a16:creationId xmlns:a16="http://schemas.microsoft.com/office/drawing/2014/main" id="{2625795E-41B8-4A79-9637-17CC3CBCE860}"/>
+              </a:ext>
+            </a:extLst>
+          </p:cNvPr>
+          <p:cNvSpPr/>
+          <p:nvPr/>
+        </p:nvSpPr>
+        <p:spPr>
+          <a:xfrm>
+            <a:off x="85350" y="-43679"/>
+            <a:ext cx="1074781" cy="369332"/>
+          </a:xfrm>
+          <a:prstGeom prst="rect">
+            <a:avLst/>
+          </a:prstGeom>
+        </p:spPr>
+        <p:txBody>
+          <a:bodyPr wrap="none">
+            <a:spAutoFit/>
+          </a:bodyPr>
+          <a:lstStyle/>
+          <a:p>
+            <a:r>
+              <a:rPr lang="en-US" b="1" dirty="0">
+                <a:effectLst>
+                  <a:outerShdw blurRad="38100" dist="38100" dir="2700000" algn="tl">
+                    <a:srgbClr val="000000">
+                      <a:alpha val="43137"/>
+                    </a:srgbClr>
+                  </a:outerShdw>
+                </a:effectLst>
+              </a:rPr>
+              <a:t>SUSTABIL</a:t>
+            </a:r>
+            <a:endParaRPr lang="pt-BR" dirty="0"/>
+          </a:p>
+        </p:txBody>
+      </p:sp>
+      <p:pic>
+        <p:nvPicPr>
+          <p:cNvPr id="27" name="Imagem 26">
+            <a:extLst>
+              <a:ext uri="{FF2B5EF4-FFF2-40B4-BE49-F238E27FC236}">
+                <a16:creationId xmlns:a16="http://schemas.microsoft.com/office/drawing/2014/main" id="{83BD5F25-4A1D-46BA-897E-D2FE53D5420A}"/>
               </a:ext>
             </a:extLst>
           </p:cNvPr>
@@ -7265,7 +8436,7 @@
         </p:blipFill>
         <p:spPr>
           <a:xfrm>
-            <a:off x="53894" y="35169"/>
+            <a:off x="73740" y="310905"/>
             <a:ext cx="1035488" cy="1035488"/>
           </a:xfrm>
           <a:prstGeom prst="rect">
@@ -7273,6 +8444,163 @@
           </a:prstGeom>
         </p:spPr>
       </p:pic>
+      <p:sp>
+        <p:nvSpPr>
+          <p:cNvPr id="29" name="Título 1">
+            <a:extLst>
+              <a:ext uri="{FF2B5EF4-FFF2-40B4-BE49-F238E27FC236}">
+                <a16:creationId xmlns:a16="http://schemas.microsoft.com/office/drawing/2014/main" id="{A94CE895-B32E-472B-AD65-3CBDC63FC275}"/>
+              </a:ext>
+            </a:extLst>
+          </p:cNvPr>
+          <p:cNvSpPr>
+            <a:spLocks noGrp="1"/>
+          </p:cNvSpPr>
+          <p:nvPr>
+            <p:ph type="title"/>
+          </p:nvPr>
+        </p:nvSpPr>
+        <p:spPr>
+          <a:xfrm>
+            <a:off x="838200" y="19192"/>
+            <a:ext cx="10515600" cy="1325563"/>
+          </a:xfrm>
+        </p:spPr>
+        <p:txBody>
+          <a:bodyPr>
+            <a:normAutofit/>
+          </a:bodyPr>
+          <a:lstStyle/>
+          <a:p>
+            <a:pPr algn="ctr"/>
+            <a:r>
+              <a:rPr lang="pt-BR" b="1" dirty="0">
+                <a:solidFill>
+                  <a:srgbClr val="000000"/>
+                </a:solidFill>
+                <a:effectLst>
+                  <a:outerShdw blurRad="38100" dist="38100" dir="2700000" algn="tl">
+                    <a:srgbClr val="000000">
+                      <a:alpha val="43137"/>
+                    </a:srgbClr>
+                  </a:outerShdw>
+                </a:effectLst>
+                <a:latin typeface="Arial" panose="020B0604020202020204" pitchFamily="34" charset="0"/>
+                <a:cs typeface="Arial" panose="020B0604020202020204" pitchFamily="34" charset="0"/>
+              </a:rPr>
+              <a:t>Contexto</a:t>
+            </a:r>
+          </a:p>
+        </p:txBody>
+      </p:sp>
+      <p:sp>
+        <p:nvSpPr>
+          <p:cNvPr id="8" name="Retângulo 7">
+            <a:extLst>
+              <a:ext uri="{FF2B5EF4-FFF2-40B4-BE49-F238E27FC236}">
+                <a16:creationId xmlns:a16="http://schemas.microsoft.com/office/drawing/2014/main" id="{42B2AED2-A8F5-4CD9-8E18-4A6C82D5FD42}"/>
+              </a:ext>
+            </a:extLst>
+          </p:cNvPr>
+          <p:cNvSpPr/>
+          <p:nvPr/>
+        </p:nvSpPr>
+        <p:spPr>
+          <a:xfrm>
+            <a:off x="11263088" y="1932038"/>
+            <a:ext cx="928911" cy="4940710"/>
+          </a:xfrm>
+          <a:prstGeom prst="rect">
+            <a:avLst/>
+          </a:prstGeom>
+          <a:solidFill>
+            <a:schemeClr val="bg1"/>
+          </a:solidFill>
+          <a:ln>
+            <a:solidFill>
+              <a:schemeClr val="bg1"/>
+            </a:solidFill>
+          </a:ln>
+        </p:spPr>
+        <p:style>
+          <a:lnRef idx="2">
+            <a:schemeClr val="accent1">
+              <a:shade val="50000"/>
+            </a:schemeClr>
+          </a:lnRef>
+          <a:fillRef idx="1">
+            <a:schemeClr val="accent1"/>
+          </a:fillRef>
+          <a:effectRef idx="0">
+            <a:schemeClr val="accent1"/>
+          </a:effectRef>
+          <a:fontRef idx="minor">
+            <a:schemeClr val="lt1"/>
+          </a:fontRef>
+        </p:style>
+        <p:txBody>
+          <a:bodyPr rtlCol="0" anchor="ctr"/>
+          <a:lstStyle/>
+          <a:p>
+            <a:pPr algn="ctr"/>
+            <a:endParaRPr lang="pt-BR"/>
+          </a:p>
+        </p:txBody>
+      </p:sp>
+      <p:sp>
+        <p:nvSpPr>
+          <p:cNvPr id="9" name="Retângulo 8">
+            <a:extLst>
+              <a:ext uri="{FF2B5EF4-FFF2-40B4-BE49-F238E27FC236}">
+                <a16:creationId xmlns:a16="http://schemas.microsoft.com/office/drawing/2014/main" id="{67AB0B4B-FD3A-4466-B1DB-B84C699E5765}"/>
+              </a:ext>
+            </a:extLst>
+          </p:cNvPr>
+          <p:cNvSpPr/>
+          <p:nvPr/>
+        </p:nvSpPr>
+        <p:spPr>
+          <a:xfrm>
+            <a:off x="10427110" y="5916067"/>
+            <a:ext cx="1764889" cy="922741"/>
+          </a:xfrm>
+          <a:prstGeom prst="rect">
+            <a:avLst/>
+          </a:prstGeom>
+          <a:solidFill>
+            <a:schemeClr val="bg1"/>
+          </a:solidFill>
+          <a:ln>
+            <a:solidFill>
+              <a:schemeClr val="bg1"/>
+            </a:solidFill>
+          </a:ln>
+        </p:spPr>
+        <p:style>
+          <a:lnRef idx="2">
+            <a:schemeClr val="accent1">
+              <a:shade val="50000"/>
+            </a:schemeClr>
+          </a:lnRef>
+          <a:fillRef idx="1">
+            <a:schemeClr val="accent1"/>
+          </a:fillRef>
+          <a:effectRef idx="0">
+            <a:schemeClr val="accent1"/>
+          </a:effectRef>
+          <a:fontRef idx="minor">
+            <a:schemeClr val="lt1"/>
+          </a:fontRef>
+        </p:style>
+        <p:txBody>
+          <a:bodyPr rtlCol="0" anchor="ctr"/>
+          <a:lstStyle/>
+          <a:p>
+            <a:pPr algn="ctr"/>
+            <a:endParaRPr lang="pt-BR"/>
+          </a:p>
+        </p:txBody>
+      </p:sp>
     </p:spTree>
     <p:extLst>
       <p:ext uri="{BB962C8B-B14F-4D97-AF65-F5344CB8AC3E}">
@@ -7283,6 +8611,18 @@
   <p:clrMapOvr>
     <a:masterClrMapping/>
   </p:clrMapOvr>
+  <mc:AlternateContent xmlns:mc="http://schemas.openxmlformats.org/markup-compatibility/2006">
+    <mc:Choice xmlns:p14="http://schemas.microsoft.com/office/powerpoint/2010/main" Requires="p14">
+      <p:transition spd="slow" p14:dur="1250">
+        <p:wipe/>
+      </p:transition>
+    </mc:Choice>
+    <mc:Fallback>
+      <p:transition spd="slow">
+        <p:wipe/>
+      </p:transition>
+    </mc:Fallback>
+  </mc:AlternateContent>
 </p:sld>
 </file>
 
@@ -7311,40 +8651,92 @@
           <a:chExt cx="0" cy="0"/>
         </a:xfrm>
       </p:grpSpPr>
-      <p:sp>
-        <p:nvSpPr>
-          <p:cNvPr id="7" name="Rectangle 6">
-            <a:extLst>
-              <a:ext uri="{FF2B5EF4-FFF2-40B4-BE49-F238E27FC236}">
-                <a16:creationId xmlns:a16="http://schemas.microsoft.com/office/drawing/2014/main" id="{42A4FC2C-047E-45A5-965D-8E1E3BF09BC6}"/>
-              </a:ext>
-              <a:ext uri="{C183D7F6-B498-43B3-948B-1728B52AA6E4}">
-                <adec:decorative xmlns:adec="http://schemas.microsoft.com/office/drawing/2017/decorative" val="1"/>
-              </a:ext>
-            </a:extLst>
-          </p:cNvPr>
-          <p:cNvSpPr>
-            <a:spLocks noGrp="1" noRot="1" noChangeAspect="1" noMove="1" noResize="1" noEditPoints="1" noAdjustHandles="1" noChangeArrowheads="1" noChangeShapeType="1" noTextEdit="1"/>
-          </p:cNvSpPr>
-          <p:nvPr>
-            <p:extLst>
-              <p:ext uri="{386F3935-93C4-4BCD-93E2-E3B085C9AB24}">
-                <p16:designElem xmlns:p16="http://schemas.microsoft.com/office/powerpoint/2015/main" val="1"/>
-              </p:ext>
-            </p:extLst>
-          </p:nvPr>
-        </p:nvSpPr>
-        <p:spPr bwMode="white">
-          <a:xfrm>
-            <a:off x="1524" y="0"/>
-            <a:ext cx="12188952" cy="6858000"/>
-          </a:xfrm>
-          <a:prstGeom prst="rect">
-            <a:avLst/>
-          </a:prstGeom>
-          <a:noFill/>
+      <p:pic>
+        <p:nvPicPr>
+          <p:cNvPr id="2" name="Imagem 1" descr="Tela de celular com publicação numa rede social&#10;&#10;Descrição gerada automaticamente">
+            <a:extLst>
+              <a:ext uri="{FF2B5EF4-FFF2-40B4-BE49-F238E27FC236}">
+                <a16:creationId xmlns:a16="http://schemas.microsoft.com/office/drawing/2014/main" id="{62C5624A-A732-4D3A-B827-542A9AEBDB4E}"/>
+              </a:ext>
+            </a:extLst>
+          </p:cNvPr>
+          <p:cNvPicPr>
+            <a:picLocks noChangeAspect="1"/>
+          </p:cNvPicPr>
+          <p:nvPr/>
+        </p:nvPicPr>
+        <p:blipFill rotWithShape="1">
+          <a:blip r:embed="rId2"/>
+          <a:srcRect l="426" r="-1" b="-1"/>
+          <a:stretch/>
+        </p:blipFill>
+        <p:spPr>
+          <a:xfrm>
+            <a:off x="20" y="21522"/>
+            <a:ext cx="12191980" cy="6856718"/>
+          </a:xfrm>
+          <a:prstGeom prst="rect">
+            <a:avLst/>
+          </a:prstGeom>
+        </p:spPr>
+      </p:pic>
+      <p:pic>
+        <p:nvPicPr>
+          <p:cNvPr id="4" name="Imagem 3">
+            <a:extLst>
+              <a:ext uri="{FF2B5EF4-FFF2-40B4-BE49-F238E27FC236}">
+                <a16:creationId xmlns:a16="http://schemas.microsoft.com/office/drawing/2014/main" id="{CE35213D-879D-49E6-B589-EDD17C131C65}"/>
+              </a:ext>
+            </a:extLst>
+          </p:cNvPr>
+          <p:cNvPicPr>
+            <a:picLocks noChangeAspect="1"/>
+          </p:cNvPicPr>
+          <p:nvPr/>
+        </p:nvPicPr>
+        <p:blipFill>
+          <a:blip r:embed="rId3"/>
+          <a:stretch>
+            <a:fillRect/>
+          </a:stretch>
+        </p:blipFill>
+        <p:spPr>
+          <a:xfrm>
+            <a:off x="53894" y="35169"/>
+            <a:ext cx="1035488" cy="1035488"/>
+          </a:xfrm>
+          <a:prstGeom prst="rect">
+            <a:avLst/>
+          </a:prstGeom>
+        </p:spPr>
+      </p:pic>
+      <p:sp>
+        <p:nvSpPr>
+          <p:cNvPr id="10" name="Retângulo 9">
+            <a:extLst>
+              <a:ext uri="{FF2B5EF4-FFF2-40B4-BE49-F238E27FC236}">
+                <a16:creationId xmlns:a16="http://schemas.microsoft.com/office/drawing/2014/main" id="{D9EFC94B-D4A4-4568-B086-4E68EC57C7A2}"/>
+              </a:ext>
+            </a:extLst>
+          </p:cNvPr>
+          <p:cNvSpPr/>
+          <p:nvPr/>
+        </p:nvSpPr>
+        <p:spPr>
+          <a:xfrm>
+            <a:off x="0" y="0"/>
+            <a:ext cx="12192000" cy="1917290"/>
+          </a:xfrm>
+          <a:prstGeom prst="rect">
+            <a:avLst/>
+          </a:prstGeom>
+          <a:solidFill>
+            <a:srgbClr val="5881C0"/>
+          </a:solidFill>
           <a:ln>
-            <a:noFill/>
+            <a:solidFill>
+              <a:srgbClr val="5881C0"/>
+            </a:solidFill>
           </a:ln>
         </p:spPr>
         <p:style>
@@ -7365,142 +8757,76 @@
         </p:style>
         <p:txBody>
           <a:bodyPr rtlCol="0" anchor="ctr"/>
-          <a:lstStyle>
-            <a:defPPr>
-              <a:defRPr lang="en-US"/>
-            </a:defPPr>
-            <a:lvl1pPr marL="0" algn="l" defTabSz="914400" rtl="0" eaLnBrk="1" latinLnBrk="0" hangingPunct="1">
-              <a:defRPr sz="1800" kern="1200">
+          <a:lstStyle/>
+          <a:p>
+            <a:pPr algn="ctr"/>
+            <a:endParaRPr lang="pt-BR" b="1" dirty="0">
+              <a:effectLst>
+                <a:outerShdw blurRad="38100" dist="38100" dir="2700000" algn="tl">
+                  <a:srgbClr val="000000">
+                    <a:alpha val="43137"/>
+                  </a:srgbClr>
+                </a:outerShdw>
+              </a:effectLst>
+            </a:endParaRPr>
+          </a:p>
+        </p:txBody>
+      </p:sp>
+      <p:sp>
+        <p:nvSpPr>
+          <p:cNvPr id="11" name="Título 1">
+            <a:extLst>
+              <a:ext uri="{FF2B5EF4-FFF2-40B4-BE49-F238E27FC236}">
+                <a16:creationId xmlns:a16="http://schemas.microsoft.com/office/drawing/2014/main" id="{31AC8927-126E-42E6-8145-1833AF60F0AB}"/>
+              </a:ext>
+            </a:extLst>
+          </p:cNvPr>
+          <p:cNvSpPr>
+            <a:spLocks noGrp="1"/>
+          </p:cNvSpPr>
+          <p:nvPr>
+            <p:ph type="title"/>
+          </p:nvPr>
+        </p:nvSpPr>
+        <p:spPr>
+          <a:xfrm>
+            <a:off x="838200" y="19192"/>
+            <a:ext cx="10515600" cy="1325563"/>
+          </a:xfrm>
+        </p:spPr>
+        <p:txBody>
+          <a:bodyPr>
+            <a:normAutofit/>
+          </a:bodyPr>
+          <a:lstStyle/>
+          <a:p>
+            <a:pPr algn="ctr"/>
+            <a:r>
+              <a:rPr lang="pt-BR" b="1" dirty="0">
                 <a:solidFill>
-                  <a:schemeClr val="lt1"/>
+                  <a:srgbClr val="000000"/>
                 </a:solidFill>
-                <a:latin typeface="+mn-lt"/>
-                <a:ea typeface="+mn-ea"/>
-                <a:cs typeface="+mn-cs"/>
-              </a:defRPr>
-            </a:lvl1pPr>
-            <a:lvl2pPr marL="457200" algn="l" defTabSz="914400" rtl="0" eaLnBrk="1" latinLnBrk="0" hangingPunct="1">
-              <a:defRPr sz="1800" kern="1200">
-                <a:solidFill>
-                  <a:schemeClr val="lt1"/>
-                </a:solidFill>
-                <a:latin typeface="+mn-lt"/>
-                <a:ea typeface="+mn-ea"/>
-                <a:cs typeface="+mn-cs"/>
-              </a:defRPr>
-            </a:lvl2pPr>
-            <a:lvl3pPr marL="914400" algn="l" defTabSz="914400" rtl="0" eaLnBrk="1" latinLnBrk="0" hangingPunct="1">
-              <a:defRPr sz="1800" kern="1200">
-                <a:solidFill>
-                  <a:schemeClr val="lt1"/>
-                </a:solidFill>
-                <a:latin typeface="+mn-lt"/>
-                <a:ea typeface="+mn-ea"/>
-                <a:cs typeface="+mn-cs"/>
-              </a:defRPr>
-            </a:lvl3pPr>
-            <a:lvl4pPr marL="1371600" algn="l" defTabSz="914400" rtl="0" eaLnBrk="1" latinLnBrk="0" hangingPunct="1">
-              <a:defRPr sz="1800" kern="1200">
-                <a:solidFill>
-                  <a:schemeClr val="lt1"/>
-                </a:solidFill>
-                <a:latin typeface="+mn-lt"/>
-                <a:ea typeface="+mn-ea"/>
-                <a:cs typeface="+mn-cs"/>
-              </a:defRPr>
-            </a:lvl4pPr>
-            <a:lvl5pPr marL="1828800" algn="l" defTabSz="914400" rtl="0" eaLnBrk="1" latinLnBrk="0" hangingPunct="1">
-              <a:defRPr sz="1800" kern="1200">
-                <a:solidFill>
-                  <a:schemeClr val="lt1"/>
-                </a:solidFill>
-                <a:latin typeface="+mn-lt"/>
-                <a:ea typeface="+mn-ea"/>
-                <a:cs typeface="+mn-cs"/>
-              </a:defRPr>
-            </a:lvl5pPr>
-            <a:lvl6pPr marL="2286000" algn="l" defTabSz="914400" rtl="0" eaLnBrk="1" latinLnBrk="0" hangingPunct="1">
-              <a:defRPr sz="1800" kern="1200">
-                <a:solidFill>
-                  <a:schemeClr val="lt1"/>
-                </a:solidFill>
-                <a:latin typeface="+mn-lt"/>
-                <a:ea typeface="+mn-ea"/>
-                <a:cs typeface="+mn-cs"/>
-              </a:defRPr>
-            </a:lvl6pPr>
-            <a:lvl7pPr marL="2743200" algn="l" defTabSz="914400" rtl="0" eaLnBrk="1" latinLnBrk="0" hangingPunct="1">
-              <a:defRPr sz="1800" kern="1200">
-                <a:solidFill>
-                  <a:schemeClr val="lt1"/>
-                </a:solidFill>
-                <a:latin typeface="+mn-lt"/>
-                <a:ea typeface="+mn-ea"/>
-                <a:cs typeface="+mn-cs"/>
-              </a:defRPr>
-            </a:lvl7pPr>
-            <a:lvl8pPr marL="3200400" algn="l" defTabSz="914400" rtl="0" eaLnBrk="1" latinLnBrk="0" hangingPunct="1">
-              <a:defRPr sz="1800" kern="1200">
-                <a:solidFill>
-                  <a:schemeClr val="lt1"/>
-                </a:solidFill>
-                <a:latin typeface="+mn-lt"/>
-                <a:ea typeface="+mn-ea"/>
-                <a:cs typeface="+mn-cs"/>
-              </a:defRPr>
-            </a:lvl8pPr>
-            <a:lvl9pPr marL="3657600" algn="l" defTabSz="914400" rtl="0" eaLnBrk="1" latinLnBrk="0" hangingPunct="1">
-              <a:defRPr sz="1800" kern="1200">
-                <a:solidFill>
-                  <a:schemeClr val="lt1"/>
-                </a:solidFill>
-                <a:latin typeface="+mn-lt"/>
-                <a:ea typeface="+mn-ea"/>
-                <a:cs typeface="+mn-cs"/>
-              </a:defRPr>
-            </a:lvl9pPr>
-          </a:lstStyle>
-          <a:p>
-            <a:pPr algn="ctr"/>
-            <a:endParaRPr lang="en-US"/>
+                <a:effectLst>
+                  <a:outerShdw blurRad="38100" dist="38100" dir="2700000" algn="tl">
+                    <a:srgbClr val="000000">
+                      <a:alpha val="43137"/>
+                    </a:srgbClr>
+                  </a:outerShdw>
+                </a:effectLst>
+                <a:latin typeface="Arial" panose="020B0604020202020204" pitchFamily="34" charset="0"/>
+                <a:cs typeface="Arial" panose="020B0604020202020204" pitchFamily="34" charset="0"/>
+              </a:rPr>
+              <a:t>Problemática</a:t>
+            </a:r>
           </a:p>
         </p:txBody>
       </p:sp>
       <p:pic>
         <p:nvPicPr>
-          <p:cNvPr id="2" name="Imagem 1" descr="Tela de celular com publicação numa rede social&#10;&#10;Descrição gerada automaticamente">
-            <a:extLst>
-              <a:ext uri="{FF2B5EF4-FFF2-40B4-BE49-F238E27FC236}">
-                <a16:creationId xmlns:a16="http://schemas.microsoft.com/office/drawing/2014/main" id="{62C5624A-A732-4D3A-B827-542A9AEBDB4E}"/>
-              </a:ext>
-            </a:extLst>
-          </p:cNvPr>
-          <p:cNvPicPr>
-            <a:picLocks noChangeAspect="1"/>
-          </p:cNvPicPr>
-          <p:nvPr/>
-        </p:nvPicPr>
-        <p:blipFill rotWithShape="1">
-          <a:blip r:embed="rId2"/>
-          <a:srcRect l="426" r="-1" b="-1"/>
-          <a:stretch/>
-        </p:blipFill>
-        <p:spPr>
-          <a:xfrm>
-            <a:off x="20" y="1282"/>
-            <a:ext cx="12191980" cy="6856718"/>
-          </a:xfrm>
-          <a:prstGeom prst="rect">
-            <a:avLst/>
-          </a:prstGeom>
-        </p:spPr>
-      </p:pic>
-      <p:pic>
-        <p:nvPicPr>
-          <p:cNvPr id="4" name="Imagem 3">
-            <a:extLst>
-              <a:ext uri="{FF2B5EF4-FFF2-40B4-BE49-F238E27FC236}">
-                <a16:creationId xmlns:a16="http://schemas.microsoft.com/office/drawing/2014/main" id="{CE35213D-879D-49E6-B589-EDD17C131C65}"/>
+          <p:cNvPr id="12" name="Imagem 11">
+            <a:extLst>
+              <a:ext uri="{FF2B5EF4-FFF2-40B4-BE49-F238E27FC236}">
+                <a16:creationId xmlns:a16="http://schemas.microsoft.com/office/drawing/2014/main" id="{173673C5-717A-4C18-B4C7-35FC373008ED}"/>
               </a:ext>
             </a:extLst>
           </p:cNvPr>
@@ -7517,14 +8843,65 @@
         </p:blipFill>
         <p:spPr>
           <a:xfrm>
-            <a:off x="53894" y="35169"/>
+            <a:off x="71851" y="309267"/>
             <a:ext cx="1035488" cy="1035488"/>
           </a:xfrm>
           <a:prstGeom prst="rect">
             <a:avLst/>
           </a:prstGeom>
+          <a:solidFill>
+            <a:srgbClr val="5881C0"/>
+          </a:solidFill>
+          <a:ln>
+            <a:solidFill>
+              <a:srgbClr val="5881C0"/>
+            </a:solidFill>
+          </a:ln>
         </p:spPr>
       </p:pic>
+      <p:sp>
+        <p:nvSpPr>
+          <p:cNvPr id="13" name="Retângulo 12">
+            <a:extLst>
+              <a:ext uri="{FF2B5EF4-FFF2-40B4-BE49-F238E27FC236}">
+                <a16:creationId xmlns:a16="http://schemas.microsoft.com/office/drawing/2014/main" id="{54F61E2F-B252-4AD6-ACCD-DA450296DCD1}"/>
+              </a:ext>
+            </a:extLst>
+          </p:cNvPr>
+          <p:cNvSpPr/>
+          <p:nvPr/>
+        </p:nvSpPr>
+        <p:spPr>
+          <a:xfrm>
+            <a:off x="85350" y="-43679"/>
+            <a:ext cx="1074781" cy="369332"/>
+          </a:xfrm>
+          <a:prstGeom prst="rect">
+            <a:avLst/>
+          </a:prstGeom>
+        </p:spPr>
+        <p:txBody>
+          <a:bodyPr wrap="none">
+            <a:spAutoFit/>
+          </a:bodyPr>
+          <a:lstStyle/>
+          <a:p>
+            <a:r>
+              <a:rPr lang="en-US" b="1" dirty="0">
+                <a:effectLst>
+                  <a:outerShdw blurRad="38100" dist="38100" dir="2700000" algn="tl">
+                    <a:srgbClr val="000000">
+                      <a:alpha val="43137"/>
+                    </a:srgbClr>
+                  </a:outerShdw>
+                </a:effectLst>
+              </a:rPr>
+              <a:t>SUSTABIL</a:t>
+            </a:r>
+            <a:endParaRPr lang="pt-BR" dirty="0"/>
+          </a:p>
+        </p:txBody>
+      </p:sp>
     </p:spTree>
     <p:extLst>
       <p:ext uri="{BB962C8B-B14F-4D97-AF65-F5344CB8AC3E}">
@@ -7535,6 +8912,18 @@
   <p:clrMapOvr>
     <a:masterClrMapping/>
   </p:clrMapOvr>
+  <mc:AlternateContent xmlns:mc="http://schemas.openxmlformats.org/markup-compatibility/2006">
+    <mc:Choice xmlns:p14="http://schemas.microsoft.com/office/powerpoint/2010/main" Requires="p14">
+      <p:transition spd="slow" p14:dur="1250">
+        <p:wipe/>
+      </p:transition>
+    </mc:Choice>
+    <mc:Fallback>
+      <p:transition spd="slow">
+        <p:wipe/>
+      </p:transition>
+    </mc:Fallback>
+  </mc:AlternateContent>
 </p:sld>
 </file>
 
@@ -7662,8 +9051,8 @@
         </p:nvSpPr>
         <p:spPr>
           <a:xfrm>
-            <a:off x="1188996" y="150461"/>
-            <a:ext cx="3995338" cy="1311664"/>
+            <a:off x="1108094" y="131278"/>
+            <a:ext cx="5996387" cy="1311664"/>
           </a:xfrm>
         </p:spPr>
         <p:txBody>
@@ -7673,10 +9062,17 @@
           <a:lstStyle/>
           <a:p>
             <a:r>
-              <a:rPr lang="pt-BR" sz="3700" dirty="0">
+              <a:rPr lang="pt-BR" sz="4000" b="1" dirty="0">
                 <a:solidFill>
                   <a:srgbClr val="000000"/>
                 </a:solidFill>
+                <a:effectLst>
+                  <a:outerShdw blurRad="38100" dist="38100" dir="2700000" algn="tl">
+                    <a:srgbClr val="000000">
+                      <a:alpha val="43137"/>
+                    </a:srgbClr>
+                  </a:outerShdw>
+                </a:effectLst>
                 <a:latin typeface="Arial" panose="020B0604020202020204" pitchFamily="34" charset="0"/>
                 <a:cs typeface="Arial" panose="020B0604020202020204" pitchFamily="34" charset="0"/>
               </a:rPr>
@@ -7774,10 +9170,17 @@
           </a:p>
           <a:p>
             <a:r>
-              <a:rPr lang="pt-BR" sz="2000" dirty="0">
+              <a:rPr lang="pt-BR" sz="2000" b="1" dirty="0">
                 <a:solidFill>
                   <a:srgbClr val="000000"/>
                 </a:solidFill>
+                <a:effectLst>
+                  <a:outerShdw blurRad="38100" dist="38100" dir="2700000" algn="tl">
+                    <a:srgbClr val="000000">
+                      <a:alpha val="43137"/>
+                    </a:srgbClr>
+                  </a:outerShdw>
+                </a:effectLst>
                 <a:latin typeface="Arial" panose="020B0604020202020204" pitchFamily="34" charset="0"/>
                 <a:cs typeface="Arial" panose="020B0604020202020204" pitchFamily="34" charset="0"/>
               </a:rPr>
@@ -7804,12 +9207,55 @@
           </a:p>
         </p:txBody>
       </p:sp>
+      <p:sp>
+        <p:nvSpPr>
+          <p:cNvPr id="10" name="Retângulo 9">
+            <a:extLst>
+              <a:ext uri="{FF2B5EF4-FFF2-40B4-BE49-F238E27FC236}">
+                <a16:creationId xmlns:a16="http://schemas.microsoft.com/office/drawing/2014/main" id="{CC4ACC6B-7393-426C-AE2B-E9A293934775}"/>
+              </a:ext>
+            </a:extLst>
+          </p:cNvPr>
+          <p:cNvSpPr/>
+          <p:nvPr/>
+        </p:nvSpPr>
+        <p:spPr>
+          <a:xfrm>
+            <a:off x="85350" y="-43679"/>
+            <a:ext cx="1074781" cy="369332"/>
+          </a:xfrm>
+          <a:prstGeom prst="rect">
+            <a:avLst/>
+          </a:prstGeom>
+        </p:spPr>
+        <p:txBody>
+          <a:bodyPr wrap="none">
+            <a:spAutoFit/>
+          </a:bodyPr>
+          <a:lstStyle/>
+          <a:p>
+            <a:r>
+              <a:rPr lang="en-US" b="1" dirty="0">
+                <a:effectLst>
+                  <a:outerShdw blurRad="38100" dist="38100" dir="2700000" algn="tl">
+                    <a:srgbClr val="000000">
+                      <a:alpha val="43137"/>
+                    </a:srgbClr>
+                  </a:outerShdw>
+                </a:effectLst>
+              </a:rPr>
+              <a:t>SUSTABIL</a:t>
+            </a:r>
+            <a:endParaRPr lang="pt-BR" dirty="0"/>
+          </a:p>
+        </p:txBody>
+      </p:sp>
       <p:pic>
         <p:nvPicPr>
-          <p:cNvPr id="6" name="Imagem 5">
-            <a:extLst>
-              <a:ext uri="{FF2B5EF4-FFF2-40B4-BE49-F238E27FC236}">
-                <a16:creationId xmlns:a16="http://schemas.microsoft.com/office/drawing/2014/main" id="{CEAEFBF8-22EC-44B4-A163-CDD5AA2A8470}"/>
+          <p:cNvPr id="11" name="Imagem 10">
+            <a:extLst>
+              <a:ext uri="{FF2B5EF4-FFF2-40B4-BE49-F238E27FC236}">
+                <a16:creationId xmlns:a16="http://schemas.microsoft.com/office/drawing/2014/main" id="{9A1B43F0-AD6D-4FDD-BC9E-239369E8D083}"/>
               </a:ext>
             </a:extLst>
           </p:cNvPr>
@@ -7826,7 +9272,7 @@
         </p:blipFill>
         <p:spPr>
           <a:xfrm>
-            <a:off x="53894" y="35169"/>
+            <a:off x="73740" y="310905"/>
             <a:ext cx="1035488" cy="1035488"/>
           </a:xfrm>
           <a:prstGeom prst="rect">
@@ -7844,6 +9290,18 @@
   <p:clrMapOvr>
     <a:masterClrMapping/>
   </p:clrMapOvr>
+  <mc:AlternateContent xmlns:mc="http://schemas.openxmlformats.org/markup-compatibility/2006">
+    <mc:Choice xmlns:p14="http://schemas.microsoft.com/office/powerpoint/2010/main" Requires="p14">
+      <p:transition spd="slow" p14:dur="1250">
+        <p:wipe/>
+      </p:transition>
+    </mc:Choice>
+    <mc:Fallback>
+      <p:transition spd="slow">
+        <p:wipe/>
+      </p:transition>
+    </mc:Fallback>
+  </mc:AlternateContent>
 </p:sld>
 </file>
 
@@ -7872,6 +9330,68 @@
           <a:chExt cx="0" cy="0"/>
         </a:xfrm>
       </p:grpSpPr>
+      <p:sp>
+        <p:nvSpPr>
+          <p:cNvPr id="9" name="Retângulo 8">
+            <a:extLst>
+              <a:ext uri="{FF2B5EF4-FFF2-40B4-BE49-F238E27FC236}">
+                <a16:creationId xmlns:a16="http://schemas.microsoft.com/office/drawing/2014/main" id="{BF923B6E-39B3-4C76-8E9A-F3B4C9B8B5A0}"/>
+              </a:ext>
+            </a:extLst>
+          </p:cNvPr>
+          <p:cNvSpPr/>
+          <p:nvPr/>
+        </p:nvSpPr>
+        <p:spPr>
+          <a:xfrm>
+            <a:off x="0" y="0"/>
+            <a:ext cx="12192000" cy="1917290"/>
+          </a:xfrm>
+          <a:prstGeom prst="rect">
+            <a:avLst/>
+          </a:prstGeom>
+          <a:solidFill>
+            <a:srgbClr val="5881C0"/>
+          </a:solidFill>
+          <a:ln>
+            <a:solidFill>
+              <a:srgbClr val="5881C0"/>
+            </a:solidFill>
+          </a:ln>
+        </p:spPr>
+        <p:style>
+          <a:lnRef idx="2">
+            <a:schemeClr val="accent1">
+              <a:shade val="50000"/>
+            </a:schemeClr>
+          </a:lnRef>
+          <a:fillRef idx="1">
+            <a:schemeClr val="accent1"/>
+          </a:fillRef>
+          <a:effectRef idx="0">
+            <a:schemeClr val="accent1"/>
+          </a:effectRef>
+          <a:fontRef idx="minor">
+            <a:schemeClr val="lt1"/>
+          </a:fontRef>
+        </p:style>
+        <p:txBody>
+          <a:bodyPr rtlCol="0" anchor="ctr"/>
+          <a:lstStyle/>
+          <a:p>
+            <a:pPr algn="ctr"/>
+            <a:endParaRPr lang="pt-BR" b="1" dirty="0">
+              <a:effectLst>
+                <a:outerShdw blurRad="38100" dist="38100" dir="2700000" algn="tl">
+                  <a:srgbClr val="000000">
+                    <a:alpha val="43137"/>
+                  </a:srgbClr>
+                </a:outerShdw>
+              </a:effectLst>
+            </a:endParaRPr>
+          </a:p>
+        </p:txBody>
+      </p:sp>
       <p:pic>
         <p:nvPicPr>
           <p:cNvPr id="3074" name="Picture 2" descr="Waste Water Treatment Leakage Broke Svg Png Icon Free Download (#569149) -  OnlineWebFonts.COM">
@@ -7900,8 +9420,8 @@
         </p:blipFill>
         <p:spPr bwMode="auto">
           <a:xfrm>
-            <a:off x="6683974" y="1454277"/>
-            <a:ext cx="4703028" cy="5044190"/>
+            <a:off x="7000210" y="2064770"/>
+            <a:ext cx="4436310" cy="4758124"/>
           </a:xfrm>
           <a:prstGeom prst="rect">
             <a:avLst/>
@@ -7918,51 +9438,6 @@
           </a:extLst>
         </p:spPr>
       </p:pic>
-      <p:pic>
-        <p:nvPicPr>
-          <p:cNvPr id="3076" name="Picture 134">
-            <a:extLst>
-              <a:ext uri="{FF2B5EF4-FFF2-40B4-BE49-F238E27FC236}">
-                <a16:creationId xmlns:a16="http://schemas.microsoft.com/office/drawing/2014/main" id="{54DDEBDD-D8BD-41A6-8A0D-B00E3768B0F9}"/>
-              </a:ext>
-              <a:ext uri="{C183D7F6-B498-43B3-948B-1728B52AA6E4}">
-                <adec:decorative xmlns:adec="http://schemas.microsoft.com/office/drawing/2017/decorative" val="1"/>
-              </a:ext>
-            </a:extLst>
-          </p:cNvPr>
-          <p:cNvPicPr>
-            <a:picLocks noGrp="1" noRot="1" noChangeAspect="1" noMove="1" noResize="1" noEditPoints="1" noAdjustHandles="1" noChangeArrowheads="1" noChangeShapeType="1" noCrop="1"/>
-          </p:cNvPicPr>
-          <p:nvPr>
-            <p:extLst>
-              <p:ext uri="{386F3935-93C4-4BCD-93E2-E3B085C9AB24}">
-                <p16:designElem xmlns:p16="http://schemas.microsoft.com/office/powerpoint/2015/main" val="1"/>
-              </p:ext>
-            </p:extLst>
-          </p:nvPr>
-        </p:nvPicPr>
-        <p:blipFill>
-          <a:blip r:embed="rId3">
-            <a:extLst>
-              <a:ext uri="{28A0092B-C50C-407E-A947-70E740481C1C}">
-                <a14:useLocalDpi xmlns:a14="http://schemas.microsoft.com/office/drawing/2010/main" val="0"/>
-              </a:ext>
-            </a:extLst>
-          </a:blip>
-          <a:stretch>
-            <a:fillRect/>
-          </a:stretch>
-        </p:blipFill>
-        <p:spPr>
-          <a:xfrm flipH="1" flipV="1">
-            <a:off x="0" y="0"/>
-            <a:ext cx="12192000" cy="6858000"/>
-          </a:xfrm>
-          <a:prstGeom prst="rect">
-            <a:avLst/>
-          </a:prstGeom>
-        </p:spPr>
-      </p:pic>
       <p:sp>
         <p:nvSpPr>
           <p:cNvPr id="2" name="Título 1">
@@ -7981,8 +9456,8 @@
         </p:nvSpPr>
         <p:spPr>
           <a:xfrm>
-            <a:off x="571638" y="554596"/>
-            <a:ext cx="5878976" cy="1311664"/>
+            <a:off x="838200" y="19192"/>
+            <a:ext cx="10515600" cy="1325563"/>
           </a:xfrm>
         </p:spPr>
         <p:txBody>
@@ -7993,10 +9468,17 @@
           <a:p>
             <a:pPr algn="ctr"/>
             <a:r>
-              <a:rPr lang="pt-BR" dirty="0">
+              <a:rPr lang="pt-BR" b="1" dirty="0">
                 <a:solidFill>
                   <a:srgbClr val="000000"/>
                 </a:solidFill>
+                <a:effectLst>
+                  <a:outerShdw blurRad="38100" dist="38100" dir="2700000" algn="tl">
+                    <a:srgbClr val="000000">
+                      <a:alpha val="43137"/>
+                    </a:srgbClr>
+                  </a:outerShdw>
+                </a:effectLst>
                 <a:latin typeface="Arial" panose="020B0604020202020204" pitchFamily="34" charset="0"/>
                 <a:cs typeface="Arial" panose="020B0604020202020204" pitchFamily="34" charset="0"/>
               </a:rPr>
@@ -8021,12 +9503,7 @@
             <p:ph idx="1"/>
           </p:nvPr>
         </p:nvSpPr>
-        <p:spPr>
-          <a:xfrm>
-            <a:off x="804998" y="2119087"/>
-            <a:ext cx="5645616" cy="4379380"/>
-          </a:xfrm>
-        </p:spPr>
+        <p:spPr/>
         <p:txBody>
           <a:bodyPr anchor="ctr">
             <a:normAutofit/>
@@ -8091,7 +9568,7 @@
           <p:nvPr/>
         </p:nvPicPr>
         <p:blipFill>
-          <a:blip r:embed="rId4">
+          <a:blip r:embed="rId3">
             <a:extLst>
               <a:ext uri="{28A0092B-C50C-407E-A947-70E740481C1C}">
                 <a14:useLocalDpi xmlns:a14="http://schemas.microsoft.com/office/drawing/2010/main" val="0"/>
@@ -8105,7 +9582,7 @@
         </p:blipFill>
         <p:spPr bwMode="auto">
           <a:xfrm rot="18635752">
-            <a:off x="8902044" y="5087401"/>
+            <a:off x="9047830" y="5370372"/>
             <a:ext cx="632643" cy="632643"/>
           </a:xfrm>
           <a:prstGeom prst="rect">
@@ -8138,7 +9615,7 @@
           <p:nvPr/>
         </p:nvPicPr>
         <p:blipFill rotWithShape="1">
-          <a:blip r:embed="rId5">
+          <a:blip r:embed="rId4">
             <a:duotone>
               <a:schemeClr val="accent2">
                 <a:shade val="45000"/>
@@ -8150,7 +9627,7 @@
             <a:extLst>
               <a:ext uri="{BEBA8EAE-BF5A-486C-A8C5-ECC9F3942E4B}">
                 <a14:imgProps xmlns:a14="http://schemas.microsoft.com/office/drawing/2010/main">
-                  <a14:imgLayer r:embed="rId6">
+                  <a14:imgLayer r:embed="rId5">
                     <a14:imgEffect>
                       <a14:colorTemperature colorTemp="6360"/>
                     </a14:imgEffect>
@@ -8170,7 +9647,7 @@
         </p:blipFill>
         <p:spPr bwMode="auto">
           <a:xfrm rot="13158707">
-            <a:off x="8479838" y="5585981"/>
+            <a:off x="8577463" y="5844203"/>
             <a:ext cx="975042" cy="416421"/>
           </a:xfrm>
           <a:prstGeom prst="rect">
@@ -8184,10 +9661,10 @@
       </p:pic>
       <p:pic>
         <p:nvPicPr>
-          <p:cNvPr id="8" name="Imagem 7">
-            <a:extLst>
-              <a:ext uri="{FF2B5EF4-FFF2-40B4-BE49-F238E27FC236}">
-                <a16:creationId xmlns:a16="http://schemas.microsoft.com/office/drawing/2014/main" id="{D2A77FA0-C3E9-4E63-BED4-0B3B92519E0D}"/>
+          <p:cNvPr id="10" name="Imagem 9">
+            <a:extLst>
+              <a:ext uri="{FF2B5EF4-FFF2-40B4-BE49-F238E27FC236}">
+                <a16:creationId xmlns:a16="http://schemas.microsoft.com/office/drawing/2014/main" id="{0154B68F-D65A-4E9C-82D7-B189C2234BED}"/>
               </a:ext>
             </a:extLst>
           </p:cNvPr>
@@ -8197,21 +9674,72 @@
           <p:nvPr/>
         </p:nvPicPr>
         <p:blipFill>
-          <a:blip r:embed="rId7"/>
+          <a:blip r:embed="rId6"/>
           <a:stretch>
             <a:fillRect/>
           </a:stretch>
         </p:blipFill>
         <p:spPr>
           <a:xfrm>
-            <a:off x="53894" y="35169"/>
+            <a:off x="71851" y="309267"/>
             <a:ext cx="1035488" cy="1035488"/>
           </a:xfrm>
           <a:prstGeom prst="rect">
             <a:avLst/>
           </a:prstGeom>
+          <a:solidFill>
+            <a:srgbClr val="5881C0"/>
+          </a:solidFill>
+          <a:ln>
+            <a:solidFill>
+              <a:srgbClr val="5881C0"/>
+            </a:solidFill>
+          </a:ln>
         </p:spPr>
       </p:pic>
+      <p:sp>
+        <p:nvSpPr>
+          <p:cNvPr id="11" name="Retângulo 10">
+            <a:extLst>
+              <a:ext uri="{FF2B5EF4-FFF2-40B4-BE49-F238E27FC236}">
+                <a16:creationId xmlns:a16="http://schemas.microsoft.com/office/drawing/2014/main" id="{3F2E94D9-A75C-4B3D-BA34-52599BE59BDF}"/>
+              </a:ext>
+            </a:extLst>
+          </p:cNvPr>
+          <p:cNvSpPr/>
+          <p:nvPr/>
+        </p:nvSpPr>
+        <p:spPr>
+          <a:xfrm>
+            <a:off x="85350" y="-43679"/>
+            <a:ext cx="1074781" cy="369332"/>
+          </a:xfrm>
+          <a:prstGeom prst="rect">
+            <a:avLst/>
+          </a:prstGeom>
+        </p:spPr>
+        <p:txBody>
+          <a:bodyPr wrap="none">
+            <a:spAutoFit/>
+          </a:bodyPr>
+          <a:lstStyle/>
+          <a:p>
+            <a:r>
+              <a:rPr lang="en-US" b="1" dirty="0">
+                <a:effectLst>
+                  <a:outerShdw blurRad="38100" dist="38100" dir="2700000" algn="tl">
+                    <a:srgbClr val="000000">
+                      <a:alpha val="43137"/>
+                    </a:srgbClr>
+                  </a:outerShdw>
+                </a:effectLst>
+              </a:rPr>
+              <a:t>SUSTABIL</a:t>
+            </a:r>
+            <a:endParaRPr lang="pt-BR" dirty="0"/>
+          </a:p>
+        </p:txBody>
+      </p:sp>
     </p:spTree>
     <p:extLst>
       <p:ext uri="{BB962C8B-B14F-4D97-AF65-F5344CB8AC3E}">
@@ -8222,6 +9750,18 @@
   <p:clrMapOvr>
     <a:masterClrMapping/>
   </p:clrMapOvr>
+  <mc:AlternateContent xmlns:mc="http://schemas.openxmlformats.org/markup-compatibility/2006">
+    <mc:Choice xmlns:p14="http://schemas.microsoft.com/office/powerpoint/2010/main" Requires="p14">
+      <p:transition spd="slow" p14:dur="1250">
+        <p:wipe/>
+      </p:transition>
+    </mc:Choice>
+    <mc:Fallback>
+      <p:transition spd="slow">
+        <p:wipe/>
+      </p:transition>
+    </mc:Fallback>
+  </mc:AlternateContent>
 </p:sld>
 </file>
 
@@ -8244,470 +9784,10 @@
       </p:grpSpPr>
       <p:sp>
         <p:nvSpPr>
-          <p:cNvPr id="2" name="Título 1">
-            <a:extLst>
-              <a:ext uri="{FF2B5EF4-FFF2-40B4-BE49-F238E27FC236}">
-                <a16:creationId xmlns:a16="http://schemas.microsoft.com/office/drawing/2014/main" id="{81717266-6AEC-4E54-ABDD-4B3A2718C4F3}"/>
-              </a:ext>
-            </a:extLst>
-          </p:cNvPr>
-          <p:cNvSpPr>
-            <a:spLocks noGrp="1"/>
-          </p:cNvSpPr>
-          <p:nvPr>
-            <p:ph type="title"/>
-          </p:nvPr>
-        </p:nvSpPr>
-        <p:spPr>
-          <a:xfrm>
-            <a:off x="838199" y="708890"/>
-            <a:ext cx="10515600" cy="1325563"/>
-          </a:xfrm>
-        </p:spPr>
-        <p:txBody>
-          <a:bodyPr>
-            <a:normAutofit/>
-          </a:bodyPr>
-          <a:lstStyle/>
-          <a:p>
-            <a:pPr algn="ctr"/>
-            <a:r>
-              <a:rPr lang="pt-BR" sz="3700" dirty="0">
-                <a:latin typeface="Arial" panose="020B0604020202020204" pitchFamily="34" charset="0"/>
-                <a:cs typeface="Arial" panose="020B0604020202020204" pitchFamily="34" charset="0"/>
-              </a:rPr>
-              <a:t>Onde os dados são armazenados?</a:t>
-            </a:r>
-          </a:p>
-        </p:txBody>
-      </p:sp>
-      <p:pic>
-        <p:nvPicPr>
-          <p:cNvPr id="4" name="Picture 2" descr="Waste Water Treatment Leakage Broke Svg Png Icon Free Download (#569149) -  OnlineWebFonts.COM">
-            <a:extLst>
-              <a:ext uri="{FF2B5EF4-FFF2-40B4-BE49-F238E27FC236}">
-                <a16:creationId xmlns:a16="http://schemas.microsoft.com/office/drawing/2014/main" id="{A9027475-A512-4FFC-B95F-6730DF59B3DE}"/>
-              </a:ext>
-            </a:extLst>
-          </p:cNvPr>
-          <p:cNvPicPr>
-            <a:picLocks noChangeAspect="1" noChangeArrowheads="1"/>
-          </p:cNvPicPr>
-          <p:nvPr/>
-        </p:nvPicPr>
-        <p:blipFill rotWithShape="1">
-          <a:blip r:embed="rId2">
-            <a:alphaModFix/>
-            <a:extLst>
-              <a:ext uri="{28A0092B-C50C-407E-A947-70E740481C1C}">
-                <a14:useLocalDpi xmlns:a14="http://schemas.microsoft.com/office/drawing/2010/main" val="0"/>
-              </a:ext>
-            </a:extLst>
-          </a:blip>
-          <a:srcRect r="548"/>
-          <a:stretch/>
-        </p:blipFill>
-        <p:spPr bwMode="auto">
-          <a:xfrm>
-            <a:off x="314372" y="4851908"/>
-            <a:ext cx="1870411" cy="2006092"/>
-          </a:xfrm>
-          <a:prstGeom prst="rect">
-            <a:avLst/>
-          </a:prstGeom>
-          <a:noFill/>
-          <a:extLst>
-            <a:ext uri="{909E8E84-426E-40DD-AFC4-6F175D3DCCD1}">
-              <a14:hiddenFill xmlns:a14="http://schemas.microsoft.com/office/drawing/2010/main">
-                <a:solidFill>
-                  <a:srgbClr val="FFFFFF"/>
-                </a:solidFill>
-              </a14:hiddenFill>
-            </a:ext>
-          </a:extLst>
-        </p:spPr>
-      </p:pic>
-      <p:pic>
-        <p:nvPicPr>
-          <p:cNvPr id="5" name="Picture 6" descr="temperature and humidity sensor">
-            <a:extLst>
-              <a:ext uri="{FF2B5EF4-FFF2-40B4-BE49-F238E27FC236}">
-                <a16:creationId xmlns:a16="http://schemas.microsoft.com/office/drawing/2014/main" id="{B285B2BE-0AF8-4A57-823E-D0EFFB44C254}"/>
-              </a:ext>
-            </a:extLst>
-          </p:cNvPr>
-          <p:cNvPicPr>
-            <a:picLocks noChangeAspect="1" noChangeArrowheads="1"/>
-          </p:cNvPicPr>
-          <p:nvPr/>
-        </p:nvPicPr>
-        <p:blipFill>
-          <a:blip r:embed="rId3">
-            <a:extLst>
-              <a:ext uri="{28A0092B-C50C-407E-A947-70E740481C1C}">
-                <a14:useLocalDpi xmlns:a14="http://schemas.microsoft.com/office/drawing/2010/main" val="0"/>
-              </a:ext>
-            </a:extLst>
-          </a:blip>
-          <a:srcRect/>
-          <a:stretch>
-            <a:fillRect/>
-          </a:stretch>
-        </p:blipFill>
-        <p:spPr bwMode="auto">
-          <a:xfrm rot="18635752">
-            <a:off x="1092002" y="6225041"/>
-            <a:ext cx="315149" cy="315149"/>
-          </a:xfrm>
-          <a:prstGeom prst="rect">
-            <a:avLst/>
-          </a:prstGeom>
-          <a:noFill/>
-          <a:extLst>
-            <a:ext uri="{909E8E84-426E-40DD-AFC4-6F175D3DCCD1}">
-              <a14:hiddenFill xmlns:a14="http://schemas.microsoft.com/office/drawing/2010/main">
-                <a:solidFill>
-                  <a:srgbClr val="FFFFFF"/>
-                </a:solidFill>
-              </a14:hiddenFill>
-            </a:ext>
-          </a:extLst>
-        </p:spPr>
-      </p:pic>
-      <p:pic>
-        <p:nvPicPr>
-          <p:cNvPr id="6" name="Picture 8" descr="Alert Alt Svg Png Icon Free Download (#565392) - OnlineWebFonts.COM">
-            <a:extLst>
-              <a:ext uri="{FF2B5EF4-FFF2-40B4-BE49-F238E27FC236}">
-                <a16:creationId xmlns:a16="http://schemas.microsoft.com/office/drawing/2014/main" id="{2E7665F3-0BAE-4C54-AF17-EF1B6CAB0B8F}"/>
-              </a:ext>
-            </a:extLst>
-          </p:cNvPr>
-          <p:cNvPicPr>
-            <a:picLocks noChangeAspect="1" noChangeArrowheads="1"/>
-          </p:cNvPicPr>
-          <p:nvPr/>
-        </p:nvPicPr>
-        <p:blipFill rotWithShape="1">
-          <a:blip r:embed="rId4">
-            <a:duotone>
-              <a:schemeClr val="accent2">
-                <a:shade val="45000"/>
-                <a:satMod val="135000"/>
-              </a:schemeClr>
-              <a:prstClr val="white"/>
-            </a:duotone>
-            <a:alphaModFix/>
-            <a:extLst>
-              <a:ext uri="{BEBA8EAE-BF5A-486C-A8C5-ECC9F3942E4B}">
-                <a14:imgProps xmlns:a14="http://schemas.microsoft.com/office/drawing/2010/main">
-                  <a14:imgLayer r:embed="rId5">
-                    <a14:imgEffect>
-                      <a14:colorTemperature colorTemp="6360"/>
-                    </a14:imgEffect>
-                    <a14:imgEffect>
-                      <a14:saturation sat="191000"/>
-                    </a14:imgEffect>
-                  </a14:imgLayer>
-                </a14:imgProps>
-              </a:ext>
-              <a:ext uri="{28A0092B-C50C-407E-A947-70E740481C1C}">
-                <a14:useLocalDpi xmlns:a14="http://schemas.microsoft.com/office/drawing/2010/main" val="0"/>
-              </a:ext>
-            </a:extLst>
-          </a:blip>
-          <a:srcRect b="72111"/>
-          <a:stretch/>
-        </p:blipFill>
-        <p:spPr bwMode="auto">
-          <a:xfrm rot="13158707">
-            <a:off x="841771" y="6471416"/>
-            <a:ext cx="491158" cy="209764"/>
-          </a:xfrm>
-          <a:prstGeom prst="rect">
-            <a:avLst/>
-          </a:prstGeom>
-          <a:noFill/>
-          <a:ln>
-            <a:noFill/>
-          </a:ln>
-        </p:spPr>
-      </p:pic>
-      <p:pic>
-        <p:nvPicPr>
-          <p:cNvPr id="1026" name="Picture 2" descr="poste elétrico - ícones de eletrônicos grátis">
-            <a:extLst>
-              <a:ext uri="{FF2B5EF4-FFF2-40B4-BE49-F238E27FC236}">
-                <a16:creationId xmlns:a16="http://schemas.microsoft.com/office/drawing/2014/main" id="{49B43E45-D4D5-48F4-8B57-4A932C3C7CD5}"/>
-              </a:ext>
-            </a:extLst>
-          </p:cNvPr>
-          <p:cNvPicPr>
-            <a:picLocks noChangeAspect="1" noChangeArrowheads="1"/>
-          </p:cNvPicPr>
-          <p:nvPr/>
-        </p:nvPicPr>
-        <p:blipFill>
-          <a:blip r:embed="rId6">
-            <a:extLst>
-              <a:ext uri="{28A0092B-C50C-407E-A947-70E740481C1C}">
-                <a14:useLocalDpi xmlns:a14="http://schemas.microsoft.com/office/drawing/2010/main" val="0"/>
-              </a:ext>
-            </a:extLst>
-          </a:blip>
-          <a:srcRect/>
-          <a:stretch>
-            <a:fillRect/>
-          </a:stretch>
-        </p:blipFill>
-        <p:spPr bwMode="auto">
-          <a:xfrm>
-            <a:off x="2708610" y="3143029"/>
-            <a:ext cx="1708879" cy="1708879"/>
-          </a:xfrm>
-          <a:prstGeom prst="rect">
-            <a:avLst/>
-          </a:prstGeom>
-          <a:noFill/>
-          <a:extLst>
-            <a:ext uri="{909E8E84-426E-40DD-AFC4-6F175D3DCCD1}">
-              <a14:hiddenFill xmlns:a14="http://schemas.microsoft.com/office/drawing/2010/main">
-                <a:solidFill>
-                  <a:srgbClr val="FFFFFF"/>
-                </a:solidFill>
-              </a14:hiddenFill>
-            </a:ext>
-          </a:extLst>
-        </p:spPr>
-      </p:pic>
-      <p:pic>
-        <p:nvPicPr>
-          <p:cNvPr id="1030" name="Picture 6" descr="Roteador Wi-Fi Ícone - Download Grátis, PNG e Vetores">
-            <a:extLst>
-              <a:ext uri="{FF2B5EF4-FFF2-40B4-BE49-F238E27FC236}">
-                <a16:creationId xmlns:a16="http://schemas.microsoft.com/office/drawing/2014/main" id="{7A8BDA75-8082-4131-8F58-CCE859769CBD}"/>
-              </a:ext>
-            </a:extLst>
-          </p:cNvPr>
-          <p:cNvPicPr>
-            <a:picLocks noChangeAspect="1" noChangeArrowheads="1"/>
-          </p:cNvPicPr>
-          <p:nvPr/>
-        </p:nvPicPr>
-        <p:blipFill rotWithShape="1">
-          <a:blip r:embed="rId7">
-            <a:extLst>
-              <a:ext uri="{28A0092B-C50C-407E-A947-70E740481C1C}">
-                <a14:useLocalDpi xmlns:a14="http://schemas.microsoft.com/office/drawing/2010/main" val="0"/>
-              </a:ext>
-            </a:extLst>
-          </a:blip>
-          <a:srcRect r="5484" b="5242"/>
-          <a:stretch/>
-        </p:blipFill>
-        <p:spPr bwMode="auto">
-          <a:xfrm>
-            <a:off x="2708612" y="2809952"/>
-            <a:ext cx="742512" cy="744410"/>
-          </a:xfrm>
-          <a:prstGeom prst="rect">
-            <a:avLst/>
-          </a:prstGeom>
-          <a:noFill/>
-          <a:extLst>
-            <a:ext uri="{909E8E84-426E-40DD-AFC4-6F175D3DCCD1}">
-              <a14:hiddenFill xmlns:a14="http://schemas.microsoft.com/office/drawing/2010/main">
-                <a:solidFill>
-                  <a:srgbClr val="FFFFFF"/>
-                </a:solidFill>
-              </a14:hiddenFill>
-            </a:ext>
-          </a:extLst>
-        </p:spPr>
-      </p:pic>
-      <p:pic>
-        <p:nvPicPr>
-          <p:cNvPr id="1032" name="Picture 8" descr="ícone Servidor Livre de WHCompare Isometric Web Hosting &amp; Servers">
-            <a:extLst>
-              <a:ext uri="{FF2B5EF4-FFF2-40B4-BE49-F238E27FC236}">
-                <a16:creationId xmlns:a16="http://schemas.microsoft.com/office/drawing/2014/main" id="{CBDCF82D-42C4-4EB5-BDEF-78695D8EACC1}"/>
-              </a:ext>
-            </a:extLst>
-          </p:cNvPr>
-          <p:cNvPicPr>
-            <a:picLocks noChangeAspect="1" noChangeArrowheads="1"/>
-          </p:cNvPicPr>
-          <p:nvPr/>
-        </p:nvPicPr>
-        <p:blipFill>
-          <a:blip r:embed="rId8">
-            <a:extLst>
-              <a:ext uri="{28A0092B-C50C-407E-A947-70E740481C1C}">
-                <a14:useLocalDpi xmlns:a14="http://schemas.microsoft.com/office/drawing/2010/main" val="0"/>
-              </a:ext>
-            </a:extLst>
-          </a:blip>
-          <a:srcRect/>
-          <a:stretch>
-            <a:fillRect/>
-          </a:stretch>
-        </p:blipFill>
-        <p:spPr bwMode="auto">
-          <a:xfrm>
-            <a:off x="4941316" y="4759790"/>
-            <a:ext cx="2190327" cy="2190327"/>
-          </a:xfrm>
-          <a:prstGeom prst="rect">
-            <a:avLst/>
-          </a:prstGeom>
-          <a:noFill/>
-          <a:extLst>
-            <a:ext uri="{909E8E84-426E-40DD-AFC4-6F175D3DCCD1}">
-              <a14:hiddenFill xmlns:a14="http://schemas.microsoft.com/office/drawing/2010/main">
-                <a:solidFill>
-                  <a:srgbClr val="FFFFFF"/>
-                </a:solidFill>
-              </a14:hiddenFill>
-            </a:ext>
-          </a:extLst>
-        </p:spPr>
-      </p:pic>
-      <p:pic>
-        <p:nvPicPr>
-          <p:cNvPr id="1034" name="Picture 10" descr="Person using computer icon vector illustration design.">
-            <a:extLst>
-              <a:ext uri="{FF2B5EF4-FFF2-40B4-BE49-F238E27FC236}">
-                <a16:creationId xmlns:a16="http://schemas.microsoft.com/office/drawing/2014/main" id="{54807AD0-A037-46D2-9142-5A86027BD3DE}"/>
-              </a:ext>
-            </a:extLst>
-          </p:cNvPr>
-          <p:cNvPicPr>
-            <a:picLocks noChangeAspect="1" noChangeArrowheads="1"/>
-          </p:cNvPicPr>
-          <p:nvPr/>
-        </p:nvPicPr>
-        <p:blipFill rotWithShape="1">
-          <a:blip r:embed="rId9">
-            <a:extLst>
-              <a:ext uri="{28A0092B-C50C-407E-A947-70E740481C1C}">
-                <a14:useLocalDpi xmlns:a14="http://schemas.microsoft.com/office/drawing/2010/main" val="0"/>
-              </a:ext>
-            </a:extLst>
-          </a:blip>
-          <a:srcRect b="20960"/>
-          <a:stretch/>
-        </p:blipFill>
-        <p:spPr bwMode="auto">
-          <a:xfrm>
-            <a:off x="7774512" y="2947883"/>
-            <a:ext cx="1940641" cy="1661705"/>
-          </a:xfrm>
-          <a:prstGeom prst="rect">
-            <a:avLst/>
-          </a:prstGeom>
-          <a:noFill/>
-          <a:extLst>
-            <a:ext uri="{909E8E84-426E-40DD-AFC4-6F175D3DCCD1}">
-              <a14:hiddenFill xmlns:a14="http://schemas.microsoft.com/office/drawing/2010/main">
-                <a:solidFill>
-                  <a:srgbClr val="FFFFFF"/>
-                </a:solidFill>
-              </a14:hiddenFill>
-            </a:ext>
-          </a:extLst>
-        </p:spPr>
-      </p:pic>
-      <p:pic>
-        <p:nvPicPr>
-          <p:cNvPr id="1036" name="Picture 12" descr="computer, desktop, laptop, mac, monitor, pc, screen icon | Conjunto de  ícones, Conjunto de">
-            <a:extLst>
-              <a:ext uri="{FF2B5EF4-FFF2-40B4-BE49-F238E27FC236}">
-                <a16:creationId xmlns:a16="http://schemas.microsoft.com/office/drawing/2014/main" id="{207611DD-ED0F-4EF6-86BE-D157312D68E1}"/>
-              </a:ext>
-            </a:extLst>
-          </p:cNvPr>
-          <p:cNvPicPr>
-            <a:picLocks noChangeAspect="1" noChangeArrowheads="1"/>
-          </p:cNvPicPr>
-          <p:nvPr/>
-        </p:nvPicPr>
-        <p:blipFill>
-          <a:blip r:embed="rId10">
-            <a:extLst>
-              <a:ext uri="{28A0092B-C50C-407E-A947-70E740481C1C}">
-                <a14:useLocalDpi xmlns:a14="http://schemas.microsoft.com/office/drawing/2010/main" val="0"/>
-              </a:ext>
-            </a:extLst>
-          </a:blip>
-          <a:srcRect/>
-          <a:stretch>
-            <a:fillRect/>
-          </a:stretch>
-        </p:blipFill>
-        <p:spPr bwMode="auto">
-          <a:xfrm>
-            <a:off x="9560874" y="2906200"/>
-            <a:ext cx="2190327" cy="1981045"/>
-          </a:xfrm>
-          <a:prstGeom prst="rect">
-            <a:avLst/>
-          </a:prstGeom>
-          <a:noFill/>
-          <a:extLst>
-            <a:ext uri="{909E8E84-426E-40DD-AFC4-6F175D3DCCD1}">
-              <a14:hiddenFill xmlns:a14="http://schemas.microsoft.com/office/drawing/2010/main">
-                <a:solidFill>
-                  <a:srgbClr val="FFFFFF"/>
-                </a:solidFill>
-              </a14:hiddenFill>
-            </a:ext>
-          </a:extLst>
-        </p:spPr>
-      </p:pic>
-      <p:sp>
-        <p:nvSpPr>
-          <p:cNvPr id="7" name="CaixaDeTexto 6">
-            <a:extLst>
-              <a:ext uri="{FF2B5EF4-FFF2-40B4-BE49-F238E27FC236}">
-                <a16:creationId xmlns:a16="http://schemas.microsoft.com/office/drawing/2014/main" id="{C3D9AF88-2C98-4553-B0A1-E0B2F86C0658}"/>
-              </a:ext>
-            </a:extLst>
-          </p:cNvPr>
-          <p:cNvSpPr txBox="1"/>
-          <p:nvPr/>
-        </p:nvSpPr>
-        <p:spPr>
-          <a:xfrm>
-            <a:off x="9674157" y="3169442"/>
-            <a:ext cx="2077044" cy="830997"/>
-          </a:xfrm>
-          <a:prstGeom prst="rect">
-            <a:avLst/>
-          </a:prstGeom>
-          <a:noFill/>
-        </p:spPr>
-        <p:txBody>
-          <a:bodyPr wrap="square" rtlCol="0">
-            <a:spAutoFit/>
-          </a:bodyPr>
-          <a:lstStyle/>
-          <a:p>
-            <a:r>
-              <a:rPr lang="pt-BR" sz="1600" b="1" dirty="0">
-                <a:latin typeface="Arial" panose="020B0604020202020204" pitchFamily="34" charset="0"/>
-                <a:cs typeface="Arial" panose="020B0604020202020204" pitchFamily="34" charset="0"/>
-              </a:rPr>
-              <a:t>Sensor 3 detectou um possível vazamento</a:t>
-            </a:r>
-          </a:p>
-        </p:txBody>
-      </p:sp>
-      <p:sp>
-        <p:nvSpPr>
-          <p:cNvPr id="12" name="Seta: Dobrada 11">
-            <a:extLst>
-              <a:ext uri="{FF2B5EF4-FFF2-40B4-BE49-F238E27FC236}">
-                <a16:creationId xmlns:a16="http://schemas.microsoft.com/office/drawing/2014/main" id="{4366ED66-17D2-466D-B291-EE6FBF8C3D21}"/>
+          <p:cNvPr id="17" name="Retângulo 16">
+            <a:extLst>
+              <a:ext uri="{FF2B5EF4-FFF2-40B4-BE49-F238E27FC236}">
+                <a16:creationId xmlns:a16="http://schemas.microsoft.com/office/drawing/2014/main" id="{E468DFAD-6797-401A-B4A1-56E9AFBAA67C}"/>
               </a:ext>
             </a:extLst>
           </p:cNvPr>
@@ -8716,18 +9796,18 @@
         </p:nvSpPr>
         <p:spPr>
           <a:xfrm>
-            <a:off x="1012728" y="3308498"/>
-            <a:ext cx="1459034" cy="1377939"/>
-          </a:xfrm>
-          <a:prstGeom prst="bentArrow">
+            <a:off x="0" y="0"/>
+            <a:ext cx="12192000" cy="1917290"/>
+          </a:xfrm>
+          <a:prstGeom prst="rect">
             <a:avLst/>
           </a:prstGeom>
           <a:solidFill>
-            <a:schemeClr val="tx1"/>
+            <a:srgbClr val="5881C0"/>
           </a:solidFill>
-          <a:ln w="28575">
+          <a:ln>
             <a:solidFill>
-              <a:schemeClr val="accent1"/>
+              <a:srgbClr val="5881C0"/>
             </a:solidFill>
           </a:ln>
         </p:spPr>
@@ -8752,20 +9832,491 @@
           <a:lstStyle/>
           <a:p>
             <a:pPr algn="ctr"/>
-            <a:endParaRPr lang="pt-BR">
-              <a:solidFill>
-                <a:schemeClr val="tx1"/>
-              </a:solidFill>
+            <a:endParaRPr lang="pt-BR" b="1" dirty="0">
+              <a:effectLst>
+                <a:outerShdw blurRad="38100" dist="38100" dir="2700000" algn="tl">
+                  <a:srgbClr val="000000">
+                    <a:alpha val="43137"/>
+                  </a:srgbClr>
+                </a:outerShdw>
+              </a:effectLst>
             </a:endParaRPr>
           </a:p>
         </p:txBody>
       </p:sp>
       <p:sp>
         <p:nvSpPr>
-          <p:cNvPr id="27" name="Seta: Dobrada 26">
-            <a:extLst>
-              <a:ext uri="{FF2B5EF4-FFF2-40B4-BE49-F238E27FC236}">
-                <a16:creationId xmlns:a16="http://schemas.microsoft.com/office/drawing/2014/main" id="{E1B164E1-E2B1-4315-87E5-DFE21A4AE3F1}"/>
+          <p:cNvPr id="2" name="Título 1">
+            <a:extLst>
+              <a:ext uri="{FF2B5EF4-FFF2-40B4-BE49-F238E27FC236}">
+                <a16:creationId xmlns:a16="http://schemas.microsoft.com/office/drawing/2014/main" id="{81717266-6AEC-4E54-ABDD-4B3A2718C4F3}"/>
+              </a:ext>
+            </a:extLst>
+          </p:cNvPr>
+          <p:cNvSpPr>
+            <a:spLocks noGrp="1"/>
+          </p:cNvSpPr>
+          <p:nvPr>
+            <p:ph type="title"/>
+          </p:nvPr>
+        </p:nvSpPr>
+        <p:spPr>
+          <a:xfrm>
+            <a:off x="830896" y="45007"/>
+            <a:ext cx="10515600" cy="1325563"/>
+          </a:xfrm>
+        </p:spPr>
+        <p:txBody>
+          <a:bodyPr>
+            <a:normAutofit/>
+          </a:bodyPr>
+          <a:lstStyle/>
+          <a:p>
+            <a:pPr algn="ctr"/>
+            <a:r>
+              <a:rPr lang="pt-BR" b="1" dirty="0">
+                <a:effectLst>
+                  <a:outerShdw blurRad="38100" dist="38100" dir="2700000" algn="tl">
+                    <a:srgbClr val="000000">
+                      <a:alpha val="43137"/>
+                    </a:srgbClr>
+                  </a:outerShdw>
+                </a:effectLst>
+                <a:latin typeface="Arial" panose="020B0604020202020204" pitchFamily="34" charset="0"/>
+                <a:cs typeface="Arial" panose="020B0604020202020204" pitchFamily="34" charset="0"/>
+              </a:rPr>
+              <a:t>Onde os dados são armazenados?</a:t>
+            </a:r>
+          </a:p>
+        </p:txBody>
+      </p:sp>
+      <p:pic>
+        <p:nvPicPr>
+          <p:cNvPr id="4" name="Picture 2" descr="Waste Water Treatment Leakage Broke Svg Png Icon Free Download (#569149) -  OnlineWebFonts.COM">
+            <a:extLst>
+              <a:ext uri="{FF2B5EF4-FFF2-40B4-BE49-F238E27FC236}">
+                <a16:creationId xmlns:a16="http://schemas.microsoft.com/office/drawing/2014/main" id="{A9027475-A512-4FFC-B95F-6730DF59B3DE}"/>
+              </a:ext>
+            </a:extLst>
+          </p:cNvPr>
+          <p:cNvPicPr>
+            <a:picLocks noChangeAspect="1" noChangeArrowheads="1"/>
+          </p:cNvPicPr>
+          <p:nvPr/>
+        </p:nvPicPr>
+        <p:blipFill rotWithShape="1">
+          <a:blip r:embed="rId2">
+            <a:alphaModFix/>
+            <a:extLst>
+              <a:ext uri="{28A0092B-C50C-407E-A947-70E740481C1C}">
+                <a14:useLocalDpi xmlns:a14="http://schemas.microsoft.com/office/drawing/2010/main" val="0"/>
+              </a:ext>
+            </a:extLst>
+          </a:blip>
+          <a:srcRect r="548"/>
+          <a:stretch/>
+        </p:blipFill>
+        <p:spPr bwMode="auto">
+          <a:xfrm>
+            <a:off x="314372" y="4459646"/>
+            <a:ext cx="1870411" cy="2006092"/>
+          </a:xfrm>
+          <a:prstGeom prst="rect">
+            <a:avLst/>
+          </a:prstGeom>
+          <a:noFill/>
+          <a:extLst>
+            <a:ext uri="{909E8E84-426E-40DD-AFC4-6F175D3DCCD1}">
+              <a14:hiddenFill xmlns:a14="http://schemas.microsoft.com/office/drawing/2010/main">
+                <a:solidFill>
+                  <a:srgbClr val="FFFFFF"/>
+                </a:solidFill>
+              </a14:hiddenFill>
+            </a:ext>
+          </a:extLst>
+        </p:spPr>
+      </p:pic>
+      <p:pic>
+        <p:nvPicPr>
+          <p:cNvPr id="5" name="Picture 6" descr="temperature and humidity sensor">
+            <a:extLst>
+              <a:ext uri="{FF2B5EF4-FFF2-40B4-BE49-F238E27FC236}">
+                <a16:creationId xmlns:a16="http://schemas.microsoft.com/office/drawing/2014/main" id="{B285B2BE-0AF8-4A57-823E-D0EFFB44C254}"/>
+              </a:ext>
+            </a:extLst>
+          </p:cNvPr>
+          <p:cNvPicPr>
+            <a:picLocks noChangeAspect="1" noChangeArrowheads="1"/>
+          </p:cNvPicPr>
+          <p:nvPr/>
+        </p:nvPicPr>
+        <p:blipFill>
+          <a:blip r:embed="rId3">
+            <a:extLst>
+              <a:ext uri="{28A0092B-C50C-407E-A947-70E740481C1C}">
+                <a14:useLocalDpi xmlns:a14="http://schemas.microsoft.com/office/drawing/2010/main" val="0"/>
+              </a:ext>
+            </a:extLst>
+          </a:blip>
+          <a:srcRect/>
+          <a:stretch>
+            <a:fillRect/>
+          </a:stretch>
+        </p:blipFill>
+        <p:spPr bwMode="auto">
+          <a:xfrm rot="18635752">
+            <a:off x="1092002" y="5832779"/>
+            <a:ext cx="315149" cy="315149"/>
+          </a:xfrm>
+          <a:prstGeom prst="rect">
+            <a:avLst/>
+          </a:prstGeom>
+          <a:noFill/>
+          <a:extLst>
+            <a:ext uri="{909E8E84-426E-40DD-AFC4-6F175D3DCCD1}">
+              <a14:hiddenFill xmlns:a14="http://schemas.microsoft.com/office/drawing/2010/main">
+                <a:solidFill>
+                  <a:srgbClr val="FFFFFF"/>
+                </a:solidFill>
+              </a14:hiddenFill>
+            </a:ext>
+          </a:extLst>
+        </p:spPr>
+      </p:pic>
+      <p:pic>
+        <p:nvPicPr>
+          <p:cNvPr id="6" name="Picture 8" descr="Alert Alt Svg Png Icon Free Download (#565392) - OnlineWebFonts.COM">
+            <a:extLst>
+              <a:ext uri="{FF2B5EF4-FFF2-40B4-BE49-F238E27FC236}">
+                <a16:creationId xmlns:a16="http://schemas.microsoft.com/office/drawing/2014/main" id="{2E7665F3-0BAE-4C54-AF17-EF1B6CAB0B8F}"/>
+              </a:ext>
+            </a:extLst>
+          </p:cNvPr>
+          <p:cNvPicPr>
+            <a:picLocks noChangeAspect="1" noChangeArrowheads="1"/>
+          </p:cNvPicPr>
+          <p:nvPr/>
+        </p:nvPicPr>
+        <p:blipFill rotWithShape="1">
+          <a:blip r:embed="rId4">
+            <a:duotone>
+              <a:schemeClr val="accent2">
+                <a:shade val="45000"/>
+                <a:satMod val="135000"/>
+              </a:schemeClr>
+              <a:prstClr val="white"/>
+            </a:duotone>
+            <a:alphaModFix/>
+            <a:extLst>
+              <a:ext uri="{BEBA8EAE-BF5A-486C-A8C5-ECC9F3942E4B}">
+                <a14:imgProps xmlns:a14="http://schemas.microsoft.com/office/drawing/2010/main">
+                  <a14:imgLayer r:embed="rId5">
+                    <a14:imgEffect>
+                      <a14:colorTemperature colorTemp="6360"/>
+                    </a14:imgEffect>
+                    <a14:imgEffect>
+                      <a14:saturation sat="191000"/>
+                    </a14:imgEffect>
+                  </a14:imgLayer>
+                </a14:imgProps>
+              </a:ext>
+              <a:ext uri="{28A0092B-C50C-407E-A947-70E740481C1C}">
+                <a14:useLocalDpi xmlns:a14="http://schemas.microsoft.com/office/drawing/2010/main" val="0"/>
+              </a:ext>
+            </a:extLst>
+          </a:blip>
+          <a:srcRect b="72111"/>
+          <a:stretch/>
+        </p:blipFill>
+        <p:spPr bwMode="auto">
+          <a:xfrm rot="13158707">
+            <a:off x="841771" y="6079154"/>
+            <a:ext cx="491158" cy="209764"/>
+          </a:xfrm>
+          <a:prstGeom prst="rect">
+            <a:avLst/>
+          </a:prstGeom>
+          <a:noFill/>
+          <a:ln>
+            <a:noFill/>
+          </a:ln>
+        </p:spPr>
+      </p:pic>
+      <p:pic>
+        <p:nvPicPr>
+          <p:cNvPr id="1026" name="Picture 2" descr="poste elétrico - ícones de eletrônicos grátis">
+            <a:extLst>
+              <a:ext uri="{FF2B5EF4-FFF2-40B4-BE49-F238E27FC236}">
+                <a16:creationId xmlns:a16="http://schemas.microsoft.com/office/drawing/2014/main" id="{49B43E45-D4D5-48F4-8B57-4A932C3C7CD5}"/>
+              </a:ext>
+            </a:extLst>
+          </p:cNvPr>
+          <p:cNvPicPr>
+            <a:picLocks noChangeAspect="1" noChangeArrowheads="1"/>
+          </p:cNvPicPr>
+          <p:nvPr/>
+        </p:nvPicPr>
+        <p:blipFill>
+          <a:blip r:embed="rId6">
+            <a:extLst>
+              <a:ext uri="{28A0092B-C50C-407E-A947-70E740481C1C}">
+                <a14:useLocalDpi xmlns:a14="http://schemas.microsoft.com/office/drawing/2010/main" val="0"/>
+              </a:ext>
+            </a:extLst>
+          </a:blip>
+          <a:srcRect/>
+          <a:stretch>
+            <a:fillRect/>
+          </a:stretch>
+        </p:blipFill>
+        <p:spPr bwMode="auto">
+          <a:xfrm>
+            <a:off x="2708610" y="2750767"/>
+            <a:ext cx="1708879" cy="1708879"/>
+          </a:xfrm>
+          <a:prstGeom prst="rect">
+            <a:avLst/>
+          </a:prstGeom>
+          <a:noFill/>
+          <a:extLst>
+            <a:ext uri="{909E8E84-426E-40DD-AFC4-6F175D3DCCD1}">
+              <a14:hiddenFill xmlns:a14="http://schemas.microsoft.com/office/drawing/2010/main">
+                <a:solidFill>
+                  <a:srgbClr val="FFFFFF"/>
+                </a:solidFill>
+              </a14:hiddenFill>
+            </a:ext>
+          </a:extLst>
+        </p:spPr>
+      </p:pic>
+      <p:pic>
+        <p:nvPicPr>
+          <p:cNvPr id="1030" name="Picture 6" descr="Roteador Wi-Fi Ícone - Download Grátis, PNG e Vetores">
+            <a:extLst>
+              <a:ext uri="{FF2B5EF4-FFF2-40B4-BE49-F238E27FC236}">
+                <a16:creationId xmlns:a16="http://schemas.microsoft.com/office/drawing/2014/main" id="{7A8BDA75-8082-4131-8F58-CCE859769CBD}"/>
+              </a:ext>
+            </a:extLst>
+          </p:cNvPr>
+          <p:cNvPicPr>
+            <a:picLocks noChangeAspect="1" noChangeArrowheads="1"/>
+          </p:cNvPicPr>
+          <p:nvPr/>
+        </p:nvPicPr>
+        <p:blipFill rotWithShape="1">
+          <a:blip r:embed="rId7">
+            <a:extLst>
+              <a:ext uri="{28A0092B-C50C-407E-A947-70E740481C1C}">
+                <a14:useLocalDpi xmlns:a14="http://schemas.microsoft.com/office/drawing/2010/main" val="0"/>
+              </a:ext>
+            </a:extLst>
+          </a:blip>
+          <a:srcRect r="5484" b="5242"/>
+          <a:stretch/>
+        </p:blipFill>
+        <p:spPr bwMode="auto">
+          <a:xfrm>
+            <a:off x="2708612" y="2417690"/>
+            <a:ext cx="742512" cy="744410"/>
+          </a:xfrm>
+          <a:prstGeom prst="rect">
+            <a:avLst/>
+          </a:prstGeom>
+          <a:noFill/>
+          <a:extLst>
+            <a:ext uri="{909E8E84-426E-40DD-AFC4-6F175D3DCCD1}">
+              <a14:hiddenFill xmlns:a14="http://schemas.microsoft.com/office/drawing/2010/main">
+                <a:solidFill>
+                  <a:srgbClr val="FFFFFF"/>
+                </a:solidFill>
+              </a14:hiddenFill>
+            </a:ext>
+          </a:extLst>
+        </p:spPr>
+      </p:pic>
+      <p:pic>
+        <p:nvPicPr>
+          <p:cNvPr id="1032" name="Picture 8" descr="ícone Servidor Livre de WHCompare Isometric Web Hosting &amp; Servers">
+            <a:extLst>
+              <a:ext uri="{FF2B5EF4-FFF2-40B4-BE49-F238E27FC236}">
+                <a16:creationId xmlns:a16="http://schemas.microsoft.com/office/drawing/2014/main" id="{CBDCF82D-42C4-4EB5-BDEF-78695D8EACC1}"/>
+              </a:ext>
+            </a:extLst>
+          </p:cNvPr>
+          <p:cNvPicPr>
+            <a:picLocks noChangeAspect="1" noChangeArrowheads="1"/>
+          </p:cNvPicPr>
+          <p:nvPr/>
+        </p:nvPicPr>
+        <p:blipFill>
+          <a:blip r:embed="rId8">
+            <a:extLst>
+              <a:ext uri="{28A0092B-C50C-407E-A947-70E740481C1C}">
+                <a14:useLocalDpi xmlns:a14="http://schemas.microsoft.com/office/drawing/2010/main" val="0"/>
+              </a:ext>
+            </a:extLst>
+          </a:blip>
+          <a:srcRect/>
+          <a:stretch>
+            <a:fillRect/>
+          </a:stretch>
+        </p:blipFill>
+        <p:spPr bwMode="auto">
+          <a:xfrm>
+            <a:off x="4941316" y="4367528"/>
+            <a:ext cx="2190327" cy="2190327"/>
+          </a:xfrm>
+          <a:prstGeom prst="rect">
+            <a:avLst/>
+          </a:prstGeom>
+          <a:noFill/>
+          <a:extLst>
+            <a:ext uri="{909E8E84-426E-40DD-AFC4-6F175D3DCCD1}">
+              <a14:hiddenFill xmlns:a14="http://schemas.microsoft.com/office/drawing/2010/main">
+                <a:solidFill>
+                  <a:srgbClr val="FFFFFF"/>
+                </a:solidFill>
+              </a14:hiddenFill>
+            </a:ext>
+          </a:extLst>
+        </p:spPr>
+      </p:pic>
+      <p:pic>
+        <p:nvPicPr>
+          <p:cNvPr id="1034" name="Picture 10" descr="Person using computer icon vector illustration design.">
+            <a:extLst>
+              <a:ext uri="{FF2B5EF4-FFF2-40B4-BE49-F238E27FC236}">
+                <a16:creationId xmlns:a16="http://schemas.microsoft.com/office/drawing/2014/main" id="{54807AD0-A037-46D2-9142-5A86027BD3DE}"/>
+              </a:ext>
+            </a:extLst>
+          </p:cNvPr>
+          <p:cNvPicPr>
+            <a:picLocks noChangeAspect="1" noChangeArrowheads="1"/>
+          </p:cNvPicPr>
+          <p:nvPr/>
+        </p:nvPicPr>
+        <p:blipFill rotWithShape="1">
+          <a:blip r:embed="rId9">
+            <a:extLst>
+              <a:ext uri="{28A0092B-C50C-407E-A947-70E740481C1C}">
+                <a14:useLocalDpi xmlns:a14="http://schemas.microsoft.com/office/drawing/2010/main" val="0"/>
+              </a:ext>
+            </a:extLst>
+          </a:blip>
+          <a:srcRect b="20960"/>
+          <a:stretch/>
+        </p:blipFill>
+        <p:spPr bwMode="auto">
+          <a:xfrm>
+            <a:off x="7774512" y="2555621"/>
+            <a:ext cx="1940641" cy="1661705"/>
+          </a:xfrm>
+          <a:prstGeom prst="rect">
+            <a:avLst/>
+          </a:prstGeom>
+          <a:noFill/>
+          <a:extLst>
+            <a:ext uri="{909E8E84-426E-40DD-AFC4-6F175D3DCCD1}">
+              <a14:hiddenFill xmlns:a14="http://schemas.microsoft.com/office/drawing/2010/main">
+                <a:solidFill>
+                  <a:srgbClr val="FFFFFF"/>
+                </a:solidFill>
+              </a14:hiddenFill>
+            </a:ext>
+          </a:extLst>
+        </p:spPr>
+      </p:pic>
+      <p:pic>
+        <p:nvPicPr>
+          <p:cNvPr id="1036" name="Picture 12" descr="computer, desktop, laptop, mac, monitor, pc, screen icon | Conjunto de  ícones, Conjunto de">
+            <a:extLst>
+              <a:ext uri="{FF2B5EF4-FFF2-40B4-BE49-F238E27FC236}">
+                <a16:creationId xmlns:a16="http://schemas.microsoft.com/office/drawing/2014/main" id="{207611DD-ED0F-4EF6-86BE-D157312D68E1}"/>
+              </a:ext>
+            </a:extLst>
+          </p:cNvPr>
+          <p:cNvPicPr>
+            <a:picLocks noChangeAspect="1" noChangeArrowheads="1"/>
+          </p:cNvPicPr>
+          <p:nvPr/>
+        </p:nvPicPr>
+        <p:blipFill>
+          <a:blip r:embed="rId10">
+            <a:extLst>
+              <a:ext uri="{28A0092B-C50C-407E-A947-70E740481C1C}">
+                <a14:useLocalDpi xmlns:a14="http://schemas.microsoft.com/office/drawing/2010/main" val="0"/>
+              </a:ext>
+            </a:extLst>
+          </a:blip>
+          <a:srcRect/>
+          <a:stretch>
+            <a:fillRect/>
+          </a:stretch>
+        </p:blipFill>
+        <p:spPr bwMode="auto">
+          <a:xfrm>
+            <a:off x="9560874" y="2513938"/>
+            <a:ext cx="2190327" cy="1981045"/>
+          </a:xfrm>
+          <a:prstGeom prst="rect">
+            <a:avLst/>
+          </a:prstGeom>
+          <a:noFill/>
+          <a:extLst>
+            <a:ext uri="{909E8E84-426E-40DD-AFC4-6F175D3DCCD1}">
+              <a14:hiddenFill xmlns:a14="http://schemas.microsoft.com/office/drawing/2010/main">
+                <a:solidFill>
+                  <a:srgbClr val="FFFFFF"/>
+                </a:solidFill>
+              </a14:hiddenFill>
+            </a:ext>
+          </a:extLst>
+        </p:spPr>
+      </p:pic>
+      <p:sp>
+        <p:nvSpPr>
+          <p:cNvPr id="7" name="CaixaDeTexto 6">
+            <a:extLst>
+              <a:ext uri="{FF2B5EF4-FFF2-40B4-BE49-F238E27FC236}">
+                <a16:creationId xmlns:a16="http://schemas.microsoft.com/office/drawing/2014/main" id="{C3D9AF88-2C98-4553-B0A1-E0B2F86C0658}"/>
+              </a:ext>
+            </a:extLst>
+          </p:cNvPr>
+          <p:cNvSpPr txBox="1"/>
+          <p:nvPr/>
+        </p:nvSpPr>
+        <p:spPr>
+          <a:xfrm>
+            <a:off x="9674157" y="2777180"/>
+            <a:ext cx="2077044" cy="830997"/>
+          </a:xfrm>
+          <a:prstGeom prst="rect">
+            <a:avLst/>
+          </a:prstGeom>
+          <a:noFill/>
+        </p:spPr>
+        <p:txBody>
+          <a:bodyPr wrap="square" rtlCol="0">
+            <a:spAutoFit/>
+          </a:bodyPr>
+          <a:lstStyle/>
+          <a:p>
+            <a:r>
+              <a:rPr lang="pt-BR" sz="1600" b="1" dirty="0">
+                <a:latin typeface="Arial" panose="020B0604020202020204" pitchFamily="34" charset="0"/>
+                <a:cs typeface="Arial" panose="020B0604020202020204" pitchFamily="34" charset="0"/>
+              </a:rPr>
+              <a:t>Sensor 3 detectou um possível vazamento</a:t>
+            </a:r>
+          </a:p>
+        </p:txBody>
+      </p:sp>
+      <p:sp>
+        <p:nvSpPr>
+          <p:cNvPr id="12" name="Seta: Dobrada 11">
+            <a:extLst>
+              <a:ext uri="{FF2B5EF4-FFF2-40B4-BE49-F238E27FC236}">
+                <a16:creationId xmlns:a16="http://schemas.microsoft.com/office/drawing/2014/main" id="{4366ED66-17D2-466D-B291-EE6FBF8C3D21}"/>
               </a:ext>
             </a:extLst>
           </p:cNvPr>
@@ -8773,17 +10324,12 @@
           <p:nvPr/>
         </p:nvSpPr>
         <p:spPr>
-          <a:xfrm rot="5400000">
-            <a:off x="4933089" y="3202886"/>
-            <a:ext cx="1258227" cy="1708879"/>
+          <a:xfrm>
+            <a:off x="1012728" y="2916236"/>
+            <a:ext cx="1459034" cy="1377939"/>
           </a:xfrm>
           <a:prstGeom prst="bentArrow">
-            <a:avLst>
-              <a:gd name="adj1" fmla="val 25000"/>
-              <a:gd name="adj2" fmla="val 25535"/>
-              <a:gd name="adj3" fmla="val 25000"/>
-              <a:gd name="adj4" fmla="val 43750"/>
-            </a:avLst>
+            <a:avLst/>
           </a:prstGeom>
           <a:solidFill>
             <a:schemeClr val="tx1"/>
@@ -8825,10 +10371,10 @@
       </p:sp>
       <p:sp>
         <p:nvSpPr>
-          <p:cNvPr id="30" name="Seta: Dobrada 29">
-            <a:extLst>
-              <a:ext uri="{FF2B5EF4-FFF2-40B4-BE49-F238E27FC236}">
-                <a16:creationId xmlns:a16="http://schemas.microsoft.com/office/drawing/2014/main" id="{CDD5915B-A970-438D-BF62-32FB5A19344B}"/>
+          <p:cNvPr id="27" name="Seta: Dobrada 26">
+            <a:extLst>
+              <a:ext uri="{FF2B5EF4-FFF2-40B4-BE49-F238E27FC236}">
+                <a16:creationId xmlns:a16="http://schemas.microsoft.com/office/drawing/2014/main" id="{E1B164E1-E2B1-4315-87E5-DFE21A4AE3F1}"/>
               </a:ext>
             </a:extLst>
           </p:cNvPr>
@@ -8836,9 +10382,9 @@
           <p:nvPr/>
         </p:nvSpPr>
         <p:spPr>
-          <a:xfrm rot="5400000" flipH="1">
-            <a:off x="7666041" y="4223741"/>
-            <a:ext cx="1360433" cy="2429231"/>
+          <a:xfrm rot="5400000">
+            <a:off x="4933089" y="2810624"/>
+            <a:ext cx="1258227" cy="1708879"/>
           </a:xfrm>
           <a:prstGeom prst="bentArrow">
             <a:avLst>
@@ -8886,47 +10432,69 @@
           </a:p>
         </p:txBody>
       </p:sp>
-      <p:cxnSp>
-        <p:nvCxnSpPr>
-          <p:cNvPr id="18" name="Conector reto 17">
-            <a:extLst>
-              <a:ext uri="{FF2B5EF4-FFF2-40B4-BE49-F238E27FC236}">
-                <a16:creationId xmlns:a16="http://schemas.microsoft.com/office/drawing/2014/main" id="{6105CB52-E11F-4E14-B6A3-6554486FA74A}"/>
-              </a:ext>
-            </a:extLst>
-          </p:cNvPr>
-          <p:cNvCxnSpPr/>
+      <p:sp>
+        <p:nvSpPr>
+          <p:cNvPr id="30" name="Seta: Dobrada 29">
+            <a:extLst>
+              <a:ext uri="{FF2B5EF4-FFF2-40B4-BE49-F238E27FC236}">
+                <a16:creationId xmlns:a16="http://schemas.microsoft.com/office/drawing/2014/main" id="{CDD5915B-A970-438D-BF62-32FB5A19344B}"/>
+              </a:ext>
+            </a:extLst>
+          </p:cNvPr>
+          <p:cNvSpPr/>
           <p:nvPr/>
-        </p:nvCxnSpPr>
-        <p:spPr>
-          <a:xfrm>
-            <a:off x="377585" y="2035278"/>
-            <a:ext cx="11436829" cy="0"/>
-          </a:xfrm>
-          <a:prstGeom prst="line">
-            <a:avLst/>
-          </a:prstGeom>
-          <a:ln>
+        </p:nvSpPr>
+        <p:spPr>
+          <a:xfrm rot="5400000" flipH="1">
+            <a:off x="7666041" y="3831479"/>
+            <a:ext cx="1360433" cy="2429231"/>
+          </a:xfrm>
+          <a:prstGeom prst="bentArrow">
+            <a:avLst>
+              <a:gd name="adj1" fmla="val 25000"/>
+              <a:gd name="adj2" fmla="val 25535"/>
+              <a:gd name="adj3" fmla="val 25000"/>
+              <a:gd name="adj4" fmla="val 43750"/>
+            </a:avLst>
+          </a:prstGeom>
+          <a:solidFill>
+            <a:schemeClr val="tx1"/>
+          </a:solidFill>
+          <a:ln w="28575">
             <a:solidFill>
-              <a:schemeClr val="tx1"/>
+              <a:schemeClr val="accent1"/>
             </a:solidFill>
           </a:ln>
         </p:spPr>
         <p:style>
-          <a:lnRef idx="3">
-            <a:schemeClr val="dk1"/>
+          <a:lnRef idx="2">
+            <a:schemeClr val="accent1">
+              <a:shade val="50000"/>
+            </a:schemeClr>
           </a:lnRef>
-          <a:fillRef idx="0">
-            <a:schemeClr val="dk1"/>
+          <a:fillRef idx="1">
+            <a:schemeClr val="accent1"/>
           </a:fillRef>
-          <a:effectRef idx="2">
-            <a:schemeClr val="dk1"/>
+          <a:effectRef idx="0">
+            <a:schemeClr val="accent1"/>
           </a:effectRef>
           <a:fontRef idx="minor">
-            <a:schemeClr val="tx1"/>
+            <a:schemeClr val="lt1"/>
           </a:fontRef>
         </p:style>
-      </p:cxnSp>
+        <p:txBody>
+          <a:bodyPr rtlCol="0" anchor="ctr"/>
+          <a:lstStyle/>
+          <a:p>
+            <a:pPr algn="ctr"/>
+            <a:endParaRPr lang="pt-BR">
+              <a:solidFill>
+                <a:schemeClr val="tx1"/>
+              </a:solidFill>
+            </a:endParaRPr>
+          </a:p>
+        </p:txBody>
+      </p:sp>
       <p:pic>
         <p:nvPicPr>
           <p:cNvPr id="33" name="Imagem 32">
@@ -8949,14 +10517,65 @@
         </p:blipFill>
         <p:spPr>
           <a:xfrm>
-            <a:off x="53894" y="35169"/>
+            <a:off x="71851" y="309267"/>
             <a:ext cx="1035488" cy="1035488"/>
           </a:xfrm>
           <a:prstGeom prst="rect">
             <a:avLst/>
           </a:prstGeom>
+          <a:solidFill>
+            <a:srgbClr val="5881C0"/>
+          </a:solidFill>
+          <a:ln>
+            <a:solidFill>
+              <a:srgbClr val="5881C0"/>
+            </a:solidFill>
+          </a:ln>
         </p:spPr>
       </p:pic>
+      <p:sp>
+        <p:nvSpPr>
+          <p:cNvPr id="19" name="Retângulo 18">
+            <a:extLst>
+              <a:ext uri="{FF2B5EF4-FFF2-40B4-BE49-F238E27FC236}">
+                <a16:creationId xmlns:a16="http://schemas.microsoft.com/office/drawing/2014/main" id="{61343372-892B-4C71-8662-EC35965E5FA3}"/>
+              </a:ext>
+            </a:extLst>
+          </p:cNvPr>
+          <p:cNvSpPr/>
+          <p:nvPr/>
+        </p:nvSpPr>
+        <p:spPr>
+          <a:xfrm>
+            <a:off x="85350" y="-43679"/>
+            <a:ext cx="1074781" cy="369332"/>
+          </a:xfrm>
+          <a:prstGeom prst="rect">
+            <a:avLst/>
+          </a:prstGeom>
+        </p:spPr>
+        <p:txBody>
+          <a:bodyPr wrap="none">
+            <a:spAutoFit/>
+          </a:bodyPr>
+          <a:lstStyle/>
+          <a:p>
+            <a:r>
+              <a:rPr lang="en-US" b="1" dirty="0">
+                <a:effectLst>
+                  <a:outerShdw blurRad="38100" dist="38100" dir="2700000" algn="tl">
+                    <a:srgbClr val="000000">
+                      <a:alpha val="43137"/>
+                    </a:srgbClr>
+                  </a:outerShdw>
+                </a:effectLst>
+              </a:rPr>
+              <a:t>SUSTABIL</a:t>
+            </a:r>
+            <a:endParaRPr lang="pt-BR" dirty="0"/>
+          </a:p>
+        </p:txBody>
+      </p:sp>
     </p:spTree>
     <p:extLst>
       <p:ext uri="{BB962C8B-B14F-4D97-AF65-F5344CB8AC3E}">
@@ -8967,6 +10586,18 @@
   <p:clrMapOvr>
     <a:masterClrMapping/>
   </p:clrMapOvr>
+  <mc:AlternateContent xmlns:mc="http://schemas.openxmlformats.org/markup-compatibility/2006">
+    <mc:Choice xmlns:p14="http://schemas.microsoft.com/office/powerpoint/2010/main" Requires="p14">
+      <p:transition spd="slow" p14:dur="1250">
+        <p:wipe/>
+      </p:transition>
+    </mc:Choice>
+    <mc:Fallback>
+      <p:transition spd="slow">
+        <p:wipe/>
+      </p:transition>
+    </mc:Fallback>
+  </mc:AlternateContent>
 </p:sld>
 </file>
 
@@ -8997,40 +10628,31 @@
       </p:grpSpPr>
       <p:sp>
         <p:nvSpPr>
-          <p:cNvPr id="12" name="Rectangle 11">
-            <a:extLst>
-              <a:ext uri="{FF2B5EF4-FFF2-40B4-BE49-F238E27FC236}">
-                <a16:creationId xmlns:a16="http://schemas.microsoft.com/office/drawing/2014/main" id="{EBF87945-A001-489F-9D9B-7D9435F0B9CA}"/>
-              </a:ext>
-              <a:ext uri="{C183D7F6-B498-43B3-948B-1728B52AA6E4}">
-                <adec:decorative xmlns:adec="http://schemas.microsoft.com/office/drawing/2017/decorative" val="1"/>
-              </a:ext>
-            </a:extLst>
-          </p:cNvPr>
-          <p:cNvSpPr>
-            <a:spLocks noGrp="1" noRot="1" noChangeAspect="1" noMove="1" noResize="1" noEditPoints="1" noAdjustHandles="1" noChangeArrowheads="1" noChangeShapeType="1" noTextEdit="1"/>
-          </p:cNvSpPr>
-          <p:nvPr>
-            <p:extLst>
-              <p:ext uri="{386F3935-93C4-4BCD-93E2-E3B085C9AB24}">
-                <p16:designElem xmlns:p16="http://schemas.microsoft.com/office/powerpoint/2015/main" val="1"/>
-              </p:ext>
-            </p:extLst>
-          </p:nvPr>
-        </p:nvSpPr>
-        <p:spPr>
-          <a:xfrm>
-            <a:off x="548639" y="347471"/>
-            <a:ext cx="11100816" cy="1801368"/>
+          <p:cNvPr id="10" name="Retângulo 9">
+            <a:extLst>
+              <a:ext uri="{FF2B5EF4-FFF2-40B4-BE49-F238E27FC236}">
+                <a16:creationId xmlns:a16="http://schemas.microsoft.com/office/drawing/2014/main" id="{9DE81B80-99A0-4C8D-9910-F2E22F5A5DF9}"/>
+              </a:ext>
+            </a:extLst>
+          </p:cNvPr>
+          <p:cNvSpPr/>
+          <p:nvPr/>
+        </p:nvSpPr>
+        <p:spPr>
+          <a:xfrm>
+            <a:off x="0" y="0"/>
+            <a:ext cx="12192000" cy="1917290"/>
           </a:xfrm>
           <a:prstGeom prst="rect">
             <a:avLst/>
           </a:prstGeom>
           <a:solidFill>
-            <a:schemeClr val="accent5"/>
+            <a:srgbClr val="5881C0"/>
           </a:solidFill>
           <a:ln>
-            <a:noFill/>
+            <a:solidFill>
+              <a:srgbClr val="5881C0"/>
+            </a:solidFill>
           </a:ln>
         </p:spPr>
         <p:style>
@@ -9054,31 +10676,30 @@
           <a:lstStyle/>
           <a:p>
             <a:pPr algn="ctr"/>
-            <a:endParaRPr lang="en-US"/>
-          </a:p>
-        </p:txBody>
-      </p:sp>
-      <p:sp>
-        <p:nvSpPr>
-          <p:cNvPr id="2" name="Título 1">
-            <a:extLst>
-              <a:ext uri="{FF2B5EF4-FFF2-40B4-BE49-F238E27FC236}">
-                <a16:creationId xmlns:a16="http://schemas.microsoft.com/office/drawing/2014/main" id="{3A580CA3-C4A8-48EE-8329-D7B6949B6EF8}"/>
-              </a:ext>
-            </a:extLst>
-          </p:cNvPr>
-          <p:cNvSpPr>
-            <a:spLocks noGrp="1"/>
-          </p:cNvSpPr>
-          <p:nvPr>
-            <p:ph type="title"/>
-          </p:nvPr>
-        </p:nvSpPr>
-        <p:spPr>
-          <a:xfrm>
-            <a:off x="838200" y="585216"/>
-            <a:ext cx="10515600" cy="1325563"/>
-          </a:xfrm>
+            <a:endParaRPr lang="pt-BR"/>
+          </a:p>
+        </p:txBody>
+      </p:sp>
+      <p:sp>
+        <p:nvSpPr>
+          <p:cNvPr id="5" name="Retângulo 4">
+            <a:extLst>
+              <a:ext uri="{FF2B5EF4-FFF2-40B4-BE49-F238E27FC236}">
+                <a16:creationId xmlns:a16="http://schemas.microsoft.com/office/drawing/2014/main" id="{2842D2F7-1F0E-4187-BF45-586651DFA6B4}"/>
+              </a:ext>
+            </a:extLst>
+          </p:cNvPr>
+          <p:cNvSpPr/>
+          <p:nvPr/>
+        </p:nvSpPr>
+        <p:spPr>
+          <a:xfrm>
+            <a:off x="447368" y="2210620"/>
+            <a:ext cx="11297264" cy="4337665"/>
+          </a:xfrm>
+          <a:prstGeom prst="rect">
+            <a:avLst/>
+          </a:prstGeom>
         </p:spPr>
         <p:txBody>
           <a:bodyPr vert="horz" lIns="91440" tIns="45720" rIns="91440" bIns="45720" rtlCol="0" anchor="ctr">
@@ -9086,85 +10707,18 @@
           </a:bodyPr>
           <a:lstStyle/>
           <a:p>
-            <a:r>
-              <a:rPr lang="en-US">
-                <a:solidFill>
-                  <a:srgbClr val="FFFFFF"/>
-                </a:solidFill>
-              </a:rPr>
-              <a:t>Backlog</a:t>
-            </a:r>
-          </a:p>
-        </p:txBody>
-      </p:sp>
-      <p:pic>
-        <p:nvPicPr>
-          <p:cNvPr id="7" name="Imagem 6">
-            <a:extLst>
-              <a:ext uri="{FF2B5EF4-FFF2-40B4-BE49-F238E27FC236}">
-                <a16:creationId xmlns:a16="http://schemas.microsoft.com/office/drawing/2014/main" id="{E462C9DF-18F2-48EE-AA9E-93A3426BA2F5}"/>
-              </a:ext>
-            </a:extLst>
-          </p:cNvPr>
-          <p:cNvPicPr>
-            <a:picLocks noChangeAspect="1"/>
-          </p:cNvPicPr>
-          <p:nvPr/>
-        </p:nvPicPr>
-        <p:blipFill rotWithShape="1">
-          <a:blip r:embed="rId2"/>
-          <a:srcRect r="4159" b="-3"/>
-          <a:stretch/>
-        </p:blipFill>
-        <p:spPr>
-          <a:xfrm>
-            <a:off x="841248" y="2516777"/>
-            <a:ext cx="6236208" cy="3660185"/>
-          </a:xfrm>
-          <a:prstGeom prst="rect">
-            <a:avLst/>
-          </a:prstGeom>
-        </p:spPr>
-      </p:pic>
-      <p:sp>
-        <p:nvSpPr>
-          <p:cNvPr id="5" name="Retângulo 4">
-            <a:extLst>
-              <a:ext uri="{FF2B5EF4-FFF2-40B4-BE49-F238E27FC236}">
-                <a16:creationId xmlns:a16="http://schemas.microsoft.com/office/drawing/2014/main" id="{2842D2F7-1F0E-4187-BF45-586651DFA6B4}"/>
-              </a:ext>
-            </a:extLst>
-          </p:cNvPr>
-          <p:cNvSpPr/>
-          <p:nvPr/>
-        </p:nvSpPr>
-        <p:spPr>
-          <a:xfrm>
-            <a:off x="7546848" y="2516777"/>
-            <a:ext cx="3803904" cy="3660185"/>
-          </a:xfrm>
-          <a:prstGeom prst="rect">
-            <a:avLst/>
-          </a:prstGeom>
-        </p:spPr>
-        <p:txBody>
-          <a:bodyPr vert="horz" lIns="91440" tIns="45720" rIns="91440" bIns="45720" rtlCol="0" anchor="ctr">
-            <a:normAutofit/>
-          </a:bodyPr>
-          <a:lstStyle/>
-          <a:p>
-            <a:pPr marL="285750" indent="-228600">
+            <a:pPr marL="400050" indent="-342900">
               <a:lnSpc>
                 <a:spcPct val="90000"/>
               </a:lnSpc>
               <a:spcAft>
                 <a:spcPts val="600"/>
               </a:spcAft>
-              <a:buFont typeface="Arial" panose="020B0604020202020204" pitchFamily="34" charset="0"/>
-              <a:buChar char="•"/>
+              <a:buFont typeface="Wingdings" panose="05000000000000000000" pitchFamily="2" charset="2"/>
+              <a:buChar char="ü"/>
             </a:pPr>
             <a:r>
-              <a:rPr lang="en-US" sz="1900" dirty="0">
+              <a:rPr lang="en-US" sz="2000" dirty="0">
                 <a:effectLst>
                   <a:outerShdw blurRad="38100" dist="38100" dir="2700000" algn="tl">
                     <a:srgbClr val="000000">
@@ -9176,43 +10730,43 @@
               <a:t>Backlog da Página Web</a:t>
             </a:r>
             <a:r>
-              <a:rPr lang="en-US" sz="1900" dirty="0"/>
+              <a:rPr lang="en-US" sz="2000" dirty="0"/>
               <a:t>: </a:t>
             </a:r>
             <a:r>
-              <a:rPr lang="en-US" sz="1900" dirty="0">
-                <a:hlinkClick r:id="rId3"/>
+              <a:rPr lang="en-US" sz="2000" dirty="0">
+                <a:hlinkClick r:id="rId2"/>
               </a:rPr>
               <a:t>https://trello.com/b/gkREIOhE/pagina-web-institucional#</a:t>
             </a:r>
-            <a:endParaRPr lang="en-US" sz="1900" dirty="0"/>
-          </a:p>
-          <a:p>
-            <a:pPr marL="285750" indent="-228600">
+            <a:endParaRPr lang="en-US" sz="2000" dirty="0"/>
+          </a:p>
+          <a:p>
+            <a:pPr marL="400050" indent="-342900">
               <a:lnSpc>
                 <a:spcPct val="90000"/>
               </a:lnSpc>
               <a:spcAft>
                 <a:spcPts val="600"/>
               </a:spcAft>
-              <a:buFont typeface="Arial" panose="020B0604020202020204" pitchFamily="34" charset="0"/>
-              <a:buChar char="•"/>
+              <a:buFont typeface="Wingdings" panose="05000000000000000000" pitchFamily="2" charset="2"/>
+              <a:buChar char="ü"/>
             </a:pPr>
-            <a:endParaRPr lang="en-US" sz="1900" dirty="0"/>
-          </a:p>
-          <a:p>
-            <a:pPr marL="285750" indent="-228600">
+            <a:endParaRPr lang="en-US" sz="2000" dirty="0"/>
+          </a:p>
+          <a:p>
+            <a:pPr marL="400050" indent="-342900">
               <a:lnSpc>
                 <a:spcPct val="90000"/>
               </a:lnSpc>
               <a:spcAft>
                 <a:spcPts val="600"/>
               </a:spcAft>
-              <a:buFont typeface="Arial" panose="020B0604020202020204" pitchFamily="34" charset="0"/>
-              <a:buChar char="•"/>
+              <a:buFont typeface="Wingdings" panose="05000000000000000000" pitchFamily="2" charset="2"/>
+              <a:buChar char="ü"/>
             </a:pPr>
             <a:r>
-              <a:rPr lang="en-US" sz="1900" dirty="0">
+              <a:rPr lang="en-US" sz="2000" dirty="0">
                 <a:effectLst>
                   <a:outerShdw blurRad="38100" dist="38100" dir="2700000" algn="tl">
                     <a:srgbClr val="000000">
@@ -9224,39 +10778,39 @@
               <a:t>Backlog do Banco de Dados: </a:t>
             </a:r>
             <a:r>
-              <a:rPr lang="en-US" sz="1900" dirty="0">
-                <a:hlinkClick r:id="rId4"/>
+              <a:rPr lang="en-US" sz="2000" dirty="0">
+                <a:hlinkClick r:id="rId3"/>
               </a:rPr>
               <a:t>https://trello.com/b/CPmBase7/banco-de-dados#</a:t>
             </a:r>
-            <a:endParaRPr lang="en-US" sz="1900" dirty="0"/>
-          </a:p>
-          <a:p>
-            <a:pPr marL="285750" indent="-228600">
+            <a:endParaRPr lang="en-US" sz="2000" dirty="0"/>
+          </a:p>
+          <a:p>
+            <a:pPr marL="400050" indent="-342900">
               <a:lnSpc>
                 <a:spcPct val="90000"/>
               </a:lnSpc>
               <a:spcAft>
                 <a:spcPts val="600"/>
               </a:spcAft>
-              <a:buFont typeface="Arial" panose="020B0604020202020204" pitchFamily="34" charset="0"/>
-              <a:buChar char="•"/>
+              <a:buFont typeface="Wingdings" panose="05000000000000000000" pitchFamily="2" charset="2"/>
+              <a:buChar char="ü"/>
             </a:pPr>
-            <a:endParaRPr lang="en-US" sz="1900" dirty="0"/>
-          </a:p>
-          <a:p>
-            <a:pPr marL="285750" indent="-228600">
+            <a:endParaRPr lang="en-US" sz="2000" dirty="0"/>
+          </a:p>
+          <a:p>
+            <a:pPr marL="400050" indent="-342900">
               <a:lnSpc>
                 <a:spcPct val="90000"/>
               </a:lnSpc>
               <a:spcAft>
                 <a:spcPts val="600"/>
               </a:spcAft>
-              <a:buFont typeface="Arial" panose="020B0604020202020204" pitchFamily="34" charset="0"/>
-              <a:buChar char="•"/>
+              <a:buFont typeface="Wingdings" panose="05000000000000000000" pitchFamily="2" charset="2"/>
+              <a:buChar char="ü"/>
             </a:pPr>
             <a:r>
-              <a:rPr lang="en-US" sz="1900" dirty="0">
+              <a:rPr lang="en-US" sz="2000" dirty="0">
                 <a:effectLst>
                   <a:outerShdw blurRad="38100" dist="38100" dir="2700000" algn="tl">
                     <a:srgbClr val="000000">
@@ -9268,16 +10822,161 @@
               <a:t>Backlog do Simulador de Sensores:</a:t>
             </a:r>
             <a:r>
-              <a:rPr lang="en-US" sz="1900" dirty="0"/>
+              <a:rPr lang="en-US" sz="2000" dirty="0"/>
               <a:t> </a:t>
             </a:r>
             <a:r>
-              <a:rPr lang="en-US" sz="1900" dirty="0">
-                <a:hlinkClick r:id="rId5"/>
+              <a:rPr lang="en-US" sz="2000" dirty="0">
+                <a:hlinkClick r:id="rId4"/>
               </a:rPr>
               <a:t>https://trello.com/b/rW7Jmab2/arduino-simulador-de-sensores#</a:t>
             </a:r>
-            <a:endParaRPr lang="en-US" sz="1900" dirty="0"/>
+            <a:endParaRPr lang="en-US" sz="2000" dirty="0"/>
+          </a:p>
+        </p:txBody>
+      </p:sp>
+      <p:sp>
+        <p:nvSpPr>
+          <p:cNvPr id="16" name="Título 1">
+            <a:extLst>
+              <a:ext uri="{FF2B5EF4-FFF2-40B4-BE49-F238E27FC236}">
+                <a16:creationId xmlns:a16="http://schemas.microsoft.com/office/drawing/2014/main" id="{574A9EC1-24D0-4F52-8BAE-065E9BEF65F1}"/>
+              </a:ext>
+            </a:extLst>
+          </p:cNvPr>
+          <p:cNvSpPr txBox="1">
+            <a:spLocks/>
+          </p:cNvSpPr>
+          <p:nvPr/>
+        </p:nvSpPr>
+        <p:spPr>
+          <a:xfrm>
+            <a:off x="838200" y="0"/>
+            <a:ext cx="10515600" cy="1325563"/>
+          </a:xfrm>
+          <a:prstGeom prst="rect">
+            <a:avLst/>
+          </a:prstGeom>
+        </p:spPr>
+        <p:txBody>
+          <a:bodyPr vert="horz" lIns="91440" tIns="45720" rIns="91440" bIns="45720" rtlCol="0" anchor="ctr">
+            <a:normAutofit/>
+          </a:bodyPr>
+          <a:lstStyle>
+            <a:lvl1pPr algn="ctr" defTabSz="914400" rtl="0" eaLnBrk="1" latinLnBrk="0" hangingPunct="1">
+              <a:lnSpc>
+                <a:spcPct val="90000"/>
+              </a:lnSpc>
+              <a:spcBef>
+                <a:spcPct val="0"/>
+              </a:spcBef>
+              <a:buNone/>
+              <a:defRPr sz="6000" kern="1200">
+                <a:solidFill>
+                  <a:schemeClr val="tx1"/>
+                </a:solidFill>
+                <a:latin typeface="+mj-lt"/>
+                <a:ea typeface="+mj-ea"/>
+                <a:cs typeface="+mj-cs"/>
+              </a:defRPr>
+            </a:lvl1pPr>
+          </a:lstStyle>
+          <a:p>
+            <a:r>
+              <a:rPr lang="pt-BR" sz="4400" b="1" dirty="0">
+                <a:effectLst>
+                  <a:outerShdw blurRad="38100" dist="38100" dir="2700000" algn="tl">
+                    <a:srgbClr val="000000">
+                      <a:alpha val="43137"/>
+                    </a:srgbClr>
+                  </a:outerShdw>
+                </a:effectLst>
+                <a:latin typeface="Arial" panose="020B0604020202020204" pitchFamily="34" charset="0"/>
+                <a:cs typeface="Arial" panose="020B0604020202020204" pitchFamily="34" charset="0"/>
+              </a:rPr>
+              <a:t>Backlog - Requisitos</a:t>
+            </a:r>
+          </a:p>
+        </p:txBody>
+      </p:sp>
+      <p:pic>
+        <p:nvPicPr>
+          <p:cNvPr id="18" name="Imagem 17">
+            <a:extLst>
+              <a:ext uri="{FF2B5EF4-FFF2-40B4-BE49-F238E27FC236}">
+                <a16:creationId xmlns:a16="http://schemas.microsoft.com/office/drawing/2014/main" id="{5C62AE25-4AB8-4DDA-A02B-575024605869}"/>
+              </a:ext>
+            </a:extLst>
+          </p:cNvPr>
+          <p:cNvPicPr>
+            <a:picLocks noChangeAspect="1"/>
+          </p:cNvPicPr>
+          <p:nvPr/>
+        </p:nvPicPr>
+        <p:blipFill>
+          <a:blip r:embed="rId5"/>
+          <a:stretch>
+            <a:fillRect/>
+          </a:stretch>
+        </p:blipFill>
+        <p:spPr>
+          <a:xfrm>
+            <a:off x="71851" y="309267"/>
+            <a:ext cx="1035488" cy="1035488"/>
+          </a:xfrm>
+          <a:prstGeom prst="rect">
+            <a:avLst/>
+          </a:prstGeom>
+          <a:solidFill>
+            <a:srgbClr val="5881C0"/>
+          </a:solidFill>
+          <a:ln>
+            <a:solidFill>
+              <a:srgbClr val="5881C0"/>
+            </a:solidFill>
+          </a:ln>
+        </p:spPr>
+      </p:pic>
+      <p:sp>
+        <p:nvSpPr>
+          <p:cNvPr id="19" name="Retângulo 18">
+            <a:extLst>
+              <a:ext uri="{FF2B5EF4-FFF2-40B4-BE49-F238E27FC236}">
+                <a16:creationId xmlns:a16="http://schemas.microsoft.com/office/drawing/2014/main" id="{2DEF9FBC-4F90-4709-8967-A2CF8D126D4C}"/>
+              </a:ext>
+            </a:extLst>
+          </p:cNvPr>
+          <p:cNvSpPr/>
+          <p:nvPr/>
+        </p:nvSpPr>
+        <p:spPr>
+          <a:xfrm>
+            <a:off x="85350" y="-43679"/>
+            <a:ext cx="1074781" cy="369332"/>
+          </a:xfrm>
+          <a:prstGeom prst="rect">
+            <a:avLst/>
+          </a:prstGeom>
+        </p:spPr>
+        <p:txBody>
+          <a:bodyPr wrap="none">
+            <a:spAutoFit/>
+          </a:bodyPr>
+          <a:lstStyle/>
+          <a:p>
+            <a:r>
+              <a:rPr lang="en-US" b="1" dirty="0">
+                <a:effectLst>
+                  <a:outerShdw blurRad="38100" dist="38100" dir="2700000" algn="tl">
+                    <a:srgbClr val="000000">
+                      <a:alpha val="43137"/>
+                    </a:srgbClr>
+                  </a:outerShdw>
+                </a:effectLst>
+              </a:rPr>
+              <a:t>SUSTABIL</a:t>
+            </a:r>
+            <a:endParaRPr lang="pt-BR" dirty="0"/>
           </a:p>
         </p:txBody>
       </p:sp>
@@ -9291,6 +10990,18 @@
   <p:clrMapOvr>
     <a:masterClrMapping/>
   </p:clrMapOvr>
+  <mc:AlternateContent xmlns:mc="http://schemas.openxmlformats.org/markup-compatibility/2006">
+    <mc:Choice xmlns:p14="http://schemas.microsoft.com/office/powerpoint/2010/main" Requires="p14">
+      <p:transition spd="slow" p14:dur="1250">
+        <p:wipe/>
+      </p:transition>
+    </mc:Choice>
+    <mc:Fallback>
+      <p:transition spd="slow">
+        <p:wipe/>
+      </p:transition>
+    </mc:Fallback>
+  </mc:AlternateContent>
 </p:sld>
 </file>
 
@@ -9321,10 +11032,10 @@
       </p:grpSpPr>
       <p:sp useBgFill="1">
         <p:nvSpPr>
-          <p:cNvPr id="45" name="Rectangle 39">
-            <a:extLst>
-              <a:ext uri="{FF2B5EF4-FFF2-40B4-BE49-F238E27FC236}">
-                <a16:creationId xmlns:a16="http://schemas.microsoft.com/office/drawing/2014/main" id="{1ECAB1E8-8195-4748-BE71-FF806D86892E}"/>
+          <p:cNvPr id="25" name="Rectangle 24">
+            <a:extLst>
+              <a:ext uri="{FF2B5EF4-FFF2-40B4-BE49-F238E27FC236}">
+                <a16:creationId xmlns:a16="http://schemas.microsoft.com/office/drawing/2014/main" id="{3EEB8ED6-9142-4A11-B029-18DDE98C4952}"/>
               </a:ext>
               <a:ext uri="{C183D7F6-B498-43B3-948B-1728B52AA6E4}">
                 <adec:decorative xmlns:adec="http://schemas.microsoft.com/office/drawing/2017/decorative" val="1"/>
@@ -9344,8 +11055,8 @@
         </p:nvSpPr>
         <p:spPr>
           <a:xfrm>
-            <a:off x="0" y="0"/>
-            <a:ext cx="12192000" cy="6858000"/>
+            <a:off x="-1" y="0"/>
+            <a:ext cx="12188952" cy="6858000"/>
           </a:xfrm>
           <a:prstGeom prst="rect">
             <a:avLst/>
@@ -9379,50 +11090,79 @@
           </a:p>
         </p:txBody>
       </p:sp>
-      <p:sp useBgFill="1">
-        <p:nvSpPr>
-          <p:cNvPr id="47" name="Rectangle 41">
-            <a:extLst>
-              <a:ext uri="{FF2B5EF4-FFF2-40B4-BE49-F238E27FC236}">
-                <a16:creationId xmlns:a16="http://schemas.microsoft.com/office/drawing/2014/main" id="{57F6BDD4-E066-4008-8011-6CC31AEB4556}"/>
-              </a:ext>
-              <a:ext uri="{C183D7F6-B498-43B3-948B-1728B52AA6E4}">
-                <adec:decorative xmlns:adec="http://schemas.microsoft.com/office/drawing/2017/decorative" val="1"/>
-              </a:ext>
-            </a:extLst>
-          </p:cNvPr>
-          <p:cNvSpPr>
-            <a:spLocks noGrp="1" noRot="1" noChangeAspect="1" noMove="1" noResize="1" noEditPoints="1" noAdjustHandles="1" noChangeArrowheads="1" noChangeShapeType="1" noTextEdit="1"/>
-          </p:cNvSpPr>
-          <p:nvPr>
-            <p:extLst>
-              <p:ext uri="{386F3935-93C4-4BCD-93E2-E3B085C9AB24}">
-                <p16:designElem xmlns:p16="http://schemas.microsoft.com/office/powerpoint/2015/main" val="1"/>
-              </p:ext>
-            </p:extLst>
-          </p:nvPr>
-        </p:nvSpPr>
-        <p:spPr>
-          <a:xfrm>
-            <a:off x="409575" y="633619"/>
-            <a:ext cx="4279383" cy="5495925"/>
-          </a:xfrm>
-          <a:prstGeom prst="rect">
-            <a:avLst/>
-          </a:prstGeom>
-          <a:ln w="9525">
+      <p:pic>
+        <p:nvPicPr>
+          <p:cNvPr id="20" name="Imagem 19" descr="Tela de computador com texto preto sobre fundo branco&#10;&#10;Descrição gerada automaticamente">
+            <a:extLst>
+              <a:ext uri="{FF2B5EF4-FFF2-40B4-BE49-F238E27FC236}">
+                <a16:creationId xmlns:a16="http://schemas.microsoft.com/office/drawing/2014/main" id="{3A02DED5-E702-4845-AFB5-A488487D1DB0}"/>
+              </a:ext>
+            </a:extLst>
+          </p:cNvPr>
+          <p:cNvPicPr>
+            <a:picLocks noChangeAspect="1"/>
+          </p:cNvPicPr>
+          <p:nvPr/>
+        </p:nvPicPr>
+        <p:blipFill rotWithShape="1">
+          <a:blip r:embed="rId2">
+            <a:extLst>
+              <a:ext uri="{28A0092B-C50C-407E-A947-70E740481C1C}">
+                <a14:useLocalDpi xmlns:a14="http://schemas.microsoft.com/office/drawing/2010/main" val="0"/>
+              </a:ext>
+            </a:extLst>
+          </a:blip>
+          <a:srcRect r="-1" b="6724"/>
+          <a:stretch/>
+        </p:blipFill>
+        <p:spPr>
+          <a:xfrm>
+            <a:off x="2328204" y="2064770"/>
+            <a:ext cx="7532541" cy="5269484"/>
+          </a:xfrm>
+          <a:prstGeom prst="rect">
+            <a:avLst/>
+          </a:prstGeom>
+          <a:ln>
+            <a:noFill/>
+          </a:ln>
+          <a:effectLst>
+            <a:outerShdw blurRad="190500" algn="tl" rotWithShape="0">
+              <a:srgbClr val="000000">
+                <a:alpha val="70000"/>
+              </a:srgbClr>
+            </a:outerShdw>
+          </a:effectLst>
+        </p:spPr>
+      </p:pic>
+      <p:sp>
+        <p:nvSpPr>
+          <p:cNvPr id="11" name="Retângulo 10">
+            <a:extLst>
+              <a:ext uri="{FF2B5EF4-FFF2-40B4-BE49-F238E27FC236}">
+                <a16:creationId xmlns:a16="http://schemas.microsoft.com/office/drawing/2014/main" id="{B5FCB760-D8B4-49CE-8328-B49D30EAEAAB}"/>
+              </a:ext>
+            </a:extLst>
+          </p:cNvPr>
+          <p:cNvSpPr/>
+          <p:nvPr/>
+        </p:nvSpPr>
+        <p:spPr>
+          <a:xfrm>
+            <a:off x="0" y="0"/>
+            <a:ext cx="12192000" cy="1917290"/>
+          </a:xfrm>
+          <a:prstGeom prst="rect">
+            <a:avLst/>
+          </a:prstGeom>
+          <a:solidFill>
+            <a:srgbClr val="5881C0"/>
+          </a:solidFill>
+          <a:ln>
             <a:solidFill>
-              <a:srgbClr val="E1E1E1"/>
+              <a:srgbClr val="5881C0"/>
             </a:solidFill>
           </a:ln>
-          <a:effectLst>
-            <a:outerShdw blurRad="50800" dist="38100" dir="2700000" algn="tl" rotWithShape="0">
-              <a:schemeClr val="bg1">
-                <a:lumMod val="85000"/>
-                <a:alpha val="50000"/>
-              </a:schemeClr>
-            </a:outerShdw>
-          </a:effectLst>
         </p:spPr>
         <p:style>
           <a:lnRef idx="2">
@@ -9444,36 +11184,15 @@
           <a:bodyPr rtlCol="0" anchor="ctr"/>
           <a:lstStyle/>
           <a:p>
-            <a:pPr marL="0" marR="0" lvl="0" indent="0" algn="ctr" defTabSz="914400" rtl="0" eaLnBrk="1" fontAlgn="auto" latinLnBrk="0" hangingPunct="1">
-              <a:lnSpc>
-                <a:spcPct val="100000"/>
-              </a:lnSpc>
-              <a:spcBef>
-                <a:spcPts val="0"/>
-              </a:spcBef>
-              <a:spcAft>
-                <a:spcPts val="0"/>
-              </a:spcAft>
-              <a:buClrTx/>
-              <a:buSzTx/>
-              <a:buFontTx/>
-              <a:buNone/>
-              <a:tabLst/>
-              <a:defRPr/>
-            </a:pPr>
-            <a:endParaRPr kumimoji="0" lang="en-US" sz="1800" b="0" i="0" u="none" strike="noStrike" kern="1200" cap="none" spc="0" normalizeH="0" baseline="0" noProof="0">
-              <a:ln>
-                <a:noFill/>
-              </a:ln>
-              <a:solidFill>
-                <a:prstClr val="white"/>
-              </a:solidFill>
-              <a:effectLst/>
-              <a:uLnTx/>
-              <a:uFillTx/>
-              <a:latin typeface="Calibri" panose="020F0502020204030204"/>
-              <a:ea typeface="+mn-ea"/>
-              <a:cs typeface="+mn-cs"/>
+            <a:pPr algn="ctr"/>
+            <a:endParaRPr lang="pt-BR" b="1" dirty="0">
+              <a:effectLst>
+                <a:outerShdw blurRad="38100" dist="38100" dir="2700000" algn="tl">
+                  <a:srgbClr val="000000">
+                    <a:alpha val="43137"/>
+                  </a:srgbClr>
+                </a:outerShdw>
+              </a:effectLst>
             </a:endParaRPr>
           </a:p>
         </p:txBody>
@@ -9496,8 +11215,8 @@
         </p:nvSpPr>
         <p:spPr>
           <a:xfrm>
-            <a:off x="841247" y="978619"/>
-            <a:ext cx="3410712" cy="1106424"/>
+            <a:off x="836674" y="57854"/>
+            <a:ext cx="10515600" cy="1288784"/>
           </a:xfrm>
         </p:spPr>
         <p:txBody>
@@ -9508,7 +11227,14 @@
           <a:p>
             <a:pPr algn="ctr"/>
             <a:r>
-              <a:rPr lang="pt-BR" sz="3700" dirty="0">
+              <a:rPr lang="pt-BR" b="1" dirty="0">
+                <a:effectLst>
+                  <a:outerShdw blurRad="38100" dist="38100" dir="2700000" algn="tl">
+                    <a:srgbClr val="000000">
+                      <a:alpha val="43137"/>
+                    </a:srgbClr>
+                  </a:outerShdw>
+                </a:effectLst>
                 <a:latin typeface="Arial" panose="020B0604020202020204" pitchFamily="34" charset="0"/>
                 <a:cs typeface="Arial" panose="020B0604020202020204" pitchFamily="34" charset="0"/>
               </a:rPr>
@@ -9517,208 +11243,12 @@
           </a:p>
         </p:txBody>
       </p:sp>
-      <p:sp>
-        <p:nvSpPr>
-          <p:cNvPr id="44" name="Rectangle 43">
-            <a:extLst>
-              <a:ext uri="{FF2B5EF4-FFF2-40B4-BE49-F238E27FC236}">
-                <a16:creationId xmlns:a16="http://schemas.microsoft.com/office/drawing/2014/main" id="{2711A8FB-68FC-45FC-B01E-38F809E2D439}"/>
-              </a:ext>
-              <a:ext uri="{C183D7F6-B498-43B3-948B-1728B52AA6E4}">
-                <adec:decorative xmlns:adec="http://schemas.microsoft.com/office/drawing/2017/decorative" val="1"/>
-              </a:ext>
-            </a:extLst>
-          </p:cNvPr>
-          <p:cNvSpPr>
-            <a:spLocks noGrp="1" noRot="1" noChangeAspect="1" noMove="1" noResize="1" noEditPoints="1" noAdjustHandles="1" noChangeArrowheads="1" noChangeShapeType="1" noTextEdit="1"/>
-          </p:cNvSpPr>
-          <p:nvPr>
-            <p:extLst>
-              <p:ext uri="{386F3935-93C4-4BCD-93E2-E3B085C9AB24}">
-                <p16:designElem xmlns:p16="http://schemas.microsoft.com/office/powerpoint/2015/main" val="1"/>
-              </p:ext>
-            </p:extLst>
-          </p:nvPr>
-        </p:nvSpPr>
-        <p:spPr>
-          <a:xfrm>
-            <a:off x="345567" y="1170432"/>
-            <a:ext cx="128016" cy="704088"/>
-          </a:xfrm>
-          <a:prstGeom prst="rect">
-            <a:avLst/>
-          </a:prstGeom>
-          <a:solidFill>
-            <a:schemeClr val="accent2"/>
-          </a:solidFill>
-          <a:ln>
-            <a:noFill/>
-          </a:ln>
-        </p:spPr>
-        <p:style>
-          <a:lnRef idx="2">
-            <a:schemeClr val="accent1">
-              <a:shade val="50000"/>
-            </a:schemeClr>
-          </a:lnRef>
-          <a:fillRef idx="1">
-            <a:schemeClr val="accent1"/>
-          </a:fillRef>
-          <a:effectRef idx="0">
-            <a:schemeClr val="accent1"/>
-          </a:effectRef>
-          <a:fontRef idx="minor">
-            <a:schemeClr val="lt1"/>
-          </a:fontRef>
-        </p:style>
-        <p:txBody>
-          <a:bodyPr rtlCol="0" anchor="ctr"/>
-          <a:lstStyle/>
-          <a:p>
-            <a:pPr algn="ctr"/>
-            <a:endParaRPr lang="en-US">
-              <a:solidFill>
-                <a:prstClr val="white"/>
-              </a:solidFill>
-              <a:latin typeface="Calibri" panose="020F0502020204030204"/>
-            </a:endParaRPr>
-          </a:p>
-        </p:txBody>
-      </p:sp>
-      <p:sp>
-        <p:nvSpPr>
-          <p:cNvPr id="46" name="Rectangle 45">
-            <a:extLst>
-              <a:ext uri="{FF2B5EF4-FFF2-40B4-BE49-F238E27FC236}">
-                <a16:creationId xmlns:a16="http://schemas.microsoft.com/office/drawing/2014/main" id="{2A865FE3-5FC9-4049-87CF-30019C46C0F5}"/>
-              </a:ext>
-              <a:ext uri="{C183D7F6-B498-43B3-948B-1728B52AA6E4}">
-                <adec:decorative xmlns:adec="http://schemas.microsoft.com/office/drawing/2017/decorative" val="1"/>
-              </a:ext>
-            </a:extLst>
-          </p:cNvPr>
-          <p:cNvSpPr>
-            <a:spLocks noGrp="1" noRot="1" noChangeAspect="1" noMove="1" noResize="1" noEditPoints="1" noAdjustHandles="1" noChangeArrowheads="1" noChangeShapeType="1" noTextEdit="1"/>
-          </p:cNvSpPr>
-          <p:nvPr>
-            <p:extLst>
-              <p:ext uri="{386F3935-93C4-4BCD-93E2-E3B085C9AB24}">
-                <p16:designElem xmlns:p16="http://schemas.microsoft.com/office/powerpoint/2015/main" val="1"/>
-              </p:ext>
-            </p:extLst>
-          </p:nvPr>
-        </p:nvSpPr>
-        <p:spPr>
-          <a:xfrm>
-            <a:off x="877459" y="2121408"/>
-            <a:ext cx="3328416" cy="9144"/>
-          </a:xfrm>
-          <a:prstGeom prst="rect">
-            <a:avLst/>
-          </a:prstGeom>
-          <a:solidFill>
-            <a:srgbClr val="D5D5D5"/>
-          </a:solidFill>
-          <a:ln w="3175">
-            <a:noFill/>
-          </a:ln>
-          <a:effectLst/>
-        </p:spPr>
-        <p:style>
-          <a:lnRef idx="2">
-            <a:schemeClr val="accent1">
-              <a:shade val="50000"/>
-            </a:schemeClr>
-          </a:lnRef>
-          <a:fillRef idx="1">
-            <a:schemeClr val="accent1"/>
-          </a:fillRef>
-          <a:effectRef idx="0">
-            <a:schemeClr val="accent1"/>
-          </a:effectRef>
-          <a:fontRef idx="minor">
-            <a:schemeClr val="lt1"/>
-          </a:fontRef>
-        </p:style>
-        <p:txBody>
-          <a:bodyPr rtlCol="0" anchor="ctr"/>
-          <a:lstStyle/>
-          <a:p>
-            <a:pPr marL="0" marR="0" lvl="0" indent="0" algn="ctr" defTabSz="914400" rtl="0" eaLnBrk="1" fontAlgn="auto" latinLnBrk="0" hangingPunct="1">
-              <a:lnSpc>
-                <a:spcPct val="100000"/>
-              </a:lnSpc>
-              <a:spcBef>
-                <a:spcPts val="0"/>
-              </a:spcBef>
-              <a:spcAft>
-                <a:spcPts val="0"/>
-              </a:spcAft>
-              <a:buClrTx/>
-              <a:buSzTx/>
-              <a:buFontTx/>
-              <a:buNone/>
-              <a:tabLst/>
-              <a:defRPr/>
-            </a:pPr>
-            <a:endParaRPr kumimoji="0" lang="en-US" sz="1800" b="0" i="0" u="none" strike="noStrike" kern="1200" cap="none" spc="0" normalizeH="0" baseline="0" noProof="0">
-              <a:ln>
-                <a:noFill/>
-              </a:ln>
-              <a:solidFill>
-                <a:prstClr val="white"/>
-              </a:solidFill>
-              <a:effectLst/>
-              <a:uLnTx/>
-              <a:uFillTx/>
-              <a:latin typeface="Calibri" panose="020F0502020204030204"/>
-              <a:ea typeface="+mn-ea"/>
-              <a:cs typeface="+mn-cs"/>
-            </a:endParaRPr>
-          </a:p>
-        </p:txBody>
-      </p:sp>
       <p:pic>
         <p:nvPicPr>
-          <p:cNvPr id="20" name="Imagem 19" descr="Tela de computador com texto preto sobre fundo branco&#10;&#10;Descrição gerada automaticamente">
-            <a:extLst>
-              <a:ext uri="{FF2B5EF4-FFF2-40B4-BE49-F238E27FC236}">
-                <a16:creationId xmlns:a16="http://schemas.microsoft.com/office/drawing/2014/main" id="{3A02DED5-E702-4845-AFB5-A488487D1DB0}"/>
-              </a:ext>
-            </a:extLst>
-          </p:cNvPr>
-          <p:cNvPicPr>
-            <a:picLocks noChangeAspect="1"/>
-          </p:cNvPicPr>
-          <p:nvPr/>
-        </p:nvPicPr>
-        <p:blipFill rotWithShape="1">
-          <a:blip r:embed="rId2">
-            <a:extLst>
-              <a:ext uri="{28A0092B-C50C-407E-A947-70E740481C1C}">
-                <a14:useLocalDpi xmlns:a14="http://schemas.microsoft.com/office/drawing/2010/main" val="0"/>
-              </a:ext>
-            </a:extLst>
-          </a:blip>
-          <a:srcRect l="2957" r="6182" b="-1"/>
-          <a:stretch/>
-        </p:blipFill>
-        <p:spPr>
-          <a:xfrm>
-            <a:off x="5124450" y="634382"/>
-            <a:ext cx="6657213" cy="5495162"/>
-          </a:xfrm>
-          <a:prstGeom prst="rect">
-            <a:avLst/>
-          </a:prstGeom>
-        </p:spPr>
-      </p:pic>
-      <p:pic>
-        <p:nvPicPr>
-          <p:cNvPr id="9" name="Imagem 8">
-            <a:extLst>
-              <a:ext uri="{FF2B5EF4-FFF2-40B4-BE49-F238E27FC236}">
-                <a16:creationId xmlns:a16="http://schemas.microsoft.com/office/drawing/2014/main" id="{F745EBB1-8D29-4430-8E72-390A36EEA934}"/>
+          <p:cNvPr id="14" name="Imagem 13">
+            <a:extLst>
+              <a:ext uri="{FF2B5EF4-FFF2-40B4-BE49-F238E27FC236}">
+                <a16:creationId xmlns:a16="http://schemas.microsoft.com/office/drawing/2014/main" id="{95D4A2B8-C3A0-414E-ABDA-1BE3B82146A1}"/>
               </a:ext>
             </a:extLst>
           </p:cNvPr>
@@ -9735,14 +11265,65 @@
         </p:blipFill>
         <p:spPr>
           <a:xfrm>
-            <a:off x="53894" y="35169"/>
+            <a:off x="71851" y="309267"/>
             <a:ext cx="1035488" cy="1035488"/>
           </a:xfrm>
           <a:prstGeom prst="rect">
             <a:avLst/>
           </a:prstGeom>
+          <a:solidFill>
+            <a:srgbClr val="5881C0"/>
+          </a:solidFill>
+          <a:ln>
+            <a:solidFill>
+              <a:srgbClr val="5881C0"/>
+            </a:solidFill>
+          </a:ln>
         </p:spPr>
       </p:pic>
+      <p:sp>
+        <p:nvSpPr>
+          <p:cNvPr id="15" name="Retângulo 14">
+            <a:extLst>
+              <a:ext uri="{FF2B5EF4-FFF2-40B4-BE49-F238E27FC236}">
+                <a16:creationId xmlns:a16="http://schemas.microsoft.com/office/drawing/2014/main" id="{718D03FC-FF3B-4D33-A8D1-EE6DFCEE64CB}"/>
+              </a:ext>
+            </a:extLst>
+          </p:cNvPr>
+          <p:cNvSpPr/>
+          <p:nvPr/>
+        </p:nvSpPr>
+        <p:spPr>
+          <a:xfrm>
+            <a:off x="85350" y="-43679"/>
+            <a:ext cx="1074781" cy="369332"/>
+          </a:xfrm>
+          <a:prstGeom prst="rect">
+            <a:avLst/>
+          </a:prstGeom>
+        </p:spPr>
+        <p:txBody>
+          <a:bodyPr wrap="none">
+            <a:spAutoFit/>
+          </a:bodyPr>
+          <a:lstStyle/>
+          <a:p>
+            <a:r>
+              <a:rPr lang="en-US" b="1" dirty="0">
+                <a:effectLst>
+                  <a:outerShdw blurRad="38100" dist="38100" dir="2700000" algn="tl">
+                    <a:srgbClr val="000000">
+                      <a:alpha val="43137"/>
+                    </a:srgbClr>
+                  </a:outerShdw>
+                </a:effectLst>
+              </a:rPr>
+              <a:t>SUSTABIL</a:t>
+            </a:r>
+            <a:endParaRPr lang="pt-BR" dirty="0"/>
+          </a:p>
+        </p:txBody>
+      </p:sp>
     </p:spTree>
     <p:extLst>
       <p:ext uri="{BB962C8B-B14F-4D97-AF65-F5344CB8AC3E}">
@@ -9753,6 +11334,18 @@
   <p:clrMapOvr>
     <a:masterClrMapping/>
   </p:clrMapOvr>
+  <mc:AlternateContent xmlns:mc="http://schemas.openxmlformats.org/markup-compatibility/2006">
+    <mc:Choice xmlns:p14="http://schemas.microsoft.com/office/powerpoint/2010/main" Requires="p14">
+      <p:transition spd="slow" p14:dur="1250">
+        <p:wipe/>
+      </p:transition>
+    </mc:Choice>
+    <mc:Fallback>
+      <p:transition spd="slow">
+        <p:wipe/>
+      </p:transition>
+    </mc:Fallback>
+  </mc:AlternateContent>
 </p:sld>
 </file>
 
@@ -9773,6 +11366,68 @@
           <a:chExt cx="0" cy="0"/>
         </a:xfrm>
       </p:grpSpPr>
+      <p:sp>
+        <p:nvSpPr>
+          <p:cNvPr id="8" name="Retângulo 7">
+            <a:extLst>
+              <a:ext uri="{FF2B5EF4-FFF2-40B4-BE49-F238E27FC236}">
+                <a16:creationId xmlns:a16="http://schemas.microsoft.com/office/drawing/2014/main" id="{BC62075E-7AA8-4F57-BB78-F21564C30F98}"/>
+              </a:ext>
+            </a:extLst>
+          </p:cNvPr>
+          <p:cNvSpPr/>
+          <p:nvPr/>
+        </p:nvSpPr>
+        <p:spPr>
+          <a:xfrm>
+            <a:off x="0" y="0"/>
+            <a:ext cx="12192000" cy="1917290"/>
+          </a:xfrm>
+          <a:prstGeom prst="rect">
+            <a:avLst/>
+          </a:prstGeom>
+          <a:solidFill>
+            <a:srgbClr val="5881C0"/>
+          </a:solidFill>
+          <a:ln>
+            <a:solidFill>
+              <a:srgbClr val="5881C0"/>
+            </a:solidFill>
+          </a:ln>
+        </p:spPr>
+        <p:style>
+          <a:lnRef idx="2">
+            <a:schemeClr val="accent1">
+              <a:shade val="50000"/>
+            </a:schemeClr>
+          </a:lnRef>
+          <a:fillRef idx="1">
+            <a:schemeClr val="accent1"/>
+          </a:fillRef>
+          <a:effectRef idx="0">
+            <a:schemeClr val="accent1"/>
+          </a:effectRef>
+          <a:fontRef idx="minor">
+            <a:schemeClr val="lt1"/>
+          </a:fontRef>
+        </p:style>
+        <p:txBody>
+          <a:bodyPr rtlCol="0" anchor="ctr"/>
+          <a:lstStyle/>
+          <a:p>
+            <a:pPr algn="ctr"/>
+            <a:endParaRPr lang="pt-BR" b="1" dirty="0">
+              <a:effectLst>
+                <a:outerShdw blurRad="38100" dist="38100" dir="2700000" algn="tl">
+                  <a:srgbClr val="000000">
+                    <a:alpha val="43137"/>
+                  </a:srgbClr>
+                </a:outerShdw>
+              </a:effectLst>
+            </a:endParaRPr>
+          </a:p>
+        </p:txBody>
+      </p:sp>
       <p:pic>
         <p:nvPicPr>
           <p:cNvPr id="45" name="Imagem 44">
@@ -9799,57 +11454,74 @@
         </p:blipFill>
         <p:spPr>
           <a:xfrm>
-            <a:off x="6340136" y="1618121"/>
-            <a:ext cx="5158012" cy="3621758"/>
-          </a:xfrm>
-          <a:prstGeom prst="rect">
-            <a:avLst/>
-          </a:prstGeom>
+            <a:off x="2315079" y="2064770"/>
+            <a:ext cx="7561842" cy="4802187"/>
+          </a:xfrm>
+          <a:prstGeom prst="rect">
+            <a:avLst/>
+          </a:prstGeom>
+          <a:ln>
+            <a:noFill/>
+          </a:ln>
+          <a:effectLst>
+            <a:outerShdw blurRad="190500" algn="tl" rotWithShape="0">
+              <a:srgbClr val="000000">
+                <a:alpha val="70000"/>
+              </a:srgbClr>
+            </a:outerShdw>
+          </a:effectLst>
         </p:spPr>
       </p:pic>
-      <p:cxnSp>
-        <p:nvCxnSpPr>
-          <p:cNvPr id="7" name="Conector reto 6">
-            <a:extLst>
-              <a:ext uri="{FF2B5EF4-FFF2-40B4-BE49-F238E27FC236}">
-                <a16:creationId xmlns:a16="http://schemas.microsoft.com/office/drawing/2014/main" id="{38D5D06E-DEFB-4BAD-8F80-CDFEA4E52522}"/>
-              </a:ext>
-            </a:extLst>
-          </p:cNvPr>
-          <p:cNvCxnSpPr/>
-          <p:nvPr/>
-        </p:nvCxnSpPr>
-        <p:spPr>
-          <a:xfrm>
-            <a:off x="6079958" y="1143000"/>
-            <a:ext cx="0" cy="4572000"/>
-          </a:xfrm>
-          <a:prstGeom prst="line">
-            <a:avLst/>
-          </a:prstGeom>
-          <a:ln/>
-        </p:spPr>
-        <p:style>
-          <a:lnRef idx="3">
-            <a:schemeClr val="accent1"/>
-          </a:lnRef>
-          <a:fillRef idx="0">
-            <a:schemeClr val="accent1"/>
-          </a:fillRef>
-          <a:effectRef idx="2">
-            <a:schemeClr val="accent1"/>
-          </a:effectRef>
-          <a:fontRef idx="minor">
-            <a:schemeClr val="tx1"/>
-          </a:fontRef>
-        </p:style>
-      </p:cxnSp>
+      <p:sp>
+        <p:nvSpPr>
+          <p:cNvPr id="2" name="Título 1">
+            <a:extLst>
+              <a:ext uri="{FF2B5EF4-FFF2-40B4-BE49-F238E27FC236}">
+                <a16:creationId xmlns:a16="http://schemas.microsoft.com/office/drawing/2014/main" id="{3E520D6D-F351-4BA5-B71E-4F308930839D}"/>
+              </a:ext>
+            </a:extLst>
+          </p:cNvPr>
+          <p:cNvSpPr>
+            <a:spLocks noGrp="1"/>
+          </p:cNvSpPr>
+          <p:nvPr>
+            <p:ph type="title"/>
+          </p:nvPr>
+        </p:nvSpPr>
+        <p:spPr>
+          <a:xfrm>
+            <a:off x="838200" y="0"/>
+            <a:ext cx="10515600" cy="1325563"/>
+          </a:xfrm>
+        </p:spPr>
+        <p:txBody>
+          <a:bodyPr/>
+          <a:lstStyle/>
+          <a:p>
+            <a:pPr algn="ctr"/>
+            <a:r>
+              <a:rPr lang="pt-BR" b="1" dirty="0">
+                <a:effectLst>
+                  <a:outerShdw blurRad="38100" dist="38100" dir="2700000" algn="tl">
+                    <a:srgbClr val="000000">
+                      <a:alpha val="43137"/>
+                    </a:srgbClr>
+                  </a:outerShdw>
+                </a:effectLst>
+                <a:latin typeface="Arial" panose="020B0604020202020204" pitchFamily="34" charset="0"/>
+                <a:cs typeface="Arial" panose="020B0604020202020204" pitchFamily="34" charset="0"/>
+              </a:rPr>
+              <a:t>Tela de cadastro</a:t>
+            </a:r>
+          </a:p>
+        </p:txBody>
+      </p:sp>
       <p:pic>
         <p:nvPicPr>
-          <p:cNvPr id="5" name="Imagem 4">
-            <a:extLst>
-              <a:ext uri="{FF2B5EF4-FFF2-40B4-BE49-F238E27FC236}">
-                <a16:creationId xmlns:a16="http://schemas.microsoft.com/office/drawing/2014/main" id="{0C2BFC19-2020-4662-A843-CC5FA82B755D}"/>
+          <p:cNvPr id="9" name="Imagem 8">
+            <a:extLst>
+              <a:ext uri="{FF2B5EF4-FFF2-40B4-BE49-F238E27FC236}">
+                <a16:creationId xmlns:a16="http://schemas.microsoft.com/office/drawing/2014/main" id="{DC1AE7F5-F22E-4F0E-ABB5-4A6075C1A59A}"/>
               </a:ext>
             </a:extLst>
           </p:cNvPr>
@@ -9866,41 +11538,65 @@
         </p:blipFill>
         <p:spPr>
           <a:xfrm>
-            <a:off x="53894" y="35169"/>
+            <a:off x="71851" y="309267"/>
             <a:ext cx="1035488" cy="1035488"/>
           </a:xfrm>
           <a:prstGeom prst="rect">
             <a:avLst/>
           </a:prstGeom>
+          <a:solidFill>
+            <a:srgbClr val="5881C0"/>
+          </a:solidFill>
+          <a:ln>
+            <a:solidFill>
+              <a:srgbClr val="5881C0"/>
+            </a:solidFill>
+          </a:ln>
         </p:spPr>
       </p:pic>
-      <p:pic>
-        <p:nvPicPr>
-          <p:cNvPr id="6" name="Imagem 5">
-            <a:extLst>
-              <a:ext uri="{FF2B5EF4-FFF2-40B4-BE49-F238E27FC236}">
-                <a16:creationId xmlns:a16="http://schemas.microsoft.com/office/drawing/2014/main" id="{F06113D5-BC16-46DA-B96C-AAE0BCD4277A}"/>
-              </a:ext>
-            </a:extLst>
-          </p:cNvPr>
-          <p:cNvPicPr/>
+      <p:sp>
+        <p:nvSpPr>
+          <p:cNvPr id="10" name="Retângulo 9">
+            <a:extLst>
+              <a:ext uri="{FF2B5EF4-FFF2-40B4-BE49-F238E27FC236}">
+                <a16:creationId xmlns:a16="http://schemas.microsoft.com/office/drawing/2014/main" id="{FB057FFC-DD98-406B-9144-6AE1026D555A}"/>
+              </a:ext>
+            </a:extLst>
+          </p:cNvPr>
+          <p:cNvSpPr/>
           <p:nvPr/>
-        </p:nvPicPr>
-        <p:blipFill rotWithShape="1">
-          <a:blip r:embed="rId4"/>
-          <a:srcRect l="10374" t="10558" r="18313" b="21207"/>
-          <a:stretch/>
-        </p:blipFill>
-        <p:spPr>
-          <a:xfrm>
-            <a:off x="525065" y="1928143"/>
-            <a:ext cx="5294716" cy="3001714"/>
-          </a:xfrm>
-          <a:prstGeom prst="rect">
-            <a:avLst/>
-          </a:prstGeom>
-        </p:spPr>
-      </p:pic>
+        </p:nvSpPr>
+        <p:spPr>
+          <a:xfrm>
+            <a:off x="85350" y="-43679"/>
+            <a:ext cx="1074781" cy="369332"/>
+          </a:xfrm>
+          <a:prstGeom prst="rect">
+            <a:avLst/>
+          </a:prstGeom>
+        </p:spPr>
+        <p:txBody>
+          <a:bodyPr wrap="none">
+            <a:spAutoFit/>
+          </a:bodyPr>
+          <a:lstStyle/>
+          <a:p>
+            <a:r>
+              <a:rPr lang="en-US" b="1" dirty="0">
+                <a:effectLst>
+                  <a:outerShdw blurRad="38100" dist="38100" dir="2700000" algn="tl">
+                    <a:srgbClr val="000000">
+                      <a:alpha val="43137"/>
+                    </a:srgbClr>
+                  </a:outerShdw>
+                </a:effectLst>
+              </a:rPr>
+              <a:t>SUSTABIL</a:t>
+            </a:r>
+            <a:endParaRPr lang="pt-BR" dirty="0"/>
+          </a:p>
+        </p:txBody>
+      </p:sp>
     </p:spTree>
     <p:extLst>
       <p:ext uri="{BB962C8B-B14F-4D97-AF65-F5344CB8AC3E}">
@@ -9911,6 +11607,18 @@
   <p:clrMapOvr>
     <a:masterClrMapping/>
   </p:clrMapOvr>
+  <mc:AlternateContent xmlns:mc="http://schemas.openxmlformats.org/markup-compatibility/2006">
+    <mc:Choice xmlns:p14="http://schemas.microsoft.com/office/powerpoint/2010/main" Requires="p14">
+      <p:transition spd="slow" p14:dur="1250">
+        <p:wipe/>
+      </p:transition>
+    </mc:Choice>
+    <mc:Fallback>
+      <p:transition spd="slow">
+        <p:wipe/>
+      </p:transition>
+    </mc:Fallback>
+  </mc:AlternateContent>
 </p:sld>
 </file>
 

--- a/SUSTABIL - Apresentação real.pptx
+++ b/SUSTABIL - Apresentação real.pptx
@@ -12,18 +12,17 @@
     <p:sldId id="259" r:id="rId6"/>
     <p:sldId id="262" r:id="rId7"/>
     <p:sldId id="272" r:id="rId8"/>
-    <p:sldId id="260" r:id="rId9"/>
+    <p:sldId id="274" r:id="rId9"/>
     <p:sldId id="263" r:id="rId10"/>
-    <p:sldId id="274" r:id="rId11"/>
-    <p:sldId id="268" r:id="rId12"/>
-    <p:sldId id="275" r:id="rId13"/>
-    <p:sldId id="273" r:id="rId14"/>
+    <p:sldId id="268" r:id="rId11"/>
+    <p:sldId id="275" r:id="rId12"/>
+    <p:sldId id="273" r:id="rId13"/>
+    <p:sldId id="261" r:id="rId14"/>
     <p:sldId id="269" r:id="rId15"/>
     <p:sldId id="266" r:id="rId16"/>
     <p:sldId id="276" r:id="rId17"/>
     <p:sldId id="267" r:id="rId18"/>
-    <p:sldId id="261" r:id="rId19"/>
-    <p:sldId id="271" r:id="rId20"/>
+    <p:sldId id="271" r:id="rId19"/>
   </p:sldIdLst>
   <p:sldSz cx="12192000" cy="6858000"/>
   <p:notesSz cx="6858000" cy="9144000"/>
@@ -373,13 +372,13 @@
   <p:clrMapOvr>
     <a:masterClrMapping/>
   </p:clrMapOvr>
-  <mc:AlternateContent xmlns:mc="http://schemas.openxmlformats.org/markup-compatibility/2006">
-    <mc:Choice xmlns:p14="http://schemas.microsoft.com/office/powerpoint/2010/main" Requires="p14">
+  <mc:AlternateContent xmlns:mc="http://schemas.openxmlformats.org/markup-compatibility/2006" xmlns:p14="http://schemas.microsoft.com/office/powerpoint/2010/main">
+    <mc:Choice Requires="p14">
       <p:transition spd="slow" p14:dur="1250">
         <p:wipe/>
       </p:transition>
     </mc:Choice>
-    <mc:Fallback>
+    <mc:Fallback xmlns="">
       <p:transition spd="slow">
         <p:wipe/>
       </p:transition>
@@ -583,13 +582,13 @@
   <p:clrMapOvr>
     <a:masterClrMapping/>
   </p:clrMapOvr>
-  <mc:AlternateContent xmlns:mc="http://schemas.openxmlformats.org/markup-compatibility/2006">
-    <mc:Choice xmlns:p14="http://schemas.microsoft.com/office/powerpoint/2010/main" Requires="p14">
+  <mc:AlternateContent xmlns:mc="http://schemas.openxmlformats.org/markup-compatibility/2006" xmlns:p14="http://schemas.microsoft.com/office/powerpoint/2010/main">
+    <mc:Choice Requires="p14">
       <p:transition spd="slow" p14:dur="1250">
         <p:wipe/>
       </p:transition>
     </mc:Choice>
-    <mc:Fallback>
+    <mc:Fallback xmlns="">
       <p:transition spd="slow">
         <p:wipe/>
       </p:transition>
@@ -803,13 +802,13 @@
   <p:clrMapOvr>
     <a:masterClrMapping/>
   </p:clrMapOvr>
-  <mc:AlternateContent xmlns:mc="http://schemas.openxmlformats.org/markup-compatibility/2006">
-    <mc:Choice xmlns:p14="http://schemas.microsoft.com/office/powerpoint/2010/main" Requires="p14">
+  <mc:AlternateContent xmlns:mc="http://schemas.openxmlformats.org/markup-compatibility/2006" xmlns:p14="http://schemas.microsoft.com/office/powerpoint/2010/main">
+    <mc:Choice Requires="p14">
       <p:transition spd="slow" p14:dur="1250">
         <p:wipe/>
       </p:transition>
     </mc:Choice>
-    <mc:Fallback>
+    <mc:Fallback xmlns="">
       <p:transition spd="slow">
         <p:wipe/>
       </p:transition>
@@ -1013,13 +1012,13 @@
   <p:clrMapOvr>
     <a:masterClrMapping/>
   </p:clrMapOvr>
-  <mc:AlternateContent xmlns:mc="http://schemas.openxmlformats.org/markup-compatibility/2006">
-    <mc:Choice xmlns:p14="http://schemas.microsoft.com/office/powerpoint/2010/main" Requires="p14">
+  <mc:AlternateContent xmlns:mc="http://schemas.openxmlformats.org/markup-compatibility/2006" xmlns:p14="http://schemas.microsoft.com/office/powerpoint/2010/main">
+    <mc:Choice Requires="p14">
       <p:transition spd="slow" p14:dur="1250">
         <p:wipe/>
       </p:transition>
     </mc:Choice>
-    <mc:Fallback>
+    <mc:Fallback xmlns="">
       <p:transition spd="slow">
         <p:wipe/>
       </p:transition>
@@ -1300,13 +1299,13 @@
   <p:clrMapOvr>
     <a:masterClrMapping/>
   </p:clrMapOvr>
-  <mc:AlternateContent xmlns:mc="http://schemas.openxmlformats.org/markup-compatibility/2006">
-    <mc:Choice xmlns:p14="http://schemas.microsoft.com/office/powerpoint/2010/main" Requires="p14">
+  <mc:AlternateContent xmlns:mc="http://schemas.openxmlformats.org/markup-compatibility/2006" xmlns:p14="http://schemas.microsoft.com/office/powerpoint/2010/main">
+    <mc:Choice Requires="p14">
       <p:transition spd="slow" p14:dur="1250">
         <p:wipe/>
       </p:transition>
     </mc:Choice>
-    <mc:Fallback>
+    <mc:Fallback xmlns="">
       <p:transition spd="slow">
         <p:wipe/>
       </p:transition>
@@ -1577,13 +1576,13 @@
   <p:clrMapOvr>
     <a:masterClrMapping/>
   </p:clrMapOvr>
-  <mc:AlternateContent xmlns:mc="http://schemas.openxmlformats.org/markup-compatibility/2006">
-    <mc:Choice xmlns:p14="http://schemas.microsoft.com/office/powerpoint/2010/main" Requires="p14">
+  <mc:AlternateContent xmlns:mc="http://schemas.openxmlformats.org/markup-compatibility/2006" xmlns:p14="http://schemas.microsoft.com/office/powerpoint/2010/main">
+    <mc:Choice Requires="p14">
       <p:transition spd="slow" p14:dur="1250">
         <p:wipe/>
       </p:transition>
     </mc:Choice>
-    <mc:Fallback>
+    <mc:Fallback xmlns="">
       <p:transition spd="slow">
         <p:wipe/>
       </p:transition>
@@ -2001,13 +2000,13 @@
   <p:clrMapOvr>
     <a:masterClrMapping/>
   </p:clrMapOvr>
-  <mc:AlternateContent xmlns:mc="http://schemas.openxmlformats.org/markup-compatibility/2006">
-    <mc:Choice xmlns:p14="http://schemas.microsoft.com/office/powerpoint/2010/main" Requires="p14">
+  <mc:AlternateContent xmlns:mc="http://schemas.openxmlformats.org/markup-compatibility/2006" xmlns:p14="http://schemas.microsoft.com/office/powerpoint/2010/main">
+    <mc:Choice Requires="p14">
       <p:transition spd="slow" p14:dur="1250">
         <p:wipe/>
       </p:transition>
     </mc:Choice>
-    <mc:Fallback>
+    <mc:Fallback xmlns="">
       <p:transition spd="slow">
         <p:wipe/>
       </p:transition>
@@ -2154,13 +2153,13 @@
   <p:clrMapOvr>
     <a:masterClrMapping/>
   </p:clrMapOvr>
-  <mc:AlternateContent xmlns:mc="http://schemas.openxmlformats.org/markup-compatibility/2006">
-    <mc:Choice xmlns:p14="http://schemas.microsoft.com/office/powerpoint/2010/main" Requires="p14">
+  <mc:AlternateContent xmlns:mc="http://schemas.openxmlformats.org/markup-compatibility/2006" xmlns:p14="http://schemas.microsoft.com/office/powerpoint/2010/main">
+    <mc:Choice Requires="p14">
       <p:transition spd="slow" p14:dur="1250">
         <p:wipe/>
       </p:transition>
     </mc:Choice>
-    <mc:Fallback>
+    <mc:Fallback xmlns="">
       <p:transition spd="slow">
         <p:wipe/>
       </p:transition>
@@ -2279,13 +2278,13 @@
   <p:clrMapOvr>
     <a:masterClrMapping/>
   </p:clrMapOvr>
-  <mc:AlternateContent xmlns:mc="http://schemas.openxmlformats.org/markup-compatibility/2006">
-    <mc:Choice xmlns:p14="http://schemas.microsoft.com/office/powerpoint/2010/main" Requires="p14">
+  <mc:AlternateContent xmlns:mc="http://schemas.openxmlformats.org/markup-compatibility/2006" xmlns:p14="http://schemas.microsoft.com/office/powerpoint/2010/main">
+    <mc:Choice Requires="p14">
       <p:transition spd="slow" p14:dur="1250">
         <p:wipe/>
       </p:transition>
     </mc:Choice>
-    <mc:Fallback>
+    <mc:Fallback xmlns="">
       <p:transition spd="slow">
         <p:wipe/>
       </p:transition>
@@ -2602,13 +2601,13 @@
   <p:clrMapOvr>
     <a:masterClrMapping/>
   </p:clrMapOvr>
-  <mc:AlternateContent xmlns:mc="http://schemas.openxmlformats.org/markup-compatibility/2006">
-    <mc:Choice xmlns:p14="http://schemas.microsoft.com/office/powerpoint/2010/main" Requires="p14">
+  <mc:AlternateContent xmlns:mc="http://schemas.openxmlformats.org/markup-compatibility/2006" xmlns:p14="http://schemas.microsoft.com/office/powerpoint/2010/main">
+    <mc:Choice Requires="p14">
       <p:transition spd="slow" p14:dur="1250">
         <p:wipe/>
       </p:transition>
     </mc:Choice>
-    <mc:Fallback>
+    <mc:Fallback xmlns="">
       <p:transition spd="slow">
         <p:wipe/>
       </p:transition>
@@ -2902,13 +2901,13 @@
   <p:clrMapOvr>
     <a:masterClrMapping/>
   </p:clrMapOvr>
-  <mc:AlternateContent xmlns:mc="http://schemas.openxmlformats.org/markup-compatibility/2006">
-    <mc:Choice xmlns:p14="http://schemas.microsoft.com/office/powerpoint/2010/main" Requires="p14">
+  <mc:AlternateContent xmlns:mc="http://schemas.openxmlformats.org/markup-compatibility/2006" xmlns:p14="http://schemas.microsoft.com/office/powerpoint/2010/main">
+    <mc:Choice Requires="p14">
       <p:transition spd="slow" p14:dur="1250">
         <p:wipe/>
       </p:transition>
     </mc:Choice>
-    <mc:Fallback>
+    <mc:Fallback xmlns="">
       <p:transition spd="slow">
         <p:wipe/>
       </p:transition>
@@ -3202,13 +3201,13 @@
     <p:sldLayoutId id="2147483658" r:id="rId10"/>
     <p:sldLayoutId id="2147483659" r:id="rId11"/>
   </p:sldLayoutIdLst>
-  <mc:AlternateContent xmlns:mc="http://schemas.openxmlformats.org/markup-compatibility/2006">
-    <mc:Choice xmlns:p14="http://schemas.microsoft.com/office/powerpoint/2010/main" Requires="p14">
+  <mc:AlternateContent xmlns:mc="http://schemas.openxmlformats.org/markup-compatibility/2006" xmlns:p14="http://schemas.microsoft.com/office/powerpoint/2010/main">
+    <mc:Choice Requires="p14">
       <p:transition spd="slow" p14:dur="1250">
         <p:wipe/>
       </p:transition>
     </mc:Choice>
-    <mc:Fallback>
+    <mc:Fallback xmlns="">
       <p:transition spd="slow">
         <p:wipe/>
       </p:transition>
@@ -3915,13 +3914,13 @@
   <p:clrMapOvr>
     <a:masterClrMapping/>
   </p:clrMapOvr>
-  <mc:AlternateContent xmlns:mc="http://schemas.openxmlformats.org/markup-compatibility/2006">
-    <mc:Choice xmlns:p14="http://schemas.microsoft.com/office/powerpoint/2010/main" Requires="p14">
+  <mc:AlternateContent xmlns:mc="http://schemas.openxmlformats.org/markup-compatibility/2006" xmlns:p14="http://schemas.microsoft.com/office/powerpoint/2010/main">
+    <mc:Choice Requires="p14">
       <p:transition spd="slow" p14:dur="1250">
         <p:wipe/>
       </p:transition>
     </mc:Choice>
-    <mc:Fallback>
+    <mc:Fallback xmlns="">
       <p:transition spd="slow">
         <p:wipe/>
       </p:transition>
@@ -3949,10 +3948,10 @@
       </p:grpSpPr>
       <p:sp>
         <p:nvSpPr>
-          <p:cNvPr id="5" name="Retângulo 4">
-            <a:extLst>
-              <a:ext uri="{FF2B5EF4-FFF2-40B4-BE49-F238E27FC236}">
-                <a16:creationId xmlns:a16="http://schemas.microsoft.com/office/drawing/2014/main" id="{F71650AF-280C-4CA0-8090-D41F23F9D98C}"/>
+          <p:cNvPr id="6" name="Retângulo 5">
+            <a:extLst>
+              <a:ext uri="{FF2B5EF4-FFF2-40B4-BE49-F238E27FC236}">
+                <a16:creationId xmlns:a16="http://schemas.microsoft.com/office/drawing/2014/main" id="{B9EE5BC0-636C-47F6-BB27-AA0BFFAA3839}"/>
               </a:ext>
             </a:extLst>
           </p:cNvPr>
@@ -4009,31 +4008,98 @@
           </a:p>
         </p:txBody>
       </p:sp>
-      <p:sp>
-        <p:nvSpPr>
-          <p:cNvPr id="2" name="Título 1">
-            <a:extLst>
-              <a:ext uri="{FF2B5EF4-FFF2-40B4-BE49-F238E27FC236}">
-                <a16:creationId xmlns:a16="http://schemas.microsoft.com/office/drawing/2014/main" id="{D8BBF75D-40F0-488B-89AB-961FDBB3E783}"/>
-              </a:ext>
-            </a:extLst>
-          </p:cNvPr>
-          <p:cNvSpPr>
-            <a:spLocks noGrp="1"/>
+      <p:pic>
+        <p:nvPicPr>
+          <p:cNvPr id="9" name="Imagem 8" descr="Tela de celular com texto preto sobre fundo branco&#10;&#10;Descrição gerada automaticamente">
+            <a:extLst>
+              <a:ext uri="{FF2B5EF4-FFF2-40B4-BE49-F238E27FC236}">
+                <a16:creationId xmlns:a16="http://schemas.microsoft.com/office/drawing/2014/main" id="{92EA93DF-9609-4623-BA66-B7E60CA13C82}"/>
+              </a:ext>
+            </a:extLst>
+          </p:cNvPr>
+          <p:cNvPicPr>
+            <a:picLocks noChangeAspect="1"/>
+          </p:cNvPicPr>
+          <p:nvPr/>
+        </p:nvPicPr>
+        <p:blipFill>
+          <a:blip r:embed="rId2">
+            <a:extLst>
+              <a:ext uri="{28A0092B-C50C-407E-A947-70E740481C1C}">
+                <a14:useLocalDpi xmlns:a14="http://schemas.microsoft.com/office/drawing/2010/main" val="0"/>
+              </a:ext>
+            </a:extLst>
+          </a:blip>
+          <a:stretch>
+            <a:fillRect/>
+          </a:stretch>
+        </p:blipFill>
+        <p:spPr>
+          <a:xfrm>
+            <a:off x="2945693" y="2064770"/>
+            <a:ext cx="6297561" cy="5005678"/>
+          </a:xfrm>
+          <a:prstGeom prst="rect">
+            <a:avLst/>
+          </a:prstGeom>
+          <a:ln>
+            <a:noFill/>
+          </a:ln>
+          <a:effectLst>
+            <a:outerShdw blurRad="190500" algn="tl" rotWithShape="0">
+              <a:srgbClr val="000000">
+                <a:alpha val="70000"/>
+              </a:srgbClr>
+            </a:outerShdw>
+          </a:effectLst>
+        </p:spPr>
+      </p:pic>
+      <p:sp>
+        <p:nvSpPr>
+          <p:cNvPr id="7" name="Título 1">
+            <a:extLst>
+              <a:ext uri="{FF2B5EF4-FFF2-40B4-BE49-F238E27FC236}">
+                <a16:creationId xmlns:a16="http://schemas.microsoft.com/office/drawing/2014/main" id="{465BF5C2-15BF-4116-83A4-9E253E05D021}"/>
+              </a:ext>
+            </a:extLst>
+          </p:cNvPr>
+          <p:cNvSpPr txBox="1">
+            <a:spLocks/>
           </p:cNvSpPr>
-          <p:nvPr>
-            <p:ph type="title"/>
-          </p:nvPr>
-        </p:nvSpPr>
-        <p:spPr>
-          <a:xfrm>
-            <a:off x="838199" y="0"/>
-            <a:ext cx="10515600" cy="1325563"/>
-          </a:xfrm>
-        </p:spPr>
-        <p:txBody>
-          <a:bodyPr/>
-          <a:lstStyle/>
+          <p:nvPr/>
+        </p:nvSpPr>
+        <p:spPr>
+          <a:xfrm>
+            <a:off x="836674" y="57854"/>
+            <a:ext cx="10515600" cy="1288784"/>
+          </a:xfrm>
+          <a:prstGeom prst="rect">
+            <a:avLst/>
+          </a:prstGeom>
+        </p:spPr>
+        <p:txBody>
+          <a:bodyPr vert="horz" lIns="91440" tIns="45720" rIns="91440" bIns="45720" rtlCol="0" anchor="ctr">
+            <a:normAutofit/>
+          </a:bodyPr>
+          <a:lstStyle>
+            <a:lvl1pPr algn="l" defTabSz="914400" rtl="0" eaLnBrk="1" latinLnBrk="0" hangingPunct="1">
+              <a:lnSpc>
+                <a:spcPct val="90000"/>
+              </a:lnSpc>
+              <a:spcBef>
+                <a:spcPct val="0"/>
+              </a:spcBef>
+              <a:buNone/>
+              <a:defRPr sz="4400" kern="1200">
+                <a:solidFill>
+                  <a:schemeClr val="tx1"/>
+                </a:solidFill>
+                <a:latin typeface="+mj-lt"/>
+                <a:ea typeface="+mj-ea"/>
+                <a:cs typeface="+mj-cs"/>
+              </a:defRPr>
+            </a:lvl1pPr>
+          </a:lstStyle>
           <a:p>
             <a:pPr algn="ctr"/>
             <a:r>
@@ -4048,58 +4114,17 @@
                 <a:latin typeface="Arial" panose="020B0604020202020204" pitchFamily="34" charset="0"/>
                 <a:cs typeface="Arial" panose="020B0604020202020204" pitchFamily="34" charset="0"/>
               </a:rPr>
-              <a:t>Tela de login</a:t>
+              <a:t>Tela sobre nós</a:t>
             </a:r>
           </a:p>
         </p:txBody>
       </p:sp>
       <p:pic>
         <p:nvPicPr>
-          <p:cNvPr id="4" name="Espaço Reservado para Conteúdo 3">
-            <a:extLst>
-              <a:ext uri="{FF2B5EF4-FFF2-40B4-BE49-F238E27FC236}">
-                <a16:creationId xmlns:a16="http://schemas.microsoft.com/office/drawing/2014/main" id="{4B142877-9668-48D1-B6F2-1E0F020C453D}"/>
-              </a:ext>
-            </a:extLst>
-          </p:cNvPr>
-          <p:cNvPicPr>
-            <a:picLocks noGrp="1"/>
-          </p:cNvPicPr>
-          <p:nvPr>
-            <p:ph idx="1"/>
-          </p:nvPr>
-        </p:nvPicPr>
-        <p:blipFill rotWithShape="1">
-          <a:blip r:embed="rId2"/>
-          <a:srcRect l="10374" t="10558" r="18313" b="21207"/>
-          <a:stretch/>
-        </p:blipFill>
-        <p:spPr>
-          <a:xfrm>
-            <a:off x="2009248" y="2064770"/>
-            <a:ext cx="8173502" cy="4715303"/>
-          </a:xfrm>
-          <a:prstGeom prst="rect">
-            <a:avLst/>
-          </a:prstGeom>
-          <a:ln>
-            <a:noFill/>
-          </a:ln>
-          <a:effectLst>
-            <a:outerShdw blurRad="190500" algn="tl" rotWithShape="0">
-              <a:srgbClr val="000000">
-                <a:alpha val="70000"/>
-              </a:srgbClr>
-            </a:outerShdw>
-          </a:effectLst>
-        </p:spPr>
-      </p:pic>
-      <p:pic>
-        <p:nvPicPr>
-          <p:cNvPr id="6" name="Imagem 5">
-            <a:extLst>
-              <a:ext uri="{FF2B5EF4-FFF2-40B4-BE49-F238E27FC236}">
-                <a16:creationId xmlns:a16="http://schemas.microsoft.com/office/drawing/2014/main" id="{97EC46F0-A40E-4C02-AF04-C0849E583086}"/>
+          <p:cNvPr id="11" name="Imagem 10">
+            <a:extLst>
+              <a:ext uri="{FF2B5EF4-FFF2-40B4-BE49-F238E27FC236}">
+                <a16:creationId xmlns:a16="http://schemas.microsoft.com/office/drawing/2014/main" id="{6E6B28FD-C5B7-420B-A4B1-8356A6E582BE}"/>
               </a:ext>
             </a:extLst>
           </p:cNvPr>
@@ -4134,10 +4159,10 @@
       </p:pic>
       <p:sp>
         <p:nvSpPr>
-          <p:cNvPr id="7" name="Retângulo 6">
-            <a:extLst>
-              <a:ext uri="{FF2B5EF4-FFF2-40B4-BE49-F238E27FC236}">
-                <a16:creationId xmlns:a16="http://schemas.microsoft.com/office/drawing/2014/main" id="{685942AF-9615-4B7E-B595-7C41ACE1238D}"/>
+          <p:cNvPr id="12" name="Retângulo 11">
+            <a:extLst>
+              <a:ext uri="{FF2B5EF4-FFF2-40B4-BE49-F238E27FC236}">
+                <a16:creationId xmlns:a16="http://schemas.microsoft.com/office/drawing/2014/main" id="{B0EE5ED3-2BC9-470C-B8F8-2F9126633494}"/>
               </a:ext>
             </a:extLst>
           </p:cNvPr>
@@ -4178,20 +4203,20 @@
     </p:spTree>
     <p:extLst>
       <p:ext uri="{BB962C8B-B14F-4D97-AF65-F5344CB8AC3E}">
-        <p14:creationId xmlns:p14="http://schemas.microsoft.com/office/powerpoint/2010/main" val="927129456"/>
+        <p14:creationId xmlns:p14="http://schemas.microsoft.com/office/powerpoint/2010/main" val="1307777368"/>
       </p:ext>
     </p:extLst>
   </p:cSld>
   <p:clrMapOvr>
     <a:masterClrMapping/>
   </p:clrMapOvr>
-  <mc:AlternateContent xmlns:mc="http://schemas.openxmlformats.org/markup-compatibility/2006">
-    <mc:Choice xmlns:p14="http://schemas.microsoft.com/office/powerpoint/2010/main" Requires="p14">
+  <mc:AlternateContent xmlns:mc="http://schemas.openxmlformats.org/markup-compatibility/2006" xmlns:p14="http://schemas.microsoft.com/office/powerpoint/2010/main">
+    <mc:Choice Requires="p14">
       <p:transition spd="slow" p14:dur="1250">
         <p:wipe/>
       </p:transition>
     </mc:Choice>
-    <mc:Fallback>
+    <mc:Fallback xmlns="">
       <p:transition spd="slow">
         <p:wipe/>
       </p:transition>
@@ -4219,10 +4244,80 @@
       </p:grpSpPr>
       <p:sp>
         <p:nvSpPr>
+          <p:cNvPr id="2" name="Título 1">
+            <a:extLst>
+              <a:ext uri="{FF2B5EF4-FFF2-40B4-BE49-F238E27FC236}">
+                <a16:creationId xmlns:a16="http://schemas.microsoft.com/office/drawing/2014/main" id="{B0057FA2-FEC4-4DBE-B81C-C5D99609AFC1}"/>
+              </a:ext>
+            </a:extLst>
+          </p:cNvPr>
+          <p:cNvSpPr>
+            <a:spLocks noGrp="1"/>
+          </p:cNvSpPr>
+          <p:nvPr>
+            <p:ph type="title"/>
+          </p:nvPr>
+        </p:nvSpPr>
+        <p:spPr/>
+        <p:txBody>
+          <a:bodyPr/>
+          <a:lstStyle/>
+          <a:p>
+            <a:endParaRPr lang="pt-BR"/>
+          </a:p>
+        </p:txBody>
+      </p:sp>
+      <p:pic>
+        <p:nvPicPr>
+          <p:cNvPr id="5" name="Imagem 4" descr="Tela de computador com texto preto sobre fundo branco&#10;&#10;Descrição gerada automaticamente">
+            <a:extLst>
+              <a:ext uri="{FF2B5EF4-FFF2-40B4-BE49-F238E27FC236}">
+                <a16:creationId xmlns:a16="http://schemas.microsoft.com/office/drawing/2014/main" id="{7485D4AB-1C1B-48A4-BEF7-8CC6518E6134}"/>
+              </a:ext>
+            </a:extLst>
+          </p:cNvPr>
+          <p:cNvPicPr>
+            <a:picLocks noChangeAspect="1"/>
+          </p:cNvPicPr>
+          <p:nvPr/>
+        </p:nvPicPr>
+        <p:blipFill rotWithShape="1">
+          <a:blip r:embed="rId2">
+            <a:extLst>
+              <a:ext uri="{28A0092B-C50C-407E-A947-70E740481C1C}">
+                <a14:useLocalDpi xmlns:a14="http://schemas.microsoft.com/office/drawing/2010/main" val="0"/>
+              </a:ext>
+            </a:extLst>
+          </a:blip>
+          <a:srcRect r="-1" b="6724"/>
+          <a:stretch/>
+        </p:blipFill>
+        <p:spPr>
+          <a:xfrm>
+            <a:off x="2328204" y="2064770"/>
+            <a:ext cx="7532541" cy="5269484"/>
+          </a:xfrm>
+          <a:prstGeom prst="rect">
+            <a:avLst/>
+          </a:prstGeom>
+          <a:ln>
+            <a:noFill/>
+          </a:ln>
+          <a:effectLst>
+            <a:outerShdw blurRad="190500" algn="tl" rotWithShape="0">
+              <a:srgbClr val="000000">
+                <a:alpha val="70000"/>
+              </a:srgbClr>
+            </a:outerShdw>
+          </a:effectLst>
+        </p:spPr>
+      </p:pic>
+      <p:sp>
+        <p:nvSpPr>
           <p:cNvPr id="6" name="Retângulo 5">
             <a:extLst>
               <a:ext uri="{FF2B5EF4-FFF2-40B4-BE49-F238E27FC236}">
-                <a16:creationId xmlns:a16="http://schemas.microsoft.com/office/drawing/2014/main" id="{B9EE5BC0-636C-47F6-BB27-AA0BFFAA3839}"/>
+                <a16:creationId xmlns:a16="http://schemas.microsoft.com/office/drawing/2014/main" id="{D9A39C0B-FB5B-43A9-8EC0-73A0016C9DE8}"/>
               </a:ext>
             </a:extLst>
           </p:cNvPr>
@@ -4279,58 +4374,12 @@
           </a:p>
         </p:txBody>
       </p:sp>
-      <p:pic>
-        <p:nvPicPr>
-          <p:cNvPr id="9" name="Imagem 8" descr="Tela de celular com texto preto sobre fundo branco&#10;&#10;Descrição gerada automaticamente">
-            <a:extLst>
-              <a:ext uri="{FF2B5EF4-FFF2-40B4-BE49-F238E27FC236}">
-                <a16:creationId xmlns:a16="http://schemas.microsoft.com/office/drawing/2014/main" id="{92EA93DF-9609-4623-BA66-B7E60CA13C82}"/>
-              </a:ext>
-            </a:extLst>
-          </p:cNvPr>
-          <p:cNvPicPr>
-            <a:picLocks noChangeAspect="1"/>
-          </p:cNvPicPr>
-          <p:nvPr/>
-        </p:nvPicPr>
-        <p:blipFill>
-          <a:blip r:embed="rId2">
-            <a:extLst>
-              <a:ext uri="{28A0092B-C50C-407E-A947-70E740481C1C}">
-                <a14:useLocalDpi xmlns:a14="http://schemas.microsoft.com/office/drawing/2010/main" val="0"/>
-              </a:ext>
-            </a:extLst>
-          </a:blip>
-          <a:stretch>
-            <a:fillRect/>
-          </a:stretch>
-        </p:blipFill>
-        <p:spPr>
-          <a:xfrm>
-            <a:off x="2945693" y="2064770"/>
-            <a:ext cx="6297561" cy="5005678"/>
-          </a:xfrm>
-          <a:prstGeom prst="rect">
-            <a:avLst/>
-          </a:prstGeom>
-          <a:ln>
-            <a:noFill/>
-          </a:ln>
-          <a:effectLst>
-            <a:outerShdw blurRad="190500" algn="tl" rotWithShape="0">
-              <a:srgbClr val="000000">
-                <a:alpha val="70000"/>
-              </a:srgbClr>
-            </a:outerShdw>
-          </a:effectLst>
-        </p:spPr>
-      </p:pic>
       <p:sp>
         <p:nvSpPr>
           <p:cNvPr id="7" name="Título 1">
             <a:extLst>
               <a:ext uri="{FF2B5EF4-FFF2-40B4-BE49-F238E27FC236}">
-                <a16:creationId xmlns:a16="http://schemas.microsoft.com/office/drawing/2014/main" id="{465BF5C2-15BF-4116-83A4-9E253E05D021}"/>
+                <a16:creationId xmlns:a16="http://schemas.microsoft.com/office/drawing/2014/main" id="{4F8B4962-B178-48F3-B8FA-D580F3CC14AD}"/>
               </a:ext>
             </a:extLst>
           </p:cNvPr>
@@ -4385,17 +4434,17 @@
                 <a:latin typeface="Arial" panose="020B0604020202020204" pitchFamily="34" charset="0"/>
                 <a:cs typeface="Arial" panose="020B0604020202020204" pitchFamily="34" charset="0"/>
               </a:rPr>
-              <a:t>Tela sobre nós</a:t>
+              <a:t>Tela de consulta</a:t>
             </a:r>
           </a:p>
         </p:txBody>
       </p:sp>
       <p:pic>
         <p:nvPicPr>
-          <p:cNvPr id="11" name="Imagem 10">
-            <a:extLst>
-              <a:ext uri="{FF2B5EF4-FFF2-40B4-BE49-F238E27FC236}">
-                <a16:creationId xmlns:a16="http://schemas.microsoft.com/office/drawing/2014/main" id="{6E6B28FD-C5B7-420B-A4B1-8356A6E582BE}"/>
+          <p:cNvPr id="8" name="Imagem 7">
+            <a:extLst>
+              <a:ext uri="{FF2B5EF4-FFF2-40B4-BE49-F238E27FC236}">
+                <a16:creationId xmlns:a16="http://schemas.microsoft.com/office/drawing/2014/main" id="{BC9FE14F-A60F-410C-82EA-897C35115804}"/>
               </a:ext>
             </a:extLst>
           </p:cNvPr>
@@ -4430,10 +4479,10 @@
       </p:pic>
       <p:sp>
         <p:nvSpPr>
-          <p:cNvPr id="12" name="Retângulo 11">
-            <a:extLst>
-              <a:ext uri="{FF2B5EF4-FFF2-40B4-BE49-F238E27FC236}">
-                <a16:creationId xmlns:a16="http://schemas.microsoft.com/office/drawing/2014/main" id="{B0EE5ED3-2BC9-470C-B8F8-2F9126633494}"/>
+          <p:cNvPr id="9" name="Retângulo 8">
+            <a:extLst>
+              <a:ext uri="{FF2B5EF4-FFF2-40B4-BE49-F238E27FC236}">
+                <a16:creationId xmlns:a16="http://schemas.microsoft.com/office/drawing/2014/main" id="{347B4937-97C4-4531-AEC5-073DE1ADB4B4}"/>
               </a:ext>
             </a:extLst>
           </p:cNvPr>
@@ -4474,20 +4523,20 @@
     </p:spTree>
     <p:extLst>
       <p:ext uri="{BB962C8B-B14F-4D97-AF65-F5344CB8AC3E}">
-        <p14:creationId xmlns:p14="http://schemas.microsoft.com/office/powerpoint/2010/main" val="1307777368"/>
+        <p14:creationId xmlns:p14="http://schemas.microsoft.com/office/powerpoint/2010/main" val="1787895413"/>
       </p:ext>
     </p:extLst>
   </p:cSld>
   <p:clrMapOvr>
     <a:masterClrMapping/>
   </p:clrMapOvr>
-  <mc:AlternateContent xmlns:mc="http://schemas.openxmlformats.org/markup-compatibility/2006">
-    <mc:Choice xmlns:p14="http://schemas.microsoft.com/office/powerpoint/2010/main" Requires="p14">
+  <mc:AlternateContent xmlns:mc="http://schemas.openxmlformats.org/markup-compatibility/2006" xmlns:p14="http://schemas.microsoft.com/office/powerpoint/2010/main">
+    <mc:Choice Requires="p14">
       <p:transition spd="slow" p14:dur="1250">
         <p:wipe/>
       </p:transition>
     </mc:Choice>
-    <mc:Fallback>
+    <mc:Fallback xmlns="">
       <p:transition spd="slow">
         <p:wipe/>
       </p:transition>
@@ -4515,80 +4564,10 @@
       </p:grpSpPr>
       <p:sp>
         <p:nvSpPr>
-          <p:cNvPr id="2" name="Título 1">
-            <a:extLst>
-              <a:ext uri="{FF2B5EF4-FFF2-40B4-BE49-F238E27FC236}">
-                <a16:creationId xmlns:a16="http://schemas.microsoft.com/office/drawing/2014/main" id="{B0057FA2-FEC4-4DBE-B81C-C5D99609AFC1}"/>
-              </a:ext>
-            </a:extLst>
-          </p:cNvPr>
-          <p:cNvSpPr>
-            <a:spLocks noGrp="1"/>
-          </p:cNvSpPr>
-          <p:nvPr>
-            <p:ph type="title"/>
-          </p:nvPr>
-        </p:nvSpPr>
-        <p:spPr/>
-        <p:txBody>
-          <a:bodyPr/>
-          <a:lstStyle/>
-          <a:p>
-            <a:endParaRPr lang="pt-BR"/>
-          </a:p>
-        </p:txBody>
-      </p:sp>
-      <p:pic>
-        <p:nvPicPr>
-          <p:cNvPr id="5" name="Imagem 4" descr="Tela de computador com texto preto sobre fundo branco&#10;&#10;Descrição gerada automaticamente">
-            <a:extLst>
-              <a:ext uri="{FF2B5EF4-FFF2-40B4-BE49-F238E27FC236}">
-                <a16:creationId xmlns:a16="http://schemas.microsoft.com/office/drawing/2014/main" id="{7485D4AB-1C1B-48A4-BEF7-8CC6518E6134}"/>
-              </a:ext>
-            </a:extLst>
-          </p:cNvPr>
-          <p:cNvPicPr>
-            <a:picLocks noChangeAspect="1"/>
-          </p:cNvPicPr>
-          <p:nvPr/>
-        </p:nvPicPr>
-        <p:blipFill rotWithShape="1">
-          <a:blip r:embed="rId2">
-            <a:extLst>
-              <a:ext uri="{28A0092B-C50C-407E-A947-70E740481C1C}">
-                <a14:useLocalDpi xmlns:a14="http://schemas.microsoft.com/office/drawing/2010/main" val="0"/>
-              </a:ext>
-            </a:extLst>
-          </a:blip>
-          <a:srcRect r="-1" b="6724"/>
-          <a:stretch/>
-        </p:blipFill>
-        <p:spPr>
-          <a:xfrm>
-            <a:off x="2328204" y="2064770"/>
-            <a:ext cx="7532541" cy="5269484"/>
-          </a:xfrm>
-          <a:prstGeom prst="rect">
-            <a:avLst/>
-          </a:prstGeom>
-          <a:ln>
-            <a:noFill/>
-          </a:ln>
-          <a:effectLst>
-            <a:outerShdw blurRad="190500" algn="tl" rotWithShape="0">
-              <a:srgbClr val="000000">
-                <a:alpha val="70000"/>
-              </a:srgbClr>
-            </a:outerShdw>
-          </a:effectLst>
-        </p:spPr>
-      </p:pic>
-      <p:sp>
-        <p:nvSpPr>
-          <p:cNvPr id="6" name="Retângulo 5">
-            <a:extLst>
-              <a:ext uri="{FF2B5EF4-FFF2-40B4-BE49-F238E27FC236}">
-                <a16:creationId xmlns:a16="http://schemas.microsoft.com/office/drawing/2014/main" id="{D9A39C0B-FB5B-43A9-8EC0-73A0016C9DE8}"/>
+          <p:cNvPr id="5" name="Retângulo 4">
+            <a:extLst>
+              <a:ext uri="{FF2B5EF4-FFF2-40B4-BE49-F238E27FC236}">
+                <a16:creationId xmlns:a16="http://schemas.microsoft.com/office/drawing/2014/main" id="{EEA1334B-77FD-4059-8A2B-BC02290B3C41}"/>
               </a:ext>
             </a:extLst>
           </p:cNvPr>
@@ -4647,10 +4626,84 @@
       </p:sp>
       <p:sp>
         <p:nvSpPr>
-          <p:cNvPr id="7" name="Título 1">
-            <a:extLst>
-              <a:ext uri="{FF2B5EF4-FFF2-40B4-BE49-F238E27FC236}">
-                <a16:creationId xmlns:a16="http://schemas.microsoft.com/office/drawing/2014/main" id="{4F8B4962-B178-48F3-B8FA-D580F3CC14AD}"/>
+          <p:cNvPr id="3" name="CaixaDeTexto 2">
+            <a:extLst>
+              <a:ext uri="{FF2B5EF4-FFF2-40B4-BE49-F238E27FC236}">
+                <a16:creationId xmlns:a16="http://schemas.microsoft.com/office/drawing/2014/main" id="{87A51DD7-9150-47FA-8BCE-ED3D5E6ABDBD}"/>
+              </a:ext>
+            </a:extLst>
+          </p:cNvPr>
+          <p:cNvSpPr txBox="1"/>
+          <p:nvPr/>
+        </p:nvSpPr>
+        <p:spPr>
+          <a:xfrm>
+            <a:off x="5619134" y="3440679"/>
+            <a:ext cx="7327794" cy="369332"/>
+          </a:xfrm>
+          <a:prstGeom prst="rect">
+            <a:avLst/>
+          </a:prstGeom>
+          <a:noFill/>
+        </p:spPr>
+        <p:txBody>
+          <a:bodyPr wrap="square" rtlCol="0">
+            <a:spAutoFit/>
+          </a:bodyPr>
+          <a:lstStyle/>
+          <a:p>
+            <a:pPr>
+              <a:buSzPct val="250000"/>
+            </a:pPr>
+            <a:r>
+              <a:rPr lang="pt-BR" b="1" dirty="0">
+                <a:effectLst>
+                  <a:outerShdw blurRad="38100" dist="38100" dir="2700000" algn="tl">
+                    <a:srgbClr val="000000">
+                      <a:alpha val="43137"/>
+                    </a:srgbClr>
+                  </a:outerShdw>
+                </a:effectLst>
+                <a:latin typeface="Arial" panose="020B0604020202020204" pitchFamily="34" charset="0"/>
+                <a:cs typeface="Arial" panose="020B0604020202020204" pitchFamily="34" charset="0"/>
+              </a:rPr>
+              <a:t>Simulador Financeiro</a:t>
+            </a:r>
+            <a:r>
+              <a:rPr lang="pt-BR" dirty="0">
+                <a:effectLst>
+                  <a:outerShdw blurRad="38100" dist="38100" dir="2700000" algn="tl">
+                    <a:srgbClr val="000000">
+                      <a:alpha val="43137"/>
+                    </a:srgbClr>
+                  </a:outerShdw>
+                </a:effectLst>
+                <a:latin typeface="Arial" panose="020B0604020202020204" pitchFamily="34" charset="0"/>
+                <a:cs typeface="Arial" panose="020B0604020202020204" pitchFamily="34" charset="0"/>
+              </a:rPr>
+              <a:t>: </a:t>
+            </a:r>
+            <a:r>
+              <a:rPr lang="pt-BR" dirty="0">
+                <a:latin typeface="Arial" panose="020B0604020202020204" pitchFamily="34" charset="0"/>
+                <a:cs typeface="Arial" panose="020B0604020202020204" pitchFamily="34" charset="0"/>
+                <a:hlinkClick r:id="rId2"/>
+              </a:rPr>
+              <a:t>https://simuladorfinanceiro.netlify.app/</a:t>
+            </a:r>
+            <a:endParaRPr lang="pt-BR" dirty="0">
+              <a:latin typeface="Arial" panose="020B0604020202020204" pitchFamily="34" charset="0"/>
+              <a:cs typeface="Arial" panose="020B0604020202020204" pitchFamily="34" charset="0"/>
+            </a:endParaRPr>
+          </a:p>
+        </p:txBody>
+      </p:sp>
+      <p:sp>
+        <p:nvSpPr>
+          <p:cNvPr id="8" name="Título 1">
+            <a:extLst>
+              <a:ext uri="{FF2B5EF4-FFF2-40B4-BE49-F238E27FC236}">
+                <a16:creationId xmlns:a16="http://schemas.microsoft.com/office/drawing/2014/main" id="{3E06F42C-9B68-4154-A525-B05F7F4585B5}"/>
               </a:ext>
             </a:extLst>
           </p:cNvPr>
@@ -4705,330 +4758,6 @@
                 <a:latin typeface="Arial" panose="020B0604020202020204" pitchFamily="34" charset="0"/>
                 <a:cs typeface="Arial" panose="020B0604020202020204" pitchFamily="34" charset="0"/>
               </a:rPr>
-              <a:t>Tela de consulta</a:t>
-            </a:r>
-          </a:p>
-        </p:txBody>
-      </p:sp>
-      <p:pic>
-        <p:nvPicPr>
-          <p:cNvPr id="8" name="Imagem 7">
-            <a:extLst>
-              <a:ext uri="{FF2B5EF4-FFF2-40B4-BE49-F238E27FC236}">
-                <a16:creationId xmlns:a16="http://schemas.microsoft.com/office/drawing/2014/main" id="{BC9FE14F-A60F-410C-82EA-897C35115804}"/>
-              </a:ext>
-            </a:extLst>
-          </p:cNvPr>
-          <p:cNvPicPr>
-            <a:picLocks noChangeAspect="1"/>
-          </p:cNvPicPr>
-          <p:nvPr/>
-        </p:nvPicPr>
-        <p:blipFill>
-          <a:blip r:embed="rId3"/>
-          <a:stretch>
-            <a:fillRect/>
-          </a:stretch>
-        </p:blipFill>
-        <p:spPr>
-          <a:xfrm>
-            <a:off x="71851" y="309267"/>
-            <a:ext cx="1035488" cy="1035488"/>
-          </a:xfrm>
-          <a:prstGeom prst="rect">
-            <a:avLst/>
-          </a:prstGeom>
-          <a:solidFill>
-            <a:srgbClr val="5881C0"/>
-          </a:solidFill>
-          <a:ln>
-            <a:solidFill>
-              <a:srgbClr val="5881C0"/>
-            </a:solidFill>
-          </a:ln>
-        </p:spPr>
-      </p:pic>
-      <p:sp>
-        <p:nvSpPr>
-          <p:cNvPr id="9" name="Retângulo 8">
-            <a:extLst>
-              <a:ext uri="{FF2B5EF4-FFF2-40B4-BE49-F238E27FC236}">
-                <a16:creationId xmlns:a16="http://schemas.microsoft.com/office/drawing/2014/main" id="{347B4937-97C4-4531-AEC5-073DE1ADB4B4}"/>
-              </a:ext>
-            </a:extLst>
-          </p:cNvPr>
-          <p:cNvSpPr/>
-          <p:nvPr/>
-        </p:nvSpPr>
-        <p:spPr>
-          <a:xfrm>
-            <a:off x="85350" y="-43679"/>
-            <a:ext cx="1074781" cy="369332"/>
-          </a:xfrm>
-          <a:prstGeom prst="rect">
-            <a:avLst/>
-          </a:prstGeom>
-        </p:spPr>
-        <p:txBody>
-          <a:bodyPr wrap="none">
-            <a:spAutoFit/>
-          </a:bodyPr>
-          <a:lstStyle/>
-          <a:p>
-            <a:r>
-              <a:rPr lang="en-US" b="1" dirty="0">
-                <a:effectLst>
-                  <a:outerShdw blurRad="38100" dist="38100" dir="2700000" algn="tl">
-                    <a:srgbClr val="000000">
-                      <a:alpha val="43137"/>
-                    </a:srgbClr>
-                  </a:outerShdw>
-                </a:effectLst>
-              </a:rPr>
-              <a:t>SUSTABIL</a:t>
-            </a:r>
-            <a:endParaRPr lang="pt-BR" dirty="0"/>
-          </a:p>
-        </p:txBody>
-      </p:sp>
-    </p:spTree>
-    <p:extLst>
-      <p:ext uri="{BB962C8B-B14F-4D97-AF65-F5344CB8AC3E}">
-        <p14:creationId xmlns:p14="http://schemas.microsoft.com/office/powerpoint/2010/main" val="1787895413"/>
-      </p:ext>
-    </p:extLst>
-  </p:cSld>
-  <p:clrMapOvr>
-    <a:masterClrMapping/>
-  </p:clrMapOvr>
-  <mc:AlternateContent xmlns:mc="http://schemas.openxmlformats.org/markup-compatibility/2006">
-    <mc:Choice xmlns:p14="http://schemas.microsoft.com/office/powerpoint/2010/main" Requires="p14">
-      <p:transition spd="slow" p14:dur="1250">
-        <p:wipe/>
-      </p:transition>
-    </mc:Choice>
-    <mc:Fallback>
-      <p:transition spd="slow">
-        <p:wipe/>
-      </p:transition>
-    </mc:Fallback>
-  </mc:AlternateContent>
-</p:sld>
-</file>
-
-<file path=ppt/slides/slide13.xml><?xml version="1.0" encoding="utf-8"?>
-<p:sld xmlns:a="http://schemas.openxmlformats.org/drawingml/2006/main" xmlns:r="http://schemas.openxmlformats.org/officeDocument/2006/relationships" xmlns:p="http://schemas.openxmlformats.org/presentationml/2006/main">
-  <p:cSld>
-    <p:spTree>
-      <p:nvGrpSpPr>
-        <p:cNvPr id="1" name=""/>
-        <p:cNvGrpSpPr/>
-        <p:nvPr/>
-      </p:nvGrpSpPr>
-      <p:grpSpPr>
-        <a:xfrm>
-          <a:off x="0" y="0"/>
-          <a:ext cx="0" cy="0"/>
-          <a:chOff x="0" y="0"/>
-          <a:chExt cx="0" cy="0"/>
-        </a:xfrm>
-      </p:grpSpPr>
-      <p:sp>
-        <p:nvSpPr>
-          <p:cNvPr id="5" name="Retângulo 4">
-            <a:extLst>
-              <a:ext uri="{FF2B5EF4-FFF2-40B4-BE49-F238E27FC236}">
-                <a16:creationId xmlns:a16="http://schemas.microsoft.com/office/drawing/2014/main" id="{EEA1334B-77FD-4059-8A2B-BC02290B3C41}"/>
-              </a:ext>
-            </a:extLst>
-          </p:cNvPr>
-          <p:cNvSpPr/>
-          <p:nvPr/>
-        </p:nvSpPr>
-        <p:spPr>
-          <a:xfrm>
-            <a:off x="0" y="0"/>
-            <a:ext cx="12192000" cy="1917290"/>
-          </a:xfrm>
-          <a:prstGeom prst="rect">
-            <a:avLst/>
-          </a:prstGeom>
-          <a:solidFill>
-            <a:srgbClr val="5881C0"/>
-          </a:solidFill>
-          <a:ln>
-            <a:solidFill>
-              <a:srgbClr val="5881C0"/>
-            </a:solidFill>
-          </a:ln>
-        </p:spPr>
-        <p:style>
-          <a:lnRef idx="2">
-            <a:schemeClr val="accent1">
-              <a:shade val="50000"/>
-            </a:schemeClr>
-          </a:lnRef>
-          <a:fillRef idx="1">
-            <a:schemeClr val="accent1"/>
-          </a:fillRef>
-          <a:effectRef idx="0">
-            <a:schemeClr val="accent1"/>
-          </a:effectRef>
-          <a:fontRef idx="minor">
-            <a:schemeClr val="lt1"/>
-          </a:fontRef>
-        </p:style>
-        <p:txBody>
-          <a:bodyPr rtlCol="0" anchor="ctr"/>
-          <a:lstStyle/>
-          <a:p>
-            <a:pPr algn="ctr"/>
-            <a:endParaRPr lang="pt-BR" b="1" dirty="0">
-              <a:effectLst>
-                <a:outerShdw blurRad="38100" dist="38100" dir="2700000" algn="tl">
-                  <a:srgbClr val="000000">
-                    <a:alpha val="43137"/>
-                  </a:srgbClr>
-                </a:outerShdw>
-              </a:effectLst>
-            </a:endParaRPr>
-          </a:p>
-        </p:txBody>
-      </p:sp>
-      <p:sp>
-        <p:nvSpPr>
-          <p:cNvPr id="3" name="CaixaDeTexto 2">
-            <a:extLst>
-              <a:ext uri="{FF2B5EF4-FFF2-40B4-BE49-F238E27FC236}">
-                <a16:creationId xmlns:a16="http://schemas.microsoft.com/office/drawing/2014/main" id="{87A51DD7-9150-47FA-8BCE-ED3D5E6ABDBD}"/>
-              </a:ext>
-            </a:extLst>
-          </p:cNvPr>
-          <p:cNvSpPr txBox="1"/>
-          <p:nvPr/>
-        </p:nvSpPr>
-        <p:spPr>
-          <a:xfrm>
-            <a:off x="5619134" y="3440679"/>
-            <a:ext cx="7327794" cy="369332"/>
-          </a:xfrm>
-          <a:prstGeom prst="rect">
-            <a:avLst/>
-          </a:prstGeom>
-          <a:noFill/>
-        </p:spPr>
-        <p:txBody>
-          <a:bodyPr wrap="square" rtlCol="0">
-            <a:spAutoFit/>
-          </a:bodyPr>
-          <a:lstStyle/>
-          <a:p>
-            <a:pPr>
-              <a:buSzPct val="250000"/>
-            </a:pPr>
-            <a:r>
-              <a:rPr lang="pt-BR" b="1" dirty="0">
-                <a:effectLst>
-                  <a:outerShdw blurRad="38100" dist="38100" dir="2700000" algn="tl">
-                    <a:srgbClr val="000000">
-                      <a:alpha val="43137"/>
-                    </a:srgbClr>
-                  </a:outerShdw>
-                </a:effectLst>
-                <a:latin typeface="Arial" panose="020B0604020202020204" pitchFamily="34" charset="0"/>
-                <a:cs typeface="Arial" panose="020B0604020202020204" pitchFamily="34" charset="0"/>
-              </a:rPr>
-              <a:t>Simulador Financeiro</a:t>
-            </a:r>
-            <a:r>
-              <a:rPr lang="pt-BR" dirty="0">
-                <a:effectLst>
-                  <a:outerShdw blurRad="38100" dist="38100" dir="2700000" algn="tl">
-                    <a:srgbClr val="000000">
-                      <a:alpha val="43137"/>
-                    </a:srgbClr>
-                  </a:outerShdw>
-                </a:effectLst>
-                <a:latin typeface="Arial" panose="020B0604020202020204" pitchFamily="34" charset="0"/>
-                <a:cs typeface="Arial" panose="020B0604020202020204" pitchFamily="34" charset="0"/>
-              </a:rPr>
-              <a:t>: </a:t>
-            </a:r>
-            <a:r>
-              <a:rPr lang="pt-BR" dirty="0">
-                <a:latin typeface="Arial" panose="020B0604020202020204" pitchFamily="34" charset="0"/>
-                <a:cs typeface="Arial" panose="020B0604020202020204" pitchFamily="34" charset="0"/>
-                <a:hlinkClick r:id="rId2"/>
-              </a:rPr>
-              <a:t>https://simuladorfinanceiro.netlify.app/</a:t>
-            </a:r>
-            <a:endParaRPr lang="pt-BR" dirty="0">
-              <a:latin typeface="Arial" panose="020B0604020202020204" pitchFamily="34" charset="0"/>
-              <a:cs typeface="Arial" panose="020B0604020202020204" pitchFamily="34" charset="0"/>
-            </a:endParaRPr>
-          </a:p>
-        </p:txBody>
-      </p:sp>
-      <p:sp>
-        <p:nvSpPr>
-          <p:cNvPr id="8" name="Título 1">
-            <a:extLst>
-              <a:ext uri="{FF2B5EF4-FFF2-40B4-BE49-F238E27FC236}">
-                <a16:creationId xmlns:a16="http://schemas.microsoft.com/office/drawing/2014/main" id="{3E06F42C-9B68-4154-A525-B05F7F4585B5}"/>
-              </a:ext>
-            </a:extLst>
-          </p:cNvPr>
-          <p:cNvSpPr txBox="1">
-            <a:spLocks/>
-          </p:cNvSpPr>
-          <p:nvPr/>
-        </p:nvSpPr>
-        <p:spPr>
-          <a:xfrm>
-            <a:off x="836674" y="57854"/>
-            <a:ext cx="10515600" cy="1288784"/>
-          </a:xfrm>
-          <a:prstGeom prst="rect">
-            <a:avLst/>
-          </a:prstGeom>
-        </p:spPr>
-        <p:txBody>
-          <a:bodyPr vert="horz" lIns="91440" tIns="45720" rIns="91440" bIns="45720" rtlCol="0" anchor="ctr">
-            <a:normAutofit/>
-          </a:bodyPr>
-          <a:lstStyle>
-            <a:lvl1pPr algn="l" defTabSz="914400" rtl="0" eaLnBrk="1" latinLnBrk="0" hangingPunct="1">
-              <a:lnSpc>
-                <a:spcPct val="90000"/>
-              </a:lnSpc>
-              <a:spcBef>
-                <a:spcPct val="0"/>
-              </a:spcBef>
-              <a:buNone/>
-              <a:defRPr sz="4400" kern="1200">
-                <a:solidFill>
-                  <a:schemeClr val="tx1"/>
-                </a:solidFill>
-                <a:latin typeface="+mj-lt"/>
-                <a:ea typeface="+mj-ea"/>
-                <a:cs typeface="+mj-cs"/>
-              </a:defRPr>
-            </a:lvl1pPr>
-          </a:lstStyle>
-          <a:p>
-            <a:pPr algn="ctr"/>
-            <a:r>
-              <a:rPr lang="pt-BR" b="1" dirty="0">
-                <a:effectLst>
-                  <a:outerShdw blurRad="38100" dist="38100" dir="2700000" algn="tl">
-                    <a:srgbClr val="000000">
-                      <a:alpha val="43137"/>
-                    </a:srgbClr>
-                  </a:outerShdw>
-                </a:effectLst>
-                <a:latin typeface="Arial" panose="020B0604020202020204" pitchFamily="34" charset="0"/>
-                <a:cs typeface="Arial" panose="020B0604020202020204" pitchFamily="34" charset="0"/>
-              </a:rPr>
               <a:t>Simulador Financeiro</a:t>
             </a:r>
           </a:p>
@@ -5219,13 +4948,13 @@
   <p:clrMapOvr>
     <a:masterClrMapping/>
   </p:clrMapOvr>
-  <mc:AlternateContent xmlns:mc="http://schemas.openxmlformats.org/markup-compatibility/2006">
-    <mc:Choice xmlns:p14="http://schemas.microsoft.com/office/powerpoint/2010/main" Requires="p14">
+  <mc:AlternateContent xmlns:mc="http://schemas.openxmlformats.org/markup-compatibility/2006" xmlns:p14="http://schemas.microsoft.com/office/powerpoint/2010/main">
+    <mc:Choice Requires="p14">
       <p:transition spd="slow" p14:dur="1250">
         <p:wipe/>
       </p:transition>
     </mc:Choice>
-    <mc:Fallback>
+    <mc:Fallback xmlns="">
       <p:transition spd="slow">
         <p:wipe/>
       </p:transition>
@@ -5234,1365 +4963,7 @@
 </p:sld>
 </file>
 
-<file path=ppt/slides/slide14.xml><?xml version="1.0" encoding="utf-8"?>
-<p:sld xmlns:a="http://schemas.openxmlformats.org/drawingml/2006/main" xmlns:r="http://schemas.openxmlformats.org/officeDocument/2006/relationships" xmlns:p="http://schemas.openxmlformats.org/presentationml/2006/main">
-  <p:cSld>
-    <p:spTree>
-      <p:nvGrpSpPr>
-        <p:cNvPr id="1" name=""/>
-        <p:cNvGrpSpPr/>
-        <p:nvPr/>
-      </p:nvGrpSpPr>
-      <p:grpSpPr>
-        <a:xfrm>
-          <a:off x="0" y="0"/>
-          <a:ext cx="0" cy="0"/>
-          <a:chOff x="0" y="0"/>
-          <a:chExt cx="0" cy="0"/>
-        </a:xfrm>
-      </p:grpSpPr>
-      <p:sp>
-        <p:nvSpPr>
-          <p:cNvPr id="9" name="Retângulo 8">
-            <a:extLst>
-              <a:ext uri="{FF2B5EF4-FFF2-40B4-BE49-F238E27FC236}">
-                <a16:creationId xmlns:a16="http://schemas.microsoft.com/office/drawing/2014/main" id="{642B9527-1E25-4214-A830-AB9BF4110E0E}"/>
-              </a:ext>
-            </a:extLst>
-          </p:cNvPr>
-          <p:cNvSpPr/>
-          <p:nvPr/>
-        </p:nvSpPr>
-        <p:spPr>
-          <a:xfrm>
-            <a:off x="0" y="0"/>
-            <a:ext cx="12192000" cy="1917290"/>
-          </a:xfrm>
-          <a:prstGeom prst="rect">
-            <a:avLst/>
-          </a:prstGeom>
-          <a:solidFill>
-            <a:srgbClr val="5881C0"/>
-          </a:solidFill>
-          <a:ln>
-            <a:solidFill>
-              <a:srgbClr val="5881C0"/>
-            </a:solidFill>
-          </a:ln>
-        </p:spPr>
-        <p:style>
-          <a:lnRef idx="2">
-            <a:schemeClr val="accent1">
-              <a:shade val="50000"/>
-            </a:schemeClr>
-          </a:lnRef>
-          <a:fillRef idx="1">
-            <a:schemeClr val="accent1"/>
-          </a:fillRef>
-          <a:effectRef idx="0">
-            <a:schemeClr val="accent1"/>
-          </a:effectRef>
-          <a:fontRef idx="minor">
-            <a:schemeClr val="lt1"/>
-          </a:fontRef>
-        </p:style>
-        <p:txBody>
-          <a:bodyPr rtlCol="0" anchor="ctr"/>
-          <a:lstStyle/>
-          <a:p>
-            <a:pPr algn="ctr"/>
-            <a:endParaRPr lang="pt-BR" b="1" dirty="0">
-              <a:effectLst>
-                <a:outerShdw blurRad="38100" dist="38100" dir="2700000" algn="tl">
-                  <a:srgbClr val="000000">
-                    <a:alpha val="43137"/>
-                  </a:srgbClr>
-                </a:outerShdw>
-              </a:effectLst>
-            </a:endParaRPr>
-          </a:p>
-        </p:txBody>
-      </p:sp>
-      <p:pic>
-        <p:nvPicPr>
-          <p:cNvPr id="2" name="Imagem 1">
-            <a:extLst>
-              <a:ext uri="{FF2B5EF4-FFF2-40B4-BE49-F238E27FC236}">
-                <a16:creationId xmlns:a16="http://schemas.microsoft.com/office/drawing/2014/main" id="{17CC1BD6-D813-4835-AF95-799787762A17}"/>
-              </a:ext>
-            </a:extLst>
-          </p:cNvPr>
-          <p:cNvPicPr>
-            <a:picLocks noChangeAspect="1"/>
-          </p:cNvPicPr>
-          <p:nvPr/>
-        </p:nvPicPr>
-        <p:blipFill>
-          <a:blip r:embed="rId2"/>
-          <a:stretch>
-            <a:fillRect/>
-          </a:stretch>
-        </p:blipFill>
-        <p:spPr>
-          <a:xfrm>
-            <a:off x="642176" y="2064770"/>
-            <a:ext cx="3620108" cy="4261384"/>
-          </a:xfrm>
-          <a:prstGeom prst="rect">
-            <a:avLst/>
-          </a:prstGeom>
-        </p:spPr>
-      </p:pic>
-      <p:pic>
-        <p:nvPicPr>
-          <p:cNvPr id="3" name="Imagem 2">
-            <a:extLst>
-              <a:ext uri="{FF2B5EF4-FFF2-40B4-BE49-F238E27FC236}">
-                <a16:creationId xmlns:a16="http://schemas.microsoft.com/office/drawing/2014/main" id="{0890E4AA-4730-4DD6-BECF-0678E65A1179}"/>
-              </a:ext>
-            </a:extLst>
-          </p:cNvPr>
-          <p:cNvPicPr>
-            <a:picLocks noChangeAspect="1"/>
-          </p:cNvPicPr>
-          <p:nvPr/>
-        </p:nvPicPr>
-        <p:blipFill>
-          <a:blip r:embed="rId3"/>
-          <a:stretch>
-            <a:fillRect/>
-          </a:stretch>
-        </p:blipFill>
-        <p:spPr>
-          <a:xfrm>
-            <a:off x="6674219" y="2064770"/>
-            <a:ext cx="3548824" cy="4444321"/>
-          </a:xfrm>
-          <a:prstGeom prst="rect">
-            <a:avLst/>
-          </a:prstGeom>
-        </p:spPr>
-      </p:pic>
-      <p:sp>
-        <p:nvSpPr>
-          <p:cNvPr id="6" name="CaixaDeTexto 5">
-            <a:extLst>
-              <a:ext uri="{FF2B5EF4-FFF2-40B4-BE49-F238E27FC236}">
-                <a16:creationId xmlns:a16="http://schemas.microsoft.com/office/drawing/2014/main" id="{A06F92AB-409D-4B71-81F0-71D388E89025}"/>
-              </a:ext>
-            </a:extLst>
-          </p:cNvPr>
-          <p:cNvSpPr txBox="1"/>
-          <p:nvPr/>
-        </p:nvSpPr>
-        <p:spPr>
-          <a:xfrm>
-            <a:off x="642176" y="1305659"/>
-            <a:ext cx="5453824" cy="369332"/>
-          </a:xfrm>
-          <a:prstGeom prst="rect">
-            <a:avLst/>
-          </a:prstGeom>
-          <a:noFill/>
-        </p:spPr>
-        <p:txBody>
-          <a:bodyPr wrap="square" rtlCol="0">
-            <a:spAutoFit/>
-          </a:bodyPr>
-          <a:lstStyle>
-            <a:defPPr>
-              <a:defRPr lang="pt-BR"/>
-            </a:defPPr>
-            <a:lvl1pPr>
-              <a:defRPr sz="1600" b="1">
-                <a:latin typeface="Arial" panose="020B0604020202020204" pitchFamily="34" charset="0"/>
-                <a:cs typeface="Arial" panose="020B0604020202020204" pitchFamily="34" charset="0"/>
-              </a:defRPr>
-            </a:lvl1pPr>
-          </a:lstStyle>
-          <a:p>
-            <a:r>
-              <a:rPr lang="pt-BR" sz="1800" dirty="0">
-                <a:effectLst>
-                  <a:outerShdw blurRad="38100" dist="38100" dir="2700000" algn="tl">
-                    <a:srgbClr val="000000">
-                      <a:alpha val="43137"/>
-                    </a:srgbClr>
-                  </a:outerShdw>
-                </a:effectLst>
-              </a:rPr>
-              <a:t>Criação do banco de dados e tabela tbClientes:</a:t>
-            </a:r>
-          </a:p>
-        </p:txBody>
-      </p:sp>
-      <p:sp>
-        <p:nvSpPr>
-          <p:cNvPr id="7" name="CaixaDeTexto 6">
-            <a:extLst>
-              <a:ext uri="{FF2B5EF4-FFF2-40B4-BE49-F238E27FC236}">
-                <a16:creationId xmlns:a16="http://schemas.microsoft.com/office/drawing/2014/main" id="{15DF4520-F06C-4C7B-89CE-71C48BC2EA7B}"/>
-              </a:ext>
-            </a:extLst>
-          </p:cNvPr>
-          <p:cNvSpPr txBox="1"/>
-          <p:nvPr/>
-        </p:nvSpPr>
-        <p:spPr>
-          <a:xfrm>
-            <a:off x="6674218" y="1305659"/>
-            <a:ext cx="4875605" cy="369332"/>
-          </a:xfrm>
-          <a:prstGeom prst="rect">
-            <a:avLst/>
-          </a:prstGeom>
-          <a:noFill/>
-        </p:spPr>
-        <p:txBody>
-          <a:bodyPr wrap="square" rtlCol="0">
-            <a:spAutoFit/>
-          </a:bodyPr>
-          <a:lstStyle/>
-          <a:p>
-            <a:r>
-              <a:rPr lang="pt-BR" b="1" dirty="0">
-                <a:effectLst>
-                  <a:outerShdw blurRad="38100" dist="38100" dir="2700000" algn="tl">
-                    <a:srgbClr val="000000">
-                      <a:alpha val="43137"/>
-                    </a:srgbClr>
-                  </a:outerShdw>
-                </a:effectLst>
-                <a:latin typeface="Arial" panose="020B0604020202020204" pitchFamily="34" charset="0"/>
-                <a:cs typeface="Arial" panose="020B0604020202020204" pitchFamily="34" charset="0"/>
-              </a:rPr>
-              <a:t>Criação das tabelas tbRua e tbSensores:</a:t>
-            </a:r>
-          </a:p>
-        </p:txBody>
-      </p:sp>
-      <p:pic>
-        <p:nvPicPr>
-          <p:cNvPr id="12" name="Imagem 11">
-            <a:extLst>
-              <a:ext uri="{FF2B5EF4-FFF2-40B4-BE49-F238E27FC236}">
-                <a16:creationId xmlns:a16="http://schemas.microsoft.com/office/drawing/2014/main" id="{E1E30755-D35E-473C-BF07-6F77EE5D5ACF}"/>
-              </a:ext>
-            </a:extLst>
-          </p:cNvPr>
-          <p:cNvPicPr>
-            <a:picLocks noChangeAspect="1"/>
-          </p:cNvPicPr>
-          <p:nvPr/>
-        </p:nvPicPr>
-        <p:blipFill>
-          <a:blip r:embed="rId4"/>
-          <a:stretch>
-            <a:fillRect/>
-          </a:stretch>
-        </p:blipFill>
-        <p:spPr>
-          <a:xfrm>
-            <a:off x="71851" y="309267"/>
-            <a:ext cx="1035488" cy="1035488"/>
-          </a:xfrm>
-          <a:prstGeom prst="rect">
-            <a:avLst/>
-          </a:prstGeom>
-          <a:solidFill>
-            <a:srgbClr val="5881C0"/>
-          </a:solidFill>
-          <a:ln>
-            <a:solidFill>
-              <a:srgbClr val="5881C0"/>
-            </a:solidFill>
-          </a:ln>
-        </p:spPr>
-      </p:pic>
-      <p:sp>
-        <p:nvSpPr>
-          <p:cNvPr id="13" name="Retângulo 12">
-            <a:extLst>
-              <a:ext uri="{FF2B5EF4-FFF2-40B4-BE49-F238E27FC236}">
-                <a16:creationId xmlns:a16="http://schemas.microsoft.com/office/drawing/2014/main" id="{30FA537E-648A-4624-B9D8-412C93CA1D7D}"/>
-              </a:ext>
-            </a:extLst>
-          </p:cNvPr>
-          <p:cNvSpPr/>
-          <p:nvPr/>
-        </p:nvSpPr>
-        <p:spPr>
-          <a:xfrm>
-            <a:off x="85350" y="-43679"/>
-            <a:ext cx="1074781" cy="369332"/>
-          </a:xfrm>
-          <a:prstGeom prst="rect">
-            <a:avLst/>
-          </a:prstGeom>
-        </p:spPr>
-        <p:txBody>
-          <a:bodyPr wrap="none">
-            <a:spAutoFit/>
-          </a:bodyPr>
-          <a:lstStyle/>
-          <a:p>
-            <a:r>
-              <a:rPr lang="en-US" b="1" dirty="0">
-                <a:effectLst>
-                  <a:outerShdw blurRad="38100" dist="38100" dir="2700000" algn="tl">
-                    <a:srgbClr val="000000">
-                      <a:alpha val="43137"/>
-                    </a:srgbClr>
-                  </a:outerShdw>
-                </a:effectLst>
-              </a:rPr>
-              <a:t>SUSTABIL</a:t>
-            </a:r>
-            <a:endParaRPr lang="pt-BR" dirty="0"/>
-          </a:p>
-        </p:txBody>
-      </p:sp>
-    </p:spTree>
-    <p:extLst>
-      <p:ext uri="{BB962C8B-B14F-4D97-AF65-F5344CB8AC3E}">
-        <p14:creationId xmlns:p14="http://schemas.microsoft.com/office/powerpoint/2010/main" val="1605510380"/>
-      </p:ext>
-    </p:extLst>
-  </p:cSld>
-  <p:clrMapOvr>
-    <a:masterClrMapping/>
-  </p:clrMapOvr>
-  <mc:AlternateContent xmlns:mc="http://schemas.openxmlformats.org/markup-compatibility/2006">
-    <mc:Choice xmlns:p14="http://schemas.microsoft.com/office/powerpoint/2010/main" Requires="p14">
-      <p:transition spd="slow" p14:dur="1250">
-        <p:wipe/>
-      </p:transition>
-    </mc:Choice>
-    <mc:Fallback>
-      <p:transition spd="slow">
-        <p:wipe/>
-      </p:transition>
-    </mc:Fallback>
-  </mc:AlternateContent>
-</p:sld>
-</file>
-
-<file path=ppt/slides/slide15.xml><?xml version="1.0" encoding="utf-8"?>
-<p:sld xmlns:a="http://schemas.openxmlformats.org/drawingml/2006/main" xmlns:r="http://schemas.openxmlformats.org/officeDocument/2006/relationships" xmlns:p="http://schemas.openxmlformats.org/presentationml/2006/main">
-  <p:cSld>
-    <p:spTree>
-      <p:nvGrpSpPr>
-        <p:cNvPr id="1" name=""/>
-        <p:cNvGrpSpPr/>
-        <p:nvPr/>
-      </p:nvGrpSpPr>
-      <p:grpSpPr>
-        <a:xfrm>
-          <a:off x="0" y="0"/>
-          <a:ext cx="0" cy="0"/>
-          <a:chOff x="0" y="0"/>
-          <a:chExt cx="0" cy="0"/>
-        </a:xfrm>
-      </p:grpSpPr>
-      <p:sp>
-        <p:nvSpPr>
-          <p:cNvPr id="8" name="Retângulo 7">
-            <a:extLst>
-              <a:ext uri="{FF2B5EF4-FFF2-40B4-BE49-F238E27FC236}">
-                <a16:creationId xmlns:a16="http://schemas.microsoft.com/office/drawing/2014/main" id="{10EC8388-0074-4876-8B60-674DECD9D06F}"/>
-              </a:ext>
-            </a:extLst>
-          </p:cNvPr>
-          <p:cNvSpPr/>
-          <p:nvPr/>
-        </p:nvSpPr>
-        <p:spPr>
-          <a:xfrm>
-            <a:off x="0" y="0"/>
-            <a:ext cx="12192000" cy="1917290"/>
-          </a:xfrm>
-          <a:prstGeom prst="rect">
-            <a:avLst/>
-          </a:prstGeom>
-          <a:solidFill>
-            <a:srgbClr val="5881C0"/>
-          </a:solidFill>
-          <a:ln>
-            <a:solidFill>
-              <a:srgbClr val="5881C0"/>
-            </a:solidFill>
-          </a:ln>
-        </p:spPr>
-        <p:style>
-          <a:lnRef idx="2">
-            <a:schemeClr val="accent1">
-              <a:shade val="50000"/>
-            </a:schemeClr>
-          </a:lnRef>
-          <a:fillRef idx="1">
-            <a:schemeClr val="accent1"/>
-          </a:fillRef>
-          <a:effectRef idx="0">
-            <a:schemeClr val="accent1"/>
-          </a:effectRef>
-          <a:fontRef idx="minor">
-            <a:schemeClr val="lt1"/>
-          </a:fontRef>
-        </p:style>
-        <p:txBody>
-          <a:bodyPr rtlCol="0" anchor="ctr"/>
-          <a:lstStyle/>
-          <a:p>
-            <a:pPr algn="ctr"/>
-            <a:endParaRPr lang="pt-BR" b="1" dirty="0">
-              <a:effectLst>
-                <a:outerShdw blurRad="38100" dist="38100" dir="2700000" algn="tl">
-                  <a:srgbClr val="000000">
-                    <a:alpha val="43137"/>
-                  </a:srgbClr>
-                </a:outerShdw>
-              </a:effectLst>
-            </a:endParaRPr>
-          </a:p>
-        </p:txBody>
-      </p:sp>
-      <p:pic>
-        <p:nvPicPr>
-          <p:cNvPr id="2" name="Imagem 1">
-            <a:extLst>
-              <a:ext uri="{FF2B5EF4-FFF2-40B4-BE49-F238E27FC236}">
-                <a16:creationId xmlns:a16="http://schemas.microsoft.com/office/drawing/2014/main" id="{C19F7BEF-21A4-4EBE-ADD4-B61FF1C86AE9}"/>
-              </a:ext>
-            </a:extLst>
-          </p:cNvPr>
-          <p:cNvPicPr>
-            <a:picLocks noChangeAspect="1"/>
-          </p:cNvPicPr>
-          <p:nvPr/>
-        </p:nvPicPr>
-        <p:blipFill>
-          <a:blip r:embed="rId2"/>
-          <a:stretch>
-            <a:fillRect/>
-          </a:stretch>
-        </p:blipFill>
-        <p:spPr>
-          <a:xfrm>
-            <a:off x="-732178" y="2088119"/>
-            <a:ext cx="9962752" cy="1943724"/>
-          </a:xfrm>
-          <a:prstGeom prst="rect">
-            <a:avLst/>
-          </a:prstGeom>
-        </p:spPr>
-      </p:pic>
-      <p:pic>
-        <p:nvPicPr>
-          <p:cNvPr id="3" name="Imagem 2">
-            <a:extLst>
-              <a:ext uri="{FF2B5EF4-FFF2-40B4-BE49-F238E27FC236}">
-                <a16:creationId xmlns:a16="http://schemas.microsoft.com/office/drawing/2014/main" id="{58C1A49D-2DB9-43C7-B0F5-F68E4A3D03E8}"/>
-              </a:ext>
-            </a:extLst>
-          </p:cNvPr>
-          <p:cNvPicPr>
-            <a:picLocks noChangeAspect="1"/>
-          </p:cNvPicPr>
-          <p:nvPr/>
-        </p:nvPicPr>
-        <p:blipFill>
-          <a:blip r:embed="rId3"/>
-          <a:stretch>
-            <a:fillRect/>
-          </a:stretch>
-        </p:blipFill>
-        <p:spPr>
-          <a:xfrm>
-            <a:off x="7850093" y="2196085"/>
-            <a:ext cx="4291216" cy="1652634"/>
-          </a:xfrm>
-          <a:prstGeom prst="rect">
-            <a:avLst/>
-          </a:prstGeom>
-        </p:spPr>
-      </p:pic>
-      <p:sp>
-        <p:nvSpPr>
-          <p:cNvPr id="5" name="CaixaDeTexto 4">
-            <a:extLst>
-              <a:ext uri="{FF2B5EF4-FFF2-40B4-BE49-F238E27FC236}">
-                <a16:creationId xmlns:a16="http://schemas.microsoft.com/office/drawing/2014/main" id="{D05F348A-5DC1-4D17-AC3B-97B6FC677767}"/>
-              </a:ext>
-            </a:extLst>
-          </p:cNvPr>
-          <p:cNvSpPr txBox="1"/>
-          <p:nvPr/>
-        </p:nvSpPr>
-        <p:spPr>
-          <a:xfrm>
-            <a:off x="3900041" y="1271015"/>
-            <a:ext cx="4391917" cy="369332"/>
-          </a:xfrm>
-          <a:prstGeom prst="rect">
-            <a:avLst/>
-          </a:prstGeom>
-          <a:noFill/>
-        </p:spPr>
-        <p:txBody>
-          <a:bodyPr wrap="square" rtlCol="0">
-            <a:spAutoFit/>
-          </a:bodyPr>
-          <a:lstStyle>
-            <a:defPPr>
-              <a:defRPr lang="pt-BR"/>
-            </a:defPPr>
-            <a:lvl1pPr>
-              <a:defRPr sz="1600" b="1">
-                <a:latin typeface="Arial" panose="020B0604020202020204" pitchFamily="34" charset="0"/>
-                <a:cs typeface="Arial" panose="020B0604020202020204" pitchFamily="34" charset="0"/>
-              </a:defRPr>
-            </a:lvl1pPr>
-          </a:lstStyle>
-          <a:p>
-            <a:r>
-              <a:rPr lang="pt-BR" sz="1800" dirty="0">
-                <a:effectLst>
-                  <a:outerShdw blurRad="38100" dist="38100" dir="2700000" algn="tl">
-                    <a:srgbClr val="000000">
-                      <a:alpha val="43137"/>
-                    </a:srgbClr>
-                  </a:outerShdw>
-                </a:effectLst>
-              </a:rPr>
-              <a:t>Inserção de dados na tabela Clientes:</a:t>
-            </a:r>
-          </a:p>
-        </p:txBody>
-      </p:sp>
-      <p:pic>
-        <p:nvPicPr>
-          <p:cNvPr id="9" name="Imagem 8">
-            <a:extLst>
-              <a:ext uri="{FF2B5EF4-FFF2-40B4-BE49-F238E27FC236}">
-                <a16:creationId xmlns:a16="http://schemas.microsoft.com/office/drawing/2014/main" id="{6FB32A0F-8340-47E8-9C8C-988D13670AD4}"/>
-              </a:ext>
-            </a:extLst>
-          </p:cNvPr>
-          <p:cNvPicPr>
-            <a:picLocks noChangeAspect="1"/>
-          </p:cNvPicPr>
-          <p:nvPr/>
-        </p:nvPicPr>
-        <p:blipFill>
-          <a:blip r:embed="rId4"/>
-          <a:stretch>
-            <a:fillRect/>
-          </a:stretch>
-        </p:blipFill>
-        <p:spPr>
-          <a:xfrm>
-            <a:off x="71851" y="309267"/>
-            <a:ext cx="1035488" cy="1035488"/>
-          </a:xfrm>
-          <a:prstGeom prst="rect">
-            <a:avLst/>
-          </a:prstGeom>
-          <a:solidFill>
-            <a:srgbClr val="5881C0"/>
-          </a:solidFill>
-          <a:ln>
-            <a:solidFill>
-              <a:srgbClr val="5881C0"/>
-            </a:solidFill>
-          </a:ln>
-        </p:spPr>
-      </p:pic>
-      <p:sp>
-        <p:nvSpPr>
-          <p:cNvPr id="10" name="Retângulo 9">
-            <a:extLst>
-              <a:ext uri="{FF2B5EF4-FFF2-40B4-BE49-F238E27FC236}">
-                <a16:creationId xmlns:a16="http://schemas.microsoft.com/office/drawing/2014/main" id="{0D0C0969-6D16-4E3D-922E-8F39B44F8566}"/>
-              </a:ext>
-            </a:extLst>
-          </p:cNvPr>
-          <p:cNvSpPr/>
-          <p:nvPr/>
-        </p:nvSpPr>
-        <p:spPr>
-          <a:xfrm>
-            <a:off x="85350" y="-43679"/>
-            <a:ext cx="1074781" cy="369332"/>
-          </a:xfrm>
-          <a:prstGeom prst="rect">
-            <a:avLst/>
-          </a:prstGeom>
-        </p:spPr>
-        <p:txBody>
-          <a:bodyPr wrap="none">
-            <a:spAutoFit/>
-          </a:bodyPr>
-          <a:lstStyle/>
-          <a:p>
-            <a:r>
-              <a:rPr lang="en-US" b="1" dirty="0">
-                <a:effectLst>
-                  <a:outerShdw blurRad="38100" dist="38100" dir="2700000" algn="tl">
-                    <a:srgbClr val="000000">
-                      <a:alpha val="43137"/>
-                    </a:srgbClr>
-                  </a:outerShdw>
-                </a:effectLst>
-              </a:rPr>
-              <a:t>SUSTABIL</a:t>
-            </a:r>
-            <a:endParaRPr lang="pt-BR" dirty="0"/>
-          </a:p>
-        </p:txBody>
-      </p:sp>
-    </p:spTree>
-    <p:extLst>
-      <p:ext uri="{BB962C8B-B14F-4D97-AF65-F5344CB8AC3E}">
-        <p14:creationId xmlns:p14="http://schemas.microsoft.com/office/powerpoint/2010/main" val="2411807073"/>
-      </p:ext>
-    </p:extLst>
-  </p:cSld>
-  <p:clrMapOvr>
-    <a:masterClrMapping/>
-  </p:clrMapOvr>
-  <mc:AlternateContent xmlns:mc="http://schemas.openxmlformats.org/markup-compatibility/2006">
-    <mc:Choice xmlns:p14="http://schemas.microsoft.com/office/powerpoint/2010/main" Requires="p14">
-      <p:transition spd="slow" p14:dur="1250">
-        <p:wipe/>
-      </p:transition>
-    </mc:Choice>
-    <mc:Fallback>
-      <p:transition spd="slow">
-        <p:wipe/>
-      </p:transition>
-    </mc:Fallback>
-  </mc:AlternateContent>
-</p:sld>
-</file>
-
-<file path=ppt/slides/slide16.xml><?xml version="1.0" encoding="utf-8"?>
-<p:sld xmlns:a="http://schemas.openxmlformats.org/drawingml/2006/main" xmlns:r="http://schemas.openxmlformats.org/officeDocument/2006/relationships" xmlns:p="http://schemas.openxmlformats.org/presentationml/2006/main">
-  <p:cSld>
-    <p:spTree>
-      <p:nvGrpSpPr>
-        <p:cNvPr id="1" name=""/>
-        <p:cNvGrpSpPr/>
-        <p:nvPr/>
-      </p:nvGrpSpPr>
-      <p:grpSpPr>
-        <a:xfrm>
-          <a:off x="0" y="0"/>
-          <a:ext cx="0" cy="0"/>
-          <a:chOff x="0" y="0"/>
-          <a:chExt cx="0" cy="0"/>
-        </a:xfrm>
-      </p:grpSpPr>
-      <p:sp>
-        <p:nvSpPr>
-          <p:cNvPr id="6" name="Retângulo 5">
-            <a:extLst>
-              <a:ext uri="{FF2B5EF4-FFF2-40B4-BE49-F238E27FC236}">
-                <a16:creationId xmlns:a16="http://schemas.microsoft.com/office/drawing/2014/main" id="{33475942-DAF9-44CC-9B8B-31CDED03B1FB}"/>
-              </a:ext>
-            </a:extLst>
-          </p:cNvPr>
-          <p:cNvSpPr/>
-          <p:nvPr/>
-        </p:nvSpPr>
-        <p:spPr>
-          <a:xfrm>
-            <a:off x="0" y="0"/>
-            <a:ext cx="12192000" cy="1917290"/>
-          </a:xfrm>
-          <a:prstGeom prst="rect">
-            <a:avLst/>
-          </a:prstGeom>
-          <a:solidFill>
-            <a:srgbClr val="5881C0"/>
-          </a:solidFill>
-          <a:ln>
-            <a:solidFill>
-              <a:srgbClr val="5881C0"/>
-            </a:solidFill>
-          </a:ln>
-        </p:spPr>
-        <p:style>
-          <a:lnRef idx="2">
-            <a:schemeClr val="accent1">
-              <a:shade val="50000"/>
-            </a:schemeClr>
-          </a:lnRef>
-          <a:fillRef idx="1">
-            <a:schemeClr val="accent1"/>
-          </a:fillRef>
-          <a:effectRef idx="0">
-            <a:schemeClr val="accent1"/>
-          </a:effectRef>
-          <a:fontRef idx="minor">
-            <a:schemeClr val="lt1"/>
-          </a:fontRef>
-        </p:style>
-        <p:txBody>
-          <a:bodyPr rtlCol="0" anchor="ctr"/>
-          <a:lstStyle/>
-          <a:p>
-            <a:pPr algn="ctr"/>
-            <a:endParaRPr lang="pt-BR" b="1" dirty="0">
-              <a:effectLst>
-                <a:outerShdw blurRad="38100" dist="38100" dir="2700000" algn="tl">
-                  <a:srgbClr val="000000">
-                    <a:alpha val="43137"/>
-                  </a:srgbClr>
-                </a:outerShdw>
-              </a:effectLst>
-            </a:endParaRPr>
-          </a:p>
-        </p:txBody>
-      </p:sp>
-      <p:pic>
-        <p:nvPicPr>
-          <p:cNvPr id="4" name="Imagem 3">
-            <a:extLst>
-              <a:ext uri="{FF2B5EF4-FFF2-40B4-BE49-F238E27FC236}">
-                <a16:creationId xmlns:a16="http://schemas.microsoft.com/office/drawing/2014/main" id="{C0230458-A761-46A2-8F29-C42C8A44D181}"/>
-              </a:ext>
-            </a:extLst>
-          </p:cNvPr>
-          <p:cNvPicPr>
-            <a:picLocks noChangeAspect="1"/>
-          </p:cNvPicPr>
-          <p:nvPr/>
-        </p:nvPicPr>
-        <p:blipFill>
-          <a:blip r:embed="rId2"/>
-          <a:stretch>
-            <a:fillRect/>
-          </a:stretch>
-        </p:blipFill>
-        <p:spPr>
-          <a:xfrm>
-            <a:off x="3222887" y="2067190"/>
-            <a:ext cx="5320932" cy="4230983"/>
-          </a:xfrm>
-          <a:prstGeom prst="rect">
-            <a:avLst/>
-          </a:prstGeom>
-        </p:spPr>
-      </p:pic>
-      <p:sp>
-        <p:nvSpPr>
-          <p:cNvPr id="5" name="CaixaDeTexto 4">
-            <a:extLst>
-              <a:ext uri="{FF2B5EF4-FFF2-40B4-BE49-F238E27FC236}">
-                <a16:creationId xmlns:a16="http://schemas.microsoft.com/office/drawing/2014/main" id="{A7F16955-4C2E-4E3E-AC8D-A103AC43E338}"/>
-              </a:ext>
-            </a:extLst>
-          </p:cNvPr>
-          <p:cNvSpPr txBox="1"/>
-          <p:nvPr/>
-        </p:nvSpPr>
-        <p:spPr>
-          <a:xfrm>
-            <a:off x="3066255" y="1300511"/>
-            <a:ext cx="6059489" cy="369332"/>
-          </a:xfrm>
-          <a:prstGeom prst="rect">
-            <a:avLst/>
-          </a:prstGeom>
-          <a:noFill/>
-        </p:spPr>
-        <p:txBody>
-          <a:bodyPr wrap="square" rtlCol="0">
-            <a:spAutoFit/>
-          </a:bodyPr>
-          <a:lstStyle>
-            <a:defPPr>
-              <a:defRPr lang="pt-BR"/>
-            </a:defPPr>
-            <a:lvl1pPr>
-              <a:defRPr sz="1600" b="1">
-                <a:latin typeface="Arial" panose="020B0604020202020204" pitchFamily="34" charset="0"/>
-                <a:cs typeface="Arial" panose="020B0604020202020204" pitchFamily="34" charset="0"/>
-              </a:defRPr>
-            </a:lvl1pPr>
-          </a:lstStyle>
-          <a:p>
-            <a:r>
-              <a:rPr lang="pt-BR" sz="1800" dirty="0">
-                <a:effectLst>
-                  <a:outerShdw blurRad="38100" dist="38100" dir="2700000" algn="tl">
-                    <a:srgbClr val="000000">
-                      <a:alpha val="43137"/>
-                    </a:srgbClr>
-                  </a:outerShdw>
-                </a:effectLst>
-              </a:rPr>
-              <a:t>Inserção de dados nas tabelas tbRua e tbSensores:</a:t>
-            </a:r>
-          </a:p>
-        </p:txBody>
-      </p:sp>
-      <p:pic>
-        <p:nvPicPr>
-          <p:cNvPr id="8" name="Imagem 7">
-            <a:extLst>
-              <a:ext uri="{FF2B5EF4-FFF2-40B4-BE49-F238E27FC236}">
-                <a16:creationId xmlns:a16="http://schemas.microsoft.com/office/drawing/2014/main" id="{5EF4F3A1-5AC1-4DB6-BEF3-8C1103449C02}"/>
-              </a:ext>
-            </a:extLst>
-          </p:cNvPr>
-          <p:cNvPicPr>
-            <a:picLocks noChangeAspect="1"/>
-          </p:cNvPicPr>
-          <p:nvPr/>
-        </p:nvPicPr>
-        <p:blipFill>
-          <a:blip r:embed="rId3"/>
-          <a:stretch>
-            <a:fillRect/>
-          </a:stretch>
-        </p:blipFill>
-        <p:spPr>
-          <a:xfrm>
-            <a:off x="71851" y="309267"/>
-            <a:ext cx="1035488" cy="1035488"/>
-          </a:xfrm>
-          <a:prstGeom prst="rect">
-            <a:avLst/>
-          </a:prstGeom>
-          <a:solidFill>
-            <a:srgbClr val="5881C0"/>
-          </a:solidFill>
-          <a:ln>
-            <a:solidFill>
-              <a:srgbClr val="5881C0"/>
-            </a:solidFill>
-          </a:ln>
-        </p:spPr>
-      </p:pic>
-      <p:sp>
-        <p:nvSpPr>
-          <p:cNvPr id="9" name="Retângulo 8">
-            <a:extLst>
-              <a:ext uri="{FF2B5EF4-FFF2-40B4-BE49-F238E27FC236}">
-                <a16:creationId xmlns:a16="http://schemas.microsoft.com/office/drawing/2014/main" id="{0D84EAFF-80CE-4732-984C-E03CD9AA2F15}"/>
-              </a:ext>
-            </a:extLst>
-          </p:cNvPr>
-          <p:cNvSpPr/>
-          <p:nvPr/>
-        </p:nvSpPr>
-        <p:spPr>
-          <a:xfrm>
-            <a:off x="85350" y="-43679"/>
-            <a:ext cx="1074781" cy="369332"/>
-          </a:xfrm>
-          <a:prstGeom prst="rect">
-            <a:avLst/>
-          </a:prstGeom>
-        </p:spPr>
-        <p:txBody>
-          <a:bodyPr wrap="none">
-            <a:spAutoFit/>
-          </a:bodyPr>
-          <a:lstStyle/>
-          <a:p>
-            <a:r>
-              <a:rPr lang="en-US" b="1" dirty="0">
-                <a:effectLst>
-                  <a:outerShdw blurRad="38100" dist="38100" dir="2700000" algn="tl">
-                    <a:srgbClr val="000000">
-                      <a:alpha val="43137"/>
-                    </a:srgbClr>
-                  </a:outerShdw>
-                </a:effectLst>
-              </a:rPr>
-              <a:t>SUSTABIL</a:t>
-            </a:r>
-            <a:endParaRPr lang="pt-BR" dirty="0"/>
-          </a:p>
-        </p:txBody>
-      </p:sp>
-    </p:spTree>
-    <p:extLst>
-      <p:ext uri="{BB962C8B-B14F-4D97-AF65-F5344CB8AC3E}">
-        <p14:creationId xmlns:p14="http://schemas.microsoft.com/office/powerpoint/2010/main" val="1584627150"/>
-      </p:ext>
-    </p:extLst>
-  </p:cSld>
-  <p:clrMapOvr>
-    <a:masterClrMapping/>
-  </p:clrMapOvr>
-  <mc:AlternateContent xmlns:mc="http://schemas.openxmlformats.org/markup-compatibility/2006">
-    <mc:Choice xmlns:p14="http://schemas.microsoft.com/office/powerpoint/2010/main" Requires="p14">
-      <p:transition spd="slow" p14:dur="1250">
-        <p:wipe/>
-      </p:transition>
-    </mc:Choice>
-    <mc:Fallback>
-      <p:transition spd="slow">
-        <p:wipe/>
-      </p:transition>
-    </mc:Fallback>
-  </mc:AlternateContent>
-</p:sld>
-</file>
-
-<file path=ppt/slides/slide17.xml><?xml version="1.0" encoding="utf-8"?>
-<p:sld xmlns:a="http://schemas.openxmlformats.org/drawingml/2006/main" xmlns:r="http://schemas.openxmlformats.org/officeDocument/2006/relationships" xmlns:p="http://schemas.openxmlformats.org/presentationml/2006/main">
-  <p:cSld>
-    <p:spTree>
-      <p:nvGrpSpPr>
-        <p:cNvPr id="1" name=""/>
-        <p:cNvGrpSpPr/>
-        <p:nvPr/>
-      </p:nvGrpSpPr>
-      <p:grpSpPr>
-        <a:xfrm>
-          <a:off x="0" y="0"/>
-          <a:ext cx="0" cy="0"/>
-          <a:chOff x="0" y="0"/>
-          <a:chExt cx="0" cy="0"/>
-        </a:xfrm>
-      </p:grpSpPr>
-      <p:sp>
-        <p:nvSpPr>
-          <p:cNvPr id="13" name="Retângulo 12">
-            <a:extLst>
-              <a:ext uri="{FF2B5EF4-FFF2-40B4-BE49-F238E27FC236}">
-                <a16:creationId xmlns:a16="http://schemas.microsoft.com/office/drawing/2014/main" id="{B4C4C580-EB0B-4199-BCEA-5F431251A365}"/>
-              </a:ext>
-            </a:extLst>
-          </p:cNvPr>
-          <p:cNvSpPr/>
-          <p:nvPr/>
-        </p:nvSpPr>
-        <p:spPr>
-          <a:xfrm>
-            <a:off x="0" y="0"/>
-            <a:ext cx="12192000" cy="1917290"/>
-          </a:xfrm>
-          <a:prstGeom prst="rect">
-            <a:avLst/>
-          </a:prstGeom>
-          <a:solidFill>
-            <a:srgbClr val="5881C0"/>
-          </a:solidFill>
-          <a:ln>
-            <a:solidFill>
-              <a:srgbClr val="5881C0"/>
-            </a:solidFill>
-          </a:ln>
-        </p:spPr>
-        <p:style>
-          <a:lnRef idx="2">
-            <a:schemeClr val="accent1">
-              <a:shade val="50000"/>
-            </a:schemeClr>
-          </a:lnRef>
-          <a:fillRef idx="1">
-            <a:schemeClr val="accent1"/>
-          </a:fillRef>
-          <a:effectRef idx="0">
-            <a:schemeClr val="accent1"/>
-          </a:effectRef>
-          <a:fontRef idx="minor">
-            <a:schemeClr val="lt1"/>
-          </a:fontRef>
-        </p:style>
-        <p:txBody>
-          <a:bodyPr rtlCol="0" anchor="ctr"/>
-          <a:lstStyle/>
-          <a:p>
-            <a:pPr algn="ctr"/>
-            <a:endParaRPr lang="pt-BR" b="1" dirty="0">
-              <a:effectLst>
-                <a:outerShdw blurRad="38100" dist="38100" dir="2700000" algn="tl">
-                  <a:srgbClr val="000000">
-                    <a:alpha val="43137"/>
-                  </a:srgbClr>
-                </a:outerShdw>
-              </a:effectLst>
-            </a:endParaRPr>
-          </a:p>
-        </p:txBody>
-      </p:sp>
-      <p:pic>
-        <p:nvPicPr>
-          <p:cNvPr id="2" name="Imagem 1">
-            <a:extLst>
-              <a:ext uri="{FF2B5EF4-FFF2-40B4-BE49-F238E27FC236}">
-                <a16:creationId xmlns:a16="http://schemas.microsoft.com/office/drawing/2014/main" id="{46447FED-6765-4E73-AE34-F23C7D378E29}"/>
-              </a:ext>
-            </a:extLst>
-          </p:cNvPr>
-          <p:cNvPicPr>
-            <a:picLocks noChangeAspect="1"/>
-          </p:cNvPicPr>
-          <p:nvPr/>
-        </p:nvPicPr>
-        <p:blipFill>
-          <a:blip r:embed="rId2"/>
-          <a:stretch>
-            <a:fillRect/>
-          </a:stretch>
-        </p:blipFill>
-        <p:spPr>
-          <a:xfrm>
-            <a:off x="176981" y="2090480"/>
-            <a:ext cx="10046987" cy="1626927"/>
-          </a:xfrm>
-          <a:prstGeom prst="rect">
-            <a:avLst/>
-          </a:prstGeom>
-        </p:spPr>
-      </p:pic>
-      <p:pic>
-        <p:nvPicPr>
-          <p:cNvPr id="3" name="Imagem 2">
-            <a:extLst>
-              <a:ext uri="{FF2B5EF4-FFF2-40B4-BE49-F238E27FC236}">
-                <a16:creationId xmlns:a16="http://schemas.microsoft.com/office/drawing/2014/main" id="{349DA353-C641-4866-875D-4AAB4915DB8A}"/>
-              </a:ext>
-            </a:extLst>
-          </p:cNvPr>
-          <p:cNvPicPr>
-            <a:picLocks noChangeAspect="1"/>
-          </p:cNvPicPr>
-          <p:nvPr/>
-        </p:nvPicPr>
-        <p:blipFill>
-          <a:blip r:embed="rId3"/>
-          <a:stretch>
-            <a:fillRect/>
-          </a:stretch>
-        </p:blipFill>
-        <p:spPr>
-          <a:xfrm>
-            <a:off x="10206716" y="2090480"/>
-            <a:ext cx="1036198" cy="1609675"/>
-          </a:xfrm>
-          <a:prstGeom prst="rect">
-            <a:avLst/>
-          </a:prstGeom>
-        </p:spPr>
-      </p:pic>
-      <p:pic>
-        <p:nvPicPr>
-          <p:cNvPr id="4" name="Imagem 3">
-            <a:extLst>
-              <a:ext uri="{FF2B5EF4-FFF2-40B4-BE49-F238E27FC236}">
-                <a16:creationId xmlns:a16="http://schemas.microsoft.com/office/drawing/2014/main" id="{E2D19421-69D7-4531-B451-85EF98AF7B04}"/>
-              </a:ext>
-            </a:extLst>
-          </p:cNvPr>
-          <p:cNvPicPr>
-            <a:picLocks noChangeAspect="1"/>
-          </p:cNvPicPr>
-          <p:nvPr/>
-        </p:nvPicPr>
-        <p:blipFill>
-          <a:blip r:embed="rId4"/>
-          <a:stretch>
-            <a:fillRect/>
-          </a:stretch>
-        </p:blipFill>
-        <p:spPr>
-          <a:xfrm>
-            <a:off x="457200" y="4826902"/>
-            <a:ext cx="4112506" cy="1986942"/>
-          </a:xfrm>
-          <a:prstGeom prst="rect">
-            <a:avLst/>
-          </a:prstGeom>
-        </p:spPr>
-      </p:pic>
-      <p:sp>
-        <p:nvSpPr>
-          <p:cNvPr id="6" name="CaixaDeTexto 5">
-            <a:extLst>
-              <a:ext uri="{FF2B5EF4-FFF2-40B4-BE49-F238E27FC236}">
-                <a16:creationId xmlns:a16="http://schemas.microsoft.com/office/drawing/2014/main" id="{ABD0B5B1-7BAF-419E-9C90-8C3DC283210A}"/>
-              </a:ext>
-            </a:extLst>
-          </p:cNvPr>
-          <p:cNvSpPr txBox="1"/>
-          <p:nvPr/>
-        </p:nvSpPr>
-        <p:spPr>
-          <a:xfrm>
-            <a:off x="3673372" y="1318473"/>
-            <a:ext cx="4845255" cy="369332"/>
-          </a:xfrm>
-          <a:prstGeom prst="rect">
-            <a:avLst/>
-          </a:prstGeom>
-          <a:noFill/>
-        </p:spPr>
-        <p:txBody>
-          <a:bodyPr wrap="square" rtlCol="0">
-            <a:spAutoFit/>
-          </a:bodyPr>
-          <a:lstStyle>
-            <a:defPPr>
-              <a:defRPr lang="pt-BR"/>
-            </a:defPPr>
-            <a:lvl1pPr>
-              <a:defRPr sz="1600" b="1">
-                <a:latin typeface="Arial" panose="020B0604020202020204" pitchFamily="34" charset="0"/>
-                <a:cs typeface="Arial" panose="020B0604020202020204" pitchFamily="34" charset="0"/>
-              </a:defRPr>
-            </a:lvl1pPr>
-          </a:lstStyle>
-          <a:p>
-            <a:pPr algn="ctr"/>
-            <a:r>
-              <a:rPr lang="pt-BR" sz="1800" dirty="0">
-                <a:effectLst>
-                  <a:outerShdw blurRad="38100" dist="38100" dir="2700000" algn="tl">
-                    <a:srgbClr val="000000">
-                      <a:alpha val="43137"/>
-                    </a:srgbClr>
-                  </a:outerShdw>
-                </a:effectLst>
-              </a:rPr>
-              <a:t>Buscando os dados da tabela tbClientes:</a:t>
-            </a:r>
-          </a:p>
-        </p:txBody>
-      </p:sp>
-      <p:sp>
-        <p:nvSpPr>
-          <p:cNvPr id="7" name="CaixaDeTexto 6">
-            <a:extLst>
-              <a:ext uri="{FF2B5EF4-FFF2-40B4-BE49-F238E27FC236}">
-                <a16:creationId xmlns:a16="http://schemas.microsoft.com/office/drawing/2014/main" id="{2E11BFA2-0178-4AFE-8FF0-9F3D56EABE5B}"/>
-              </a:ext>
-            </a:extLst>
-          </p:cNvPr>
-          <p:cNvSpPr txBox="1"/>
-          <p:nvPr/>
-        </p:nvSpPr>
-        <p:spPr>
-          <a:xfrm>
-            <a:off x="457200" y="4217723"/>
-            <a:ext cx="4597400" cy="369332"/>
-          </a:xfrm>
-          <a:prstGeom prst="rect">
-            <a:avLst/>
-          </a:prstGeom>
-          <a:noFill/>
-        </p:spPr>
-        <p:txBody>
-          <a:bodyPr wrap="square" rtlCol="0">
-            <a:spAutoFit/>
-          </a:bodyPr>
-          <a:lstStyle>
-            <a:defPPr>
-              <a:defRPr lang="pt-BR"/>
-            </a:defPPr>
-            <a:lvl1pPr>
-              <a:defRPr sz="1600" b="1">
-                <a:latin typeface="Arial" panose="020B0604020202020204" pitchFamily="34" charset="0"/>
-                <a:cs typeface="Arial" panose="020B0604020202020204" pitchFamily="34" charset="0"/>
-              </a:defRPr>
-            </a:lvl1pPr>
-          </a:lstStyle>
-          <a:p>
-            <a:r>
-              <a:rPr lang="pt-BR" dirty="0"/>
-              <a:t>Buscando os dados da tabela tbRua:</a:t>
-            </a:r>
-          </a:p>
-        </p:txBody>
-      </p:sp>
-      <p:sp>
-        <p:nvSpPr>
-          <p:cNvPr id="8" name="CaixaDeTexto 7">
-            <a:extLst>
-              <a:ext uri="{FF2B5EF4-FFF2-40B4-BE49-F238E27FC236}">
-                <a16:creationId xmlns:a16="http://schemas.microsoft.com/office/drawing/2014/main" id="{90C7EB6A-7384-419D-8FBE-AB3D2D267A80}"/>
-              </a:ext>
-            </a:extLst>
-          </p:cNvPr>
-          <p:cNvSpPr txBox="1"/>
-          <p:nvPr/>
-        </p:nvSpPr>
-        <p:spPr>
-          <a:xfrm>
-            <a:off x="7137400" y="4217723"/>
-            <a:ext cx="4597400" cy="369332"/>
-          </a:xfrm>
-          <a:prstGeom prst="rect">
-            <a:avLst/>
-          </a:prstGeom>
-          <a:noFill/>
-        </p:spPr>
-        <p:txBody>
-          <a:bodyPr wrap="square" rtlCol="0">
-            <a:spAutoFit/>
-          </a:bodyPr>
-          <a:lstStyle>
-            <a:defPPr>
-              <a:defRPr lang="pt-BR"/>
-            </a:defPPr>
-            <a:lvl1pPr>
-              <a:defRPr sz="1600" b="1">
-                <a:latin typeface="Arial" panose="020B0604020202020204" pitchFamily="34" charset="0"/>
-                <a:cs typeface="Arial" panose="020B0604020202020204" pitchFamily="34" charset="0"/>
-              </a:defRPr>
-            </a:lvl1pPr>
-          </a:lstStyle>
-          <a:p>
-            <a:r>
-              <a:rPr lang="pt-BR" dirty="0"/>
-              <a:t>Buscando os dados da tabela tbSensores:</a:t>
-            </a:r>
-          </a:p>
-        </p:txBody>
-      </p:sp>
-      <p:pic>
-        <p:nvPicPr>
-          <p:cNvPr id="10" name="Imagem 9">
-            <a:extLst>
-              <a:ext uri="{FF2B5EF4-FFF2-40B4-BE49-F238E27FC236}">
-                <a16:creationId xmlns:a16="http://schemas.microsoft.com/office/drawing/2014/main" id="{0AA5E581-82DA-4C80-95EE-CA868C15F7D5}"/>
-              </a:ext>
-            </a:extLst>
-          </p:cNvPr>
-          <p:cNvPicPr>
-            <a:picLocks noChangeAspect="1"/>
-          </p:cNvPicPr>
-          <p:nvPr/>
-        </p:nvPicPr>
-        <p:blipFill>
-          <a:blip r:embed="rId5"/>
-          <a:stretch>
-            <a:fillRect/>
-          </a:stretch>
-        </p:blipFill>
-        <p:spPr>
-          <a:xfrm>
-            <a:off x="6533034" y="4826903"/>
-            <a:ext cx="5201766" cy="1986941"/>
-          </a:xfrm>
-          <a:prstGeom prst="rect">
-            <a:avLst/>
-          </a:prstGeom>
-        </p:spPr>
-      </p:pic>
-      <p:pic>
-        <p:nvPicPr>
-          <p:cNvPr id="14" name="Imagem 13">
-            <a:extLst>
-              <a:ext uri="{FF2B5EF4-FFF2-40B4-BE49-F238E27FC236}">
-                <a16:creationId xmlns:a16="http://schemas.microsoft.com/office/drawing/2014/main" id="{5E5DCBAB-F0B3-41AD-BBAA-24553D8E14D4}"/>
-              </a:ext>
-            </a:extLst>
-          </p:cNvPr>
-          <p:cNvPicPr>
-            <a:picLocks noChangeAspect="1"/>
-          </p:cNvPicPr>
-          <p:nvPr/>
-        </p:nvPicPr>
-        <p:blipFill>
-          <a:blip r:embed="rId6"/>
-          <a:stretch>
-            <a:fillRect/>
-          </a:stretch>
-        </p:blipFill>
-        <p:spPr>
-          <a:xfrm>
-            <a:off x="71851" y="309267"/>
-            <a:ext cx="1035488" cy="1035488"/>
-          </a:xfrm>
-          <a:prstGeom prst="rect">
-            <a:avLst/>
-          </a:prstGeom>
-          <a:solidFill>
-            <a:srgbClr val="5881C0"/>
-          </a:solidFill>
-          <a:ln>
-            <a:solidFill>
-              <a:srgbClr val="5881C0"/>
-            </a:solidFill>
-          </a:ln>
-        </p:spPr>
-      </p:pic>
-      <p:sp>
-        <p:nvSpPr>
-          <p:cNvPr id="15" name="Retângulo 14">
-            <a:extLst>
-              <a:ext uri="{FF2B5EF4-FFF2-40B4-BE49-F238E27FC236}">
-                <a16:creationId xmlns:a16="http://schemas.microsoft.com/office/drawing/2014/main" id="{2F42C4D0-91BC-4E6B-A9D7-4B2AA9A8F635}"/>
-              </a:ext>
-            </a:extLst>
-          </p:cNvPr>
-          <p:cNvSpPr/>
-          <p:nvPr/>
-        </p:nvSpPr>
-        <p:spPr>
-          <a:xfrm>
-            <a:off x="85350" y="-43679"/>
-            <a:ext cx="1074781" cy="369332"/>
-          </a:xfrm>
-          <a:prstGeom prst="rect">
-            <a:avLst/>
-          </a:prstGeom>
-        </p:spPr>
-        <p:txBody>
-          <a:bodyPr wrap="none">
-            <a:spAutoFit/>
-          </a:bodyPr>
-          <a:lstStyle/>
-          <a:p>
-            <a:r>
-              <a:rPr lang="en-US" b="1" dirty="0">
-                <a:effectLst>
-                  <a:outerShdw blurRad="38100" dist="38100" dir="2700000" algn="tl">
-                    <a:srgbClr val="000000">
-                      <a:alpha val="43137"/>
-                    </a:srgbClr>
-                  </a:outerShdw>
-                </a:effectLst>
-              </a:rPr>
-              <a:t>SUSTABIL</a:t>
-            </a:r>
-            <a:endParaRPr lang="pt-BR" dirty="0"/>
-          </a:p>
-        </p:txBody>
-      </p:sp>
-    </p:spTree>
-    <p:extLst>
-      <p:ext uri="{BB962C8B-B14F-4D97-AF65-F5344CB8AC3E}">
-        <p14:creationId xmlns:p14="http://schemas.microsoft.com/office/powerpoint/2010/main" val="1740331572"/>
-      </p:ext>
-    </p:extLst>
-  </p:cSld>
-  <p:clrMapOvr>
-    <a:masterClrMapping/>
-  </p:clrMapOvr>
-  <mc:AlternateContent xmlns:mc="http://schemas.openxmlformats.org/markup-compatibility/2006">
-    <mc:Choice xmlns:p14="http://schemas.microsoft.com/office/powerpoint/2010/main" Requires="p14">
-      <p:transition spd="slow" p14:dur="1250">
-        <p:wipe/>
-      </p:transition>
-    </mc:Choice>
-    <mc:Fallback>
-      <p:transition spd="slow">
-        <p:wipe/>
-      </p:transition>
-    </mc:Fallback>
-  </mc:AlternateContent>
-</p:sld>
-</file>
-
-<file path=ppt/slides/slide18.xml><?xml version="1.0" encoding="utf-8"?>
+<file path=ppt/slides/slide13.xml><?xml version="1.0" encoding="utf-8"?>
 <p:sld xmlns:a="http://schemas.openxmlformats.org/drawingml/2006/main" xmlns:r="http://schemas.openxmlformats.org/officeDocument/2006/relationships" xmlns:p="http://schemas.openxmlformats.org/presentationml/2006/main">
   <p:cSld>
     <p:bg>
@@ -6923,7 +5294,7 @@
                 <a:latin typeface="Arial" panose="020B0604020202020204" pitchFamily="34" charset="0"/>
                 <a:cs typeface="Arial" panose="020B0604020202020204" pitchFamily="34" charset="0"/>
               </a:rPr>
-              <a:t>Não ter um prejuízo de estimados R$38 milhões mensais por vazamentos e somente ter um custo de estimados R$ 9 milhões por ano é:</a:t>
+              <a:t>Não ter um prejuízo de estimados R$2 milhões por ano por km² e somente ter um custo de estimados R$ 200 mil por ano é:</a:t>
             </a:r>
           </a:p>
         </p:txBody>
@@ -7011,13 +5382,13 @@
   <p:clrMapOvr>
     <a:masterClrMapping/>
   </p:clrMapOvr>
-  <mc:AlternateContent xmlns:mc="http://schemas.openxmlformats.org/markup-compatibility/2006">
-    <mc:Choice xmlns:p14="http://schemas.microsoft.com/office/powerpoint/2010/main" Requires="p14">
+  <mc:AlternateContent xmlns:mc="http://schemas.openxmlformats.org/markup-compatibility/2006" xmlns:p14="http://schemas.microsoft.com/office/powerpoint/2010/main">
+    <mc:Choice Requires="p14">
       <p:transition spd="slow" p14:dur="1250">
         <p:wipe/>
       </p:transition>
     </mc:Choice>
-    <mc:Fallback>
+    <mc:Fallback xmlns="">
       <p:transition spd="slow">
         <p:wipe/>
       </p:transition>
@@ -7026,7 +5397,1365 @@
 </p:sld>
 </file>
 
-<file path=ppt/slides/slide19.xml><?xml version="1.0" encoding="utf-8"?>
+<file path=ppt/slides/slide14.xml><?xml version="1.0" encoding="utf-8"?>
+<p:sld xmlns:a="http://schemas.openxmlformats.org/drawingml/2006/main" xmlns:r="http://schemas.openxmlformats.org/officeDocument/2006/relationships" xmlns:p="http://schemas.openxmlformats.org/presentationml/2006/main">
+  <p:cSld>
+    <p:spTree>
+      <p:nvGrpSpPr>
+        <p:cNvPr id="1" name=""/>
+        <p:cNvGrpSpPr/>
+        <p:nvPr/>
+      </p:nvGrpSpPr>
+      <p:grpSpPr>
+        <a:xfrm>
+          <a:off x="0" y="0"/>
+          <a:ext cx="0" cy="0"/>
+          <a:chOff x="0" y="0"/>
+          <a:chExt cx="0" cy="0"/>
+        </a:xfrm>
+      </p:grpSpPr>
+      <p:sp>
+        <p:nvSpPr>
+          <p:cNvPr id="9" name="Retângulo 8">
+            <a:extLst>
+              <a:ext uri="{FF2B5EF4-FFF2-40B4-BE49-F238E27FC236}">
+                <a16:creationId xmlns:a16="http://schemas.microsoft.com/office/drawing/2014/main" id="{642B9527-1E25-4214-A830-AB9BF4110E0E}"/>
+              </a:ext>
+            </a:extLst>
+          </p:cNvPr>
+          <p:cNvSpPr/>
+          <p:nvPr/>
+        </p:nvSpPr>
+        <p:spPr>
+          <a:xfrm>
+            <a:off x="0" y="0"/>
+            <a:ext cx="12192000" cy="1917290"/>
+          </a:xfrm>
+          <a:prstGeom prst="rect">
+            <a:avLst/>
+          </a:prstGeom>
+          <a:solidFill>
+            <a:srgbClr val="5881C0"/>
+          </a:solidFill>
+          <a:ln>
+            <a:solidFill>
+              <a:srgbClr val="5881C0"/>
+            </a:solidFill>
+          </a:ln>
+        </p:spPr>
+        <p:style>
+          <a:lnRef idx="2">
+            <a:schemeClr val="accent1">
+              <a:shade val="50000"/>
+            </a:schemeClr>
+          </a:lnRef>
+          <a:fillRef idx="1">
+            <a:schemeClr val="accent1"/>
+          </a:fillRef>
+          <a:effectRef idx="0">
+            <a:schemeClr val="accent1"/>
+          </a:effectRef>
+          <a:fontRef idx="minor">
+            <a:schemeClr val="lt1"/>
+          </a:fontRef>
+        </p:style>
+        <p:txBody>
+          <a:bodyPr rtlCol="0" anchor="ctr"/>
+          <a:lstStyle/>
+          <a:p>
+            <a:pPr algn="ctr"/>
+            <a:endParaRPr lang="pt-BR" b="1" dirty="0">
+              <a:effectLst>
+                <a:outerShdw blurRad="38100" dist="38100" dir="2700000" algn="tl">
+                  <a:srgbClr val="000000">
+                    <a:alpha val="43137"/>
+                  </a:srgbClr>
+                </a:outerShdw>
+              </a:effectLst>
+            </a:endParaRPr>
+          </a:p>
+        </p:txBody>
+      </p:sp>
+      <p:pic>
+        <p:nvPicPr>
+          <p:cNvPr id="2" name="Imagem 1">
+            <a:extLst>
+              <a:ext uri="{FF2B5EF4-FFF2-40B4-BE49-F238E27FC236}">
+                <a16:creationId xmlns:a16="http://schemas.microsoft.com/office/drawing/2014/main" id="{17CC1BD6-D813-4835-AF95-799787762A17}"/>
+              </a:ext>
+            </a:extLst>
+          </p:cNvPr>
+          <p:cNvPicPr>
+            <a:picLocks noChangeAspect="1"/>
+          </p:cNvPicPr>
+          <p:nvPr/>
+        </p:nvPicPr>
+        <p:blipFill>
+          <a:blip r:embed="rId2"/>
+          <a:stretch>
+            <a:fillRect/>
+          </a:stretch>
+        </p:blipFill>
+        <p:spPr>
+          <a:xfrm>
+            <a:off x="642176" y="2064770"/>
+            <a:ext cx="3620108" cy="4261384"/>
+          </a:xfrm>
+          <a:prstGeom prst="rect">
+            <a:avLst/>
+          </a:prstGeom>
+        </p:spPr>
+      </p:pic>
+      <p:pic>
+        <p:nvPicPr>
+          <p:cNvPr id="3" name="Imagem 2">
+            <a:extLst>
+              <a:ext uri="{FF2B5EF4-FFF2-40B4-BE49-F238E27FC236}">
+                <a16:creationId xmlns:a16="http://schemas.microsoft.com/office/drawing/2014/main" id="{0890E4AA-4730-4DD6-BECF-0678E65A1179}"/>
+              </a:ext>
+            </a:extLst>
+          </p:cNvPr>
+          <p:cNvPicPr>
+            <a:picLocks noChangeAspect="1"/>
+          </p:cNvPicPr>
+          <p:nvPr/>
+        </p:nvPicPr>
+        <p:blipFill>
+          <a:blip r:embed="rId3"/>
+          <a:stretch>
+            <a:fillRect/>
+          </a:stretch>
+        </p:blipFill>
+        <p:spPr>
+          <a:xfrm>
+            <a:off x="6674219" y="2064770"/>
+            <a:ext cx="3548824" cy="4444321"/>
+          </a:xfrm>
+          <a:prstGeom prst="rect">
+            <a:avLst/>
+          </a:prstGeom>
+        </p:spPr>
+      </p:pic>
+      <p:sp>
+        <p:nvSpPr>
+          <p:cNvPr id="6" name="CaixaDeTexto 5">
+            <a:extLst>
+              <a:ext uri="{FF2B5EF4-FFF2-40B4-BE49-F238E27FC236}">
+                <a16:creationId xmlns:a16="http://schemas.microsoft.com/office/drawing/2014/main" id="{A06F92AB-409D-4B71-81F0-71D388E89025}"/>
+              </a:ext>
+            </a:extLst>
+          </p:cNvPr>
+          <p:cNvSpPr txBox="1"/>
+          <p:nvPr/>
+        </p:nvSpPr>
+        <p:spPr>
+          <a:xfrm>
+            <a:off x="642176" y="1305659"/>
+            <a:ext cx="5453824" cy="369332"/>
+          </a:xfrm>
+          <a:prstGeom prst="rect">
+            <a:avLst/>
+          </a:prstGeom>
+          <a:noFill/>
+        </p:spPr>
+        <p:txBody>
+          <a:bodyPr wrap="square" rtlCol="0">
+            <a:spAutoFit/>
+          </a:bodyPr>
+          <a:lstStyle>
+            <a:defPPr>
+              <a:defRPr lang="pt-BR"/>
+            </a:defPPr>
+            <a:lvl1pPr>
+              <a:defRPr sz="1600" b="1">
+                <a:latin typeface="Arial" panose="020B0604020202020204" pitchFamily="34" charset="0"/>
+                <a:cs typeface="Arial" panose="020B0604020202020204" pitchFamily="34" charset="0"/>
+              </a:defRPr>
+            </a:lvl1pPr>
+          </a:lstStyle>
+          <a:p>
+            <a:r>
+              <a:rPr lang="pt-BR" sz="1800" dirty="0">
+                <a:effectLst>
+                  <a:outerShdw blurRad="38100" dist="38100" dir="2700000" algn="tl">
+                    <a:srgbClr val="000000">
+                      <a:alpha val="43137"/>
+                    </a:srgbClr>
+                  </a:outerShdw>
+                </a:effectLst>
+              </a:rPr>
+              <a:t>Criação do banco de dados e tabela tbClientes:</a:t>
+            </a:r>
+          </a:p>
+        </p:txBody>
+      </p:sp>
+      <p:sp>
+        <p:nvSpPr>
+          <p:cNvPr id="7" name="CaixaDeTexto 6">
+            <a:extLst>
+              <a:ext uri="{FF2B5EF4-FFF2-40B4-BE49-F238E27FC236}">
+                <a16:creationId xmlns:a16="http://schemas.microsoft.com/office/drawing/2014/main" id="{15DF4520-F06C-4C7B-89CE-71C48BC2EA7B}"/>
+              </a:ext>
+            </a:extLst>
+          </p:cNvPr>
+          <p:cNvSpPr txBox="1"/>
+          <p:nvPr/>
+        </p:nvSpPr>
+        <p:spPr>
+          <a:xfrm>
+            <a:off x="6674218" y="1305659"/>
+            <a:ext cx="4875605" cy="369332"/>
+          </a:xfrm>
+          <a:prstGeom prst="rect">
+            <a:avLst/>
+          </a:prstGeom>
+          <a:noFill/>
+        </p:spPr>
+        <p:txBody>
+          <a:bodyPr wrap="square" rtlCol="0">
+            <a:spAutoFit/>
+          </a:bodyPr>
+          <a:lstStyle/>
+          <a:p>
+            <a:r>
+              <a:rPr lang="pt-BR" b="1" dirty="0">
+                <a:effectLst>
+                  <a:outerShdw blurRad="38100" dist="38100" dir="2700000" algn="tl">
+                    <a:srgbClr val="000000">
+                      <a:alpha val="43137"/>
+                    </a:srgbClr>
+                  </a:outerShdw>
+                </a:effectLst>
+                <a:latin typeface="Arial" panose="020B0604020202020204" pitchFamily="34" charset="0"/>
+                <a:cs typeface="Arial" panose="020B0604020202020204" pitchFamily="34" charset="0"/>
+              </a:rPr>
+              <a:t>Criação das tabelas tbRua e tbSensores:</a:t>
+            </a:r>
+          </a:p>
+        </p:txBody>
+      </p:sp>
+      <p:pic>
+        <p:nvPicPr>
+          <p:cNvPr id="12" name="Imagem 11">
+            <a:extLst>
+              <a:ext uri="{FF2B5EF4-FFF2-40B4-BE49-F238E27FC236}">
+                <a16:creationId xmlns:a16="http://schemas.microsoft.com/office/drawing/2014/main" id="{E1E30755-D35E-473C-BF07-6F77EE5D5ACF}"/>
+              </a:ext>
+            </a:extLst>
+          </p:cNvPr>
+          <p:cNvPicPr>
+            <a:picLocks noChangeAspect="1"/>
+          </p:cNvPicPr>
+          <p:nvPr/>
+        </p:nvPicPr>
+        <p:blipFill>
+          <a:blip r:embed="rId4"/>
+          <a:stretch>
+            <a:fillRect/>
+          </a:stretch>
+        </p:blipFill>
+        <p:spPr>
+          <a:xfrm>
+            <a:off x="71851" y="309267"/>
+            <a:ext cx="1035488" cy="1035488"/>
+          </a:xfrm>
+          <a:prstGeom prst="rect">
+            <a:avLst/>
+          </a:prstGeom>
+          <a:solidFill>
+            <a:srgbClr val="5881C0"/>
+          </a:solidFill>
+          <a:ln>
+            <a:solidFill>
+              <a:srgbClr val="5881C0"/>
+            </a:solidFill>
+          </a:ln>
+        </p:spPr>
+      </p:pic>
+      <p:sp>
+        <p:nvSpPr>
+          <p:cNvPr id="13" name="Retângulo 12">
+            <a:extLst>
+              <a:ext uri="{FF2B5EF4-FFF2-40B4-BE49-F238E27FC236}">
+                <a16:creationId xmlns:a16="http://schemas.microsoft.com/office/drawing/2014/main" id="{30FA537E-648A-4624-B9D8-412C93CA1D7D}"/>
+              </a:ext>
+            </a:extLst>
+          </p:cNvPr>
+          <p:cNvSpPr/>
+          <p:nvPr/>
+        </p:nvSpPr>
+        <p:spPr>
+          <a:xfrm>
+            <a:off x="85350" y="-43679"/>
+            <a:ext cx="1074781" cy="369332"/>
+          </a:xfrm>
+          <a:prstGeom prst="rect">
+            <a:avLst/>
+          </a:prstGeom>
+        </p:spPr>
+        <p:txBody>
+          <a:bodyPr wrap="none">
+            <a:spAutoFit/>
+          </a:bodyPr>
+          <a:lstStyle/>
+          <a:p>
+            <a:r>
+              <a:rPr lang="en-US" b="1" dirty="0">
+                <a:effectLst>
+                  <a:outerShdw blurRad="38100" dist="38100" dir="2700000" algn="tl">
+                    <a:srgbClr val="000000">
+                      <a:alpha val="43137"/>
+                    </a:srgbClr>
+                  </a:outerShdw>
+                </a:effectLst>
+              </a:rPr>
+              <a:t>SUSTABIL</a:t>
+            </a:r>
+            <a:endParaRPr lang="pt-BR" dirty="0"/>
+          </a:p>
+        </p:txBody>
+      </p:sp>
+    </p:spTree>
+    <p:extLst>
+      <p:ext uri="{BB962C8B-B14F-4D97-AF65-F5344CB8AC3E}">
+        <p14:creationId xmlns:p14="http://schemas.microsoft.com/office/powerpoint/2010/main" val="1605510380"/>
+      </p:ext>
+    </p:extLst>
+  </p:cSld>
+  <p:clrMapOvr>
+    <a:masterClrMapping/>
+  </p:clrMapOvr>
+  <mc:AlternateContent xmlns:mc="http://schemas.openxmlformats.org/markup-compatibility/2006" xmlns:p14="http://schemas.microsoft.com/office/powerpoint/2010/main">
+    <mc:Choice Requires="p14">
+      <p:transition spd="slow" p14:dur="1250">
+        <p:wipe/>
+      </p:transition>
+    </mc:Choice>
+    <mc:Fallback xmlns="">
+      <p:transition spd="slow">
+        <p:wipe/>
+      </p:transition>
+    </mc:Fallback>
+  </mc:AlternateContent>
+</p:sld>
+</file>
+
+<file path=ppt/slides/slide15.xml><?xml version="1.0" encoding="utf-8"?>
+<p:sld xmlns:a="http://schemas.openxmlformats.org/drawingml/2006/main" xmlns:r="http://schemas.openxmlformats.org/officeDocument/2006/relationships" xmlns:p="http://schemas.openxmlformats.org/presentationml/2006/main">
+  <p:cSld>
+    <p:spTree>
+      <p:nvGrpSpPr>
+        <p:cNvPr id="1" name=""/>
+        <p:cNvGrpSpPr/>
+        <p:nvPr/>
+      </p:nvGrpSpPr>
+      <p:grpSpPr>
+        <a:xfrm>
+          <a:off x="0" y="0"/>
+          <a:ext cx="0" cy="0"/>
+          <a:chOff x="0" y="0"/>
+          <a:chExt cx="0" cy="0"/>
+        </a:xfrm>
+      </p:grpSpPr>
+      <p:sp>
+        <p:nvSpPr>
+          <p:cNvPr id="8" name="Retângulo 7">
+            <a:extLst>
+              <a:ext uri="{FF2B5EF4-FFF2-40B4-BE49-F238E27FC236}">
+                <a16:creationId xmlns:a16="http://schemas.microsoft.com/office/drawing/2014/main" id="{10EC8388-0074-4876-8B60-674DECD9D06F}"/>
+              </a:ext>
+            </a:extLst>
+          </p:cNvPr>
+          <p:cNvSpPr/>
+          <p:nvPr/>
+        </p:nvSpPr>
+        <p:spPr>
+          <a:xfrm>
+            <a:off x="0" y="0"/>
+            <a:ext cx="12192000" cy="1917290"/>
+          </a:xfrm>
+          <a:prstGeom prst="rect">
+            <a:avLst/>
+          </a:prstGeom>
+          <a:solidFill>
+            <a:srgbClr val="5881C0"/>
+          </a:solidFill>
+          <a:ln>
+            <a:solidFill>
+              <a:srgbClr val="5881C0"/>
+            </a:solidFill>
+          </a:ln>
+        </p:spPr>
+        <p:style>
+          <a:lnRef idx="2">
+            <a:schemeClr val="accent1">
+              <a:shade val="50000"/>
+            </a:schemeClr>
+          </a:lnRef>
+          <a:fillRef idx="1">
+            <a:schemeClr val="accent1"/>
+          </a:fillRef>
+          <a:effectRef idx="0">
+            <a:schemeClr val="accent1"/>
+          </a:effectRef>
+          <a:fontRef idx="minor">
+            <a:schemeClr val="lt1"/>
+          </a:fontRef>
+        </p:style>
+        <p:txBody>
+          <a:bodyPr rtlCol="0" anchor="ctr"/>
+          <a:lstStyle/>
+          <a:p>
+            <a:pPr algn="ctr"/>
+            <a:endParaRPr lang="pt-BR" b="1" dirty="0">
+              <a:effectLst>
+                <a:outerShdw blurRad="38100" dist="38100" dir="2700000" algn="tl">
+                  <a:srgbClr val="000000">
+                    <a:alpha val="43137"/>
+                  </a:srgbClr>
+                </a:outerShdw>
+              </a:effectLst>
+            </a:endParaRPr>
+          </a:p>
+        </p:txBody>
+      </p:sp>
+      <p:pic>
+        <p:nvPicPr>
+          <p:cNvPr id="2" name="Imagem 1">
+            <a:extLst>
+              <a:ext uri="{FF2B5EF4-FFF2-40B4-BE49-F238E27FC236}">
+                <a16:creationId xmlns:a16="http://schemas.microsoft.com/office/drawing/2014/main" id="{C19F7BEF-21A4-4EBE-ADD4-B61FF1C86AE9}"/>
+              </a:ext>
+            </a:extLst>
+          </p:cNvPr>
+          <p:cNvPicPr>
+            <a:picLocks noChangeAspect="1"/>
+          </p:cNvPicPr>
+          <p:nvPr/>
+        </p:nvPicPr>
+        <p:blipFill>
+          <a:blip r:embed="rId2"/>
+          <a:stretch>
+            <a:fillRect/>
+          </a:stretch>
+        </p:blipFill>
+        <p:spPr>
+          <a:xfrm>
+            <a:off x="-732178" y="2088119"/>
+            <a:ext cx="9962752" cy="1943724"/>
+          </a:xfrm>
+          <a:prstGeom prst="rect">
+            <a:avLst/>
+          </a:prstGeom>
+        </p:spPr>
+      </p:pic>
+      <p:pic>
+        <p:nvPicPr>
+          <p:cNvPr id="3" name="Imagem 2">
+            <a:extLst>
+              <a:ext uri="{FF2B5EF4-FFF2-40B4-BE49-F238E27FC236}">
+                <a16:creationId xmlns:a16="http://schemas.microsoft.com/office/drawing/2014/main" id="{58C1A49D-2DB9-43C7-B0F5-F68E4A3D03E8}"/>
+              </a:ext>
+            </a:extLst>
+          </p:cNvPr>
+          <p:cNvPicPr>
+            <a:picLocks noChangeAspect="1"/>
+          </p:cNvPicPr>
+          <p:nvPr/>
+        </p:nvPicPr>
+        <p:blipFill>
+          <a:blip r:embed="rId3"/>
+          <a:stretch>
+            <a:fillRect/>
+          </a:stretch>
+        </p:blipFill>
+        <p:spPr>
+          <a:xfrm>
+            <a:off x="7850093" y="2196085"/>
+            <a:ext cx="4291216" cy="1652634"/>
+          </a:xfrm>
+          <a:prstGeom prst="rect">
+            <a:avLst/>
+          </a:prstGeom>
+        </p:spPr>
+      </p:pic>
+      <p:sp>
+        <p:nvSpPr>
+          <p:cNvPr id="5" name="CaixaDeTexto 4">
+            <a:extLst>
+              <a:ext uri="{FF2B5EF4-FFF2-40B4-BE49-F238E27FC236}">
+                <a16:creationId xmlns:a16="http://schemas.microsoft.com/office/drawing/2014/main" id="{D05F348A-5DC1-4D17-AC3B-97B6FC677767}"/>
+              </a:ext>
+            </a:extLst>
+          </p:cNvPr>
+          <p:cNvSpPr txBox="1"/>
+          <p:nvPr/>
+        </p:nvSpPr>
+        <p:spPr>
+          <a:xfrm>
+            <a:off x="3900041" y="1271015"/>
+            <a:ext cx="4391917" cy="369332"/>
+          </a:xfrm>
+          <a:prstGeom prst="rect">
+            <a:avLst/>
+          </a:prstGeom>
+          <a:noFill/>
+        </p:spPr>
+        <p:txBody>
+          <a:bodyPr wrap="square" rtlCol="0">
+            <a:spAutoFit/>
+          </a:bodyPr>
+          <a:lstStyle>
+            <a:defPPr>
+              <a:defRPr lang="pt-BR"/>
+            </a:defPPr>
+            <a:lvl1pPr>
+              <a:defRPr sz="1600" b="1">
+                <a:latin typeface="Arial" panose="020B0604020202020204" pitchFamily="34" charset="0"/>
+                <a:cs typeface="Arial" panose="020B0604020202020204" pitchFamily="34" charset="0"/>
+              </a:defRPr>
+            </a:lvl1pPr>
+          </a:lstStyle>
+          <a:p>
+            <a:r>
+              <a:rPr lang="pt-BR" sz="1800" dirty="0">
+                <a:effectLst>
+                  <a:outerShdw blurRad="38100" dist="38100" dir="2700000" algn="tl">
+                    <a:srgbClr val="000000">
+                      <a:alpha val="43137"/>
+                    </a:srgbClr>
+                  </a:outerShdw>
+                </a:effectLst>
+              </a:rPr>
+              <a:t>Inserção de dados na tabela Clientes:</a:t>
+            </a:r>
+          </a:p>
+        </p:txBody>
+      </p:sp>
+      <p:pic>
+        <p:nvPicPr>
+          <p:cNvPr id="9" name="Imagem 8">
+            <a:extLst>
+              <a:ext uri="{FF2B5EF4-FFF2-40B4-BE49-F238E27FC236}">
+                <a16:creationId xmlns:a16="http://schemas.microsoft.com/office/drawing/2014/main" id="{6FB32A0F-8340-47E8-9C8C-988D13670AD4}"/>
+              </a:ext>
+            </a:extLst>
+          </p:cNvPr>
+          <p:cNvPicPr>
+            <a:picLocks noChangeAspect="1"/>
+          </p:cNvPicPr>
+          <p:nvPr/>
+        </p:nvPicPr>
+        <p:blipFill>
+          <a:blip r:embed="rId4"/>
+          <a:stretch>
+            <a:fillRect/>
+          </a:stretch>
+        </p:blipFill>
+        <p:spPr>
+          <a:xfrm>
+            <a:off x="71851" y="309267"/>
+            <a:ext cx="1035488" cy="1035488"/>
+          </a:xfrm>
+          <a:prstGeom prst="rect">
+            <a:avLst/>
+          </a:prstGeom>
+          <a:solidFill>
+            <a:srgbClr val="5881C0"/>
+          </a:solidFill>
+          <a:ln>
+            <a:solidFill>
+              <a:srgbClr val="5881C0"/>
+            </a:solidFill>
+          </a:ln>
+        </p:spPr>
+      </p:pic>
+      <p:sp>
+        <p:nvSpPr>
+          <p:cNvPr id="10" name="Retângulo 9">
+            <a:extLst>
+              <a:ext uri="{FF2B5EF4-FFF2-40B4-BE49-F238E27FC236}">
+                <a16:creationId xmlns:a16="http://schemas.microsoft.com/office/drawing/2014/main" id="{0D0C0969-6D16-4E3D-922E-8F39B44F8566}"/>
+              </a:ext>
+            </a:extLst>
+          </p:cNvPr>
+          <p:cNvSpPr/>
+          <p:nvPr/>
+        </p:nvSpPr>
+        <p:spPr>
+          <a:xfrm>
+            <a:off x="85350" y="-43679"/>
+            <a:ext cx="1074781" cy="369332"/>
+          </a:xfrm>
+          <a:prstGeom prst="rect">
+            <a:avLst/>
+          </a:prstGeom>
+        </p:spPr>
+        <p:txBody>
+          <a:bodyPr wrap="none">
+            <a:spAutoFit/>
+          </a:bodyPr>
+          <a:lstStyle/>
+          <a:p>
+            <a:r>
+              <a:rPr lang="en-US" b="1" dirty="0">
+                <a:effectLst>
+                  <a:outerShdw blurRad="38100" dist="38100" dir="2700000" algn="tl">
+                    <a:srgbClr val="000000">
+                      <a:alpha val="43137"/>
+                    </a:srgbClr>
+                  </a:outerShdw>
+                </a:effectLst>
+              </a:rPr>
+              <a:t>SUSTABIL</a:t>
+            </a:r>
+            <a:endParaRPr lang="pt-BR" dirty="0"/>
+          </a:p>
+        </p:txBody>
+      </p:sp>
+    </p:spTree>
+    <p:extLst>
+      <p:ext uri="{BB962C8B-B14F-4D97-AF65-F5344CB8AC3E}">
+        <p14:creationId xmlns:p14="http://schemas.microsoft.com/office/powerpoint/2010/main" val="2411807073"/>
+      </p:ext>
+    </p:extLst>
+  </p:cSld>
+  <p:clrMapOvr>
+    <a:masterClrMapping/>
+  </p:clrMapOvr>
+  <mc:AlternateContent xmlns:mc="http://schemas.openxmlformats.org/markup-compatibility/2006" xmlns:p14="http://schemas.microsoft.com/office/powerpoint/2010/main">
+    <mc:Choice Requires="p14">
+      <p:transition spd="slow" p14:dur="1250">
+        <p:wipe/>
+      </p:transition>
+    </mc:Choice>
+    <mc:Fallback xmlns="">
+      <p:transition spd="slow">
+        <p:wipe/>
+      </p:transition>
+    </mc:Fallback>
+  </mc:AlternateContent>
+</p:sld>
+</file>
+
+<file path=ppt/slides/slide16.xml><?xml version="1.0" encoding="utf-8"?>
+<p:sld xmlns:a="http://schemas.openxmlformats.org/drawingml/2006/main" xmlns:r="http://schemas.openxmlformats.org/officeDocument/2006/relationships" xmlns:p="http://schemas.openxmlformats.org/presentationml/2006/main">
+  <p:cSld>
+    <p:spTree>
+      <p:nvGrpSpPr>
+        <p:cNvPr id="1" name=""/>
+        <p:cNvGrpSpPr/>
+        <p:nvPr/>
+      </p:nvGrpSpPr>
+      <p:grpSpPr>
+        <a:xfrm>
+          <a:off x="0" y="0"/>
+          <a:ext cx="0" cy="0"/>
+          <a:chOff x="0" y="0"/>
+          <a:chExt cx="0" cy="0"/>
+        </a:xfrm>
+      </p:grpSpPr>
+      <p:sp>
+        <p:nvSpPr>
+          <p:cNvPr id="6" name="Retângulo 5">
+            <a:extLst>
+              <a:ext uri="{FF2B5EF4-FFF2-40B4-BE49-F238E27FC236}">
+                <a16:creationId xmlns:a16="http://schemas.microsoft.com/office/drawing/2014/main" id="{33475942-DAF9-44CC-9B8B-31CDED03B1FB}"/>
+              </a:ext>
+            </a:extLst>
+          </p:cNvPr>
+          <p:cNvSpPr/>
+          <p:nvPr/>
+        </p:nvSpPr>
+        <p:spPr>
+          <a:xfrm>
+            <a:off x="0" y="0"/>
+            <a:ext cx="12192000" cy="1917290"/>
+          </a:xfrm>
+          <a:prstGeom prst="rect">
+            <a:avLst/>
+          </a:prstGeom>
+          <a:solidFill>
+            <a:srgbClr val="5881C0"/>
+          </a:solidFill>
+          <a:ln>
+            <a:solidFill>
+              <a:srgbClr val="5881C0"/>
+            </a:solidFill>
+          </a:ln>
+        </p:spPr>
+        <p:style>
+          <a:lnRef idx="2">
+            <a:schemeClr val="accent1">
+              <a:shade val="50000"/>
+            </a:schemeClr>
+          </a:lnRef>
+          <a:fillRef idx="1">
+            <a:schemeClr val="accent1"/>
+          </a:fillRef>
+          <a:effectRef idx="0">
+            <a:schemeClr val="accent1"/>
+          </a:effectRef>
+          <a:fontRef idx="minor">
+            <a:schemeClr val="lt1"/>
+          </a:fontRef>
+        </p:style>
+        <p:txBody>
+          <a:bodyPr rtlCol="0" anchor="ctr"/>
+          <a:lstStyle/>
+          <a:p>
+            <a:pPr algn="ctr"/>
+            <a:endParaRPr lang="pt-BR" b="1" dirty="0">
+              <a:effectLst>
+                <a:outerShdw blurRad="38100" dist="38100" dir="2700000" algn="tl">
+                  <a:srgbClr val="000000">
+                    <a:alpha val="43137"/>
+                  </a:srgbClr>
+                </a:outerShdw>
+              </a:effectLst>
+            </a:endParaRPr>
+          </a:p>
+        </p:txBody>
+      </p:sp>
+      <p:sp>
+        <p:nvSpPr>
+          <p:cNvPr id="5" name="CaixaDeTexto 4">
+            <a:extLst>
+              <a:ext uri="{FF2B5EF4-FFF2-40B4-BE49-F238E27FC236}">
+                <a16:creationId xmlns:a16="http://schemas.microsoft.com/office/drawing/2014/main" id="{A7F16955-4C2E-4E3E-AC8D-A103AC43E338}"/>
+              </a:ext>
+            </a:extLst>
+          </p:cNvPr>
+          <p:cNvSpPr txBox="1"/>
+          <p:nvPr/>
+        </p:nvSpPr>
+        <p:spPr>
+          <a:xfrm>
+            <a:off x="3066255" y="1300511"/>
+            <a:ext cx="6059489" cy="369332"/>
+          </a:xfrm>
+          <a:prstGeom prst="rect">
+            <a:avLst/>
+          </a:prstGeom>
+          <a:noFill/>
+        </p:spPr>
+        <p:txBody>
+          <a:bodyPr wrap="square" rtlCol="0">
+            <a:spAutoFit/>
+          </a:bodyPr>
+          <a:lstStyle>
+            <a:defPPr>
+              <a:defRPr lang="pt-BR"/>
+            </a:defPPr>
+            <a:lvl1pPr>
+              <a:defRPr sz="1600" b="1">
+                <a:latin typeface="Arial" panose="020B0604020202020204" pitchFamily="34" charset="0"/>
+                <a:cs typeface="Arial" panose="020B0604020202020204" pitchFamily="34" charset="0"/>
+              </a:defRPr>
+            </a:lvl1pPr>
+          </a:lstStyle>
+          <a:p>
+            <a:r>
+              <a:rPr lang="pt-BR" sz="1800" dirty="0">
+                <a:effectLst>
+                  <a:outerShdw blurRad="38100" dist="38100" dir="2700000" algn="tl">
+                    <a:srgbClr val="000000">
+                      <a:alpha val="43137"/>
+                    </a:srgbClr>
+                  </a:outerShdw>
+                </a:effectLst>
+              </a:rPr>
+              <a:t>Inserção de dados nas tabelas tbRua e tbSensores:</a:t>
+            </a:r>
+          </a:p>
+        </p:txBody>
+      </p:sp>
+      <p:pic>
+        <p:nvPicPr>
+          <p:cNvPr id="8" name="Imagem 7">
+            <a:extLst>
+              <a:ext uri="{FF2B5EF4-FFF2-40B4-BE49-F238E27FC236}">
+                <a16:creationId xmlns:a16="http://schemas.microsoft.com/office/drawing/2014/main" id="{5EF4F3A1-5AC1-4DB6-BEF3-8C1103449C02}"/>
+              </a:ext>
+            </a:extLst>
+          </p:cNvPr>
+          <p:cNvPicPr>
+            <a:picLocks noChangeAspect="1"/>
+          </p:cNvPicPr>
+          <p:nvPr/>
+        </p:nvPicPr>
+        <p:blipFill>
+          <a:blip r:embed="rId2"/>
+          <a:stretch>
+            <a:fillRect/>
+          </a:stretch>
+        </p:blipFill>
+        <p:spPr>
+          <a:xfrm>
+            <a:off x="71851" y="309267"/>
+            <a:ext cx="1035488" cy="1035488"/>
+          </a:xfrm>
+          <a:prstGeom prst="rect">
+            <a:avLst/>
+          </a:prstGeom>
+          <a:solidFill>
+            <a:srgbClr val="5881C0"/>
+          </a:solidFill>
+          <a:ln>
+            <a:solidFill>
+              <a:srgbClr val="5881C0"/>
+            </a:solidFill>
+          </a:ln>
+        </p:spPr>
+      </p:pic>
+      <p:sp>
+        <p:nvSpPr>
+          <p:cNvPr id="9" name="Retângulo 8">
+            <a:extLst>
+              <a:ext uri="{FF2B5EF4-FFF2-40B4-BE49-F238E27FC236}">
+                <a16:creationId xmlns:a16="http://schemas.microsoft.com/office/drawing/2014/main" id="{0D84EAFF-80CE-4732-984C-E03CD9AA2F15}"/>
+              </a:ext>
+            </a:extLst>
+          </p:cNvPr>
+          <p:cNvSpPr/>
+          <p:nvPr/>
+        </p:nvSpPr>
+        <p:spPr>
+          <a:xfrm>
+            <a:off x="85350" y="-43679"/>
+            <a:ext cx="1074781" cy="369332"/>
+          </a:xfrm>
+          <a:prstGeom prst="rect">
+            <a:avLst/>
+          </a:prstGeom>
+        </p:spPr>
+        <p:txBody>
+          <a:bodyPr wrap="none">
+            <a:spAutoFit/>
+          </a:bodyPr>
+          <a:lstStyle/>
+          <a:p>
+            <a:r>
+              <a:rPr lang="en-US" b="1" dirty="0">
+                <a:effectLst>
+                  <a:outerShdw blurRad="38100" dist="38100" dir="2700000" algn="tl">
+                    <a:srgbClr val="000000">
+                      <a:alpha val="43137"/>
+                    </a:srgbClr>
+                  </a:outerShdw>
+                </a:effectLst>
+              </a:rPr>
+              <a:t>SUSTABIL</a:t>
+            </a:r>
+            <a:endParaRPr lang="pt-BR" dirty="0"/>
+          </a:p>
+        </p:txBody>
+      </p:sp>
+      <p:pic>
+        <p:nvPicPr>
+          <p:cNvPr id="3" name="Imagem 2">
+            <a:extLst>
+              <a:ext uri="{FF2B5EF4-FFF2-40B4-BE49-F238E27FC236}">
+                <a16:creationId xmlns:a16="http://schemas.microsoft.com/office/drawing/2014/main" id="{96675C84-BB1C-43D0-8E53-B9673F0C8352}"/>
+              </a:ext>
+            </a:extLst>
+          </p:cNvPr>
+          <p:cNvPicPr>
+            <a:picLocks noChangeAspect="1"/>
+          </p:cNvPicPr>
+          <p:nvPr/>
+        </p:nvPicPr>
+        <p:blipFill>
+          <a:blip r:embed="rId3"/>
+          <a:stretch>
+            <a:fillRect/>
+          </a:stretch>
+        </p:blipFill>
+        <p:spPr>
+          <a:xfrm>
+            <a:off x="3107201" y="2108449"/>
+            <a:ext cx="6018543" cy="4389870"/>
+          </a:xfrm>
+          <a:prstGeom prst="rect">
+            <a:avLst/>
+          </a:prstGeom>
+        </p:spPr>
+      </p:pic>
+    </p:spTree>
+    <p:extLst>
+      <p:ext uri="{BB962C8B-B14F-4D97-AF65-F5344CB8AC3E}">
+        <p14:creationId xmlns:p14="http://schemas.microsoft.com/office/powerpoint/2010/main" val="1584627150"/>
+      </p:ext>
+    </p:extLst>
+  </p:cSld>
+  <p:clrMapOvr>
+    <a:masterClrMapping/>
+  </p:clrMapOvr>
+  <mc:AlternateContent xmlns:mc="http://schemas.openxmlformats.org/markup-compatibility/2006" xmlns:p14="http://schemas.microsoft.com/office/powerpoint/2010/main">
+    <mc:Choice Requires="p14">
+      <p:transition spd="slow" p14:dur="1250">
+        <p:wipe/>
+      </p:transition>
+    </mc:Choice>
+    <mc:Fallback xmlns="">
+      <p:transition spd="slow">
+        <p:wipe/>
+      </p:transition>
+    </mc:Fallback>
+  </mc:AlternateContent>
+</p:sld>
+</file>
+
+<file path=ppt/slides/slide17.xml><?xml version="1.0" encoding="utf-8"?>
+<p:sld xmlns:a="http://schemas.openxmlformats.org/drawingml/2006/main" xmlns:r="http://schemas.openxmlformats.org/officeDocument/2006/relationships" xmlns:p="http://schemas.openxmlformats.org/presentationml/2006/main">
+  <p:cSld>
+    <p:spTree>
+      <p:nvGrpSpPr>
+        <p:cNvPr id="1" name=""/>
+        <p:cNvGrpSpPr/>
+        <p:nvPr/>
+      </p:nvGrpSpPr>
+      <p:grpSpPr>
+        <a:xfrm>
+          <a:off x="0" y="0"/>
+          <a:ext cx="0" cy="0"/>
+          <a:chOff x="0" y="0"/>
+          <a:chExt cx="0" cy="0"/>
+        </a:xfrm>
+      </p:grpSpPr>
+      <p:sp>
+        <p:nvSpPr>
+          <p:cNvPr id="13" name="Retângulo 12">
+            <a:extLst>
+              <a:ext uri="{FF2B5EF4-FFF2-40B4-BE49-F238E27FC236}">
+                <a16:creationId xmlns:a16="http://schemas.microsoft.com/office/drawing/2014/main" id="{B4C4C580-EB0B-4199-BCEA-5F431251A365}"/>
+              </a:ext>
+            </a:extLst>
+          </p:cNvPr>
+          <p:cNvSpPr/>
+          <p:nvPr/>
+        </p:nvSpPr>
+        <p:spPr>
+          <a:xfrm>
+            <a:off x="0" y="0"/>
+            <a:ext cx="12192000" cy="1917290"/>
+          </a:xfrm>
+          <a:prstGeom prst="rect">
+            <a:avLst/>
+          </a:prstGeom>
+          <a:solidFill>
+            <a:srgbClr val="5881C0"/>
+          </a:solidFill>
+          <a:ln>
+            <a:solidFill>
+              <a:srgbClr val="5881C0"/>
+            </a:solidFill>
+          </a:ln>
+        </p:spPr>
+        <p:style>
+          <a:lnRef idx="2">
+            <a:schemeClr val="accent1">
+              <a:shade val="50000"/>
+            </a:schemeClr>
+          </a:lnRef>
+          <a:fillRef idx="1">
+            <a:schemeClr val="accent1"/>
+          </a:fillRef>
+          <a:effectRef idx="0">
+            <a:schemeClr val="accent1"/>
+          </a:effectRef>
+          <a:fontRef idx="minor">
+            <a:schemeClr val="lt1"/>
+          </a:fontRef>
+        </p:style>
+        <p:txBody>
+          <a:bodyPr rtlCol="0" anchor="ctr"/>
+          <a:lstStyle/>
+          <a:p>
+            <a:pPr algn="ctr"/>
+            <a:endParaRPr lang="pt-BR" b="1" dirty="0">
+              <a:effectLst>
+                <a:outerShdw blurRad="38100" dist="38100" dir="2700000" algn="tl">
+                  <a:srgbClr val="000000">
+                    <a:alpha val="43137"/>
+                  </a:srgbClr>
+                </a:outerShdw>
+              </a:effectLst>
+            </a:endParaRPr>
+          </a:p>
+        </p:txBody>
+      </p:sp>
+      <p:pic>
+        <p:nvPicPr>
+          <p:cNvPr id="2" name="Imagem 1">
+            <a:extLst>
+              <a:ext uri="{FF2B5EF4-FFF2-40B4-BE49-F238E27FC236}">
+                <a16:creationId xmlns:a16="http://schemas.microsoft.com/office/drawing/2014/main" id="{46447FED-6765-4E73-AE34-F23C7D378E29}"/>
+              </a:ext>
+            </a:extLst>
+          </p:cNvPr>
+          <p:cNvPicPr>
+            <a:picLocks noChangeAspect="1"/>
+          </p:cNvPicPr>
+          <p:nvPr/>
+        </p:nvPicPr>
+        <p:blipFill>
+          <a:blip r:embed="rId2"/>
+          <a:stretch>
+            <a:fillRect/>
+          </a:stretch>
+        </p:blipFill>
+        <p:spPr>
+          <a:xfrm>
+            <a:off x="176981" y="2090480"/>
+            <a:ext cx="10046987" cy="1626927"/>
+          </a:xfrm>
+          <a:prstGeom prst="rect">
+            <a:avLst/>
+          </a:prstGeom>
+        </p:spPr>
+      </p:pic>
+      <p:pic>
+        <p:nvPicPr>
+          <p:cNvPr id="3" name="Imagem 2">
+            <a:extLst>
+              <a:ext uri="{FF2B5EF4-FFF2-40B4-BE49-F238E27FC236}">
+                <a16:creationId xmlns:a16="http://schemas.microsoft.com/office/drawing/2014/main" id="{349DA353-C641-4866-875D-4AAB4915DB8A}"/>
+              </a:ext>
+            </a:extLst>
+          </p:cNvPr>
+          <p:cNvPicPr>
+            <a:picLocks noChangeAspect="1"/>
+          </p:cNvPicPr>
+          <p:nvPr/>
+        </p:nvPicPr>
+        <p:blipFill>
+          <a:blip r:embed="rId3"/>
+          <a:stretch>
+            <a:fillRect/>
+          </a:stretch>
+        </p:blipFill>
+        <p:spPr>
+          <a:xfrm>
+            <a:off x="10206716" y="2090480"/>
+            <a:ext cx="1036198" cy="1609675"/>
+          </a:xfrm>
+          <a:prstGeom prst="rect">
+            <a:avLst/>
+          </a:prstGeom>
+        </p:spPr>
+      </p:pic>
+      <p:sp>
+        <p:nvSpPr>
+          <p:cNvPr id="6" name="CaixaDeTexto 5">
+            <a:extLst>
+              <a:ext uri="{FF2B5EF4-FFF2-40B4-BE49-F238E27FC236}">
+                <a16:creationId xmlns:a16="http://schemas.microsoft.com/office/drawing/2014/main" id="{ABD0B5B1-7BAF-419E-9C90-8C3DC283210A}"/>
+              </a:ext>
+            </a:extLst>
+          </p:cNvPr>
+          <p:cNvSpPr txBox="1"/>
+          <p:nvPr/>
+        </p:nvSpPr>
+        <p:spPr>
+          <a:xfrm>
+            <a:off x="3673372" y="1318473"/>
+            <a:ext cx="4845255" cy="369332"/>
+          </a:xfrm>
+          <a:prstGeom prst="rect">
+            <a:avLst/>
+          </a:prstGeom>
+          <a:noFill/>
+        </p:spPr>
+        <p:txBody>
+          <a:bodyPr wrap="square" rtlCol="0">
+            <a:spAutoFit/>
+          </a:bodyPr>
+          <a:lstStyle>
+            <a:defPPr>
+              <a:defRPr lang="pt-BR"/>
+            </a:defPPr>
+            <a:lvl1pPr>
+              <a:defRPr sz="1600" b="1">
+                <a:latin typeface="Arial" panose="020B0604020202020204" pitchFamily="34" charset="0"/>
+                <a:cs typeface="Arial" panose="020B0604020202020204" pitchFamily="34" charset="0"/>
+              </a:defRPr>
+            </a:lvl1pPr>
+          </a:lstStyle>
+          <a:p>
+            <a:pPr algn="ctr"/>
+            <a:r>
+              <a:rPr lang="pt-BR" sz="1800" dirty="0">
+                <a:effectLst>
+                  <a:outerShdw blurRad="38100" dist="38100" dir="2700000" algn="tl">
+                    <a:srgbClr val="000000">
+                      <a:alpha val="43137"/>
+                    </a:srgbClr>
+                  </a:outerShdw>
+                </a:effectLst>
+              </a:rPr>
+              <a:t>Buscando os dados da tabela tbClientes:</a:t>
+            </a:r>
+          </a:p>
+        </p:txBody>
+      </p:sp>
+      <p:sp>
+        <p:nvSpPr>
+          <p:cNvPr id="7" name="CaixaDeTexto 6">
+            <a:extLst>
+              <a:ext uri="{FF2B5EF4-FFF2-40B4-BE49-F238E27FC236}">
+                <a16:creationId xmlns:a16="http://schemas.microsoft.com/office/drawing/2014/main" id="{2E11BFA2-0178-4AFE-8FF0-9F3D56EABE5B}"/>
+              </a:ext>
+            </a:extLst>
+          </p:cNvPr>
+          <p:cNvSpPr txBox="1"/>
+          <p:nvPr/>
+        </p:nvSpPr>
+        <p:spPr>
+          <a:xfrm>
+            <a:off x="457200" y="4217723"/>
+            <a:ext cx="4597400" cy="369332"/>
+          </a:xfrm>
+          <a:prstGeom prst="rect">
+            <a:avLst/>
+          </a:prstGeom>
+          <a:noFill/>
+        </p:spPr>
+        <p:txBody>
+          <a:bodyPr wrap="square" rtlCol="0">
+            <a:spAutoFit/>
+          </a:bodyPr>
+          <a:lstStyle>
+            <a:defPPr>
+              <a:defRPr lang="pt-BR"/>
+            </a:defPPr>
+            <a:lvl1pPr>
+              <a:defRPr sz="1600" b="1">
+                <a:latin typeface="Arial" panose="020B0604020202020204" pitchFamily="34" charset="0"/>
+                <a:cs typeface="Arial" panose="020B0604020202020204" pitchFamily="34" charset="0"/>
+              </a:defRPr>
+            </a:lvl1pPr>
+          </a:lstStyle>
+          <a:p>
+            <a:r>
+              <a:rPr lang="pt-BR" dirty="0"/>
+              <a:t>Buscando os dados da tabela tbRua:</a:t>
+            </a:r>
+          </a:p>
+        </p:txBody>
+      </p:sp>
+      <p:sp>
+        <p:nvSpPr>
+          <p:cNvPr id="8" name="CaixaDeTexto 7">
+            <a:extLst>
+              <a:ext uri="{FF2B5EF4-FFF2-40B4-BE49-F238E27FC236}">
+                <a16:creationId xmlns:a16="http://schemas.microsoft.com/office/drawing/2014/main" id="{90C7EB6A-7384-419D-8FBE-AB3D2D267A80}"/>
+              </a:ext>
+            </a:extLst>
+          </p:cNvPr>
+          <p:cNvSpPr txBox="1"/>
+          <p:nvPr/>
+        </p:nvSpPr>
+        <p:spPr>
+          <a:xfrm>
+            <a:off x="7137400" y="4217723"/>
+            <a:ext cx="4597400" cy="369332"/>
+          </a:xfrm>
+          <a:prstGeom prst="rect">
+            <a:avLst/>
+          </a:prstGeom>
+          <a:noFill/>
+        </p:spPr>
+        <p:txBody>
+          <a:bodyPr wrap="square" rtlCol="0">
+            <a:spAutoFit/>
+          </a:bodyPr>
+          <a:lstStyle>
+            <a:defPPr>
+              <a:defRPr lang="pt-BR"/>
+            </a:defPPr>
+            <a:lvl1pPr>
+              <a:defRPr sz="1600" b="1">
+                <a:latin typeface="Arial" panose="020B0604020202020204" pitchFamily="34" charset="0"/>
+                <a:cs typeface="Arial" panose="020B0604020202020204" pitchFamily="34" charset="0"/>
+              </a:defRPr>
+            </a:lvl1pPr>
+          </a:lstStyle>
+          <a:p>
+            <a:r>
+              <a:rPr lang="pt-BR" dirty="0"/>
+              <a:t>Buscando os dados da tabela tbSensores:</a:t>
+            </a:r>
+          </a:p>
+        </p:txBody>
+      </p:sp>
+      <p:pic>
+        <p:nvPicPr>
+          <p:cNvPr id="10" name="Imagem 9">
+            <a:extLst>
+              <a:ext uri="{FF2B5EF4-FFF2-40B4-BE49-F238E27FC236}">
+                <a16:creationId xmlns:a16="http://schemas.microsoft.com/office/drawing/2014/main" id="{0AA5E581-82DA-4C80-95EE-CA868C15F7D5}"/>
+              </a:ext>
+            </a:extLst>
+          </p:cNvPr>
+          <p:cNvPicPr>
+            <a:picLocks noChangeAspect="1"/>
+          </p:cNvPicPr>
+          <p:nvPr/>
+        </p:nvPicPr>
+        <p:blipFill>
+          <a:blip r:embed="rId4"/>
+          <a:stretch>
+            <a:fillRect/>
+          </a:stretch>
+        </p:blipFill>
+        <p:spPr>
+          <a:xfrm>
+            <a:off x="6533034" y="4826903"/>
+            <a:ext cx="5201766" cy="1986941"/>
+          </a:xfrm>
+          <a:prstGeom prst="rect">
+            <a:avLst/>
+          </a:prstGeom>
+        </p:spPr>
+      </p:pic>
+      <p:pic>
+        <p:nvPicPr>
+          <p:cNvPr id="14" name="Imagem 13">
+            <a:extLst>
+              <a:ext uri="{FF2B5EF4-FFF2-40B4-BE49-F238E27FC236}">
+                <a16:creationId xmlns:a16="http://schemas.microsoft.com/office/drawing/2014/main" id="{5E5DCBAB-F0B3-41AD-BBAA-24553D8E14D4}"/>
+              </a:ext>
+            </a:extLst>
+          </p:cNvPr>
+          <p:cNvPicPr>
+            <a:picLocks noChangeAspect="1"/>
+          </p:cNvPicPr>
+          <p:nvPr/>
+        </p:nvPicPr>
+        <p:blipFill>
+          <a:blip r:embed="rId5"/>
+          <a:stretch>
+            <a:fillRect/>
+          </a:stretch>
+        </p:blipFill>
+        <p:spPr>
+          <a:xfrm>
+            <a:off x="71851" y="309267"/>
+            <a:ext cx="1035488" cy="1035488"/>
+          </a:xfrm>
+          <a:prstGeom prst="rect">
+            <a:avLst/>
+          </a:prstGeom>
+          <a:solidFill>
+            <a:srgbClr val="5881C0"/>
+          </a:solidFill>
+          <a:ln>
+            <a:solidFill>
+              <a:srgbClr val="5881C0"/>
+            </a:solidFill>
+          </a:ln>
+        </p:spPr>
+      </p:pic>
+      <p:sp>
+        <p:nvSpPr>
+          <p:cNvPr id="15" name="Retângulo 14">
+            <a:extLst>
+              <a:ext uri="{FF2B5EF4-FFF2-40B4-BE49-F238E27FC236}">
+                <a16:creationId xmlns:a16="http://schemas.microsoft.com/office/drawing/2014/main" id="{2F42C4D0-91BC-4E6B-A9D7-4B2AA9A8F635}"/>
+              </a:ext>
+            </a:extLst>
+          </p:cNvPr>
+          <p:cNvSpPr/>
+          <p:nvPr/>
+        </p:nvSpPr>
+        <p:spPr>
+          <a:xfrm>
+            <a:off x="85350" y="-43679"/>
+            <a:ext cx="1074781" cy="369332"/>
+          </a:xfrm>
+          <a:prstGeom prst="rect">
+            <a:avLst/>
+          </a:prstGeom>
+        </p:spPr>
+        <p:txBody>
+          <a:bodyPr wrap="none">
+            <a:spAutoFit/>
+          </a:bodyPr>
+          <a:lstStyle/>
+          <a:p>
+            <a:r>
+              <a:rPr lang="en-US" b="1" dirty="0">
+                <a:effectLst>
+                  <a:outerShdw blurRad="38100" dist="38100" dir="2700000" algn="tl">
+                    <a:srgbClr val="000000">
+                      <a:alpha val="43137"/>
+                    </a:srgbClr>
+                  </a:outerShdw>
+                </a:effectLst>
+              </a:rPr>
+              <a:t>SUSTABIL</a:t>
+            </a:r>
+            <a:endParaRPr lang="pt-BR" dirty="0"/>
+          </a:p>
+        </p:txBody>
+      </p:sp>
+      <p:pic>
+        <p:nvPicPr>
+          <p:cNvPr id="5" name="Imagem 4">
+            <a:extLst>
+              <a:ext uri="{FF2B5EF4-FFF2-40B4-BE49-F238E27FC236}">
+                <a16:creationId xmlns:a16="http://schemas.microsoft.com/office/drawing/2014/main" id="{5220559E-E58E-4706-9EB0-119F82942028}"/>
+              </a:ext>
+            </a:extLst>
+          </p:cNvPr>
+          <p:cNvPicPr>
+            <a:picLocks noChangeAspect="1"/>
+          </p:cNvPicPr>
+          <p:nvPr/>
+        </p:nvPicPr>
+        <p:blipFill>
+          <a:blip r:embed="rId6"/>
+          <a:stretch>
+            <a:fillRect/>
+          </a:stretch>
+        </p:blipFill>
+        <p:spPr>
+          <a:xfrm>
+            <a:off x="176981" y="4804779"/>
+            <a:ext cx="4692050" cy="1986940"/>
+          </a:xfrm>
+          <a:prstGeom prst="rect">
+            <a:avLst/>
+          </a:prstGeom>
+        </p:spPr>
+      </p:pic>
+    </p:spTree>
+    <p:extLst>
+      <p:ext uri="{BB962C8B-B14F-4D97-AF65-F5344CB8AC3E}">
+        <p14:creationId xmlns:p14="http://schemas.microsoft.com/office/powerpoint/2010/main" val="1740331572"/>
+      </p:ext>
+    </p:extLst>
+  </p:cSld>
+  <p:clrMapOvr>
+    <a:masterClrMapping/>
+  </p:clrMapOvr>
+  <mc:AlternateContent xmlns:mc="http://schemas.openxmlformats.org/markup-compatibility/2006" xmlns:p14="http://schemas.microsoft.com/office/powerpoint/2010/main">
+    <mc:Choice Requires="p14">
+      <p:transition spd="slow" p14:dur="1250">
+        <p:wipe/>
+      </p:transition>
+    </mc:Choice>
+    <mc:Fallback xmlns="">
+      <p:transition spd="slow">
+        <p:wipe/>
+      </p:transition>
+    </mc:Fallback>
+  </mc:AlternateContent>
+</p:sld>
+</file>
+
+<file path=ppt/slides/slide18.xml><?xml version="1.0" encoding="utf-8"?>
 <p:sld xmlns:a="http://schemas.openxmlformats.org/drawingml/2006/main" xmlns:r="http://schemas.openxmlformats.org/officeDocument/2006/relationships" xmlns:p="http://schemas.openxmlformats.org/presentationml/2006/main">
   <p:cSld>
     <p:bg>
@@ -7644,13 +7373,13 @@
   <p:clrMapOvr>
     <a:masterClrMapping/>
   </p:clrMapOvr>
-  <mc:AlternateContent xmlns:mc="http://schemas.openxmlformats.org/markup-compatibility/2006">
-    <mc:Choice xmlns:p14="http://schemas.microsoft.com/office/powerpoint/2010/main" Requires="p14">
+  <mc:AlternateContent xmlns:mc="http://schemas.openxmlformats.org/markup-compatibility/2006" xmlns:p14="http://schemas.microsoft.com/office/powerpoint/2010/main">
+    <mc:Choice Requires="p14">
       <p:transition spd="slow" p14:dur="1250">
         <p:wipe/>
       </p:transition>
     </mc:Choice>
-    <mc:Fallback>
+    <mc:Fallback xmlns="">
       <p:transition spd="slow">
         <p:wipe/>
       </p:transition>
@@ -8257,8 +7986,8 @@
           </a:p>
         </p:txBody>
       </p:sp>
-      <mc:AlternateContent xmlns:mc="http://schemas.openxmlformats.org/markup-compatibility/2006">
-        <mc:Choice xmlns:p14="http://schemas.microsoft.com/office/powerpoint/2010/main" Requires="p14">
+      <mc:AlternateContent xmlns:mc="http://schemas.openxmlformats.org/markup-compatibility/2006" xmlns:p14="http://schemas.microsoft.com/office/powerpoint/2010/main">
+        <mc:Choice Requires="p14">
           <p:contentPart p14:bwMode="auto" r:id="rId3">
             <p14:nvContentPartPr>
               <p14:cNvPr id="23" name="Tinta 22">
@@ -8277,7 +8006,7 @@
             </p14:xfrm>
           </p:contentPart>
         </mc:Choice>
-        <mc:Fallback>
+        <mc:Fallback xmlns="">
           <p:pic>
             <p:nvPicPr>
               <p:cNvPr id="23" name="Tinta 22">
@@ -8611,13 +8340,13 @@
   <p:clrMapOvr>
     <a:masterClrMapping/>
   </p:clrMapOvr>
-  <mc:AlternateContent xmlns:mc="http://schemas.openxmlformats.org/markup-compatibility/2006">
-    <mc:Choice xmlns:p14="http://schemas.microsoft.com/office/powerpoint/2010/main" Requires="p14">
+  <mc:AlternateContent xmlns:mc="http://schemas.openxmlformats.org/markup-compatibility/2006" xmlns:p14="http://schemas.microsoft.com/office/powerpoint/2010/main">
+    <mc:Choice Requires="p14">
       <p:transition spd="slow" p14:dur="1250">
         <p:wipe/>
       </p:transition>
     </mc:Choice>
-    <mc:Fallback>
+    <mc:Fallback xmlns="">
       <p:transition spd="slow">
         <p:wipe/>
       </p:transition>
@@ -8912,13 +8641,13 @@
   <p:clrMapOvr>
     <a:masterClrMapping/>
   </p:clrMapOvr>
-  <mc:AlternateContent xmlns:mc="http://schemas.openxmlformats.org/markup-compatibility/2006">
-    <mc:Choice xmlns:p14="http://schemas.microsoft.com/office/powerpoint/2010/main" Requires="p14">
+  <mc:AlternateContent xmlns:mc="http://schemas.openxmlformats.org/markup-compatibility/2006" xmlns:p14="http://schemas.microsoft.com/office/powerpoint/2010/main">
+    <mc:Choice Requires="p14">
       <p:transition spd="slow" p14:dur="1250">
         <p:wipe/>
       </p:transition>
     </mc:Choice>
-    <mc:Fallback>
+    <mc:Fallback xmlns="">
       <p:transition spd="slow">
         <p:wipe/>
       </p:transition>
@@ -9290,13 +9019,13 @@
   <p:clrMapOvr>
     <a:masterClrMapping/>
   </p:clrMapOvr>
-  <mc:AlternateContent xmlns:mc="http://schemas.openxmlformats.org/markup-compatibility/2006">
-    <mc:Choice xmlns:p14="http://schemas.microsoft.com/office/powerpoint/2010/main" Requires="p14">
+  <mc:AlternateContent xmlns:mc="http://schemas.openxmlformats.org/markup-compatibility/2006" xmlns:p14="http://schemas.microsoft.com/office/powerpoint/2010/main">
+    <mc:Choice Requires="p14">
       <p:transition spd="slow" p14:dur="1250">
         <p:wipe/>
       </p:transition>
     </mc:Choice>
-    <mc:Fallback>
+    <mc:Fallback xmlns="">
       <p:transition spd="slow">
         <p:wipe/>
       </p:transition>
@@ -9750,13 +9479,13 @@
   <p:clrMapOvr>
     <a:masterClrMapping/>
   </p:clrMapOvr>
-  <mc:AlternateContent xmlns:mc="http://schemas.openxmlformats.org/markup-compatibility/2006">
-    <mc:Choice xmlns:p14="http://schemas.microsoft.com/office/powerpoint/2010/main" Requires="p14">
+  <mc:AlternateContent xmlns:mc="http://schemas.openxmlformats.org/markup-compatibility/2006" xmlns:p14="http://schemas.microsoft.com/office/powerpoint/2010/main">
+    <mc:Choice Requires="p14">
       <p:transition spd="slow" p14:dur="1250">
         <p:wipe/>
       </p:transition>
     </mc:Choice>
-    <mc:Fallback>
+    <mc:Fallback xmlns="">
       <p:transition spd="slow">
         <p:wipe/>
       </p:transition>
@@ -10586,13 +10315,13 @@
   <p:clrMapOvr>
     <a:masterClrMapping/>
   </p:clrMapOvr>
-  <mc:AlternateContent xmlns:mc="http://schemas.openxmlformats.org/markup-compatibility/2006">
-    <mc:Choice xmlns:p14="http://schemas.microsoft.com/office/powerpoint/2010/main" Requires="p14">
+  <mc:AlternateContent xmlns:mc="http://schemas.openxmlformats.org/markup-compatibility/2006" xmlns:p14="http://schemas.microsoft.com/office/powerpoint/2010/main">
+    <mc:Choice Requires="p14">
       <p:transition spd="slow" p14:dur="1250">
         <p:wipe/>
       </p:transition>
     </mc:Choice>
-    <mc:Fallback>
+    <mc:Fallback xmlns="">
       <p:transition spd="slow">
         <p:wipe/>
       </p:transition>
@@ -10990,13 +10719,13 @@
   <p:clrMapOvr>
     <a:masterClrMapping/>
   </p:clrMapOvr>
-  <mc:AlternateContent xmlns:mc="http://schemas.openxmlformats.org/markup-compatibility/2006">
-    <mc:Choice xmlns:p14="http://schemas.microsoft.com/office/powerpoint/2010/main" Requires="p14">
+  <mc:AlternateContent xmlns:mc="http://schemas.openxmlformats.org/markup-compatibility/2006" xmlns:p14="http://schemas.microsoft.com/office/powerpoint/2010/main">
+    <mc:Choice Requires="p14">
       <p:transition spd="slow" p14:dur="1250">
         <p:wipe/>
       </p:transition>
     </mc:Choice>
-    <mc:Fallback>
+    <mc:Fallback xmlns="">
       <p:transition spd="slow">
         <p:wipe/>
       </p:transition>
@@ -11008,14 +10737,6 @@
 <file path=ppt/slides/slide8.xml><?xml version="1.0" encoding="utf-8"?>
 <p:sld xmlns:a="http://schemas.openxmlformats.org/drawingml/2006/main" xmlns:r="http://schemas.openxmlformats.org/officeDocument/2006/relationships" xmlns:p="http://schemas.openxmlformats.org/presentationml/2006/main">
   <p:cSld>
-    <p:bg>
-      <p:bgPr>
-        <a:solidFill>
-          <a:schemeClr val="bg1"/>
-        </a:solidFill>
-        <a:effectLst/>
-      </p:bgPr>
-    </p:bg>
     <p:spTree>
       <p:nvGrpSpPr>
         <p:cNvPr id="1" name=""/>
@@ -11030,39 +10751,33 @@
           <a:chExt cx="0" cy="0"/>
         </a:xfrm>
       </p:grpSpPr>
-      <p:sp useBgFill="1">
-        <p:nvSpPr>
-          <p:cNvPr id="25" name="Rectangle 24">
-            <a:extLst>
-              <a:ext uri="{FF2B5EF4-FFF2-40B4-BE49-F238E27FC236}">
-                <a16:creationId xmlns:a16="http://schemas.microsoft.com/office/drawing/2014/main" id="{3EEB8ED6-9142-4A11-B029-18DDE98C4952}"/>
-              </a:ext>
-              <a:ext uri="{C183D7F6-B498-43B3-948B-1728B52AA6E4}">
-                <adec:decorative xmlns:adec="http://schemas.microsoft.com/office/drawing/2017/decorative" val="1"/>
-              </a:ext>
-            </a:extLst>
-          </p:cNvPr>
-          <p:cNvSpPr>
-            <a:spLocks noGrp="1" noRot="1" noChangeAspect="1" noMove="1" noResize="1" noEditPoints="1" noAdjustHandles="1" noChangeArrowheads="1" noChangeShapeType="1" noTextEdit="1"/>
-          </p:cNvSpPr>
-          <p:nvPr>
-            <p:extLst>
-              <p:ext uri="{386F3935-93C4-4BCD-93E2-E3B085C9AB24}">
-                <p16:designElem xmlns:p16="http://schemas.microsoft.com/office/powerpoint/2015/main" val="1"/>
-              </p:ext>
-            </p:extLst>
-          </p:nvPr>
-        </p:nvSpPr>
-        <p:spPr>
-          <a:xfrm>
-            <a:off x="-1" y="0"/>
-            <a:ext cx="12188952" cy="6858000"/>
+      <p:sp>
+        <p:nvSpPr>
+          <p:cNvPr id="5" name="Retângulo 4">
+            <a:extLst>
+              <a:ext uri="{FF2B5EF4-FFF2-40B4-BE49-F238E27FC236}">
+                <a16:creationId xmlns:a16="http://schemas.microsoft.com/office/drawing/2014/main" id="{F71650AF-280C-4CA0-8090-D41F23F9D98C}"/>
+              </a:ext>
+            </a:extLst>
+          </p:cNvPr>
+          <p:cNvSpPr/>
+          <p:nvPr/>
+        </p:nvSpPr>
+        <p:spPr>
+          <a:xfrm>
+            <a:off x="0" y="0"/>
+            <a:ext cx="12192000" cy="1917290"/>
           </a:xfrm>
           <a:prstGeom prst="rect">
             <a:avLst/>
           </a:prstGeom>
+          <a:solidFill>
+            <a:srgbClr val="5881C0"/>
+          </a:solidFill>
           <a:ln>
-            <a:noFill/>
+            <a:solidFill>
+              <a:srgbClr val="5881C0"/>
+            </a:solidFill>
           </a:ln>
         </p:spPr>
         <p:style>
@@ -11086,105 +10801,6 @@
           <a:lstStyle/>
           <a:p>
             <a:pPr algn="ctr"/>
-            <a:endParaRPr lang="en-US"/>
-          </a:p>
-        </p:txBody>
-      </p:sp>
-      <p:pic>
-        <p:nvPicPr>
-          <p:cNvPr id="20" name="Imagem 19" descr="Tela de computador com texto preto sobre fundo branco&#10;&#10;Descrição gerada automaticamente">
-            <a:extLst>
-              <a:ext uri="{FF2B5EF4-FFF2-40B4-BE49-F238E27FC236}">
-                <a16:creationId xmlns:a16="http://schemas.microsoft.com/office/drawing/2014/main" id="{3A02DED5-E702-4845-AFB5-A488487D1DB0}"/>
-              </a:ext>
-            </a:extLst>
-          </p:cNvPr>
-          <p:cNvPicPr>
-            <a:picLocks noChangeAspect="1"/>
-          </p:cNvPicPr>
-          <p:nvPr/>
-        </p:nvPicPr>
-        <p:blipFill rotWithShape="1">
-          <a:blip r:embed="rId2">
-            <a:extLst>
-              <a:ext uri="{28A0092B-C50C-407E-A947-70E740481C1C}">
-                <a14:useLocalDpi xmlns:a14="http://schemas.microsoft.com/office/drawing/2010/main" val="0"/>
-              </a:ext>
-            </a:extLst>
-          </a:blip>
-          <a:srcRect r="-1" b="6724"/>
-          <a:stretch/>
-        </p:blipFill>
-        <p:spPr>
-          <a:xfrm>
-            <a:off x="2328204" y="2064770"/>
-            <a:ext cx="7532541" cy="5269484"/>
-          </a:xfrm>
-          <a:prstGeom prst="rect">
-            <a:avLst/>
-          </a:prstGeom>
-          <a:ln>
-            <a:noFill/>
-          </a:ln>
-          <a:effectLst>
-            <a:outerShdw blurRad="190500" algn="tl" rotWithShape="0">
-              <a:srgbClr val="000000">
-                <a:alpha val="70000"/>
-              </a:srgbClr>
-            </a:outerShdw>
-          </a:effectLst>
-        </p:spPr>
-      </p:pic>
-      <p:sp>
-        <p:nvSpPr>
-          <p:cNvPr id="11" name="Retângulo 10">
-            <a:extLst>
-              <a:ext uri="{FF2B5EF4-FFF2-40B4-BE49-F238E27FC236}">
-                <a16:creationId xmlns:a16="http://schemas.microsoft.com/office/drawing/2014/main" id="{B5FCB760-D8B4-49CE-8328-B49D30EAEAAB}"/>
-              </a:ext>
-            </a:extLst>
-          </p:cNvPr>
-          <p:cNvSpPr/>
-          <p:nvPr/>
-        </p:nvSpPr>
-        <p:spPr>
-          <a:xfrm>
-            <a:off x="0" y="0"/>
-            <a:ext cx="12192000" cy="1917290"/>
-          </a:xfrm>
-          <a:prstGeom prst="rect">
-            <a:avLst/>
-          </a:prstGeom>
-          <a:solidFill>
-            <a:srgbClr val="5881C0"/>
-          </a:solidFill>
-          <a:ln>
-            <a:solidFill>
-              <a:srgbClr val="5881C0"/>
-            </a:solidFill>
-          </a:ln>
-        </p:spPr>
-        <p:style>
-          <a:lnRef idx="2">
-            <a:schemeClr val="accent1">
-              <a:shade val="50000"/>
-            </a:schemeClr>
-          </a:lnRef>
-          <a:fillRef idx="1">
-            <a:schemeClr val="accent1"/>
-          </a:fillRef>
-          <a:effectRef idx="0">
-            <a:schemeClr val="accent1"/>
-          </a:effectRef>
-          <a:fontRef idx="minor">
-            <a:schemeClr val="lt1"/>
-          </a:fontRef>
-        </p:style>
-        <p:txBody>
-          <a:bodyPr rtlCol="0" anchor="ctr"/>
-          <a:lstStyle/>
-          <a:p>
-            <a:pPr algn="ctr"/>
             <a:endParaRPr lang="pt-BR" b="1" dirty="0">
               <a:effectLst>
                 <a:outerShdw blurRad="38100" dist="38100" dir="2700000" algn="tl">
@@ -11202,7 +10818,7 @@
           <p:cNvPr id="2" name="Título 1">
             <a:extLst>
               <a:ext uri="{FF2B5EF4-FFF2-40B4-BE49-F238E27FC236}">
-                <a16:creationId xmlns:a16="http://schemas.microsoft.com/office/drawing/2014/main" id="{622E59CC-F430-4678-9423-C4E72D202EEB}"/>
+                <a16:creationId xmlns:a16="http://schemas.microsoft.com/office/drawing/2014/main" id="{D8BBF75D-40F0-488B-89AB-961FDBB3E783}"/>
               </a:ext>
             </a:extLst>
           </p:cNvPr>
@@ -11215,14 +10831,12 @@
         </p:nvSpPr>
         <p:spPr>
           <a:xfrm>
-            <a:off x="836674" y="57854"/>
-            <a:ext cx="10515600" cy="1288784"/>
-          </a:xfrm>
-        </p:spPr>
-        <p:txBody>
-          <a:bodyPr>
-            <a:normAutofit/>
-          </a:bodyPr>
+            <a:off x="838199" y="0"/>
+            <a:ext cx="10515600" cy="1325563"/>
+          </a:xfrm>
+        </p:spPr>
+        <p:txBody>
+          <a:bodyPr/>
           <a:lstStyle/>
           <a:p>
             <a:pPr algn="ctr"/>
@@ -11238,17 +10852,58 @@
                 <a:latin typeface="Arial" panose="020B0604020202020204" pitchFamily="34" charset="0"/>
                 <a:cs typeface="Arial" panose="020B0604020202020204" pitchFamily="34" charset="0"/>
               </a:rPr>
-              <a:t>Onde verificar?</a:t>
+              <a:t>Tela de login</a:t>
             </a:r>
           </a:p>
         </p:txBody>
       </p:sp>
       <p:pic>
         <p:nvPicPr>
-          <p:cNvPr id="14" name="Imagem 13">
-            <a:extLst>
-              <a:ext uri="{FF2B5EF4-FFF2-40B4-BE49-F238E27FC236}">
-                <a16:creationId xmlns:a16="http://schemas.microsoft.com/office/drawing/2014/main" id="{95D4A2B8-C3A0-414E-ABDA-1BE3B82146A1}"/>
+          <p:cNvPr id="4" name="Espaço Reservado para Conteúdo 3">
+            <a:extLst>
+              <a:ext uri="{FF2B5EF4-FFF2-40B4-BE49-F238E27FC236}">
+                <a16:creationId xmlns:a16="http://schemas.microsoft.com/office/drawing/2014/main" id="{4B142877-9668-48D1-B6F2-1E0F020C453D}"/>
+              </a:ext>
+            </a:extLst>
+          </p:cNvPr>
+          <p:cNvPicPr>
+            <a:picLocks noGrp="1"/>
+          </p:cNvPicPr>
+          <p:nvPr>
+            <p:ph idx="1"/>
+          </p:nvPr>
+        </p:nvPicPr>
+        <p:blipFill rotWithShape="1">
+          <a:blip r:embed="rId2"/>
+          <a:srcRect l="10374" t="10558" r="18313" b="21207"/>
+          <a:stretch/>
+        </p:blipFill>
+        <p:spPr>
+          <a:xfrm>
+            <a:off x="2009248" y="2064770"/>
+            <a:ext cx="8173502" cy="4715303"/>
+          </a:xfrm>
+          <a:prstGeom prst="rect">
+            <a:avLst/>
+          </a:prstGeom>
+          <a:ln>
+            <a:noFill/>
+          </a:ln>
+          <a:effectLst>
+            <a:outerShdw blurRad="190500" algn="tl" rotWithShape="0">
+              <a:srgbClr val="000000">
+                <a:alpha val="70000"/>
+              </a:srgbClr>
+            </a:outerShdw>
+          </a:effectLst>
+        </p:spPr>
+      </p:pic>
+      <p:pic>
+        <p:nvPicPr>
+          <p:cNvPr id="6" name="Imagem 5">
+            <a:extLst>
+              <a:ext uri="{FF2B5EF4-FFF2-40B4-BE49-F238E27FC236}">
+                <a16:creationId xmlns:a16="http://schemas.microsoft.com/office/drawing/2014/main" id="{97EC46F0-A40E-4C02-AF04-C0849E583086}"/>
               </a:ext>
             </a:extLst>
           </p:cNvPr>
@@ -11283,10 +10938,10 @@
       </p:pic>
       <p:sp>
         <p:nvSpPr>
-          <p:cNvPr id="15" name="Retângulo 14">
-            <a:extLst>
-              <a:ext uri="{FF2B5EF4-FFF2-40B4-BE49-F238E27FC236}">
-                <a16:creationId xmlns:a16="http://schemas.microsoft.com/office/drawing/2014/main" id="{718D03FC-FF3B-4D33-A8D1-EE6DFCEE64CB}"/>
+          <p:cNvPr id="7" name="Retângulo 6">
+            <a:extLst>
+              <a:ext uri="{FF2B5EF4-FFF2-40B4-BE49-F238E27FC236}">
+                <a16:creationId xmlns:a16="http://schemas.microsoft.com/office/drawing/2014/main" id="{685942AF-9615-4B7E-B595-7C41ACE1238D}"/>
               </a:ext>
             </a:extLst>
           </p:cNvPr>
@@ -11327,20 +10982,20 @@
     </p:spTree>
     <p:extLst>
       <p:ext uri="{BB962C8B-B14F-4D97-AF65-F5344CB8AC3E}">
-        <p14:creationId xmlns:p14="http://schemas.microsoft.com/office/powerpoint/2010/main" val="4091551892"/>
+        <p14:creationId xmlns:p14="http://schemas.microsoft.com/office/powerpoint/2010/main" val="927129456"/>
       </p:ext>
     </p:extLst>
   </p:cSld>
   <p:clrMapOvr>
     <a:masterClrMapping/>
   </p:clrMapOvr>
-  <mc:AlternateContent xmlns:mc="http://schemas.openxmlformats.org/markup-compatibility/2006">
-    <mc:Choice xmlns:p14="http://schemas.microsoft.com/office/powerpoint/2010/main" Requires="p14">
+  <mc:AlternateContent xmlns:mc="http://schemas.openxmlformats.org/markup-compatibility/2006" xmlns:p14="http://schemas.microsoft.com/office/powerpoint/2010/main">
+    <mc:Choice Requires="p14">
       <p:transition spd="slow" p14:dur="1250">
         <p:wipe/>
       </p:transition>
     </mc:Choice>
-    <mc:Fallback>
+    <mc:Fallback xmlns="">
       <p:transition spd="slow">
         <p:wipe/>
       </p:transition>
@@ -11607,13 +11262,13 @@
   <p:clrMapOvr>
     <a:masterClrMapping/>
   </p:clrMapOvr>
-  <mc:AlternateContent xmlns:mc="http://schemas.openxmlformats.org/markup-compatibility/2006">
-    <mc:Choice xmlns:p14="http://schemas.microsoft.com/office/powerpoint/2010/main" Requires="p14">
+  <mc:AlternateContent xmlns:mc="http://schemas.openxmlformats.org/markup-compatibility/2006" xmlns:p14="http://schemas.microsoft.com/office/powerpoint/2010/main">
+    <mc:Choice Requires="p14">
       <p:transition spd="slow" p14:dur="1250">
         <p:wipe/>
       </p:transition>
     </mc:Choice>
-    <mc:Fallback>
+    <mc:Fallback xmlns="">
       <p:transition spd="slow">
         <p:wipe/>
       </p:transition>

--- a/SUSTABIL - Apresentação real.pptx
+++ b/SUSTABIL - Apresentação real.pptx
@@ -302,7 +302,7 @@
           <a:p>
             <a:fld id="{5D8AFB0F-FD72-4B7A-9B91-BDD5A838F994}" type="datetimeFigureOut">
               <a:rPr lang="pt-BR" smtClean="0"/>
-              <a:t>24/09/20</a:t>
+              <a:t>25/09/20</a:t>
             </a:fld>
             <a:endParaRPr lang="pt-BR"/>
           </a:p>
@@ -512,7 +512,7 @@
           <a:p>
             <a:fld id="{5D8AFB0F-FD72-4B7A-9B91-BDD5A838F994}" type="datetimeFigureOut">
               <a:rPr lang="pt-BR" smtClean="0"/>
-              <a:t>24/09/20</a:t>
+              <a:t>25/09/20</a:t>
             </a:fld>
             <a:endParaRPr lang="pt-BR"/>
           </a:p>
@@ -732,7 +732,7 @@
           <a:p>
             <a:fld id="{5D8AFB0F-FD72-4B7A-9B91-BDD5A838F994}" type="datetimeFigureOut">
               <a:rPr lang="pt-BR" smtClean="0"/>
-              <a:t>24/09/20</a:t>
+              <a:t>25/09/20</a:t>
             </a:fld>
             <a:endParaRPr lang="pt-BR"/>
           </a:p>
@@ -942,7 +942,7 @@
           <a:p>
             <a:fld id="{5D8AFB0F-FD72-4B7A-9B91-BDD5A838F994}" type="datetimeFigureOut">
               <a:rPr lang="pt-BR" smtClean="0"/>
-              <a:t>24/09/20</a:t>
+              <a:t>25/09/20</a:t>
             </a:fld>
             <a:endParaRPr lang="pt-BR"/>
           </a:p>
@@ -1229,7 +1229,7 @@
           <a:p>
             <a:fld id="{5D8AFB0F-FD72-4B7A-9B91-BDD5A838F994}" type="datetimeFigureOut">
               <a:rPr lang="pt-BR" smtClean="0"/>
-              <a:t>24/09/20</a:t>
+              <a:t>25/09/20</a:t>
             </a:fld>
             <a:endParaRPr lang="pt-BR"/>
           </a:p>
@@ -1506,7 +1506,7 @@
           <a:p>
             <a:fld id="{5D8AFB0F-FD72-4B7A-9B91-BDD5A838F994}" type="datetimeFigureOut">
               <a:rPr lang="pt-BR" smtClean="0"/>
-              <a:t>24/09/20</a:t>
+              <a:t>25/09/20</a:t>
             </a:fld>
             <a:endParaRPr lang="pt-BR"/>
           </a:p>
@@ -1930,7 +1930,7 @@
           <a:p>
             <a:fld id="{5D8AFB0F-FD72-4B7A-9B91-BDD5A838F994}" type="datetimeFigureOut">
               <a:rPr lang="pt-BR" smtClean="0"/>
-              <a:t>24/09/20</a:t>
+              <a:t>25/09/20</a:t>
             </a:fld>
             <a:endParaRPr lang="pt-BR"/>
           </a:p>
@@ -2083,7 +2083,7 @@
           <a:p>
             <a:fld id="{5D8AFB0F-FD72-4B7A-9B91-BDD5A838F994}" type="datetimeFigureOut">
               <a:rPr lang="pt-BR" smtClean="0"/>
-              <a:t>24/09/20</a:t>
+              <a:t>25/09/20</a:t>
             </a:fld>
             <a:endParaRPr lang="pt-BR"/>
           </a:p>
@@ -2208,7 +2208,7 @@
           <a:p>
             <a:fld id="{5D8AFB0F-FD72-4B7A-9B91-BDD5A838F994}" type="datetimeFigureOut">
               <a:rPr lang="pt-BR" smtClean="0"/>
-              <a:t>24/09/20</a:t>
+              <a:t>25/09/20</a:t>
             </a:fld>
             <a:endParaRPr lang="pt-BR"/>
           </a:p>
@@ -2531,7 +2531,7 @@
           <a:p>
             <a:fld id="{5D8AFB0F-FD72-4B7A-9B91-BDD5A838F994}" type="datetimeFigureOut">
               <a:rPr lang="pt-BR" smtClean="0"/>
-              <a:t>24/09/20</a:t>
+              <a:t>25/09/20</a:t>
             </a:fld>
             <a:endParaRPr lang="pt-BR"/>
           </a:p>
@@ -2831,7 +2831,7 @@
           <a:p>
             <a:fld id="{5D8AFB0F-FD72-4B7A-9B91-BDD5A838F994}" type="datetimeFigureOut">
               <a:rPr lang="pt-BR" smtClean="0"/>
-              <a:t>24/09/20</a:t>
+              <a:t>25/09/20</a:t>
             </a:fld>
             <a:endParaRPr lang="pt-BR"/>
           </a:p>
@@ -3084,7 +3084,7 @@
           <a:p>
             <a:fld id="{5D8AFB0F-FD72-4B7A-9B91-BDD5A838F994}" type="datetimeFigureOut">
               <a:rPr lang="pt-BR" smtClean="0"/>
-              <a:t>24/09/20</a:t>
+              <a:t>25/09/20</a:t>
             </a:fld>
             <a:endParaRPr lang="pt-BR"/>
           </a:p>
@@ -5506,36 +5506,6 @@
           </a:prstGeom>
         </p:spPr>
       </p:pic>
-      <p:pic>
-        <p:nvPicPr>
-          <p:cNvPr id="3" name="Imagem 2">
-            <a:extLst>
-              <a:ext uri="{FF2B5EF4-FFF2-40B4-BE49-F238E27FC236}">
-                <a16:creationId xmlns:a16="http://schemas.microsoft.com/office/drawing/2014/main" id="{0890E4AA-4730-4DD6-BECF-0678E65A1179}"/>
-              </a:ext>
-            </a:extLst>
-          </p:cNvPr>
-          <p:cNvPicPr>
-            <a:picLocks noChangeAspect="1"/>
-          </p:cNvPicPr>
-          <p:nvPr/>
-        </p:nvPicPr>
-        <p:blipFill>
-          <a:blip r:embed="rId3"/>
-          <a:stretch>
-            <a:fillRect/>
-          </a:stretch>
-        </p:blipFill>
-        <p:spPr>
-          <a:xfrm>
-            <a:off x="6674219" y="2064770"/>
-            <a:ext cx="3548824" cy="4444321"/>
-          </a:xfrm>
-          <a:prstGeom prst="rect">
-            <a:avLst/>
-          </a:prstGeom>
-        </p:spPr>
-      </p:pic>
       <p:sp>
         <p:nvSpPr>
           <p:cNvPr id="6" name="CaixaDeTexto 5">
@@ -5649,7 +5619,7 @@
           <p:nvPr/>
         </p:nvPicPr>
         <p:blipFill>
-          <a:blip r:embed="rId4"/>
+          <a:blip r:embed="rId3"/>
           <a:stretch>
             <a:fillRect/>
           </a:stretch>
@@ -5715,6 +5685,36 @@
           </a:p>
         </p:txBody>
       </p:sp>
+      <p:pic>
+        <p:nvPicPr>
+          <p:cNvPr id="4" name="Imagem 3">
+            <a:extLst>
+              <a:ext uri="{FF2B5EF4-FFF2-40B4-BE49-F238E27FC236}">
+                <a16:creationId xmlns:a16="http://schemas.microsoft.com/office/drawing/2014/main" id="{86EB7040-0C45-4A30-89AC-4E79394EAD8F}"/>
+              </a:ext>
+            </a:extLst>
+          </p:cNvPr>
+          <p:cNvPicPr>
+            <a:picLocks noChangeAspect="1"/>
+          </p:cNvPicPr>
+          <p:nvPr/>
+        </p:nvPicPr>
+        <p:blipFill>
+          <a:blip r:embed="rId4"/>
+          <a:stretch>
+            <a:fillRect/>
+          </a:stretch>
+        </p:blipFill>
+        <p:spPr>
+          <a:xfrm>
+            <a:off x="6674218" y="2064770"/>
+            <a:ext cx="3620108" cy="4339769"/>
+          </a:xfrm>
+          <a:prstGeom prst="rect">
+            <a:avLst/>
+          </a:prstGeom>
+        </p:spPr>
+      </p:pic>
     </p:spTree>
     <p:extLst>
       <p:ext uri="{BB962C8B-B14F-4D97-AF65-F5344CB8AC3E}">
